--- a/icons/icons.pptx
+++ b/icons/icons.pptx
@@ -1,43 +1,49 @@
 
 <file path=ppt/presentation.xml><?xml version="1.0" encoding="utf-8"?>
-<p:presentation xmlns:a="http://schemas.openxmlformats.org/drawingml/2006/main" xmlns:r="http://schemas.openxmlformats.org/officeDocument/2006/relationships" xmlns:p="http://schemas.openxmlformats.org/presentationml/2006/main" saveSubsetFonts="1">
+<p:presentation xmlns:a="http://schemas.openxmlformats.org/drawingml/2006/main" xmlns:r="http://schemas.openxmlformats.org/officeDocument/2006/relationships" xmlns:p="http://schemas.openxmlformats.org/presentationml/2006/main" saveSubsetFonts="1" autoCompressPictures="0">
   <p:sldMasterIdLst>
     <p:sldMasterId id="2147483648" r:id="rId1"/>
   </p:sldMasterIdLst>
+  <p:notesMasterIdLst>
+    <p:notesMasterId r:id="rId38"/>
+  </p:notesMasterIdLst>
   <p:sldIdLst>
     <p:sldId id="286" r:id="rId2"/>
     <p:sldId id="309" r:id="rId3"/>
     <p:sldId id="310" r:id="rId4"/>
     <p:sldId id="311" r:id="rId5"/>
-    <p:sldId id="312" r:id="rId6"/>
-    <p:sldId id="313" r:id="rId7"/>
-    <p:sldId id="314" r:id="rId8"/>
-    <p:sldId id="315" r:id="rId9"/>
-    <p:sldId id="317" r:id="rId10"/>
-    <p:sldId id="316" r:id="rId11"/>
-    <p:sldId id="318" r:id="rId12"/>
-    <p:sldId id="308" r:id="rId13"/>
-    <p:sldId id="287" r:id="rId14"/>
-    <p:sldId id="288" r:id="rId15"/>
-    <p:sldId id="289" r:id="rId16"/>
-    <p:sldId id="290" r:id="rId17"/>
-    <p:sldId id="291" r:id="rId18"/>
-    <p:sldId id="292" r:id="rId19"/>
-    <p:sldId id="293" r:id="rId20"/>
-    <p:sldId id="294" r:id="rId21"/>
-    <p:sldId id="295" r:id="rId22"/>
-    <p:sldId id="296" r:id="rId23"/>
-    <p:sldId id="297" r:id="rId24"/>
-    <p:sldId id="298" r:id="rId25"/>
-    <p:sldId id="299" r:id="rId26"/>
-    <p:sldId id="300" r:id="rId27"/>
-    <p:sldId id="301" r:id="rId28"/>
-    <p:sldId id="302" r:id="rId29"/>
-    <p:sldId id="303" r:id="rId30"/>
-    <p:sldId id="304" r:id="rId31"/>
-    <p:sldId id="305" r:id="rId32"/>
-    <p:sldId id="306" r:id="rId33"/>
-    <p:sldId id="307" r:id="rId34"/>
+    <p:sldId id="324" r:id="rId6"/>
+    <p:sldId id="323" r:id="rId7"/>
+    <p:sldId id="325" r:id="rId8"/>
+    <p:sldId id="313" r:id="rId9"/>
+    <p:sldId id="314" r:id="rId10"/>
+    <p:sldId id="315" r:id="rId11"/>
+    <p:sldId id="317" r:id="rId12"/>
+    <p:sldId id="316" r:id="rId13"/>
+    <p:sldId id="320" r:id="rId14"/>
+    <p:sldId id="321" r:id="rId15"/>
+    <p:sldId id="322" r:id="rId16"/>
+    <p:sldId id="287" r:id="rId17"/>
+    <p:sldId id="288" r:id="rId18"/>
+    <p:sldId id="289" r:id="rId19"/>
+    <p:sldId id="290" r:id="rId20"/>
+    <p:sldId id="291" r:id="rId21"/>
+    <p:sldId id="292" r:id="rId22"/>
+    <p:sldId id="293" r:id="rId23"/>
+    <p:sldId id="294" r:id="rId24"/>
+    <p:sldId id="295" r:id="rId25"/>
+    <p:sldId id="296" r:id="rId26"/>
+    <p:sldId id="297" r:id="rId27"/>
+    <p:sldId id="298" r:id="rId28"/>
+    <p:sldId id="299" r:id="rId29"/>
+    <p:sldId id="300" r:id="rId30"/>
+    <p:sldId id="301" r:id="rId31"/>
+    <p:sldId id="302" r:id="rId32"/>
+    <p:sldId id="303" r:id="rId33"/>
+    <p:sldId id="304" r:id="rId34"/>
+    <p:sldId id="305" r:id="rId35"/>
+    <p:sldId id="306" r:id="rId36"/>
+    <p:sldId id="307" r:id="rId37"/>
   </p:sldIdLst>
   <p:sldSz cx="9144000" cy="6858000" type="screen4x3"/>
   <p:notesSz cx="6858000" cy="9144000"/>
@@ -137,6 +143,440 @@
     </a:lvl9pPr>
   </p:defaultTextStyle>
 </p:presentation>
+</file>
+
+<file path=ppt/notesMasters/notesMaster1.xml><?xml version="1.0" encoding="utf-8"?>
+<p:notesMaster xmlns:a="http://schemas.openxmlformats.org/drawingml/2006/main" xmlns:r="http://schemas.openxmlformats.org/officeDocument/2006/relationships" xmlns:p="http://schemas.openxmlformats.org/presentationml/2006/main">
+  <p:cSld>
+    <p:bg>
+      <p:bgRef idx="1001">
+        <a:schemeClr val="bg1"/>
+      </p:bgRef>
+    </p:bg>
+    <p:spTree>
+      <p:nvGrpSpPr>
+        <p:cNvPr id="1" name=""/>
+        <p:cNvGrpSpPr/>
+        <p:nvPr/>
+      </p:nvGrpSpPr>
+      <p:grpSpPr>
+        <a:xfrm>
+          <a:off x="0" y="0"/>
+          <a:ext cx="0" cy="0"/>
+          <a:chOff x="0" y="0"/>
+          <a:chExt cx="0" cy="0"/>
+        </a:xfrm>
+      </p:grpSpPr>
+      <p:sp>
+        <p:nvSpPr>
+          <p:cNvPr id="2" name="Header Placeholder 1"/>
+          <p:cNvSpPr>
+            <a:spLocks noGrp="1"/>
+          </p:cNvSpPr>
+          <p:nvPr>
+            <p:ph type="hdr" sz="quarter"/>
+          </p:nvPr>
+        </p:nvSpPr>
+        <p:spPr>
+          <a:xfrm>
+            <a:off x="0" y="0"/>
+            <a:ext cx="2971800" cy="457200"/>
+          </a:xfrm>
+          <a:prstGeom prst="rect">
+            <a:avLst/>
+          </a:prstGeom>
+        </p:spPr>
+        <p:txBody>
+          <a:bodyPr vert="horz" lIns="91440" tIns="45720" rIns="91440" bIns="45720" rtlCol="0"/>
+          <a:lstStyle>
+            <a:lvl1pPr algn="l">
+              <a:defRPr sz="1200"/>
+            </a:lvl1pPr>
+          </a:lstStyle>
+          <a:p>
+            <a:endParaRPr lang="en-US"/>
+          </a:p>
+        </p:txBody>
+      </p:sp>
+      <p:sp>
+        <p:nvSpPr>
+          <p:cNvPr id="3" name="Date Placeholder 2"/>
+          <p:cNvSpPr>
+            <a:spLocks noGrp="1"/>
+          </p:cNvSpPr>
+          <p:nvPr>
+            <p:ph type="dt" idx="1"/>
+          </p:nvPr>
+        </p:nvSpPr>
+        <p:spPr>
+          <a:xfrm>
+            <a:off x="3884613" y="0"/>
+            <a:ext cx="2971800" cy="457200"/>
+          </a:xfrm>
+          <a:prstGeom prst="rect">
+            <a:avLst/>
+          </a:prstGeom>
+        </p:spPr>
+        <p:txBody>
+          <a:bodyPr vert="horz" lIns="91440" tIns="45720" rIns="91440" bIns="45720" rtlCol="0"/>
+          <a:lstStyle>
+            <a:lvl1pPr algn="r">
+              <a:defRPr sz="1200"/>
+            </a:lvl1pPr>
+          </a:lstStyle>
+          <a:p>
+            <a:fld id="{409A854A-4542-4C46-92B4-B1933D0339ED}" type="datetimeFigureOut">
+              <a:rPr lang="en-US" smtClean="0"/>
+              <a:t>2/10/2017</a:t>
+            </a:fld>
+            <a:endParaRPr lang="en-US"/>
+          </a:p>
+        </p:txBody>
+      </p:sp>
+      <p:sp>
+        <p:nvSpPr>
+          <p:cNvPr id="4" name="Slide Image Placeholder 3"/>
+          <p:cNvSpPr>
+            <a:spLocks noGrp="1" noRot="1" noChangeAspect="1"/>
+          </p:cNvSpPr>
+          <p:nvPr>
+            <p:ph type="sldImg" idx="2"/>
+          </p:nvPr>
+        </p:nvSpPr>
+        <p:spPr>
+          <a:xfrm>
+            <a:off x="1143000" y="685800"/>
+            <a:ext cx="4572000" cy="3429000"/>
+          </a:xfrm>
+          <a:prstGeom prst="rect">
+            <a:avLst/>
+          </a:prstGeom>
+          <a:noFill/>
+          <a:ln w="12700">
+            <a:solidFill>
+              <a:prstClr val="black"/>
+            </a:solidFill>
+          </a:ln>
+        </p:spPr>
+        <p:txBody>
+          <a:bodyPr vert="horz" lIns="91440" tIns="45720" rIns="91440" bIns="45720" rtlCol="0" anchor="ctr"/>
+          <a:lstStyle/>
+          <a:p>
+            <a:endParaRPr lang="en-US"/>
+          </a:p>
+        </p:txBody>
+      </p:sp>
+      <p:sp>
+        <p:nvSpPr>
+          <p:cNvPr id="5" name="Notes Placeholder 4"/>
+          <p:cNvSpPr>
+            <a:spLocks noGrp="1"/>
+          </p:cNvSpPr>
+          <p:nvPr>
+            <p:ph type="body" sz="quarter" idx="3"/>
+          </p:nvPr>
+        </p:nvSpPr>
+        <p:spPr>
+          <a:xfrm>
+            <a:off x="685800" y="4343400"/>
+            <a:ext cx="5486400" cy="4114800"/>
+          </a:xfrm>
+          <a:prstGeom prst="rect">
+            <a:avLst/>
+          </a:prstGeom>
+        </p:spPr>
+        <p:txBody>
+          <a:bodyPr vert="horz" lIns="91440" tIns="45720" rIns="91440" bIns="45720" rtlCol="0"/>
+          <a:lstStyle/>
+          <a:p>
+            <a:pPr lvl="0"/>
+            <a:r>
+              <a:rPr lang="en-US" smtClean="0"/>
+              <a:t>Click to edit Master text styles</a:t>
+            </a:r>
+          </a:p>
+          <a:p>
+            <a:pPr lvl="1"/>
+            <a:r>
+              <a:rPr lang="en-US" smtClean="0"/>
+              <a:t>Second level</a:t>
+            </a:r>
+          </a:p>
+          <a:p>
+            <a:pPr lvl="2"/>
+            <a:r>
+              <a:rPr lang="en-US" smtClean="0"/>
+              <a:t>Third level</a:t>
+            </a:r>
+          </a:p>
+          <a:p>
+            <a:pPr lvl="3"/>
+            <a:r>
+              <a:rPr lang="en-US" smtClean="0"/>
+              <a:t>Fourth level</a:t>
+            </a:r>
+          </a:p>
+          <a:p>
+            <a:pPr lvl="4"/>
+            <a:r>
+              <a:rPr lang="en-US" smtClean="0"/>
+              <a:t>Fifth level</a:t>
+            </a:r>
+            <a:endParaRPr lang="en-US"/>
+          </a:p>
+        </p:txBody>
+      </p:sp>
+      <p:sp>
+        <p:nvSpPr>
+          <p:cNvPr id="6" name="Footer Placeholder 5"/>
+          <p:cNvSpPr>
+            <a:spLocks noGrp="1"/>
+          </p:cNvSpPr>
+          <p:nvPr>
+            <p:ph type="ftr" sz="quarter" idx="4"/>
+          </p:nvPr>
+        </p:nvSpPr>
+        <p:spPr>
+          <a:xfrm>
+            <a:off x="0" y="8685213"/>
+            <a:ext cx="2971800" cy="457200"/>
+          </a:xfrm>
+          <a:prstGeom prst="rect">
+            <a:avLst/>
+          </a:prstGeom>
+        </p:spPr>
+        <p:txBody>
+          <a:bodyPr vert="horz" lIns="91440" tIns="45720" rIns="91440" bIns="45720" rtlCol="0" anchor="b"/>
+          <a:lstStyle>
+            <a:lvl1pPr algn="l">
+              <a:defRPr sz="1200"/>
+            </a:lvl1pPr>
+          </a:lstStyle>
+          <a:p>
+            <a:endParaRPr lang="en-US"/>
+          </a:p>
+        </p:txBody>
+      </p:sp>
+      <p:sp>
+        <p:nvSpPr>
+          <p:cNvPr id="7" name="Slide Number Placeholder 6"/>
+          <p:cNvSpPr>
+            <a:spLocks noGrp="1"/>
+          </p:cNvSpPr>
+          <p:nvPr>
+            <p:ph type="sldNum" sz="quarter" idx="5"/>
+          </p:nvPr>
+        </p:nvSpPr>
+        <p:spPr>
+          <a:xfrm>
+            <a:off x="3884613" y="8685213"/>
+            <a:ext cx="2971800" cy="457200"/>
+          </a:xfrm>
+          <a:prstGeom prst="rect">
+            <a:avLst/>
+          </a:prstGeom>
+        </p:spPr>
+        <p:txBody>
+          <a:bodyPr vert="horz" lIns="91440" tIns="45720" rIns="91440" bIns="45720" rtlCol="0" anchor="b"/>
+          <a:lstStyle>
+            <a:lvl1pPr algn="r">
+              <a:defRPr sz="1200"/>
+            </a:lvl1pPr>
+          </a:lstStyle>
+          <a:p>
+            <a:fld id="{23A60511-65DA-4553-975B-47BBB9AD5F84}" type="slidenum">
+              <a:rPr lang="en-US" smtClean="0"/>
+              <a:t>‹#›</a:t>
+            </a:fld>
+            <a:endParaRPr lang="en-US"/>
+          </a:p>
+        </p:txBody>
+      </p:sp>
+    </p:spTree>
+    <p:extLst>
+      <p:ext uri="{BB962C8B-B14F-4D97-AF65-F5344CB8AC3E}">
+        <p14:creationId xmlns:p14="http://schemas.microsoft.com/office/powerpoint/2010/main" val="2700494425"/>
+      </p:ext>
+    </p:extLst>
+  </p:cSld>
+  <p:clrMap bg1="lt1" tx1="dk1" bg2="lt2" tx2="dk2" accent1="accent1" accent2="accent2" accent3="accent3" accent4="accent4" accent5="accent5" accent6="accent6" hlink="hlink" folHlink="folHlink"/>
+  <p:notesStyle>
+    <a:lvl1pPr marL="0" algn="l" defTabSz="914400" rtl="0" eaLnBrk="1" latinLnBrk="0" hangingPunct="1">
+      <a:defRPr sz="1200" kern="1200">
+        <a:solidFill>
+          <a:schemeClr val="tx1"/>
+        </a:solidFill>
+        <a:latin typeface="+mn-lt"/>
+        <a:ea typeface="+mn-ea"/>
+        <a:cs typeface="+mn-cs"/>
+      </a:defRPr>
+    </a:lvl1pPr>
+    <a:lvl2pPr marL="457200" algn="l" defTabSz="914400" rtl="0" eaLnBrk="1" latinLnBrk="0" hangingPunct="1">
+      <a:defRPr sz="1200" kern="1200">
+        <a:solidFill>
+          <a:schemeClr val="tx1"/>
+        </a:solidFill>
+        <a:latin typeface="+mn-lt"/>
+        <a:ea typeface="+mn-ea"/>
+        <a:cs typeface="+mn-cs"/>
+      </a:defRPr>
+    </a:lvl2pPr>
+    <a:lvl3pPr marL="914400" algn="l" defTabSz="914400" rtl="0" eaLnBrk="1" latinLnBrk="0" hangingPunct="1">
+      <a:defRPr sz="1200" kern="1200">
+        <a:solidFill>
+          <a:schemeClr val="tx1"/>
+        </a:solidFill>
+        <a:latin typeface="+mn-lt"/>
+        <a:ea typeface="+mn-ea"/>
+        <a:cs typeface="+mn-cs"/>
+      </a:defRPr>
+    </a:lvl3pPr>
+    <a:lvl4pPr marL="1371600" algn="l" defTabSz="914400" rtl="0" eaLnBrk="1" latinLnBrk="0" hangingPunct="1">
+      <a:defRPr sz="1200" kern="1200">
+        <a:solidFill>
+          <a:schemeClr val="tx1"/>
+        </a:solidFill>
+        <a:latin typeface="+mn-lt"/>
+        <a:ea typeface="+mn-ea"/>
+        <a:cs typeface="+mn-cs"/>
+      </a:defRPr>
+    </a:lvl4pPr>
+    <a:lvl5pPr marL="1828800" algn="l" defTabSz="914400" rtl="0" eaLnBrk="1" latinLnBrk="0" hangingPunct="1">
+      <a:defRPr sz="1200" kern="1200">
+        <a:solidFill>
+          <a:schemeClr val="tx1"/>
+        </a:solidFill>
+        <a:latin typeface="+mn-lt"/>
+        <a:ea typeface="+mn-ea"/>
+        <a:cs typeface="+mn-cs"/>
+      </a:defRPr>
+    </a:lvl5pPr>
+    <a:lvl6pPr marL="2286000" algn="l" defTabSz="914400" rtl="0" eaLnBrk="1" latinLnBrk="0" hangingPunct="1">
+      <a:defRPr sz="1200" kern="1200">
+        <a:solidFill>
+          <a:schemeClr val="tx1"/>
+        </a:solidFill>
+        <a:latin typeface="+mn-lt"/>
+        <a:ea typeface="+mn-ea"/>
+        <a:cs typeface="+mn-cs"/>
+      </a:defRPr>
+    </a:lvl6pPr>
+    <a:lvl7pPr marL="2743200" algn="l" defTabSz="914400" rtl="0" eaLnBrk="1" latinLnBrk="0" hangingPunct="1">
+      <a:defRPr sz="1200" kern="1200">
+        <a:solidFill>
+          <a:schemeClr val="tx1"/>
+        </a:solidFill>
+        <a:latin typeface="+mn-lt"/>
+        <a:ea typeface="+mn-ea"/>
+        <a:cs typeface="+mn-cs"/>
+      </a:defRPr>
+    </a:lvl7pPr>
+    <a:lvl8pPr marL="3200400" algn="l" defTabSz="914400" rtl="0" eaLnBrk="1" latinLnBrk="0" hangingPunct="1">
+      <a:defRPr sz="1200" kern="1200">
+        <a:solidFill>
+          <a:schemeClr val="tx1"/>
+        </a:solidFill>
+        <a:latin typeface="+mn-lt"/>
+        <a:ea typeface="+mn-ea"/>
+        <a:cs typeface="+mn-cs"/>
+      </a:defRPr>
+    </a:lvl8pPr>
+    <a:lvl9pPr marL="3657600" algn="l" defTabSz="914400" rtl="0" eaLnBrk="1" latinLnBrk="0" hangingPunct="1">
+      <a:defRPr sz="1200" kern="1200">
+        <a:solidFill>
+          <a:schemeClr val="tx1"/>
+        </a:solidFill>
+        <a:latin typeface="+mn-lt"/>
+        <a:ea typeface="+mn-ea"/>
+        <a:cs typeface="+mn-cs"/>
+      </a:defRPr>
+    </a:lvl9pPr>
+  </p:notesStyle>
+</p:notesMaster>
+</file>
+
+<file path=ppt/notesSlides/notesSlide1.xml><?xml version="1.0" encoding="utf-8"?>
+<p:notes xmlns:a="http://schemas.openxmlformats.org/drawingml/2006/main" xmlns:r="http://schemas.openxmlformats.org/officeDocument/2006/relationships" xmlns:p="http://schemas.openxmlformats.org/presentationml/2006/main">
+  <p:cSld>
+    <p:spTree>
+      <p:nvGrpSpPr>
+        <p:cNvPr id="1" name=""/>
+        <p:cNvGrpSpPr/>
+        <p:nvPr/>
+      </p:nvGrpSpPr>
+      <p:grpSpPr>
+        <a:xfrm>
+          <a:off x="0" y="0"/>
+          <a:ext cx="0" cy="0"/>
+          <a:chOff x="0" y="0"/>
+          <a:chExt cx="0" cy="0"/>
+        </a:xfrm>
+      </p:grpSpPr>
+      <p:sp>
+        <p:nvSpPr>
+          <p:cNvPr id="2" name="Slide Image Placeholder 1"/>
+          <p:cNvSpPr>
+            <a:spLocks noGrp="1" noRot="1" noChangeAspect="1"/>
+          </p:cNvSpPr>
+          <p:nvPr>
+            <p:ph type="sldImg"/>
+          </p:nvPr>
+        </p:nvSpPr>
+        <p:spPr/>
+      </p:sp>
+      <p:sp>
+        <p:nvSpPr>
+          <p:cNvPr id="3" name="Notes Placeholder 2"/>
+          <p:cNvSpPr>
+            <a:spLocks noGrp="1"/>
+          </p:cNvSpPr>
+          <p:nvPr>
+            <p:ph type="body" idx="1"/>
+          </p:nvPr>
+        </p:nvSpPr>
+        <p:spPr/>
+        <p:txBody>
+          <a:bodyPr/>
+          <a:lstStyle/>
+          <a:p>
+            <a:endParaRPr lang="en-US" dirty="0"/>
+          </a:p>
+        </p:txBody>
+      </p:sp>
+      <p:sp>
+        <p:nvSpPr>
+          <p:cNvPr id="4" name="Slide Number Placeholder 3"/>
+          <p:cNvSpPr>
+            <a:spLocks noGrp="1"/>
+          </p:cNvSpPr>
+          <p:nvPr>
+            <p:ph type="sldNum" sz="quarter" idx="10"/>
+          </p:nvPr>
+        </p:nvSpPr>
+        <p:spPr/>
+        <p:txBody>
+          <a:bodyPr/>
+          <a:lstStyle/>
+          <a:p>
+            <a:fld id="{23A60511-65DA-4553-975B-47BBB9AD5F84}" type="slidenum">
+              <a:rPr lang="en-US" smtClean="0"/>
+              <a:t>1</a:t>
+            </a:fld>
+            <a:endParaRPr lang="en-US"/>
+          </a:p>
+        </p:txBody>
+      </p:sp>
+    </p:spTree>
+    <p:extLst>
+      <p:ext uri="{BB962C8B-B14F-4D97-AF65-F5344CB8AC3E}">
+        <p14:creationId xmlns:p14="http://schemas.microsoft.com/office/powerpoint/2010/main" val="1274298518"/>
+      </p:ext>
+    </p:extLst>
+  </p:cSld>
+  <p:clrMapOvr>
+    <a:masterClrMapping/>
+  </p:clrMapOvr>
+</p:notes>
 </file>
 
 <file path=ppt/slideLayouts/slideLayout1.xml><?xml version="1.0" encoding="utf-8"?>
@@ -320,7 +760,7 @@
           <a:p>
             <a:fld id="{B6192DF9-7B65-41DB-B5A4-F73A2B2D849B}" type="datetimeFigureOut">
               <a:rPr lang="zh-TW" altLang="en-US" smtClean="0"/>
-              <a:t>2016/8/19</a:t>
+              <a:t>2017/2/10</a:t>
             </a:fld>
             <a:endParaRPr lang="zh-TW" altLang="en-US"/>
           </a:p>
@@ -490,7 +930,7 @@
           <a:p>
             <a:fld id="{B6192DF9-7B65-41DB-B5A4-F73A2B2D849B}" type="datetimeFigureOut">
               <a:rPr lang="zh-TW" altLang="en-US" smtClean="0"/>
-              <a:t>2016/8/19</a:t>
+              <a:t>2017/2/10</a:t>
             </a:fld>
             <a:endParaRPr lang="zh-TW" altLang="en-US"/>
           </a:p>
@@ -670,7 +1110,7 @@
           <a:p>
             <a:fld id="{B6192DF9-7B65-41DB-B5A4-F73A2B2D849B}" type="datetimeFigureOut">
               <a:rPr lang="zh-TW" altLang="en-US" smtClean="0"/>
-              <a:t>2016/8/19</a:t>
+              <a:t>2017/2/10</a:t>
             </a:fld>
             <a:endParaRPr lang="zh-TW" altLang="en-US"/>
           </a:p>
@@ -840,7 +1280,7 @@
           <a:p>
             <a:fld id="{B6192DF9-7B65-41DB-B5A4-F73A2B2D849B}" type="datetimeFigureOut">
               <a:rPr lang="zh-TW" altLang="en-US" smtClean="0"/>
-              <a:t>2016/8/19</a:t>
+              <a:t>2017/2/10</a:t>
             </a:fld>
             <a:endParaRPr lang="zh-TW" altLang="en-US"/>
           </a:p>
@@ -1086,7 +1526,7 @@
           <a:p>
             <a:fld id="{B6192DF9-7B65-41DB-B5A4-F73A2B2D849B}" type="datetimeFigureOut">
               <a:rPr lang="zh-TW" altLang="en-US" smtClean="0"/>
-              <a:t>2016/8/19</a:t>
+              <a:t>2017/2/10</a:t>
             </a:fld>
             <a:endParaRPr lang="zh-TW" altLang="en-US"/>
           </a:p>
@@ -1374,7 +1814,7 @@
           <a:p>
             <a:fld id="{B6192DF9-7B65-41DB-B5A4-F73A2B2D849B}" type="datetimeFigureOut">
               <a:rPr lang="zh-TW" altLang="en-US" smtClean="0"/>
-              <a:t>2016/8/19</a:t>
+              <a:t>2017/2/10</a:t>
             </a:fld>
             <a:endParaRPr lang="zh-TW" altLang="en-US"/>
           </a:p>
@@ -1796,7 +2236,7 @@
           <a:p>
             <a:fld id="{B6192DF9-7B65-41DB-B5A4-F73A2B2D849B}" type="datetimeFigureOut">
               <a:rPr lang="zh-TW" altLang="en-US" smtClean="0"/>
-              <a:t>2016/8/19</a:t>
+              <a:t>2017/2/10</a:t>
             </a:fld>
             <a:endParaRPr lang="zh-TW" altLang="en-US"/>
           </a:p>
@@ -1914,7 +2354,7 @@
           <a:p>
             <a:fld id="{B6192DF9-7B65-41DB-B5A4-F73A2B2D849B}" type="datetimeFigureOut">
               <a:rPr lang="zh-TW" altLang="en-US" smtClean="0"/>
-              <a:t>2016/8/19</a:t>
+              <a:t>2017/2/10</a:t>
             </a:fld>
             <a:endParaRPr lang="zh-TW" altLang="en-US"/>
           </a:p>
@@ -2009,7 +2449,7 @@
           <a:p>
             <a:fld id="{B6192DF9-7B65-41DB-B5A4-F73A2B2D849B}" type="datetimeFigureOut">
               <a:rPr lang="zh-TW" altLang="en-US" smtClean="0"/>
-              <a:t>2016/8/19</a:t>
+              <a:t>2017/2/10</a:t>
             </a:fld>
             <a:endParaRPr lang="zh-TW" altLang="en-US"/>
           </a:p>
@@ -2286,7 +2726,7 @@
           <a:p>
             <a:fld id="{B6192DF9-7B65-41DB-B5A4-F73A2B2D849B}" type="datetimeFigureOut">
               <a:rPr lang="zh-TW" altLang="en-US" smtClean="0"/>
-              <a:t>2016/8/19</a:t>
+              <a:t>2017/2/10</a:t>
             </a:fld>
             <a:endParaRPr lang="zh-TW" altLang="en-US"/>
           </a:p>
@@ -2539,7 +2979,7 @@
           <a:p>
             <a:fld id="{B6192DF9-7B65-41DB-B5A4-F73A2B2D849B}" type="datetimeFigureOut">
               <a:rPr lang="zh-TW" altLang="en-US" smtClean="0"/>
-              <a:t>2016/8/19</a:t>
+              <a:t>2017/2/10</a:t>
             </a:fld>
             <a:endParaRPr lang="zh-TW" altLang="en-US"/>
           </a:p>
@@ -2752,7 +3192,7 @@
           <a:p>
             <a:fld id="{B6192DF9-7B65-41DB-B5A4-F73A2B2D849B}" type="datetimeFigureOut">
               <a:rPr lang="zh-TW" altLang="en-US" smtClean="0"/>
-              <a:t>2016/8/19</a:t>
+              <a:t>2017/2/10</a:t>
             </a:fld>
             <a:endParaRPr lang="zh-TW" altLang="en-US"/>
           </a:p>
@@ -3171,159 +3611,207 @@
           </a:p>
         </p:txBody>
       </p:sp>
-      <p:grpSp>
-        <p:nvGrpSpPr>
-          <p:cNvPr id="12" name="Group 11"/>
-          <p:cNvGrpSpPr/>
+      <p:sp>
+        <p:nvSpPr>
+          <p:cNvPr id="2" name="Rounded Rectangle 1"/>
+          <p:cNvSpPr/>
           <p:nvPr/>
-        </p:nvGrpSpPr>
-        <p:grpSpPr>
+        </p:nvSpPr>
+        <p:spPr>
           <a:xfrm>
-            <a:off x="4112902" y="3036395"/>
-            <a:ext cx="918196" cy="785210"/>
-            <a:chOff x="2157788" y="3377704"/>
-            <a:chExt cx="900000" cy="761846"/>
+            <a:off x="4112902" y="3190836"/>
+            <a:ext cx="918196" cy="630769"/>
           </a:xfrm>
-        </p:grpSpPr>
-        <p:sp>
-          <p:nvSpPr>
-            <p:cNvPr id="2" name="Rounded Rectangle 1"/>
-            <p:cNvSpPr/>
-            <p:nvPr/>
-          </p:nvSpPr>
-          <p:spPr>
-            <a:xfrm>
-              <a:off x="2157788" y="3527550"/>
-              <a:ext cx="900000" cy="612000"/>
-            </a:xfrm>
-            <a:prstGeom prst="roundRect">
-              <a:avLst/>
-            </a:prstGeom>
+          <a:prstGeom prst="roundRect">
+            <a:avLst>
+              <a:gd name="adj" fmla="val 9683"/>
+            </a:avLst>
+          </a:prstGeom>
+          <a:solidFill>
+            <a:schemeClr val="bg1">
+              <a:lumMod val="65000"/>
+            </a:schemeClr>
+          </a:solidFill>
+          <a:ln w="50800">
+            <a:solidFill>
+              <a:schemeClr val="bg1">
+                <a:lumMod val="65000"/>
+              </a:schemeClr>
+            </a:solidFill>
+          </a:ln>
+        </p:spPr>
+        <p:style>
+          <a:lnRef idx="2">
+            <a:schemeClr val="accent1">
+              <a:shade val="50000"/>
+            </a:schemeClr>
+          </a:lnRef>
+          <a:fillRef idx="1">
+            <a:schemeClr val="accent1"/>
+          </a:fillRef>
+          <a:effectRef idx="0">
+            <a:schemeClr val="accent1"/>
+          </a:effectRef>
+          <a:fontRef idx="minor">
+            <a:schemeClr val="lt1"/>
+          </a:fontRef>
+        </p:style>
+        <p:txBody>
+          <a:bodyPr rtlCol="0" anchor="ctr"/>
+          <a:lstStyle/>
+          <a:p>
+            <a:pPr algn="ctr"/>
+            <a:endParaRPr lang="zh-TW" altLang="en-US"/>
+          </a:p>
+        </p:txBody>
+      </p:sp>
+      <p:sp>
+        <p:nvSpPr>
+          <p:cNvPr id="5" name="Trapezoid 4"/>
+          <p:cNvSpPr/>
+          <p:nvPr/>
+        </p:nvSpPr>
+        <p:spPr>
+          <a:xfrm>
+            <a:off x="4355976" y="3068960"/>
+            <a:ext cx="432048" cy="154440"/>
+          </a:xfrm>
+          <a:prstGeom prst="trapezoid">
+            <a:avLst>
+              <a:gd name="adj" fmla="val 51211"/>
+            </a:avLst>
+          </a:prstGeom>
+          <a:solidFill>
+            <a:schemeClr val="bg1">
+              <a:lumMod val="65000"/>
+            </a:schemeClr>
+          </a:solidFill>
+          <a:ln w="50800">
+            <a:solidFill>
+              <a:schemeClr val="bg1">
+                <a:lumMod val="65000"/>
+              </a:schemeClr>
+            </a:solidFill>
+            <a:miter lim="800000"/>
+          </a:ln>
+        </p:spPr>
+        <p:style>
+          <a:lnRef idx="2">
+            <a:schemeClr val="accent1">
+              <a:shade val="50000"/>
+            </a:schemeClr>
+          </a:lnRef>
+          <a:fillRef idx="1">
+            <a:schemeClr val="accent1"/>
+          </a:fillRef>
+          <a:effectRef idx="0">
+            <a:schemeClr val="accent1"/>
+          </a:effectRef>
+          <a:fontRef idx="minor">
+            <a:schemeClr val="lt1"/>
+          </a:fontRef>
+        </p:style>
+        <p:txBody>
+          <a:bodyPr rtlCol="0" anchor="ctr"/>
+          <a:lstStyle/>
+          <a:p>
+            <a:pPr algn="ctr"/>
+            <a:endParaRPr lang="zh-TW" altLang="en-US"/>
+          </a:p>
+        </p:txBody>
+      </p:sp>
+      <p:sp>
+        <p:nvSpPr>
+          <p:cNvPr id="6" name="Oval 5"/>
+          <p:cNvSpPr/>
+          <p:nvPr/>
+        </p:nvSpPr>
+        <p:spPr>
+          <a:xfrm>
+            <a:off x="4392000" y="3326220"/>
+            <a:ext cx="360000" cy="360000"/>
+          </a:xfrm>
+          <a:prstGeom prst="ellipse">
+            <a:avLst/>
+          </a:prstGeom>
+          <a:solidFill>
+            <a:schemeClr val="bg1"/>
+          </a:solidFill>
+          <a:ln w="50800">
             <a:noFill/>
-            <a:ln w="50800">
-              <a:solidFill>
-                <a:schemeClr val="tx1"/>
-              </a:solidFill>
-            </a:ln>
-          </p:spPr>
-          <p:style>
-            <a:lnRef idx="2">
-              <a:schemeClr val="accent1">
-                <a:shade val="50000"/>
-              </a:schemeClr>
-            </a:lnRef>
-            <a:fillRef idx="1">
-              <a:schemeClr val="accent1"/>
-            </a:fillRef>
-            <a:effectRef idx="0">
-              <a:schemeClr val="accent1"/>
-            </a:effectRef>
-            <a:fontRef idx="minor">
-              <a:schemeClr val="lt1"/>
-            </a:fontRef>
-          </p:style>
-          <p:txBody>
-            <a:bodyPr rtlCol="0" anchor="ctr"/>
-            <a:lstStyle/>
-            <a:p>
-              <a:pPr algn="ctr"/>
-              <a:endParaRPr lang="zh-TW" altLang="en-US"/>
-            </a:p>
-          </p:txBody>
-        </p:sp>
-        <p:sp>
-          <p:nvSpPr>
-            <p:cNvPr id="5" name="Trapezoid 4"/>
-            <p:cNvSpPr/>
-            <p:nvPr/>
-          </p:nvSpPr>
-          <p:spPr>
-            <a:xfrm>
-              <a:off x="2383901" y="3377704"/>
-              <a:ext cx="352905" cy="149845"/>
-            </a:xfrm>
-            <a:prstGeom prst="trapezoid">
-              <a:avLst/>
-            </a:prstGeom>
+          </a:ln>
+        </p:spPr>
+        <p:style>
+          <a:lnRef idx="2">
+            <a:schemeClr val="accent1">
+              <a:shade val="50000"/>
+            </a:schemeClr>
+          </a:lnRef>
+          <a:fillRef idx="1">
+            <a:schemeClr val="accent1"/>
+          </a:fillRef>
+          <a:effectRef idx="0">
+            <a:schemeClr val="accent1"/>
+          </a:effectRef>
+          <a:fontRef idx="minor">
+            <a:schemeClr val="lt1"/>
+          </a:fontRef>
+        </p:style>
+        <p:txBody>
+          <a:bodyPr rtlCol="0" anchor="ctr"/>
+          <a:lstStyle/>
+          <a:p>
+            <a:pPr algn="ctr"/>
+            <a:endParaRPr lang="zh-TW" altLang="en-US"/>
+          </a:p>
+        </p:txBody>
+      </p:sp>
+      <p:sp>
+        <p:nvSpPr>
+          <p:cNvPr id="8" name="Oval 7"/>
+          <p:cNvSpPr/>
+          <p:nvPr/>
+        </p:nvSpPr>
+        <p:spPr>
+          <a:xfrm>
+            <a:off x="4939178" y="3210506"/>
+            <a:ext cx="72000" cy="72000"/>
+          </a:xfrm>
+          <a:prstGeom prst="ellipse">
+            <a:avLst/>
+          </a:prstGeom>
+          <a:solidFill>
+            <a:schemeClr val="bg1"/>
+          </a:solidFill>
+          <a:ln>
             <a:noFill/>
-            <a:ln w="50800">
-              <a:solidFill>
-                <a:schemeClr val="tx1"/>
-              </a:solidFill>
-            </a:ln>
-          </p:spPr>
-          <p:style>
-            <a:lnRef idx="2">
-              <a:schemeClr val="accent1">
-                <a:shade val="50000"/>
-              </a:schemeClr>
-            </a:lnRef>
-            <a:fillRef idx="1">
-              <a:schemeClr val="accent1"/>
-            </a:fillRef>
-            <a:effectRef idx="0">
-              <a:schemeClr val="accent1"/>
-            </a:effectRef>
-            <a:fontRef idx="minor">
-              <a:schemeClr val="lt1"/>
-            </a:fontRef>
-          </p:style>
-          <p:txBody>
-            <a:bodyPr rtlCol="0" anchor="ctr"/>
-            <a:lstStyle/>
-            <a:p>
-              <a:pPr algn="ctr"/>
-              <a:endParaRPr lang="zh-TW" altLang="en-US"/>
-            </a:p>
-          </p:txBody>
-        </p:sp>
-        <p:sp>
-          <p:nvSpPr>
-            <p:cNvPr id="6" name="Oval 5"/>
-            <p:cNvSpPr/>
-            <p:nvPr/>
-          </p:nvSpPr>
-          <p:spPr>
-            <a:xfrm>
-              <a:off x="2418780" y="3644542"/>
-              <a:ext cx="378016" cy="378016"/>
-            </a:xfrm>
-            <a:prstGeom prst="ellipse">
-              <a:avLst/>
-            </a:prstGeom>
-            <a:noFill/>
-            <a:ln w="50800">
-              <a:solidFill>
-                <a:schemeClr val="tx1"/>
-              </a:solidFill>
-            </a:ln>
-          </p:spPr>
-          <p:style>
-            <a:lnRef idx="2">
-              <a:schemeClr val="accent1">
-                <a:shade val="50000"/>
-              </a:schemeClr>
-            </a:lnRef>
-            <a:fillRef idx="1">
-              <a:schemeClr val="accent1"/>
-            </a:fillRef>
-            <a:effectRef idx="0">
-              <a:schemeClr val="accent1"/>
-            </a:effectRef>
-            <a:fontRef idx="minor">
-              <a:schemeClr val="lt1"/>
-            </a:fontRef>
-          </p:style>
-          <p:txBody>
-            <a:bodyPr rtlCol="0" anchor="ctr"/>
-            <a:lstStyle/>
-            <a:p>
-              <a:pPr algn="ctr"/>
-              <a:endParaRPr lang="zh-TW" altLang="en-US"/>
-            </a:p>
-          </p:txBody>
-        </p:sp>
-      </p:grpSp>
+          </a:ln>
+        </p:spPr>
+        <p:style>
+          <a:lnRef idx="2">
+            <a:schemeClr val="accent1">
+              <a:shade val="50000"/>
+            </a:schemeClr>
+          </a:lnRef>
+          <a:fillRef idx="1">
+            <a:schemeClr val="accent1"/>
+          </a:fillRef>
+          <a:effectRef idx="0">
+            <a:schemeClr val="accent1"/>
+          </a:effectRef>
+          <a:fontRef idx="minor">
+            <a:schemeClr val="lt1"/>
+          </a:fontRef>
+        </p:style>
+        <p:txBody>
+          <a:bodyPr rtlCol="0" anchor="ctr"/>
+          <a:lstStyle/>
+          <a:p>
+            <a:pPr algn="ctr"/>
+            <a:endParaRPr lang="en-US"/>
+          </a:p>
+        </p:txBody>
+      </p:sp>
     </p:spTree>
     <p:extLst>
       <p:ext uri="{BB962C8B-B14F-4D97-AF65-F5344CB8AC3E}">
@@ -3338,6 +3826,368 @@
 </file>
 
 <file path=ppt/slides/slide10.xml><?xml version="1.0" encoding="utf-8"?>
+<p:sld xmlns:a="http://schemas.openxmlformats.org/drawingml/2006/main" xmlns:r="http://schemas.openxmlformats.org/officeDocument/2006/relationships" xmlns:p="http://schemas.openxmlformats.org/presentationml/2006/main">
+  <p:cSld>
+    <p:spTree>
+      <p:nvGrpSpPr>
+        <p:cNvPr id="1" name=""/>
+        <p:cNvGrpSpPr/>
+        <p:nvPr/>
+      </p:nvGrpSpPr>
+      <p:grpSpPr>
+        <a:xfrm>
+          <a:off x="0" y="0"/>
+          <a:ext cx="0" cy="0"/>
+          <a:chOff x="0" y="0"/>
+          <a:chExt cx="0" cy="0"/>
+        </a:xfrm>
+      </p:grpSpPr>
+      <p:sp>
+        <p:nvSpPr>
+          <p:cNvPr id="2" name="Rectangle 1"/>
+          <p:cNvSpPr/>
+          <p:nvPr/>
+        </p:nvSpPr>
+        <p:spPr>
+          <a:xfrm>
+            <a:off x="4032000" y="2889000"/>
+            <a:ext cx="1080000" cy="1080000"/>
+          </a:xfrm>
+          <a:prstGeom prst="rect">
+            <a:avLst/>
+          </a:prstGeom>
+          <a:noFill/>
+          <a:ln w="6350">
+            <a:noFill/>
+          </a:ln>
+        </p:spPr>
+        <p:style>
+          <a:lnRef idx="2">
+            <a:schemeClr val="accent1">
+              <a:shade val="50000"/>
+            </a:schemeClr>
+          </a:lnRef>
+          <a:fillRef idx="1">
+            <a:schemeClr val="accent1"/>
+          </a:fillRef>
+          <a:effectRef idx="0">
+            <a:schemeClr val="accent1"/>
+          </a:effectRef>
+          <a:fontRef idx="minor">
+            <a:schemeClr val="lt1"/>
+          </a:fontRef>
+        </p:style>
+        <p:txBody>
+          <a:bodyPr rtlCol="0" anchor="ctr"/>
+          <a:lstStyle/>
+          <a:p>
+            <a:pPr algn="ctr"/>
+            <a:endParaRPr lang="zh-TW" altLang="en-US"/>
+          </a:p>
+        </p:txBody>
+      </p:sp>
+      <p:cxnSp>
+        <p:nvCxnSpPr>
+          <p:cNvPr id="4" name="Straight Connector 3"/>
+          <p:cNvCxnSpPr/>
+          <p:nvPr/>
+        </p:nvCxnSpPr>
+        <p:spPr>
+          <a:xfrm>
+            <a:off x="4032000" y="3429000"/>
+            <a:ext cx="1080000" cy="0"/>
+          </a:xfrm>
+          <a:prstGeom prst="line">
+            <a:avLst/>
+          </a:prstGeom>
+          <a:ln w="50800">
+            <a:solidFill>
+              <a:schemeClr val="bg1">
+                <a:lumMod val="75000"/>
+              </a:schemeClr>
+            </a:solidFill>
+          </a:ln>
+        </p:spPr>
+        <p:style>
+          <a:lnRef idx="1">
+            <a:schemeClr val="accent1"/>
+          </a:lnRef>
+          <a:fillRef idx="0">
+            <a:schemeClr val="accent1"/>
+          </a:fillRef>
+          <a:effectRef idx="0">
+            <a:schemeClr val="accent1"/>
+          </a:effectRef>
+          <a:fontRef idx="minor">
+            <a:schemeClr val="tx1"/>
+          </a:fontRef>
+        </p:style>
+      </p:cxnSp>
+      <p:cxnSp>
+        <p:nvCxnSpPr>
+          <p:cNvPr id="5" name="Straight Connector 4"/>
+          <p:cNvCxnSpPr/>
+          <p:nvPr/>
+        </p:nvCxnSpPr>
+        <p:spPr>
+          <a:xfrm flipV="1">
+            <a:off x="4572000" y="2889000"/>
+            <a:ext cx="0" cy="1080000"/>
+          </a:xfrm>
+          <a:prstGeom prst="line">
+            <a:avLst/>
+          </a:prstGeom>
+          <a:ln w="50800">
+            <a:solidFill>
+              <a:schemeClr val="bg1">
+                <a:lumMod val="75000"/>
+              </a:schemeClr>
+            </a:solidFill>
+          </a:ln>
+        </p:spPr>
+        <p:style>
+          <a:lnRef idx="1">
+            <a:schemeClr val="accent1"/>
+          </a:lnRef>
+          <a:fillRef idx="0">
+            <a:schemeClr val="accent1"/>
+          </a:fillRef>
+          <a:effectRef idx="0">
+            <a:schemeClr val="accent1"/>
+          </a:effectRef>
+          <a:fontRef idx="minor">
+            <a:schemeClr val="tx1"/>
+          </a:fontRef>
+        </p:style>
+      </p:cxnSp>
+      <p:cxnSp>
+        <p:nvCxnSpPr>
+          <p:cNvPr id="7" name="Straight Connector 6"/>
+          <p:cNvCxnSpPr/>
+          <p:nvPr/>
+        </p:nvCxnSpPr>
+        <p:spPr>
+          <a:xfrm>
+            <a:off x="4212000" y="3429000"/>
+            <a:ext cx="720000" cy="0"/>
+          </a:xfrm>
+          <a:prstGeom prst="line">
+            <a:avLst/>
+          </a:prstGeom>
+          <a:ln w="50800" cap="rnd">
+            <a:solidFill>
+              <a:schemeClr val="tx1"/>
+            </a:solidFill>
+          </a:ln>
+        </p:spPr>
+        <p:style>
+          <a:lnRef idx="1">
+            <a:schemeClr val="accent1"/>
+          </a:lnRef>
+          <a:fillRef idx="0">
+            <a:schemeClr val="accent1"/>
+          </a:fillRef>
+          <a:effectRef idx="0">
+            <a:schemeClr val="accent1"/>
+          </a:effectRef>
+          <a:fontRef idx="minor">
+            <a:schemeClr val="tx1"/>
+          </a:fontRef>
+        </p:style>
+      </p:cxnSp>
+      <p:cxnSp>
+        <p:nvCxnSpPr>
+          <p:cNvPr id="8" name="Straight Connector 7"/>
+          <p:cNvCxnSpPr/>
+          <p:nvPr/>
+        </p:nvCxnSpPr>
+        <p:spPr>
+          <a:xfrm>
+            <a:off x="4572000" y="3069000"/>
+            <a:ext cx="0" cy="720000"/>
+          </a:xfrm>
+          <a:prstGeom prst="line">
+            <a:avLst/>
+          </a:prstGeom>
+          <a:ln w="50800" cap="rnd">
+            <a:solidFill>
+              <a:schemeClr val="tx1"/>
+            </a:solidFill>
+          </a:ln>
+        </p:spPr>
+        <p:style>
+          <a:lnRef idx="1">
+            <a:schemeClr val="accent1"/>
+          </a:lnRef>
+          <a:fillRef idx="0">
+            <a:schemeClr val="accent1"/>
+          </a:fillRef>
+          <a:effectRef idx="0">
+            <a:schemeClr val="accent1"/>
+          </a:effectRef>
+          <a:fontRef idx="minor">
+            <a:schemeClr val="tx1"/>
+          </a:fontRef>
+        </p:style>
+      </p:cxnSp>
+      <p:sp>
+        <p:nvSpPr>
+          <p:cNvPr id="9" name="Oval 8"/>
+          <p:cNvSpPr/>
+          <p:nvPr/>
+        </p:nvSpPr>
+        <p:spPr>
+          <a:xfrm>
+            <a:off x="4392000" y="3249000"/>
+            <a:ext cx="360000" cy="360000"/>
+          </a:xfrm>
+          <a:prstGeom prst="ellipse">
+            <a:avLst/>
+          </a:prstGeom>
+          <a:solidFill>
+            <a:schemeClr val="bg1"/>
+          </a:solidFill>
+          <a:ln w="50800" cap="rnd">
+            <a:solidFill>
+              <a:schemeClr val="tx1"/>
+            </a:solidFill>
+          </a:ln>
+        </p:spPr>
+        <p:style>
+          <a:lnRef idx="1">
+            <a:schemeClr val="accent1"/>
+          </a:lnRef>
+          <a:fillRef idx="0">
+            <a:schemeClr val="accent1"/>
+          </a:fillRef>
+          <a:effectRef idx="0">
+            <a:schemeClr val="accent1"/>
+          </a:effectRef>
+          <a:fontRef idx="minor">
+            <a:schemeClr val="tx1"/>
+          </a:fontRef>
+        </p:style>
+        <p:txBody>
+          <a:bodyPr rtlCol="0" anchor="ctr"/>
+          <a:lstStyle/>
+          <a:p>
+            <a:pPr algn="ctr"/>
+            <a:endParaRPr lang="en-US"/>
+          </a:p>
+        </p:txBody>
+      </p:sp>
+    </p:spTree>
+    <p:extLst>
+      <p:ext uri="{BB962C8B-B14F-4D97-AF65-F5344CB8AC3E}">
+        <p14:creationId xmlns:p14="http://schemas.microsoft.com/office/powerpoint/2010/main" val="3219929443"/>
+      </p:ext>
+    </p:extLst>
+  </p:cSld>
+  <p:clrMapOvr>
+    <a:masterClrMapping/>
+  </p:clrMapOvr>
+</p:sld>
+</file>
+
+<file path=ppt/slides/slide11.xml><?xml version="1.0" encoding="utf-8"?>
+<p:sld xmlns:a="http://schemas.openxmlformats.org/drawingml/2006/main" xmlns:r="http://schemas.openxmlformats.org/officeDocument/2006/relationships" xmlns:p="http://schemas.openxmlformats.org/presentationml/2006/main">
+  <p:cSld>
+    <p:spTree>
+      <p:nvGrpSpPr>
+        <p:cNvPr id="1" name=""/>
+        <p:cNvGrpSpPr/>
+        <p:nvPr/>
+      </p:nvGrpSpPr>
+      <p:grpSpPr>
+        <a:xfrm>
+          <a:off x="0" y="0"/>
+          <a:ext cx="0" cy="0"/>
+          <a:chOff x="0" y="0"/>
+          <a:chExt cx="0" cy="0"/>
+        </a:xfrm>
+      </p:grpSpPr>
+      <p:sp>
+        <p:nvSpPr>
+          <p:cNvPr id="6" name="Rectangle 5"/>
+          <p:cNvSpPr/>
+          <p:nvPr/>
+        </p:nvSpPr>
+        <p:spPr>
+          <a:xfrm>
+            <a:off x="4032000" y="2889000"/>
+            <a:ext cx="1080000" cy="1080000"/>
+          </a:xfrm>
+          <a:prstGeom prst="rect">
+            <a:avLst/>
+          </a:prstGeom>
+          <a:gradFill>
+            <a:gsLst>
+              <a:gs pos="0">
+                <a:schemeClr val="tx1">
+                  <a:lumMod val="75000"/>
+                  <a:lumOff val="25000"/>
+                </a:schemeClr>
+              </a:gs>
+              <a:gs pos="28000">
+                <a:schemeClr val="tx1">
+                  <a:lumMod val="50000"/>
+                  <a:lumOff val="50000"/>
+                </a:schemeClr>
+              </a:gs>
+              <a:gs pos="100000">
+                <a:schemeClr val="bg1"/>
+              </a:gs>
+            </a:gsLst>
+            <a:path path="circle">
+              <a:fillToRect l="50000" t="50000" r="50000" b="50000"/>
+            </a:path>
+          </a:gradFill>
+          <a:ln w="6350">
+            <a:noFill/>
+          </a:ln>
+          <a:effectLst>
+            <a:softEdge rad="127000"/>
+          </a:effectLst>
+        </p:spPr>
+        <p:style>
+          <a:lnRef idx="2">
+            <a:schemeClr val="accent1">
+              <a:shade val="50000"/>
+            </a:schemeClr>
+          </a:lnRef>
+          <a:fillRef idx="1">
+            <a:schemeClr val="accent1"/>
+          </a:fillRef>
+          <a:effectRef idx="0">
+            <a:schemeClr val="accent1"/>
+          </a:effectRef>
+          <a:fontRef idx="minor">
+            <a:schemeClr val="lt1"/>
+          </a:fontRef>
+        </p:style>
+        <p:txBody>
+          <a:bodyPr rtlCol="0" anchor="ctr"/>
+          <a:lstStyle/>
+          <a:p>
+            <a:pPr algn="ctr"/>
+            <a:endParaRPr lang="zh-TW" altLang="en-US"/>
+          </a:p>
+        </p:txBody>
+      </p:sp>
+    </p:spTree>
+    <p:extLst>
+      <p:ext uri="{BB962C8B-B14F-4D97-AF65-F5344CB8AC3E}">
+        <p14:creationId xmlns:p14="http://schemas.microsoft.com/office/powerpoint/2010/main" val="2629146378"/>
+      </p:ext>
+    </p:extLst>
+  </p:cSld>
+  <p:clrMapOvr>
+    <a:masterClrMapping/>
+  </p:clrMapOvr>
+</p:sld>
+</file>
+
+<file path=ppt/slides/slide12.xml><?xml version="1.0" encoding="utf-8"?>
 <p:sld xmlns:a="http://schemas.openxmlformats.org/drawingml/2006/main" xmlns:r="http://schemas.openxmlformats.org/officeDocument/2006/relationships" xmlns:p="http://schemas.openxmlformats.org/presentationml/2006/main">
   <p:cSld>
     <p:spTree>
@@ -3820,7 +4670,81 @@
 </p:sld>
 </file>
 
-<file path=ppt/slides/slide11.xml><?xml version="1.0" encoding="utf-8"?>
+<file path=ppt/slides/slide13.xml><?xml version="1.0" encoding="utf-8"?>
+<p:sld xmlns:a="http://schemas.openxmlformats.org/drawingml/2006/main" xmlns:r="http://schemas.openxmlformats.org/officeDocument/2006/relationships" xmlns:p="http://schemas.openxmlformats.org/presentationml/2006/main">
+  <p:cSld>
+    <p:spTree>
+      <p:nvGrpSpPr>
+        <p:cNvPr id="1" name=""/>
+        <p:cNvGrpSpPr/>
+        <p:nvPr/>
+      </p:nvGrpSpPr>
+      <p:grpSpPr>
+        <a:xfrm>
+          <a:off x="0" y="0"/>
+          <a:ext cx="0" cy="0"/>
+          <a:chOff x="0" y="0"/>
+          <a:chExt cx="0" cy="0"/>
+        </a:xfrm>
+      </p:grpSpPr>
+    </p:spTree>
+    <p:extLst>
+      <p:ext uri="{BB962C8B-B14F-4D97-AF65-F5344CB8AC3E}">
+        <p14:creationId xmlns:p14="http://schemas.microsoft.com/office/powerpoint/2010/main" val="918718557"/>
+      </p:ext>
+    </p:extLst>
+  </p:cSld>
+  <p:clrMapOvr>
+    <a:masterClrMapping/>
+  </p:clrMapOvr>
+  <p:timing>
+    <p:tnLst>
+      <p:par>
+        <p:cTn id="1" dur="indefinite" restart="never" nodeType="tmRoot"/>
+      </p:par>
+    </p:tnLst>
+  </p:timing>
+</p:sld>
+</file>
+
+<file path=ppt/slides/slide14.xml><?xml version="1.0" encoding="utf-8"?>
+<p:sld xmlns:a="http://schemas.openxmlformats.org/drawingml/2006/main" xmlns:r="http://schemas.openxmlformats.org/officeDocument/2006/relationships" xmlns:p="http://schemas.openxmlformats.org/presentationml/2006/main">
+  <p:cSld>
+    <p:spTree>
+      <p:nvGrpSpPr>
+        <p:cNvPr id="1" name=""/>
+        <p:cNvGrpSpPr/>
+        <p:nvPr/>
+      </p:nvGrpSpPr>
+      <p:grpSpPr>
+        <a:xfrm>
+          <a:off x="0" y="0"/>
+          <a:ext cx="0" cy="0"/>
+          <a:chOff x="0" y="0"/>
+          <a:chExt cx="0" cy="0"/>
+        </a:xfrm>
+      </p:grpSpPr>
+    </p:spTree>
+    <p:extLst>
+      <p:ext uri="{BB962C8B-B14F-4D97-AF65-F5344CB8AC3E}">
+        <p14:creationId xmlns:p14="http://schemas.microsoft.com/office/powerpoint/2010/main" val="737462001"/>
+      </p:ext>
+    </p:extLst>
+  </p:cSld>
+  <p:clrMapOvr>
+    <a:masterClrMapping/>
+  </p:clrMapOvr>
+  <p:timing>
+    <p:tnLst>
+      <p:par>
+        <p:cTn id="1" dur="indefinite" restart="never" nodeType="tmRoot"/>
+      </p:par>
+    </p:tnLst>
+  </p:timing>
+</p:sld>
+</file>
+
+<file path=ppt/slides/slide15.xml><?xml version="1.0" encoding="utf-8"?>
 <p:sld xmlns:a="http://schemas.openxmlformats.org/drawingml/2006/main" xmlns:r="http://schemas.openxmlformats.org/officeDocument/2006/relationships" xmlns:p="http://schemas.openxmlformats.org/presentationml/2006/main">
   <p:cSld>
     <p:spTree>
@@ -3839,118 +4763,24 @@
       </p:grpSpPr>
       <p:sp>
         <p:nvSpPr>
-          <p:cNvPr id="4" name="Rounded Rectangle 3"/>
+          <p:cNvPr id="3" name="Smiley Face 2"/>
           <p:cNvSpPr/>
           <p:nvPr/>
         </p:nvSpPr>
         <p:spPr>
           <a:xfrm>
-            <a:off x="4491682" y="2927574"/>
-            <a:ext cx="154286" cy="612000"/>
+            <a:off x="4114800" y="2971800"/>
+            <a:ext cx="914400" cy="914400"/>
           </a:xfrm>
-          <a:prstGeom prst="roundRect">
+          <a:prstGeom prst="smileyFace">
             <a:avLst>
-              <a:gd name="adj" fmla="val 50000"/>
+              <a:gd name="adj" fmla="val 4653"/>
             </a:avLst>
-          </a:prstGeom>
-          <a:solidFill>
-            <a:schemeClr val="tx1"/>
-          </a:solidFill>
-          <a:ln w="50800">
-            <a:noFill/>
-          </a:ln>
-        </p:spPr>
-        <p:style>
-          <a:lnRef idx="2">
-            <a:schemeClr val="accent1">
-              <a:shade val="50000"/>
-            </a:schemeClr>
-          </a:lnRef>
-          <a:fillRef idx="1">
-            <a:schemeClr val="accent1"/>
-          </a:fillRef>
-          <a:effectRef idx="0">
-            <a:schemeClr val="accent1"/>
-          </a:effectRef>
-          <a:fontRef idx="minor">
-            <a:schemeClr val="lt1"/>
-          </a:fontRef>
-        </p:style>
-        <p:txBody>
-          <a:bodyPr rtlCol="0" anchor="ctr"/>
-          <a:lstStyle/>
-          <a:p>
-            <a:pPr algn="ctr"/>
-            <a:endParaRPr lang="zh-TW" altLang="en-US"/>
-          </a:p>
-        </p:txBody>
-      </p:sp>
-      <p:sp>
-        <p:nvSpPr>
-          <p:cNvPr id="3" name="Rounded Rectangle 2"/>
-          <p:cNvSpPr/>
-          <p:nvPr/>
-        </p:nvSpPr>
-        <p:spPr>
-          <a:xfrm>
-            <a:off x="4128193" y="2927572"/>
-            <a:ext cx="154286" cy="1002857"/>
-          </a:xfrm>
-          <a:prstGeom prst="roundRect">
-            <a:avLst>
-              <a:gd name="adj" fmla="val 50000"/>
-            </a:avLst>
-          </a:prstGeom>
-          <a:solidFill>
-            <a:schemeClr val="tx1"/>
-          </a:solidFill>
-          <a:ln w="50800">
-            <a:noFill/>
-          </a:ln>
-        </p:spPr>
-        <p:style>
-          <a:lnRef idx="2">
-            <a:schemeClr val="accent1">
-              <a:shade val="50000"/>
-            </a:schemeClr>
-          </a:lnRef>
-          <a:fillRef idx="1">
-            <a:schemeClr val="accent1"/>
-          </a:fillRef>
-          <a:effectRef idx="0">
-            <a:schemeClr val="accent1"/>
-          </a:effectRef>
-          <a:fontRef idx="minor">
-            <a:schemeClr val="lt1"/>
-          </a:fontRef>
-        </p:style>
-        <p:txBody>
-          <a:bodyPr rtlCol="0" anchor="ctr"/>
-          <a:lstStyle/>
-          <a:p>
-            <a:pPr algn="ctr"/>
-            <a:endParaRPr lang="zh-TW" altLang="en-US"/>
-          </a:p>
-        </p:txBody>
-      </p:sp>
-      <p:sp>
-        <p:nvSpPr>
-          <p:cNvPr id="6" name="Oval 5"/>
-          <p:cNvSpPr/>
-          <p:nvPr/>
-        </p:nvSpPr>
-        <p:spPr>
-          <a:xfrm>
-            <a:off x="4079336" y="3295262"/>
-            <a:ext cx="252000" cy="252000"/>
-          </a:xfrm>
-          <a:prstGeom prst="ellipse">
-            <a:avLst/>
           </a:prstGeom>
           <a:solidFill>
             <a:schemeClr val="bg1"/>
           </a:solidFill>
-          <a:ln w="50800">
+          <a:ln w="50800" cap="rnd">
             <a:solidFill>
               <a:schemeClr val="tx1"/>
             </a:solidFill>
@@ -3977,61 +4807,13 @@
           <a:lstStyle/>
           <a:p>
             <a:pPr algn="ctr"/>
-            <a:endParaRPr lang="zh-TW" altLang="en-US"/>
+            <a:endParaRPr lang="en-US"/>
           </a:p>
         </p:txBody>
       </p:sp>
       <p:sp>
         <p:nvSpPr>
-          <p:cNvPr id="7" name="Oval 6"/>
-          <p:cNvSpPr/>
-          <p:nvPr/>
-        </p:nvSpPr>
-        <p:spPr>
-          <a:xfrm>
-            <a:off x="4442825" y="3060494"/>
-            <a:ext cx="252000" cy="252000"/>
-          </a:xfrm>
-          <a:prstGeom prst="ellipse">
-            <a:avLst/>
-          </a:prstGeom>
-          <a:solidFill>
-            <a:schemeClr val="bg1"/>
-          </a:solidFill>
-          <a:ln w="50800">
-            <a:solidFill>
-              <a:schemeClr val="tx1"/>
-            </a:solidFill>
-          </a:ln>
-        </p:spPr>
-        <p:style>
-          <a:lnRef idx="2">
-            <a:schemeClr val="accent1">
-              <a:shade val="50000"/>
-            </a:schemeClr>
-          </a:lnRef>
-          <a:fillRef idx="1">
-            <a:schemeClr val="accent1"/>
-          </a:fillRef>
-          <a:effectRef idx="0">
-            <a:schemeClr val="accent1"/>
-          </a:effectRef>
-          <a:fontRef idx="minor">
-            <a:schemeClr val="lt1"/>
-          </a:fontRef>
-        </p:style>
-        <p:txBody>
-          <a:bodyPr rtlCol="0" anchor="ctr"/>
-          <a:lstStyle/>
-          <a:p>
-            <a:pPr algn="ctr"/>
-            <a:endParaRPr lang="zh-TW" altLang="en-US"/>
-          </a:p>
-        </p:txBody>
-      </p:sp>
-      <p:sp>
-        <p:nvSpPr>
-          <p:cNvPr id="11" name="Rectangle 10"/>
+          <p:cNvPr id="4" name="Rectangle 3"/>
           <p:cNvSpPr/>
           <p:nvPr/>
         </p:nvSpPr>
@@ -4073,343 +4855,27 @@
           </a:p>
         </p:txBody>
       </p:sp>
-      <p:sp>
-        <p:nvSpPr>
-          <p:cNvPr id="10" name="Rectangle 9"/>
-          <p:cNvSpPr/>
-          <p:nvPr/>
-        </p:nvSpPr>
-        <p:spPr>
-          <a:xfrm>
-            <a:off x="4392000" y="3537000"/>
-            <a:ext cx="720000" cy="432000"/>
-          </a:xfrm>
-          <a:prstGeom prst="rect">
-            <a:avLst/>
-          </a:prstGeom>
-          <a:noFill/>
-          <a:ln w="6350">
-            <a:noFill/>
-          </a:ln>
-        </p:spPr>
-        <p:style>
-          <a:lnRef idx="2">
-            <a:schemeClr val="accent1">
-              <a:shade val="50000"/>
-            </a:schemeClr>
-          </a:lnRef>
-          <a:fillRef idx="1">
-            <a:schemeClr val="accent1"/>
-          </a:fillRef>
-          <a:effectRef idx="0">
-            <a:schemeClr val="accent1"/>
-          </a:effectRef>
-          <a:fontRef idx="minor">
-            <a:schemeClr val="lt1"/>
-          </a:fontRef>
-        </p:style>
-        <p:txBody>
-          <a:bodyPr rtlCol="0" anchor="ctr"/>
-          <a:lstStyle/>
-          <a:p>
-            <a:pPr algn="ctr"/>
-            <a:endParaRPr lang="zh-TW" altLang="en-US"/>
-          </a:p>
-        </p:txBody>
-      </p:sp>
-      <p:grpSp>
-        <p:nvGrpSpPr>
-          <p:cNvPr id="2" name="Group 1"/>
-          <p:cNvGrpSpPr/>
-          <p:nvPr/>
-        </p:nvGrpSpPr>
-        <p:grpSpPr>
-          <a:xfrm flipV="1">
-            <a:off x="4812664" y="2927574"/>
-            <a:ext cx="252000" cy="612000"/>
-            <a:chOff x="5652120" y="2848654"/>
-            <a:chExt cx="252000" cy="612000"/>
-          </a:xfrm>
-        </p:grpSpPr>
-        <p:sp>
-          <p:nvSpPr>
-            <p:cNvPr id="12" name="Rounded Rectangle 11"/>
-            <p:cNvSpPr/>
-            <p:nvPr/>
-          </p:nvSpPr>
-          <p:spPr>
-            <a:xfrm>
-              <a:off x="5700977" y="2848654"/>
-              <a:ext cx="154286" cy="612000"/>
-            </a:xfrm>
-            <a:prstGeom prst="roundRect">
-              <a:avLst>
-                <a:gd name="adj" fmla="val 50000"/>
-              </a:avLst>
-            </a:prstGeom>
-            <a:solidFill>
-              <a:schemeClr val="tx1"/>
-            </a:solidFill>
-            <a:ln w="50800">
-              <a:noFill/>
-            </a:ln>
-          </p:spPr>
-          <p:style>
-            <a:lnRef idx="2">
-              <a:schemeClr val="accent1">
-                <a:shade val="50000"/>
-              </a:schemeClr>
-            </a:lnRef>
-            <a:fillRef idx="1">
-              <a:schemeClr val="accent1"/>
-            </a:fillRef>
-            <a:effectRef idx="0">
-              <a:schemeClr val="accent1"/>
-            </a:effectRef>
-            <a:fontRef idx="minor">
-              <a:schemeClr val="lt1"/>
-            </a:fontRef>
-          </p:style>
-          <p:txBody>
-            <a:bodyPr rtlCol="0" anchor="ctr"/>
-            <a:lstStyle/>
-            <a:p>
-              <a:pPr algn="ctr"/>
-              <a:endParaRPr lang="zh-TW" altLang="en-US"/>
-            </a:p>
-          </p:txBody>
-        </p:sp>
-        <p:sp>
-          <p:nvSpPr>
-            <p:cNvPr id="13" name="Oval 12"/>
-            <p:cNvSpPr/>
-            <p:nvPr/>
-          </p:nvSpPr>
-          <p:spPr>
-            <a:xfrm>
-              <a:off x="5652120" y="2981574"/>
-              <a:ext cx="252000" cy="252000"/>
-            </a:xfrm>
-            <a:prstGeom prst="ellipse">
-              <a:avLst/>
-            </a:prstGeom>
-            <a:solidFill>
-              <a:schemeClr val="bg1"/>
-            </a:solidFill>
-            <a:ln w="50800">
-              <a:solidFill>
-                <a:schemeClr val="tx1"/>
-              </a:solidFill>
-            </a:ln>
-          </p:spPr>
-          <p:style>
-            <a:lnRef idx="2">
-              <a:schemeClr val="accent1">
-                <a:shade val="50000"/>
-              </a:schemeClr>
-            </a:lnRef>
-            <a:fillRef idx="1">
-              <a:schemeClr val="accent1"/>
-            </a:fillRef>
-            <a:effectRef idx="0">
-              <a:schemeClr val="accent1"/>
-            </a:effectRef>
-            <a:fontRef idx="minor">
-              <a:schemeClr val="lt1"/>
-            </a:fontRef>
-          </p:style>
-          <p:txBody>
-            <a:bodyPr rtlCol="0" anchor="ctr"/>
-            <a:lstStyle/>
-            <a:p>
-              <a:pPr algn="ctr"/>
-              <a:endParaRPr lang="zh-TW" altLang="en-US"/>
-            </a:p>
-          </p:txBody>
-        </p:sp>
-      </p:grpSp>
-      <p:sp>
-        <p:nvSpPr>
-          <p:cNvPr id="15" name="Rounded Rectangle 14"/>
-          <p:cNvSpPr/>
-          <p:nvPr/>
-        </p:nvSpPr>
-        <p:spPr>
-          <a:xfrm>
-            <a:off x="4501542" y="3615230"/>
-            <a:ext cx="504740" cy="289192"/>
-          </a:xfrm>
-          <a:prstGeom prst="roundRect">
-            <a:avLst/>
-          </a:prstGeom>
-          <a:noFill/>
-          <a:ln w="44450">
-            <a:solidFill>
-              <a:schemeClr val="tx1"/>
-            </a:solidFill>
-          </a:ln>
-        </p:spPr>
-        <p:style>
-          <a:lnRef idx="2">
-            <a:schemeClr val="accent1">
-              <a:shade val="50000"/>
-            </a:schemeClr>
-          </a:lnRef>
-          <a:fillRef idx="1">
-            <a:schemeClr val="accent1"/>
-          </a:fillRef>
-          <a:effectRef idx="0">
-            <a:schemeClr val="accent1"/>
-          </a:effectRef>
-          <a:fontRef idx="minor">
-            <a:schemeClr val="lt1"/>
-          </a:fontRef>
-        </p:style>
-        <p:txBody>
-          <a:bodyPr rtlCol="0" anchor="ctr"/>
-          <a:lstStyle/>
-          <a:p>
-            <a:pPr algn="ctr"/>
-            <a:endParaRPr lang="zh-TW" altLang="en-US"/>
-          </a:p>
-        </p:txBody>
-      </p:sp>
-      <p:sp>
-        <p:nvSpPr>
-          <p:cNvPr id="16" name="Trapezoid 15"/>
-          <p:cNvSpPr/>
-          <p:nvPr/>
-        </p:nvSpPr>
-        <p:spPr>
-          <a:xfrm>
-            <a:off x="4671377" y="3544422"/>
-            <a:ext cx="165070" cy="70807"/>
-          </a:xfrm>
-          <a:prstGeom prst="trapezoid">
-            <a:avLst/>
-          </a:prstGeom>
-          <a:noFill/>
-          <a:ln w="44450">
-            <a:solidFill>
-              <a:schemeClr val="tx1"/>
-            </a:solidFill>
-          </a:ln>
-        </p:spPr>
-        <p:style>
-          <a:lnRef idx="2">
-            <a:schemeClr val="accent1">
-              <a:shade val="50000"/>
-            </a:schemeClr>
-          </a:lnRef>
-          <a:fillRef idx="1">
-            <a:schemeClr val="accent1"/>
-          </a:fillRef>
-          <a:effectRef idx="0">
-            <a:schemeClr val="accent1"/>
-          </a:effectRef>
-          <a:fontRef idx="minor">
-            <a:schemeClr val="lt1"/>
-          </a:fontRef>
-        </p:style>
-        <p:txBody>
-          <a:bodyPr rtlCol="0" anchor="ctr"/>
-          <a:lstStyle/>
-          <a:p>
-            <a:pPr algn="ctr"/>
-            <a:endParaRPr lang="zh-TW" altLang="en-US"/>
-          </a:p>
-        </p:txBody>
-      </p:sp>
-      <p:sp>
-        <p:nvSpPr>
-          <p:cNvPr id="17" name="Oval 16"/>
-          <p:cNvSpPr/>
-          <p:nvPr/>
-        </p:nvSpPr>
-        <p:spPr>
-          <a:xfrm>
-            <a:off x="4665505" y="3670513"/>
-            <a:ext cx="176815" cy="178626"/>
-          </a:xfrm>
-          <a:prstGeom prst="ellipse">
-            <a:avLst/>
-          </a:prstGeom>
-          <a:noFill/>
-          <a:ln w="44450">
-            <a:solidFill>
-              <a:schemeClr val="tx1"/>
-            </a:solidFill>
-          </a:ln>
-        </p:spPr>
-        <p:style>
-          <a:lnRef idx="2">
-            <a:schemeClr val="accent1">
-              <a:shade val="50000"/>
-            </a:schemeClr>
-          </a:lnRef>
-          <a:fillRef idx="1">
-            <a:schemeClr val="accent1"/>
-          </a:fillRef>
-          <a:effectRef idx="0">
-            <a:schemeClr val="accent1"/>
-          </a:effectRef>
-          <a:fontRef idx="minor">
-            <a:schemeClr val="lt1"/>
-          </a:fontRef>
-        </p:style>
-        <p:txBody>
-          <a:bodyPr rtlCol="0" anchor="ctr"/>
-          <a:lstStyle/>
-          <a:p>
-            <a:pPr algn="ctr"/>
-            <a:endParaRPr lang="zh-TW" altLang="en-US"/>
-          </a:p>
-        </p:txBody>
-      </p:sp>
     </p:spTree>
     <p:extLst>
       <p:ext uri="{BB962C8B-B14F-4D97-AF65-F5344CB8AC3E}">
-        <p14:creationId xmlns:p14="http://schemas.microsoft.com/office/powerpoint/2010/main" val="1045806761"/>
+        <p14:creationId xmlns:p14="http://schemas.microsoft.com/office/powerpoint/2010/main" val="1201254082"/>
       </p:ext>
     </p:extLst>
   </p:cSld>
   <p:clrMapOvr>
     <a:masterClrMapping/>
   </p:clrMapOvr>
+  <p:timing>
+    <p:tnLst>
+      <p:par>
+        <p:cTn id="1" dur="indefinite" restart="never" nodeType="tmRoot"/>
+      </p:par>
+    </p:tnLst>
+  </p:timing>
 </p:sld>
 </file>
 
-<file path=ppt/slides/slide12.xml><?xml version="1.0" encoding="utf-8"?>
-<p:sld xmlns:a="http://schemas.openxmlformats.org/drawingml/2006/main" xmlns:r="http://schemas.openxmlformats.org/officeDocument/2006/relationships" xmlns:p="http://schemas.openxmlformats.org/presentationml/2006/main">
-  <p:cSld>
-    <p:spTree>
-      <p:nvGrpSpPr>
-        <p:cNvPr id="1" name=""/>
-        <p:cNvGrpSpPr/>
-        <p:nvPr/>
-      </p:nvGrpSpPr>
-      <p:grpSpPr>
-        <a:xfrm>
-          <a:off x="0" y="0"/>
-          <a:ext cx="0" cy="0"/>
-          <a:chOff x="0" y="0"/>
-          <a:chExt cx="0" cy="0"/>
-        </a:xfrm>
-      </p:grpSpPr>
-    </p:spTree>
-    <p:extLst>
-      <p:ext uri="{BB962C8B-B14F-4D97-AF65-F5344CB8AC3E}">
-        <p14:creationId xmlns:p14="http://schemas.microsoft.com/office/powerpoint/2010/main" val="903211873"/>
-      </p:ext>
-    </p:extLst>
-  </p:cSld>
-  <p:clrMapOvr>
-    <a:masterClrMapping/>
-  </p:clrMapOvr>
-</p:sld>
-</file>
-
-<file path=ppt/slides/slide13.xml><?xml version="1.0" encoding="utf-8"?>
+<file path=ppt/slides/slide16.xml><?xml version="1.0" encoding="utf-8"?>
 <p:sld xmlns:a="http://schemas.openxmlformats.org/drawingml/2006/main" xmlns:r="http://schemas.openxmlformats.org/officeDocument/2006/relationships" xmlns:p="http://schemas.openxmlformats.org/presentationml/2006/main">
   <p:cSld>
     <p:spTree>
@@ -4480,7 +4946,7 @@
 </p:sld>
 </file>
 
-<file path=ppt/slides/slide14.xml><?xml version="1.0" encoding="utf-8"?>
+<file path=ppt/slides/slide17.xml><?xml version="1.0" encoding="utf-8"?>
 <p:sld xmlns:a="http://schemas.openxmlformats.org/drawingml/2006/main" xmlns:r="http://schemas.openxmlformats.org/officeDocument/2006/relationships" xmlns:p="http://schemas.openxmlformats.org/presentationml/2006/main">
   <p:cSld>
     <p:spTree>
@@ -4664,7 +5130,7 @@
 </p:sld>
 </file>
 
-<file path=ppt/slides/slide15.xml><?xml version="1.0" encoding="utf-8"?>
+<file path=ppt/slides/slide18.xml><?xml version="1.0" encoding="utf-8"?>
 <p:sld xmlns:a="http://schemas.openxmlformats.org/drawingml/2006/main" xmlns:r="http://schemas.openxmlformats.org/officeDocument/2006/relationships" xmlns:p="http://schemas.openxmlformats.org/presentationml/2006/main">
   <p:cSld>
     <p:spTree>
@@ -5009,7 +5475,7 @@
 </p:sld>
 </file>
 
-<file path=ppt/slides/slide16.xml><?xml version="1.0" encoding="utf-8"?>
+<file path=ppt/slides/slide19.xml><?xml version="1.0" encoding="utf-8"?>
 <p:sld xmlns:a="http://schemas.openxmlformats.org/drawingml/2006/main" xmlns:r="http://schemas.openxmlformats.org/officeDocument/2006/relationships" xmlns:p="http://schemas.openxmlformats.org/presentationml/2006/main">
   <p:cSld>
     <p:spTree>
@@ -5484,7 +5950,127 @@
 </p:sld>
 </file>
 
-<file path=ppt/slides/slide17.xml><?xml version="1.0" encoding="utf-8"?>
+<file path=ppt/slides/slide2.xml><?xml version="1.0" encoding="utf-8"?>
+<p:sld xmlns:a="http://schemas.openxmlformats.org/drawingml/2006/main" xmlns:r="http://schemas.openxmlformats.org/officeDocument/2006/relationships" xmlns:p="http://schemas.openxmlformats.org/presentationml/2006/main">
+  <p:cSld>
+    <p:spTree>
+      <p:nvGrpSpPr>
+        <p:cNvPr id="1" name=""/>
+        <p:cNvGrpSpPr/>
+        <p:nvPr/>
+      </p:nvGrpSpPr>
+      <p:grpSpPr>
+        <a:xfrm>
+          <a:off x="0" y="0"/>
+          <a:ext cx="0" cy="0"/>
+          <a:chOff x="0" y="0"/>
+          <a:chExt cx="0" cy="0"/>
+        </a:xfrm>
+      </p:grpSpPr>
+      <p:sp>
+        <p:nvSpPr>
+          <p:cNvPr id="3" name="Rectangle 2"/>
+          <p:cNvSpPr/>
+          <p:nvPr/>
+        </p:nvSpPr>
+        <p:spPr>
+          <a:xfrm>
+            <a:off x="4032000" y="2889000"/>
+            <a:ext cx="1080000" cy="1080000"/>
+          </a:xfrm>
+          <a:prstGeom prst="rect">
+            <a:avLst/>
+          </a:prstGeom>
+          <a:noFill/>
+          <a:ln w="6350">
+            <a:noFill/>
+          </a:ln>
+        </p:spPr>
+        <p:style>
+          <a:lnRef idx="2">
+            <a:schemeClr val="accent1">
+              <a:shade val="50000"/>
+            </a:schemeClr>
+          </a:lnRef>
+          <a:fillRef idx="1">
+            <a:schemeClr val="accent1"/>
+          </a:fillRef>
+          <a:effectRef idx="0">
+            <a:schemeClr val="accent1"/>
+          </a:effectRef>
+          <a:fontRef idx="minor">
+            <a:schemeClr val="lt1"/>
+          </a:fontRef>
+        </p:style>
+        <p:txBody>
+          <a:bodyPr rtlCol="0" anchor="ctr"/>
+          <a:lstStyle/>
+          <a:p>
+            <a:pPr algn="ctr"/>
+            <a:endParaRPr lang="zh-TW" altLang="en-US"/>
+          </a:p>
+        </p:txBody>
+      </p:sp>
+      <p:sp>
+        <p:nvSpPr>
+          <p:cNvPr id="4" name="Oval 3"/>
+          <p:cNvSpPr/>
+          <p:nvPr/>
+        </p:nvSpPr>
+        <p:spPr>
+          <a:xfrm>
+            <a:off x="4114800" y="2971800"/>
+            <a:ext cx="914400" cy="914400"/>
+          </a:xfrm>
+          <a:prstGeom prst="ellipse">
+            <a:avLst/>
+          </a:prstGeom>
+          <a:solidFill>
+            <a:srgbClr val="FF0000"/>
+          </a:solidFill>
+          <a:ln>
+            <a:noFill/>
+          </a:ln>
+        </p:spPr>
+        <p:style>
+          <a:lnRef idx="2">
+            <a:schemeClr val="accent1">
+              <a:shade val="50000"/>
+            </a:schemeClr>
+          </a:lnRef>
+          <a:fillRef idx="1">
+            <a:schemeClr val="accent1"/>
+          </a:fillRef>
+          <a:effectRef idx="0">
+            <a:schemeClr val="accent1"/>
+          </a:effectRef>
+          <a:fontRef idx="minor">
+            <a:schemeClr val="lt1"/>
+          </a:fontRef>
+        </p:style>
+        <p:txBody>
+          <a:bodyPr rtlCol="0" anchor="ctr"/>
+          <a:lstStyle/>
+          <a:p>
+            <a:pPr algn="ctr"/>
+            <a:endParaRPr lang="en-US"/>
+          </a:p>
+        </p:txBody>
+      </p:sp>
+    </p:spTree>
+    <p:extLst>
+      <p:ext uri="{BB962C8B-B14F-4D97-AF65-F5344CB8AC3E}">
+        <p14:creationId xmlns:p14="http://schemas.microsoft.com/office/powerpoint/2010/main" val="3834815093"/>
+      </p:ext>
+    </p:extLst>
+  </p:cSld>
+  <p:clrMapOvr>
+    <a:masterClrMapping/>
+  </p:clrMapOvr>
+</p:sld>
+</file>
+
+<file path=ppt/slides/slide20.xml><?xml version="1.0" encoding="utf-8"?>
 <p:sld xmlns:a="http://schemas.openxmlformats.org/drawingml/2006/main" xmlns:r="http://schemas.openxmlformats.org/officeDocument/2006/relationships" xmlns:p="http://schemas.openxmlformats.org/presentationml/2006/main">
   <p:cSld>
     <p:spTree>
@@ -5660,7 +6246,7 @@
 </p:sld>
 </file>
 
-<file path=ppt/slides/slide18.xml><?xml version="1.0" encoding="utf-8"?>
+<file path=ppt/slides/slide21.xml><?xml version="1.0" encoding="utf-8"?>
 <p:sld xmlns:a="http://schemas.openxmlformats.org/drawingml/2006/main" xmlns:r="http://schemas.openxmlformats.org/officeDocument/2006/relationships" xmlns:p="http://schemas.openxmlformats.org/presentationml/2006/main">
   <p:cSld>
     <p:spTree>
@@ -5736,7 +6322,7 @@
 </p:sld>
 </file>
 
-<file path=ppt/slides/slide19.xml><?xml version="1.0" encoding="utf-8"?>
+<file path=ppt/slides/slide22.xml><?xml version="1.0" encoding="utf-8"?>
 <p:sld xmlns:a="http://schemas.openxmlformats.org/drawingml/2006/main" xmlns:r="http://schemas.openxmlformats.org/officeDocument/2006/relationships" xmlns:p="http://schemas.openxmlformats.org/presentationml/2006/main">
   <p:cSld>
     <p:spTree>
@@ -5962,127 +6548,7 @@
 </p:sld>
 </file>
 
-<file path=ppt/slides/slide2.xml><?xml version="1.0" encoding="utf-8"?>
-<p:sld xmlns:a="http://schemas.openxmlformats.org/drawingml/2006/main" xmlns:r="http://schemas.openxmlformats.org/officeDocument/2006/relationships" xmlns:p="http://schemas.openxmlformats.org/presentationml/2006/main">
-  <p:cSld>
-    <p:spTree>
-      <p:nvGrpSpPr>
-        <p:cNvPr id="1" name=""/>
-        <p:cNvGrpSpPr/>
-        <p:nvPr/>
-      </p:nvGrpSpPr>
-      <p:grpSpPr>
-        <a:xfrm>
-          <a:off x="0" y="0"/>
-          <a:ext cx="0" cy="0"/>
-          <a:chOff x="0" y="0"/>
-          <a:chExt cx="0" cy="0"/>
-        </a:xfrm>
-      </p:grpSpPr>
-      <p:sp>
-        <p:nvSpPr>
-          <p:cNvPr id="3" name="Rectangle 2"/>
-          <p:cNvSpPr/>
-          <p:nvPr/>
-        </p:nvSpPr>
-        <p:spPr>
-          <a:xfrm>
-            <a:off x="4032000" y="2889000"/>
-            <a:ext cx="1080000" cy="1080000"/>
-          </a:xfrm>
-          <a:prstGeom prst="rect">
-            <a:avLst/>
-          </a:prstGeom>
-          <a:noFill/>
-          <a:ln w="6350">
-            <a:noFill/>
-          </a:ln>
-        </p:spPr>
-        <p:style>
-          <a:lnRef idx="2">
-            <a:schemeClr val="accent1">
-              <a:shade val="50000"/>
-            </a:schemeClr>
-          </a:lnRef>
-          <a:fillRef idx="1">
-            <a:schemeClr val="accent1"/>
-          </a:fillRef>
-          <a:effectRef idx="0">
-            <a:schemeClr val="accent1"/>
-          </a:effectRef>
-          <a:fontRef idx="minor">
-            <a:schemeClr val="lt1"/>
-          </a:fontRef>
-        </p:style>
-        <p:txBody>
-          <a:bodyPr rtlCol="0" anchor="ctr"/>
-          <a:lstStyle/>
-          <a:p>
-            <a:pPr algn="ctr"/>
-            <a:endParaRPr lang="zh-TW" altLang="en-US"/>
-          </a:p>
-        </p:txBody>
-      </p:sp>
-      <p:sp>
-        <p:nvSpPr>
-          <p:cNvPr id="4" name="Oval 3"/>
-          <p:cNvSpPr/>
-          <p:nvPr/>
-        </p:nvSpPr>
-        <p:spPr>
-          <a:xfrm>
-            <a:off x="4114800" y="2971800"/>
-            <a:ext cx="914400" cy="914400"/>
-          </a:xfrm>
-          <a:prstGeom prst="ellipse">
-            <a:avLst/>
-          </a:prstGeom>
-          <a:solidFill>
-            <a:srgbClr val="FF0000"/>
-          </a:solidFill>
-          <a:ln>
-            <a:noFill/>
-          </a:ln>
-        </p:spPr>
-        <p:style>
-          <a:lnRef idx="2">
-            <a:schemeClr val="accent1">
-              <a:shade val="50000"/>
-            </a:schemeClr>
-          </a:lnRef>
-          <a:fillRef idx="1">
-            <a:schemeClr val="accent1"/>
-          </a:fillRef>
-          <a:effectRef idx="0">
-            <a:schemeClr val="accent1"/>
-          </a:effectRef>
-          <a:fontRef idx="minor">
-            <a:schemeClr val="lt1"/>
-          </a:fontRef>
-        </p:style>
-        <p:txBody>
-          <a:bodyPr rtlCol="0" anchor="ctr"/>
-          <a:lstStyle/>
-          <a:p>
-            <a:pPr algn="ctr"/>
-            <a:endParaRPr lang="en-US"/>
-          </a:p>
-        </p:txBody>
-      </p:sp>
-    </p:spTree>
-    <p:extLst>
-      <p:ext uri="{BB962C8B-B14F-4D97-AF65-F5344CB8AC3E}">
-        <p14:creationId xmlns:p14="http://schemas.microsoft.com/office/powerpoint/2010/main" val="3834815093"/>
-      </p:ext>
-    </p:extLst>
-  </p:cSld>
-  <p:clrMapOvr>
-    <a:masterClrMapping/>
-  </p:clrMapOvr>
-</p:sld>
-</file>
-
-<file path=ppt/slides/slide20.xml><?xml version="1.0" encoding="utf-8"?>
+<file path=ppt/slides/slide23.xml><?xml version="1.0" encoding="utf-8"?>
 <p:sld xmlns:a="http://schemas.openxmlformats.org/drawingml/2006/main" xmlns:r="http://schemas.openxmlformats.org/officeDocument/2006/relationships" xmlns:p="http://schemas.openxmlformats.org/presentationml/2006/main">
   <p:cSld>
     <p:spTree>
@@ -6430,7 +6896,7 @@
 </p:sld>
 </file>
 
-<file path=ppt/slides/slide21.xml><?xml version="1.0" encoding="utf-8"?>
+<file path=ppt/slides/slide24.xml><?xml version="1.0" encoding="utf-8"?>
 <p:sld xmlns:a="http://schemas.openxmlformats.org/drawingml/2006/main" xmlns:r="http://schemas.openxmlformats.org/officeDocument/2006/relationships" xmlns:p="http://schemas.openxmlformats.org/presentationml/2006/main">
   <p:cSld>
     <p:spTree>
@@ -6748,7 +7214,7 @@
 </p:sld>
 </file>
 
-<file path=ppt/slides/slide22.xml><?xml version="1.0" encoding="utf-8"?>
+<file path=ppt/slides/slide25.xml><?xml version="1.0" encoding="utf-8"?>
 <p:sld xmlns:a="http://schemas.openxmlformats.org/drawingml/2006/main" xmlns:r="http://schemas.openxmlformats.org/officeDocument/2006/relationships" xmlns:p="http://schemas.openxmlformats.org/presentationml/2006/main">
   <p:cSld>
     <p:spTree>
@@ -7588,7 +8054,7 @@
 </p:sld>
 </file>
 
-<file path=ppt/slides/slide23.xml><?xml version="1.0" encoding="utf-8"?>
+<file path=ppt/slides/slide26.xml><?xml version="1.0" encoding="utf-8"?>
 <p:sld xmlns:a="http://schemas.openxmlformats.org/drawingml/2006/main" xmlns:r="http://schemas.openxmlformats.org/officeDocument/2006/relationships" xmlns:p="http://schemas.openxmlformats.org/presentationml/2006/main">
   <p:cSld>
     <p:spTree>
@@ -9267,7 +9733,7 @@
 </p:sld>
 </file>
 
-<file path=ppt/slides/slide24.xml><?xml version="1.0" encoding="utf-8"?>
+<file path=ppt/slides/slide27.xml><?xml version="1.0" encoding="utf-8"?>
 <p:sld xmlns:a="http://schemas.openxmlformats.org/drawingml/2006/main" xmlns:r="http://schemas.openxmlformats.org/officeDocument/2006/relationships" xmlns:p="http://schemas.openxmlformats.org/presentationml/2006/main">
   <p:cSld>
     <p:spTree>
@@ -9510,7 +9976,7 @@
 </p:sld>
 </file>
 
-<file path=ppt/slides/slide25.xml><?xml version="1.0" encoding="utf-8"?>
+<file path=ppt/slides/slide28.xml><?xml version="1.0" encoding="utf-8"?>
 <p:sld xmlns:a="http://schemas.openxmlformats.org/drawingml/2006/main" xmlns:r="http://schemas.openxmlformats.org/officeDocument/2006/relationships" xmlns:p="http://schemas.openxmlformats.org/presentationml/2006/main">
   <p:cSld>
     <p:spTree>
@@ -10376,7 +10842,7 @@
 </p:sld>
 </file>
 
-<file path=ppt/slides/slide26.xml><?xml version="1.0" encoding="utf-8"?>
+<file path=ppt/slides/slide29.xml><?xml version="1.0" encoding="utf-8"?>
 <p:sld xmlns:a="http://schemas.openxmlformats.org/drawingml/2006/main" xmlns:r="http://schemas.openxmlformats.org/officeDocument/2006/relationships" xmlns:p="http://schemas.openxmlformats.org/presentationml/2006/main">
   <p:cSld>
     <p:spTree>
@@ -11304,7 +11770,129 @@
 </p:sld>
 </file>
 
-<file path=ppt/slides/slide27.xml><?xml version="1.0" encoding="utf-8"?>
+<file path=ppt/slides/slide3.xml><?xml version="1.0" encoding="utf-8"?>
+<p:sld xmlns:a="http://schemas.openxmlformats.org/drawingml/2006/main" xmlns:r="http://schemas.openxmlformats.org/officeDocument/2006/relationships" xmlns:p="http://schemas.openxmlformats.org/presentationml/2006/main">
+  <p:cSld>
+    <p:spTree>
+      <p:nvGrpSpPr>
+        <p:cNvPr id="1" name=""/>
+        <p:cNvGrpSpPr/>
+        <p:nvPr/>
+      </p:nvGrpSpPr>
+      <p:grpSpPr>
+        <a:xfrm>
+          <a:off x="0" y="0"/>
+          <a:ext cx="0" cy="0"/>
+          <a:chOff x="0" y="0"/>
+          <a:chExt cx="0" cy="0"/>
+        </a:xfrm>
+      </p:grpSpPr>
+      <p:sp>
+        <p:nvSpPr>
+          <p:cNvPr id="5" name="Rounded Rectangle 4"/>
+          <p:cNvSpPr/>
+          <p:nvPr/>
+        </p:nvSpPr>
+        <p:spPr>
+          <a:xfrm>
+            <a:off x="4281016" y="3140968"/>
+            <a:ext cx="576064" cy="576064"/>
+          </a:xfrm>
+          <a:prstGeom prst="roundRect">
+            <a:avLst>
+              <a:gd name="adj" fmla="val 11111"/>
+            </a:avLst>
+          </a:prstGeom>
+          <a:solidFill>
+            <a:srgbClr val="FF0000"/>
+          </a:solidFill>
+          <a:ln>
+            <a:noFill/>
+          </a:ln>
+        </p:spPr>
+        <p:style>
+          <a:lnRef idx="2">
+            <a:schemeClr val="accent1">
+              <a:shade val="50000"/>
+            </a:schemeClr>
+          </a:lnRef>
+          <a:fillRef idx="1">
+            <a:schemeClr val="accent1"/>
+          </a:fillRef>
+          <a:effectRef idx="0">
+            <a:schemeClr val="accent1"/>
+          </a:effectRef>
+          <a:fontRef idx="minor">
+            <a:schemeClr val="lt1"/>
+          </a:fontRef>
+        </p:style>
+        <p:txBody>
+          <a:bodyPr rtlCol="0" anchor="ctr"/>
+          <a:lstStyle/>
+          <a:p>
+            <a:pPr algn="ctr"/>
+            <a:endParaRPr lang="en-US"/>
+          </a:p>
+        </p:txBody>
+      </p:sp>
+      <p:sp>
+        <p:nvSpPr>
+          <p:cNvPr id="3" name="Rectangle 2"/>
+          <p:cNvSpPr/>
+          <p:nvPr/>
+        </p:nvSpPr>
+        <p:spPr>
+          <a:xfrm>
+            <a:off x="4032000" y="2889000"/>
+            <a:ext cx="1080000" cy="1080000"/>
+          </a:xfrm>
+          <a:prstGeom prst="rect">
+            <a:avLst/>
+          </a:prstGeom>
+          <a:noFill/>
+          <a:ln w="6350">
+            <a:noFill/>
+          </a:ln>
+        </p:spPr>
+        <p:style>
+          <a:lnRef idx="2">
+            <a:schemeClr val="accent1">
+              <a:shade val="50000"/>
+            </a:schemeClr>
+          </a:lnRef>
+          <a:fillRef idx="1">
+            <a:schemeClr val="accent1"/>
+          </a:fillRef>
+          <a:effectRef idx="0">
+            <a:schemeClr val="accent1"/>
+          </a:effectRef>
+          <a:fontRef idx="minor">
+            <a:schemeClr val="lt1"/>
+          </a:fontRef>
+        </p:style>
+        <p:txBody>
+          <a:bodyPr rtlCol="0" anchor="ctr"/>
+          <a:lstStyle/>
+          <a:p>
+            <a:pPr algn="ctr"/>
+            <a:endParaRPr lang="zh-TW" altLang="en-US"/>
+          </a:p>
+        </p:txBody>
+      </p:sp>
+    </p:spTree>
+    <p:extLst>
+      <p:ext uri="{BB962C8B-B14F-4D97-AF65-F5344CB8AC3E}">
+        <p14:creationId xmlns:p14="http://schemas.microsoft.com/office/powerpoint/2010/main" val="2760861898"/>
+      </p:ext>
+    </p:extLst>
+  </p:cSld>
+  <p:clrMapOvr>
+    <a:masterClrMapping/>
+  </p:clrMapOvr>
+</p:sld>
+</file>
+
+<file path=ppt/slides/slide30.xml><?xml version="1.0" encoding="utf-8"?>
 <p:sld xmlns:a="http://schemas.openxmlformats.org/drawingml/2006/main" xmlns:r="http://schemas.openxmlformats.org/officeDocument/2006/relationships" xmlns:p="http://schemas.openxmlformats.org/presentationml/2006/main">
   <p:cSld>
     <p:spTree>
@@ -12238,7 +12826,7 @@
 </p:sld>
 </file>
 
-<file path=ppt/slides/slide28.xml><?xml version="1.0" encoding="utf-8"?>
+<file path=ppt/slides/slide31.xml><?xml version="1.0" encoding="utf-8"?>
 <p:sld xmlns:a="http://schemas.openxmlformats.org/drawingml/2006/main" xmlns:r="http://schemas.openxmlformats.org/officeDocument/2006/relationships" xmlns:p="http://schemas.openxmlformats.org/presentationml/2006/main">
   <p:cSld>
     <p:spTree>
@@ -12318,7 +12906,7 @@
 </p:sld>
 </file>
 
-<file path=ppt/slides/slide29.xml><?xml version="1.0" encoding="utf-8"?>
+<file path=ppt/slides/slide32.xml><?xml version="1.0" encoding="utf-8"?>
 <p:sld xmlns:a="http://schemas.openxmlformats.org/drawingml/2006/main" xmlns:r="http://schemas.openxmlformats.org/officeDocument/2006/relationships" xmlns:p="http://schemas.openxmlformats.org/presentationml/2006/main">
   <p:cSld>
     <p:spTree>
@@ -12461,129 +13049,7 @@
 </p:sld>
 </file>
 
-<file path=ppt/slides/slide3.xml><?xml version="1.0" encoding="utf-8"?>
-<p:sld xmlns:a="http://schemas.openxmlformats.org/drawingml/2006/main" xmlns:r="http://schemas.openxmlformats.org/officeDocument/2006/relationships" xmlns:p="http://schemas.openxmlformats.org/presentationml/2006/main">
-  <p:cSld>
-    <p:spTree>
-      <p:nvGrpSpPr>
-        <p:cNvPr id="1" name=""/>
-        <p:cNvGrpSpPr/>
-        <p:nvPr/>
-      </p:nvGrpSpPr>
-      <p:grpSpPr>
-        <a:xfrm>
-          <a:off x="0" y="0"/>
-          <a:ext cx="0" cy="0"/>
-          <a:chOff x="0" y="0"/>
-          <a:chExt cx="0" cy="0"/>
-        </a:xfrm>
-      </p:grpSpPr>
-      <p:sp>
-        <p:nvSpPr>
-          <p:cNvPr id="5" name="Rounded Rectangle 4"/>
-          <p:cNvSpPr/>
-          <p:nvPr/>
-        </p:nvSpPr>
-        <p:spPr>
-          <a:xfrm>
-            <a:off x="4281016" y="3140968"/>
-            <a:ext cx="576064" cy="576064"/>
-          </a:xfrm>
-          <a:prstGeom prst="roundRect">
-            <a:avLst>
-              <a:gd name="adj" fmla="val 11111"/>
-            </a:avLst>
-          </a:prstGeom>
-          <a:solidFill>
-            <a:srgbClr val="FF0000"/>
-          </a:solidFill>
-          <a:ln>
-            <a:noFill/>
-          </a:ln>
-        </p:spPr>
-        <p:style>
-          <a:lnRef idx="2">
-            <a:schemeClr val="accent1">
-              <a:shade val="50000"/>
-            </a:schemeClr>
-          </a:lnRef>
-          <a:fillRef idx="1">
-            <a:schemeClr val="accent1"/>
-          </a:fillRef>
-          <a:effectRef idx="0">
-            <a:schemeClr val="accent1"/>
-          </a:effectRef>
-          <a:fontRef idx="minor">
-            <a:schemeClr val="lt1"/>
-          </a:fontRef>
-        </p:style>
-        <p:txBody>
-          <a:bodyPr rtlCol="0" anchor="ctr"/>
-          <a:lstStyle/>
-          <a:p>
-            <a:pPr algn="ctr"/>
-            <a:endParaRPr lang="en-US"/>
-          </a:p>
-        </p:txBody>
-      </p:sp>
-      <p:sp>
-        <p:nvSpPr>
-          <p:cNvPr id="3" name="Rectangle 2"/>
-          <p:cNvSpPr/>
-          <p:nvPr/>
-        </p:nvSpPr>
-        <p:spPr>
-          <a:xfrm>
-            <a:off x="4032000" y="2889000"/>
-            <a:ext cx="1080000" cy="1080000"/>
-          </a:xfrm>
-          <a:prstGeom prst="rect">
-            <a:avLst/>
-          </a:prstGeom>
-          <a:noFill/>
-          <a:ln w="6350">
-            <a:noFill/>
-          </a:ln>
-        </p:spPr>
-        <p:style>
-          <a:lnRef idx="2">
-            <a:schemeClr val="accent1">
-              <a:shade val="50000"/>
-            </a:schemeClr>
-          </a:lnRef>
-          <a:fillRef idx="1">
-            <a:schemeClr val="accent1"/>
-          </a:fillRef>
-          <a:effectRef idx="0">
-            <a:schemeClr val="accent1"/>
-          </a:effectRef>
-          <a:fontRef idx="minor">
-            <a:schemeClr val="lt1"/>
-          </a:fontRef>
-        </p:style>
-        <p:txBody>
-          <a:bodyPr rtlCol="0" anchor="ctr"/>
-          <a:lstStyle/>
-          <a:p>
-            <a:pPr algn="ctr"/>
-            <a:endParaRPr lang="zh-TW" altLang="en-US"/>
-          </a:p>
-        </p:txBody>
-      </p:sp>
-    </p:spTree>
-    <p:extLst>
-      <p:ext uri="{BB962C8B-B14F-4D97-AF65-F5344CB8AC3E}">
-        <p14:creationId xmlns:p14="http://schemas.microsoft.com/office/powerpoint/2010/main" val="2760861898"/>
-      </p:ext>
-    </p:extLst>
-  </p:cSld>
-  <p:clrMapOvr>
-    <a:masterClrMapping/>
-  </p:clrMapOvr>
-</p:sld>
-</file>
-
-<file path=ppt/slides/slide30.xml><?xml version="1.0" encoding="utf-8"?>
+<file path=ppt/slides/slide33.xml><?xml version="1.0" encoding="utf-8"?>
 <p:sld xmlns:a="http://schemas.openxmlformats.org/drawingml/2006/main" xmlns:r="http://schemas.openxmlformats.org/officeDocument/2006/relationships" xmlns:p="http://schemas.openxmlformats.org/presentationml/2006/main">
   <p:cSld>
     <p:spTree>
@@ -12748,7 +13214,7 @@
 </p:sld>
 </file>
 
-<file path=ppt/slides/slide31.xml><?xml version="1.0" encoding="utf-8"?>
+<file path=ppt/slides/slide34.xml><?xml version="1.0" encoding="utf-8"?>
 <p:sld xmlns:a="http://schemas.openxmlformats.org/drawingml/2006/main" xmlns:r="http://schemas.openxmlformats.org/officeDocument/2006/relationships" xmlns:p="http://schemas.openxmlformats.org/presentationml/2006/main">
   <p:cSld>
     <p:spTree>
@@ -12948,7 +13414,7 @@
 </p:sld>
 </file>
 
-<file path=ppt/slides/slide32.xml><?xml version="1.0" encoding="utf-8"?>
+<file path=ppt/slides/slide35.xml><?xml version="1.0" encoding="utf-8"?>
 <p:sld xmlns:a="http://schemas.openxmlformats.org/drawingml/2006/main" xmlns:r="http://schemas.openxmlformats.org/officeDocument/2006/relationships" xmlns:p="http://schemas.openxmlformats.org/presentationml/2006/main">
   <p:cSld>
     <p:spTree>
@@ -13305,7 +13771,7 @@
 </p:sld>
 </file>
 
-<file path=ppt/slides/slide33.xml><?xml version="1.0" encoding="utf-8"?>
+<file path=ppt/slides/slide36.xml><?xml version="1.0" encoding="utf-8"?>
 <p:sld xmlns:a="http://schemas.openxmlformats.org/drawingml/2006/main" xmlns:r="http://schemas.openxmlformats.org/officeDocument/2006/relationships" xmlns:p="http://schemas.openxmlformats.org/presentationml/2006/main">
   <p:cSld>
     <p:spTree>
@@ -13613,57 +14079,7 @@
       </p:grpSpPr>
       <p:sp>
         <p:nvSpPr>
-          <p:cNvPr id="3" name="Smiley Face 2"/>
-          <p:cNvSpPr/>
-          <p:nvPr/>
-        </p:nvSpPr>
-        <p:spPr>
-          <a:xfrm>
-            <a:off x="4114800" y="2971800"/>
-            <a:ext cx="914400" cy="914400"/>
-          </a:xfrm>
-          <a:prstGeom prst="smileyFace">
-            <a:avLst>
-              <a:gd name="adj" fmla="val 4653"/>
-            </a:avLst>
-          </a:prstGeom>
-          <a:solidFill>
-            <a:schemeClr val="bg1"/>
-          </a:solidFill>
-          <a:ln w="50800" cap="rnd">
-            <a:solidFill>
-              <a:schemeClr val="tx1"/>
-            </a:solidFill>
-          </a:ln>
-        </p:spPr>
-        <p:style>
-          <a:lnRef idx="2">
-            <a:schemeClr val="accent1">
-              <a:shade val="50000"/>
-            </a:schemeClr>
-          </a:lnRef>
-          <a:fillRef idx="1">
-            <a:schemeClr val="accent1"/>
-          </a:fillRef>
-          <a:effectRef idx="0">
-            <a:schemeClr val="accent1"/>
-          </a:effectRef>
-          <a:fontRef idx="minor">
-            <a:schemeClr val="lt1"/>
-          </a:fontRef>
-        </p:style>
-        <p:txBody>
-          <a:bodyPr rtlCol="0" anchor="ctr"/>
-          <a:lstStyle/>
-          <a:p>
-            <a:pPr algn="ctr"/>
-            <a:endParaRPr lang="en-US"/>
-          </a:p>
-        </p:txBody>
-      </p:sp>
-      <p:sp>
-        <p:nvSpPr>
-          <p:cNvPr id="4" name="Rectangle 3"/>
+          <p:cNvPr id="3" name="Rectangle 2"/>
           <p:cNvSpPr/>
           <p:nvPr/>
         </p:nvSpPr>
@@ -13705,10 +14121,802 @@
           </a:p>
         </p:txBody>
       </p:sp>
+      <p:sp>
+        <p:nvSpPr>
+          <p:cNvPr id="5" name="Trapezoid 4"/>
+          <p:cNvSpPr/>
+          <p:nvPr/>
+        </p:nvSpPr>
+        <p:spPr>
+          <a:xfrm rot="16200000">
+            <a:off x="4759785" y="3159472"/>
+            <a:ext cx="417758" cy="154440"/>
+          </a:xfrm>
+          <a:prstGeom prst="trapezoid">
+            <a:avLst>
+              <a:gd name="adj" fmla="val 51211"/>
+            </a:avLst>
+          </a:prstGeom>
+          <a:solidFill>
+            <a:schemeClr val="bg1">
+              <a:lumMod val="65000"/>
+            </a:schemeClr>
+          </a:solidFill>
+          <a:ln w="50800">
+            <a:solidFill>
+              <a:schemeClr val="bg1">
+                <a:lumMod val="65000"/>
+              </a:schemeClr>
+            </a:solidFill>
+            <a:miter lim="800000"/>
+          </a:ln>
+        </p:spPr>
+        <p:style>
+          <a:lnRef idx="2">
+            <a:schemeClr val="accent1">
+              <a:shade val="50000"/>
+            </a:schemeClr>
+          </a:lnRef>
+          <a:fillRef idx="1">
+            <a:schemeClr val="accent1"/>
+          </a:fillRef>
+          <a:effectRef idx="0">
+            <a:schemeClr val="accent1"/>
+          </a:effectRef>
+          <a:fontRef idx="minor">
+            <a:schemeClr val="lt1"/>
+          </a:fontRef>
+        </p:style>
+        <p:txBody>
+          <a:bodyPr rtlCol="0" anchor="ctr"/>
+          <a:lstStyle/>
+          <a:p>
+            <a:pPr algn="ctr"/>
+            <a:endParaRPr lang="zh-TW" altLang="en-US"/>
+          </a:p>
+        </p:txBody>
+      </p:sp>
+      <p:sp>
+        <p:nvSpPr>
+          <p:cNvPr id="11" name="Rounded Rectangle 10"/>
+          <p:cNvSpPr/>
+          <p:nvPr/>
+        </p:nvSpPr>
+        <p:spPr>
+          <a:xfrm>
+            <a:off x="4096678" y="2960688"/>
+            <a:ext cx="763354" cy="552008"/>
+          </a:xfrm>
+          <a:prstGeom prst="roundRect">
+            <a:avLst>
+              <a:gd name="adj" fmla="val 13601"/>
+            </a:avLst>
+          </a:prstGeom>
+          <a:solidFill>
+            <a:schemeClr val="bg1">
+              <a:lumMod val="65000"/>
+            </a:schemeClr>
+          </a:solidFill>
+          <a:ln w="50800">
+            <a:solidFill>
+              <a:schemeClr val="bg1">
+                <a:lumMod val="65000"/>
+              </a:schemeClr>
+            </a:solidFill>
+          </a:ln>
+        </p:spPr>
+        <p:style>
+          <a:lnRef idx="2">
+            <a:schemeClr val="accent1">
+              <a:shade val="50000"/>
+            </a:schemeClr>
+          </a:lnRef>
+          <a:fillRef idx="1">
+            <a:schemeClr val="accent1"/>
+          </a:fillRef>
+          <a:effectRef idx="0">
+            <a:schemeClr val="accent1"/>
+          </a:effectRef>
+          <a:fontRef idx="minor">
+            <a:schemeClr val="lt1"/>
+          </a:fontRef>
+        </p:style>
+        <p:txBody>
+          <a:bodyPr rtlCol="0" anchor="ctr"/>
+          <a:lstStyle/>
+          <a:p>
+            <a:pPr algn="ctr"/>
+            <a:endParaRPr lang="zh-TW" altLang="en-US"/>
+          </a:p>
+        </p:txBody>
+      </p:sp>
+      <p:pic>
+        <p:nvPicPr>
+          <p:cNvPr id="1026" name="Picture 2" descr="Image result for cursor icon"/>
+          <p:cNvPicPr>
+            <a:picLocks noChangeAspect="1" noChangeArrowheads="1"/>
+          </p:cNvPicPr>
+          <p:nvPr/>
+        </p:nvPicPr>
+        <p:blipFill>
+          <a:blip r:embed="rId2">
+            <a:extLst>
+              <a:ext uri="{28A0092B-C50C-407E-A947-70E740481C1C}">
+                <a14:useLocalDpi xmlns:a14="http://schemas.microsoft.com/office/drawing/2010/main" val="0"/>
+              </a:ext>
+            </a:extLst>
+          </a:blip>
+          <a:srcRect/>
+          <a:stretch>
+            <a:fillRect/>
+          </a:stretch>
+        </p:blipFill>
+        <p:spPr bwMode="auto">
+          <a:xfrm>
+            <a:off x="4347376" y="3311312"/>
+            <a:ext cx="618012" cy="618012"/>
+          </a:xfrm>
+          <a:prstGeom prst="rect">
+            <a:avLst/>
+          </a:prstGeom>
+          <a:noFill/>
+          <a:effectLst/>
+          <a:extLst>
+            <a:ext uri="{909E8E84-426E-40DD-AFC4-6F175D3DCCD1}">
+              <a14:hiddenFill xmlns:a14="http://schemas.microsoft.com/office/drawing/2010/main">
+                <a:solidFill>
+                  <a:srgbClr val="FFFFFF"/>
+                </a:solidFill>
+              </a14:hiddenFill>
+            </a:ext>
+          </a:extLst>
+        </p:spPr>
+      </p:pic>
     </p:spTree>
     <p:extLst>
       <p:ext uri="{BB962C8B-B14F-4D97-AF65-F5344CB8AC3E}">
-        <p14:creationId xmlns:p14="http://schemas.microsoft.com/office/powerpoint/2010/main" val="3303877153"/>
+        <p14:creationId xmlns:p14="http://schemas.microsoft.com/office/powerpoint/2010/main" val="2486687285"/>
+      </p:ext>
+    </p:extLst>
+  </p:cSld>
+  <p:clrMapOvr>
+    <a:masterClrMapping/>
+  </p:clrMapOvr>
+  <p:timing>
+    <p:tnLst>
+      <p:par>
+        <p:cTn id="1" dur="indefinite" restart="never" nodeType="tmRoot"/>
+      </p:par>
+    </p:tnLst>
+  </p:timing>
+</p:sld>
+</file>
+
+<file path=ppt/slides/slide6.xml><?xml version="1.0" encoding="utf-8"?>
+<p:sld xmlns:a="http://schemas.openxmlformats.org/drawingml/2006/main" xmlns:r="http://schemas.openxmlformats.org/officeDocument/2006/relationships" xmlns:p="http://schemas.openxmlformats.org/presentationml/2006/main">
+  <p:cSld>
+    <p:spTree>
+      <p:nvGrpSpPr>
+        <p:cNvPr id="1" name=""/>
+        <p:cNvGrpSpPr/>
+        <p:nvPr/>
+      </p:nvGrpSpPr>
+      <p:grpSpPr>
+        <a:xfrm>
+          <a:off x="0" y="0"/>
+          <a:ext cx="0" cy="0"/>
+          <a:chOff x="0" y="0"/>
+          <a:chExt cx="0" cy="0"/>
+        </a:xfrm>
+      </p:grpSpPr>
+      <p:grpSp>
+        <p:nvGrpSpPr>
+          <p:cNvPr id="8" name="Group 7"/>
+          <p:cNvGrpSpPr/>
+          <p:nvPr/>
+        </p:nvGrpSpPr>
+        <p:grpSpPr>
+          <a:xfrm>
+            <a:off x="4557205" y="3615680"/>
+            <a:ext cx="393414" cy="295125"/>
+            <a:chOff x="4573892" y="3615680"/>
+            <a:chExt cx="360040" cy="295125"/>
+          </a:xfrm>
+        </p:grpSpPr>
+        <p:sp>
+          <p:nvSpPr>
+            <p:cNvPr id="14" name="Rounded Rectangle 13"/>
+            <p:cNvSpPr/>
+            <p:nvPr/>
+          </p:nvSpPr>
+          <p:spPr>
+            <a:xfrm>
+              <a:off x="4573892" y="3663470"/>
+              <a:ext cx="360040" cy="247335"/>
+            </a:xfrm>
+            <a:prstGeom prst="roundRect">
+              <a:avLst>
+                <a:gd name="adj" fmla="val 9683"/>
+              </a:avLst>
+            </a:prstGeom>
+            <a:solidFill>
+              <a:schemeClr val="bg1">
+                <a:lumMod val="65000"/>
+              </a:schemeClr>
+            </a:solidFill>
+            <a:ln w="50800">
+              <a:solidFill>
+                <a:schemeClr val="bg1">
+                  <a:lumMod val="65000"/>
+                </a:schemeClr>
+              </a:solidFill>
+            </a:ln>
+          </p:spPr>
+          <p:style>
+            <a:lnRef idx="2">
+              <a:schemeClr val="accent1">
+                <a:shade val="50000"/>
+              </a:schemeClr>
+            </a:lnRef>
+            <a:fillRef idx="1">
+              <a:schemeClr val="accent1"/>
+            </a:fillRef>
+            <a:effectRef idx="0">
+              <a:schemeClr val="accent1"/>
+            </a:effectRef>
+            <a:fontRef idx="minor">
+              <a:schemeClr val="lt1"/>
+            </a:fontRef>
+          </p:style>
+          <p:txBody>
+            <a:bodyPr rtlCol="0" anchor="ctr"/>
+            <a:lstStyle/>
+            <a:p>
+              <a:pPr algn="ctr"/>
+              <a:endParaRPr lang="zh-TW" altLang="en-US"/>
+            </a:p>
+          </p:txBody>
+        </p:sp>
+        <p:sp>
+          <p:nvSpPr>
+            <p:cNvPr id="18" name="Trapezoid 17"/>
+            <p:cNvSpPr/>
+            <p:nvPr/>
+          </p:nvSpPr>
+          <p:spPr>
+            <a:xfrm>
+              <a:off x="4669205" y="3615680"/>
+              <a:ext cx="169413" cy="60559"/>
+            </a:xfrm>
+            <a:prstGeom prst="trapezoid">
+              <a:avLst>
+                <a:gd name="adj" fmla="val 51211"/>
+              </a:avLst>
+            </a:prstGeom>
+            <a:solidFill>
+              <a:schemeClr val="bg1">
+                <a:lumMod val="65000"/>
+              </a:schemeClr>
+            </a:solidFill>
+            <a:ln w="50800">
+              <a:solidFill>
+                <a:schemeClr val="bg1">
+                  <a:lumMod val="65000"/>
+                </a:schemeClr>
+              </a:solidFill>
+              <a:miter lim="800000"/>
+            </a:ln>
+          </p:spPr>
+          <p:style>
+            <a:lnRef idx="2">
+              <a:schemeClr val="accent1">
+                <a:shade val="50000"/>
+              </a:schemeClr>
+            </a:lnRef>
+            <a:fillRef idx="1">
+              <a:schemeClr val="accent1"/>
+            </a:fillRef>
+            <a:effectRef idx="0">
+              <a:schemeClr val="accent1"/>
+            </a:effectRef>
+            <a:fontRef idx="minor">
+              <a:schemeClr val="lt1"/>
+            </a:fontRef>
+          </p:style>
+          <p:txBody>
+            <a:bodyPr rtlCol="0" anchor="ctr"/>
+            <a:lstStyle/>
+            <a:p>
+              <a:pPr algn="ctr"/>
+              <a:endParaRPr lang="zh-TW" altLang="en-US"/>
+            </a:p>
+          </p:txBody>
+        </p:sp>
+      </p:grpSp>
+      <p:sp>
+        <p:nvSpPr>
+          <p:cNvPr id="19" name="Oval 18"/>
+          <p:cNvSpPr/>
+          <p:nvPr/>
+        </p:nvSpPr>
+        <p:spPr>
+          <a:xfrm>
+            <a:off x="4683331" y="3716556"/>
+            <a:ext cx="141162" cy="141162"/>
+          </a:xfrm>
+          <a:prstGeom prst="ellipse">
+            <a:avLst/>
+          </a:prstGeom>
+          <a:solidFill>
+            <a:schemeClr val="bg1"/>
+          </a:solidFill>
+          <a:ln w="50800">
+            <a:noFill/>
+          </a:ln>
+        </p:spPr>
+        <p:style>
+          <a:lnRef idx="2">
+            <a:schemeClr val="accent1">
+              <a:shade val="50000"/>
+            </a:schemeClr>
+          </a:lnRef>
+          <a:fillRef idx="1">
+            <a:schemeClr val="accent1"/>
+          </a:fillRef>
+          <a:effectRef idx="0">
+            <a:schemeClr val="accent1"/>
+          </a:effectRef>
+          <a:fontRef idx="minor">
+            <a:schemeClr val="lt1"/>
+          </a:fontRef>
+        </p:style>
+        <p:txBody>
+          <a:bodyPr rtlCol="0" anchor="ctr"/>
+          <a:lstStyle/>
+          <a:p>
+            <a:pPr algn="ctr"/>
+            <a:endParaRPr lang="zh-TW" altLang="en-US"/>
+          </a:p>
+        </p:txBody>
+      </p:sp>
+      <p:sp>
+        <p:nvSpPr>
+          <p:cNvPr id="20" name="Oval 19"/>
+          <p:cNvSpPr/>
+          <p:nvPr/>
+        </p:nvSpPr>
+        <p:spPr>
+          <a:xfrm>
+            <a:off x="4897889" y="3671183"/>
+            <a:ext cx="28232" cy="28232"/>
+          </a:xfrm>
+          <a:prstGeom prst="ellipse">
+            <a:avLst/>
+          </a:prstGeom>
+          <a:solidFill>
+            <a:schemeClr val="bg1"/>
+          </a:solidFill>
+          <a:ln>
+            <a:noFill/>
+          </a:ln>
+        </p:spPr>
+        <p:style>
+          <a:lnRef idx="2">
+            <a:schemeClr val="accent1">
+              <a:shade val="50000"/>
+            </a:schemeClr>
+          </a:lnRef>
+          <a:fillRef idx="1">
+            <a:schemeClr val="accent1"/>
+          </a:fillRef>
+          <a:effectRef idx="0">
+            <a:schemeClr val="accent1"/>
+          </a:effectRef>
+          <a:fontRef idx="minor">
+            <a:schemeClr val="lt1"/>
+          </a:fontRef>
+        </p:style>
+        <p:txBody>
+          <a:bodyPr rtlCol="0" anchor="ctr"/>
+          <a:lstStyle/>
+          <a:p>
+            <a:pPr algn="ctr"/>
+            <a:endParaRPr lang="en-US"/>
+          </a:p>
+        </p:txBody>
+      </p:sp>
+      <p:sp>
+        <p:nvSpPr>
+          <p:cNvPr id="4" name="Rounded Rectangle 3"/>
+          <p:cNvSpPr/>
+          <p:nvPr/>
+        </p:nvSpPr>
+        <p:spPr>
+          <a:xfrm>
+            <a:off x="4491682" y="2925000"/>
+            <a:ext cx="154286" cy="612000"/>
+          </a:xfrm>
+          <a:prstGeom prst="roundRect">
+            <a:avLst>
+              <a:gd name="adj" fmla="val 50000"/>
+            </a:avLst>
+          </a:prstGeom>
+          <a:solidFill>
+            <a:schemeClr val="bg1">
+              <a:lumMod val="65000"/>
+            </a:schemeClr>
+          </a:solidFill>
+          <a:ln w="50800">
+            <a:noFill/>
+          </a:ln>
+        </p:spPr>
+        <p:style>
+          <a:lnRef idx="2">
+            <a:schemeClr val="accent1">
+              <a:shade val="50000"/>
+            </a:schemeClr>
+          </a:lnRef>
+          <a:fillRef idx="1">
+            <a:schemeClr val="accent1"/>
+          </a:fillRef>
+          <a:effectRef idx="0">
+            <a:schemeClr val="accent1"/>
+          </a:effectRef>
+          <a:fontRef idx="minor">
+            <a:schemeClr val="lt1"/>
+          </a:fontRef>
+        </p:style>
+        <p:txBody>
+          <a:bodyPr rtlCol="0" anchor="ctr"/>
+          <a:lstStyle/>
+          <a:p>
+            <a:pPr algn="ctr"/>
+            <a:endParaRPr lang="zh-TW" altLang="en-US"/>
+          </a:p>
+        </p:txBody>
+      </p:sp>
+      <p:sp>
+        <p:nvSpPr>
+          <p:cNvPr id="3" name="Rounded Rectangle 2"/>
+          <p:cNvSpPr/>
+          <p:nvPr/>
+        </p:nvSpPr>
+        <p:spPr>
+          <a:xfrm>
+            <a:off x="4128193" y="2924998"/>
+            <a:ext cx="154286" cy="1002857"/>
+          </a:xfrm>
+          <a:prstGeom prst="roundRect">
+            <a:avLst>
+              <a:gd name="adj" fmla="val 50000"/>
+            </a:avLst>
+          </a:prstGeom>
+          <a:solidFill>
+            <a:schemeClr val="bg1">
+              <a:lumMod val="65000"/>
+            </a:schemeClr>
+          </a:solidFill>
+          <a:ln w="50800">
+            <a:noFill/>
+          </a:ln>
+        </p:spPr>
+        <p:style>
+          <a:lnRef idx="2">
+            <a:schemeClr val="accent1">
+              <a:shade val="50000"/>
+            </a:schemeClr>
+          </a:lnRef>
+          <a:fillRef idx="1">
+            <a:schemeClr val="accent1"/>
+          </a:fillRef>
+          <a:effectRef idx="0">
+            <a:schemeClr val="accent1"/>
+          </a:effectRef>
+          <a:fontRef idx="minor">
+            <a:schemeClr val="lt1"/>
+          </a:fontRef>
+        </p:style>
+        <p:txBody>
+          <a:bodyPr rtlCol="0" anchor="ctr"/>
+          <a:lstStyle/>
+          <a:p>
+            <a:pPr algn="ctr"/>
+            <a:endParaRPr lang="zh-TW" altLang="en-US"/>
+          </a:p>
+        </p:txBody>
+      </p:sp>
+      <p:sp>
+        <p:nvSpPr>
+          <p:cNvPr id="6" name="Oval 5"/>
+          <p:cNvSpPr/>
+          <p:nvPr/>
+        </p:nvSpPr>
+        <p:spPr>
+          <a:xfrm>
+            <a:off x="4115336" y="3318426"/>
+            <a:ext cx="180000" cy="180000"/>
+          </a:xfrm>
+          <a:prstGeom prst="ellipse">
+            <a:avLst/>
+          </a:prstGeom>
+          <a:solidFill>
+            <a:schemeClr val="bg1"/>
+          </a:solidFill>
+          <a:ln w="50800">
+            <a:solidFill>
+              <a:schemeClr val="bg1">
+                <a:lumMod val="65000"/>
+              </a:schemeClr>
+            </a:solidFill>
+          </a:ln>
+        </p:spPr>
+        <p:style>
+          <a:lnRef idx="2">
+            <a:schemeClr val="accent1">
+              <a:shade val="50000"/>
+            </a:schemeClr>
+          </a:lnRef>
+          <a:fillRef idx="1">
+            <a:schemeClr val="accent1"/>
+          </a:fillRef>
+          <a:effectRef idx="0">
+            <a:schemeClr val="accent1"/>
+          </a:effectRef>
+          <a:fontRef idx="minor">
+            <a:schemeClr val="lt1"/>
+          </a:fontRef>
+        </p:style>
+        <p:txBody>
+          <a:bodyPr rtlCol="0" anchor="ctr"/>
+          <a:lstStyle/>
+          <a:p>
+            <a:pPr algn="ctr"/>
+            <a:endParaRPr lang="zh-TW" altLang="en-US"/>
+          </a:p>
+        </p:txBody>
+      </p:sp>
+      <p:sp>
+        <p:nvSpPr>
+          <p:cNvPr id="7" name="Oval 6"/>
+          <p:cNvSpPr/>
+          <p:nvPr/>
+        </p:nvSpPr>
+        <p:spPr>
+          <a:xfrm>
+            <a:off x="4478825" y="3123000"/>
+            <a:ext cx="180000" cy="180000"/>
+          </a:xfrm>
+          <a:prstGeom prst="ellipse">
+            <a:avLst/>
+          </a:prstGeom>
+          <a:solidFill>
+            <a:schemeClr val="bg1"/>
+          </a:solidFill>
+          <a:ln w="50800">
+            <a:solidFill>
+              <a:schemeClr val="bg1">
+                <a:lumMod val="65000"/>
+              </a:schemeClr>
+            </a:solidFill>
+          </a:ln>
+        </p:spPr>
+        <p:style>
+          <a:lnRef idx="2">
+            <a:schemeClr val="accent1">
+              <a:shade val="50000"/>
+            </a:schemeClr>
+          </a:lnRef>
+          <a:fillRef idx="1">
+            <a:schemeClr val="accent1"/>
+          </a:fillRef>
+          <a:effectRef idx="0">
+            <a:schemeClr val="accent1"/>
+          </a:effectRef>
+          <a:fontRef idx="minor">
+            <a:schemeClr val="lt1"/>
+          </a:fontRef>
+        </p:style>
+        <p:txBody>
+          <a:bodyPr rtlCol="0" anchor="ctr"/>
+          <a:lstStyle/>
+          <a:p>
+            <a:pPr algn="ctr"/>
+            <a:endParaRPr lang="zh-TW" altLang="en-US"/>
+          </a:p>
+        </p:txBody>
+      </p:sp>
+      <p:sp>
+        <p:nvSpPr>
+          <p:cNvPr id="11" name="Rectangle 10"/>
+          <p:cNvSpPr/>
+          <p:nvPr/>
+        </p:nvSpPr>
+        <p:spPr>
+          <a:xfrm>
+            <a:off x="4032000" y="2889000"/>
+            <a:ext cx="1080000" cy="1080000"/>
+          </a:xfrm>
+          <a:prstGeom prst="rect">
+            <a:avLst/>
+          </a:prstGeom>
+          <a:noFill/>
+          <a:ln w="6350">
+            <a:noFill/>
+          </a:ln>
+        </p:spPr>
+        <p:style>
+          <a:lnRef idx="2">
+            <a:schemeClr val="accent1">
+              <a:shade val="50000"/>
+            </a:schemeClr>
+          </a:lnRef>
+          <a:fillRef idx="1">
+            <a:schemeClr val="accent1"/>
+          </a:fillRef>
+          <a:effectRef idx="0">
+            <a:schemeClr val="accent1"/>
+          </a:effectRef>
+          <a:fontRef idx="minor">
+            <a:schemeClr val="lt1"/>
+          </a:fontRef>
+        </p:style>
+        <p:txBody>
+          <a:bodyPr rtlCol="0" anchor="ctr"/>
+          <a:lstStyle/>
+          <a:p>
+            <a:pPr algn="ctr"/>
+            <a:endParaRPr lang="zh-TW" altLang="en-US"/>
+          </a:p>
+        </p:txBody>
+      </p:sp>
+      <p:sp>
+        <p:nvSpPr>
+          <p:cNvPr id="10" name="Rectangle 9"/>
+          <p:cNvSpPr/>
+          <p:nvPr/>
+        </p:nvSpPr>
+        <p:spPr>
+          <a:xfrm>
+            <a:off x="4392000" y="3537000"/>
+            <a:ext cx="720000" cy="432000"/>
+          </a:xfrm>
+          <a:prstGeom prst="rect">
+            <a:avLst/>
+          </a:prstGeom>
+          <a:noFill/>
+          <a:ln w="6350">
+            <a:noFill/>
+          </a:ln>
+        </p:spPr>
+        <p:style>
+          <a:lnRef idx="2">
+            <a:schemeClr val="accent1">
+              <a:shade val="50000"/>
+            </a:schemeClr>
+          </a:lnRef>
+          <a:fillRef idx="1">
+            <a:schemeClr val="accent1"/>
+          </a:fillRef>
+          <a:effectRef idx="0">
+            <a:schemeClr val="accent1"/>
+          </a:effectRef>
+          <a:fontRef idx="minor">
+            <a:schemeClr val="lt1"/>
+          </a:fontRef>
+        </p:style>
+        <p:txBody>
+          <a:bodyPr rtlCol="0" anchor="ctr"/>
+          <a:lstStyle/>
+          <a:p>
+            <a:pPr algn="ctr"/>
+            <a:endParaRPr lang="zh-TW" altLang="en-US"/>
+          </a:p>
+        </p:txBody>
+      </p:sp>
+      <p:sp>
+        <p:nvSpPr>
+          <p:cNvPr id="12" name="Rounded Rectangle 11"/>
+          <p:cNvSpPr/>
+          <p:nvPr/>
+        </p:nvSpPr>
+        <p:spPr>
+          <a:xfrm flipV="1">
+            <a:off x="4861521" y="2925000"/>
+            <a:ext cx="154286" cy="612000"/>
+          </a:xfrm>
+          <a:prstGeom prst="roundRect">
+            <a:avLst>
+              <a:gd name="adj" fmla="val 50000"/>
+            </a:avLst>
+          </a:prstGeom>
+          <a:solidFill>
+            <a:schemeClr val="bg1">
+              <a:lumMod val="65000"/>
+            </a:schemeClr>
+          </a:solidFill>
+          <a:ln w="50800">
+            <a:noFill/>
+          </a:ln>
+        </p:spPr>
+        <p:style>
+          <a:lnRef idx="2">
+            <a:schemeClr val="accent1">
+              <a:shade val="50000"/>
+            </a:schemeClr>
+          </a:lnRef>
+          <a:fillRef idx="1">
+            <a:schemeClr val="accent1"/>
+          </a:fillRef>
+          <a:effectRef idx="0">
+            <a:schemeClr val="accent1"/>
+          </a:effectRef>
+          <a:fontRef idx="minor">
+            <a:schemeClr val="lt1"/>
+          </a:fontRef>
+        </p:style>
+        <p:txBody>
+          <a:bodyPr rtlCol="0" anchor="ctr"/>
+          <a:lstStyle/>
+          <a:p>
+            <a:pPr algn="ctr"/>
+            <a:endParaRPr lang="zh-TW" altLang="en-US"/>
+          </a:p>
+        </p:txBody>
+      </p:sp>
+      <p:sp>
+        <p:nvSpPr>
+          <p:cNvPr id="13" name="Oval 12"/>
+          <p:cNvSpPr/>
+          <p:nvPr/>
+        </p:nvSpPr>
+        <p:spPr>
+          <a:xfrm flipV="1">
+            <a:off x="4848755" y="3123000"/>
+            <a:ext cx="180000" cy="180000"/>
+          </a:xfrm>
+          <a:prstGeom prst="ellipse">
+            <a:avLst/>
+          </a:prstGeom>
+          <a:solidFill>
+            <a:schemeClr val="bg1"/>
+          </a:solidFill>
+          <a:ln w="50800">
+            <a:solidFill>
+              <a:schemeClr val="bg1">
+                <a:lumMod val="65000"/>
+              </a:schemeClr>
+            </a:solidFill>
+          </a:ln>
+        </p:spPr>
+        <p:style>
+          <a:lnRef idx="2">
+            <a:schemeClr val="accent1">
+              <a:shade val="50000"/>
+            </a:schemeClr>
+          </a:lnRef>
+          <a:fillRef idx="1">
+            <a:schemeClr val="accent1"/>
+          </a:fillRef>
+          <a:effectRef idx="0">
+            <a:schemeClr val="accent1"/>
+          </a:effectRef>
+          <a:fontRef idx="minor">
+            <a:schemeClr val="lt1"/>
+          </a:fontRef>
+        </p:style>
+        <p:txBody>
+          <a:bodyPr rtlCol="0" anchor="ctr"/>
+          <a:lstStyle/>
+          <a:p>
+            <a:pPr algn="ctr"/>
+            <a:endParaRPr lang="zh-TW" altLang="en-US"/>
+          </a:p>
+        </p:txBody>
+      </p:sp>
+    </p:spTree>
+    <p:extLst>
+      <p:ext uri="{BB962C8B-B14F-4D97-AF65-F5344CB8AC3E}">
+        <p14:creationId xmlns:p14="http://schemas.microsoft.com/office/powerpoint/2010/main" val="3686103758"/>
       </p:ext>
     </p:extLst>
   </p:cSld>
@@ -13718,7 +14926,564 @@
 </p:sld>
 </file>
 
-<file path=ppt/slides/slide6.xml><?xml version="1.0" encoding="utf-8"?>
+<file path=ppt/slides/slide7.xml><?xml version="1.0" encoding="utf-8"?>
+<p:sld xmlns:a="http://schemas.openxmlformats.org/drawingml/2006/main" xmlns:r="http://schemas.openxmlformats.org/officeDocument/2006/relationships" xmlns:p="http://schemas.openxmlformats.org/presentationml/2006/main">
+  <p:cSld>
+    <p:spTree>
+      <p:nvGrpSpPr>
+        <p:cNvPr id="1" name=""/>
+        <p:cNvGrpSpPr/>
+        <p:nvPr/>
+      </p:nvGrpSpPr>
+      <p:grpSpPr>
+        <a:xfrm>
+          <a:off x="0" y="0"/>
+          <a:ext cx="0" cy="0"/>
+          <a:chOff x="0" y="0"/>
+          <a:chExt cx="0" cy="0"/>
+        </a:xfrm>
+      </p:grpSpPr>
+      <p:grpSp>
+        <p:nvGrpSpPr>
+          <p:cNvPr id="19" name="Group 18"/>
+          <p:cNvGrpSpPr/>
+          <p:nvPr/>
+        </p:nvGrpSpPr>
+        <p:grpSpPr>
+          <a:xfrm>
+            <a:off x="4083296" y="2935243"/>
+            <a:ext cx="396000" cy="396000"/>
+            <a:chOff x="4087000" y="2940427"/>
+            <a:chExt cx="432000" cy="432422"/>
+          </a:xfrm>
+        </p:grpSpPr>
+        <p:cxnSp>
+          <p:nvCxnSpPr>
+            <p:cNvPr id="7" name="Straight Connector 6"/>
+            <p:cNvCxnSpPr/>
+            <p:nvPr/>
+          </p:nvCxnSpPr>
+          <p:spPr>
+            <a:xfrm>
+              <a:off x="4087000" y="2940849"/>
+              <a:ext cx="0" cy="432000"/>
+            </a:xfrm>
+            <a:prstGeom prst="line">
+              <a:avLst/>
+            </a:prstGeom>
+            <a:ln w="63500" cap="rnd">
+              <a:solidFill>
+                <a:schemeClr val="tx1">
+                  <a:lumMod val="50000"/>
+                  <a:lumOff val="50000"/>
+                </a:schemeClr>
+              </a:solidFill>
+            </a:ln>
+          </p:spPr>
+          <p:style>
+            <a:lnRef idx="1">
+              <a:schemeClr val="accent1"/>
+            </a:lnRef>
+            <a:fillRef idx="0">
+              <a:schemeClr val="accent1"/>
+            </a:fillRef>
+            <a:effectRef idx="0">
+              <a:schemeClr val="accent1"/>
+            </a:effectRef>
+            <a:fontRef idx="minor">
+              <a:schemeClr val="tx1"/>
+            </a:fontRef>
+          </p:style>
+        </p:cxnSp>
+        <p:cxnSp>
+          <p:nvCxnSpPr>
+            <p:cNvPr id="8" name="Straight Connector 7"/>
+            <p:cNvCxnSpPr/>
+            <p:nvPr/>
+          </p:nvCxnSpPr>
+          <p:spPr>
+            <a:xfrm flipH="1" flipV="1">
+              <a:off x="4087000" y="2940427"/>
+              <a:ext cx="432000" cy="48"/>
+            </a:xfrm>
+            <a:prstGeom prst="line">
+              <a:avLst/>
+            </a:prstGeom>
+            <a:ln w="63500" cap="rnd">
+              <a:solidFill>
+                <a:schemeClr val="tx1">
+                  <a:lumMod val="50000"/>
+                  <a:lumOff val="50000"/>
+                </a:schemeClr>
+              </a:solidFill>
+            </a:ln>
+          </p:spPr>
+          <p:style>
+            <a:lnRef idx="1">
+              <a:schemeClr val="accent1"/>
+            </a:lnRef>
+            <a:fillRef idx="0">
+              <a:schemeClr val="accent1"/>
+            </a:fillRef>
+            <a:effectRef idx="0">
+              <a:schemeClr val="accent1"/>
+            </a:effectRef>
+            <a:fontRef idx="minor">
+              <a:schemeClr val="tx1"/>
+            </a:fontRef>
+          </p:style>
+        </p:cxnSp>
+      </p:grpSp>
+      <p:grpSp>
+        <p:nvGrpSpPr>
+          <p:cNvPr id="12" name="Group 11"/>
+          <p:cNvGrpSpPr/>
+          <p:nvPr/>
+        </p:nvGrpSpPr>
+        <p:grpSpPr>
+          <a:xfrm rot="10800000">
+            <a:off x="4668891" y="3522870"/>
+            <a:ext cx="396000" cy="396000"/>
+            <a:chOff x="4716016" y="3573016"/>
+            <a:chExt cx="432000" cy="432422"/>
+          </a:xfrm>
+        </p:grpSpPr>
+        <p:cxnSp>
+          <p:nvCxnSpPr>
+            <p:cNvPr id="10" name="Straight Connector 9"/>
+            <p:cNvCxnSpPr/>
+            <p:nvPr/>
+          </p:nvCxnSpPr>
+          <p:spPr>
+            <a:xfrm>
+              <a:off x="4716016" y="3573438"/>
+              <a:ext cx="0" cy="432000"/>
+            </a:xfrm>
+            <a:prstGeom prst="line">
+              <a:avLst/>
+            </a:prstGeom>
+            <a:ln w="63500" cap="rnd">
+              <a:solidFill>
+                <a:schemeClr val="tx1">
+                  <a:lumMod val="50000"/>
+                  <a:lumOff val="50000"/>
+                </a:schemeClr>
+              </a:solidFill>
+            </a:ln>
+          </p:spPr>
+          <p:style>
+            <a:lnRef idx="1">
+              <a:schemeClr val="accent1"/>
+            </a:lnRef>
+            <a:fillRef idx="0">
+              <a:schemeClr val="accent1"/>
+            </a:fillRef>
+            <a:effectRef idx="0">
+              <a:schemeClr val="accent1"/>
+            </a:effectRef>
+            <a:fontRef idx="minor">
+              <a:schemeClr val="tx1"/>
+            </a:fontRef>
+          </p:style>
+        </p:cxnSp>
+        <p:cxnSp>
+          <p:nvCxnSpPr>
+            <p:cNvPr id="11" name="Straight Connector 10"/>
+            <p:cNvCxnSpPr/>
+            <p:nvPr/>
+          </p:nvCxnSpPr>
+          <p:spPr>
+            <a:xfrm flipH="1" flipV="1">
+              <a:off x="4716016" y="3573016"/>
+              <a:ext cx="432000" cy="48"/>
+            </a:xfrm>
+            <a:prstGeom prst="line">
+              <a:avLst/>
+            </a:prstGeom>
+            <a:ln w="63500" cap="rnd">
+              <a:solidFill>
+                <a:schemeClr val="tx1">
+                  <a:lumMod val="50000"/>
+                  <a:lumOff val="50000"/>
+                </a:schemeClr>
+              </a:solidFill>
+            </a:ln>
+          </p:spPr>
+          <p:style>
+            <a:lnRef idx="1">
+              <a:schemeClr val="accent1"/>
+            </a:lnRef>
+            <a:fillRef idx="0">
+              <a:schemeClr val="accent1"/>
+            </a:fillRef>
+            <a:effectRef idx="0">
+              <a:schemeClr val="accent1"/>
+            </a:effectRef>
+            <a:fontRef idx="minor">
+              <a:schemeClr val="tx1"/>
+            </a:fontRef>
+          </p:style>
+        </p:cxnSp>
+      </p:grpSp>
+      <p:grpSp>
+        <p:nvGrpSpPr>
+          <p:cNvPr id="13" name="Group 12"/>
+          <p:cNvGrpSpPr/>
+          <p:nvPr/>
+        </p:nvGrpSpPr>
+        <p:grpSpPr>
+          <a:xfrm rot="5400000">
+            <a:off x="4668888" y="2935665"/>
+            <a:ext cx="396000" cy="396000"/>
+            <a:chOff x="4716016" y="3573016"/>
+            <a:chExt cx="432000" cy="432422"/>
+          </a:xfrm>
+        </p:grpSpPr>
+        <p:cxnSp>
+          <p:nvCxnSpPr>
+            <p:cNvPr id="14" name="Straight Connector 13"/>
+            <p:cNvCxnSpPr/>
+            <p:nvPr/>
+          </p:nvCxnSpPr>
+          <p:spPr>
+            <a:xfrm>
+              <a:off x="4716016" y="3573438"/>
+              <a:ext cx="0" cy="432000"/>
+            </a:xfrm>
+            <a:prstGeom prst="line">
+              <a:avLst/>
+            </a:prstGeom>
+            <a:ln w="63500" cap="rnd">
+              <a:solidFill>
+                <a:schemeClr val="tx1">
+                  <a:lumMod val="50000"/>
+                  <a:lumOff val="50000"/>
+                </a:schemeClr>
+              </a:solidFill>
+            </a:ln>
+          </p:spPr>
+          <p:style>
+            <a:lnRef idx="1">
+              <a:schemeClr val="accent1"/>
+            </a:lnRef>
+            <a:fillRef idx="0">
+              <a:schemeClr val="accent1"/>
+            </a:fillRef>
+            <a:effectRef idx="0">
+              <a:schemeClr val="accent1"/>
+            </a:effectRef>
+            <a:fontRef idx="minor">
+              <a:schemeClr val="tx1"/>
+            </a:fontRef>
+          </p:style>
+        </p:cxnSp>
+        <p:cxnSp>
+          <p:nvCxnSpPr>
+            <p:cNvPr id="15" name="Straight Connector 14"/>
+            <p:cNvCxnSpPr/>
+            <p:nvPr/>
+          </p:nvCxnSpPr>
+          <p:spPr>
+            <a:xfrm flipH="1" flipV="1">
+              <a:off x="4716016" y="3573016"/>
+              <a:ext cx="432000" cy="48"/>
+            </a:xfrm>
+            <a:prstGeom prst="line">
+              <a:avLst/>
+            </a:prstGeom>
+            <a:ln w="63500" cap="rnd">
+              <a:solidFill>
+                <a:schemeClr val="tx1">
+                  <a:lumMod val="50000"/>
+                  <a:lumOff val="50000"/>
+                </a:schemeClr>
+              </a:solidFill>
+            </a:ln>
+          </p:spPr>
+          <p:style>
+            <a:lnRef idx="1">
+              <a:schemeClr val="accent1"/>
+            </a:lnRef>
+            <a:fillRef idx="0">
+              <a:schemeClr val="accent1"/>
+            </a:fillRef>
+            <a:effectRef idx="0">
+              <a:schemeClr val="accent1"/>
+            </a:effectRef>
+            <a:fontRef idx="minor">
+              <a:schemeClr val="tx1"/>
+            </a:fontRef>
+          </p:style>
+        </p:cxnSp>
+      </p:grpSp>
+      <p:grpSp>
+        <p:nvGrpSpPr>
+          <p:cNvPr id="16" name="Group 15"/>
+          <p:cNvGrpSpPr/>
+          <p:nvPr/>
+        </p:nvGrpSpPr>
+        <p:grpSpPr>
+          <a:xfrm rot="16200000">
+            <a:off x="4084290" y="3522870"/>
+            <a:ext cx="396000" cy="396000"/>
+            <a:chOff x="4716016" y="3573016"/>
+            <a:chExt cx="432000" cy="432422"/>
+          </a:xfrm>
+        </p:grpSpPr>
+        <p:cxnSp>
+          <p:nvCxnSpPr>
+            <p:cNvPr id="17" name="Straight Connector 16"/>
+            <p:cNvCxnSpPr/>
+            <p:nvPr/>
+          </p:nvCxnSpPr>
+          <p:spPr>
+            <a:xfrm>
+              <a:off x="4716016" y="3573438"/>
+              <a:ext cx="0" cy="432000"/>
+            </a:xfrm>
+            <a:prstGeom prst="line">
+              <a:avLst/>
+            </a:prstGeom>
+            <a:ln w="63500" cap="rnd">
+              <a:solidFill>
+                <a:schemeClr val="tx1">
+                  <a:lumMod val="50000"/>
+                  <a:lumOff val="50000"/>
+                </a:schemeClr>
+              </a:solidFill>
+            </a:ln>
+          </p:spPr>
+          <p:style>
+            <a:lnRef idx="1">
+              <a:schemeClr val="accent1"/>
+            </a:lnRef>
+            <a:fillRef idx="0">
+              <a:schemeClr val="accent1"/>
+            </a:fillRef>
+            <a:effectRef idx="0">
+              <a:schemeClr val="accent1"/>
+            </a:effectRef>
+            <a:fontRef idx="minor">
+              <a:schemeClr val="tx1"/>
+            </a:fontRef>
+          </p:style>
+        </p:cxnSp>
+        <p:cxnSp>
+          <p:nvCxnSpPr>
+            <p:cNvPr id="18" name="Straight Connector 17"/>
+            <p:cNvCxnSpPr/>
+            <p:nvPr/>
+          </p:nvCxnSpPr>
+          <p:spPr>
+            <a:xfrm flipH="1" flipV="1">
+              <a:off x="4716016" y="3573016"/>
+              <a:ext cx="432000" cy="48"/>
+            </a:xfrm>
+            <a:prstGeom prst="line">
+              <a:avLst/>
+            </a:prstGeom>
+            <a:ln w="63500" cap="rnd">
+              <a:solidFill>
+                <a:schemeClr val="tx1">
+                  <a:lumMod val="50000"/>
+                  <a:lumOff val="50000"/>
+                </a:schemeClr>
+              </a:solidFill>
+            </a:ln>
+          </p:spPr>
+          <p:style>
+            <a:lnRef idx="1">
+              <a:schemeClr val="accent1"/>
+            </a:lnRef>
+            <a:fillRef idx="0">
+              <a:schemeClr val="accent1"/>
+            </a:fillRef>
+            <a:effectRef idx="0">
+              <a:schemeClr val="accent1"/>
+            </a:effectRef>
+            <a:fontRef idx="minor">
+              <a:schemeClr val="tx1"/>
+            </a:fontRef>
+          </p:style>
+        </p:cxnSp>
+      </p:grpSp>
+      <p:cxnSp>
+        <p:nvCxnSpPr>
+          <p:cNvPr id="20" name="Straight Connector 19"/>
+          <p:cNvCxnSpPr/>
+          <p:nvPr/>
+        </p:nvCxnSpPr>
+        <p:spPr>
+          <a:xfrm flipV="1">
+            <a:off x="4860024" y="3031707"/>
+            <a:ext cx="108000" cy="108000"/>
+          </a:xfrm>
+          <a:prstGeom prst="line">
+            <a:avLst/>
+          </a:prstGeom>
+          <a:ln w="63500" cap="flat">
+            <a:solidFill>
+              <a:schemeClr val="tx1">
+                <a:lumMod val="50000"/>
+                <a:lumOff val="50000"/>
+              </a:schemeClr>
+            </a:solidFill>
+            <a:tailEnd type="stealth" w="lg" len="lg"/>
+          </a:ln>
+        </p:spPr>
+        <p:style>
+          <a:lnRef idx="1">
+            <a:schemeClr val="accent1"/>
+          </a:lnRef>
+          <a:fillRef idx="0">
+            <a:schemeClr val="accent1"/>
+          </a:fillRef>
+          <a:effectRef idx="0">
+            <a:schemeClr val="accent1"/>
+          </a:effectRef>
+          <a:fontRef idx="minor">
+            <a:schemeClr val="tx1"/>
+          </a:fontRef>
+        </p:style>
+      </p:cxnSp>
+      <p:cxnSp>
+        <p:nvCxnSpPr>
+          <p:cNvPr id="21" name="Straight Connector 20"/>
+          <p:cNvCxnSpPr/>
+          <p:nvPr/>
+        </p:nvCxnSpPr>
+        <p:spPr>
+          <a:xfrm flipH="1">
+            <a:off x="4175976" y="3720629"/>
+            <a:ext cx="108000" cy="108000"/>
+          </a:xfrm>
+          <a:prstGeom prst="line">
+            <a:avLst/>
+          </a:prstGeom>
+          <a:ln w="63500" cap="flat">
+            <a:solidFill>
+              <a:schemeClr val="tx1">
+                <a:lumMod val="50000"/>
+                <a:lumOff val="50000"/>
+              </a:schemeClr>
+            </a:solidFill>
+            <a:tailEnd type="stealth" w="lg" len="lg"/>
+          </a:ln>
+        </p:spPr>
+        <p:style>
+          <a:lnRef idx="1">
+            <a:schemeClr val="accent1"/>
+          </a:lnRef>
+          <a:fillRef idx="0">
+            <a:schemeClr val="accent1"/>
+          </a:fillRef>
+          <a:effectRef idx="0">
+            <a:schemeClr val="accent1"/>
+          </a:effectRef>
+          <a:fontRef idx="minor">
+            <a:schemeClr val="tx1"/>
+          </a:fontRef>
+        </p:style>
+      </p:cxnSp>
+      <p:cxnSp>
+        <p:nvCxnSpPr>
+          <p:cNvPr id="22" name="Straight Connector 21"/>
+          <p:cNvCxnSpPr/>
+          <p:nvPr/>
+        </p:nvCxnSpPr>
+        <p:spPr>
+          <a:xfrm flipH="1" flipV="1">
+            <a:off x="4175976" y="3031707"/>
+            <a:ext cx="108000" cy="108000"/>
+          </a:xfrm>
+          <a:prstGeom prst="line">
+            <a:avLst/>
+          </a:prstGeom>
+          <a:ln w="63500" cap="flat">
+            <a:solidFill>
+              <a:schemeClr val="tx1">
+                <a:lumMod val="50000"/>
+                <a:lumOff val="50000"/>
+              </a:schemeClr>
+            </a:solidFill>
+            <a:tailEnd type="stealth" w="lg" len="lg"/>
+          </a:ln>
+        </p:spPr>
+        <p:style>
+          <a:lnRef idx="1">
+            <a:schemeClr val="accent1"/>
+          </a:lnRef>
+          <a:fillRef idx="0">
+            <a:schemeClr val="accent1"/>
+          </a:fillRef>
+          <a:effectRef idx="0">
+            <a:schemeClr val="accent1"/>
+          </a:effectRef>
+          <a:fontRef idx="minor">
+            <a:schemeClr val="tx1"/>
+          </a:fontRef>
+        </p:style>
+      </p:cxnSp>
+      <p:cxnSp>
+        <p:nvCxnSpPr>
+          <p:cNvPr id="23" name="Straight Connector 22"/>
+          <p:cNvCxnSpPr/>
+          <p:nvPr/>
+        </p:nvCxnSpPr>
+        <p:spPr>
+          <a:xfrm>
+            <a:off x="4860024" y="3720629"/>
+            <a:ext cx="108000" cy="108000"/>
+          </a:xfrm>
+          <a:prstGeom prst="line">
+            <a:avLst/>
+          </a:prstGeom>
+          <a:ln w="63500" cap="flat">
+            <a:solidFill>
+              <a:schemeClr val="tx1">
+                <a:lumMod val="50000"/>
+                <a:lumOff val="50000"/>
+              </a:schemeClr>
+            </a:solidFill>
+            <a:tailEnd type="stealth" w="lg" len="lg"/>
+          </a:ln>
+        </p:spPr>
+        <p:style>
+          <a:lnRef idx="1">
+            <a:schemeClr val="accent1"/>
+          </a:lnRef>
+          <a:fillRef idx="0">
+            <a:schemeClr val="accent1"/>
+          </a:fillRef>
+          <a:effectRef idx="0">
+            <a:schemeClr val="accent1"/>
+          </a:effectRef>
+          <a:fontRef idx="minor">
+            <a:schemeClr val="tx1"/>
+          </a:fontRef>
+        </p:style>
+      </p:cxnSp>
+    </p:spTree>
+    <p:extLst>
+      <p:ext uri="{BB962C8B-B14F-4D97-AF65-F5344CB8AC3E}">
+        <p14:creationId xmlns:p14="http://schemas.microsoft.com/office/powerpoint/2010/main" val="873044300"/>
+      </p:ext>
+    </p:extLst>
+  </p:cSld>
+  <p:clrMapOvr>
+    <a:masterClrMapping/>
+  </p:clrMapOvr>
+  <p:timing>
+    <p:tnLst>
+      <p:par>
+        <p:cTn id="1" dur="indefinite" restart="never" nodeType="tmRoot"/>
+      </p:par>
+    </p:tnLst>
+  </p:timing>
+</p:sld>
+</file>
+
+<file path=ppt/slides/slide8.xml><?xml version="1.0" encoding="utf-8"?>
 <p:sld xmlns:a="http://schemas.openxmlformats.org/drawingml/2006/main" xmlns:r="http://schemas.openxmlformats.org/officeDocument/2006/relationships" xmlns:p="http://schemas.openxmlformats.org/presentationml/2006/main">
   <p:cSld>
     <p:spTree>
@@ -13904,7 +15669,7 @@
 </p:sld>
 </file>
 
-<file path=ppt/slides/slide7.xml><?xml version="1.0" encoding="utf-8"?>
+<file path=ppt/slides/slide9.xml><?xml version="1.0" encoding="utf-8"?>
 <p:sld xmlns:a="http://schemas.openxmlformats.org/drawingml/2006/main" xmlns:r="http://schemas.openxmlformats.org/officeDocument/2006/relationships" xmlns:p="http://schemas.openxmlformats.org/presentationml/2006/main">
   <p:cSld>
     <p:spTree>
@@ -14069,368 +15834,6 @@
     <p:extLst>
       <p:ext uri="{BB962C8B-B14F-4D97-AF65-F5344CB8AC3E}">
         <p14:creationId xmlns:p14="http://schemas.microsoft.com/office/powerpoint/2010/main" val="3442899508"/>
-      </p:ext>
-    </p:extLst>
-  </p:cSld>
-  <p:clrMapOvr>
-    <a:masterClrMapping/>
-  </p:clrMapOvr>
-</p:sld>
-</file>
-
-<file path=ppt/slides/slide8.xml><?xml version="1.0" encoding="utf-8"?>
-<p:sld xmlns:a="http://schemas.openxmlformats.org/drawingml/2006/main" xmlns:r="http://schemas.openxmlformats.org/officeDocument/2006/relationships" xmlns:p="http://schemas.openxmlformats.org/presentationml/2006/main">
-  <p:cSld>
-    <p:spTree>
-      <p:nvGrpSpPr>
-        <p:cNvPr id="1" name=""/>
-        <p:cNvGrpSpPr/>
-        <p:nvPr/>
-      </p:nvGrpSpPr>
-      <p:grpSpPr>
-        <a:xfrm>
-          <a:off x="0" y="0"/>
-          <a:ext cx="0" cy="0"/>
-          <a:chOff x="0" y="0"/>
-          <a:chExt cx="0" cy="0"/>
-        </a:xfrm>
-      </p:grpSpPr>
-      <p:sp>
-        <p:nvSpPr>
-          <p:cNvPr id="2" name="Rectangle 1"/>
-          <p:cNvSpPr/>
-          <p:nvPr/>
-        </p:nvSpPr>
-        <p:spPr>
-          <a:xfrm>
-            <a:off x="4032000" y="2889000"/>
-            <a:ext cx="1080000" cy="1080000"/>
-          </a:xfrm>
-          <a:prstGeom prst="rect">
-            <a:avLst/>
-          </a:prstGeom>
-          <a:noFill/>
-          <a:ln w="6350">
-            <a:noFill/>
-          </a:ln>
-        </p:spPr>
-        <p:style>
-          <a:lnRef idx="2">
-            <a:schemeClr val="accent1">
-              <a:shade val="50000"/>
-            </a:schemeClr>
-          </a:lnRef>
-          <a:fillRef idx="1">
-            <a:schemeClr val="accent1"/>
-          </a:fillRef>
-          <a:effectRef idx="0">
-            <a:schemeClr val="accent1"/>
-          </a:effectRef>
-          <a:fontRef idx="minor">
-            <a:schemeClr val="lt1"/>
-          </a:fontRef>
-        </p:style>
-        <p:txBody>
-          <a:bodyPr rtlCol="0" anchor="ctr"/>
-          <a:lstStyle/>
-          <a:p>
-            <a:pPr algn="ctr"/>
-            <a:endParaRPr lang="zh-TW" altLang="en-US"/>
-          </a:p>
-        </p:txBody>
-      </p:sp>
-      <p:cxnSp>
-        <p:nvCxnSpPr>
-          <p:cNvPr id="4" name="Straight Connector 3"/>
-          <p:cNvCxnSpPr/>
-          <p:nvPr/>
-        </p:nvCxnSpPr>
-        <p:spPr>
-          <a:xfrm>
-            <a:off x="4032000" y="3429000"/>
-            <a:ext cx="1080000" cy="0"/>
-          </a:xfrm>
-          <a:prstGeom prst="line">
-            <a:avLst/>
-          </a:prstGeom>
-          <a:ln w="50800">
-            <a:solidFill>
-              <a:schemeClr val="bg1">
-                <a:lumMod val="75000"/>
-              </a:schemeClr>
-            </a:solidFill>
-          </a:ln>
-        </p:spPr>
-        <p:style>
-          <a:lnRef idx="1">
-            <a:schemeClr val="accent1"/>
-          </a:lnRef>
-          <a:fillRef idx="0">
-            <a:schemeClr val="accent1"/>
-          </a:fillRef>
-          <a:effectRef idx="0">
-            <a:schemeClr val="accent1"/>
-          </a:effectRef>
-          <a:fontRef idx="minor">
-            <a:schemeClr val="tx1"/>
-          </a:fontRef>
-        </p:style>
-      </p:cxnSp>
-      <p:cxnSp>
-        <p:nvCxnSpPr>
-          <p:cNvPr id="5" name="Straight Connector 4"/>
-          <p:cNvCxnSpPr/>
-          <p:nvPr/>
-        </p:nvCxnSpPr>
-        <p:spPr>
-          <a:xfrm flipV="1">
-            <a:off x="4572000" y="2889000"/>
-            <a:ext cx="0" cy="1080000"/>
-          </a:xfrm>
-          <a:prstGeom prst="line">
-            <a:avLst/>
-          </a:prstGeom>
-          <a:ln w="50800">
-            <a:solidFill>
-              <a:schemeClr val="bg1">
-                <a:lumMod val="75000"/>
-              </a:schemeClr>
-            </a:solidFill>
-          </a:ln>
-        </p:spPr>
-        <p:style>
-          <a:lnRef idx="1">
-            <a:schemeClr val="accent1"/>
-          </a:lnRef>
-          <a:fillRef idx="0">
-            <a:schemeClr val="accent1"/>
-          </a:fillRef>
-          <a:effectRef idx="0">
-            <a:schemeClr val="accent1"/>
-          </a:effectRef>
-          <a:fontRef idx="minor">
-            <a:schemeClr val="tx1"/>
-          </a:fontRef>
-        </p:style>
-      </p:cxnSp>
-      <p:cxnSp>
-        <p:nvCxnSpPr>
-          <p:cNvPr id="7" name="Straight Connector 6"/>
-          <p:cNvCxnSpPr/>
-          <p:nvPr/>
-        </p:nvCxnSpPr>
-        <p:spPr>
-          <a:xfrm>
-            <a:off x="4212000" y="3429000"/>
-            <a:ext cx="720000" cy="0"/>
-          </a:xfrm>
-          <a:prstGeom prst="line">
-            <a:avLst/>
-          </a:prstGeom>
-          <a:ln w="50800" cap="rnd">
-            <a:solidFill>
-              <a:schemeClr val="tx1"/>
-            </a:solidFill>
-          </a:ln>
-        </p:spPr>
-        <p:style>
-          <a:lnRef idx="1">
-            <a:schemeClr val="accent1"/>
-          </a:lnRef>
-          <a:fillRef idx="0">
-            <a:schemeClr val="accent1"/>
-          </a:fillRef>
-          <a:effectRef idx="0">
-            <a:schemeClr val="accent1"/>
-          </a:effectRef>
-          <a:fontRef idx="minor">
-            <a:schemeClr val="tx1"/>
-          </a:fontRef>
-        </p:style>
-      </p:cxnSp>
-      <p:cxnSp>
-        <p:nvCxnSpPr>
-          <p:cNvPr id="8" name="Straight Connector 7"/>
-          <p:cNvCxnSpPr/>
-          <p:nvPr/>
-        </p:nvCxnSpPr>
-        <p:spPr>
-          <a:xfrm>
-            <a:off x="4572000" y="3069000"/>
-            <a:ext cx="0" cy="720000"/>
-          </a:xfrm>
-          <a:prstGeom prst="line">
-            <a:avLst/>
-          </a:prstGeom>
-          <a:ln w="50800" cap="rnd">
-            <a:solidFill>
-              <a:schemeClr val="tx1"/>
-            </a:solidFill>
-          </a:ln>
-        </p:spPr>
-        <p:style>
-          <a:lnRef idx="1">
-            <a:schemeClr val="accent1"/>
-          </a:lnRef>
-          <a:fillRef idx="0">
-            <a:schemeClr val="accent1"/>
-          </a:fillRef>
-          <a:effectRef idx="0">
-            <a:schemeClr val="accent1"/>
-          </a:effectRef>
-          <a:fontRef idx="minor">
-            <a:schemeClr val="tx1"/>
-          </a:fontRef>
-        </p:style>
-      </p:cxnSp>
-      <p:sp>
-        <p:nvSpPr>
-          <p:cNvPr id="9" name="Oval 8"/>
-          <p:cNvSpPr/>
-          <p:nvPr/>
-        </p:nvSpPr>
-        <p:spPr>
-          <a:xfrm>
-            <a:off x="4392000" y="3249000"/>
-            <a:ext cx="360000" cy="360000"/>
-          </a:xfrm>
-          <a:prstGeom prst="ellipse">
-            <a:avLst/>
-          </a:prstGeom>
-          <a:solidFill>
-            <a:schemeClr val="bg1"/>
-          </a:solidFill>
-          <a:ln w="50800" cap="rnd">
-            <a:solidFill>
-              <a:schemeClr val="tx1"/>
-            </a:solidFill>
-          </a:ln>
-        </p:spPr>
-        <p:style>
-          <a:lnRef idx="1">
-            <a:schemeClr val="accent1"/>
-          </a:lnRef>
-          <a:fillRef idx="0">
-            <a:schemeClr val="accent1"/>
-          </a:fillRef>
-          <a:effectRef idx="0">
-            <a:schemeClr val="accent1"/>
-          </a:effectRef>
-          <a:fontRef idx="minor">
-            <a:schemeClr val="tx1"/>
-          </a:fontRef>
-        </p:style>
-        <p:txBody>
-          <a:bodyPr rtlCol="0" anchor="ctr"/>
-          <a:lstStyle/>
-          <a:p>
-            <a:pPr algn="ctr"/>
-            <a:endParaRPr lang="en-US"/>
-          </a:p>
-        </p:txBody>
-      </p:sp>
-    </p:spTree>
-    <p:extLst>
-      <p:ext uri="{BB962C8B-B14F-4D97-AF65-F5344CB8AC3E}">
-        <p14:creationId xmlns:p14="http://schemas.microsoft.com/office/powerpoint/2010/main" val="3219929443"/>
-      </p:ext>
-    </p:extLst>
-  </p:cSld>
-  <p:clrMapOvr>
-    <a:masterClrMapping/>
-  </p:clrMapOvr>
-</p:sld>
-</file>
-
-<file path=ppt/slides/slide9.xml><?xml version="1.0" encoding="utf-8"?>
-<p:sld xmlns:a="http://schemas.openxmlformats.org/drawingml/2006/main" xmlns:r="http://schemas.openxmlformats.org/officeDocument/2006/relationships" xmlns:p="http://schemas.openxmlformats.org/presentationml/2006/main">
-  <p:cSld>
-    <p:spTree>
-      <p:nvGrpSpPr>
-        <p:cNvPr id="1" name=""/>
-        <p:cNvGrpSpPr/>
-        <p:nvPr/>
-      </p:nvGrpSpPr>
-      <p:grpSpPr>
-        <a:xfrm>
-          <a:off x="0" y="0"/>
-          <a:ext cx="0" cy="0"/>
-          <a:chOff x="0" y="0"/>
-          <a:chExt cx="0" cy="0"/>
-        </a:xfrm>
-      </p:grpSpPr>
-      <p:sp>
-        <p:nvSpPr>
-          <p:cNvPr id="6" name="Rectangle 5"/>
-          <p:cNvSpPr/>
-          <p:nvPr/>
-        </p:nvSpPr>
-        <p:spPr>
-          <a:xfrm>
-            <a:off x="4032000" y="2889000"/>
-            <a:ext cx="1080000" cy="1080000"/>
-          </a:xfrm>
-          <a:prstGeom prst="rect">
-            <a:avLst/>
-          </a:prstGeom>
-          <a:gradFill>
-            <a:gsLst>
-              <a:gs pos="0">
-                <a:schemeClr val="tx1">
-                  <a:lumMod val="75000"/>
-                  <a:lumOff val="25000"/>
-                </a:schemeClr>
-              </a:gs>
-              <a:gs pos="28000">
-                <a:schemeClr val="tx1">
-                  <a:lumMod val="50000"/>
-                  <a:lumOff val="50000"/>
-                </a:schemeClr>
-              </a:gs>
-              <a:gs pos="100000">
-                <a:schemeClr val="bg1"/>
-              </a:gs>
-            </a:gsLst>
-            <a:path path="circle">
-              <a:fillToRect l="50000" t="50000" r="50000" b="50000"/>
-            </a:path>
-          </a:gradFill>
-          <a:ln w="6350">
-            <a:noFill/>
-          </a:ln>
-          <a:effectLst>
-            <a:softEdge rad="127000"/>
-          </a:effectLst>
-        </p:spPr>
-        <p:style>
-          <a:lnRef idx="2">
-            <a:schemeClr val="accent1">
-              <a:shade val="50000"/>
-            </a:schemeClr>
-          </a:lnRef>
-          <a:fillRef idx="1">
-            <a:schemeClr val="accent1"/>
-          </a:fillRef>
-          <a:effectRef idx="0">
-            <a:schemeClr val="accent1"/>
-          </a:effectRef>
-          <a:fontRef idx="minor">
-            <a:schemeClr val="lt1"/>
-          </a:fontRef>
-        </p:style>
-        <p:txBody>
-          <a:bodyPr rtlCol="0" anchor="ctr"/>
-          <a:lstStyle/>
-          <a:p>
-            <a:pPr algn="ctr"/>
-            <a:endParaRPr lang="zh-TW" altLang="en-US"/>
-          </a:p>
-        </p:txBody>
-      </p:sp>
-    </p:spTree>
-    <p:extLst>
-      <p:ext uri="{BB962C8B-B14F-4D97-AF65-F5344CB8AC3E}">
-        <p14:creationId xmlns:p14="http://schemas.microsoft.com/office/powerpoint/2010/main" val="2629146378"/>
       </p:ext>
     </p:extLst>
   </p:cSld>
@@ -14723,4 +16126,289 @@
   <a:objectDefaults/>
   <a:extraClrSchemeLst/>
 </a:theme>
+</file>
+
+<file path=ppt/theme/theme2.xml><?xml version="1.0" encoding="utf-8"?>
+<a:theme xmlns:a="http://schemas.openxmlformats.org/drawingml/2006/main" name="Office Theme">
+  <a:themeElements>
+    <a:clrScheme name="Office">
+      <a:dk1>
+        <a:sysClr val="windowText" lastClr="000000"/>
+      </a:dk1>
+      <a:lt1>
+        <a:sysClr val="window" lastClr="FFFFFF"/>
+      </a:lt1>
+      <a:dk2>
+        <a:srgbClr val="1F497D"/>
+      </a:dk2>
+      <a:lt2>
+        <a:srgbClr val="EEECE1"/>
+      </a:lt2>
+      <a:accent1>
+        <a:srgbClr val="4F81BD"/>
+      </a:accent1>
+      <a:accent2>
+        <a:srgbClr val="C0504D"/>
+      </a:accent2>
+      <a:accent3>
+        <a:srgbClr val="9BBB59"/>
+      </a:accent3>
+      <a:accent4>
+        <a:srgbClr val="8064A2"/>
+      </a:accent4>
+      <a:accent5>
+        <a:srgbClr val="4BACC6"/>
+      </a:accent5>
+      <a:accent6>
+        <a:srgbClr val="F79646"/>
+      </a:accent6>
+      <a:hlink>
+        <a:srgbClr val="0000FF"/>
+      </a:hlink>
+      <a:folHlink>
+        <a:srgbClr val="800080"/>
+      </a:folHlink>
+    </a:clrScheme>
+    <a:fontScheme name="Office">
+      <a:majorFont>
+        <a:latin typeface="Calibri"/>
+        <a:ea typeface=""/>
+        <a:cs typeface=""/>
+        <a:font script="Jpan" typeface="ＭＳ Ｐゴシック"/>
+        <a:font script="Hang" typeface="맑은 고딕"/>
+        <a:font script="Hans" typeface="宋体"/>
+        <a:font script="Hant" typeface="新細明體"/>
+        <a:font script="Arab" typeface="Times New Roman"/>
+        <a:font script="Hebr" typeface="Times New Roman"/>
+        <a:font script="Thai" typeface="Angsana New"/>
+        <a:font script="Ethi" typeface="Nyala"/>
+        <a:font script="Beng" typeface="Vrinda"/>
+        <a:font script="Gujr" typeface="Shruti"/>
+        <a:font script="Khmr" typeface="MoolBoran"/>
+        <a:font script="Knda" typeface="Tunga"/>
+        <a:font script="Guru" typeface="Raavi"/>
+        <a:font script="Cans" typeface="Euphemia"/>
+        <a:font script="Cher" typeface="Plantagenet Cherokee"/>
+        <a:font script="Yiii" typeface="Microsoft Yi Baiti"/>
+        <a:font script="Tibt" typeface="Microsoft Himalaya"/>
+        <a:font script="Thaa" typeface="MV Boli"/>
+        <a:font script="Deva" typeface="Mangal"/>
+        <a:font script="Telu" typeface="Gautami"/>
+        <a:font script="Taml" typeface="Latha"/>
+        <a:font script="Syrc" typeface="Estrangelo Edessa"/>
+        <a:font script="Orya" typeface="Kalinga"/>
+        <a:font script="Mlym" typeface="Kartika"/>
+        <a:font script="Laoo" typeface="DokChampa"/>
+        <a:font script="Sinh" typeface="Iskoola Pota"/>
+        <a:font script="Mong" typeface="Mongolian Baiti"/>
+        <a:font script="Viet" typeface="Times New Roman"/>
+        <a:font script="Uigh" typeface="Microsoft Uighur"/>
+        <a:font script="Geor" typeface="Sylfaen"/>
+      </a:majorFont>
+      <a:minorFont>
+        <a:latin typeface="Calibri"/>
+        <a:ea typeface=""/>
+        <a:cs typeface=""/>
+        <a:font script="Jpan" typeface="ＭＳ Ｐゴシック"/>
+        <a:font script="Hang" typeface="맑은 고딕"/>
+        <a:font script="Hans" typeface="宋体"/>
+        <a:font script="Hant" typeface="新細明體"/>
+        <a:font script="Arab" typeface="Arial"/>
+        <a:font script="Hebr" typeface="Arial"/>
+        <a:font script="Thai" typeface="Cordia New"/>
+        <a:font script="Ethi" typeface="Nyala"/>
+        <a:font script="Beng" typeface="Vrinda"/>
+        <a:font script="Gujr" typeface="Shruti"/>
+        <a:font script="Khmr" typeface="DaunPenh"/>
+        <a:font script="Knda" typeface="Tunga"/>
+        <a:font script="Guru" typeface="Raavi"/>
+        <a:font script="Cans" typeface="Euphemia"/>
+        <a:font script="Cher" typeface="Plantagenet Cherokee"/>
+        <a:font script="Yiii" typeface="Microsoft Yi Baiti"/>
+        <a:font script="Tibt" typeface="Microsoft Himalaya"/>
+        <a:font script="Thaa" typeface="MV Boli"/>
+        <a:font script="Deva" typeface="Mangal"/>
+        <a:font script="Telu" typeface="Gautami"/>
+        <a:font script="Taml" typeface="Latha"/>
+        <a:font script="Syrc" typeface="Estrangelo Edessa"/>
+        <a:font script="Orya" typeface="Kalinga"/>
+        <a:font script="Mlym" typeface="Kartika"/>
+        <a:font script="Laoo" typeface="DokChampa"/>
+        <a:font script="Sinh" typeface="Iskoola Pota"/>
+        <a:font script="Mong" typeface="Mongolian Baiti"/>
+        <a:font script="Viet" typeface="Arial"/>
+        <a:font script="Uigh" typeface="Microsoft Uighur"/>
+        <a:font script="Geor" typeface="Sylfaen"/>
+      </a:minorFont>
+    </a:fontScheme>
+    <a:fmtScheme name="Office">
+      <a:fillStyleLst>
+        <a:solidFill>
+          <a:schemeClr val="phClr"/>
+        </a:solidFill>
+        <a:gradFill rotWithShape="1">
+          <a:gsLst>
+            <a:gs pos="0">
+              <a:schemeClr val="phClr">
+                <a:tint val="50000"/>
+                <a:satMod val="300000"/>
+              </a:schemeClr>
+            </a:gs>
+            <a:gs pos="35000">
+              <a:schemeClr val="phClr">
+                <a:tint val="37000"/>
+                <a:satMod val="300000"/>
+              </a:schemeClr>
+            </a:gs>
+            <a:gs pos="100000">
+              <a:schemeClr val="phClr">
+                <a:tint val="15000"/>
+                <a:satMod val="350000"/>
+              </a:schemeClr>
+            </a:gs>
+          </a:gsLst>
+          <a:lin ang="16200000" scaled="1"/>
+        </a:gradFill>
+        <a:gradFill rotWithShape="1">
+          <a:gsLst>
+            <a:gs pos="0">
+              <a:schemeClr val="phClr">
+                <a:shade val="51000"/>
+                <a:satMod val="130000"/>
+              </a:schemeClr>
+            </a:gs>
+            <a:gs pos="80000">
+              <a:schemeClr val="phClr">
+                <a:shade val="93000"/>
+                <a:satMod val="130000"/>
+              </a:schemeClr>
+            </a:gs>
+            <a:gs pos="100000">
+              <a:schemeClr val="phClr">
+                <a:shade val="94000"/>
+                <a:satMod val="135000"/>
+              </a:schemeClr>
+            </a:gs>
+          </a:gsLst>
+          <a:lin ang="16200000" scaled="0"/>
+        </a:gradFill>
+      </a:fillStyleLst>
+      <a:lnStyleLst>
+        <a:ln w="9525" cap="flat" cmpd="sng" algn="ctr">
+          <a:solidFill>
+            <a:schemeClr val="phClr">
+              <a:shade val="95000"/>
+              <a:satMod val="105000"/>
+            </a:schemeClr>
+          </a:solidFill>
+          <a:prstDash val="solid"/>
+        </a:ln>
+        <a:ln w="25400" cap="flat" cmpd="sng" algn="ctr">
+          <a:solidFill>
+            <a:schemeClr val="phClr"/>
+          </a:solidFill>
+          <a:prstDash val="solid"/>
+        </a:ln>
+        <a:ln w="38100" cap="flat" cmpd="sng" algn="ctr">
+          <a:solidFill>
+            <a:schemeClr val="phClr"/>
+          </a:solidFill>
+          <a:prstDash val="solid"/>
+        </a:ln>
+      </a:lnStyleLst>
+      <a:effectStyleLst>
+        <a:effectStyle>
+          <a:effectLst>
+            <a:outerShdw blurRad="40000" dist="20000" dir="5400000" rotWithShape="0">
+              <a:srgbClr val="000000">
+                <a:alpha val="38000"/>
+              </a:srgbClr>
+            </a:outerShdw>
+          </a:effectLst>
+        </a:effectStyle>
+        <a:effectStyle>
+          <a:effectLst>
+            <a:outerShdw blurRad="40000" dist="23000" dir="5400000" rotWithShape="0">
+              <a:srgbClr val="000000">
+                <a:alpha val="35000"/>
+              </a:srgbClr>
+            </a:outerShdw>
+          </a:effectLst>
+        </a:effectStyle>
+        <a:effectStyle>
+          <a:effectLst>
+            <a:outerShdw blurRad="40000" dist="23000" dir="5400000" rotWithShape="0">
+              <a:srgbClr val="000000">
+                <a:alpha val="35000"/>
+              </a:srgbClr>
+            </a:outerShdw>
+          </a:effectLst>
+          <a:scene3d>
+            <a:camera prst="orthographicFront">
+              <a:rot lat="0" lon="0" rev="0"/>
+            </a:camera>
+            <a:lightRig rig="threePt" dir="t">
+              <a:rot lat="0" lon="0" rev="1200000"/>
+            </a:lightRig>
+          </a:scene3d>
+          <a:sp3d>
+            <a:bevelT w="63500" h="25400"/>
+          </a:sp3d>
+        </a:effectStyle>
+      </a:effectStyleLst>
+      <a:bgFillStyleLst>
+        <a:solidFill>
+          <a:schemeClr val="phClr"/>
+        </a:solidFill>
+        <a:gradFill rotWithShape="1">
+          <a:gsLst>
+            <a:gs pos="0">
+              <a:schemeClr val="phClr">
+                <a:tint val="40000"/>
+                <a:satMod val="350000"/>
+              </a:schemeClr>
+            </a:gs>
+            <a:gs pos="40000">
+              <a:schemeClr val="phClr">
+                <a:tint val="45000"/>
+                <a:shade val="99000"/>
+                <a:satMod val="350000"/>
+              </a:schemeClr>
+            </a:gs>
+            <a:gs pos="100000">
+              <a:schemeClr val="phClr">
+                <a:shade val="20000"/>
+                <a:satMod val="255000"/>
+              </a:schemeClr>
+            </a:gs>
+          </a:gsLst>
+          <a:path path="circle">
+            <a:fillToRect l="50000" t="-80000" r="50000" b="180000"/>
+          </a:path>
+        </a:gradFill>
+        <a:gradFill rotWithShape="1">
+          <a:gsLst>
+            <a:gs pos="0">
+              <a:schemeClr val="phClr">
+                <a:tint val="80000"/>
+                <a:satMod val="300000"/>
+              </a:schemeClr>
+            </a:gs>
+            <a:gs pos="100000">
+              <a:schemeClr val="phClr">
+                <a:shade val="30000"/>
+                <a:satMod val="200000"/>
+              </a:schemeClr>
+            </a:gs>
+          </a:gsLst>
+          <a:path path="circle">
+            <a:fillToRect l="50000" t="50000" r="50000" b="50000"/>
+          </a:path>
+        </a:gradFill>
+      </a:bgFillStyleLst>
+    </a:fmtScheme>
+  </a:themeElements>
+  <a:objectDefaults/>
+  <a:extraClrSchemeLst/>
+</a:theme>
 </file>
--- a/icons/icons.pptx
+++ b/icons/icons.pptx
@@ -5,45 +5,46 @@
     <p:sldMasterId id="2147483648" r:id="rId1"/>
   </p:sldMasterIdLst>
   <p:notesMasterIdLst>
-    <p:notesMasterId r:id="rId38"/>
+    <p:notesMasterId r:id="rId39"/>
   </p:notesMasterIdLst>
   <p:sldIdLst>
     <p:sldId id="286" r:id="rId2"/>
     <p:sldId id="309" r:id="rId3"/>
     <p:sldId id="310" r:id="rId4"/>
     <p:sldId id="311" r:id="rId5"/>
-    <p:sldId id="324" r:id="rId6"/>
-    <p:sldId id="323" r:id="rId7"/>
-    <p:sldId id="325" r:id="rId8"/>
-    <p:sldId id="313" r:id="rId9"/>
-    <p:sldId id="314" r:id="rId10"/>
-    <p:sldId id="315" r:id="rId11"/>
-    <p:sldId id="317" r:id="rId12"/>
-    <p:sldId id="316" r:id="rId13"/>
-    <p:sldId id="320" r:id="rId14"/>
-    <p:sldId id="321" r:id="rId15"/>
-    <p:sldId id="322" r:id="rId16"/>
-    <p:sldId id="287" r:id="rId17"/>
-    <p:sldId id="288" r:id="rId18"/>
-    <p:sldId id="289" r:id="rId19"/>
-    <p:sldId id="290" r:id="rId20"/>
-    <p:sldId id="291" r:id="rId21"/>
-    <p:sldId id="292" r:id="rId22"/>
-    <p:sldId id="293" r:id="rId23"/>
-    <p:sldId id="294" r:id="rId24"/>
-    <p:sldId id="295" r:id="rId25"/>
-    <p:sldId id="296" r:id="rId26"/>
-    <p:sldId id="297" r:id="rId27"/>
-    <p:sldId id="298" r:id="rId28"/>
-    <p:sldId id="299" r:id="rId29"/>
-    <p:sldId id="300" r:id="rId30"/>
-    <p:sldId id="301" r:id="rId31"/>
-    <p:sldId id="302" r:id="rId32"/>
-    <p:sldId id="303" r:id="rId33"/>
-    <p:sldId id="304" r:id="rId34"/>
-    <p:sldId id="305" r:id="rId35"/>
-    <p:sldId id="306" r:id="rId36"/>
-    <p:sldId id="307" r:id="rId37"/>
+    <p:sldId id="326" r:id="rId6"/>
+    <p:sldId id="324" r:id="rId7"/>
+    <p:sldId id="323" r:id="rId8"/>
+    <p:sldId id="325" r:id="rId9"/>
+    <p:sldId id="313" r:id="rId10"/>
+    <p:sldId id="314" r:id="rId11"/>
+    <p:sldId id="315" r:id="rId12"/>
+    <p:sldId id="317" r:id="rId13"/>
+    <p:sldId id="316" r:id="rId14"/>
+    <p:sldId id="320" r:id="rId15"/>
+    <p:sldId id="321" r:id="rId16"/>
+    <p:sldId id="322" r:id="rId17"/>
+    <p:sldId id="287" r:id="rId18"/>
+    <p:sldId id="288" r:id="rId19"/>
+    <p:sldId id="289" r:id="rId20"/>
+    <p:sldId id="290" r:id="rId21"/>
+    <p:sldId id="291" r:id="rId22"/>
+    <p:sldId id="292" r:id="rId23"/>
+    <p:sldId id="293" r:id="rId24"/>
+    <p:sldId id="294" r:id="rId25"/>
+    <p:sldId id="295" r:id="rId26"/>
+    <p:sldId id="296" r:id="rId27"/>
+    <p:sldId id="297" r:id="rId28"/>
+    <p:sldId id="298" r:id="rId29"/>
+    <p:sldId id="299" r:id="rId30"/>
+    <p:sldId id="300" r:id="rId31"/>
+    <p:sldId id="301" r:id="rId32"/>
+    <p:sldId id="302" r:id="rId33"/>
+    <p:sldId id="303" r:id="rId34"/>
+    <p:sldId id="304" r:id="rId35"/>
+    <p:sldId id="305" r:id="rId36"/>
+    <p:sldId id="306" r:id="rId37"/>
+    <p:sldId id="307" r:id="rId38"/>
   </p:sldIdLst>
   <p:sldSz cx="9144000" cy="6858000" type="screen4x3"/>
   <p:notesSz cx="6858000" cy="9144000"/>
@@ -227,7 +228,7 @@
           <a:p>
             <a:fld id="{409A854A-4542-4C46-92B4-B1933D0339ED}" type="datetimeFigureOut">
               <a:rPr lang="en-US" smtClean="0"/>
-              <a:t>2/10/2017</a:t>
+              <a:t>3/2/2017</a:t>
             </a:fld>
             <a:endParaRPr lang="en-US"/>
           </a:p>
@@ -760,7 +761,7 @@
           <a:p>
             <a:fld id="{B6192DF9-7B65-41DB-B5A4-F73A2B2D849B}" type="datetimeFigureOut">
               <a:rPr lang="zh-TW" altLang="en-US" smtClean="0"/>
-              <a:t>2017/2/10</a:t>
+              <a:t>2017/3/2</a:t>
             </a:fld>
             <a:endParaRPr lang="zh-TW" altLang="en-US"/>
           </a:p>
@@ -930,7 +931,7 @@
           <a:p>
             <a:fld id="{B6192DF9-7B65-41DB-B5A4-F73A2B2D849B}" type="datetimeFigureOut">
               <a:rPr lang="zh-TW" altLang="en-US" smtClean="0"/>
-              <a:t>2017/2/10</a:t>
+              <a:t>2017/3/2</a:t>
             </a:fld>
             <a:endParaRPr lang="zh-TW" altLang="en-US"/>
           </a:p>
@@ -1110,7 +1111,7 @@
           <a:p>
             <a:fld id="{B6192DF9-7B65-41DB-B5A4-F73A2B2D849B}" type="datetimeFigureOut">
               <a:rPr lang="zh-TW" altLang="en-US" smtClean="0"/>
-              <a:t>2017/2/10</a:t>
+              <a:t>2017/3/2</a:t>
             </a:fld>
             <a:endParaRPr lang="zh-TW" altLang="en-US"/>
           </a:p>
@@ -1280,7 +1281,7 @@
           <a:p>
             <a:fld id="{B6192DF9-7B65-41DB-B5A4-F73A2B2D849B}" type="datetimeFigureOut">
               <a:rPr lang="zh-TW" altLang="en-US" smtClean="0"/>
-              <a:t>2017/2/10</a:t>
+              <a:t>2017/3/2</a:t>
             </a:fld>
             <a:endParaRPr lang="zh-TW" altLang="en-US"/>
           </a:p>
@@ -1526,7 +1527,7 @@
           <a:p>
             <a:fld id="{B6192DF9-7B65-41DB-B5A4-F73A2B2D849B}" type="datetimeFigureOut">
               <a:rPr lang="zh-TW" altLang="en-US" smtClean="0"/>
-              <a:t>2017/2/10</a:t>
+              <a:t>2017/3/2</a:t>
             </a:fld>
             <a:endParaRPr lang="zh-TW" altLang="en-US"/>
           </a:p>
@@ -1814,7 +1815,7 @@
           <a:p>
             <a:fld id="{B6192DF9-7B65-41DB-B5A4-F73A2B2D849B}" type="datetimeFigureOut">
               <a:rPr lang="zh-TW" altLang="en-US" smtClean="0"/>
-              <a:t>2017/2/10</a:t>
+              <a:t>2017/3/2</a:t>
             </a:fld>
             <a:endParaRPr lang="zh-TW" altLang="en-US"/>
           </a:p>
@@ -2236,7 +2237,7 @@
           <a:p>
             <a:fld id="{B6192DF9-7B65-41DB-B5A4-F73A2B2D849B}" type="datetimeFigureOut">
               <a:rPr lang="zh-TW" altLang="en-US" smtClean="0"/>
-              <a:t>2017/2/10</a:t>
+              <a:t>2017/3/2</a:t>
             </a:fld>
             <a:endParaRPr lang="zh-TW" altLang="en-US"/>
           </a:p>
@@ -2354,7 +2355,7 @@
           <a:p>
             <a:fld id="{B6192DF9-7B65-41DB-B5A4-F73A2B2D849B}" type="datetimeFigureOut">
               <a:rPr lang="zh-TW" altLang="en-US" smtClean="0"/>
-              <a:t>2017/2/10</a:t>
+              <a:t>2017/3/2</a:t>
             </a:fld>
             <a:endParaRPr lang="zh-TW" altLang="en-US"/>
           </a:p>
@@ -2449,7 +2450,7 @@
           <a:p>
             <a:fld id="{B6192DF9-7B65-41DB-B5A4-F73A2B2D849B}" type="datetimeFigureOut">
               <a:rPr lang="zh-TW" altLang="en-US" smtClean="0"/>
-              <a:t>2017/2/10</a:t>
+              <a:t>2017/3/2</a:t>
             </a:fld>
             <a:endParaRPr lang="zh-TW" altLang="en-US"/>
           </a:p>
@@ -2726,7 +2727,7 @@
           <a:p>
             <a:fld id="{B6192DF9-7B65-41DB-B5A4-F73A2B2D849B}" type="datetimeFigureOut">
               <a:rPr lang="zh-TW" altLang="en-US" smtClean="0"/>
-              <a:t>2017/2/10</a:t>
+              <a:t>2017/3/2</a:t>
             </a:fld>
             <a:endParaRPr lang="zh-TW" altLang="en-US"/>
           </a:p>
@@ -2979,7 +2980,7 @@
           <a:p>
             <a:fld id="{B6192DF9-7B65-41DB-B5A4-F73A2B2D849B}" type="datetimeFigureOut">
               <a:rPr lang="zh-TW" altLang="en-US" smtClean="0"/>
-              <a:t>2017/2/10</a:t>
+              <a:t>2017/3/2</a:t>
             </a:fld>
             <a:endParaRPr lang="zh-TW" altLang="en-US"/>
           </a:p>
@@ -3192,7 +3193,7 @@
           <a:p>
             <a:fld id="{B6192DF9-7B65-41DB-B5A4-F73A2B2D849B}" type="datetimeFigureOut">
               <a:rPr lang="zh-TW" altLang="en-US" smtClean="0"/>
-              <a:t>2017/2/10</a:t>
+              <a:t>2017/3/2</a:t>
             </a:fld>
             <a:endParaRPr lang="zh-TW" altLang="en-US"/>
           </a:p>
@@ -3844,6 +3845,180 @@
       </p:grpSpPr>
       <p:sp>
         <p:nvSpPr>
+          <p:cNvPr id="3" name="Rectangle 2"/>
+          <p:cNvSpPr/>
+          <p:nvPr/>
+        </p:nvSpPr>
+        <p:spPr>
+          <a:xfrm>
+            <a:off x="4032000" y="2889000"/>
+            <a:ext cx="1080000" cy="1080000"/>
+          </a:xfrm>
+          <a:prstGeom prst="rect">
+            <a:avLst/>
+          </a:prstGeom>
+          <a:noFill/>
+          <a:ln w="6350">
+            <a:noFill/>
+          </a:ln>
+        </p:spPr>
+        <p:style>
+          <a:lnRef idx="2">
+            <a:schemeClr val="accent1">
+              <a:shade val="50000"/>
+            </a:schemeClr>
+          </a:lnRef>
+          <a:fillRef idx="1">
+            <a:schemeClr val="accent1"/>
+          </a:fillRef>
+          <a:effectRef idx="0">
+            <a:schemeClr val="accent1"/>
+          </a:effectRef>
+          <a:fontRef idx="minor">
+            <a:schemeClr val="lt1"/>
+          </a:fontRef>
+        </p:style>
+        <p:txBody>
+          <a:bodyPr rtlCol="0" anchor="ctr"/>
+          <a:lstStyle/>
+          <a:p>
+            <a:pPr algn="ctr"/>
+            <a:endParaRPr lang="zh-TW" altLang="en-US"/>
+          </a:p>
+        </p:txBody>
+      </p:sp>
+      <p:sp>
+        <p:nvSpPr>
+          <p:cNvPr id="2" name="TextBox 1"/>
+          <p:cNvSpPr txBox="1"/>
+          <p:nvPr/>
+        </p:nvSpPr>
+        <p:spPr>
+          <a:xfrm>
+            <a:off x="0" y="0"/>
+            <a:ext cx="987451" cy="1107996"/>
+          </a:xfrm>
+          <a:prstGeom prst="rect">
+            <a:avLst/>
+          </a:prstGeom>
+          <a:noFill/>
+        </p:spPr>
+        <p:txBody>
+          <a:bodyPr wrap="none" lIns="0" tIns="0" rIns="0" bIns="0" rtlCol="0" anchor="ctr">
+            <a:spAutoFit/>
+          </a:bodyPr>
+          <a:lstStyle/>
+          <a:p>
+            <a:pPr algn="ctr"/>
+            <a:r>
+              <a:rPr lang="en-US" altLang="zh-TW" sz="7200" b="1" dirty="0" smtClean="0">
+                <a:latin typeface="Roboto Condensed" panose="02000000000000000000" pitchFamily="2" charset="0"/>
+                <a:ea typeface="Roboto Condensed" panose="02000000000000000000" pitchFamily="2" charset="0"/>
+                <a:cs typeface="Roboto Condensed" panose="02000000000000000000" pitchFamily="2" charset="0"/>
+              </a:rPr>
+              <a:t>3D</a:t>
+            </a:r>
+            <a:endParaRPr lang="zh-TW" altLang="en-US" sz="7200" b="1" dirty="0">
+              <a:latin typeface="Roboto Condensed" panose="02000000000000000000" pitchFamily="2" charset="0"/>
+              <a:cs typeface="Roboto Condensed" panose="02000000000000000000" pitchFamily="2" charset="0"/>
+            </a:endParaRPr>
+          </a:p>
+        </p:txBody>
+      </p:sp>
+      <p:pic>
+        <p:nvPicPr>
+          <p:cNvPr id="5" name="Picture 3"/>
+          <p:cNvPicPr>
+            <a:picLocks noChangeAspect="1" noChangeArrowheads="1"/>
+          </p:cNvPicPr>
+          <p:nvPr/>
+        </p:nvPicPr>
+        <p:blipFill rotWithShape="1">
+          <a:blip r:embed="rId2">
+            <a:extLst>
+              <a:ext uri="{28A0092B-C50C-407E-A947-70E740481C1C}">
+                <a14:useLocalDpi xmlns:a14="http://schemas.microsoft.com/office/drawing/2010/main" val="0"/>
+              </a:ext>
+            </a:extLst>
+          </a:blip>
+          <a:srcRect l="26761" t="24621" r="27300" b="37690"/>
+          <a:stretch/>
+        </p:blipFill>
+        <p:spPr bwMode="auto">
+          <a:xfrm>
+            <a:off x="4093234" y="3083072"/>
+            <a:ext cx="957533" cy="726361"/>
+          </a:xfrm>
+          <a:prstGeom prst="rect">
+            <a:avLst/>
+          </a:prstGeom>
+          <a:noFill/>
+          <a:ln>
+            <a:noFill/>
+          </a:ln>
+          <a:effectLst/>
+          <a:extLst>
+            <a:ext uri="{909E8E84-426E-40DD-AFC4-6F175D3DCCD1}">
+              <a14:hiddenFill xmlns:a14="http://schemas.microsoft.com/office/drawing/2010/main">
+                <a:solidFill>
+                  <a:schemeClr val="accent1"/>
+                </a:solidFill>
+              </a14:hiddenFill>
+            </a:ext>
+            <a:ext uri="{91240B29-F687-4F45-9708-019B960494DF}">
+              <a14:hiddenLine xmlns:a14="http://schemas.microsoft.com/office/drawing/2010/main" w="9525">
+                <a:solidFill>
+                  <a:schemeClr val="tx1"/>
+                </a:solidFill>
+                <a:miter lim="800000"/>
+                <a:headEnd/>
+                <a:tailEnd/>
+              </a14:hiddenLine>
+            </a:ext>
+            <a:ext uri="{AF507438-7753-43E0-B8FC-AC1667EBCBE1}">
+              <a14:hiddenEffects xmlns:a14="http://schemas.microsoft.com/office/drawing/2010/main">
+                <a:effectLst>
+                  <a:outerShdw dist="35921" dir="2700000" algn="ctr" rotWithShape="0">
+                    <a:schemeClr val="bg2"/>
+                  </a:outerShdw>
+                </a:effectLst>
+              </a14:hiddenEffects>
+            </a:ext>
+          </a:extLst>
+        </p:spPr>
+      </p:pic>
+    </p:spTree>
+    <p:extLst>
+      <p:ext uri="{BB962C8B-B14F-4D97-AF65-F5344CB8AC3E}">
+        <p14:creationId xmlns:p14="http://schemas.microsoft.com/office/powerpoint/2010/main" val="3442899508"/>
+      </p:ext>
+    </p:extLst>
+  </p:cSld>
+  <p:clrMapOvr>
+    <a:masterClrMapping/>
+  </p:clrMapOvr>
+</p:sld>
+</file>
+
+<file path=ppt/slides/slide11.xml><?xml version="1.0" encoding="utf-8"?>
+<p:sld xmlns:a="http://schemas.openxmlformats.org/drawingml/2006/main" xmlns:r="http://schemas.openxmlformats.org/officeDocument/2006/relationships" xmlns:p="http://schemas.openxmlformats.org/presentationml/2006/main">
+  <p:cSld>
+    <p:spTree>
+      <p:nvGrpSpPr>
+        <p:cNvPr id="1" name=""/>
+        <p:cNvGrpSpPr/>
+        <p:nvPr/>
+      </p:nvGrpSpPr>
+      <p:grpSpPr>
+        <a:xfrm>
+          <a:off x="0" y="0"/>
+          <a:ext cx="0" cy="0"/>
+          <a:chOff x="0" y="0"/>
+          <a:chExt cx="0" cy="0"/>
+        </a:xfrm>
+      </p:grpSpPr>
+      <p:sp>
+        <p:nvSpPr>
           <p:cNvPr id="2" name="Rectangle 1"/>
           <p:cNvSpPr/>
           <p:nvPr/>
@@ -4089,7 +4264,7 @@
 </p:sld>
 </file>
 
-<file path=ppt/slides/slide11.xml><?xml version="1.0" encoding="utf-8"?>
+<file path=ppt/slides/slide12.xml><?xml version="1.0" encoding="utf-8"?>
 <p:sld xmlns:a="http://schemas.openxmlformats.org/drawingml/2006/main" xmlns:r="http://schemas.openxmlformats.org/officeDocument/2006/relationships" xmlns:p="http://schemas.openxmlformats.org/presentationml/2006/main">
   <p:cSld>
     <p:spTree>
@@ -4187,7 +4362,7 @@
 </p:sld>
 </file>
 
-<file path=ppt/slides/slide12.xml><?xml version="1.0" encoding="utf-8"?>
+<file path=ppt/slides/slide13.xml><?xml version="1.0" encoding="utf-8"?>
 <p:sld xmlns:a="http://schemas.openxmlformats.org/drawingml/2006/main" xmlns:r="http://schemas.openxmlformats.org/officeDocument/2006/relationships" xmlns:p="http://schemas.openxmlformats.org/presentationml/2006/main">
   <p:cSld>
     <p:spTree>
@@ -4670,7 +4845,7 @@
 </p:sld>
 </file>
 
-<file path=ppt/slides/slide13.xml><?xml version="1.0" encoding="utf-8"?>
+<file path=ppt/slides/slide14.xml><?xml version="1.0" encoding="utf-8"?>
 <p:sld xmlns:a="http://schemas.openxmlformats.org/drawingml/2006/main" xmlns:r="http://schemas.openxmlformats.org/officeDocument/2006/relationships" xmlns:p="http://schemas.openxmlformats.org/presentationml/2006/main">
   <p:cSld>
     <p:spTree>
@@ -4707,7 +4882,7 @@
 </p:sld>
 </file>
 
-<file path=ppt/slides/slide14.xml><?xml version="1.0" encoding="utf-8"?>
+<file path=ppt/slides/slide15.xml><?xml version="1.0" encoding="utf-8"?>
 <p:sld xmlns:a="http://schemas.openxmlformats.org/drawingml/2006/main" xmlns:r="http://schemas.openxmlformats.org/officeDocument/2006/relationships" xmlns:p="http://schemas.openxmlformats.org/presentationml/2006/main">
   <p:cSld>
     <p:spTree>
@@ -4744,7 +4919,7 @@
 </p:sld>
 </file>
 
-<file path=ppt/slides/slide15.xml><?xml version="1.0" encoding="utf-8"?>
+<file path=ppt/slides/slide16.xml><?xml version="1.0" encoding="utf-8"?>
 <p:sld xmlns:a="http://schemas.openxmlformats.org/drawingml/2006/main" xmlns:r="http://schemas.openxmlformats.org/officeDocument/2006/relationships" xmlns:p="http://schemas.openxmlformats.org/presentationml/2006/main">
   <p:cSld>
     <p:spTree>
@@ -4875,7 +5050,7 @@
 </p:sld>
 </file>
 
-<file path=ppt/slides/slide16.xml><?xml version="1.0" encoding="utf-8"?>
+<file path=ppt/slides/slide17.xml><?xml version="1.0" encoding="utf-8"?>
 <p:sld xmlns:a="http://schemas.openxmlformats.org/drawingml/2006/main" xmlns:r="http://schemas.openxmlformats.org/officeDocument/2006/relationships" xmlns:p="http://schemas.openxmlformats.org/presentationml/2006/main">
   <p:cSld>
     <p:spTree>
@@ -4946,7 +5121,7 @@
 </p:sld>
 </file>
 
-<file path=ppt/slides/slide17.xml><?xml version="1.0" encoding="utf-8"?>
+<file path=ppt/slides/slide18.xml><?xml version="1.0" encoding="utf-8"?>
 <p:sld xmlns:a="http://schemas.openxmlformats.org/drawingml/2006/main" xmlns:r="http://schemas.openxmlformats.org/officeDocument/2006/relationships" xmlns:p="http://schemas.openxmlformats.org/presentationml/2006/main">
   <p:cSld>
     <p:spTree>
@@ -5130,7 +5305,7 @@
 </p:sld>
 </file>
 
-<file path=ppt/slides/slide18.xml><?xml version="1.0" encoding="utf-8"?>
+<file path=ppt/slides/slide19.xml><?xml version="1.0" encoding="utf-8"?>
 <p:sld xmlns:a="http://schemas.openxmlformats.org/drawingml/2006/main" xmlns:r="http://schemas.openxmlformats.org/officeDocument/2006/relationships" xmlns:p="http://schemas.openxmlformats.org/presentationml/2006/main">
   <p:cSld>
     <p:spTree>
@@ -5475,7 +5650,127 @@
 </p:sld>
 </file>
 
-<file path=ppt/slides/slide19.xml><?xml version="1.0" encoding="utf-8"?>
+<file path=ppt/slides/slide2.xml><?xml version="1.0" encoding="utf-8"?>
+<p:sld xmlns:a="http://schemas.openxmlformats.org/drawingml/2006/main" xmlns:r="http://schemas.openxmlformats.org/officeDocument/2006/relationships" xmlns:p="http://schemas.openxmlformats.org/presentationml/2006/main">
+  <p:cSld>
+    <p:spTree>
+      <p:nvGrpSpPr>
+        <p:cNvPr id="1" name=""/>
+        <p:cNvGrpSpPr/>
+        <p:nvPr/>
+      </p:nvGrpSpPr>
+      <p:grpSpPr>
+        <a:xfrm>
+          <a:off x="0" y="0"/>
+          <a:ext cx="0" cy="0"/>
+          <a:chOff x="0" y="0"/>
+          <a:chExt cx="0" cy="0"/>
+        </a:xfrm>
+      </p:grpSpPr>
+      <p:sp>
+        <p:nvSpPr>
+          <p:cNvPr id="3" name="Rectangle 2"/>
+          <p:cNvSpPr/>
+          <p:nvPr/>
+        </p:nvSpPr>
+        <p:spPr>
+          <a:xfrm>
+            <a:off x="4032000" y="2889000"/>
+            <a:ext cx="1080000" cy="1080000"/>
+          </a:xfrm>
+          <a:prstGeom prst="rect">
+            <a:avLst/>
+          </a:prstGeom>
+          <a:noFill/>
+          <a:ln w="6350">
+            <a:noFill/>
+          </a:ln>
+        </p:spPr>
+        <p:style>
+          <a:lnRef idx="2">
+            <a:schemeClr val="accent1">
+              <a:shade val="50000"/>
+            </a:schemeClr>
+          </a:lnRef>
+          <a:fillRef idx="1">
+            <a:schemeClr val="accent1"/>
+          </a:fillRef>
+          <a:effectRef idx="0">
+            <a:schemeClr val="accent1"/>
+          </a:effectRef>
+          <a:fontRef idx="minor">
+            <a:schemeClr val="lt1"/>
+          </a:fontRef>
+        </p:style>
+        <p:txBody>
+          <a:bodyPr rtlCol="0" anchor="ctr"/>
+          <a:lstStyle/>
+          <a:p>
+            <a:pPr algn="ctr"/>
+            <a:endParaRPr lang="zh-TW" altLang="en-US"/>
+          </a:p>
+        </p:txBody>
+      </p:sp>
+      <p:sp>
+        <p:nvSpPr>
+          <p:cNvPr id="4" name="Oval 3"/>
+          <p:cNvSpPr/>
+          <p:nvPr/>
+        </p:nvSpPr>
+        <p:spPr>
+          <a:xfrm>
+            <a:off x="4114800" y="2971800"/>
+            <a:ext cx="914400" cy="914400"/>
+          </a:xfrm>
+          <a:prstGeom prst="ellipse">
+            <a:avLst/>
+          </a:prstGeom>
+          <a:solidFill>
+            <a:srgbClr val="FF0000"/>
+          </a:solidFill>
+          <a:ln>
+            <a:noFill/>
+          </a:ln>
+        </p:spPr>
+        <p:style>
+          <a:lnRef idx="2">
+            <a:schemeClr val="accent1">
+              <a:shade val="50000"/>
+            </a:schemeClr>
+          </a:lnRef>
+          <a:fillRef idx="1">
+            <a:schemeClr val="accent1"/>
+          </a:fillRef>
+          <a:effectRef idx="0">
+            <a:schemeClr val="accent1"/>
+          </a:effectRef>
+          <a:fontRef idx="minor">
+            <a:schemeClr val="lt1"/>
+          </a:fontRef>
+        </p:style>
+        <p:txBody>
+          <a:bodyPr rtlCol="0" anchor="ctr"/>
+          <a:lstStyle/>
+          <a:p>
+            <a:pPr algn="ctr"/>
+            <a:endParaRPr lang="en-US"/>
+          </a:p>
+        </p:txBody>
+      </p:sp>
+    </p:spTree>
+    <p:extLst>
+      <p:ext uri="{BB962C8B-B14F-4D97-AF65-F5344CB8AC3E}">
+        <p14:creationId xmlns:p14="http://schemas.microsoft.com/office/powerpoint/2010/main" val="3834815093"/>
+      </p:ext>
+    </p:extLst>
+  </p:cSld>
+  <p:clrMapOvr>
+    <a:masterClrMapping/>
+  </p:clrMapOvr>
+</p:sld>
+</file>
+
+<file path=ppt/slides/slide20.xml><?xml version="1.0" encoding="utf-8"?>
 <p:sld xmlns:a="http://schemas.openxmlformats.org/drawingml/2006/main" xmlns:r="http://schemas.openxmlformats.org/officeDocument/2006/relationships" xmlns:p="http://schemas.openxmlformats.org/presentationml/2006/main">
   <p:cSld>
     <p:spTree>
@@ -5950,127 +6245,7 @@
 </p:sld>
 </file>
 
-<file path=ppt/slides/slide2.xml><?xml version="1.0" encoding="utf-8"?>
-<p:sld xmlns:a="http://schemas.openxmlformats.org/drawingml/2006/main" xmlns:r="http://schemas.openxmlformats.org/officeDocument/2006/relationships" xmlns:p="http://schemas.openxmlformats.org/presentationml/2006/main">
-  <p:cSld>
-    <p:spTree>
-      <p:nvGrpSpPr>
-        <p:cNvPr id="1" name=""/>
-        <p:cNvGrpSpPr/>
-        <p:nvPr/>
-      </p:nvGrpSpPr>
-      <p:grpSpPr>
-        <a:xfrm>
-          <a:off x="0" y="0"/>
-          <a:ext cx="0" cy="0"/>
-          <a:chOff x="0" y="0"/>
-          <a:chExt cx="0" cy="0"/>
-        </a:xfrm>
-      </p:grpSpPr>
-      <p:sp>
-        <p:nvSpPr>
-          <p:cNvPr id="3" name="Rectangle 2"/>
-          <p:cNvSpPr/>
-          <p:nvPr/>
-        </p:nvSpPr>
-        <p:spPr>
-          <a:xfrm>
-            <a:off x="4032000" y="2889000"/>
-            <a:ext cx="1080000" cy="1080000"/>
-          </a:xfrm>
-          <a:prstGeom prst="rect">
-            <a:avLst/>
-          </a:prstGeom>
-          <a:noFill/>
-          <a:ln w="6350">
-            <a:noFill/>
-          </a:ln>
-        </p:spPr>
-        <p:style>
-          <a:lnRef idx="2">
-            <a:schemeClr val="accent1">
-              <a:shade val="50000"/>
-            </a:schemeClr>
-          </a:lnRef>
-          <a:fillRef idx="1">
-            <a:schemeClr val="accent1"/>
-          </a:fillRef>
-          <a:effectRef idx="0">
-            <a:schemeClr val="accent1"/>
-          </a:effectRef>
-          <a:fontRef idx="minor">
-            <a:schemeClr val="lt1"/>
-          </a:fontRef>
-        </p:style>
-        <p:txBody>
-          <a:bodyPr rtlCol="0" anchor="ctr"/>
-          <a:lstStyle/>
-          <a:p>
-            <a:pPr algn="ctr"/>
-            <a:endParaRPr lang="zh-TW" altLang="en-US"/>
-          </a:p>
-        </p:txBody>
-      </p:sp>
-      <p:sp>
-        <p:nvSpPr>
-          <p:cNvPr id="4" name="Oval 3"/>
-          <p:cNvSpPr/>
-          <p:nvPr/>
-        </p:nvSpPr>
-        <p:spPr>
-          <a:xfrm>
-            <a:off x="4114800" y="2971800"/>
-            <a:ext cx="914400" cy="914400"/>
-          </a:xfrm>
-          <a:prstGeom prst="ellipse">
-            <a:avLst/>
-          </a:prstGeom>
-          <a:solidFill>
-            <a:srgbClr val="FF0000"/>
-          </a:solidFill>
-          <a:ln>
-            <a:noFill/>
-          </a:ln>
-        </p:spPr>
-        <p:style>
-          <a:lnRef idx="2">
-            <a:schemeClr val="accent1">
-              <a:shade val="50000"/>
-            </a:schemeClr>
-          </a:lnRef>
-          <a:fillRef idx="1">
-            <a:schemeClr val="accent1"/>
-          </a:fillRef>
-          <a:effectRef idx="0">
-            <a:schemeClr val="accent1"/>
-          </a:effectRef>
-          <a:fontRef idx="minor">
-            <a:schemeClr val="lt1"/>
-          </a:fontRef>
-        </p:style>
-        <p:txBody>
-          <a:bodyPr rtlCol="0" anchor="ctr"/>
-          <a:lstStyle/>
-          <a:p>
-            <a:pPr algn="ctr"/>
-            <a:endParaRPr lang="en-US"/>
-          </a:p>
-        </p:txBody>
-      </p:sp>
-    </p:spTree>
-    <p:extLst>
-      <p:ext uri="{BB962C8B-B14F-4D97-AF65-F5344CB8AC3E}">
-        <p14:creationId xmlns:p14="http://schemas.microsoft.com/office/powerpoint/2010/main" val="3834815093"/>
-      </p:ext>
-    </p:extLst>
-  </p:cSld>
-  <p:clrMapOvr>
-    <a:masterClrMapping/>
-  </p:clrMapOvr>
-</p:sld>
-</file>
-
-<file path=ppt/slides/slide20.xml><?xml version="1.0" encoding="utf-8"?>
+<file path=ppt/slides/slide21.xml><?xml version="1.0" encoding="utf-8"?>
 <p:sld xmlns:a="http://schemas.openxmlformats.org/drawingml/2006/main" xmlns:r="http://schemas.openxmlformats.org/officeDocument/2006/relationships" xmlns:p="http://schemas.openxmlformats.org/presentationml/2006/main">
   <p:cSld>
     <p:spTree>
@@ -6246,7 +6421,7 @@
 </p:sld>
 </file>
 
-<file path=ppt/slides/slide21.xml><?xml version="1.0" encoding="utf-8"?>
+<file path=ppt/slides/slide22.xml><?xml version="1.0" encoding="utf-8"?>
 <p:sld xmlns:a="http://schemas.openxmlformats.org/drawingml/2006/main" xmlns:r="http://schemas.openxmlformats.org/officeDocument/2006/relationships" xmlns:p="http://schemas.openxmlformats.org/presentationml/2006/main">
   <p:cSld>
     <p:spTree>
@@ -6322,7 +6497,7 @@
 </p:sld>
 </file>
 
-<file path=ppt/slides/slide22.xml><?xml version="1.0" encoding="utf-8"?>
+<file path=ppt/slides/slide23.xml><?xml version="1.0" encoding="utf-8"?>
 <p:sld xmlns:a="http://schemas.openxmlformats.org/drawingml/2006/main" xmlns:r="http://schemas.openxmlformats.org/officeDocument/2006/relationships" xmlns:p="http://schemas.openxmlformats.org/presentationml/2006/main">
   <p:cSld>
     <p:spTree>
@@ -6548,7 +6723,7 @@
 </p:sld>
 </file>
 
-<file path=ppt/slides/slide23.xml><?xml version="1.0" encoding="utf-8"?>
+<file path=ppt/slides/slide24.xml><?xml version="1.0" encoding="utf-8"?>
 <p:sld xmlns:a="http://schemas.openxmlformats.org/drawingml/2006/main" xmlns:r="http://schemas.openxmlformats.org/officeDocument/2006/relationships" xmlns:p="http://schemas.openxmlformats.org/presentationml/2006/main">
   <p:cSld>
     <p:spTree>
@@ -6896,7 +7071,7 @@
 </p:sld>
 </file>
 
-<file path=ppt/slides/slide24.xml><?xml version="1.0" encoding="utf-8"?>
+<file path=ppt/slides/slide25.xml><?xml version="1.0" encoding="utf-8"?>
 <p:sld xmlns:a="http://schemas.openxmlformats.org/drawingml/2006/main" xmlns:r="http://schemas.openxmlformats.org/officeDocument/2006/relationships" xmlns:p="http://schemas.openxmlformats.org/presentationml/2006/main">
   <p:cSld>
     <p:spTree>
@@ -7214,7 +7389,7 @@
 </p:sld>
 </file>
 
-<file path=ppt/slides/slide25.xml><?xml version="1.0" encoding="utf-8"?>
+<file path=ppt/slides/slide26.xml><?xml version="1.0" encoding="utf-8"?>
 <p:sld xmlns:a="http://schemas.openxmlformats.org/drawingml/2006/main" xmlns:r="http://schemas.openxmlformats.org/officeDocument/2006/relationships" xmlns:p="http://schemas.openxmlformats.org/presentationml/2006/main">
   <p:cSld>
     <p:spTree>
@@ -8054,7 +8229,7 @@
 </p:sld>
 </file>
 
-<file path=ppt/slides/slide26.xml><?xml version="1.0" encoding="utf-8"?>
+<file path=ppt/slides/slide27.xml><?xml version="1.0" encoding="utf-8"?>
 <p:sld xmlns:a="http://schemas.openxmlformats.org/drawingml/2006/main" xmlns:r="http://schemas.openxmlformats.org/officeDocument/2006/relationships" xmlns:p="http://schemas.openxmlformats.org/presentationml/2006/main">
   <p:cSld>
     <p:spTree>
@@ -9733,7 +9908,7 @@
 </p:sld>
 </file>
 
-<file path=ppt/slides/slide27.xml><?xml version="1.0" encoding="utf-8"?>
+<file path=ppt/slides/slide28.xml><?xml version="1.0" encoding="utf-8"?>
 <p:sld xmlns:a="http://schemas.openxmlformats.org/drawingml/2006/main" xmlns:r="http://schemas.openxmlformats.org/officeDocument/2006/relationships" xmlns:p="http://schemas.openxmlformats.org/presentationml/2006/main">
   <p:cSld>
     <p:spTree>
@@ -9976,7 +10151,7 @@
 </p:sld>
 </file>
 
-<file path=ppt/slides/slide28.xml><?xml version="1.0" encoding="utf-8"?>
+<file path=ppt/slides/slide29.xml><?xml version="1.0" encoding="utf-8"?>
 <p:sld xmlns:a="http://schemas.openxmlformats.org/drawingml/2006/main" xmlns:r="http://schemas.openxmlformats.org/officeDocument/2006/relationships" xmlns:p="http://schemas.openxmlformats.org/presentationml/2006/main">
   <p:cSld>
     <p:spTree>
@@ -10842,7 +11017,129 @@
 </p:sld>
 </file>
 
-<file path=ppt/slides/slide29.xml><?xml version="1.0" encoding="utf-8"?>
+<file path=ppt/slides/slide3.xml><?xml version="1.0" encoding="utf-8"?>
+<p:sld xmlns:a="http://schemas.openxmlformats.org/drawingml/2006/main" xmlns:r="http://schemas.openxmlformats.org/officeDocument/2006/relationships" xmlns:p="http://schemas.openxmlformats.org/presentationml/2006/main">
+  <p:cSld>
+    <p:spTree>
+      <p:nvGrpSpPr>
+        <p:cNvPr id="1" name=""/>
+        <p:cNvGrpSpPr/>
+        <p:nvPr/>
+      </p:nvGrpSpPr>
+      <p:grpSpPr>
+        <a:xfrm>
+          <a:off x="0" y="0"/>
+          <a:ext cx="0" cy="0"/>
+          <a:chOff x="0" y="0"/>
+          <a:chExt cx="0" cy="0"/>
+        </a:xfrm>
+      </p:grpSpPr>
+      <p:sp>
+        <p:nvSpPr>
+          <p:cNvPr id="5" name="Rounded Rectangle 4"/>
+          <p:cNvSpPr/>
+          <p:nvPr/>
+        </p:nvSpPr>
+        <p:spPr>
+          <a:xfrm>
+            <a:off x="4281016" y="3140968"/>
+            <a:ext cx="576064" cy="576064"/>
+          </a:xfrm>
+          <a:prstGeom prst="roundRect">
+            <a:avLst>
+              <a:gd name="adj" fmla="val 11111"/>
+            </a:avLst>
+          </a:prstGeom>
+          <a:solidFill>
+            <a:srgbClr val="FF0000"/>
+          </a:solidFill>
+          <a:ln>
+            <a:noFill/>
+          </a:ln>
+        </p:spPr>
+        <p:style>
+          <a:lnRef idx="2">
+            <a:schemeClr val="accent1">
+              <a:shade val="50000"/>
+            </a:schemeClr>
+          </a:lnRef>
+          <a:fillRef idx="1">
+            <a:schemeClr val="accent1"/>
+          </a:fillRef>
+          <a:effectRef idx="0">
+            <a:schemeClr val="accent1"/>
+          </a:effectRef>
+          <a:fontRef idx="minor">
+            <a:schemeClr val="lt1"/>
+          </a:fontRef>
+        </p:style>
+        <p:txBody>
+          <a:bodyPr rtlCol="0" anchor="ctr"/>
+          <a:lstStyle/>
+          <a:p>
+            <a:pPr algn="ctr"/>
+            <a:endParaRPr lang="en-US"/>
+          </a:p>
+        </p:txBody>
+      </p:sp>
+      <p:sp>
+        <p:nvSpPr>
+          <p:cNvPr id="3" name="Rectangle 2"/>
+          <p:cNvSpPr/>
+          <p:nvPr/>
+        </p:nvSpPr>
+        <p:spPr>
+          <a:xfrm>
+            <a:off x="4032000" y="2889000"/>
+            <a:ext cx="1080000" cy="1080000"/>
+          </a:xfrm>
+          <a:prstGeom prst="rect">
+            <a:avLst/>
+          </a:prstGeom>
+          <a:noFill/>
+          <a:ln w="6350">
+            <a:noFill/>
+          </a:ln>
+        </p:spPr>
+        <p:style>
+          <a:lnRef idx="2">
+            <a:schemeClr val="accent1">
+              <a:shade val="50000"/>
+            </a:schemeClr>
+          </a:lnRef>
+          <a:fillRef idx="1">
+            <a:schemeClr val="accent1"/>
+          </a:fillRef>
+          <a:effectRef idx="0">
+            <a:schemeClr val="accent1"/>
+          </a:effectRef>
+          <a:fontRef idx="minor">
+            <a:schemeClr val="lt1"/>
+          </a:fontRef>
+        </p:style>
+        <p:txBody>
+          <a:bodyPr rtlCol="0" anchor="ctr"/>
+          <a:lstStyle/>
+          <a:p>
+            <a:pPr algn="ctr"/>
+            <a:endParaRPr lang="zh-TW" altLang="en-US"/>
+          </a:p>
+        </p:txBody>
+      </p:sp>
+    </p:spTree>
+    <p:extLst>
+      <p:ext uri="{BB962C8B-B14F-4D97-AF65-F5344CB8AC3E}">
+        <p14:creationId xmlns:p14="http://schemas.microsoft.com/office/powerpoint/2010/main" val="2760861898"/>
+      </p:ext>
+    </p:extLst>
+  </p:cSld>
+  <p:clrMapOvr>
+    <a:masterClrMapping/>
+  </p:clrMapOvr>
+</p:sld>
+</file>
+
+<file path=ppt/slides/slide30.xml><?xml version="1.0" encoding="utf-8"?>
 <p:sld xmlns:a="http://schemas.openxmlformats.org/drawingml/2006/main" xmlns:r="http://schemas.openxmlformats.org/officeDocument/2006/relationships" xmlns:p="http://schemas.openxmlformats.org/presentationml/2006/main">
   <p:cSld>
     <p:spTree>
@@ -11770,129 +12067,7 @@
 </p:sld>
 </file>
 
-<file path=ppt/slides/slide3.xml><?xml version="1.0" encoding="utf-8"?>
-<p:sld xmlns:a="http://schemas.openxmlformats.org/drawingml/2006/main" xmlns:r="http://schemas.openxmlformats.org/officeDocument/2006/relationships" xmlns:p="http://schemas.openxmlformats.org/presentationml/2006/main">
-  <p:cSld>
-    <p:spTree>
-      <p:nvGrpSpPr>
-        <p:cNvPr id="1" name=""/>
-        <p:cNvGrpSpPr/>
-        <p:nvPr/>
-      </p:nvGrpSpPr>
-      <p:grpSpPr>
-        <a:xfrm>
-          <a:off x="0" y="0"/>
-          <a:ext cx="0" cy="0"/>
-          <a:chOff x="0" y="0"/>
-          <a:chExt cx="0" cy="0"/>
-        </a:xfrm>
-      </p:grpSpPr>
-      <p:sp>
-        <p:nvSpPr>
-          <p:cNvPr id="5" name="Rounded Rectangle 4"/>
-          <p:cNvSpPr/>
-          <p:nvPr/>
-        </p:nvSpPr>
-        <p:spPr>
-          <a:xfrm>
-            <a:off x="4281016" y="3140968"/>
-            <a:ext cx="576064" cy="576064"/>
-          </a:xfrm>
-          <a:prstGeom prst="roundRect">
-            <a:avLst>
-              <a:gd name="adj" fmla="val 11111"/>
-            </a:avLst>
-          </a:prstGeom>
-          <a:solidFill>
-            <a:srgbClr val="FF0000"/>
-          </a:solidFill>
-          <a:ln>
-            <a:noFill/>
-          </a:ln>
-        </p:spPr>
-        <p:style>
-          <a:lnRef idx="2">
-            <a:schemeClr val="accent1">
-              <a:shade val="50000"/>
-            </a:schemeClr>
-          </a:lnRef>
-          <a:fillRef idx="1">
-            <a:schemeClr val="accent1"/>
-          </a:fillRef>
-          <a:effectRef idx="0">
-            <a:schemeClr val="accent1"/>
-          </a:effectRef>
-          <a:fontRef idx="minor">
-            <a:schemeClr val="lt1"/>
-          </a:fontRef>
-        </p:style>
-        <p:txBody>
-          <a:bodyPr rtlCol="0" anchor="ctr"/>
-          <a:lstStyle/>
-          <a:p>
-            <a:pPr algn="ctr"/>
-            <a:endParaRPr lang="en-US"/>
-          </a:p>
-        </p:txBody>
-      </p:sp>
-      <p:sp>
-        <p:nvSpPr>
-          <p:cNvPr id="3" name="Rectangle 2"/>
-          <p:cNvSpPr/>
-          <p:nvPr/>
-        </p:nvSpPr>
-        <p:spPr>
-          <a:xfrm>
-            <a:off x="4032000" y="2889000"/>
-            <a:ext cx="1080000" cy="1080000"/>
-          </a:xfrm>
-          <a:prstGeom prst="rect">
-            <a:avLst/>
-          </a:prstGeom>
-          <a:noFill/>
-          <a:ln w="6350">
-            <a:noFill/>
-          </a:ln>
-        </p:spPr>
-        <p:style>
-          <a:lnRef idx="2">
-            <a:schemeClr val="accent1">
-              <a:shade val="50000"/>
-            </a:schemeClr>
-          </a:lnRef>
-          <a:fillRef idx="1">
-            <a:schemeClr val="accent1"/>
-          </a:fillRef>
-          <a:effectRef idx="0">
-            <a:schemeClr val="accent1"/>
-          </a:effectRef>
-          <a:fontRef idx="minor">
-            <a:schemeClr val="lt1"/>
-          </a:fontRef>
-        </p:style>
-        <p:txBody>
-          <a:bodyPr rtlCol="0" anchor="ctr"/>
-          <a:lstStyle/>
-          <a:p>
-            <a:pPr algn="ctr"/>
-            <a:endParaRPr lang="zh-TW" altLang="en-US"/>
-          </a:p>
-        </p:txBody>
-      </p:sp>
-    </p:spTree>
-    <p:extLst>
-      <p:ext uri="{BB962C8B-B14F-4D97-AF65-F5344CB8AC3E}">
-        <p14:creationId xmlns:p14="http://schemas.microsoft.com/office/powerpoint/2010/main" val="2760861898"/>
-      </p:ext>
-    </p:extLst>
-  </p:cSld>
-  <p:clrMapOvr>
-    <a:masterClrMapping/>
-  </p:clrMapOvr>
-</p:sld>
-</file>
-
-<file path=ppt/slides/slide30.xml><?xml version="1.0" encoding="utf-8"?>
+<file path=ppt/slides/slide31.xml><?xml version="1.0" encoding="utf-8"?>
 <p:sld xmlns:a="http://schemas.openxmlformats.org/drawingml/2006/main" xmlns:r="http://schemas.openxmlformats.org/officeDocument/2006/relationships" xmlns:p="http://schemas.openxmlformats.org/presentationml/2006/main">
   <p:cSld>
     <p:spTree>
@@ -12826,7 +13001,7 @@
 </p:sld>
 </file>
 
-<file path=ppt/slides/slide31.xml><?xml version="1.0" encoding="utf-8"?>
+<file path=ppt/slides/slide32.xml><?xml version="1.0" encoding="utf-8"?>
 <p:sld xmlns:a="http://schemas.openxmlformats.org/drawingml/2006/main" xmlns:r="http://schemas.openxmlformats.org/officeDocument/2006/relationships" xmlns:p="http://schemas.openxmlformats.org/presentationml/2006/main">
   <p:cSld>
     <p:spTree>
@@ -12906,7 +13081,7 @@
 </p:sld>
 </file>
 
-<file path=ppt/slides/slide32.xml><?xml version="1.0" encoding="utf-8"?>
+<file path=ppt/slides/slide33.xml><?xml version="1.0" encoding="utf-8"?>
 <p:sld xmlns:a="http://schemas.openxmlformats.org/drawingml/2006/main" xmlns:r="http://schemas.openxmlformats.org/officeDocument/2006/relationships" xmlns:p="http://schemas.openxmlformats.org/presentationml/2006/main">
   <p:cSld>
     <p:spTree>
@@ -13040,171 +13215,6 @@
     <p:extLst>
       <p:ext uri="{BB962C8B-B14F-4D97-AF65-F5344CB8AC3E}">
         <p14:creationId xmlns:p14="http://schemas.microsoft.com/office/powerpoint/2010/main" val="1337791561"/>
-      </p:ext>
-    </p:extLst>
-  </p:cSld>
-  <p:clrMapOvr>
-    <a:masterClrMapping/>
-  </p:clrMapOvr>
-</p:sld>
-</file>
-
-<file path=ppt/slides/slide33.xml><?xml version="1.0" encoding="utf-8"?>
-<p:sld xmlns:a="http://schemas.openxmlformats.org/drawingml/2006/main" xmlns:r="http://schemas.openxmlformats.org/officeDocument/2006/relationships" xmlns:p="http://schemas.openxmlformats.org/presentationml/2006/main">
-  <p:cSld>
-    <p:spTree>
-      <p:nvGrpSpPr>
-        <p:cNvPr id="1" name=""/>
-        <p:cNvGrpSpPr/>
-        <p:nvPr/>
-      </p:nvGrpSpPr>
-      <p:grpSpPr>
-        <a:xfrm>
-          <a:off x="0" y="0"/>
-          <a:ext cx="0" cy="0"/>
-          <a:chOff x="0" y="0"/>
-          <a:chExt cx="0" cy="0"/>
-        </a:xfrm>
-      </p:grpSpPr>
-      <p:sp>
-        <p:nvSpPr>
-          <p:cNvPr id="2" name="Snip Single Corner Rectangle 1"/>
-          <p:cNvSpPr/>
-          <p:nvPr/>
-        </p:nvSpPr>
-        <p:spPr>
-          <a:xfrm>
-            <a:off x="3776216" y="2710272"/>
-            <a:ext cx="1080000" cy="1080000"/>
-          </a:xfrm>
-          <a:prstGeom prst="snip1Rect">
-            <a:avLst/>
-          </a:prstGeom>
-          <a:noFill/>
-          <a:ln w="50800">
-            <a:solidFill>
-              <a:schemeClr val="tx1">
-                <a:lumMod val="75000"/>
-                <a:lumOff val="25000"/>
-              </a:schemeClr>
-            </a:solidFill>
-          </a:ln>
-        </p:spPr>
-        <p:style>
-          <a:lnRef idx="2">
-            <a:schemeClr val="accent1">
-              <a:shade val="50000"/>
-            </a:schemeClr>
-          </a:lnRef>
-          <a:fillRef idx="1">
-            <a:schemeClr val="accent1"/>
-          </a:fillRef>
-          <a:effectRef idx="0">
-            <a:schemeClr val="accent1"/>
-          </a:effectRef>
-          <a:fontRef idx="minor">
-            <a:schemeClr val="lt1"/>
-          </a:fontRef>
-        </p:style>
-        <p:txBody>
-          <a:bodyPr lIns="0" tIns="36000" rIns="0" bIns="36000" rtlCol="0" anchor="b"/>
-          <a:lstStyle/>
-          <a:p>
-            <a:pPr algn="r"/>
-            <a:r>
-              <a:rPr lang="en-US" altLang="zh-TW" sz="2800" dirty="0">
-                <a:solidFill>
-                  <a:schemeClr val="tx1">
-                    <a:lumMod val="75000"/>
-                    <a:lumOff val="25000"/>
-                  </a:schemeClr>
-                </a:solidFill>
-                <a:latin typeface="Kozuka Gothic Pro H" pitchFamily="34" charset="-128"/>
-                <a:ea typeface="Kozuka Gothic Pro H" pitchFamily="34" charset="-128"/>
-              </a:rPr>
-              <a:t>NPY</a:t>
-            </a:r>
-            <a:endParaRPr lang="zh-TW" altLang="en-US" sz="2800" dirty="0">
-              <a:solidFill>
-                <a:schemeClr val="tx1">
-                  <a:lumMod val="75000"/>
-                  <a:lumOff val="25000"/>
-                </a:schemeClr>
-              </a:solidFill>
-              <a:latin typeface="Kozuka Gothic Pro H" pitchFamily="34" charset="-128"/>
-              <a:ea typeface="Kozuka Gothic Pro H" pitchFamily="34" charset="-128"/>
-            </a:endParaRPr>
-          </a:p>
-        </p:txBody>
-      </p:sp>
-      <p:sp>
-        <p:nvSpPr>
-          <p:cNvPr id="10" name="Rectangle 9"/>
-          <p:cNvSpPr/>
-          <p:nvPr/>
-        </p:nvSpPr>
-        <p:spPr>
-          <a:xfrm>
-            <a:off x="3956216" y="2710272"/>
-            <a:ext cx="540000" cy="358688"/>
-          </a:xfrm>
-          <a:prstGeom prst="rect">
-            <a:avLst/>
-          </a:prstGeom>
-          <a:gradFill flip="none" rotWithShape="1">
-            <a:gsLst>
-              <a:gs pos="50000">
-                <a:srgbClr val="606060"/>
-              </a:gs>
-              <a:gs pos="0">
-                <a:schemeClr val="tx1">
-                  <a:lumMod val="75000"/>
-                  <a:lumOff val="25000"/>
-                </a:schemeClr>
-              </a:gs>
-              <a:gs pos="100000">
-                <a:schemeClr val="tx1">
-                  <a:lumMod val="50000"/>
-                  <a:lumOff val="50000"/>
-                </a:schemeClr>
-              </a:gs>
-            </a:gsLst>
-            <a:lin ang="5400000" scaled="1"/>
-            <a:tileRect/>
-          </a:gradFill>
-          <a:ln w="50800">
-            <a:noFill/>
-          </a:ln>
-        </p:spPr>
-        <p:style>
-          <a:lnRef idx="2">
-            <a:schemeClr val="accent1">
-              <a:shade val="50000"/>
-            </a:schemeClr>
-          </a:lnRef>
-          <a:fillRef idx="1">
-            <a:schemeClr val="accent1"/>
-          </a:fillRef>
-          <a:effectRef idx="0">
-            <a:schemeClr val="accent1"/>
-          </a:effectRef>
-          <a:fontRef idx="minor">
-            <a:schemeClr val="lt1"/>
-          </a:fontRef>
-        </p:style>
-        <p:txBody>
-          <a:bodyPr rtlCol="0" anchor="ctr"/>
-          <a:lstStyle/>
-          <a:p>
-            <a:pPr algn="ctr"/>
-            <a:endParaRPr lang="zh-TW" altLang="en-US"/>
-          </a:p>
-        </p:txBody>
-      </p:sp>
-    </p:spTree>
-    <p:extLst>
-      <p:ext uri="{BB962C8B-B14F-4D97-AF65-F5344CB8AC3E}">
-        <p14:creationId xmlns:p14="http://schemas.microsoft.com/office/powerpoint/2010/main" val="1440644481"/>
       </p:ext>
     </p:extLst>
   </p:cSld>
@@ -13276,6 +13286,171 @@
           <a:lstStyle/>
           <a:p>
             <a:pPr algn="r"/>
+            <a:r>
+              <a:rPr lang="en-US" altLang="zh-TW" sz="2800" dirty="0">
+                <a:solidFill>
+                  <a:schemeClr val="tx1">
+                    <a:lumMod val="75000"/>
+                    <a:lumOff val="25000"/>
+                  </a:schemeClr>
+                </a:solidFill>
+                <a:latin typeface="Kozuka Gothic Pro H" pitchFamily="34" charset="-128"/>
+                <a:ea typeface="Kozuka Gothic Pro H" pitchFamily="34" charset="-128"/>
+              </a:rPr>
+              <a:t>NPY</a:t>
+            </a:r>
+            <a:endParaRPr lang="zh-TW" altLang="en-US" sz="2800" dirty="0">
+              <a:solidFill>
+                <a:schemeClr val="tx1">
+                  <a:lumMod val="75000"/>
+                  <a:lumOff val="25000"/>
+                </a:schemeClr>
+              </a:solidFill>
+              <a:latin typeface="Kozuka Gothic Pro H" pitchFamily="34" charset="-128"/>
+              <a:ea typeface="Kozuka Gothic Pro H" pitchFamily="34" charset="-128"/>
+            </a:endParaRPr>
+          </a:p>
+        </p:txBody>
+      </p:sp>
+      <p:sp>
+        <p:nvSpPr>
+          <p:cNvPr id="10" name="Rectangle 9"/>
+          <p:cNvSpPr/>
+          <p:nvPr/>
+        </p:nvSpPr>
+        <p:spPr>
+          <a:xfrm>
+            <a:off x="3956216" y="2710272"/>
+            <a:ext cx="540000" cy="358688"/>
+          </a:xfrm>
+          <a:prstGeom prst="rect">
+            <a:avLst/>
+          </a:prstGeom>
+          <a:gradFill flip="none" rotWithShape="1">
+            <a:gsLst>
+              <a:gs pos="50000">
+                <a:srgbClr val="606060"/>
+              </a:gs>
+              <a:gs pos="0">
+                <a:schemeClr val="tx1">
+                  <a:lumMod val="75000"/>
+                  <a:lumOff val="25000"/>
+                </a:schemeClr>
+              </a:gs>
+              <a:gs pos="100000">
+                <a:schemeClr val="tx1">
+                  <a:lumMod val="50000"/>
+                  <a:lumOff val="50000"/>
+                </a:schemeClr>
+              </a:gs>
+            </a:gsLst>
+            <a:lin ang="5400000" scaled="1"/>
+            <a:tileRect/>
+          </a:gradFill>
+          <a:ln w="50800">
+            <a:noFill/>
+          </a:ln>
+        </p:spPr>
+        <p:style>
+          <a:lnRef idx="2">
+            <a:schemeClr val="accent1">
+              <a:shade val="50000"/>
+            </a:schemeClr>
+          </a:lnRef>
+          <a:fillRef idx="1">
+            <a:schemeClr val="accent1"/>
+          </a:fillRef>
+          <a:effectRef idx="0">
+            <a:schemeClr val="accent1"/>
+          </a:effectRef>
+          <a:fontRef idx="minor">
+            <a:schemeClr val="lt1"/>
+          </a:fontRef>
+        </p:style>
+        <p:txBody>
+          <a:bodyPr rtlCol="0" anchor="ctr"/>
+          <a:lstStyle/>
+          <a:p>
+            <a:pPr algn="ctr"/>
+            <a:endParaRPr lang="zh-TW" altLang="en-US"/>
+          </a:p>
+        </p:txBody>
+      </p:sp>
+    </p:spTree>
+    <p:extLst>
+      <p:ext uri="{BB962C8B-B14F-4D97-AF65-F5344CB8AC3E}">
+        <p14:creationId xmlns:p14="http://schemas.microsoft.com/office/powerpoint/2010/main" val="1440644481"/>
+      </p:ext>
+    </p:extLst>
+  </p:cSld>
+  <p:clrMapOvr>
+    <a:masterClrMapping/>
+  </p:clrMapOvr>
+</p:sld>
+</file>
+
+<file path=ppt/slides/slide35.xml><?xml version="1.0" encoding="utf-8"?>
+<p:sld xmlns:a="http://schemas.openxmlformats.org/drawingml/2006/main" xmlns:r="http://schemas.openxmlformats.org/officeDocument/2006/relationships" xmlns:p="http://schemas.openxmlformats.org/presentationml/2006/main">
+  <p:cSld>
+    <p:spTree>
+      <p:nvGrpSpPr>
+        <p:cNvPr id="1" name=""/>
+        <p:cNvGrpSpPr/>
+        <p:nvPr/>
+      </p:nvGrpSpPr>
+      <p:grpSpPr>
+        <a:xfrm>
+          <a:off x="0" y="0"/>
+          <a:ext cx="0" cy="0"/>
+          <a:chOff x="0" y="0"/>
+          <a:chExt cx="0" cy="0"/>
+        </a:xfrm>
+      </p:grpSpPr>
+      <p:sp>
+        <p:nvSpPr>
+          <p:cNvPr id="2" name="Snip Single Corner Rectangle 1"/>
+          <p:cNvSpPr/>
+          <p:nvPr/>
+        </p:nvSpPr>
+        <p:spPr>
+          <a:xfrm>
+            <a:off x="3776216" y="2710272"/>
+            <a:ext cx="1080000" cy="1080000"/>
+          </a:xfrm>
+          <a:prstGeom prst="snip1Rect">
+            <a:avLst/>
+          </a:prstGeom>
+          <a:noFill/>
+          <a:ln w="50800">
+            <a:solidFill>
+              <a:schemeClr val="tx1">
+                <a:lumMod val="75000"/>
+                <a:lumOff val="25000"/>
+              </a:schemeClr>
+            </a:solidFill>
+          </a:ln>
+        </p:spPr>
+        <p:style>
+          <a:lnRef idx="2">
+            <a:schemeClr val="accent1">
+              <a:shade val="50000"/>
+            </a:schemeClr>
+          </a:lnRef>
+          <a:fillRef idx="1">
+            <a:schemeClr val="accent1"/>
+          </a:fillRef>
+          <a:effectRef idx="0">
+            <a:schemeClr val="accent1"/>
+          </a:effectRef>
+          <a:fontRef idx="minor">
+            <a:schemeClr val="lt1"/>
+          </a:fontRef>
+        </p:style>
+        <p:txBody>
+          <a:bodyPr lIns="0" tIns="36000" rIns="0" bIns="36000" rtlCol="0" anchor="b"/>
+          <a:lstStyle/>
+          <a:p>
+            <a:pPr algn="r"/>
             <a:endParaRPr lang="zh-TW" altLang="en-US" sz="2800" dirty="0">
               <a:solidFill>
                 <a:schemeClr val="tx1">
@@ -13414,7 +13589,7 @@
 </p:sld>
 </file>
 
-<file path=ppt/slides/slide35.xml><?xml version="1.0" encoding="utf-8"?>
+<file path=ppt/slides/slide36.xml><?xml version="1.0" encoding="utf-8"?>
 <p:sld xmlns:a="http://schemas.openxmlformats.org/drawingml/2006/main" xmlns:r="http://schemas.openxmlformats.org/officeDocument/2006/relationships" xmlns:p="http://schemas.openxmlformats.org/presentationml/2006/main">
   <p:cSld>
     <p:spTree>
@@ -13771,7 +13946,7 @@
 </p:sld>
 </file>
 
-<file path=ppt/slides/slide36.xml><?xml version="1.0" encoding="utf-8"?>
+<file path=ppt/slides/slide37.xml><?xml version="1.0" encoding="utf-8"?>
 <p:sld xmlns:a="http://schemas.openxmlformats.org/drawingml/2006/main" xmlns:r="http://schemas.openxmlformats.org/officeDocument/2006/relationships" xmlns:p="http://schemas.openxmlformats.org/presentationml/2006/main">
   <p:cSld>
     <p:spTree>
@@ -13881,6 +14056,7 @@
                 <a:lumMod val="75000"/>
               </a:schemeClr>
             </a:solidFill>
+            <a:miter lim="800000"/>
           </a:ln>
         </p:spPr>
         <p:style>
@@ -13979,6 +14155,7 @@
                 <a:lumOff val="50000"/>
               </a:schemeClr>
             </a:solidFill>
+            <a:miter lim="800000"/>
           </a:ln>
         </p:spPr>
         <p:style>
@@ -14061,6 +14238,280 @@
 </file>
 
 <file path=ppt/slides/slide5.xml><?xml version="1.0" encoding="utf-8"?>
+<p:sld xmlns:a="http://schemas.openxmlformats.org/drawingml/2006/main" xmlns:r="http://schemas.openxmlformats.org/officeDocument/2006/relationships" xmlns:p="http://schemas.openxmlformats.org/presentationml/2006/main">
+  <p:cSld>
+    <p:spTree>
+      <p:nvGrpSpPr>
+        <p:cNvPr id="1" name=""/>
+        <p:cNvGrpSpPr/>
+        <p:nvPr/>
+      </p:nvGrpSpPr>
+      <p:grpSpPr>
+        <a:xfrm>
+          <a:off x="0" y="0"/>
+          <a:ext cx="0" cy="0"/>
+          <a:chOff x="0" y="0"/>
+          <a:chExt cx="0" cy="0"/>
+        </a:xfrm>
+      </p:grpSpPr>
+      <p:sp>
+        <p:nvSpPr>
+          <p:cNvPr id="2" name="Rectangle 1"/>
+          <p:cNvSpPr/>
+          <p:nvPr/>
+        </p:nvSpPr>
+        <p:spPr>
+          <a:xfrm>
+            <a:off x="4077598" y="2933742"/>
+            <a:ext cx="576064" cy="576000"/>
+          </a:xfrm>
+          <a:prstGeom prst="rect">
+            <a:avLst/>
+          </a:prstGeom>
+          <a:solidFill>
+            <a:schemeClr val="accent1">
+              <a:lumMod val="60000"/>
+              <a:lumOff val="40000"/>
+            </a:schemeClr>
+          </a:solidFill>
+          <a:ln w="50800">
+            <a:solidFill>
+              <a:schemeClr val="accent1">
+                <a:lumMod val="60000"/>
+                <a:lumOff val="40000"/>
+              </a:schemeClr>
+            </a:solidFill>
+            <a:miter lim="800000"/>
+          </a:ln>
+        </p:spPr>
+        <p:style>
+          <a:lnRef idx="2">
+            <a:schemeClr val="accent1">
+              <a:shade val="50000"/>
+            </a:schemeClr>
+          </a:lnRef>
+          <a:fillRef idx="1">
+            <a:schemeClr val="accent1"/>
+          </a:fillRef>
+          <a:effectRef idx="0">
+            <a:schemeClr val="accent1"/>
+          </a:effectRef>
+          <a:fontRef idx="minor">
+            <a:schemeClr val="lt1"/>
+          </a:fontRef>
+        </p:style>
+        <p:txBody>
+          <a:bodyPr rtlCol="0" anchor="ctr"/>
+          <a:lstStyle/>
+          <a:p>
+            <a:pPr algn="ctr"/>
+            <a:endParaRPr lang="en-US"/>
+          </a:p>
+        </p:txBody>
+      </p:sp>
+      <p:sp>
+        <p:nvSpPr>
+          <p:cNvPr id="3" name="Rectangle 2"/>
+          <p:cNvSpPr/>
+          <p:nvPr/>
+        </p:nvSpPr>
+        <p:spPr>
+          <a:xfrm>
+            <a:off x="4032000" y="2889000"/>
+            <a:ext cx="1080000" cy="1080000"/>
+          </a:xfrm>
+          <a:prstGeom prst="rect">
+            <a:avLst/>
+          </a:prstGeom>
+          <a:noFill/>
+          <a:ln w="6350">
+            <a:noFill/>
+          </a:ln>
+        </p:spPr>
+        <p:style>
+          <a:lnRef idx="2">
+            <a:schemeClr val="accent1">
+              <a:shade val="50000"/>
+            </a:schemeClr>
+          </a:lnRef>
+          <a:fillRef idx="1">
+            <a:schemeClr val="accent1"/>
+          </a:fillRef>
+          <a:effectRef idx="0">
+            <a:schemeClr val="accent1"/>
+          </a:effectRef>
+          <a:fontRef idx="minor">
+            <a:schemeClr val="lt1"/>
+          </a:fontRef>
+        </p:style>
+        <p:txBody>
+          <a:bodyPr rtlCol="0" anchor="ctr"/>
+          <a:lstStyle/>
+          <a:p>
+            <a:pPr algn="ctr"/>
+            <a:endParaRPr lang="zh-TW" altLang="en-US"/>
+          </a:p>
+        </p:txBody>
+      </p:sp>
+      <p:sp>
+        <p:nvSpPr>
+          <p:cNvPr id="7" name="Rectangle 6"/>
+          <p:cNvSpPr/>
+          <p:nvPr/>
+        </p:nvSpPr>
+        <p:spPr>
+          <a:xfrm>
+            <a:off x="4286255" y="3142827"/>
+            <a:ext cx="576064" cy="576000"/>
+          </a:xfrm>
+          <a:prstGeom prst="rect">
+            <a:avLst/>
+          </a:prstGeom>
+          <a:solidFill>
+            <a:schemeClr val="tx2">
+              <a:lumMod val="60000"/>
+              <a:lumOff val="40000"/>
+            </a:schemeClr>
+          </a:solidFill>
+          <a:ln w="50800">
+            <a:solidFill>
+              <a:schemeClr val="tx2">
+                <a:lumMod val="60000"/>
+                <a:lumOff val="40000"/>
+              </a:schemeClr>
+            </a:solidFill>
+            <a:miter lim="800000"/>
+          </a:ln>
+        </p:spPr>
+        <p:style>
+          <a:lnRef idx="2">
+            <a:schemeClr val="accent1">
+              <a:shade val="50000"/>
+            </a:schemeClr>
+          </a:lnRef>
+          <a:fillRef idx="1">
+            <a:schemeClr val="accent1"/>
+          </a:fillRef>
+          <a:effectRef idx="0">
+            <a:schemeClr val="accent1"/>
+          </a:effectRef>
+          <a:fontRef idx="minor">
+            <a:schemeClr val="lt1"/>
+          </a:fontRef>
+        </p:style>
+        <p:txBody>
+          <a:bodyPr lIns="0" tIns="0" rIns="0" bIns="0" rtlCol="0" anchor="ctr"/>
+          <a:lstStyle/>
+          <a:p>
+            <a:pPr algn="ctr"/>
+            <a:endParaRPr lang="en-US" b="1" dirty="0"/>
+          </a:p>
+        </p:txBody>
+      </p:sp>
+      <p:sp>
+        <p:nvSpPr>
+          <p:cNvPr id="6" name="Rectangle 5"/>
+          <p:cNvSpPr/>
+          <p:nvPr/>
+        </p:nvSpPr>
+        <p:spPr>
+          <a:xfrm>
+            <a:off x="4494912" y="3351912"/>
+            <a:ext cx="576064" cy="576000"/>
+          </a:xfrm>
+          <a:prstGeom prst="rect">
+            <a:avLst/>
+          </a:prstGeom>
+          <a:solidFill>
+            <a:srgbClr val="0070C0"/>
+          </a:solidFill>
+          <a:ln w="50800">
+            <a:solidFill>
+              <a:srgbClr val="0070C0"/>
+            </a:solidFill>
+            <a:miter lim="800000"/>
+          </a:ln>
+        </p:spPr>
+        <p:style>
+          <a:lnRef idx="2">
+            <a:schemeClr val="accent1">
+              <a:shade val="50000"/>
+            </a:schemeClr>
+          </a:lnRef>
+          <a:fillRef idx="1">
+            <a:schemeClr val="accent1"/>
+          </a:fillRef>
+          <a:effectRef idx="0">
+            <a:schemeClr val="accent1"/>
+          </a:effectRef>
+          <a:fontRef idx="minor">
+            <a:schemeClr val="lt1"/>
+          </a:fontRef>
+        </p:style>
+        <p:txBody>
+          <a:bodyPr lIns="0" tIns="0" rIns="0" bIns="0" rtlCol="0" anchor="ctr"/>
+          <a:lstStyle/>
+          <a:p>
+            <a:pPr algn="ctr"/>
+            <a:endParaRPr lang="en-US" b="1" dirty="0"/>
+          </a:p>
+        </p:txBody>
+      </p:sp>
+      <p:cxnSp>
+        <p:nvCxnSpPr>
+          <p:cNvPr id="10" name="Straight Arrow Connector 9"/>
+          <p:cNvCxnSpPr/>
+          <p:nvPr/>
+        </p:nvCxnSpPr>
+        <p:spPr>
+          <a:xfrm flipH="1" flipV="1">
+            <a:off x="4077598" y="2934598"/>
+            <a:ext cx="417314" cy="417314"/>
+          </a:xfrm>
+          <a:prstGeom prst="straightConnector1">
+            <a:avLst/>
+          </a:prstGeom>
+          <a:solidFill>
+            <a:schemeClr val="bg1"/>
+          </a:solidFill>
+          <a:ln w="63500" cap="rnd">
+            <a:solidFill>
+              <a:schemeClr val="bg1"/>
+            </a:solidFill>
+            <a:tailEnd type="triangle" w="lg" len="med"/>
+          </a:ln>
+        </p:spPr>
+        <p:style>
+          <a:lnRef idx="2">
+            <a:schemeClr val="accent1">
+              <a:shade val="50000"/>
+            </a:schemeClr>
+          </a:lnRef>
+          <a:fillRef idx="1">
+            <a:schemeClr val="accent1"/>
+          </a:fillRef>
+          <a:effectRef idx="0">
+            <a:schemeClr val="accent1"/>
+          </a:effectRef>
+          <a:fontRef idx="minor">
+            <a:schemeClr val="lt1"/>
+          </a:fontRef>
+        </p:style>
+      </p:cxnSp>
+    </p:spTree>
+    <p:extLst>
+      <p:ext uri="{BB962C8B-B14F-4D97-AF65-F5344CB8AC3E}">
+        <p14:creationId xmlns:p14="http://schemas.microsoft.com/office/powerpoint/2010/main" val="2533807241"/>
+      </p:ext>
+    </p:extLst>
+  </p:cSld>
+  <p:clrMapOvr>
+    <a:masterClrMapping/>
+  </p:clrMapOvr>
+</p:sld>
+</file>
+
+<file path=ppt/slides/slide6.xml><?xml version="1.0" encoding="utf-8"?>
 <p:sld xmlns:a="http://schemas.openxmlformats.org/drawingml/2006/main" xmlns:r="http://schemas.openxmlformats.org/officeDocument/2006/relationships" xmlns:p="http://schemas.openxmlformats.org/presentationml/2006/main">
   <p:cSld>
     <p:spTree>
@@ -14292,7 +14743,7 @@
 </p:sld>
 </file>
 
-<file path=ppt/slides/slide6.xml><?xml version="1.0" encoding="utf-8"?>
+<file path=ppt/slides/slide7.xml><?xml version="1.0" encoding="utf-8"?>
 <p:sld xmlns:a="http://schemas.openxmlformats.org/drawingml/2006/main" xmlns:r="http://schemas.openxmlformats.org/officeDocument/2006/relationships" xmlns:p="http://schemas.openxmlformats.org/presentationml/2006/main">
   <p:cSld>
     <p:spTree>
@@ -14926,7 +15377,7 @@
 </p:sld>
 </file>
 
-<file path=ppt/slides/slide7.xml><?xml version="1.0" encoding="utf-8"?>
+<file path=ppt/slides/slide8.xml><?xml version="1.0" encoding="utf-8"?>
 <p:sld xmlns:a="http://schemas.openxmlformats.org/drawingml/2006/main" xmlns:r="http://schemas.openxmlformats.org/officeDocument/2006/relationships" xmlns:p="http://schemas.openxmlformats.org/presentationml/2006/main">
   <p:cSld>
     <p:spTree>
@@ -15483,7 +15934,7 @@
 </p:sld>
 </file>
 
-<file path=ppt/slides/slide8.xml><?xml version="1.0" encoding="utf-8"?>
+<file path=ppt/slides/slide9.xml><?xml version="1.0" encoding="utf-8"?>
 <p:sld xmlns:a="http://schemas.openxmlformats.org/drawingml/2006/main" xmlns:r="http://schemas.openxmlformats.org/officeDocument/2006/relationships" xmlns:p="http://schemas.openxmlformats.org/presentationml/2006/main">
   <p:cSld>
     <p:spTree>
@@ -15660,180 +16111,6 @@
     <p:extLst>
       <p:ext uri="{BB962C8B-B14F-4D97-AF65-F5344CB8AC3E}">
         <p14:creationId xmlns:p14="http://schemas.microsoft.com/office/powerpoint/2010/main" val="1979638787"/>
-      </p:ext>
-    </p:extLst>
-  </p:cSld>
-  <p:clrMapOvr>
-    <a:masterClrMapping/>
-  </p:clrMapOvr>
-</p:sld>
-</file>
-
-<file path=ppt/slides/slide9.xml><?xml version="1.0" encoding="utf-8"?>
-<p:sld xmlns:a="http://schemas.openxmlformats.org/drawingml/2006/main" xmlns:r="http://schemas.openxmlformats.org/officeDocument/2006/relationships" xmlns:p="http://schemas.openxmlformats.org/presentationml/2006/main">
-  <p:cSld>
-    <p:spTree>
-      <p:nvGrpSpPr>
-        <p:cNvPr id="1" name=""/>
-        <p:cNvGrpSpPr/>
-        <p:nvPr/>
-      </p:nvGrpSpPr>
-      <p:grpSpPr>
-        <a:xfrm>
-          <a:off x="0" y="0"/>
-          <a:ext cx="0" cy="0"/>
-          <a:chOff x="0" y="0"/>
-          <a:chExt cx="0" cy="0"/>
-        </a:xfrm>
-      </p:grpSpPr>
-      <p:sp>
-        <p:nvSpPr>
-          <p:cNvPr id="3" name="Rectangle 2"/>
-          <p:cNvSpPr/>
-          <p:nvPr/>
-        </p:nvSpPr>
-        <p:spPr>
-          <a:xfrm>
-            <a:off x="4032000" y="2889000"/>
-            <a:ext cx="1080000" cy="1080000"/>
-          </a:xfrm>
-          <a:prstGeom prst="rect">
-            <a:avLst/>
-          </a:prstGeom>
-          <a:noFill/>
-          <a:ln w="6350">
-            <a:noFill/>
-          </a:ln>
-        </p:spPr>
-        <p:style>
-          <a:lnRef idx="2">
-            <a:schemeClr val="accent1">
-              <a:shade val="50000"/>
-            </a:schemeClr>
-          </a:lnRef>
-          <a:fillRef idx="1">
-            <a:schemeClr val="accent1"/>
-          </a:fillRef>
-          <a:effectRef idx="0">
-            <a:schemeClr val="accent1"/>
-          </a:effectRef>
-          <a:fontRef idx="minor">
-            <a:schemeClr val="lt1"/>
-          </a:fontRef>
-        </p:style>
-        <p:txBody>
-          <a:bodyPr rtlCol="0" anchor="ctr"/>
-          <a:lstStyle/>
-          <a:p>
-            <a:pPr algn="ctr"/>
-            <a:endParaRPr lang="zh-TW" altLang="en-US"/>
-          </a:p>
-        </p:txBody>
-      </p:sp>
-      <p:sp>
-        <p:nvSpPr>
-          <p:cNvPr id="2" name="TextBox 1"/>
-          <p:cNvSpPr txBox="1"/>
-          <p:nvPr/>
-        </p:nvSpPr>
-        <p:spPr>
-          <a:xfrm>
-            <a:off x="0" y="0"/>
-            <a:ext cx="987451" cy="1107996"/>
-          </a:xfrm>
-          <a:prstGeom prst="rect">
-            <a:avLst/>
-          </a:prstGeom>
-          <a:noFill/>
-        </p:spPr>
-        <p:txBody>
-          <a:bodyPr wrap="none" lIns="0" tIns="0" rIns="0" bIns="0" rtlCol="0" anchor="ctr">
-            <a:spAutoFit/>
-          </a:bodyPr>
-          <a:lstStyle/>
-          <a:p>
-            <a:pPr algn="ctr"/>
-            <a:r>
-              <a:rPr lang="en-US" altLang="zh-TW" sz="7200" b="1" dirty="0" smtClean="0">
-                <a:latin typeface="Roboto Condensed" panose="02000000000000000000" pitchFamily="2" charset="0"/>
-                <a:ea typeface="Roboto Condensed" panose="02000000000000000000" pitchFamily="2" charset="0"/>
-                <a:cs typeface="Roboto Condensed" panose="02000000000000000000" pitchFamily="2" charset="0"/>
-              </a:rPr>
-              <a:t>3D</a:t>
-            </a:r>
-            <a:endParaRPr lang="zh-TW" altLang="en-US" sz="7200" b="1" dirty="0">
-              <a:latin typeface="Roboto Condensed" panose="02000000000000000000" pitchFamily="2" charset="0"/>
-              <a:cs typeface="Roboto Condensed" panose="02000000000000000000" pitchFamily="2" charset="0"/>
-            </a:endParaRPr>
-          </a:p>
-        </p:txBody>
-      </p:sp>
-      <p:pic>
-        <p:nvPicPr>
-          <p:cNvPr id="5" name="Picture 3"/>
-          <p:cNvPicPr>
-            <a:picLocks noChangeAspect="1" noChangeArrowheads="1"/>
-          </p:cNvPicPr>
-          <p:nvPr/>
-        </p:nvPicPr>
-        <p:blipFill rotWithShape="1">
-          <a:blip r:embed="rId2">
-            <a:extLst>
-              <a:ext uri="{28A0092B-C50C-407E-A947-70E740481C1C}">
-                <a14:useLocalDpi xmlns:a14="http://schemas.microsoft.com/office/drawing/2010/main" val="0"/>
-              </a:ext>
-            </a:extLst>
-          </a:blip>
-          <a:srcRect l="26761" t="24621" r="27300" b="37690"/>
-          <a:stretch/>
-        </p:blipFill>
-        <p:spPr bwMode="auto">
-          <a:xfrm>
-            <a:off x="4093234" y="3083072"/>
-            <a:ext cx="957533" cy="726361"/>
-          </a:xfrm>
-          <a:prstGeom prst="rect">
-            <a:avLst/>
-          </a:prstGeom>
-          <a:noFill/>
-          <a:ln>
-            <a:noFill/>
-          </a:ln>
-          <a:effectLst/>
-          <a:extLst>
-            <a:ext uri="{909E8E84-426E-40DD-AFC4-6F175D3DCCD1}">
-              <a14:hiddenFill xmlns:a14="http://schemas.microsoft.com/office/drawing/2010/main">
-                <a:solidFill>
-                  <a:schemeClr val="accent1"/>
-                </a:solidFill>
-              </a14:hiddenFill>
-            </a:ext>
-            <a:ext uri="{91240B29-F687-4F45-9708-019B960494DF}">
-              <a14:hiddenLine xmlns:a14="http://schemas.microsoft.com/office/drawing/2010/main" w="9525">
-                <a:solidFill>
-                  <a:schemeClr val="tx1"/>
-                </a:solidFill>
-                <a:miter lim="800000"/>
-                <a:headEnd/>
-                <a:tailEnd/>
-              </a14:hiddenLine>
-            </a:ext>
-            <a:ext uri="{AF507438-7753-43E0-B8FC-AC1667EBCBE1}">
-              <a14:hiddenEffects xmlns:a14="http://schemas.microsoft.com/office/drawing/2010/main">
-                <a:effectLst>
-                  <a:outerShdw dist="35921" dir="2700000" algn="ctr" rotWithShape="0">
-                    <a:schemeClr val="bg2"/>
-                  </a:outerShdw>
-                </a:effectLst>
-              </a14:hiddenEffects>
-            </a:ext>
-          </a:extLst>
-        </p:spPr>
-      </p:pic>
-    </p:spTree>
-    <p:extLst>
-      <p:ext uri="{BB962C8B-B14F-4D97-AF65-F5344CB8AC3E}">
-        <p14:creationId xmlns:p14="http://schemas.microsoft.com/office/powerpoint/2010/main" val="3442899508"/>
       </p:ext>
     </p:extLst>
   </p:cSld>

--- a/icons/icons.pptx
+++ b/icons/icons.pptx
@@ -5,7 +5,7 @@
     <p:sldMasterId id="2147483648" r:id="rId1"/>
   </p:sldMasterIdLst>
   <p:notesMasterIdLst>
-    <p:notesMasterId r:id="rId39"/>
+    <p:notesMasterId r:id="rId40"/>
   </p:notesMasterIdLst>
   <p:sldIdLst>
     <p:sldId id="286" r:id="rId2"/>
@@ -16,35 +16,36 @@
     <p:sldId id="324" r:id="rId7"/>
     <p:sldId id="323" r:id="rId8"/>
     <p:sldId id="325" r:id="rId9"/>
-    <p:sldId id="313" r:id="rId10"/>
-    <p:sldId id="314" r:id="rId11"/>
-    <p:sldId id="315" r:id="rId12"/>
-    <p:sldId id="317" r:id="rId13"/>
-    <p:sldId id="316" r:id="rId14"/>
-    <p:sldId id="320" r:id="rId15"/>
-    <p:sldId id="321" r:id="rId16"/>
-    <p:sldId id="322" r:id="rId17"/>
-    <p:sldId id="287" r:id="rId18"/>
-    <p:sldId id="288" r:id="rId19"/>
-    <p:sldId id="289" r:id="rId20"/>
-    <p:sldId id="290" r:id="rId21"/>
-    <p:sldId id="291" r:id="rId22"/>
-    <p:sldId id="292" r:id="rId23"/>
-    <p:sldId id="293" r:id="rId24"/>
-    <p:sldId id="294" r:id="rId25"/>
-    <p:sldId id="295" r:id="rId26"/>
-    <p:sldId id="296" r:id="rId27"/>
-    <p:sldId id="297" r:id="rId28"/>
-    <p:sldId id="298" r:id="rId29"/>
-    <p:sldId id="299" r:id="rId30"/>
-    <p:sldId id="300" r:id="rId31"/>
-    <p:sldId id="301" r:id="rId32"/>
-    <p:sldId id="302" r:id="rId33"/>
-    <p:sldId id="303" r:id="rId34"/>
-    <p:sldId id="304" r:id="rId35"/>
-    <p:sldId id="305" r:id="rId36"/>
-    <p:sldId id="306" r:id="rId37"/>
-    <p:sldId id="307" r:id="rId38"/>
+    <p:sldId id="327" r:id="rId10"/>
+    <p:sldId id="313" r:id="rId11"/>
+    <p:sldId id="314" r:id="rId12"/>
+    <p:sldId id="315" r:id="rId13"/>
+    <p:sldId id="317" r:id="rId14"/>
+    <p:sldId id="316" r:id="rId15"/>
+    <p:sldId id="320" r:id="rId16"/>
+    <p:sldId id="321" r:id="rId17"/>
+    <p:sldId id="322" r:id="rId18"/>
+    <p:sldId id="287" r:id="rId19"/>
+    <p:sldId id="288" r:id="rId20"/>
+    <p:sldId id="289" r:id="rId21"/>
+    <p:sldId id="290" r:id="rId22"/>
+    <p:sldId id="291" r:id="rId23"/>
+    <p:sldId id="292" r:id="rId24"/>
+    <p:sldId id="293" r:id="rId25"/>
+    <p:sldId id="294" r:id="rId26"/>
+    <p:sldId id="295" r:id="rId27"/>
+    <p:sldId id="296" r:id="rId28"/>
+    <p:sldId id="297" r:id="rId29"/>
+    <p:sldId id="298" r:id="rId30"/>
+    <p:sldId id="299" r:id="rId31"/>
+    <p:sldId id="300" r:id="rId32"/>
+    <p:sldId id="301" r:id="rId33"/>
+    <p:sldId id="302" r:id="rId34"/>
+    <p:sldId id="303" r:id="rId35"/>
+    <p:sldId id="304" r:id="rId36"/>
+    <p:sldId id="305" r:id="rId37"/>
+    <p:sldId id="306" r:id="rId38"/>
+    <p:sldId id="307" r:id="rId39"/>
   </p:sldIdLst>
   <p:sldSz cx="9144000" cy="6858000" type="screen4x3"/>
   <p:notesSz cx="6858000" cy="9144000"/>
@@ -228,7 +229,7 @@
           <a:p>
             <a:fld id="{409A854A-4542-4C46-92B4-B1933D0339ED}" type="datetimeFigureOut">
               <a:rPr lang="en-US" smtClean="0"/>
-              <a:t>3/2/2017</a:t>
+              <a:t>3/7/2017</a:t>
             </a:fld>
             <a:endParaRPr lang="en-US"/>
           </a:p>
@@ -761,7 +762,7 @@
           <a:p>
             <a:fld id="{B6192DF9-7B65-41DB-B5A4-F73A2B2D849B}" type="datetimeFigureOut">
               <a:rPr lang="zh-TW" altLang="en-US" smtClean="0"/>
-              <a:t>2017/3/2</a:t>
+              <a:t>2017/3/7</a:t>
             </a:fld>
             <a:endParaRPr lang="zh-TW" altLang="en-US"/>
           </a:p>
@@ -931,7 +932,7 @@
           <a:p>
             <a:fld id="{B6192DF9-7B65-41DB-B5A4-F73A2B2D849B}" type="datetimeFigureOut">
               <a:rPr lang="zh-TW" altLang="en-US" smtClean="0"/>
-              <a:t>2017/3/2</a:t>
+              <a:t>2017/3/7</a:t>
             </a:fld>
             <a:endParaRPr lang="zh-TW" altLang="en-US"/>
           </a:p>
@@ -1111,7 +1112,7 @@
           <a:p>
             <a:fld id="{B6192DF9-7B65-41DB-B5A4-F73A2B2D849B}" type="datetimeFigureOut">
               <a:rPr lang="zh-TW" altLang="en-US" smtClean="0"/>
-              <a:t>2017/3/2</a:t>
+              <a:t>2017/3/7</a:t>
             </a:fld>
             <a:endParaRPr lang="zh-TW" altLang="en-US"/>
           </a:p>
@@ -1281,7 +1282,7 @@
           <a:p>
             <a:fld id="{B6192DF9-7B65-41DB-B5A4-F73A2B2D849B}" type="datetimeFigureOut">
               <a:rPr lang="zh-TW" altLang="en-US" smtClean="0"/>
-              <a:t>2017/3/2</a:t>
+              <a:t>2017/3/7</a:t>
             </a:fld>
             <a:endParaRPr lang="zh-TW" altLang="en-US"/>
           </a:p>
@@ -1527,7 +1528,7 @@
           <a:p>
             <a:fld id="{B6192DF9-7B65-41DB-B5A4-F73A2B2D849B}" type="datetimeFigureOut">
               <a:rPr lang="zh-TW" altLang="en-US" smtClean="0"/>
-              <a:t>2017/3/2</a:t>
+              <a:t>2017/3/7</a:t>
             </a:fld>
             <a:endParaRPr lang="zh-TW" altLang="en-US"/>
           </a:p>
@@ -1815,7 +1816,7 @@
           <a:p>
             <a:fld id="{B6192DF9-7B65-41DB-B5A4-F73A2B2D849B}" type="datetimeFigureOut">
               <a:rPr lang="zh-TW" altLang="en-US" smtClean="0"/>
-              <a:t>2017/3/2</a:t>
+              <a:t>2017/3/7</a:t>
             </a:fld>
             <a:endParaRPr lang="zh-TW" altLang="en-US"/>
           </a:p>
@@ -2237,7 +2238,7 @@
           <a:p>
             <a:fld id="{B6192DF9-7B65-41DB-B5A4-F73A2B2D849B}" type="datetimeFigureOut">
               <a:rPr lang="zh-TW" altLang="en-US" smtClean="0"/>
-              <a:t>2017/3/2</a:t>
+              <a:t>2017/3/7</a:t>
             </a:fld>
             <a:endParaRPr lang="zh-TW" altLang="en-US"/>
           </a:p>
@@ -2355,7 +2356,7 @@
           <a:p>
             <a:fld id="{B6192DF9-7B65-41DB-B5A4-F73A2B2D849B}" type="datetimeFigureOut">
               <a:rPr lang="zh-TW" altLang="en-US" smtClean="0"/>
-              <a:t>2017/3/2</a:t>
+              <a:t>2017/3/7</a:t>
             </a:fld>
             <a:endParaRPr lang="zh-TW" altLang="en-US"/>
           </a:p>
@@ -2450,7 +2451,7 @@
           <a:p>
             <a:fld id="{B6192DF9-7B65-41DB-B5A4-F73A2B2D849B}" type="datetimeFigureOut">
               <a:rPr lang="zh-TW" altLang="en-US" smtClean="0"/>
-              <a:t>2017/3/2</a:t>
+              <a:t>2017/3/7</a:t>
             </a:fld>
             <a:endParaRPr lang="zh-TW" altLang="en-US"/>
           </a:p>
@@ -2727,7 +2728,7 @@
           <a:p>
             <a:fld id="{B6192DF9-7B65-41DB-B5A4-F73A2B2D849B}" type="datetimeFigureOut">
               <a:rPr lang="zh-TW" altLang="en-US" smtClean="0"/>
-              <a:t>2017/3/2</a:t>
+              <a:t>2017/3/7</a:t>
             </a:fld>
             <a:endParaRPr lang="zh-TW" altLang="en-US"/>
           </a:p>
@@ -2980,7 +2981,7 @@
           <a:p>
             <a:fld id="{B6192DF9-7B65-41DB-B5A4-F73A2B2D849B}" type="datetimeFigureOut">
               <a:rPr lang="zh-TW" altLang="en-US" smtClean="0"/>
-              <a:t>2017/3/2</a:t>
+              <a:t>2017/3/7</a:t>
             </a:fld>
             <a:endParaRPr lang="zh-TW" altLang="en-US"/>
           </a:p>
@@ -3193,7 +3194,7 @@
           <a:p>
             <a:fld id="{B6192DF9-7B65-41DB-B5A4-F73A2B2D849B}" type="datetimeFigureOut">
               <a:rPr lang="zh-TW" altLang="en-US" smtClean="0"/>
-              <a:t>2017/3/2</a:t>
+              <a:t>2017/3/7</a:t>
             </a:fld>
             <a:endParaRPr lang="zh-TW" altLang="en-US"/>
           </a:p>
@@ -3889,6 +3890,192 @@
       </p:sp>
       <p:sp>
         <p:nvSpPr>
+          <p:cNvPr id="4" name="Oval 3"/>
+          <p:cNvSpPr/>
+          <p:nvPr/>
+        </p:nvSpPr>
+        <p:spPr>
+          <a:xfrm>
+            <a:off x="4114800" y="2971800"/>
+            <a:ext cx="914400" cy="914400"/>
+          </a:xfrm>
+          <a:prstGeom prst="ellipse">
+            <a:avLst/>
+          </a:prstGeom>
+          <a:noFill/>
+          <a:ln w="50800">
+            <a:solidFill>
+              <a:schemeClr val="tx1"/>
+            </a:solidFill>
+          </a:ln>
+        </p:spPr>
+        <p:style>
+          <a:lnRef idx="2">
+            <a:schemeClr val="accent1">
+              <a:shade val="50000"/>
+            </a:schemeClr>
+          </a:lnRef>
+          <a:fillRef idx="1">
+            <a:schemeClr val="accent1"/>
+          </a:fillRef>
+          <a:effectRef idx="0">
+            <a:schemeClr val="accent1"/>
+          </a:effectRef>
+          <a:fontRef idx="minor">
+            <a:schemeClr val="lt1"/>
+          </a:fontRef>
+        </p:style>
+        <p:txBody>
+          <a:bodyPr lIns="0" tIns="0" rIns="0" bIns="0" rtlCol="0" anchor="ctr"/>
+          <a:lstStyle/>
+          <a:p>
+            <a:pPr algn="ctr"/>
+            <a:endParaRPr lang="en-US" sz="7200" b="1" dirty="0">
+              <a:solidFill>
+                <a:sysClr val="windowText" lastClr="000000"/>
+              </a:solidFill>
+            </a:endParaRPr>
+          </a:p>
+        </p:txBody>
+      </p:sp>
+      <p:pic>
+        <p:nvPicPr>
+          <p:cNvPr id="1027" name="Picture 3"/>
+          <p:cNvPicPr>
+            <a:picLocks noChangeAspect="1" noChangeArrowheads="1"/>
+          </p:cNvPicPr>
+          <p:nvPr/>
+        </p:nvPicPr>
+        <p:blipFill rotWithShape="1">
+          <a:blip r:embed="rId2">
+            <a:extLst>
+              <a:ext uri="{28A0092B-C50C-407E-A947-70E740481C1C}">
+                <a14:useLocalDpi xmlns:a14="http://schemas.microsoft.com/office/drawing/2010/main" val="0"/>
+              </a:ext>
+            </a:extLst>
+          </a:blip>
+          <a:srcRect l="25275" t="25275" r="25275" b="38534"/>
+          <a:stretch/>
+        </p:blipFill>
+        <p:spPr bwMode="auto">
+          <a:xfrm>
+            <a:off x="4243474" y="3080261"/>
+            <a:ext cx="657052" cy="697479"/>
+          </a:xfrm>
+          <a:prstGeom prst="rect">
+            <a:avLst/>
+          </a:prstGeom>
+          <a:noFill/>
+          <a:ln>
+            <a:noFill/>
+          </a:ln>
+          <a:effectLst/>
+          <a:extLst>
+            <a:ext uri="{909E8E84-426E-40DD-AFC4-6F175D3DCCD1}">
+              <a14:hiddenFill xmlns:a14="http://schemas.microsoft.com/office/drawing/2010/main">
+                <a:solidFill>
+                  <a:schemeClr val="accent1"/>
+                </a:solidFill>
+              </a14:hiddenFill>
+            </a:ext>
+            <a:ext uri="{91240B29-F687-4F45-9708-019B960494DF}">
+              <a14:hiddenLine xmlns:a14="http://schemas.microsoft.com/office/drawing/2010/main" w="9525">
+                <a:solidFill>
+                  <a:schemeClr val="tx1"/>
+                </a:solidFill>
+                <a:miter lim="800000"/>
+                <a:headEnd/>
+                <a:tailEnd/>
+              </a14:hiddenLine>
+            </a:ext>
+            <a:ext uri="{AF507438-7753-43E0-B8FC-AC1667EBCBE1}">
+              <a14:hiddenEffects xmlns:a14="http://schemas.microsoft.com/office/drawing/2010/main">
+                <a:effectLst>
+                  <a:outerShdw dist="35921" dir="2700000" algn="ctr" rotWithShape="0">
+                    <a:schemeClr val="bg2"/>
+                  </a:outerShdw>
+                </a:effectLst>
+              </a14:hiddenEffects>
+            </a:ext>
+          </a:extLst>
+        </p:spPr>
+      </p:pic>
+    </p:spTree>
+    <p:extLst>
+      <p:ext uri="{BB962C8B-B14F-4D97-AF65-F5344CB8AC3E}">
+        <p14:creationId xmlns:p14="http://schemas.microsoft.com/office/powerpoint/2010/main" val="1979638787"/>
+      </p:ext>
+    </p:extLst>
+  </p:cSld>
+  <p:clrMapOvr>
+    <a:masterClrMapping/>
+  </p:clrMapOvr>
+</p:sld>
+</file>
+
+<file path=ppt/slides/slide11.xml><?xml version="1.0" encoding="utf-8"?>
+<p:sld xmlns:a="http://schemas.openxmlformats.org/drawingml/2006/main" xmlns:r="http://schemas.openxmlformats.org/officeDocument/2006/relationships" xmlns:p="http://schemas.openxmlformats.org/presentationml/2006/main">
+  <p:cSld>
+    <p:spTree>
+      <p:nvGrpSpPr>
+        <p:cNvPr id="1" name=""/>
+        <p:cNvGrpSpPr/>
+        <p:nvPr/>
+      </p:nvGrpSpPr>
+      <p:grpSpPr>
+        <a:xfrm>
+          <a:off x="0" y="0"/>
+          <a:ext cx="0" cy="0"/>
+          <a:chOff x="0" y="0"/>
+          <a:chExt cx="0" cy="0"/>
+        </a:xfrm>
+      </p:grpSpPr>
+      <p:sp>
+        <p:nvSpPr>
+          <p:cNvPr id="3" name="Rectangle 2"/>
+          <p:cNvSpPr/>
+          <p:nvPr/>
+        </p:nvSpPr>
+        <p:spPr>
+          <a:xfrm>
+            <a:off x="4032000" y="2889000"/>
+            <a:ext cx="1080000" cy="1080000"/>
+          </a:xfrm>
+          <a:prstGeom prst="rect">
+            <a:avLst/>
+          </a:prstGeom>
+          <a:noFill/>
+          <a:ln w="6350">
+            <a:noFill/>
+          </a:ln>
+        </p:spPr>
+        <p:style>
+          <a:lnRef idx="2">
+            <a:schemeClr val="accent1">
+              <a:shade val="50000"/>
+            </a:schemeClr>
+          </a:lnRef>
+          <a:fillRef idx="1">
+            <a:schemeClr val="accent1"/>
+          </a:fillRef>
+          <a:effectRef idx="0">
+            <a:schemeClr val="accent1"/>
+          </a:effectRef>
+          <a:fontRef idx="minor">
+            <a:schemeClr val="lt1"/>
+          </a:fontRef>
+        </p:style>
+        <p:txBody>
+          <a:bodyPr rtlCol="0" anchor="ctr"/>
+          <a:lstStyle/>
+          <a:p>
+            <a:pPr algn="ctr"/>
+            <a:endParaRPr lang="zh-TW" altLang="en-US"/>
+          </a:p>
+        </p:txBody>
+      </p:sp>
+      <p:sp>
+        <p:nvSpPr>
           <p:cNvPr id="2" name="TextBox 1"/>
           <p:cNvSpPr txBox="1"/>
           <p:nvPr/>
@@ -4000,7 +4187,7 @@
 </p:sld>
 </file>
 
-<file path=ppt/slides/slide11.xml><?xml version="1.0" encoding="utf-8"?>
+<file path=ppt/slides/slide12.xml><?xml version="1.0" encoding="utf-8"?>
 <p:sld xmlns:a="http://schemas.openxmlformats.org/drawingml/2006/main" xmlns:r="http://schemas.openxmlformats.org/officeDocument/2006/relationships" xmlns:p="http://schemas.openxmlformats.org/presentationml/2006/main">
   <p:cSld>
     <p:spTree>
@@ -4264,7 +4451,7 @@
 </p:sld>
 </file>
 
-<file path=ppt/slides/slide12.xml><?xml version="1.0" encoding="utf-8"?>
+<file path=ppt/slides/slide13.xml><?xml version="1.0" encoding="utf-8"?>
 <p:sld xmlns:a="http://schemas.openxmlformats.org/drawingml/2006/main" xmlns:r="http://schemas.openxmlformats.org/officeDocument/2006/relationships" xmlns:p="http://schemas.openxmlformats.org/presentationml/2006/main">
   <p:cSld>
     <p:spTree>
@@ -4362,7 +4549,7 @@
 </p:sld>
 </file>
 
-<file path=ppt/slides/slide13.xml><?xml version="1.0" encoding="utf-8"?>
+<file path=ppt/slides/slide14.xml><?xml version="1.0" encoding="utf-8"?>
 <p:sld xmlns:a="http://schemas.openxmlformats.org/drawingml/2006/main" xmlns:r="http://schemas.openxmlformats.org/officeDocument/2006/relationships" xmlns:p="http://schemas.openxmlformats.org/presentationml/2006/main">
   <p:cSld>
     <p:spTree>
@@ -4845,7 +5032,7 @@
 </p:sld>
 </file>
 
-<file path=ppt/slides/slide14.xml><?xml version="1.0" encoding="utf-8"?>
+<file path=ppt/slides/slide15.xml><?xml version="1.0" encoding="utf-8"?>
 <p:sld xmlns:a="http://schemas.openxmlformats.org/drawingml/2006/main" xmlns:r="http://schemas.openxmlformats.org/officeDocument/2006/relationships" xmlns:p="http://schemas.openxmlformats.org/presentationml/2006/main">
   <p:cSld>
     <p:spTree>
@@ -4882,7 +5069,7 @@
 </p:sld>
 </file>
 
-<file path=ppt/slides/slide15.xml><?xml version="1.0" encoding="utf-8"?>
+<file path=ppt/slides/slide16.xml><?xml version="1.0" encoding="utf-8"?>
 <p:sld xmlns:a="http://schemas.openxmlformats.org/drawingml/2006/main" xmlns:r="http://schemas.openxmlformats.org/officeDocument/2006/relationships" xmlns:p="http://schemas.openxmlformats.org/presentationml/2006/main">
   <p:cSld>
     <p:spTree>
@@ -4919,7 +5106,7 @@
 </p:sld>
 </file>
 
-<file path=ppt/slides/slide16.xml><?xml version="1.0" encoding="utf-8"?>
+<file path=ppt/slides/slide17.xml><?xml version="1.0" encoding="utf-8"?>
 <p:sld xmlns:a="http://schemas.openxmlformats.org/drawingml/2006/main" xmlns:r="http://schemas.openxmlformats.org/officeDocument/2006/relationships" xmlns:p="http://schemas.openxmlformats.org/presentationml/2006/main">
   <p:cSld>
     <p:spTree>
@@ -5050,7 +5237,7 @@
 </p:sld>
 </file>
 
-<file path=ppt/slides/slide17.xml><?xml version="1.0" encoding="utf-8"?>
+<file path=ppt/slides/slide18.xml><?xml version="1.0" encoding="utf-8"?>
 <p:sld xmlns:a="http://schemas.openxmlformats.org/drawingml/2006/main" xmlns:r="http://schemas.openxmlformats.org/officeDocument/2006/relationships" xmlns:p="http://schemas.openxmlformats.org/presentationml/2006/main">
   <p:cSld>
     <p:spTree>
@@ -5121,7 +5308,7 @@
 </p:sld>
 </file>
 
-<file path=ppt/slides/slide18.xml><?xml version="1.0" encoding="utf-8"?>
+<file path=ppt/slides/slide19.xml><?xml version="1.0" encoding="utf-8"?>
 <p:sld xmlns:a="http://schemas.openxmlformats.org/drawingml/2006/main" xmlns:r="http://schemas.openxmlformats.org/officeDocument/2006/relationships" xmlns:p="http://schemas.openxmlformats.org/presentationml/2006/main">
   <p:cSld>
     <p:spTree>
@@ -5305,351 +5492,6 @@
 </p:sld>
 </file>
 
-<file path=ppt/slides/slide19.xml><?xml version="1.0" encoding="utf-8"?>
-<p:sld xmlns:a="http://schemas.openxmlformats.org/drawingml/2006/main" xmlns:r="http://schemas.openxmlformats.org/officeDocument/2006/relationships" xmlns:p="http://schemas.openxmlformats.org/presentationml/2006/main">
-  <p:cSld>
-    <p:spTree>
-      <p:nvGrpSpPr>
-        <p:cNvPr id="1" name=""/>
-        <p:cNvGrpSpPr/>
-        <p:nvPr/>
-      </p:nvGrpSpPr>
-      <p:grpSpPr>
-        <a:xfrm>
-          <a:off x="0" y="0"/>
-          <a:ext cx="0" cy="0"/>
-          <a:chOff x="0" y="0"/>
-          <a:chExt cx="0" cy="0"/>
-        </a:xfrm>
-      </p:grpSpPr>
-      <p:cxnSp>
-        <p:nvCxnSpPr>
-          <p:cNvPr id="27" name="Straight Connector 26"/>
-          <p:cNvCxnSpPr/>
-          <p:nvPr/>
-        </p:nvCxnSpPr>
-        <p:spPr>
-          <a:xfrm flipV="1">
-            <a:off x="4264924" y="2996952"/>
-            <a:ext cx="0" cy="766564"/>
-          </a:xfrm>
-          <a:prstGeom prst="line">
-            <a:avLst/>
-          </a:prstGeom>
-          <a:ln w="76200" cap="rnd">
-            <a:solidFill>
-              <a:srgbClr val="FFC8C8"/>
-            </a:solidFill>
-            <a:headEnd type="none" w="med" len="med"/>
-            <a:tailEnd type="none" w="med" len="med"/>
-          </a:ln>
-        </p:spPr>
-        <p:style>
-          <a:lnRef idx="1">
-            <a:schemeClr val="accent1"/>
-          </a:lnRef>
-          <a:fillRef idx="0">
-            <a:schemeClr val="accent1"/>
-          </a:fillRef>
-          <a:effectRef idx="0">
-            <a:schemeClr val="accent1"/>
-          </a:effectRef>
-          <a:fontRef idx="minor">
-            <a:schemeClr val="tx1"/>
-          </a:fontRef>
-        </p:style>
-      </p:cxnSp>
-      <p:cxnSp>
-        <p:nvCxnSpPr>
-          <p:cNvPr id="26" name="Straight Connector 25"/>
-          <p:cNvCxnSpPr/>
-          <p:nvPr/>
-        </p:nvCxnSpPr>
-        <p:spPr>
-          <a:xfrm flipV="1">
-            <a:off x="4580462" y="2996952"/>
-            <a:ext cx="0" cy="766564"/>
-          </a:xfrm>
-          <a:prstGeom prst="line">
-            <a:avLst/>
-          </a:prstGeom>
-          <a:ln w="76200" cap="rnd">
-            <a:solidFill>
-              <a:srgbClr val="FF6464"/>
-            </a:solidFill>
-            <a:headEnd type="none" w="med" len="med"/>
-            <a:tailEnd type="none" w="med" len="med"/>
-          </a:ln>
-        </p:spPr>
-        <p:style>
-          <a:lnRef idx="1">
-            <a:schemeClr val="accent1"/>
-          </a:lnRef>
-          <a:fillRef idx="0">
-            <a:schemeClr val="accent1"/>
-          </a:fillRef>
-          <a:effectRef idx="0">
-            <a:schemeClr val="accent1"/>
-          </a:effectRef>
-          <a:fontRef idx="minor">
-            <a:schemeClr val="tx1"/>
-          </a:fontRef>
-        </p:style>
-      </p:cxnSp>
-      <p:sp>
-        <p:nvSpPr>
-          <p:cNvPr id="14" name="Oval 13"/>
-          <p:cNvSpPr/>
-          <p:nvPr/>
-        </p:nvSpPr>
-        <p:spPr>
-          <a:xfrm>
-            <a:off x="4192924" y="3717048"/>
-            <a:ext cx="144000" cy="144000"/>
-          </a:xfrm>
-          <a:prstGeom prst="ellipse">
-            <a:avLst/>
-          </a:prstGeom>
-          <a:solidFill>
-            <a:srgbClr val="FFC8C8"/>
-          </a:solidFill>
-          <a:ln>
-            <a:noFill/>
-          </a:ln>
-          <a:effectLst>
-            <a:glow rad="101600">
-              <a:srgbClr val="FFC8C8"/>
-            </a:glow>
-          </a:effectLst>
-        </p:spPr>
-        <p:style>
-          <a:lnRef idx="2">
-            <a:schemeClr val="accent1">
-              <a:shade val="50000"/>
-            </a:schemeClr>
-          </a:lnRef>
-          <a:fillRef idx="1">
-            <a:schemeClr val="accent1"/>
-          </a:fillRef>
-          <a:effectRef idx="0">
-            <a:schemeClr val="accent1"/>
-          </a:effectRef>
-          <a:fontRef idx="minor">
-            <a:schemeClr val="lt1"/>
-          </a:fontRef>
-        </p:style>
-        <p:txBody>
-          <a:bodyPr rtlCol="0" anchor="ctr"/>
-          <a:lstStyle/>
-          <a:p>
-            <a:pPr algn="ctr"/>
-            <a:endParaRPr lang="en-US"/>
-          </a:p>
-        </p:txBody>
-      </p:sp>
-      <p:sp>
-        <p:nvSpPr>
-          <p:cNvPr id="13" name="Oval 12"/>
-          <p:cNvSpPr/>
-          <p:nvPr/>
-        </p:nvSpPr>
-        <p:spPr>
-          <a:xfrm>
-            <a:off x="4508462" y="3717048"/>
-            <a:ext cx="144000" cy="144000"/>
-          </a:xfrm>
-          <a:prstGeom prst="ellipse">
-            <a:avLst/>
-          </a:prstGeom>
-          <a:solidFill>
-            <a:srgbClr val="FF6464"/>
-          </a:solidFill>
-          <a:ln>
-            <a:noFill/>
-          </a:ln>
-          <a:effectLst>
-            <a:glow rad="101600">
-              <a:srgbClr val="FF6464"/>
-            </a:glow>
-          </a:effectLst>
-        </p:spPr>
-        <p:style>
-          <a:lnRef idx="2">
-            <a:schemeClr val="accent1">
-              <a:shade val="50000"/>
-            </a:schemeClr>
-          </a:lnRef>
-          <a:fillRef idx="1">
-            <a:schemeClr val="accent1"/>
-          </a:fillRef>
-          <a:effectRef idx="0">
-            <a:schemeClr val="accent1"/>
-          </a:effectRef>
-          <a:fontRef idx="minor">
-            <a:schemeClr val="lt1"/>
-          </a:fontRef>
-        </p:style>
-        <p:txBody>
-          <a:bodyPr rtlCol="0" anchor="ctr"/>
-          <a:lstStyle/>
-          <a:p>
-            <a:pPr algn="ctr"/>
-            <a:endParaRPr lang="en-US"/>
-          </a:p>
-        </p:txBody>
-      </p:sp>
-      <p:cxnSp>
-        <p:nvCxnSpPr>
-          <p:cNvPr id="9" name="Straight Connector 8"/>
-          <p:cNvCxnSpPr/>
-          <p:nvPr/>
-        </p:nvCxnSpPr>
-        <p:spPr>
-          <a:xfrm flipV="1">
-            <a:off x="4896000" y="2996952"/>
-            <a:ext cx="0" cy="766564"/>
-          </a:xfrm>
-          <a:prstGeom prst="line">
-            <a:avLst/>
-          </a:prstGeom>
-          <a:ln w="76200" cap="rnd">
-            <a:solidFill>
-              <a:srgbClr val="FF0000"/>
-            </a:solidFill>
-            <a:headEnd type="none" w="med" len="med"/>
-            <a:tailEnd type="none" w="med" len="med"/>
-          </a:ln>
-        </p:spPr>
-        <p:style>
-          <a:lnRef idx="1">
-            <a:schemeClr val="accent1"/>
-          </a:lnRef>
-          <a:fillRef idx="0">
-            <a:schemeClr val="accent1"/>
-          </a:fillRef>
-          <a:effectRef idx="0">
-            <a:schemeClr val="accent1"/>
-          </a:effectRef>
-          <a:fontRef idx="minor">
-            <a:schemeClr val="tx1"/>
-          </a:fontRef>
-        </p:style>
-      </p:cxnSp>
-      <p:sp>
-        <p:nvSpPr>
-          <p:cNvPr id="10" name="Oval 9"/>
-          <p:cNvSpPr/>
-          <p:nvPr/>
-        </p:nvSpPr>
-        <p:spPr>
-          <a:xfrm>
-            <a:off x="4824000" y="3717048"/>
-            <a:ext cx="144000" cy="144000"/>
-          </a:xfrm>
-          <a:prstGeom prst="ellipse">
-            <a:avLst/>
-          </a:prstGeom>
-          <a:solidFill>
-            <a:srgbClr val="FF0000"/>
-          </a:solidFill>
-          <a:ln>
-            <a:noFill/>
-          </a:ln>
-          <a:effectLst>
-            <a:glow rad="101600">
-              <a:srgbClr val="FF0000"/>
-            </a:glow>
-          </a:effectLst>
-        </p:spPr>
-        <p:style>
-          <a:lnRef idx="2">
-            <a:schemeClr val="accent1">
-              <a:shade val="50000"/>
-            </a:schemeClr>
-          </a:lnRef>
-          <a:fillRef idx="1">
-            <a:schemeClr val="accent1"/>
-          </a:fillRef>
-          <a:effectRef idx="0">
-            <a:schemeClr val="accent1"/>
-          </a:effectRef>
-          <a:fontRef idx="minor">
-            <a:schemeClr val="lt1"/>
-          </a:fontRef>
-        </p:style>
-        <p:txBody>
-          <a:bodyPr rtlCol="0" anchor="ctr"/>
-          <a:lstStyle/>
-          <a:p>
-            <a:pPr algn="ctr"/>
-            <a:endParaRPr lang="en-US"/>
-          </a:p>
-        </p:txBody>
-      </p:sp>
-      <p:sp>
-        <p:nvSpPr>
-          <p:cNvPr id="15" name="Rectangle 14"/>
-          <p:cNvSpPr/>
-          <p:nvPr/>
-        </p:nvSpPr>
-        <p:spPr>
-          <a:xfrm>
-            <a:off x="4032000" y="2889000"/>
-            <a:ext cx="1080000" cy="1080000"/>
-          </a:xfrm>
-          <a:prstGeom prst="rect">
-            <a:avLst/>
-          </a:prstGeom>
-          <a:noFill/>
-          <a:ln>
-            <a:noFill/>
-          </a:ln>
-        </p:spPr>
-        <p:style>
-          <a:lnRef idx="2">
-            <a:schemeClr val="accent1">
-              <a:shade val="50000"/>
-            </a:schemeClr>
-          </a:lnRef>
-          <a:fillRef idx="1">
-            <a:schemeClr val="accent1"/>
-          </a:fillRef>
-          <a:effectRef idx="0">
-            <a:schemeClr val="accent1"/>
-          </a:effectRef>
-          <a:fontRef idx="minor">
-            <a:schemeClr val="lt1"/>
-          </a:fontRef>
-        </p:style>
-        <p:txBody>
-          <a:bodyPr rtlCol="0" anchor="ctr"/>
-          <a:lstStyle/>
-          <a:p>
-            <a:pPr algn="ctr"/>
-            <a:endParaRPr lang="zh-TW" altLang="en-US"/>
-          </a:p>
-        </p:txBody>
-      </p:sp>
-    </p:spTree>
-    <p:extLst>
-      <p:ext uri="{BB962C8B-B14F-4D97-AF65-F5344CB8AC3E}">
-        <p14:creationId xmlns:p14="http://schemas.microsoft.com/office/powerpoint/2010/main" val="1043022868"/>
-      </p:ext>
-    </p:extLst>
-  </p:cSld>
-  <p:clrMapOvr>
-    <a:masterClrMapping/>
-  </p:clrMapOvr>
-  <p:timing>
-    <p:tnLst>
-      <p:par>
-        <p:cTn id="1" dur="indefinite" restart="never" nodeType="tmRoot"/>
-      </p:par>
-    </p:tnLst>
-  </p:timing>
-</p:sld>
-</file>
-
 <file path=ppt/slides/slide2.xml><?xml version="1.0" encoding="utf-8"?>
 <p:sld xmlns:a="http://schemas.openxmlformats.org/drawingml/2006/main" xmlns:r="http://schemas.openxmlformats.org/officeDocument/2006/relationships" xmlns:p="http://schemas.openxmlformats.org/presentationml/2006/main">
   <p:cSld>
@@ -5771,6 +5613,351 @@
 </file>
 
 <file path=ppt/slides/slide20.xml><?xml version="1.0" encoding="utf-8"?>
+<p:sld xmlns:a="http://schemas.openxmlformats.org/drawingml/2006/main" xmlns:r="http://schemas.openxmlformats.org/officeDocument/2006/relationships" xmlns:p="http://schemas.openxmlformats.org/presentationml/2006/main">
+  <p:cSld>
+    <p:spTree>
+      <p:nvGrpSpPr>
+        <p:cNvPr id="1" name=""/>
+        <p:cNvGrpSpPr/>
+        <p:nvPr/>
+      </p:nvGrpSpPr>
+      <p:grpSpPr>
+        <a:xfrm>
+          <a:off x="0" y="0"/>
+          <a:ext cx="0" cy="0"/>
+          <a:chOff x="0" y="0"/>
+          <a:chExt cx="0" cy="0"/>
+        </a:xfrm>
+      </p:grpSpPr>
+      <p:cxnSp>
+        <p:nvCxnSpPr>
+          <p:cNvPr id="27" name="Straight Connector 26"/>
+          <p:cNvCxnSpPr/>
+          <p:nvPr/>
+        </p:nvCxnSpPr>
+        <p:spPr>
+          <a:xfrm flipV="1">
+            <a:off x="4264924" y="2996952"/>
+            <a:ext cx="0" cy="766564"/>
+          </a:xfrm>
+          <a:prstGeom prst="line">
+            <a:avLst/>
+          </a:prstGeom>
+          <a:ln w="76200" cap="rnd">
+            <a:solidFill>
+              <a:srgbClr val="FFC8C8"/>
+            </a:solidFill>
+            <a:headEnd type="none" w="med" len="med"/>
+            <a:tailEnd type="none" w="med" len="med"/>
+          </a:ln>
+        </p:spPr>
+        <p:style>
+          <a:lnRef idx="1">
+            <a:schemeClr val="accent1"/>
+          </a:lnRef>
+          <a:fillRef idx="0">
+            <a:schemeClr val="accent1"/>
+          </a:fillRef>
+          <a:effectRef idx="0">
+            <a:schemeClr val="accent1"/>
+          </a:effectRef>
+          <a:fontRef idx="minor">
+            <a:schemeClr val="tx1"/>
+          </a:fontRef>
+        </p:style>
+      </p:cxnSp>
+      <p:cxnSp>
+        <p:nvCxnSpPr>
+          <p:cNvPr id="26" name="Straight Connector 25"/>
+          <p:cNvCxnSpPr/>
+          <p:nvPr/>
+        </p:nvCxnSpPr>
+        <p:spPr>
+          <a:xfrm flipV="1">
+            <a:off x="4580462" y="2996952"/>
+            <a:ext cx="0" cy="766564"/>
+          </a:xfrm>
+          <a:prstGeom prst="line">
+            <a:avLst/>
+          </a:prstGeom>
+          <a:ln w="76200" cap="rnd">
+            <a:solidFill>
+              <a:srgbClr val="FF6464"/>
+            </a:solidFill>
+            <a:headEnd type="none" w="med" len="med"/>
+            <a:tailEnd type="none" w="med" len="med"/>
+          </a:ln>
+        </p:spPr>
+        <p:style>
+          <a:lnRef idx="1">
+            <a:schemeClr val="accent1"/>
+          </a:lnRef>
+          <a:fillRef idx="0">
+            <a:schemeClr val="accent1"/>
+          </a:fillRef>
+          <a:effectRef idx="0">
+            <a:schemeClr val="accent1"/>
+          </a:effectRef>
+          <a:fontRef idx="minor">
+            <a:schemeClr val="tx1"/>
+          </a:fontRef>
+        </p:style>
+      </p:cxnSp>
+      <p:sp>
+        <p:nvSpPr>
+          <p:cNvPr id="14" name="Oval 13"/>
+          <p:cNvSpPr/>
+          <p:nvPr/>
+        </p:nvSpPr>
+        <p:spPr>
+          <a:xfrm>
+            <a:off x="4192924" y="3717048"/>
+            <a:ext cx="144000" cy="144000"/>
+          </a:xfrm>
+          <a:prstGeom prst="ellipse">
+            <a:avLst/>
+          </a:prstGeom>
+          <a:solidFill>
+            <a:srgbClr val="FFC8C8"/>
+          </a:solidFill>
+          <a:ln>
+            <a:noFill/>
+          </a:ln>
+          <a:effectLst>
+            <a:glow rad="101600">
+              <a:srgbClr val="FFC8C8"/>
+            </a:glow>
+          </a:effectLst>
+        </p:spPr>
+        <p:style>
+          <a:lnRef idx="2">
+            <a:schemeClr val="accent1">
+              <a:shade val="50000"/>
+            </a:schemeClr>
+          </a:lnRef>
+          <a:fillRef idx="1">
+            <a:schemeClr val="accent1"/>
+          </a:fillRef>
+          <a:effectRef idx="0">
+            <a:schemeClr val="accent1"/>
+          </a:effectRef>
+          <a:fontRef idx="minor">
+            <a:schemeClr val="lt1"/>
+          </a:fontRef>
+        </p:style>
+        <p:txBody>
+          <a:bodyPr rtlCol="0" anchor="ctr"/>
+          <a:lstStyle/>
+          <a:p>
+            <a:pPr algn="ctr"/>
+            <a:endParaRPr lang="en-US"/>
+          </a:p>
+        </p:txBody>
+      </p:sp>
+      <p:sp>
+        <p:nvSpPr>
+          <p:cNvPr id="13" name="Oval 12"/>
+          <p:cNvSpPr/>
+          <p:nvPr/>
+        </p:nvSpPr>
+        <p:spPr>
+          <a:xfrm>
+            <a:off x="4508462" y="3717048"/>
+            <a:ext cx="144000" cy="144000"/>
+          </a:xfrm>
+          <a:prstGeom prst="ellipse">
+            <a:avLst/>
+          </a:prstGeom>
+          <a:solidFill>
+            <a:srgbClr val="FF6464"/>
+          </a:solidFill>
+          <a:ln>
+            <a:noFill/>
+          </a:ln>
+          <a:effectLst>
+            <a:glow rad="101600">
+              <a:srgbClr val="FF6464"/>
+            </a:glow>
+          </a:effectLst>
+        </p:spPr>
+        <p:style>
+          <a:lnRef idx="2">
+            <a:schemeClr val="accent1">
+              <a:shade val="50000"/>
+            </a:schemeClr>
+          </a:lnRef>
+          <a:fillRef idx="1">
+            <a:schemeClr val="accent1"/>
+          </a:fillRef>
+          <a:effectRef idx="0">
+            <a:schemeClr val="accent1"/>
+          </a:effectRef>
+          <a:fontRef idx="minor">
+            <a:schemeClr val="lt1"/>
+          </a:fontRef>
+        </p:style>
+        <p:txBody>
+          <a:bodyPr rtlCol="0" anchor="ctr"/>
+          <a:lstStyle/>
+          <a:p>
+            <a:pPr algn="ctr"/>
+            <a:endParaRPr lang="en-US"/>
+          </a:p>
+        </p:txBody>
+      </p:sp>
+      <p:cxnSp>
+        <p:nvCxnSpPr>
+          <p:cNvPr id="9" name="Straight Connector 8"/>
+          <p:cNvCxnSpPr/>
+          <p:nvPr/>
+        </p:nvCxnSpPr>
+        <p:spPr>
+          <a:xfrm flipV="1">
+            <a:off x="4896000" y="2996952"/>
+            <a:ext cx="0" cy="766564"/>
+          </a:xfrm>
+          <a:prstGeom prst="line">
+            <a:avLst/>
+          </a:prstGeom>
+          <a:ln w="76200" cap="rnd">
+            <a:solidFill>
+              <a:srgbClr val="FF0000"/>
+            </a:solidFill>
+            <a:headEnd type="none" w="med" len="med"/>
+            <a:tailEnd type="none" w="med" len="med"/>
+          </a:ln>
+        </p:spPr>
+        <p:style>
+          <a:lnRef idx="1">
+            <a:schemeClr val="accent1"/>
+          </a:lnRef>
+          <a:fillRef idx="0">
+            <a:schemeClr val="accent1"/>
+          </a:fillRef>
+          <a:effectRef idx="0">
+            <a:schemeClr val="accent1"/>
+          </a:effectRef>
+          <a:fontRef idx="minor">
+            <a:schemeClr val="tx1"/>
+          </a:fontRef>
+        </p:style>
+      </p:cxnSp>
+      <p:sp>
+        <p:nvSpPr>
+          <p:cNvPr id="10" name="Oval 9"/>
+          <p:cNvSpPr/>
+          <p:nvPr/>
+        </p:nvSpPr>
+        <p:spPr>
+          <a:xfrm>
+            <a:off x="4824000" y="3717048"/>
+            <a:ext cx="144000" cy="144000"/>
+          </a:xfrm>
+          <a:prstGeom prst="ellipse">
+            <a:avLst/>
+          </a:prstGeom>
+          <a:solidFill>
+            <a:srgbClr val="FF0000"/>
+          </a:solidFill>
+          <a:ln>
+            <a:noFill/>
+          </a:ln>
+          <a:effectLst>
+            <a:glow rad="101600">
+              <a:srgbClr val="FF0000"/>
+            </a:glow>
+          </a:effectLst>
+        </p:spPr>
+        <p:style>
+          <a:lnRef idx="2">
+            <a:schemeClr val="accent1">
+              <a:shade val="50000"/>
+            </a:schemeClr>
+          </a:lnRef>
+          <a:fillRef idx="1">
+            <a:schemeClr val="accent1"/>
+          </a:fillRef>
+          <a:effectRef idx="0">
+            <a:schemeClr val="accent1"/>
+          </a:effectRef>
+          <a:fontRef idx="minor">
+            <a:schemeClr val="lt1"/>
+          </a:fontRef>
+        </p:style>
+        <p:txBody>
+          <a:bodyPr rtlCol="0" anchor="ctr"/>
+          <a:lstStyle/>
+          <a:p>
+            <a:pPr algn="ctr"/>
+            <a:endParaRPr lang="en-US"/>
+          </a:p>
+        </p:txBody>
+      </p:sp>
+      <p:sp>
+        <p:nvSpPr>
+          <p:cNvPr id="15" name="Rectangle 14"/>
+          <p:cNvSpPr/>
+          <p:nvPr/>
+        </p:nvSpPr>
+        <p:spPr>
+          <a:xfrm>
+            <a:off x="4032000" y="2889000"/>
+            <a:ext cx="1080000" cy="1080000"/>
+          </a:xfrm>
+          <a:prstGeom prst="rect">
+            <a:avLst/>
+          </a:prstGeom>
+          <a:noFill/>
+          <a:ln>
+            <a:noFill/>
+          </a:ln>
+        </p:spPr>
+        <p:style>
+          <a:lnRef idx="2">
+            <a:schemeClr val="accent1">
+              <a:shade val="50000"/>
+            </a:schemeClr>
+          </a:lnRef>
+          <a:fillRef idx="1">
+            <a:schemeClr val="accent1"/>
+          </a:fillRef>
+          <a:effectRef idx="0">
+            <a:schemeClr val="accent1"/>
+          </a:effectRef>
+          <a:fontRef idx="minor">
+            <a:schemeClr val="lt1"/>
+          </a:fontRef>
+        </p:style>
+        <p:txBody>
+          <a:bodyPr rtlCol="0" anchor="ctr"/>
+          <a:lstStyle/>
+          <a:p>
+            <a:pPr algn="ctr"/>
+            <a:endParaRPr lang="zh-TW" altLang="en-US"/>
+          </a:p>
+        </p:txBody>
+      </p:sp>
+    </p:spTree>
+    <p:extLst>
+      <p:ext uri="{BB962C8B-B14F-4D97-AF65-F5344CB8AC3E}">
+        <p14:creationId xmlns:p14="http://schemas.microsoft.com/office/powerpoint/2010/main" val="1043022868"/>
+      </p:ext>
+    </p:extLst>
+  </p:cSld>
+  <p:clrMapOvr>
+    <a:masterClrMapping/>
+  </p:clrMapOvr>
+  <p:timing>
+    <p:tnLst>
+      <p:par>
+        <p:cTn id="1" dur="indefinite" restart="never" nodeType="tmRoot"/>
+      </p:par>
+    </p:tnLst>
+  </p:timing>
+</p:sld>
+</file>
+
+<file path=ppt/slides/slide21.xml><?xml version="1.0" encoding="utf-8"?>
 <p:sld xmlns:a="http://schemas.openxmlformats.org/drawingml/2006/main" xmlns:r="http://schemas.openxmlformats.org/officeDocument/2006/relationships" xmlns:p="http://schemas.openxmlformats.org/presentationml/2006/main">
   <p:cSld>
     <p:spTree>
@@ -6245,7 +6432,7 @@
 </p:sld>
 </file>
 
-<file path=ppt/slides/slide21.xml><?xml version="1.0" encoding="utf-8"?>
+<file path=ppt/slides/slide22.xml><?xml version="1.0" encoding="utf-8"?>
 <p:sld xmlns:a="http://schemas.openxmlformats.org/drawingml/2006/main" xmlns:r="http://schemas.openxmlformats.org/officeDocument/2006/relationships" xmlns:p="http://schemas.openxmlformats.org/presentationml/2006/main">
   <p:cSld>
     <p:spTree>
@@ -6421,7 +6608,7 @@
 </p:sld>
 </file>
 
-<file path=ppt/slides/slide22.xml><?xml version="1.0" encoding="utf-8"?>
+<file path=ppt/slides/slide23.xml><?xml version="1.0" encoding="utf-8"?>
 <p:sld xmlns:a="http://schemas.openxmlformats.org/drawingml/2006/main" xmlns:r="http://schemas.openxmlformats.org/officeDocument/2006/relationships" xmlns:p="http://schemas.openxmlformats.org/presentationml/2006/main">
   <p:cSld>
     <p:spTree>
@@ -6497,7 +6684,7 @@
 </p:sld>
 </file>
 
-<file path=ppt/slides/slide23.xml><?xml version="1.0" encoding="utf-8"?>
+<file path=ppt/slides/slide24.xml><?xml version="1.0" encoding="utf-8"?>
 <p:sld xmlns:a="http://schemas.openxmlformats.org/drawingml/2006/main" xmlns:r="http://schemas.openxmlformats.org/officeDocument/2006/relationships" xmlns:p="http://schemas.openxmlformats.org/presentationml/2006/main">
   <p:cSld>
     <p:spTree>
@@ -6723,7 +6910,7 @@
 </p:sld>
 </file>
 
-<file path=ppt/slides/slide24.xml><?xml version="1.0" encoding="utf-8"?>
+<file path=ppt/slides/slide25.xml><?xml version="1.0" encoding="utf-8"?>
 <p:sld xmlns:a="http://schemas.openxmlformats.org/drawingml/2006/main" xmlns:r="http://schemas.openxmlformats.org/officeDocument/2006/relationships" xmlns:p="http://schemas.openxmlformats.org/presentationml/2006/main">
   <p:cSld>
     <p:spTree>
@@ -7071,7 +7258,7 @@
 </p:sld>
 </file>
 
-<file path=ppt/slides/slide25.xml><?xml version="1.0" encoding="utf-8"?>
+<file path=ppt/slides/slide26.xml><?xml version="1.0" encoding="utf-8"?>
 <p:sld xmlns:a="http://schemas.openxmlformats.org/drawingml/2006/main" xmlns:r="http://schemas.openxmlformats.org/officeDocument/2006/relationships" xmlns:p="http://schemas.openxmlformats.org/presentationml/2006/main">
   <p:cSld>
     <p:spTree>
@@ -7389,7 +7576,7 @@
 </p:sld>
 </file>
 
-<file path=ppt/slides/slide26.xml><?xml version="1.0" encoding="utf-8"?>
+<file path=ppt/slides/slide27.xml><?xml version="1.0" encoding="utf-8"?>
 <p:sld xmlns:a="http://schemas.openxmlformats.org/drawingml/2006/main" xmlns:r="http://schemas.openxmlformats.org/officeDocument/2006/relationships" xmlns:p="http://schemas.openxmlformats.org/presentationml/2006/main">
   <p:cSld>
     <p:spTree>
@@ -8229,7 +8416,7 @@
 </p:sld>
 </file>
 
-<file path=ppt/slides/slide27.xml><?xml version="1.0" encoding="utf-8"?>
+<file path=ppt/slides/slide28.xml><?xml version="1.0" encoding="utf-8"?>
 <p:sld xmlns:a="http://schemas.openxmlformats.org/drawingml/2006/main" xmlns:r="http://schemas.openxmlformats.org/officeDocument/2006/relationships" xmlns:p="http://schemas.openxmlformats.org/presentationml/2006/main">
   <p:cSld>
     <p:spTree>
@@ -9908,7 +10095,7 @@
 </p:sld>
 </file>
 
-<file path=ppt/slides/slide28.xml><?xml version="1.0" encoding="utf-8"?>
+<file path=ppt/slides/slide29.xml><?xml version="1.0" encoding="utf-8"?>
 <p:sld xmlns:a="http://schemas.openxmlformats.org/drawingml/2006/main" xmlns:r="http://schemas.openxmlformats.org/officeDocument/2006/relationships" xmlns:p="http://schemas.openxmlformats.org/presentationml/2006/main">
   <p:cSld>
     <p:spTree>
@@ -10151,7 +10338,129 @@
 </p:sld>
 </file>
 
-<file path=ppt/slides/slide29.xml><?xml version="1.0" encoding="utf-8"?>
+<file path=ppt/slides/slide3.xml><?xml version="1.0" encoding="utf-8"?>
+<p:sld xmlns:a="http://schemas.openxmlformats.org/drawingml/2006/main" xmlns:r="http://schemas.openxmlformats.org/officeDocument/2006/relationships" xmlns:p="http://schemas.openxmlformats.org/presentationml/2006/main">
+  <p:cSld>
+    <p:spTree>
+      <p:nvGrpSpPr>
+        <p:cNvPr id="1" name=""/>
+        <p:cNvGrpSpPr/>
+        <p:nvPr/>
+      </p:nvGrpSpPr>
+      <p:grpSpPr>
+        <a:xfrm>
+          <a:off x="0" y="0"/>
+          <a:ext cx="0" cy="0"/>
+          <a:chOff x="0" y="0"/>
+          <a:chExt cx="0" cy="0"/>
+        </a:xfrm>
+      </p:grpSpPr>
+      <p:sp>
+        <p:nvSpPr>
+          <p:cNvPr id="5" name="Rounded Rectangle 4"/>
+          <p:cNvSpPr/>
+          <p:nvPr/>
+        </p:nvSpPr>
+        <p:spPr>
+          <a:xfrm>
+            <a:off x="4281016" y="3140968"/>
+            <a:ext cx="576064" cy="576064"/>
+          </a:xfrm>
+          <a:prstGeom prst="roundRect">
+            <a:avLst>
+              <a:gd name="adj" fmla="val 11111"/>
+            </a:avLst>
+          </a:prstGeom>
+          <a:solidFill>
+            <a:srgbClr val="FF0000"/>
+          </a:solidFill>
+          <a:ln>
+            <a:noFill/>
+          </a:ln>
+        </p:spPr>
+        <p:style>
+          <a:lnRef idx="2">
+            <a:schemeClr val="accent1">
+              <a:shade val="50000"/>
+            </a:schemeClr>
+          </a:lnRef>
+          <a:fillRef idx="1">
+            <a:schemeClr val="accent1"/>
+          </a:fillRef>
+          <a:effectRef idx="0">
+            <a:schemeClr val="accent1"/>
+          </a:effectRef>
+          <a:fontRef idx="minor">
+            <a:schemeClr val="lt1"/>
+          </a:fontRef>
+        </p:style>
+        <p:txBody>
+          <a:bodyPr rtlCol="0" anchor="ctr"/>
+          <a:lstStyle/>
+          <a:p>
+            <a:pPr algn="ctr"/>
+            <a:endParaRPr lang="en-US"/>
+          </a:p>
+        </p:txBody>
+      </p:sp>
+      <p:sp>
+        <p:nvSpPr>
+          <p:cNvPr id="3" name="Rectangle 2"/>
+          <p:cNvSpPr/>
+          <p:nvPr/>
+        </p:nvSpPr>
+        <p:spPr>
+          <a:xfrm>
+            <a:off x="4032000" y="2889000"/>
+            <a:ext cx="1080000" cy="1080000"/>
+          </a:xfrm>
+          <a:prstGeom prst="rect">
+            <a:avLst/>
+          </a:prstGeom>
+          <a:noFill/>
+          <a:ln w="6350">
+            <a:noFill/>
+          </a:ln>
+        </p:spPr>
+        <p:style>
+          <a:lnRef idx="2">
+            <a:schemeClr val="accent1">
+              <a:shade val="50000"/>
+            </a:schemeClr>
+          </a:lnRef>
+          <a:fillRef idx="1">
+            <a:schemeClr val="accent1"/>
+          </a:fillRef>
+          <a:effectRef idx="0">
+            <a:schemeClr val="accent1"/>
+          </a:effectRef>
+          <a:fontRef idx="minor">
+            <a:schemeClr val="lt1"/>
+          </a:fontRef>
+        </p:style>
+        <p:txBody>
+          <a:bodyPr rtlCol="0" anchor="ctr"/>
+          <a:lstStyle/>
+          <a:p>
+            <a:pPr algn="ctr"/>
+            <a:endParaRPr lang="zh-TW" altLang="en-US"/>
+          </a:p>
+        </p:txBody>
+      </p:sp>
+    </p:spTree>
+    <p:extLst>
+      <p:ext uri="{BB962C8B-B14F-4D97-AF65-F5344CB8AC3E}">
+        <p14:creationId xmlns:p14="http://schemas.microsoft.com/office/powerpoint/2010/main" val="2760861898"/>
+      </p:ext>
+    </p:extLst>
+  </p:cSld>
+  <p:clrMapOvr>
+    <a:masterClrMapping/>
+  </p:clrMapOvr>
+</p:sld>
+</file>
+
+<file path=ppt/slides/slide30.xml><?xml version="1.0" encoding="utf-8"?>
 <p:sld xmlns:a="http://schemas.openxmlformats.org/drawingml/2006/main" xmlns:r="http://schemas.openxmlformats.org/officeDocument/2006/relationships" xmlns:p="http://schemas.openxmlformats.org/presentationml/2006/main">
   <p:cSld>
     <p:spTree>
@@ -11017,129 +11326,7 @@
 </p:sld>
 </file>
 
-<file path=ppt/slides/slide3.xml><?xml version="1.0" encoding="utf-8"?>
-<p:sld xmlns:a="http://schemas.openxmlformats.org/drawingml/2006/main" xmlns:r="http://schemas.openxmlformats.org/officeDocument/2006/relationships" xmlns:p="http://schemas.openxmlformats.org/presentationml/2006/main">
-  <p:cSld>
-    <p:spTree>
-      <p:nvGrpSpPr>
-        <p:cNvPr id="1" name=""/>
-        <p:cNvGrpSpPr/>
-        <p:nvPr/>
-      </p:nvGrpSpPr>
-      <p:grpSpPr>
-        <a:xfrm>
-          <a:off x="0" y="0"/>
-          <a:ext cx="0" cy="0"/>
-          <a:chOff x="0" y="0"/>
-          <a:chExt cx="0" cy="0"/>
-        </a:xfrm>
-      </p:grpSpPr>
-      <p:sp>
-        <p:nvSpPr>
-          <p:cNvPr id="5" name="Rounded Rectangle 4"/>
-          <p:cNvSpPr/>
-          <p:nvPr/>
-        </p:nvSpPr>
-        <p:spPr>
-          <a:xfrm>
-            <a:off x="4281016" y="3140968"/>
-            <a:ext cx="576064" cy="576064"/>
-          </a:xfrm>
-          <a:prstGeom prst="roundRect">
-            <a:avLst>
-              <a:gd name="adj" fmla="val 11111"/>
-            </a:avLst>
-          </a:prstGeom>
-          <a:solidFill>
-            <a:srgbClr val="FF0000"/>
-          </a:solidFill>
-          <a:ln>
-            <a:noFill/>
-          </a:ln>
-        </p:spPr>
-        <p:style>
-          <a:lnRef idx="2">
-            <a:schemeClr val="accent1">
-              <a:shade val="50000"/>
-            </a:schemeClr>
-          </a:lnRef>
-          <a:fillRef idx="1">
-            <a:schemeClr val="accent1"/>
-          </a:fillRef>
-          <a:effectRef idx="0">
-            <a:schemeClr val="accent1"/>
-          </a:effectRef>
-          <a:fontRef idx="minor">
-            <a:schemeClr val="lt1"/>
-          </a:fontRef>
-        </p:style>
-        <p:txBody>
-          <a:bodyPr rtlCol="0" anchor="ctr"/>
-          <a:lstStyle/>
-          <a:p>
-            <a:pPr algn="ctr"/>
-            <a:endParaRPr lang="en-US"/>
-          </a:p>
-        </p:txBody>
-      </p:sp>
-      <p:sp>
-        <p:nvSpPr>
-          <p:cNvPr id="3" name="Rectangle 2"/>
-          <p:cNvSpPr/>
-          <p:nvPr/>
-        </p:nvSpPr>
-        <p:spPr>
-          <a:xfrm>
-            <a:off x="4032000" y="2889000"/>
-            <a:ext cx="1080000" cy="1080000"/>
-          </a:xfrm>
-          <a:prstGeom prst="rect">
-            <a:avLst/>
-          </a:prstGeom>
-          <a:noFill/>
-          <a:ln w="6350">
-            <a:noFill/>
-          </a:ln>
-        </p:spPr>
-        <p:style>
-          <a:lnRef idx="2">
-            <a:schemeClr val="accent1">
-              <a:shade val="50000"/>
-            </a:schemeClr>
-          </a:lnRef>
-          <a:fillRef idx="1">
-            <a:schemeClr val="accent1"/>
-          </a:fillRef>
-          <a:effectRef idx="0">
-            <a:schemeClr val="accent1"/>
-          </a:effectRef>
-          <a:fontRef idx="minor">
-            <a:schemeClr val="lt1"/>
-          </a:fontRef>
-        </p:style>
-        <p:txBody>
-          <a:bodyPr rtlCol="0" anchor="ctr"/>
-          <a:lstStyle/>
-          <a:p>
-            <a:pPr algn="ctr"/>
-            <a:endParaRPr lang="zh-TW" altLang="en-US"/>
-          </a:p>
-        </p:txBody>
-      </p:sp>
-    </p:spTree>
-    <p:extLst>
-      <p:ext uri="{BB962C8B-B14F-4D97-AF65-F5344CB8AC3E}">
-        <p14:creationId xmlns:p14="http://schemas.microsoft.com/office/powerpoint/2010/main" val="2760861898"/>
-      </p:ext>
-    </p:extLst>
-  </p:cSld>
-  <p:clrMapOvr>
-    <a:masterClrMapping/>
-  </p:clrMapOvr>
-</p:sld>
-</file>
-
-<file path=ppt/slides/slide30.xml><?xml version="1.0" encoding="utf-8"?>
+<file path=ppt/slides/slide31.xml><?xml version="1.0" encoding="utf-8"?>
 <p:sld xmlns:a="http://schemas.openxmlformats.org/drawingml/2006/main" xmlns:r="http://schemas.openxmlformats.org/officeDocument/2006/relationships" xmlns:p="http://schemas.openxmlformats.org/presentationml/2006/main">
   <p:cSld>
     <p:spTree>
@@ -12067,7 +12254,7 @@
 </p:sld>
 </file>
 
-<file path=ppt/slides/slide31.xml><?xml version="1.0" encoding="utf-8"?>
+<file path=ppt/slides/slide32.xml><?xml version="1.0" encoding="utf-8"?>
 <p:sld xmlns:a="http://schemas.openxmlformats.org/drawingml/2006/main" xmlns:r="http://schemas.openxmlformats.org/officeDocument/2006/relationships" xmlns:p="http://schemas.openxmlformats.org/presentationml/2006/main">
   <p:cSld>
     <p:spTree>
@@ -13001,7 +13188,7 @@
 </p:sld>
 </file>
 
-<file path=ppt/slides/slide32.xml><?xml version="1.0" encoding="utf-8"?>
+<file path=ppt/slides/slide33.xml><?xml version="1.0" encoding="utf-8"?>
 <p:sld xmlns:a="http://schemas.openxmlformats.org/drawingml/2006/main" xmlns:r="http://schemas.openxmlformats.org/officeDocument/2006/relationships" xmlns:p="http://schemas.openxmlformats.org/presentationml/2006/main">
   <p:cSld>
     <p:spTree>
@@ -13081,7 +13268,7 @@
 </p:sld>
 </file>
 
-<file path=ppt/slides/slide33.xml><?xml version="1.0" encoding="utf-8"?>
+<file path=ppt/slides/slide34.xml><?xml version="1.0" encoding="utf-8"?>
 <p:sld xmlns:a="http://schemas.openxmlformats.org/drawingml/2006/main" xmlns:r="http://schemas.openxmlformats.org/officeDocument/2006/relationships" xmlns:p="http://schemas.openxmlformats.org/presentationml/2006/main">
   <p:cSld>
     <p:spTree>
@@ -13215,171 +13402,6 @@
     <p:extLst>
       <p:ext uri="{BB962C8B-B14F-4D97-AF65-F5344CB8AC3E}">
         <p14:creationId xmlns:p14="http://schemas.microsoft.com/office/powerpoint/2010/main" val="1337791561"/>
-      </p:ext>
-    </p:extLst>
-  </p:cSld>
-  <p:clrMapOvr>
-    <a:masterClrMapping/>
-  </p:clrMapOvr>
-</p:sld>
-</file>
-
-<file path=ppt/slides/slide34.xml><?xml version="1.0" encoding="utf-8"?>
-<p:sld xmlns:a="http://schemas.openxmlformats.org/drawingml/2006/main" xmlns:r="http://schemas.openxmlformats.org/officeDocument/2006/relationships" xmlns:p="http://schemas.openxmlformats.org/presentationml/2006/main">
-  <p:cSld>
-    <p:spTree>
-      <p:nvGrpSpPr>
-        <p:cNvPr id="1" name=""/>
-        <p:cNvGrpSpPr/>
-        <p:nvPr/>
-      </p:nvGrpSpPr>
-      <p:grpSpPr>
-        <a:xfrm>
-          <a:off x="0" y="0"/>
-          <a:ext cx="0" cy="0"/>
-          <a:chOff x="0" y="0"/>
-          <a:chExt cx="0" cy="0"/>
-        </a:xfrm>
-      </p:grpSpPr>
-      <p:sp>
-        <p:nvSpPr>
-          <p:cNvPr id="2" name="Snip Single Corner Rectangle 1"/>
-          <p:cNvSpPr/>
-          <p:nvPr/>
-        </p:nvSpPr>
-        <p:spPr>
-          <a:xfrm>
-            <a:off x="3776216" y="2710272"/>
-            <a:ext cx="1080000" cy="1080000"/>
-          </a:xfrm>
-          <a:prstGeom prst="snip1Rect">
-            <a:avLst/>
-          </a:prstGeom>
-          <a:noFill/>
-          <a:ln w="50800">
-            <a:solidFill>
-              <a:schemeClr val="tx1">
-                <a:lumMod val="75000"/>
-                <a:lumOff val="25000"/>
-              </a:schemeClr>
-            </a:solidFill>
-          </a:ln>
-        </p:spPr>
-        <p:style>
-          <a:lnRef idx="2">
-            <a:schemeClr val="accent1">
-              <a:shade val="50000"/>
-            </a:schemeClr>
-          </a:lnRef>
-          <a:fillRef idx="1">
-            <a:schemeClr val="accent1"/>
-          </a:fillRef>
-          <a:effectRef idx="0">
-            <a:schemeClr val="accent1"/>
-          </a:effectRef>
-          <a:fontRef idx="minor">
-            <a:schemeClr val="lt1"/>
-          </a:fontRef>
-        </p:style>
-        <p:txBody>
-          <a:bodyPr lIns="0" tIns="36000" rIns="0" bIns="36000" rtlCol="0" anchor="b"/>
-          <a:lstStyle/>
-          <a:p>
-            <a:pPr algn="r"/>
-            <a:r>
-              <a:rPr lang="en-US" altLang="zh-TW" sz="2800" dirty="0">
-                <a:solidFill>
-                  <a:schemeClr val="tx1">
-                    <a:lumMod val="75000"/>
-                    <a:lumOff val="25000"/>
-                  </a:schemeClr>
-                </a:solidFill>
-                <a:latin typeface="Kozuka Gothic Pro H" pitchFamily="34" charset="-128"/>
-                <a:ea typeface="Kozuka Gothic Pro H" pitchFamily="34" charset="-128"/>
-              </a:rPr>
-              <a:t>NPY</a:t>
-            </a:r>
-            <a:endParaRPr lang="zh-TW" altLang="en-US" sz="2800" dirty="0">
-              <a:solidFill>
-                <a:schemeClr val="tx1">
-                  <a:lumMod val="75000"/>
-                  <a:lumOff val="25000"/>
-                </a:schemeClr>
-              </a:solidFill>
-              <a:latin typeface="Kozuka Gothic Pro H" pitchFamily="34" charset="-128"/>
-              <a:ea typeface="Kozuka Gothic Pro H" pitchFamily="34" charset="-128"/>
-            </a:endParaRPr>
-          </a:p>
-        </p:txBody>
-      </p:sp>
-      <p:sp>
-        <p:nvSpPr>
-          <p:cNvPr id="10" name="Rectangle 9"/>
-          <p:cNvSpPr/>
-          <p:nvPr/>
-        </p:nvSpPr>
-        <p:spPr>
-          <a:xfrm>
-            <a:off x="3956216" y="2710272"/>
-            <a:ext cx="540000" cy="358688"/>
-          </a:xfrm>
-          <a:prstGeom prst="rect">
-            <a:avLst/>
-          </a:prstGeom>
-          <a:gradFill flip="none" rotWithShape="1">
-            <a:gsLst>
-              <a:gs pos="50000">
-                <a:srgbClr val="606060"/>
-              </a:gs>
-              <a:gs pos="0">
-                <a:schemeClr val="tx1">
-                  <a:lumMod val="75000"/>
-                  <a:lumOff val="25000"/>
-                </a:schemeClr>
-              </a:gs>
-              <a:gs pos="100000">
-                <a:schemeClr val="tx1">
-                  <a:lumMod val="50000"/>
-                  <a:lumOff val="50000"/>
-                </a:schemeClr>
-              </a:gs>
-            </a:gsLst>
-            <a:lin ang="5400000" scaled="1"/>
-            <a:tileRect/>
-          </a:gradFill>
-          <a:ln w="50800">
-            <a:noFill/>
-          </a:ln>
-        </p:spPr>
-        <p:style>
-          <a:lnRef idx="2">
-            <a:schemeClr val="accent1">
-              <a:shade val="50000"/>
-            </a:schemeClr>
-          </a:lnRef>
-          <a:fillRef idx="1">
-            <a:schemeClr val="accent1"/>
-          </a:fillRef>
-          <a:effectRef idx="0">
-            <a:schemeClr val="accent1"/>
-          </a:effectRef>
-          <a:fontRef idx="minor">
-            <a:schemeClr val="lt1"/>
-          </a:fontRef>
-        </p:style>
-        <p:txBody>
-          <a:bodyPr rtlCol="0" anchor="ctr"/>
-          <a:lstStyle/>
-          <a:p>
-            <a:pPr algn="ctr"/>
-            <a:endParaRPr lang="zh-TW" altLang="en-US"/>
-          </a:p>
-        </p:txBody>
-      </p:sp>
-    </p:spTree>
-    <p:extLst>
-      <p:ext uri="{BB962C8B-B14F-4D97-AF65-F5344CB8AC3E}">
-        <p14:creationId xmlns:p14="http://schemas.microsoft.com/office/powerpoint/2010/main" val="1440644481"/>
       </p:ext>
     </p:extLst>
   </p:cSld>
@@ -13451,6 +13473,171 @@
           <a:lstStyle/>
           <a:p>
             <a:pPr algn="r"/>
+            <a:r>
+              <a:rPr lang="en-US" altLang="zh-TW" sz="2800" dirty="0">
+                <a:solidFill>
+                  <a:schemeClr val="tx1">
+                    <a:lumMod val="75000"/>
+                    <a:lumOff val="25000"/>
+                  </a:schemeClr>
+                </a:solidFill>
+                <a:latin typeface="Kozuka Gothic Pro H" pitchFamily="34" charset="-128"/>
+                <a:ea typeface="Kozuka Gothic Pro H" pitchFamily="34" charset="-128"/>
+              </a:rPr>
+              <a:t>NPY</a:t>
+            </a:r>
+            <a:endParaRPr lang="zh-TW" altLang="en-US" sz="2800" dirty="0">
+              <a:solidFill>
+                <a:schemeClr val="tx1">
+                  <a:lumMod val="75000"/>
+                  <a:lumOff val="25000"/>
+                </a:schemeClr>
+              </a:solidFill>
+              <a:latin typeface="Kozuka Gothic Pro H" pitchFamily="34" charset="-128"/>
+              <a:ea typeface="Kozuka Gothic Pro H" pitchFamily="34" charset="-128"/>
+            </a:endParaRPr>
+          </a:p>
+        </p:txBody>
+      </p:sp>
+      <p:sp>
+        <p:nvSpPr>
+          <p:cNvPr id="10" name="Rectangle 9"/>
+          <p:cNvSpPr/>
+          <p:nvPr/>
+        </p:nvSpPr>
+        <p:spPr>
+          <a:xfrm>
+            <a:off x="3956216" y="2710272"/>
+            <a:ext cx="540000" cy="358688"/>
+          </a:xfrm>
+          <a:prstGeom prst="rect">
+            <a:avLst/>
+          </a:prstGeom>
+          <a:gradFill flip="none" rotWithShape="1">
+            <a:gsLst>
+              <a:gs pos="50000">
+                <a:srgbClr val="606060"/>
+              </a:gs>
+              <a:gs pos="0">
+                <a:schemeClr val="tx1">
+                  <a:lumMod val="75000"/>
+                  <a:lumOff val="25000"/>
+                </a:schemeClr>
+              </a:gs>
+              <a:gs pos="100000">
+                <a:schemeClr val="tx1">
+                  <a:lumMod val="50000"/>
+                  <a:lumOff val="50000"/>
+                </a:schemeClr>
+              </a:gs>
+            </a:gsLst>
+            <a:lin ang="5400000" scaled="1"/>
+            <a:tileRect/>
+          </a:gradFill>
+          <a:ln w="50800">
+            <a:noFill/>
+          </a:ln>
+        </p:spPr>
+        <p:style>
+          <a:lnRef idx="2">
+            <a:schemeClr val="accent1">
+              <a:shade val="50000"/>
+            </a:schemeClr>
+          </a:lnRef>
+          <a:fillRef idx="1">
+            <a:schemeClr val="accent1"/>
+          </a:fillRef>
+          <a:effectRef idx="0">
+            <a:schemeClr val="accent1"/>
+          </a:effectRef>
+          <a:fontRef idx="minor">
+            <a:schemeClr val="lt1"/>
+          </a:fontRef>
+        </p:style>
+        <p:txBody>
+          <a:bodyPr rtlCol="0" anchor="ctr"/>
+          <a:lstStyle/>
+          <a:p>
+            <a:pPr algn="ctr"/>
+            <a:endParaRPr lang="zh-TW" altLang="en-US"/>
+          </a:p>
+        </p:txBody>
+      </p:sp>
+    </p:spTree>
+    <p:extLst>
+      <p:ext uri="{BB962C8B-B14F-4D97-AF65-F5344CB8AC3E}">
+        <p14:creationId xmlns:p14="http://schemas.microsoft.com/office/powerpoint/2010/main" val="1440644481"/>
+      </p:ext>
+    </p:extLst>
+  </p:cSld>
+  <p:clrMapOvr>
+    <a:masterClrMapping/>
+  </p:clrMapOvr>
+</p:sld>
+</file>
+
+<file path=ppt/slides/slide36.xml><?xml version="1.0" encoding="utf-8"?>
+<p:sld xmlns:a="http://schemas.openxmlformats.org/drawingml/2006/main" xmlns:r="http://schemas.openxmlformats.org/officeDocument/2006/relationships" xmlns:p="http://schemas.openxmlformats.org/presentationml/2006/main">
+  <p:cSld>
+    <p:spTree>
+      <p:nvGrpSpPr>
+        <p:cNvPr id="1" name=""/>
+        <p:cNvGrpSpPr/>
+        <p:nvPr/>
+      </p:nvGrpSpPr>
+      <p:grpSpPr>
+        <a:xfrm>
+          <a:off x="0" y="0"/>
+          <a:ext cx="0" cy="0"/>
+          <a:chOff x="0" y="0"/>
+          <a:chExt cx="0" cy="0"/>
+        </a:xfrm>
+      </p:grpSpPr>
+      <p:sp>
+        <p:nvSpPr>
+          <p:cNvPr id="2" name="Snip Single Corner Rectangle 1"/>
+          <p:cNvSpPr/>
+          <p:nvPr/>
+        </p:nvSpPr>
+        <p:spPr>
+          <a:xfrm>
+            <a:off x="3776216" y="2710272"/>
+            <a:ext cx="1080000" cy="1080000"/>
+          </a:xfrm>
+          <a:prstGeom prst="snip1Rect">
+            <a:avLst/>
+          </a:prstGeom>
+          <a:noFill/>
+          <a:ln w="50800">
+            <a:solidFill>
+              <a:schemeClr val="tx1">
+                <a:lumMod val="75000"/>
+                <a:lumOff val="25000"/>
+              </a:schemeClr>
+            </a:solidFill>
+          </a:ln>
+        </p:spPr>
+        <p:style>
+          <a:lnRef idx="2">
+            <a:schemeClr val="accent1">
+              <a:shade val="50000"/>
+            </a:schemeClr>
+          </a:lnRef>
+          <a:fillRef idx="1">
+            <a:schemeClr val="accent1"/>
+          </a:fillRef>
+          <a:effectRef idx="0">
+            <a:schemeClr val="accent1"/>
+          </a:effectRef>
+          <a:fontRef idx="minor">
+            <a:schemeClr val="lt1"/>
+          </a:fontRef>
+        </p:style>
+        <p:txBody>
+          <a:bodyPr lIns="0" tIns="36000" rIns="0" bIns="36000" rtlCol="0" anchor="b"/>
+          <a:lstStyle/>
+          <a:p>
+            <a:pPr algn="r"/>
             <a:endParaRPr lang="zh-TW" altLang="en-US" sz="2800" dirty="0">
               <a:solidFill>
                 <a:schemeClr val="tx1">
@@ -13589,7 +13776,7 @@
 </p:sld>
 </file>
 
-<file path=ppt/slides/slide36.xml><?xml version="1.0" encoding="utf-8"?>
+<file path=ppt/slides/slide37.xml><?xml version="1.0" encoding="utf-8"?>
 <p:sld xmlns:a="http://schemas.openxmlformats.org/drawingml/2006/main" xmlns:r="http://schemas.openxmlformats.org/officeDocument/2006/relationships" xmlns:p="http://schemas.openxmlformats.org/presentationml/2006/main">
   <p:cSld>
     <p:spTree>
@@ -13946,7 +14133,7 @@
 </p:sld>
 </file>
 
-<file path=ppt/slides/slide37.xml><?xml version="1.0" encoding="utf-8"?>
+<file path=ppt/slides/slide38.xml><?xml version="1.0" encoding="utf-8"?>
 <p:sld xmlns:a="http://schemas.openxmlformats.org/drawingml/2006/main" xmlns:r="http://schemas.openxmlformats.org/officeDocument/2006/relationships" xmlns:p="http://schemas.openxmlformats.org/presentationml/2006/main">
   <p:cSld>
     <p:spTree>
@@ -15953,7 +16140,7 @@
       </p:grpSpPr>
       <p:sp>
         <p:nvSpPr>
-          <p:cNvPr id="3" name="Rectangle 2"/>
+          <p:cNvPr id="12" name="Rectangle 11"/>
           <p:cNvSpPr/>
           <p:nvPr/>
         </p:nvSpPr>
@@ -15995,122 +16182,576 @@
           </a:p>
         </p:txBody>
       </p:sp>
-      <p:sp>
-        <p:nvSpPr>
-          <p:cNvPr id="4" name="Oval 3"/>
-          <p:cNvSpPr/>
+      <p:grpSp>
+        <p:nvGrpSpPr>
+          <p:cNvPr id="2" name="Group 1"/>
+          <p:cNvGrpSpPr/>
           <p:nvPr/>
-        </p:nvSpPr>
-        <p:spPr>
+        </p:nvGrpSpPr>
+        <p:grpSpPr>
           <a:xfrm>
-            <a:off x="4114800" y="2971800"/>
-            <a:ext cx="914400" cy="914400"/>
+            <a:off x="4070326" y="2926454"/>
+            <a:ext cx="1003348" cy="1005093"/>
+            <a:chOff x="4069125" y="2924944"/>
+            <a:chExt cx="1003348" cy="1005093"/>
           </a:xfrm>
-          <a:prstGeom prst="ellipse">
-            <a:avLst/>
-          </a:prstGeom>
-          <a:noFill/>
-          <a:ln w="50800">
-            <a:solidFill>
+        </p:grpSpPr>
+        <p:grpSp>
+          <p:nvGrpSpPr>
+            <p:cNvPr id="15" name="Group 14"/>
+            <p:cNvGrpSpPr>
+              <a:grpSpLocks noChangeAspect="1"/>
+            </p:cNvGrpSpPr>
+            <p:nvPr/>
+          </p:nvGrpSpPr>
+          <p:grpSpPr>
+            <a:xfrm>
+              <a:off x="4604473" y="3578960"/>
+              <a:ext cx="468000" cy="351077"/>
+              <a:chOff x="4557205" y="3615680"/>
+              <a:chExt cx="393414" cy="295125"/>
+            </a:xfrm>
+          </p:grpSpPr>
+          <p:grpSp>
+            <p:nvGrpSpPr>
+              <p:cNvPr id="9" name="Group 8"/>
+              <p:cNvGrpSpPr/>
+              <p:nvPr/>
+            </p:nvGrpSpPr>
+            <p:grpSpPr>
+              <a:xfrm>
+                <a:off x="4557205" y="3615680"/>
+                <a:ext cx="393414" cy="295125"/>
+                <a:chOff x="4573892" y="3615680"/>
+                <a:chExt cx="360040" cy="295125"/>
+              </a:xfrm>
+            </p:grpSpPr>
+            <p:sp>
+              <p:nvSpPr>
+                <p:cNvPr id="10" name="Rounded Rectangle 9"/>
+                <p:cNvSpPr/>
+                <p:nvPr/>
+              </p:nvSpPr>
+              <p:spPr>
+                <a:xfrm>
+                  <a:off x="4573892" y="3663470"/>
+                  <a:ext cx="360040" cy="247335"/>
+                </a:xfrm>
+                <a:prstGeom prst="roundRect">
+                  <a:avLst>
+                    <a:gd name="adj" fmla="val 9683"/>
+                  </a:avLst>
+                </a:prstGeom>
+                <a:solidFill>
+                  <a:schemeClr val="bg1">
+                    <a:lumMod val="65000"/>
+                  </a:schemeClr>
+                </a:solidFill>
+                <a:ln w="50800">
+                  <a:solidFill>
+                    <a:schemeClr val="bg1">
+                      <a:lumMod val="65000"/>
+                    </a:schemeClr>
+                  </a:solidFill>
+                </a:ln>
+              </p:spPr>
+              <p:style>
+                <a:lnRef idx="2">
+                  <a:schemeClr val="accent1">
+                    <a:shade val="50000"/>
+                  </a:schemeClr>
+                </a:lnRef>
+                <a:fillRef idx="1">
+                  <a:schemeClr val="accent1"/>
+                </a:fillRef>
+                <a:effectRef idx="0">
+                  <a:schemeClr val="accent1"/>
+                </a:effectRef>
+                <a:fontRef idx="minor">
+                  <a:schemeClr val="lt1"/>
+                </a:fontRef>
+              </p:style>
+              <p:txBody>
+                <a:bodyPr rtlCol="0" anchor="ctr"/>
+                <a:lstStyle/>
+                <a:p>
+                  <a:pPr algn="ctr"/>
+                  <a:endParaRPr lang="zh-TW" altLang="en-US"/>
+                </a:p>
+              </p:txBody>
+            </p:sp>
+            <p:sp>
+              <p:nvSpPr>
+                <p:cNvPr id="11" name="Trapezoid 10"/>
+                <p:cNvSpPr/>
+                <p:nvPr/>
+              </p:nvSpPr>
+              <p:spPr>
+                <a:xfrm>
+                  <a:off x="4669205" y="3615680"/>
+                  <a:ext cx="169413" cy="60559"/>
+                </a:xfrm>
+                <a:prstGeom prst="trapezoid">
+                  <a:avLst>
+                    <a:gd name="adj" fmla="val 51211"/>
+                  </a:avLst>
+                </a:prstGeom>
+                <a:solidFill>
+                  <a:schemeClr val="bg1">
+                    <a:lumMod val="65000"/>
+                  </a:schemeClr>
+                </a:solidFill>
+                <a:ln w="50800">
+                  <a:solidFill>
+                    <a:schemeClr val="bg1">
+                      <a:lumMod val="65000"/>
+                    </a:schemeClr>
+                  </a:solidFill>
+                  <a:miter lim="800000"/>
+                </a:ln>
+              </p:spPr>
+              <p:style>
+                <a:lnRef idx="2">
+                  <a:schemeClr val="accent1">
+                    <a:shade val="50000"/>
+                  </a:schemeClr>
+                </a:lnRef>
+                <a:fillRef idx="1">
+                  <a:schemeClr val="accent1"/>
+                </a:fillRef>
+                <a:effectRef idx="0">
+                  <a:schemeClr val="accent1"/>
+                </a:effectRef>
+                <a:fontRef idx="minor">
+                  <a:schemeClr val="lt1"/>
+                </a:fontRef>
+              </p:style>
+              <p:txBody>
+                <a:bodyPr rtlCol="0" anchor="ctr"/>
+                <a:lstStyle/>
+                <a:p>
+                  <a:pPr algn="ctr"/>
+                  <a:endParaRPr lang="zh-TW" altLang="en-US"/>
+                </a:p>
+              </p:txBody>
+            </p:sp>
+          </p:grpSp>
+          <p:sp>
+            <p:nvSpPr>
+              <p:cNvPr id="13" name="Oval 12"/>
+              <p:cNvSpPr/>
+              <p:nvPr/>
+            </p:nvSpPr>
+            <p:spPr>
+              <a:xfrm>
+                <a:off x="4683331" y="3716556"/>
+                <a:ext cx="141162" cy="141162"/>
+              </a:xfrm>
+              <a:prstGeom prst="ellipse">
+                <a:avLst/>
+              </a:prstGeom>
+              <a:solidFill>
+                <a:schemeClr val="bg1"/>
+              </a:solidFill>
+              <a:ln w="50800">
+                <a:noFill/>
+              </a:ln>
+            </p:spPr>
+            <p:style>
+              <a:lnRef idx="2">
+                <a:schemeClr val="accent1">
+                  <a:shade val="50000"/>
+                </a:schemeClr>
+              </a:lnRef>
+              <a:fillRef idx="1">
+                <a:schemeClr val="accent1"/>
+              </a:fillRef>
+              <a:effectRef idx="0">
+                <a:schemeClr val="accent1"/>
+              </a:effectRef>
+              <a:fontRef idx="minor">
+                <a:schemeClr val="lt1"/>
+              </a:fontRef>
+            </p:style>
+            <p:txBody>
+              <a:bodyPr rtlCol="0" anchor="ctr"/>
+              <a:lstStyle/>
+              <a:p>
+                <a:pPr algn="ctr"/>
+                <a:endParaRPr lang="zh-TW" altLang="en-US"/>
+              </a:p>
+            </p:txBody>
+          </p:sp>
+          <p:sp>
+            <p:nvSpPr>
+              <p:cNvPr id="14" name="Oval 13"/>
+              <p:cNvSpPr/>
+              <p:nvPr/>
+            </p:nvSpPr>
+            <p:spPr>
+              <a:xfrm>
+                <a:off x="4897889" y="3671183"/>
+                <a:ext cx="28232" cy="28232"/>
+              </a:xfrm>
+              <a:prstGeom prst="ellipse">
+                <a:avLst/>
+              </a:prstGeom>
+              <a:solidFill>
+                <a:schemeClr val="bg1"/>
+              </a:solidFill>
+              <a:ln>
+                <a:noFill/>
+              </a:ln>
+            </p:spPr>
+            <p:style>
+              <a:lnRef idx="2">
+                <a:schemeClr val="accent1">
+                  <a:shade val="50000"/>
+                </a:schemeClr>
+              </a:lnRef>
+              <a:fillRef idx="1">
+                <a:schemeClr val="accent1"/>
+              </a:fillRef>
+              <a:effectRef idx="0">
+                <a:schemeClr val="accent1"/>
+              </a:effectRef>
+              <a:fontRef idx="minor">
+                <a:schemeClr val="lt1"/>
+              </a:fontRef>
+            </p:style>
+            <p:txBody>
+              <a:bodyPr rtlCol="0" anchor="ctr"/>
+              <a:lstStyle/>
+              <a:p>
+                <a:pPr algn="ctr"/>
+                <a:endParaRPr lang="en-US"/>
+              </a:p>
+            </p:txBody>
+          </p:sp>
+        </p:grpSp>
+        <p:grpSp>
+          <p:nvGrpSpPr>
+            <p:cNvPr id="16" name="Group 15"/>
+            <p:cNvGrpSpPr>
+              <a:grpSpLocks noChangeAspect="1"/>
+            </p:cNvGrpSpPr>
+            <p:nvPr/>
+          </p:nvGrpSpPr>
+          <p:grpSpPr>
+            <a:xfrm>
+              <a:off x="4069125" y="2924944"/>
+              <a:ext cx="468000" cy="351077"/>
+              <a:chOff x="4557205" y="3615680"/>
+              <a:chExt cx="393414" cy="295125"/>
+            </a:xfrm>
+          </p:grpSpPr>
+          <p:grpSp>
+            <p:nvGrpSpPr>
+              <p:cNvPr id="17" name="Group 16"/>
+              <p:cNvGrpSpPr/>
+              <p:nvPr/>
+            </p:nvGrpSpPr>
+            <p:grpSpPr>
+              <a:xfrm>
+                <a:off x="4557205" y="3615680"/>
+                <a:ext cx="393414" cy="295125"/>
+                <a:chOff x="4573892" y="3615680"/>
+                <a:chExt cx="360040" cy="295125"/>
+              </a:xfrm>
+            </p:grpSpPr>
+            <p:sp>
+              <p:nvSpPr>
+                <p:cNvPr id="20" name="Rounded Rectangle 19"/>
+                <p:cNvSpPr/>
+                <p:nvPr/>
+              </p:nvSpPr>
+              <p:spPr>
+                <a:xfrm>
+                  <a:off x="4573892" y="3663470"/>
+                  <a:ext cx="360040" cy="247335"/>
+                </a:xfrm>
+                <a:prstGeom prst="roundRect">
+                  <a:avLst>
+                    <a:gd name="adj" fmla="val 9683"/>
+                  </a:avLst>
+                </a:prstGeom>
+                <a:solidFill>
+                  <a:schemeClr val="bg1">
+                    <a:lumMod val="65000"/>
+                  </a:schemeClr>
+                </a:solidFill>
+                <a:ln w="50800">
+                  <a:solidFill>
+                    <a:schemeClr val="bg1">
+                      <a:lumMod val="65000"/>
+                    </a:schemeClr>
+                  </a:solidFill>
+                </a:ln>
+              </p:spPr>
+              <p:style>
+                <a:lnRef idx="2">
+                  <a:schemeClr val="accent1">
+                    <a:shade val="50000"/>
+                  </a:schemeClr>
+                </a:lnRef>
+                <a:fillRef idx="1">
+                  <a:schemeClr val="accent1"/>
+                </a:fillRef>
+                <a:effectRef idx="0">
+                  <a:schemeClr val="accent1"/>
+                </a:effectRef>
+                <a:fontRef idx="minor">
+                  <a:schemeClr val="lt1"/>
+                </a:fontRef>
+              </p:style>
+              <p:txBody>
+                <a:bodyPr rtlCol="0" anchor="ctr"/>
+                <a:lstStyle/>
+                <a:p>
+                  <a:pPr algn="ctr"/>
+                  <a:endParaRPr lang="zh-TW" altLang="en-US"/>
+                </a:p>
+              </p:txBody>
+            </p:sp>
+            <p:sp>
+              <p:nvSpPr>
+                <p:cNvPr id="21" name="Trapezoid 20"/>
+                <p:cNvSpPr/>
+                <p:nvPr/>
+              </p:nvSpPr>
+              <p:spPr>
+                <a:xfrm>
+                  <a:off x="4669205" y="3615680"/>
+                  <a:ext cx="169413" cy="60559"/>
+                </a:xfrm>
+                <a:prstGeom prst="trapezoid">
+                  <a:avLst>
+                    <a:gd name="adj" fmla="val 51211"/>
+                  </a:avLst>
+                </a:prstGeom>
+                <a:solidFill>
+                  <a:schemeClr val="bg1">
+                    <a:lumMod val="65000"/>
+                  </a:schemeClr>
+                </a:solidFill>
+                <a:ln w="50800">
+                  <a:solidFill>
+                    <a:schemeClr val="bg1">
+                      <a:lumMod val="65000"/>
+                    </a:schemeClr>
+                  </a:solidFill>
+                  <a:miter lim="800000"/>
+                </a:ln>
+              </p:spPr>
+              <p:style>
+                <a:lnRef idx="2">
+                  <a:schemeClr val="accent1">
+                    <a:shade val="50000"/>
+                  </a:schemeClr>
+                </a:lnRef>
+                <a:fillRef idx="1">
+                  <a:schemeClr val="accent1"/>
+                </a:fillRef>
+                <a:effectRef idx="0">
+                  <a:schemeClr val="accent1"/>
+                </a:effectRef>
+                <a:fontRef idx="minor">
+                  <a:schemeClr val="lt1"/>
+                </a:fontRef>
+              </p:style>
+              <p:txBody>
+                <a:bodyPr rtlCol="0" anchor="ctr"/>
+                <a:lstStyle/>
+                <a:p>
+                  <a:pPr algn="ctr"/>
+                  <a:endParaRPr lang="zh-TW" altLang="en-US"/>
+                </a:p>
+              </p:txBody>
+            </p:sp>
+          </p:grpSp>
+          <p:sp>
+            <p:nvSpPr>
+              <p:cNvPr id="18" name="Oval 17"/>
+              <p:cNvSpPr/>
+              <p:nvPr/>
+            </p:nvSpPr>
+            <p:spPr>
+              <a:xfrm>
+                <a:off x="4683331" y="3716556"/>
+                <a:ext cx="141162" cy="141162"/>
+              </a:xfrm>
+              <a:prstGeom prst="ellipse">
+                <a:avLst/>
+              </a:prstGeom>
+              <a:solidFill>
+                <a:schemeClr val="bg1"/>
+              </a:solidFill>
+              <a:ln w="50800">
+                <a:noFill/>
+              </a:ln>
+            </p:spPr>
+            <p:style>
+              <a:lnRef idx="2">
+                <a:schemeClr val="accent1">
+                  <a:shade val="50000"/>
+                </a:schemeClr>
+              </a:lnRef>
+              <a:fillRef idx="1">
+                <a:schemeClr val="accent1"/>
+              </a:fillRef>
+              <a:effectRef idx="0">
+                <a:schemeClr val="accent1"/>
+              </a:effectRef>
+              <a:fontRef idx="minor">
+                <a:schemeClr val="lt1"/>
+              </a:fontRef>
+            </p:style>
+            <p:txBody>
+              <a:bodyPr rtlCol="0" anchor="ctr"/>
+              <a:lstStyle/>
+              <a:p>
+                <a:pPr algn="ctr"/>
+                <a:endParaRPr lang="zh-TW" altLang="en-US"/>
+              </a:p>
+            </p:txBody>
+          </p:sp>
+          <p:sp>
+            <p:nvSpPr>
+              <p:cNvPr id="19" name="Oval 18"/>
+              <p:cNvSpPr/>
+              <p:nvPr/>
+            </p:nvSpPr>
+            <p:spPr>
+              <a:xfrm>
+                <a:off x="4897889" y="3671183"/>
+                <a:ext cx="28232" cy="28232"/>
+              </a:xfrm>
+              <a:prstGeom prst="ellipse">
+                <a:avLst/>
+              </a:prstGeom>
+              <a:solidFill>
+                <a:schemeClr val="bg1"/>
+              </a:solidFill>
+              <a:ln>
+                <a:noFill/>
+              </a:ln>
+            </p:spPr>
+            <p:style>
+              <a:lnRef idx="2">
+                <a:schemeClr val="accent1">
+                  <a:shade val="50000"/>
+                </a:schemeClr>
+              </a:lnRef>
+              <a:fillRef idx="1">
+                <a:schemeClr val="accent1"/>
+              </a:fillRef>
+              <a:effectRef idx="0">
+                <a:schemeClr val="accent1"/>
+              </a:effectRef>
+              <a:fontRef idx="minor">
+                <a:schemeClr val="lt1"/>
+              </a:fontRef>
+            </p:style>
+            <p:txBody>
+              <a:bodyPr rtlCol="0" anchor="ctr"/>
+              <a:lstStyle/>
+              <a:p>
+                <a:pPr algn="ctr"/>
+                <a:endParaRPr lang="en-US"/>
+              </a:p>
+            </p:txBody>
+          </p:sp>
+        </p:grpSp>
+      </p:grpSp>
+      <p:grpSp>
+        <p:nvGrpSpPr>
+          <p:cNvPr id="25" name="Group 24"/>
+          <p:cNvGrpSpPr/>
+          <p:nvPr/>
+        </p:nvGrpSpPr>
+        <p:grpSpPr>
+          <a:xfrm>
+            <a:off x="4446000" y="3397770"/>
+            <a:ext cx="252000" cy="108000"/>
+            <a:chOff x="4494752" y="3368675"/>
+            <a:chExt cx="108000" cy="60325"/>
+          </a:xfrm>
+        </p:grpSpPr>
+        <p:cxnSp>
+          <p:nvCxnSpPr>
+            <p:cNvPr id="23" name="Straight Connector 22"/>
+            <p:cNvCxnSpPr/>
+            <p:nvPr/>
+          </p:nvCxnSpPr>
+          <p:spPr>
+            <a:xfrm>
+              <a:off x="4494752" y="3368675"/>
+              <a:ext cx="108000" cy="0"/>
+            </a:xfrm>
+            <a:prstGeom prst="line">
+              <a:avLst/>
+            </a:prstGeom>
+            <a:ln w="50800">
+              <a:solidFill>
+                <a:schemeClr val="tx1"/>
+              </a:solidFill>
+            </a:ln>
+          </p:spPr>
+          <p:style>
+            <a:lnRef idx="1">
+              <a:schemeClr val="accent1"/>
+            </a:lnRef>
+            <a:fillRef idx="0">
+              <a:schemeClr val="accent1"/>
+            </a:fillRef>
+            <a:effectRef idx="0">
+              <a:schemeClr val="accent1"/>
+            </a:effectRef>
+            <a:fontRef idx="minor">
               <a:schemeClr val="tx1"/>
-            </a:solidFill>
-          </a:ln>
-        </p:spPr>
-        <p:style>
-          <a:lnRef idx="2">
-            <a:schemeClr val="accent1">
-              <a:shade val="50000"/>
-            </a:schemeClr>
-          </a:lnRef>
-          <a:fillRef idx="1">
-            <a:schemeClr val="accent1"/>
-          </a:fillRef>
-          <a:effectRef idx="0">
-            <a:schemeClr val="accent1"/>
-          </a:effectRef>
-          <a:fontRef idx="minor">
-            <a:schemeClr val="lt1"/>
-          </a:fontRef>
-        </p:style>
-        <p:txBody>
-          <a:bodyPr lIns="0" tIns="0" rIns="0" bIns="0" rtlCol="0" anchor="ctr"/>
-          <a:lstStyle/>
-          <a:p>
-            <a:pPr algn="ctr"/>
-            <a:endParaRPr lang="en-US" sz="7200" b="1" dirty="0">
+            </a:fontRef>
+          </p:style>
+        </p:cxnSp>
+        <p:cxnSp>
+          <p:nvCxnSpPr>
+            <p:cNvPr id="24" name="Straight Connector 23"/>
+            <p:cNvCxnSpPr/>
+            <p:nvPr/>
+          </p:nvCxnSpPr>
+          <p:spPr>
+            <a:xfrm>
+              <a:off x="4494752" y="3429000"/>
+              <a:ext cx="108000" cy="0"/>
+            </a:xfrm>
+            <a:prstGeom prst="line">
+              <a:avLst/>
+            </a:prstGeom>
+            <a:ln w="50800">
               <a:solidFill>
-                <a:sysClr val="windowText" lastClr="000000"/>
+                <a:schemeClr val="tx1"/>
               </a:solidFill>
-            </a:endParaRPr>
-          </a:p>
-        </p:txBody>
-      </p:sp>
-      <p:pic>
-        <p:nvPicPr>
-          <p:cNvPr id="1027" name="Picture 3"/>
-          <p:cNvPicPr>
-            <a:picLocks noChangeAspect="1" noChangeArrowheads="1"/>
-          </p:cNvPicPr>
-          <p:nvPr/>
-        </p:nvPicPr>
-        <p:blipFill rotWithShape="1">
-          <a:blip r:embed="rId2">
-            <a:extLst>
-              <a:ext uri="{28A0092B-C50C-407E-A947-70E740481C1C}">
-                <a14:useLocalDpi xmlns:a14="http://schemas.microsoft.com/office/drawing/2010/main" val="0"/>
-              </a:ext>
-            </a:extLst>
-          </a:blip>
-          <a:srcRect l="25275" t="25275" r="25275" b="38534"/>
-          <a:stretch/>
-        </p:blipFill>
-        <p:spPr bwMode="auto">
-          <a:xfrm>
-            <a:off x="4243474" y="3080261"/>
-            <a:ext cx="657052" cy="697479"/>
-          </a:xfrm>
-          <a:prstGeom prst="rect">
-            <a:avLst/>
-          </a:prstGeom>
-          <a:noFill/>
-          <a:ln>
-            <a:noFill/>
-          </a:ln>
-          <a:effectLst/>
-          <a:extLst>
-            <a:ext uri="{909E8E84-426E-40DD-AFC4-6F175D3DCCD1}">
-              <a14:hiddenFill xmlns:a14="http://schemas.microsoft.com/office/drawing/2010/main">
-                <a:solidFill>
-                  <a:schemeClr val="accent1"/>
-                </a:solidFill>
-              </a14:hiddenFill>
-            </a:ext>
-            <a:ext uri="{91240B29-F687-4F45-9708-019B960494DF}">
-              <a14:hiddenLine xmlns:a14="http://schemas.microsoft.com/office/drawing/2010/main" w="9525">
-                <a:solidFill>
-                  <a:schemeClr val="tx1"/>
-                </a:solidFill>
-                <a:miter lim="800000"/>
-                <a:headEnd/>
-                <a:tailEnd/>
-              </a14:hiddenLine>
-            </a:ext>
-            <a:ext uri="{AF507438-7753-43E0-B8FC-AC1667EBCBE1}">
-              <a14:hiddenEffects xmlns:a14="http://schemas.microsoft.com/office/drawing/2010/main">
-                <a:effectLst>
-                  <a:outerShdw dist="35921" dir="2700000" algn="ctr" rotWithShape="0">
-                    <a:schemeClr val="bg2"/>
-                  </a:outerShdw>
-                </a:effectLst>
-              </a14:hiddenEffects>
-            </a:ext>
-          </a:extLst>
-        </p:spPr>
-      </p:pic>
+            </a:ln>
+          </p:spPr>
+          <p:style>
+            <a:lnRef idx="1">
+              <a:schemeClr val="accent1"/>
+            </a:lnRef>
+            <a:fillRef idx="0">
+              <a:schemeClr val="accent1"/>
+            </a:fillRef>
+            <a:effectRef idx="0">
+              <a:schemeClr val="accent1"/>
+            </a:effectRef>
+            <a:fontRef idx="minor">
+              <a:schemeClr val="tx1"/>
+            </a:fontRef>
+          </p:style>
+        </p:cxnSp>
+      </p:grpSp>
     </p:spTree>
     <p:extLst>
       <p:ext uri="{BB962C8B-B14F-4D97-AF65-F5344CB8AC3E}">
-        <p14:creationId xmlns:p14="http://schemas.microsoft.com/office/powerpoint/2010/main" val="1979638787"/>
+        <p14:creationId xmlns:p14="http://schemas.microsoft.com/office/powerpoint/2010/main" val="1966369672"/>
       </p:ext>
     </p:extLst>
   </p:cSld>

--- a/icons/icons.pptx
+++ b/icons/icons.pptx
@@ -5,7 +5,7 @@
     <p:sldMasterId id="2147483648" r:id="rId1"/>
   </p:sldMasterIdLst>
   <p:notesMasterIdLst>
-    <p:notesMasterId r:id="rId40"/>
+    <p:notesMasterId r:id="rId41"/>
   </p:notesMasterIdLst>
   <p:sldIdLst>
     <p:sldId id="286" r:id="rId2"/>
@@ -17,35 +17,36 @@
     <p:sldId id="323" r:id="rId8"/>
     <p:sldId id="325" r:id="rId9"/>
     <p:sldId id="327" r:id="rId10"/>
-    <p:sldId id="313" r:id="rId11"/>
-    <p:sldId id="314" r:id="rId12"/>
-    <p:sldId id="315" r:id="rId13"/>
-    <p:sldId id="317" r:id="rId14"/>
-    <p:sldId id="316" r:id="rId15"/>
-    <p:sldId id="320" r:id="rId16"/>
-    <p:sldId id="321" r:id="rId17"/>
-    <p:sldId id="322" r:id="rId18"/>
-    <p:sldId id="287" r:id="rId19"/>
-    <p:sldId id="288" r:id="rId20"/>
-    <p:sldId id="289" r:id="rId21"/>
-    <p:sldId id="290" r:id="rId22"/>
-    <p:sldId id="291" r:id="rId23"/>
-    <p:sldId id="292" r:id="rId24"/>
-    <p:sldId id="293" r:id="rId25"/>
-    <p:sldId id="294" r:id="rId26"/>
-    <p:sldId id="295" r:id="rId27"/>
-    <p:sldId id="296" r:id="rId28"/>
-    <p:sldId id="297" r:id="rId29"/>
-    <p:sldId id="298" r:id="rId30"/>
-    <p:sldId id="299" r:id="rId31"/>
-    <p:sldId id="300" r:id="rId32"/>
-    <p:sldId id="301" r:id="rId33"/>
-    <p:sldId id="302" r:id="rId34"/>
-    <p:sldId id="303" r:id="rId35"/>
-    <p:sldId id="304" r:id="rId36"/>
-    <p:sldId id="305" r:id="rId37"/>
-    <p:sldId id="306" r:id="rId38"/>
-    <p:sldId id="307" r:id="rId39"/>
+    <p:sldId id="328" r:id="rId11"/>
+    <p:sldId id="313" r:id="rId12"/>
+    <p:sldId id="314" r:id="rId13"/>
+    <p:sldId id="315" r:id="rId14"/>
+    <p:sldId id="317" r:id="rId15"/>
+    <p:sldId id="316" r:id="rId16"/>
+    <p:sldId id="320" r:id="rId17"/>
+    <p:sldId id="321" r:id="rId18"/>
+    <p:sldId id="322" r:id="rId19"/>
+    <p:sldId id="287" r:id="rId20"/>
+    <p:sldId id="288" r:id="rId21"/>
+    <p:sldId id="289" r:id="rId22"/>
+    <p:sldId id="290" r:id="rId23"/>
+    <p:sldId id="291" r:id="rId24"/>
+    <p:sldId id="292" r:id="rId25"/>
+    <p:sldId id="293" r:id="rId26"/>
+    <p:sldId id="294" r:id="rId27"/>
+    <p:sldId id="295" r:id="rId28"/>
+    <p:sldId id="296" r:id="rId29"/>
+    <p:sldId id="297" r:id="rId30"/>
+    <p:sldId id="298" r:id="rId31"/>
+    <p:sldId id="299" r:id="rId32"/>
+    <p:sldId id="300" r:id="rId33"/>
+    <p:sldId id="301" r:id="rId34"/>
+    <p:sldId id="302" r:id="rId35"/>
+    <p:sldId id="303" r:id="rId36"/>
+    <p:sldId id="304" r:id="rId37"/>
+    <p:sldId id="305" r:id="rId38"/>
+    <p:sldId id="306" r:id="rId39"/>
+    <p:sldId id="307" r:id="rId40"/>
   </p:sldIdLst>
   <p:sldSz cx="9144000" cy="6858000" type="screen4x3"/>
   <p:notesSz cx="6858000" cy="9144000"/>
@@ -229,7 +230,7 @@
           <a:p>
             <a:fld id="{409A854A-4542-4C46-92B4-B1933D0339ED}" type="datetimeFigureOut">
               <a:rPr lang="en-US" smtClean="0"/>
-              <a:t>3/7/2017</a:t>
+              <a:t>3/28/2017</a:t>
             </a:fld>
             <a:endParaRPr lang="en-US"/>
           </a:p>
@@ -762,7 +763,7 @@
           <a:p>
             <a:fld id="{B6192DF9-7B65-41DB-B5A4-F73A2B2D849B}" type="datetimeFigureOut">
               <a:rPr lang="zh-TW" altLang="en-US" smtClean="0"/>
-              <a:t>2017/3/7</a:t>
+              <a:t>2017/3/28</a:t>
             </a:fld>
             <a:endParaRPr lang="zh-TW" altLang="en-US"/>
           </a:p>
@@ -932,7 +933,7 @@
           <a:p>
             <a:fld id="{B6192DF9-7B65-41DB-B5A4-F73A2B2D849B}" type="datetimeFigureOut">
               <a:rPr lang="zh-TW" altLang="en-US" smtClean="0"/>
-              <a:t>2017/3/7</a:t>
+              <a:t>2017/3/28</a:t>
             </a:fld>
             <a:endParaRPr lang="zh-TW" altLang="en-US"/>
           </a:p>
@@ -1112,7 +1113,7 @@
           <a:p>
             <a:fld id="{B6192DF9-7B65-41DB-B5A4-F73A2B2D849B}" type="datetimeFigureOut">
               <a:rPr lang="zh-TW" altLang="en-US" smtClean="0"/>
-              <a:t>2017/3/7</a:t>
+              <a:t>2017/3/28</a:t>
             </a:fld>
             <a:endParaRPr lang="zh-TW" altLang="en-US"/>
           </a:p>
@@ -1282,7 +1283,7 @@
           <a:p>
             <a:fld id="{B6192DF9-7B65-41DB-B5A4-F73A2B2D849B}" type="datetimeFigureOut">
               <a:rPr lang="zh-TW" altLang="en-US" smtClean="0"/>
-              <a:t>2017/3/7</a:t>
+              <a:t>2017/3/28</a:t>
             </a:fld>
             <a:endParaRPr lang="zh-TW" altLang="en-US"/>
           </a:p>
@@ -1528,7 +1529,7 @@
           <a:p>
             <a:fld id="{B6192DF9-7B65-41DB-B5A4-F73A2B2D849B}" type="datetimeFigureOut">
               <a:rPr lang="zh-TW" altLang="en-US" smtClean="0"/>
-              <a:t>2017/3/7</a:t>
+              <a:t>2017/3/28</a:t>
             </a:fld>
             <a:endParaRPr lang="zh-TW" altLang="en-US"/>
           </a:p>
@@ -1816,7 +1817,7 @@
           <a:p>
             <a:fld id="{B6192DF9-7B65-41DB-B5A4-F73A2B2D849B}" type="datetimeFigureOut">
               <a:rPr lang="zh-TW" altLang="en-US" smtClean="0"/>
-              <a:t>2017/3/7</a:t>
+              <a:t>2017/3/28</a:t>
             </a:fld>
             <a:endParaRPr lang="zh-TW" altLang="en-US"/>
           </a:p>
@@ -2238,7 +2239,7 @@
           <a:p>
             <a:fld id="{B6192DF9-7B65-41DB-B5A4-F73A2B2D849B}" type="datetimeFigureOut">
               <a:rPr lang="zh-TW" altLang="en-US" smtClean="0"/>
-              <a:t>2017/3/7</a:t>
+              <a:t>2017/3/28</a:t>
             </a:fld>
             <a:endParaRPr lang="zh-TW" altLang="en-US"/>
           </a:p>
@@ -2356,7 +2357,7 @@
           <a:p>
             <a:fld id="{B6192DF9-7B65-41DB-B5A4-F73A2B2D849B}" type="datetimeFigureOut">
               <a:rPr lang="zh-TW" altLang="en-US" smtClean="0"/>
-              <a:t>2017/3/7</a:t>
+              <a:t>2017/3/28</a:t>
             </a:fld>
             <a:endParaRPr lang="zh-TW" altLang="en-US"/>
           </a:p>
@@ -2451,7 +2452,7 @@
           <a:p>
             <a:fld id="{B6192DF9-7B65-41DB-B5A4-F73A2B2D849B}" type="datetimeFigureOut">
               <a:rPr lang="zh-TW" altLang="en-US" smtClean="0"/>
-              <a:t>2017/3/7</a:t>
+              <a:t>2017/3/28</a:t>
             </a:fld>
             <a:endParaRPr lang="zh-TW" altLang="en-US"/>
           </a:p>
@@ -2728,7 +2729,7 @@
           <a:p>
             <a:fld id="{B6192DF9-7B65-41DB-B5A4-F73A2B2D849B}" type="datetimeFigureOut">
               <a:rPr lang="zh-TW" altLang="en-US" smtClean="0"/>
-              <a:t>2017/3/7</a:t>
+              <a:t>2017/3/28</a:t>
             </a:fld>
             <a:endParaRPr lang="zh-TW" altLang="en-US"/>
           </a:p>
@@ -2981,7 +2982,7 @@
           <a:p>
             <a:fld id="{B6192DF9-7B65-41DB-B5A4-F73A2B2D849B}" type="datetimeFigureOut">
               <a:rPr lang="zh-TW" altLang="en-US" smtClean="0"/>
-              <a:t>2017/3/7</a:t>
+              <a:t>2017/3/28</a:t>
             </a:fld>
             <a:endParaRPr lang="zh-TW" altLang="en-US"/>
           </a:p>
@@ -3194,7 +3195,7 @@
           <a:p>
             <a:fld id="{B6192DF9-7B65-41DB-B5A4-F73A2B2D849B}" type="datetimeFigureOut">
               <a:rPr lang="zh-TW" altLang="en-US" smtClean="0"/>
-              <a:t>2017/3/7</a:t>
+              <a:t>2017/3/28</a:t>
             </a:fld>
             <a:endParaRPr lang="zh-TW" altLang="en-US"/>
           </a:p>
@@ -3846,6 +3847,408 @@
       </p:grpSpPr>
       <p:sp>
         <p:nvSpPr>
+          <p:cNvPr id="2" name="Rectangle 1"/>
+          <p:cNvSpPr/>
+          <p:nvPr/>
+        </p:nvSpPr>
+        <p:spPr>
+          <a:xfrm>
+            <a:off x="4032000" y="2889000"/>
+            <a:ext cx="1080000" cy="1080000"/>
+          </a:xfrm>
+          <a:prstGeom prst="rect">
+            <a:avLst/>
+          </a:prstGeom>
+          <a:noFill/>
+          <a:ln w="6350">
+            <a:noFill/>
+          </a:ln>
+        </p:spPr>
+        <p:style>
+          <a:lnRef idx="2">
+            <a:schemeClr val="accent1">
+              <a:shade val="50000"/>
+            </a:schemeClr>
+          </a:lnRef>
+          <a:fillRef idx="1">
+            <a:schemeClr val="accent1"/>
+          </a:fillRef>
+          <a:effectRef idx="0">
+            <a:schemeClr val="accent1"/>
+          </a:effectRef>
+          <a:fontRef idx="minor">
+            <a:schemeClr val="lt1"/>
+          </a:fontRef>
+        </p:style>
+        <p:txBody>
+          <a:bodyPr rtlCol="0" anchor="ctr"/>
+          <a:lstStyle/>
+          <a:p>
+            <a:pPr algn="ctr"/>
+            <a:endParaRPr lang="zh-TW" altLang="en-US"/>
+          </a:p>
+        </p:txBody>
+      </p:sp>
+      <p:grpSp>
+        <p:nvGrpSpPr>
+          <p:cNvPr id="14" name="Group 13"/>
+          <p:cNvGrpSpPr>
+            <a:grpSpLocks noChangeAspect="1"/>
+          </p:cNvGrpSpPr>
+          <p:nvPr/>
+        </p:nvGrpSpPr>
+        <p:grpSpPr>
+          <a:xfrm>
+            <a:off x="4090328" y="2947988"/>
+            <a:ext cx="804750" cy="468000"/>
+            <a:chOff x="4096678" y="2960688"/>
+            <a:chExt cx="949206" cy="552008"/>
+          </a:xfrm>
+        </p:grpSpPr>
+        <p:sp>
+          <p:nvSpPr>
+            <p:cNvPr id="7" name="Trapezoid 6"/>
+            <p:cNvSpPr/>
+            <p:nvPr/>
+          </p:nvSpPr>
+          <p:spPr>
+            <a:xfrm rot="16200000">
+              <a:off x="4759785" y="3159472"/>
+              <a:ext cx="417758" cy="154440"/>
+            </a:xfrm>
+            <a:prstGeom prst="trapezoid">
+              <a:avLst>
+                <a:gd name="adj" fmla="val 51211"/>
+              </a:avLst>
+            </a:prstGeom>
+            <a:solidFill>
+              <a:schemeClr val="bg1">
+                <a:lumMod val="75000"/>
+              </a:schemeClr>
+            </a:solidFill>
+            <a:ln w="50800">
+              <a:solidFill>
+                <a:schemeClr val="bg1">
+                  <a:lumMod val="75000"/>
+                </a:schemeClr>
+              </a:solidFill>
+              <a:miter lim="800000"/>
+            </a:ln>
+          </p:spPr>
+          <p:style>
+            <a:lnRef idx="2">
+              <a:schemeClr val="accent1">
+                <a:shade val="50000"/>
+              </a:schemeClr>
+            </a:lnRef>
+            <a:fillRef idx="1">
+              <a:schemeClr val="accent1"/>
+            </a:fillRef>
+            <a:effectRef idx="0">
+              <a:schemeClr val="accent1"/>
+            </a:effectRef>
+            <a:fontRef idx="minor">
+              <a:schemeClr val="lt1"/>
+            </a:fontRef>
+          </p:style>
+          <p:txBody>
+            <a:bodyPr rtlCol="0" anchor="ctr"/>
+            <a:lstStyle/>
+            <a:p>
+              <a:pPr algn="ctr"/>
+              <a:endParaRPr lang="zh-TW" altLang="en-US"/>
+            </a:p>
+          </p:txBody>
+        </p:sp>
+        <p:sp>
+          <p:nvSpPr>
+            <p:cNvPr id="8" name="Rounded Rectangle 7"/>
+            <p:cNvSpPr/>
+            <p:nvPr/>
+          </p:nvSpPr>
+          <p:spPr>
+            <a:xfrm>
+              <a:off x="4096678" y="2960688"/>
+              <a:ext cx="763354" cy="552008"/>
+            </a:xfrm>
+            <a:prstGeom prst="roundRect">
+              <a:avLst>
+                <a:gd name="adj" fmla="val 13601"/>
+              </a:avLst>
+            </a:prstGeom>
+            <a:solidFill>
+              <a:schemeClr val="bg1">
+                <a:lumMod val="75000"/>
+              </a:schemeClr>
+            </a:solidFill>
+            <a:ln w="50800">
+              <a:solidFill>
+                <a:schemeClr val="bg1">
+                  <a:lumMod val="75000"/>
+                </a:schemeClr>
+              </a:solidFill>
+            </a:ln>
+          </p:spPr>
+          <p:style>
+            <a:lnRef idx="2">
+              <a:schemeClr val="accent1">
+                <a:shade val="50000"/>
+              </a:schemeClr>
+            </a:lnRef>
+            <a:fillRef idx="1">
+              <a:schemeClr val="accent1"/>
+            </a:fillRef>
+            <a:effectRef idx="0">
+              <a:schemeClr val="accent1"/>
+            </a:effectRef>
+            <a:fontRef idx="minor">
+              <a:schemeClr val="lt1"/>
+            </a:fontRef>
+          </p:style>
+          <p:txBody>
+            <a:bodyPr rtlCol="0" anchor="ctr"/>
+            <a:lstStyle/>
+            <a:p>
+              <a:pPr algn="ctr"/>
+              <a:endParaRPr lang="zh-TW" altLang="en-US"/>
+            </a:p>
+          </p:txBody>
+        </p:sp>
+      </p:grpSp>
+      <p:grpSp>
+        <p:nvGrpSpPr>
+          <p:cNvPr id="11" name="Group 10"/>
+          <p:cNvGrpSpPr>
+            <a:grpSpLocks noChangeAspect="1"/>
+          </p:cNvGrpSpPr>
+          <p:nvPr/>
+        </p:nvGrpSpPr>
+        <p:grpSpPr>
+          <a:xfrm>
+            <a:off x="4256410" y="3450332"/>
+            <a:ext cx="804750" cy="468000"/>
+            <a:chOff x="5045884" y="4221088"/>
+            <a:chExt cx="949206" cy="552008"/>
+          </a:xfrm>
+        </p:grpSpPr>
+        <p:sp>
+          <p:nvSpPr>
+            <p:cNvPr id="9" name="Trapezoid 8"/>
+            <p:cNvSpPr/>
+            <p:nvPr/>
+          </p:nvSpPr>
+          <p:spPr>
+            <a:xfrm rot="16200000">
+              <a:off x="5708991" y="4419872"/>
+              <a:ext cx="417758" cy="154440"/>
+            </a:xfrm>
+            <a:prstGeom prst="trapezoid">
+              <a:avLst>
+                <a:gd name="adj" fmla="val 51211"/>
+              </a:avLst>
+            </a:prstGeom>
+            <a:solidFill>
+              <a:schemeClr val="tx1">
+                <a:lumMod val="50000"/>
+                <a:lumOff val="50000"/>
+              </a:schemeClr>
+            </a:solidFill>
+            <a:ln w="50800">
+              <a:solidFill>
+                <a:schemeClr val="tx1">
+                  <a:lumMod val="50000"/>
+                  <a:lumOff val="50000"/>
+                </a:schemeClr>
+              </a:solidFill>
+              <a:miter lim="800000"/>
+            </a:ln>
+          </p:spPr>
+          <p:style>
+            <a:lnRef idx="2">
+              <a:schemeClr val="accent1">
+                <a:shade val="50000"/>
+              </a:schemeClr>
+            </a:lnRef>
+            <a:fillRef idx="1">
+              <a:schemeClr val="accent1"/>
+            </a:fillRef>
+            <a:effectRef idx="0">
+              <a:schemeClr val="accent1"/>
+            </a:effectRef>
+            <a:fontRef idx="minor">
+              <a:schemeClr val="lt1"/>
+            </a:fontRef>
+          </p:style>
+          <p:txBody>
+            <a:bodyPr rtlCol="0" anchor="ctr"/>
+            <a:lstStyle/>
+            <a:p>
+              <a:pPr algn="ctr"/>
+              <a:endParaRPr lang="zh-TW" altLang="en-US"/>
+            </a:p>
+          </p:txBody>
+        </p:sp>
+        <p:sp>
+          <p:nvSpPr>
+            <p:cNvPr id="10" name="Rounded Rectangle 9"/>
+            <p:cNvSpPr/>
+            <p:nvPr/>
+          </p:nvSpPr>
+          <p:spPr>
+            <a:xfrm>
+              <a:off x="5045884" y="4221088"/>
+              <a:ext cx="763354" cy="552008"/>
+            </a:xfrm>
+            <a:prstGeom prst="roundRect">
+              <a:avLst>
+                <a:gd name="adj" fmla="val 13601"/>
+              </a:avLst>
+            </a:prstGeom>
+            <a:solidFill>
+              <a:schemeClr val="tx1">
+                <a:lumMod val="50000"/>
+                <a:lumOff val="50000"/>
+              </a:schemeClr>
+            </a:solidFill>
+            <a:ln w="50800">
+              <a:solidFill>
+                <a:schemeClr val="tx1">
+                  <a:lumMod val="50000"/>
+                  <a:lumOff val="50000"/>
+                </a:schemeClr>
+              </a:solidFill>
+            </a:ln>
+          </p:spPr>
+          <p:style>
+            <a:lnRef idx="2">
+              <a:schemeClr val="accent1">
+                <a:shade val="50000"/>
+              </a:schemeClr>
+            </a:lnRef>
+            <a:fillRef idx="1">
+              <a:schemeClr val="accent1"/>
+            </a:fillRef>
+            <a:effectRef idx="0">
+              <a:schemeClr val="accent1"/>
+            </a:effectRef>
+            <a:fontRef idx="minor">
+              <a:schemeClr val="lt1"/>
+            </a:fontRef>
+          </p:style>
+          <p:txBody>
+            <a:bodyPr rtlCol="0" anchor="ctr"/>
+            <a:lstStyle/>
+            <a:p>
+              <a:pPr algn="ctr"/>
+              <a:endParaRPr lang="zh-TW" altLang="en-US"/>
+            </a:p>
+          </p:txBody>
+        </p:sp>
+      </p:grpSp>
+      <p:cxnSp>
+        <p:nvCxnSpPr>
+          <p:cNvPr id="13" name="Straight Arrow Connector 12"/>
+          <p:cNvCxnSpPr/>
+          <p:nvPr/>
+        </p:nvCxnSpPr>
+        <p:spPr>
+          <a:xfrm>
+            <a:off x="4644008" y="3212976"/>
+            <a:ext cx="0" cy="432048"/>
+          </a:xfrm>
+          <a:prstGeom prst="straightConnector1">
+            <a:avLst/>
+          </a:prstGeom>
+          <a:ln w="63500">
+            <a:solidFill>
+              <a:schemeClr val="bg1"/>
+            </a:solidFill>
+            <a:tailEnd type="triangle" w="lg" len="med"/>
+          </a:ln>
+        </p:spPr>
+        <p:style>
+          <a:lnRef idx="1">
+            <a:schemeClr val="accent1"/>
+          </a:lnRef>
+          <a:fillRef idx="0">
+            <a:schemeClr val="accent1"/>
+          </a:fillRef>
+          <a:effectRef idx="0">
+            <a:schemeClr val="accent1"/>
+          </a:effectRef>
+          <a:fontRef idx="minor">
+            <a:schemeClr val="tx1"/>
+          </a:fontRef>
+        </p:style>
+      </p:cxnSp>
+      <p:cxnSp>
+        <p:nvCxnSpPr>
+          <p:cNvPr id="18" name="Straight Arrow Connector 17"/>
+          <p:cNvCxnSpPr/>
+          <p:nvPr/>
+        </p:nvCxnSpPr>
+        <p:spPr>
+          <a:xfrm flipV="1">
+            <a:off x="4385989" y="3201810"/>
+            <a:ext cx="0" cy="432000"/>
+          </a:xfrm>
+          <a:prstGeom prst="straightConnector1">
+            <a:avLst/>
+          </a:prstGeom>
+          <a:ln w="63500">
+            <a:solidFill>
+              <a:schemeClr val="bg1"/>
+            </a:solidFill>
+            <a:tailEnd type="triangle" w="lg" len="med"/>
+          </a:ln>
+        </p:spPr>
+        <p:style>
+          <a:lnRef idx="1">
+            <a:schemeClr val="accent1"/>
+          </a:lnRef>
+          <a:fillRef idx="0">
+            <a:schemeClr val="accent1"/>
+          </a:fillRef>
+          <a:effectRef idx="0">
+            <a:schemeClr val="accent1"/>
+          </a:effectRef>
+          <a:fontRef idx="minor">
+            <a:schemeClr val="tx1"/>
+          </a:fontRef>
+        </p:style>
+      </p:cxnSp>
+    </p:spTree>
+    <p:extLst>
+      <p:ext uri="{BB962C8B-B14F-4D97-AF65-F5344CB8AC3E}">
+        <p14:creationId xmlns:p14="http://schemas.microsoft.com/office/powerpoint/2010/main" val="3669346345"/>
+      </p:ext>
+    </p:extLst>
+  </p:cSld>
+  <p:clrMapOvr>
+    <a:masterClrMapping/>
+  </p:clrMapOvr>
+</p:sld>
+</file>
+
+<file path=ppt/slides/slide11.xml><?xml version="1.0" encoding="utf-8"?>
+<p:sld xmlns:a="http://schemas.openxmlformats.org/drawingml/2006/main" xmlns:r="http://schemas.openxmlformats.org/officeDocument/2006/relationships" xmlns:p="http://schemas.openxmlformats.org/presentationml/2006/main">
+  <p:cSld>
+    <p:spTree>
+      <p:nvGrpSpPr>
+        <p:cNvPr id="1" name=""/>
+        <p:cNvGrpSpPr/>
+        <p:nvPr/>
+      </p:nvGrpSpPr>
+      <p:grpSpPr>
+        <a:xfrm>
+          <a:off x="0" y="0"/>
+          <a:ext cx="0" cy="0"/>
+          <a:chOff x="0" y="0"/>
+          <a:chExt cx="0" cy="0"/>
+        </a:xfrm>
+      </p:grpSpPr>
+      <p:sp>
+        <p:nvSpPr>
           <p:cNvPr id="3" name="Rectangle 2"/>
           <p:cNvSpPr/>
           <p:nvPr/>
@@ -4013,7 +4416,7 @@
 </p:sld>
 </file>
 
-<file path=ppt/slides/slide11.xml><?xml version="1.0" encoding="utf-8"?>
+<file path=ppt/slides/slide12.xml><?xml version="1.0" encoding="utf-8"?>
 <p:sld xmlns:a="http://schemas.openxmlformats.org/drawingml/2006/main" xmlns:r="http://schemas.openxmlformats.org/officeDocument/2006/relationships" xmlns:p="http://schemas.openxmlformats.org/presentationml/2006/main">
   <p:cSld>
     <p:spTree>
@@ -4187,7 +4590,7 @@
 </p:sld>
 </file>
 
-<file path=ppt/slides/slide12.xml><?xml version="1.0" encoding="utf-8"?>
+<file path=ppt/slides/slide13.xml><?xml version="1.0" encoding="utf-8"?>
 <p:sld xmlns:a="http://schemas.openxmlformats.org/drawingml/2006/main" xmlns:r="http://schemas.openxmlformats.org/officeDocument/2006/relationships" xmlns:p="http://schemas.openxmlformats.org/presentationml/2006/main">
   <p:cSld>
     <p:spTree>
@@ -4451,7 +4854,7 @@
 </p:sld>
 </file>
 
-<file path=ppt/slides/slide13.xml><?xml version="1.0" encoding="utf-8"?>
+<file path=ppt/slides/slide14.xml><?xml version="1.0" encoding="utf-8"?>
 <p:sld xmlns:a="http://schemas.openxmlformats.org/drawingml/2006/main" xmlns:r="http://schemas.openxmlformats.org/officeDocument/2006/relationships" xmlns:p="http://schemas.openxmlformats.org/presentationml/2006/main">
   <p:cSld>
     <p:spTree>
@@ -4549,7 +4952,7 @@
 </p:sld>
 </file>
 
-<file path=ppt/slides/slide14.xml><?xml version="1.0" encoding="utf-8"?>
+<file path=ppt/slides/slide15.xml><?xml version="1.0" encoding="utf-8"?>
 <p:sld xmlns:a="http://schemas.openxmlformats.org/drawingml/2006/main" xmlns:r="http://schemas.openxmlformats.org/officeDocument/2006/relationships" xmlns:p="http://schemas.openxmlformats.org/presentationml/2006/main">
   <p:cSld>
     <p:spTree>
@@ -5032,7 +5435,7 @@
 </p:sld>
 </file>
 
-<file path=ppt/slides/slide15.xml><?xml version="1.0" encoding="utf-8"?>
+<file path=ppt/slides/slide16.xml><?xml version="1.0" encoding="utf-8"?>
 <p:sld xmlns:a="http://schemas.openxmlformats.org/drawingml/2006/main" xmlns:r="http://schemas.openxmlformats.org/officeDocument/2006/relationships" xmlns:p="http://schemas.openxmlformats.org/presentationml/2006/main">
   <p:cSld>
     <p:spTree>
@@ -5069,7 +5472,7 @@
 </p:sld>
 </file>
 
-<file path=ppt/slides/slide16.xml><?xml version="1.0" encoding="utf-8"?>
+<file path=ppt/slides/slide17.xml><?xml version="1.0" encoding="utf-8"?>
 <p:sld xmlns:a="http://schemas.openxmlformats.org/drawingml/2006/main" xmlns:r="http://schemas.openxmlformats.org/officeDocument/2006/relationships" xmlns:p="http://schemas.openxmlformats.org/presentationml/2006/main">
   <p:cSld>
     <p:spTree>
@@ -5106,7 +5509,7 @@
 </p:sld>
 </file>
 
-<file path=ppt/slides/slide17.xml><?xml version="1.0" encoding="utf-8"?>
+<file path=ppt/slides/slide18.xml><?xml version="1.0" encoding="utf-8"?>
 <p:sld xmlns:a="http://schemas.openxmlformats.org/drawingml/2006/main" xmlns:r="http://schemas.openxmlformats.org/officeDocument/2006/relationships" xmlns:p="http://schemas.openxmlformats.org/presentationml/2006/main">
   <p:cSld>
     <p:spTree>
@@ -5237,7 +5640,7 @@
 </p:sld>
 </file>
 
-<file path=ppt/slides/slide18.xml><?xml version="1.0" encoding="utf-8"?>
+<file path=ppt/slides/slide19.xml><?xml version="1.0" encoding="utf-8"?>
 <p:sld xmlns:a="http://schemas.openxmlformats.org/drawingml/2006/main" xmlns:r="http://schemas.openxmlformats.org/officeDocument/2006/relationships" xmlns:p="http://schemas.openxmlformats.org/presentationml/2006/main">
   <p:cSld>
     <p:spTree>
@@ -5308,7 +5711,127 @@
 </p:sld>
 </file>
 
-<file path=ppt/slides/slide19.xml><?xml version="1.0" encoding="utf-8"?>
+<file path=ppt/slides/slide2.xml><?xml version="1.0" encoding="utf-8"?>
+<p:sld xmlns:a="http://schemas.openxmlformats.org/drawingml/2006/main" xmlns:r="http://schemas.openxmlformats.org/officeDocument/2006/relationships" xmlns:p="http://schemas.openxmlformats.org/presentationml/2006/main">
+  <p:cSld>
+    <p:spTree>
+      <p:nvGrpSpPr>
+        <p:cNvPr id="1" name=""/>
+        <p:cNvGrpSpPr/>
+        <p:nvPr/>
+      </p:nvGrpSpPr>
+      <p:grpSpPr>
+        <a:xfrm>
+          <a:off x="0" y="0"/>
+          <a:ext cx="0" cy="0"/>
+          <a:chOff x="0" y="0"/>
+          <a:chExt cx="0" cy="0"/>
+        </a:xfrm>
+      </p:grpSpPr>
+      <p:sp>
+        <p:nvSpPr>
+          <p:cNvPr id="3" name="Rectangle 2"/>
+          <p:cNvSpPr/>
+          <p:nvPr/>
+        </p:nvSpPr>
+        <p:spPr>
+          <a:xfrm>
+            <a:off x="4032000" y="2889000"/>
+            <a:ext cx="1080000" cy="1080000"/>
+          </a:xfrm>
+          <a:prstGeom prst="rect">
+            <a:avLst/>
+          </a:prstGeom>
+          <a:noFill/>
+          <a:ln w="6350">
+            <a:noFill/>
+          </a:ln>
+        </p:spPr>
+        <p:style>
+          <a:lnRef idx="2">
+            <a:schemeClr val="accent1">
+              <a:shade val="50000"/>
+            </a:schemeClr>
+          </a:lnRef>
+          <a:fillRef idx="1">
+            <a:schemeClr val="accent1"/>
+          </a:fillRef>
+          <a:effectRef idx="0">
+            <a:schemeClr val="accent1"/>
+          </a:effectRef>
+          <a:fontRef idx="minor">
+            <a:schemeClr val="lt1"/>
+          </a:fontRef>
+        </p:style>
+        <p:txBody>
+          <a:bodyPr rtlCol="0" anchor="ctr"/>
+          <a:lstStyle/>
+          <a:p>
+            <a:pPr algn="ctr"/>
+            <a:endParaRPr lang="zh-TW" altLang="en-US"/>
+          </a:p>
+        </p:txBody>
+      </p:sp>
+      <p:sp>
+        <p:nvSpPr>
+          <p:cNvPr id="4" name="Oval 3"/>
+          <p:cNvSpPr/>
+          <p:nvPr/>
+        </p:nvSpPr>
+        <p:spPr>
+          <a:xfrm>
+            <a:off x="4114800" y="2971800"/>
+            <a:ext cx="914400" cy="914400"/>
+          </a:xfrm>
+          <a:prstGeom prst="ellipse">
+            <a:avLst/>
+          </a:prstGeom>
+          <a:solidFill>
+            <a:srgbClr val="FF0000"/>
+          </a:solidFill>
+          <a:ln>
+            <a:noFill/>
+          </a:ln>
+        </p:spPr>
+        <p:style>
+          <a:lnRef idx="2">
+            <a:schemeClr val="accent1">
+              <a:shade val="50000"/>
+            </a:schemeClr>
+          </a:lnRef>
+          <a:fillRef idx="1">
+            <a:schemeClr val="accent1"/>
+          </a:fillRef>
+          <a:effectRef idx="0">
+            <a:schemeClr val="accent1"/>
+          </a:effectRef>
+          <a:fontRef idx="minor">
+            <a:schemeClr val="lt1"/>
+          </a:fontRef>
+        </p:style>
+        <p:txBody>
+          <a:bodyPr rtlCol="0" anchor="ctr"/>
+          <a:lstStyle/>
+          <a:p>
+            <a:pPr algn="ctr"/>
+            <a:endParaRPr lang="en-US"/>
+          </a:p>
+        </p:txBody>
+      </p:sp>
+    </p:spTree>
+    <p:extLst>
+      <p:ext uri="{BB962C8B-B14F-4D97-AF65-F5344CB8AC3E}">
+        <p14:creationId xmlns:p14="http://schemas.microsoft.com/office/powerpoint/2010/main" val="3834815093"/>
+      </p:ext>
+    </p:extLst>
+  </p:cSld>
+  <p:clrMapOvr>
+    <a:masterClrMapping/>
+  </p:clrMapOvr>
+</p:sld>
+</file>
+
+<file path=ppt/slides/slide20.xml><?xml version="1.0" encoding="utf-8"?>
 <p:sld xmlns:a="http://schemas.openxmlformats.org/drawingml/2006/main" xmlns:r="http://schemas.openxmlformats.org/officeDocument/2006/relationships" xmlns:p="http://schemas.openxmlformats.org/presentationml/2006/main">
   <p:cSld>
     <p:spTree>
@@ -5492,127 +6015,7 @@
 </p:sld>
 </file>
 
-<file path=ppt/slides/slide2.xml><?xml version="1.0" encoding="utf-8"?>
-<p:sld xmlns:a="http://schemas.openxmlformats.org/drawingml/2006/main" xmlns:r="http://schemas.openxmlformats.org/officeDocument/2006/relationships" xmlns:p="http://schemas.openxmlformats.org/presentationml/2006/main">
-  <p:cSld>
-    <p:spTree>
-      <p:nvGrpSpPr>
-        <p:cNvPr id="1" name=""/>
-        <p:cNvGrpSpPr/>
-        <p:nvPr/>
-      </p:nvGrpSpPr>
-      <p:grpSpPr>
-        <a:xfrm>
-          <a:off x="0" y="0"/>
-          <a:ext cx="0" cy="0"/>
-          <a:chOff x="0" y="0"/>
-          <a:chExt cx="0" cy="0"/>
-        </a:xfrm>
-      </p:grpSpPr>
-      <p:sp>
-        <p:nvSpPr>
-          <p:cNvPr id="3" name="Rectangle 2"/>
-          <p:cNvSpPr/>
-          <p:nvPr/>
-        </p:nvSpPr>
-        <p:spPr>
-          <a:xfrm>
-            <a:off x="4032000" y="2889000"/>
-            <a:ext cx="1080000" cy="1080000"/>
-          </a:xfrm>
-          <a:prstGeom prst="rect">
-            <a:avLst/>
-          </a:prstGeom>
-          <a:noFill/>
-          <a:ln w="6350">
-            <a:noFill/>
-          </a:ln>
-        </p:spPr>
-        <p:style>
-          <a:lnRef idx="2">
-            <a:schemeClr val="accent1">
-              <a:shade val="50000"/>
-            </a:schemeClr>
-          </a:lnRef>
-          <a:fillRef idx="1">
-            <a:schemeClr val="accent1"/>
-          </a:fillRef>
-          <a:effectRef idx="0">
-            <a:schemeClr val="accent1"/>
-          </a:effectRef>
-          <a:fontRef idx="minor">
-            <a:schemeClr val="lt1"/>
-          </a:fontRef>
-        </p:style>
-        <p:txBody>
-          <a:bodyPr rtlCol="0" anchor="ctr"/>
-          <a:lstStyle/>
-          <a:p>
-            <a:pPr algn="ctr"/>
-            <a:endParaRPr lang="zh-TW" altLang="en-US"/>
-          </a:p>
-        </p:txBody>
-      </p:sp>
-      <p:sp>
-        <p:nvSpPr>
-          <p:cNvPr id="4" name="Oval 3"/>
-          <p:cNvSpPr/>
-          <p:nvPr/>
-        </p:nvSpPr>
-        <p:spPr>
-          <a:xfrm>
-            <a:off x="4114800" y="2971800"/>
-            <a:ext cx="914400" cy="914400"/>
-          </a:xfrm>
-          <a:prstGeom prst="ellipse">
-            <a:avLst/>
-          </a:prstGeom>
-          <a:solidFill>
-            <a:srgbClr val="FF0000"/>
-          </a:solidFill>
-          <a:ln>
-            <a:noFill/>
-          </a:ln>
-        </p:spPr>
-        <p:style>
-          <a:lnRef idx="2">
-            <a:schemeClr val="accent1">
-              <a:shade val="50000"/>
-            </a:schemeClr>
-          </a:lnRef>
-          <a:fillRef idx="1">
-            <a:schemeClr val="accent1"/>
-          </a:fillRef>
-          <a:effectRef idx="0">
-            <a:schemeClr val="accent1"/>
-          </a:effectRef>
-          <a:fontRef idx="minor">
-            <a:schemeClr val="lt1"/>
-          </a:fontRef>
-        </p:style>
-        <p:txBody>
-          <a:bodyPr rtlCol="0" anchor="ctr"/>
-          <a:lstStyle/>
-          <a:p>
-            <a:pPr algn="ctr"/>
-            <a:endParaRPr lang="en-US"/>
-          </a:p>
-        </p:txBody>
-      </p:sp>
-    </p:spTree>
-    <p:extLst>
-      <p:ext uri="{BB962C8B-B14F-4D97-AF65-F5344CB8AC3E}">
-        <p14:creationId xmlns:p14="http://schemas.microsoft.com/office/powerpoint/2010/main" val="3834815093"/>
-      </p:ext>
-    </p:extLst>
-  </p:cSld>
-  <p:clrMapOvr>
-    <a:masterClrMapping/>
-  </p:clrMapOvr>
-</p:sld>
-</file>
-
-<file path=ppt/slides/slide20.xml><?xml version="1.0" encoding="utf-8"?>
+<file path=ppt/slides/slide21.xml><?xml version="1.0" encoding="utf-8"?>
 <p:sld xmlns:a="http://schemas.openxmlformats.org/drawingml/2006/main" xmlns:r="http://schemas.openxmlformats.org/officeDocument/2006/relationships" xmlns:p="http://schemas.openxmlformats.org/presentationml/2006/main">
   <p:cSld>
     <p:spTree>
@@ -5957,7 +6360,7 @@
 </p:sld>
 </file>
 
-<file path=ppt/slides/slide21.xml><?xml version="1.0" encoding="utf-8"?>
+<file path=ppt/slides/slide22.xml><?xml version="1.0" encoding="utf-8"?>
 <p:sld xmlns:a="http://schemas.openxmlformats.org/drawingml/2006/main" xmlns:r="http://schemas.openxmlformats.org/officeDocument/2006/relationships" xmlns:p="http://schemas.openxmlformats.org/presentationml/2006/main">
   <p:cSld>
     <p:spTree>
@@ -6432,7 +6835,7 @@
 </p:sld>
 </file>
 
-<file path=ppt/slides/slide22.xml><?xml version="1.0" encoding="utf-8"?>
+<file path=ppt/slides/slide23.xml><?xml version="1.0" encoding="utf-8"?>
 <p:sld xmlns:a="http://schemas.openxmlformats.org/drawingml/2006/main" xmlns:r="http://schemas.openxmlformats.org/officeDocument/2006/relationships" xmlns:p="http://schemas.openxmlformats.org/presentationml/2006/main">
   <p:cSld>
     <p:spTree>
@@ -6608,7 +7011,7 @@
 </p:sld>
 </file>
 
-<file path=ppt/slides/slide23.xml><?xml version="1.0" encoding="utf-8"?>
+<file path=ppt/slides/slide24.xml><?xml version="1.0" encoding="utf-8"?>
 <p:sld xmlns:a="http://schemas.openxmlformats.org/drawingml/2006/main" xmlns:r="http://schemas.openxmlformats.org/officeDocument/2006/relationships" xmlns:p="http://schemas.openxmlformats.org/presentationml/2006/main">
   <p:cSld>
     <p:spTree>
@@ -6684,7 +7087,7 @@
 </p:sld>
 </file>
 
-<file path=ppt/slides/slide24.xml><?xml version="1.0" encoding="utf-8"?>
+<file path=ppt/slides/slide25.xml><?xml version="1.0" encoding="utf-8"?>
 <p:sld xmlns:a="http://schemas.openxmlformats.org/drawingml/2006/main" xmlns:r="http://schemas.openxmlformats.org/officeDocument/2006/relationships" xmlns:p="http://schemas.openxmlformats.org/presentationml/2006/main">
   <p:cSld>
     <p:spTree>
@@ -6910,7 +7313,7 @@
 </p:sld>
 </file>
 
-<file path=ppt/slides/slide25.xml><?xml version="1.0" encoding="utf-8"?>
+<file path=ppt/slides/slide26.xml><?xml version="1.0" encoding="utf-8"?>
 <p:sld xmlns:a="http://schemas.openxmlformats.org/drawingml/2006/main" xmlns:r="http://schemas.openxmlformats.org/officeDocument/2006/relationships" xmlns:p="http://schemas.openxmlformats.org/presentationml/2006/main">
   <p:cSld>
     <p:spTree>
@@ -7258,7 +7661,7 @@
 </p:sld>
 </file>
 
-<file path=ppt/slides/slide26.xml><?xml version="1.0" encoding="utf-8"?>
+<file path=ppt/slides/slide27.xml><?xml version="1.0" encoding="utf-8"?>
 <p:sld xmlns:a="http://schemas.openxmlformats.org/drawingml/2006/main" xmlns:r="http://schemas.openxmlformats.org/officeDocument/2006/relationships" xmlns:p="http://schemas.openxmlformats.org/presentationml/2006/main">
   <p:cSld>
     <p:spTree>
@@ -7576,7 +7979,7 @@
 </p:sld>
 </file>
 
-<file path=ppt/slides/slide27.xml><?xml version="1.0" encoding="utf-8"?>
+<file path=ppt/slides/slide28.xml><?xml version="1.0" encoding="utf-8"?>
 <p:sld xmlns:a="http://schemas.openxmlformats.org/drawingml/2006/main" xmlns:r="http://schemas.openxmlformats.org/officeDocument/2006/relationships" xmlns:p="http://schemas.openxmlformats.org/presentationml/2006/main">
   <p:cSld>
     <p:spTree>
@@ -8416,7 +8819,7 @@
 </p:sld>
 </file>
 
-<file path=ppt/slides/slide28.xml><?xml version="1.0" encoding="utf-8"?>
+<file path=ppt/slides/slide29.xml><?xml version="1.0" encoding="utf-8"?>
 <p:sld xmlns:a="http://schemas.openxmlformats.org/drawingml/2006/main" xmlns:r="http://schemas.openxmlformats.org/officeDocument/2006/relationships" xmlns:p="http://schemas.openxmlformats.org/presentationml/2006/main">
   <p:cSld>
     <p:spTree>
@@ -10095,7 +10498,129 @@
 </p:sld>
 </file>
 
-<file path=ppt/slides/slide29.xml><?xml version="1.0" encoding="utf-8"?>
+<file path=ppt/slides/slide3.xml><?xml version="1.0" encoding="utf-8"?>
+<p:sld xmlns:a="http://schemas.openxmlformats.org/drawingml/2006/main" xmlns:r="http://schemas.openxmlformats.org/officeDocument/2006/relationships" xmlns:p="http://schemas.openxmlformats.org/presentationml/2006/main">
+  <p:cSld>
+    <p:spTree>
+      <p:nvGrpSpPr>
+        <p:cNvPr id="1" name=""/>
+        <p:cNvGrpSpPr/>
+        <p:nvPr/>
+      </p:nvGrpSpPr>
+      <p:grpSpPr>
+        <a:xfrm>
+          <a:off x="0" y="0"/>
+          <a:ext cx="0" cy="0"/>
+          <a:chOff x="0" y="0"/>
+          <a:chExt cx="0" cy="0"/>
+        </a:xfrm>
+      </p:grpSpPr>
+      <p:sp>
+        <p:nvSpPr>
+          <p:cNvPr id="5" name="Rounded Rectangle 4"/>
+          <p:cNvSpPr/>
+          <p:nvPr/>
+        </p:nvSpPr>
+        <p:spPr>
+          <a:xfrm>
+            <a:off x="4281016" y="3140968"/>
+            <a:ext cx="576064" cy="576064"/>
+          </a:xfrm>
+          <a:prstGeom prst="roundRect">
+            <a:avLst>
+              <a:gd name="adj" fmla="val 11111"/>
+            </a:avLst>
+          </a:prstGeom>
+          <a:solidFill>
+            <a:srgbClr val="FF0000"/>
+          </a:solidFill>
+          <a:ln>
+            <a:noFill/>
+          </a:ln>
+        </p:spPr>
+        <p:style>
+          <a:lnRef idx="2">
+            <a:schemeClr val="accent1">
+              <a:shade val="50000"/>
+            </a:schemeClr>
+          </a:lnRef>
+          <a:fillRef idx="1">
+            <a:schemeClr val="accent1"/>
+          </a:fillRef>
+          <a:effectRef idx="0">
+            <a:schemeClr val="accent1"/>
+          </a:effectRef>
+          <a:fontRef idx="minor">
+            <a:schemeClr val="lt1"/>
+          </a:fontRef>
+        </p:style>
+        <p:txBody>
+          <a:bodyPr rtlCol="0" anchor="ctr"/>
+          <a:lstStyle/>
+          <a:p>
+            <a:pPr algn="ctr"/>
+            <a:endParaRPr lang="en-US"/>
+          </a:p>
+        </p:txBody>
+      </p:sp>
+      <p:sp>
+        <p:nvSpPr>
+          <p:cNvPr id="3" name="Rectangle 2"/>
+          <p:cNvSpPr/>
+          <p:nvPr/>
+        </p:nvSpPr>
+        <p:spPr>
+          <a:xfrm>
+            <a:off x="4032000" y="2889000"/>
+            <a:ext cx="1080000" cy="1080000"/>
+          </a:xfrm>
+          <a:prstGeom prst="rect">
+            <a:avLst/>
+          </a:prstGeom>
+          <a:noFill/>
+          <a:ln w="6350">
+            <a:noFill/>
+          </a:ln>
+        </p:spPr>
+        <p:style>
+          <a:lnRef idx="2">
+            <a:schemeClr val="accent1">
+              <a:shade val="50000"/>
+            </a:schemeClr>
+          </a:lnRef>
+          <a:fillRef idx="1">
+            <a:schemeClr val="accent1"/>
+          </a:fillRef>
+          <a:effectRef idx="0">
+            <a:schemeClr val="accent1"/>
+          </a:effectRef>
+          <a:fontRef idx="minor">
+            <a:schemeClr val="lt1"/>
+          </a:fontRef>
+        </p:style>
+        <p:txBody>
+          <a:bodyPr rtlCol="0" anchor="ctr"/>
+          <a:lstStyle/>
+          <a:p>
+            <a:pPr algn="ctr"/>
+            <a:endParaRPr lang="zh-TW" altLang="en-US"/>
+          </a:p>
+        </p:txBody>
+      </p:sp>
+    </p:spTree>
+    <p:extLst>
+      <p:ext uri="{BB962C8B-B14F-4D97-AF65-F5344CB8AC3E}">
+        <p14:creationId xmlns:p14="http://schemas.microsoft.com/office/powerpoint/2010/main" val="2760861898"/>
+      </p:ext>
+    </p:extLst>
+  </p:cSld>
+  <p:clrMapOvr>
+    <a:masterClrMapping/>
+  </p:clrMapOvr>
+</p:sld>
+</file>
+
+<file path=ppt/slides/slide30.xml><?xml version="1.0" encoding="utf-8"?>
 <p:sld xmlns:a="http://schemas.openxmlformats.org/drawingml/2006/main" xmlns:r="http://schemas.openxmlformats.org/officeDocument/2006/relationships" xmlns:p="http://schemas.openxmlformats.org/presentationml/2006/main">
   <p:cSld>
     <p:spTree>
@@ -10338,129 +10863,7 @@
 </p:sld>
 </file>
 
-<file path=ppt/slides/slide3.xml><?xml version="1.0" encoding="utf-8"?>
-<p:sld xmlns:a="http://schemas.openxmlformats.org/drawingml/2006/main" xmlns:r="http://schemas.openxmlformats.org/officeDocument/2006/relationships" xmlns:p="http://schemas.openxmlformats.org/presentationml/2006/main">
-  <p:cSld>
-    <p:spTree>
-      <p:nvGrpSpPr>
-        <p:cNvPr id="1" name=""/>
-        <p:cNvGrpSpPr/>
-        <p:nvPr/>
-      </p:nvGrpSpPr>
-      <p:grpSpPr>
-        <a:xfrm>
-          <a:off x="0" y="0"/>
-          <a:ext cx="0" cy="0"/>
-          <a:chOff x="0" y="0"/>
-          <a:chExt cx="0" cy="0"/>
-        </a:xfrm>
-      </p:grpSpPr>
-      <p:sp>
-        <p:nvSpPr>
-          <p:cNvPr id="5" name="Rounded Rectangle 4"/>
-          <p:cNvSpPr/>
-          <p:nvPr/>
-        </p:nvSpPr>
-        <p:spPr>
-          <a:xfrm>
-            <a:off x="4281016" y="3140968"/>
-            <a:ext cx="576064" cy="576064"/>
-          </a:xfrm>
-          <a:prstGeom prst="roundRect">
-            <a:avLst>
-              <a:gd name="adj" fmla="val 11111"/>
-            </a:avLst>
-          </a:prstGeom>
-          <a:solidFill>
-            <a:srgbClr val="FF0000"/>
-          </a:solidFill>
-          <a:ln>
-            <a:noFill/>
-          </a:ln>
-        </p:spPr>
-        <p:style>
-          <a:lnRef idx="2">
-            <a:schemeClr val="accent1">
-              <a:shade val="50000"/>
-            </a:schemeClr>
-          </a:lnRef>
-          <a:fillRef idx="1">
-            <a:schemeClr val="accent1"/>
-          </a:fillRef>
-          <a:effectRef idx="0">
-            <a:schemeClr val="accent1"/>
-          </a:effectRef>
-          <a:fontRef idx="minor">
-            <a:schemeClr val="lt1"/>
-          </a:fontRef>
-        </p:style>
-        <p:txBody>
-          <a:bodyPr rtlCol="0" anchor="ctr"/>
-          <a:lstStyle/>
-          <a:p>
-            <a:pPr algn="ctr"/>
-            <a:endParaRPr lang="en-US"/>
-          </a:p>
-        </p:txBody>
-      </p:sp>
-      <p:sp>
-        <p:nvSpPr>
-          <p:cNvPr id="3" name="Rectangle 2"/>
-          <p:cNvSpPr/>
-          <p:nvPr/>
-        </p:nvSpPr>
-        <p:spPr>
-          <a:xfrm>
-            <a:off x="4032000" y="2889000"/>
-            <a:ext cx="1080000" cy="1080000"/>
-          </a:xfrm>
-          <a:prstGeom prst="rect">
-            <a:avLst/>
-          </a:prstGeom>
-          <a:noFill/>
-          <a:ln w="6350">
-            <a:noFill/>
-          </a:ln>
-        </p:spPr>
-        <p:style>
-          <a:lnRef idx="2">
-            <a:schemeClr val="accent1">
-              <a:shade val="50000"/>
-            </a:schemeClr>
-          </a:lnRef>
-          <a:fillRef idx="1">
-            <a:schemeClr val="accent1"/>
-          </a:fillRef>
-          <a:effectRef idx="0">
-            <a:schemeClr val="accent1"/>
-          </a:effectRef>
-          <a:fontRef idx="minor">
-            <a:schemeClr val="lt1"/>
-          </a:fontRef>
-        </p:style>
-        <p:txBody>
-          <a:bodyPr rtlCol="0" anchor="ctr"/>
-          <a:lstStyle/>
-          <a:p>
-            <a:pPr algn="ctr"/>
-            <a:endParaRPr lang="zh-TW" altLang="en-US"/>
-          </a:p>
-        </p:txBody>
-      </p:sp>
-    </p:spTree>
-    <p:extLst>
-      <p:ext uri="{BB962C8B-B14F-4D97-AF65-F5344CB8AC3E}">
-        <p14:creationId xmlns:p14="http://schemas.microsoft.com/office/powerpoint/2010/main" val="2760861898"/>
-      </p:ext>
-    </p:extLst>
-  </p:cSld>
-  <p:clrMapOvr>
-    <a:masterClrMapping/>
-  </p:clrMapOvr>
-</p:sld>
-</file>
-
-<file path=ppt/slides/slide30.xml><?xml version="1.0" encoding="utf-8"?>
+<file path=ppt/slides/slide31.xml><?xml version="1.0" encoding="utf-8"?>
 <p:sld xmlns:a="http://schemas.openxmlformats.org/drawingml/2006/main" xmlns:r="http://schemas.openxmlformats.org/officeDocument/2006/relationships" xmlns:p="http://schemas.openxmlformats.org/presentationml/2006/main">
   <p:cSld>
     <p:spTree>
@@ -11326,7 +11729,7 @@
 </p:sld>
 </file>
 
-<file path=ppt/slides/slide31.xml><?xml version="1.0" encoding="utf-8"?>
+<file path=ppt/slides/slide32.xml><?xml version="1.0" encoding="utf-8"?>
 <p:sld xmlns:a="http://schemas.openxmlformats.org/drawingml/2006/main" xmlns:r="http://schemas.openxmlformats.org/officeDocument/2006/relationships" xmlns:p="http://schemas.openxmlformats.org/presentationml/2006/main">
   <p:cSld>
     <p:spTree>
@@ -12254,7 +12657,7 @@
 </p:sld>
 </file>
 
-<file path=ppt/slides/slide32.xml><?xml version="1.0" encoding="utf-8"?>
+<file path=ppt/slides/slide33.xml><?xml version="1.0" encoding="utf-8"?>
 <p:sld xmlns:a="http://schemas.openxmlformats.org/drawingml/2006/main" xmlns:r="http://schemas.openxmlformats.org/officeDocument/2006/relationships" xmlns:p="http://schemas.openxmlformats.org/presentationml/2006/main">
   <p:cSld>
     <p:spTree>
@@ -13188,7 +13591,7 @@
 </p:sld>
 </file>
 
-<file path=ppt/slides/slide33.xml><?xml version="1.0" encoding="utf-8"?>
+<file path=ppt/slides/slide34.xml><?xml version="1.0" encoding="utf-8"?>
 <p:sld xmlns:a="http://schemas.openxmlformats.org/drawingml/2006/main" xmlns:r="http://schemas.openxmlformats.org/officeDocument/2006/relationships" xmlns:p="http://schemas.openxmlformats.org/presentationml/2006/main">
   <p:cSld>
     <p:spTree>
@@ -13268,7 +13671,7 @@
 </p:sld>
 </file>
 
-<file path=ppt/slides/slide34.xml><?xml version="1.0" encoding="utf-8"?>
+<file path=ppt/slides/slide35.xml><?xml version="1.0" encoding="utf-8"?>
 <p:sld xmlns:a="http://schemas.openxmlformats.org/drawingml/2006/main" xmlns:r="http://schemas.openxmlformats.org/officeDocument/2006/relationships" xmlns:p="http://schemas.openxmlformats.org/presentationml/2006/main">
   <p:cSld>
     <p:spTree>
@@ -13402,171 +13805,6 @@
     <p:extLst>
       <p:ext uri="{BB962C8B-B14F-4D97-AF65-F5344CB8AC3E}">
         <p14:creationId xmlns:p14="http://schemas.microsoft.com/office/powerpoint/2010/main" val="1337791561"/>
-      </p:ext>
-    </p:extLst>
-  </p:cSld>
-  <p:clrMapOvr>
-    <a:masterClrMapping/>
-  </p:clrMapOvr>
-</p:sld>
-</file>
-
-<file path=ppt/slides/slide35.xml><?xml version="1.0" encoding="utf-8"?>
-<p:sld xmlns:a="http://schemas.openxmlformats.org/drawingml/2006/main" xmlns:r="http://schemas.openxmlformats.org/officeDocument/2006/relationships" xmlns:p="http://schemas.openxmlformats.org/presentationml/2006/main">
-  <p:cSld>
-    <p:spTree>
-      <p:nvGrpSpPr>
-        <p:cNvPr id="1" name=""/>
-        <p:cNvGrpSpPr/>
-        <p:nvPr/>
-      </p:nvGrpSpPr>
-      <p:grpSpPr>
-        <a:xfrm>
-          <a:off x="0" y="0"/>
-          <a:ext cx="0" cy="0"/>
-          <a:chOff x="0" y="0"/>
-          <a:chExt cx="0" cy="0"/>
-        </a:xfrm>
-      </p:grpSpPr>
-      <p:sp>
-        <p:nvSpPr>
-          <p:cNvPr id="2" name="Snip Single Corner Rectangle 1"/>
-          <p:cNvSpPr/>
-          <p:nvPr/>
-        </p:nvSpPr>
-        <p:spPr>
-          <a:xfrm>
-            <a:off x="3776216" y="2710272"/>
-            <a:ext cx="1080000" cy="1080000"/>
-          </a:xfrm>
-          <a:prstGeom prst="snip1Rect">
-            <a:avLst/>
-          </a:prstGeom>
-          <a:noFill/>
-          <a:ln w="50800">
-            <a:solidFill>
-              <a:schemeClr val="tx1">
-                <a:lumMod val="75000"/>
-                <a:lumOff val="25000"/>
-              </a:schemeClr>
-            </a:solidFill>
-          </a:ln>
-        </p:spPr>
-        <p:style>
-          <a:lnRef idx="2">
-            <a:schemeClr val="accent1">
-              <a:shade val="50000"/>
-            </a:schemeClr>
-          </a:lnRef>
-          <a:fillRef idx="1">
-            <a:schemeClr val="accent1"/>
-          </a:fillRef>
-          <a:effectRef idx="0">
-            <a:schemeClr val="accent1"/>
-          </a:effectRef>
-          <a:fontRef idx="minor">
-            <a:schemeClr val="lt1"/>
-          </a:fontRef>
-        </p:style>
-        <p:txBody>
-          <a:bodyPr lIns="0" tIns="36000" rIns="0" bIns="36000" rtlCol="0" anchor="b"/>
-          <a:lstStyle/>
-          <a:p>
-            <a:pPr algn="r"/>
-            <a:r>
-              <a:rPr lang="en-US" altLang="zh-TW" sz="2800" dirty="0">
-                <a:solidFill>
-                  <a:schemeClr val="tx1">
-                    <a:lumMod val="75000"/>
-                    <a:lumOff val="25000"/>
-                  </a:schemeClr>
-                </a:solidFill>
-                <a:latin typeface="Kozuka Gothic Pro H" pitchFamily="34" charset="-128"/>
-                <a:ea typeface="Kozuka Gothic Pro H" pitchFamily="34" charset="-128"/>
-              </a:rPr>
-              <a:t>NPY</a:t>
-            </a:r>
-            <a:endParaRPr lang="zh-TW" altLang="en-US" sz="2800" dirty="0">
-              <a:solidFill>
-                <a:schemeClr val="tx1">
-                  <a:lumMod val="75000"/>
-                  <a:lumOff val="25000"/>
-                </a:schemeClr>
-              </a:solidFill>
-              <a:latin typeface="Kozuka Gothic Pro H" pitchFamily="34" charset="-128"/>
-              <a:ea typeface="Kozuka Gothic Pro H" pitchFamily="34" charset="-128"/>
-            </a:endParaRPr>
-          </a:p>
-        </p:txBody>
-      </p:sp>
-      <p:sp>
-        <p:nvSpPr>
-          <p:cNvPr id="10" name="Rectangle 9"/>
-          <p:cNvSpPr/>
-          <p:nvPr/>
-        </p:nvSpPr>
-        <p:spPr>
-          <a:xfrm>
-            <a:off x="3956216" y="2710272"/>
-            <a:ext cx="540000" cy="358688"/>
-          </a:xfrm>
-          <a:prstGeom prst="rect">
-            <a:avLst/>
-          </a:prstGeom>
-          <a:gradFill flip="none" rotWithShape="1">
-            <a:gsLst>
-              <a:gs pos="50000">
-                <a:srgbClr val="606060"/>
-              </a:gs>
-              <a:gs pos="0">
-                <a:schemeClr val="tx1">
-                  <a:lumMod val="75000"/>
-                  <a:lumOff val="25000"/>
-                </a:schemeClr>
-              </a:gs>
-              <a:gs pos="100000">
-                <a:schemeClr val="tx1">
-                  <a:lumMod val="50000"/>
-                  <a:lumOff val="50000"/>
-                </a:schemeClr>
-              </a:gs>
-            </a:gsLst>
-            <a:lin ang="5400000" scaled="1"/>
-            <a:tileRect/>
-          </a:gradFill>
-          <a:ln w="50800">
-            <a:noFill/>
-          </a:ln>
-        </p:spPr>
-        <p:style>
-          <a:lnRef idx="2">
-            <a:schemeClr val="accent1">
-              <a:shade val="50000"/>
-            </a:schemeClr>
-          </a:lnRef>
-          <a:fillRef idx="1">
-            <a:schemeClr val="accent1"/>
-          </a:fillRef>
-          <a:effectRef idx="0">
-            <a:schemeClr val="accent1"/>
-          </a:effectRef>
-          <a:fontRef idx="minor">
-            <a:schemeClr val="lt1"/>
-          </a:fontRef>
-        </p:style>
-        <p:txBody>
-          <a:bodyPr rtlCol="0" anchor="ctr"/>
-          <a:lstStyle/>
-          <a:p>
-            <a:pPr algn="ctr"/>
-            <a:endParaRPr lang="zh-TW" altLang="en-US"/>
-          </a:p>
-        </p:txBody>
-      </p:sp>
-    </p:spTree>
-    <p:extLst>
-      <p:ext uri="{BB962C8B-B14F-4D97-AF65-F5344CB8AC3E}">
-        <p14:creationId xmlns:p14="http://schemas.microsoft.com/office/powerpoint/2010/main" val="1440644481"/>
       </p:ext>
     </p:extLst>
   </p:cSld>
@@ -13638,6 +13876,171 @@
           <a:lstStyle/>
           <a:p>
             <a:pPr algn="r"/>
+            <a:r>
+              <a:rPr lang="en-US" altLang="zh-TW" sz="2800" dirty="0">
+                <a:solidFill>
+                  <a:schemeClr val="tx1">
+                    <a:lumMod val="75000"/>
+                    <a:lumOff val="25000"/>
+                  </a:schemeClr>
+                </a:solidFill>
+                <a:latin typeface="Kozuka Gothic Pro H" pitchFamily="34" charset="-128"/>
+                <a:ea typeface="Kozuka Gothic Pro H" pitchFamily="34" charset="-128"/>
+              </a:rPr>
+              <a:t>NPY</a:t>
+            </a:r>
+            <a:endParaRPr lang="zh-TW" altLang="en-US" sz="2800" dirty="0">
+              <a:solidFill>
+                <a:schemeClr val="tx1">
+                  <a:lumMod val="75000"/>
+                  <a:lumOff val="25000"/>
+                </a:schemeClr>
+              </a:solidFill>
+              <a:latin typeface="Kozuka Gothic Pro H" pitchFamily="34" charset="-128"/>
+              <a:ea typeface="Kozuka Gothic Pro H" pitchFamily="34" charset="-128"/>
+            </a:endParaRPr>
+          </a:p>
+        </p:txBody>
+      </p:sp>
+      <p:sp>
+        <p:nvSpPr>
+          <p:cNvPr id="10" name="Rectangle 9"/>
+          <p:cNvSpPr/>
+          <p:nvPr/>
+        </p:nvSpPr>
+        <p:spPr>
+          <a:xfrm>
+            <a:off x="3956216" y="2710272"/>
+            <a:ext cx="540000" cy="358688"/>
+          </a:xfrm>
+          <a:prstGeom prst="rect">
+            <a:avLst/>
+          </a:prstGeom>
+          <a:gradFill flip="none" rotWithShape="1">
+            <a:gsLst>
+              <a:gs pos="50000">
+                <a:srgbClr val="606060"/>
+              </a:gs>
+              <a:gs pos="0">
+                <a:schemeClr val="tx1">
+                  <a:lumMod val="75000"/>
+                  <a:lumOff val="25000"/>
+                </a:schemeClr>
+              </a:gs>
+              <a:gs pos="100000">
+                <a:schemeClr val="tx1">
+                  <a:lumMod val="50000"/>
+                  <a:lumOff val="50000"/>
+                </a:schemeClr>
+              </a:gs>
+            </a:gsLst>
+            <a:lin ang="5400000" scaled="1"/>
+            <a:tileRect/>
+          </a:gradFill>
+          <a:ln w="50800">
+            <a:noFill/>
+          </a:ln>
+        </p:spPr>
+        <p:style>
+          <a:lnRef idx="2">
+            <a:schemeClr val="accent1">
+              <a:shade val="50000"/>
+            </a:schemeClr>
+          </a:lnRef>
+          <a:fillRef idx="1">
+            <a:schemeClr val="accent1"/>
+          </a:fillRef>
+          <a:effectRef idx="0">
+            <a:schemeClr val="accent1"/>
+          </a:effectRef>
+          <a:fontRef idx="minor">
+            <a:schemeClr val="lt1"/>
+          </a:fontRef>
+        </p:style>
+        <p:txBody>
+          <a:bodyPr rtlCol="0" anchor="ctr"/>
+          <a:lstStyle/>
+          <a:p>
+            <a:pPr algn="ctr"/>
+            <a:endParaRPr lang="zh-TW" altLang="en-US"/>
+          </a:p>
+        </p:txBody>
+      </p:sp>
+    </p:spTree>
+    <p:extLst>
+      <p:ext uri="{BB962C8B-B14F-4D97-AF65-F5344CB8AC3E}">
+        <p14:creationId xmlns:p14="http://schemas.microsoft.com/office/powerpoint/2010/main" val="1440644481"/>
+      </p:ext>
+    </p:extLst>
+  </p:cSld>
+  <p:clrMapOvr>
+    <a:masterClrMapping/>
+  </p:clrMapOvr>
+</p:sld>
+</file>
+
+<file path=ppt/slides/slide37.xml><?xml version="1.0" encoding="utf-8"?>
+<p:sld xmlns:a="http://schemas.openxmlformats.org/drawingml/2006/main" xmlns:r="http://schemas.openxmlformats.org/officeDocument/2006/relationships" xmlns:p="http://schemas.openxmlformats.org/presentationml/2006/main">
+  <p:cSld>
+    <p:spTree>
+      <p:nvGrpSpPr>
+        <p:cNvPr id="1" name=""/>
+        <p:cNvGrpSpPr/>
+        <p:nvPr/>
+      </p:nvGrpSpPr>
+      <p:grpSpPr>
+        <a:xfrm>
+          <a:off x="0" y="0"/>
+          <a:ext cx="0" cy="0"/>
+          <a:chOff x="0" y="0"/>
+          <a:chExt cx="0" cy="0"/>
+        </a:xfrm>
+      </p:grpSpPr>
+      <p:sp>
+        <p:nvSpPr>
+          <p:cNvPr id="2" name="Snip Single Corner Rectangle 1"/>
+          <p:cNvSpPr/>
+          <p:nvPr/>
+        </p:nvSpPr>
+        <p:spPr>
+          <a:xfrm>
+            <a:off x="3776216" y="2710272"/>
+            <a:ext cx="1080000" cy="1080000"/>
+          </a:xfrm>
+          <a:prstGeom prst="snip1Rect">
+            <a:avLst/>
+          </a:prstGeom>
+          <a:noFill/>
+          <a:ln w="50800">
+            <a:solidFill>
+              <a:schemeClr val="tx1">
+                <a:lumMod val="75000"/>
+                <a:lumOff val="25000"/>
+              </a:schemeClr>
+            </a:solidFill>
+          </a:ln>
+        </p:spPr>
+        <p:style>
+          <a:lnRef idx="2">
+            <a:schemeClr val="accent1">
+              <a:shade val="50000"/>
+            </a:schemeClr>
+          </a:lnRef>
+          <a:fillRef idx="1">
+            <a:schemeClr val="accent1"/>
+          </a:fillRef>
+          <a:effectRef idx="0">
+            <a:schemeClr val="accent1"/>
+          </a:effectRef>
+          <a:fontRef idx="minor">
+            <a:schemeClr val="lt1"/>
+          </a:fontRef>
+        </p:style>
+        <p:txBody>
+          <a:bodyPr lIns="0" tIns="36000" rIns="0" bIns="36000" rtlCol="0" anchor="b"/>
+          <a:lstStyle/>
+          <a:p>
+            <a:pPr algn="r"/>
             <a:endParaRPr lang="zh-TW" altLang="en-US" sz="2800" dirty="0">
               <a:solidFill>
                 <a:schemeClr val="tx1">
@@ -13776,7 +14179,7 @@
 </p:sld>
 </file>
 
-<file path=ppt/slides/slide37.xml><?xml version="1.0" encoding="utf-8"?>
+<file path=ppt/slides/slide38.xml><?xml version="1.0" encoding="utf-8"?>
 <p:sld xmlns:a="http://schemas.openxmlformats.org/drawingml/2006/main" xmlns:r="http://schemas.openxmlformats.org/officeDocument/2006/relationships" xmlns:p="http://schemas.openxmlformats.org/presentationml/2006/main">
   <p:cSld>
     <p:spTree>
@@ -14133,7 +14536,7 @@
 </p:sld>
 </file>
 
-<file path=ppt/slides/slide38.xml><?xml version="1.0" encoding="utf-8"?>
+<file path=ppt/slides/slide39.xml><?xml version="1.0" encoding="utf-8"?>
 <p:sld xmlns:a="http://schemas.openxmlformats.org/drawingml/2006/main" xmlns:r="http://schemas.openxmlformats.org/officeDocument/2006/relationships" xmlns:p="http://schemas.openxmlformats.org/presentationml/2006/main">
   <p:cSld>
     <p:spTree>

--- a/icons/icons.pptx
+++ b/icons/icons.pptx
@@ -5,7 +5,7 @@
     <p:sldMasterId id="2147483648" r:id="rId1"/>
   </p:sldMasterIdLst>
   <p:notesMasterIdLst>
-    <p:notesMasterId r:id="rId41"/>
+    <p:notesMasterId r:id="rId42"/>
   </p:notesMasterIdLst>
   <p:sldIdLst>
     <p:sldId id="286" r:id="rId2"/>
@@ -17,36 +17,37 @@
     <p:sldId id="323" r:id="rId8"/>
     <p:sldId id="325" r:id="rId9"/>
     <p:sldId id="327" r:id="rId10"/>
-    <p:sldId id="328" r:id="rId11"/>
-    <p:sldId id="313" r:id="rId12"/>
-    <p:sldId id="314" r:id="rId13"/>
-    <p:sldId id="315" r:id="rId14"/>
-    <p:sldId id="317" r:id="rId15"/>
-    <p:sldId id="316" r:id="rId16"/>
-    <p:sldId id="320" r:id="rId17"/>
-    <p:sldId id="321" r:id="rId18"/>
-    <p:sldId id="322" r:id="rId19"/>
-    <p:sldId id="287" r:id="rId20"/>
-    <p:sldId id="288" r:id="rId21"/>
-    <p:sldId id="289" r:id="rId22"/>
-    <p:sldId id="290" r:id="rId23"/>
-    <p:sldId id="291" r:id="rId24"/>
-    <p:sldId id="292" r:id="rId25"/>
-    <p:sldId id="293" r:id="rId26"/>
-    <p:sldId id="294" r:id="rId27"/>
-    <p:sldId id="295" r:id="rId28"/>
-    <p:sldId id="296" r:id="rId29"/>
-    <p:sldId id="297" r:id="rId30"/>
-    <p:sldId id="298" r:id="rId31"/>
-    <p:sldId id="299" r:id="rId32"/>
-    <p:sldId id="300" r:id="rId33"/>
-    <p:sldId id="301" r:id="rId34"/>
-    <p:sldId id="302" r:id="rId35"/>
-    <p:sldId id="303" r:id="rId36"/>
-    <p:sldId id="304" r:id="rId37"/>
-    <p:sldId id="305" r:id="rId38"/>
-    <p:sldId id="306" r:id="rId39"/>
-    <p:sldId id="307" r:id="rId40"/>
+    <p:sldId id="329" r:id="rId11"/>
+    <p:sldId id="328" r:id="rId12"/>
+    <p:sldId id="313" r:id="rId13"/>
+    <p:sldId id="314" r:id="rId14"/>
+    <p:sldId id="315" r:id="rId15"/>
+    <p:sldId id="317" r:id="rId16"/>
+    <p:sldId id="316" r:id="rId17"/>
+    <p:sldId id="320" r:id="rId18"/>
+    <p:sldId id="321" r:id="rId19"/>
+    <p:sldId id="322" r:id="rId20"/>
+    <p:sldId id="287" r:id="rId21"/>
+    <p:sldId id="288" r:id="rId22"/>
+    <p:sldId id="289" r:id="rId23"/>
+    <p:sldId id="290" r:id="rId24"/>
+    <p:sldId id="291" r:id="rId25"/>
+    <p:sldId id="292" r:id="rId26"/>
+    <p:sldId id="293" r:id="rId27"/>
+    <p:sldId id="294" r:id="rId28"/>
+    <p:sldId id="295" r:id="rId29"/>
+    <p:sldId id="296" r:id="rId30"/>
+    <p:sldId id="297" r:id="rId31"/>
+    <p:sldId id="298" r:id="rId32"/>
+    <p:sldId id="299" r:id="rId33"/>
+    <p:sldId id="300" r:id="rId34"/>
+    <p:sldId id="301" r:id="rId35"/>
+    <p:sldId id="302" r:id="rId36"/>
+    <p:sldId id="303" r:id="rId37"/>
+    <p:sldId id="304" r:id="rId38"/>
+    <p:sldId id="305" r:id="rId39"/>
+    <p:sldId id="306" r:id="rId40"/>
+    <p:sldId id="307" r:id="rId41"/>
   </p:sldIdLst>
   <p:sldSz cx="9144000" cy="6858000" type="screen4x3"/>
   <p:notesSz cx="6858000" cy="9144000"/>
@@ -230,7 +231,7 @@
           <a:p>
             <a:fld id="{409A854A-4542-4C46-92B4-B1933D0339ED}" type="datetimeFigureOut">
               <a:rPr lang="en-US" smtClean="0"/>
-              <a:t>3/28/2017</a:t>
+              <a:t>3/31/2017</a:t>
             </a:fld>
             <a:endParaRPr lang="en-US"/>
           </a:p>
@@ -763,7 +764,7 @@
           <a:p>
             <a:fld id="{B6192DF9-7B65-41DB-B5A4-F73A2B2D849B}" type="datetimeFigureOut">
               <a:rPr lang="zh-TW" altLang="en-US" smtClean="0"/>
-              <a:t>2017/3/28</a:t>
+              <a:t>2017/3/31</a:t>
             </a:fld>
             <a:endParaRPr lang="zh-TW" altLang="en-US"/>
           </a:p>
@@ -933,7 +934,7 @@
           <a:p>
             <a:fld id="{B6192DF9-7B65-41DB-B5A4-F73A2B2D849B}" type="datetimeFigureOut">
               <a:rPr lang="zh-TW" altLang="en-US" smtClean="0"/>
-              <a:t>2017/3/28</a:t>
+              <a:t>2017/3/31</a:t>
             </a:fld>
             <a:endParaRPr lang="zh-TW" altLang="en-US"/>
           </a:p>
@@ -1113,7 +1114,7 @@
           <a:p>
             <a:fld id="{B6192DF9-7B65-41DB-B5A4-F73A2B2D849B}" type="datetimeFigureOut">
               <a:rPr lang="zh-TW" altLang="en-US" smtClean="0"/>
-              <a:t>2017/3/28</a:t>
+              <a:t>2017/3/31</a:t>
             </a:fld>
             <a:endParaRPr lang="zh-TW" altLang="en-US"/>
           </a:p>
@@ -1283,7 +1284,7 @@
           <a:p>
             <a:fld id="{B6192DF9-7B65-41DB-B5A4-F73A2B2D849B}" type="datetimeFigureOut">
               <a:rPr lang="zh-TW" altLang="en-US" smtClean="0"/>
-              <a:t>2017/3/28</a:t>
+              <a:t>2017/3/31</a:t>
             </a:fld>
             <a:endParaRPr lang="zh-TW" altLang="en-US"/>
           </a:p>
@@ -1529,7 +1530,7 @@
           <a:p>
             <a:fld id="{B6192DF9-7B65-41DB-B5A4-F73A2B2D849B}" type="datetimeFigureOut">
               <a:rPr lang="zh-TW" altLang="en-US" smtClean="0"/>
-              <a:t>2017/3/28</a:t>
+              <a:t>2017/3/31</a:t>
             </a:fld>
             <a:endParaRPr lang="zh-TW" altLang="en-US"/>
           </a:p>
@@ -1817,7 +1818,7 @@
           <a:p>
             <a:fld id="{B6192DF9-7B65-41DB-B5A4-F73A2B2D849B}" type="datetimeFigureOut">
               <a:rPr lang="zh-TW" altLang="en-US" smtClean="0"/>
-              <a:t>2017/3/28</a:t>
+              <a:t>2017/3/31</a:t>
             </a:fld>
             <a:endParaRPr lang="zh-TW" altLang="en-US"/>
           </a:p>
@@ -2239,7 +2240,7 @@
           <a:p>
             <a:fld id="{B6192DF9-7B65-41DB-B5A4-F73A2B2D849B}" type="datetimeFigureOut">
               <a:rPr lang="zh-TW" altLang="en-US" smtClean="0"/>
-              <a:t>2017/3/28</a:t>
+              <a:t>2017/3/31</a:t>
             </a:fld>
             <a:endParaRPr lang="zh-TW" altLang="en-US"/>
           </a:p>
@@ -2357,7 +2358,7 @@
           <a:p>
             <a:fld id="{B6192DF9-7B65-41DB-B5A4-F73A2B2D849B}" type="datetimeFigureOut">
               <a:rPr lang="zh-TW" altLang="en-US" smtClean="0"/>
-              <a:t>2017/3/28</a:t>
+              <a:t>2017/3/31</a:t>
             </a:fld>
             <a:endParaRPr lang="zh-TW" altLang="en-US"/>
           </a:p>
@@ -2452,7 +2453,7 @@
           <a:p>
             <a:fld id="{B6192DF9-7B65-41DB-B5A4-F73A2B2D849B}" type="datetimeFigureOut">
               <a:rPr lang="zh-TW" altLang="en-US" smtClean="0"/>
-              <a:t>2017/3/28</a:t>
+              <a:t>2017/3/31</a:t>
             </a:fld>
             <a:endParaRPr lang="zh-TW" altLang="en-US"/>
           </a:p>
@@ -2729,7 +2730,7 @@
           <a:p>
             <a:fld id="{B6192DF9-7B65-41DB-B5A4-F73A2B2D849B}" type="datetimeFigureOut">
               <a:rPr lang="zh-TW" altLang="en-US" smtClean="0"/>
-              <a:t>2017/3/28</a:t>
+              <a:t>2017/3/31</a:t>
             </a:fld>
             <a:endParaRPr lang="zh-TW" altLang="en-US"/>
           </a:p>
@@ -2982,7 +2983,7 @@
           <a:p>
             <a:fld id="{B6192DF9-7B65-41DB-B5A4-F73A2B2D849B}" type="datetimeFigureOut">
               <a:rPr lang="zh-TW" altLang="en-US" smtClean="0"/>
-              <a:t>2017/3/28</a:t>
+              <a:t>2017/3/31</a:t>
             </a:fld>
             <a:endParaRPr lang="zh-TW" altLang="en-US"/>
           </a:p>
@@ -3195,7 +3196,7 @@
           <a:p>
             <a:fld id="{B6192DF9-7B65-41DB-B5A4-F73A2B2D849B}" type="datetimeFigureOut">
               <a:rPr lang="zh-TW" altLang="en-US" smtClean="0"/>
-              <a:t>2017/3/28</a:t>
+              <a:t>2017/3/31</a:t>
             </a:fld>
             <a:endParaRPr lang="zh-TW" altLang="en-US"/>
           </a:p>
@@ -3777,14 +3778,14 @@
         </p:nvSpPr>
         <p:spPr>
           <a:xfrm>
-            <a:off x="4939178" y="3210506"/>
-            <a:ext cx="72000" cy="72000"/>
+            <a:off x="4862414" y="3245974"/>
+            <a:ext cx="108000" cy="108000"/>
           </a:xfrm>
           <a:prstGeom prst="ellipse">
             <a:avLst/>
           </a:prstGeom>
           <a:solidFill>
-            <a:schemeClr val="bg1"/>
+            <a:srgbClr val="FF0000"/>
           </a:solidFill>
           <a:ln>
             <a:noFill/>
@@ -3847,7 +3848,110 @@
       </p:grpSpPr>
       <p:sp>
         <p:nvSpPr>
-          <p:cNvPr id="2" name="Rectangle 1"/>
+          <p:cNvPr id="72" name="Rounded Rectangle 71"/>
+          <p:cNvSpPr/>
+          <p:nvPr/>
+        </p:nvSpPr>
+        <p:spPr>
+          <a:xfrm>
+            <a:off x="4096678" y="2960687"/>
+            <a:ext cx="756000" cy="612000"/>
+          </a:xfrm>
+          <a:prstGeom prst="roundRect">
+            <a:avLst>
+              <a:gd name="adj" fmla="val 7326"/>
+            </a:avLst>
+          </a:prstGeom>
+          <a:solidFill>
+            <a:schemeClr val="tx2">
+              <a:lumMod val="40000"/>
+              <a:lumOff val="60000"/>
+            </a:schemeClr>
+          </a:solidFill>
+          <a:ln w="50800">
+            <a:noFill/>
+          </a:ln>
+        </p:spPr>
+        <p:style>
+          <a:lnRef idx="2">
+            <a:schemeClr val="accent1">
+              <a:shade val="50000"/>
+            </a:schemeClr>
+          </a:lnRef>
+          <a:fillRef idx="1">
+            <a:schemeClr val="accent1"/>
+          </a:fillRef>
+          <a:effectRef idx="0">
+            <a:schemeClr val="accent1"/>
+          </a:effectRef>
+          <a:fontRef idx="minor">
+            <a:schemeClr val="lt1"/>
+          </a:fontRef>
+        </p:style>
+        <p:txBody>
+          <a:bodyPr rtlCol="0" anchor="ctr"/>
+          <a:lstStyle/>
+          <a:p>
+            <a:pPr algn="ctr"/>
+            <a:endParaRPr lang="zh-TW" altLang="en-US"/>
+          </a:p>
+        </p:txBody>
+      </p:sp>
+      <p:sp>
+        <p:nvSpPr>
+          <p:cNvPr id="73" name="Trapezoid 72"/>
+          <p:cNvSpPr/>
+          <p:nvPr/>
+        </p:nvSpPr>
+        <p:spPr>
+          <a:xfrm rot="16200000">
+            <a:off x="4642189" y="3158686"/>
+            <a:ext cx="612000" cy="216000"/>
+          </a:xfrm>
+          <a:prstGeom prst="trapezoid">
+            <a:avLst>
+              <a:gd name="adj" fmla="val 112099"/>
+            </a:avLst>
+          </a:prstGeom>
+          <a:solidFill>
+            <a:schemeClr val="tx2">
+              <a:lumMod val="40000"/>
+              <a:lumOff val="60000"/>
+            </a:schemeClr>
+          </a:solidFill>
+          <a:ln w="50800">
+            <a:noFill/>
+            <a:miter lim="800000"/>
+          </a:ln>
+        </p:spPr>
+        <p:style>
+          <a:lnRef idx="2">
+            <a:schemeClr val="accent1">
+              <a:shade val="50000"/>
+            </a:schemeClr>
+          </a:lnRef>
+          <a:fillRef idx="1">
+            <a:schemeClr val="accent1"/>
+          </a:fillRef>
+          <a:effectRef idx="0">
+            <a:schemeClr val="accent1"/>
+          </a:effectRef>
+          <a:fontRef idx="minor">
+            <a:schemeClr val="lt1"/>
+          </a:fontRef>
+        </p:style>
+        <p:txBody>
+          <a:bodyPr rtlCol="0" anchor="ctr"/>
+          <a:lstStyle/>
+          <a:p>
+            <a:pPr algn="ctr"/>
+            <a:endParaRPr lang="zh-TW" altLang="en-US"/>
+          </a:p>
+        </p:txBody>
+      </p:sp>
+      <p:sp>
+        <p:nvSpPr>
+          <p:cNvPr id="12" name="Rectangle 11"/>
           <p:cNvSpPr/>
           <p:nvPr/>
         </p:nvSpPr>
@@ -3891,48 +3995,1090 @@
       </p:sp>
       <p:grpSp>
         <p:nvGrpSpPr>
-          <p:cNvPr id="14" name="Group 13"/>
-          <p:cNvGrpSpPr>
-            <a:grpSpLocks noChangeAspect="1"/>
-          </p:cNvGrpSpPr>
+          <p:cNvPr id="35" name="Group 34"/>
+          <p:cNvGrpSpPr/>
+          <p:nvPr/>
+        </p:nvGrpSpPr>
+        <p:grpSpPr>
+          <a:xfrm rot="20940000">
+            <a:off x="4518832" y="3381570"/>
+            <a:ext cx="540000" cy="540000"/>
+            <a:chOff x="1927089" y="2914363"/>
+            <a:chExt cx="570555" cy="570555"/>
+          </a:xfrm>
+          <a:solidFill>
+            <a:srgbClr val="0070C0"/>
+          </a:solidFill>
+        </p:grpSpPr>
+        <p:grpSp>
+          <p:nvGrpSpPr>
+            <p:cNvPr id="36" name="Group 35"/>
+            <p:cNvGrpSpPr/>
+            <p:nvPr/>
+          </p:nvGrpSpPr>
+          <p:grpSpPr>
+            <a:xfrm>
+              <a:off x="2158367" y="2914363"/>
+              <a:ext cx="108000" cy="570555"/>
+              <a:chOff x="3311860" y="3001723"/>
+              <a:chExt cx="144016" cy="499276"/>
+            </a:xfrm>
+            <a:grpFill/>
+          </p:grpSpPr>
+          <p:sp>
+            <p:nvSpPr>
+              <p:cNvPr id="49" name="Flowchart: Manual Operation 48"/>
+              <p:cNvSpPr/>
+              <p:nvPr/>
+            </p:nvSpPr>
+            <p:spPr>
+              <a:xfrm rot="10800000">
+                <a:off x="3311860" y="3001723"/>
+                <a:ext cx="144016" cy="94508"/>
+              </a:xfrm>
+              <a:prstGeom prst="flowChartManualOperation">
+                <a:avLst/>
+              </a:prstGeom>
+              <a:grpFill/>
+              <a:ln>
+                <a:noFill/>
+              </a:ln>
+            </p:spPr>
+            <p:style>
+              <a:lnRef idx="2">
+                <a:schemeClr val="accent1">
+                  <a:shade val="50000"/>
+                </a:schemeClr>
+              </a:lnRef>
+              <a:fillRef idx="1">
+                <a:schemeClr val="accent1"/>
+              </a:fillRef>
+              <a:effectRef idx="0">
+                <a:schemeClr val="accent1"/>
+              </a:effectRef>
+              <a:fontRef idx="minor">
+                <a:schemeClr val="lt1"/>
+              </a:fontRef>
+            </p:style>
+            <p:txBody>
+              <a:bodyPr rtlCol="0" anchor="ctr"/>
+              <a:lstStyle/>
+              <a:p>
+                <a:pPr algn="ctr"/>
+                <a:endParaRPr lang="zh-TW" altLang="en-US"/>
+              </a:p>
+            </p:txBody>
+          </p:sp>
+          <p:sp>
+            <p:nvSpPr>
+              <p:cNvPr id="50" name="Flowchart: Manual Operation 49"/>
+              <p:cNvSpPr/>
+              <p:nvPr/>
+            </p:nvSpPr>
+            <p:spPr>
+              <a:xfrm rot="10800000" flipV="1">
+                <a:off x="3311860" y="3406491"/>
+                <a:ext cx="144016" cy="94508"/>
+              </a:xfrm>
+              <a:prstGeom prst="flowChartManualOperation">
+                <a:avLst/>
+              </a:prstGeom>
+              <a:grpFill/>
+              <a:ln>
+                <a:noFill/>
+              </a:ln>
+            </p:spPr>
+            <p:style>
+              <a:lnRef idx="2">
+                <a:schemeClr val="accent1">
+                  <a:shade val="50000"/>
+                </a:schemeClr>
+              </a:lnRef>
+              <a:fillRef idx="1">
+                <a:schemeClr val="accent1"/>
+              </a:fillRef>
+              <a:effectRef idx="0">
+                <a:schemeClr val="accent1"/>
+              </a:effectRef>
+              <a:fontRef idx="minor">
+                <a:schemeClr val="lt1"/>
+              </a:fontRef>
+            </p:style>
+            <p:txBody>
+              <a:bodyPr rtlCol="0" anchor="ctr"/>
+              <a:lstStyle/>
+              <a:p>
+                <a:pPr algn="ctr"/>
+                <a:endParaRPr lang="zh-TW" altLang="en-US"/>
+              </a:p>
+            </p:txBody>
+          </p:sp>
+        </p:grpSp>
+        <p:sp>
+          <p:nvSpPr>
+            <p:cNvPr id="39" name="Donut 38"/>
+            <p:cNvSpPr/>
+            <p:nvPr/>
+          </p:nvSpPr>
+          <p:spPr>
+            <a:xfrm>
+              <a:off x="1996367" y="2983640"/>
+              <a:ext cx="432000" cy="432000"/>
+            </a:xfrm>
+            <a:prstGeom prst="donut">
+              <a:avLst>
+                <a:gd name="adj" fmla="val 23420"/>
+              </a:avLst>
+            </a:prstGeom>
+            <a:grpFill/>
+            <a:ln>
+              <a:noFill/>
+            </a:ln>
+          </p:spPr>
+          <p:style>
+            <a:lnRef idx="2">
+              <a:schemeClr val="accent1">
+                <a:shade val="50000"/>
+              </a:schemeClr>
+            </a:lnRef>
+            <a:fillRef idx="1">
+              <a:schemeClr val="accent1"/>
+            </a:fillRef>
+            <a:effectRef idx="0">
+              <a:schemeClr val="accent1"/>
+            </a:effectRef>
+            <a:fontRef idx="minor">
+              <a:schemeClr val="lt1"/>
+            </a:fontRef>
+          </p:style>
+          <p:txBody>
+            <a:bodyPr rtlCol="0" anchor="ctr"/>
+            <a:lstStyle/>
+            <a:p>
+              <a:pPr algn="ctr"/>
+              <a:endParaRPr lang="zh-TW" altLang="en-US"/>
+            </a:p>
+          </p:txBody>
+        </p:sp>
+        <p:grpSp>
+          <p:nvGrpSpPr>
+            <p:cNvPr id="40" name="Group 39"/>
+            <p:cNvGrpSpPr/>
+            <p:nvPr/>
+          </p:nvGrpSpPr>
+          <p:grpSpPr>
+            <a:xfrm rot="5400000">
+              <a:off x="2158367" y="2914363"/>
+              <a:ext cx="108000" cy="570555"/>
+              <a:chOff x="3311860" y="3001723"/>
+              <a:chExt cx="144016" cy="499276"/>
+            </a:xfrm>
+            <a:grpFill/>
+          </p:grpSpPr>
+          <p:sp>
+            <p:nvSpPr>
+              <p:cNvPr id="47" name="Flowchart: Manual Operation 46"/>
+              <p:cNvSpPr/>
+              <p:nvPr/>
+            </p:nvSpPr>
+            <p:spPr>
+              <a:xfrm rot="10800000">
+                <a:off x="3311860" y="3001723"/>
+                <a:ext cx="144016" cy="94508"/>
+              </a:xfrm>
+              <a:prstGeom prst="flowChartManualOperation">
+                <a:avLst/>
+              </a:prstGeom>
+              <a:grpFill/>
+              <a:ln>
+                <a:noFill/>
+              </a:ln>
+            </p:spPr>
+            <p:style>
+              <a:lnRef idx="2">
+                <a:schemeClr val="accent1">
+                  <a:shade val="50000"/>
+                </a:schemeClr>
+              </a:lnRef>
+              <a:fillRef idx="1">
+                <a:schemeClr val="accent1"/>
+              </a:fillRef>
+              <a:effectRef idx="0">
+                <a:schemeClr val="accent1"/>
+              </a:effectRef>
+              <a:fontRef idx="minor">
+                <a:schemeClr val="lt1"/>
+              </a:fontRef>
+            </p:style>
+            <p:txBody>
+              <a:bodyPr rtlCol="0" anchor="ctr"/>
+              <a:lstStyle/>
+              <a:p>
+                <a:pPr algn="ctr"/>
+                <a:endParaRPr lang="zh-TW" altLang="en-US"/>
+              </a:p>
+            </p:txBody>
+          </p:sp>
+          <p:sp>
+            <p:nvSpPr>
+              <p:cNvPr id="48" name="Flowchart: Manual Operation 47"/>
+              <p:cNvSpPr/>
+              <p:nvPr/>
+            </p:nvSpPr>
+            <p:spPr>
+              <a:xfrm rot="10800000" flipV="1">
+                <a:off x="3311860" y="3406491"/>
+                <a:ext cx="144016" cy="94508"/>
+              </a:xfrm>
+              <a:prstGeom prst="flowChartManualOperation">
+                <a:avLst/>
+              </a:prstGeom>
+              <a:grpFill/>
+              <a:ln>
+                <a:noFill/>
+              </a:ln>
+            </p:spPr>
+            <p:style>
+              <a:lnRef idx="2">
+                <a:schemeClr val="accent1">
+                  <a:shade val="50000"/>
+                </a:schemeClr>
+              </a:lnRef>
+              <a:fillRef idx="1">
+                <a:schemeClr val="accent1"/>
+              </a:fillRef>
+              <a:effectRef idx="0">
+                <a:schemeClr val="accent1"/>
+              </a:effectRef>
+              <a:fontRef idx="minor">
+                <a:schemeClr val="lt1"/>
+              </a:fontRef>
+            </p:style>
+            <p:txBody>
+              <a:bodyPr rtlCol="0" anchor="ctr"/>
+              <a:lstStyle/>
+              <a:p>
+                <a:pPr algn="ctr"/>
+                <a:endParaRPr lang="zh-TW" altLang="en-US"/>
+              </a:p>
+            </p:txBody>
+          </p:sp>
+        </p:grpSp>
+        <p:grpSp>
+          <p:nvGrpSpPr>
+            <p:cNvPr id="41" name="Group 40"/>
+            <p:cNvGrpSpPr/>
+            <p:nvPr/>
+          </p:nvGrpSpPr>
+          <p:grpSpPr>
+            <a:xfrm rot="2700000">
+              <a:off x="2158367" y="2914363"/>
+              <a:ext cx="108000" cy="570555"/>
+              <a:chOff x="3311860" y="3001723"/>
+              <a:chExt cx="144016" cy="499276"/>
+            </a:xfrm>
+            <a:grpFill/>
+          </p:grpSpPr>
+          <p:sp>
+            <p:nvSpPr>
+              <p:cNvPr id="45" name="Flowchart: Manual Operation 44"/>
+              <p:cNvSpPr/>
+              <p:nvPr/>
+            </p:nvSpPr>
+            <p:spPr>
+              <a:xfrm rot="10800000">
+                <a:off x="3311860" y="3001723"/>
+                <a:ext cx="144016" cy="94508"/>
+              </a:xfrm>
+              <a:prstGeom prst="flowChartManualOperation">
+                <a:avLst/>
+              </a:prstGeom>
+              <a:grpFill/>
+              <a:ln>
+                <a:noFill/>
+              </a:ln>
+            </p:spPr>
+            <p:style>
+              <a:lnRef idx="2">
+                <a:schemeClr val="accent1">
+                  <a:shade val="50000"/>
+                </a:schemeClr>
+              </a:lnRef>
+              <a:fillRef idx="1">
+                <a:schemeClr val="accent1"/>
+              </a:fillRef>
+              <a:effectRef idx="0">
+                <a:schemeClr val="accent1"/>
+              </a:effectRef>
+              <a:fontRef idx="minor">
+                <a:schemeClr val="lt1"/>
+              </a:fontRef>
+            </p:style>
+            <p:txBody>
+              <a:bodyPr rtlCol="0" anchor="ctr"/>
+              <a:lstStyle/>
+              <a:p>
+                <a:pPr algn="ctr"/>
+                <a:endParaRPr lang="zh-TW" altLang="en-US"/>
+              </a:p>
+            </p:txBody>
+          </p:sp>
+          <p:sp>
+            <p:nvSpPr>
+              <p:cNvPr id="46" name="Flowchart: Manual Operation 45"/>
+              <p:cNvSpPr/>
+              <p:nvPr/>
+            </p:nvSpPr>
+            <p:spPr>
+              <a:xfrm rot="10800000" flipV="1">
+                <a:off x="3311860" y="3406491"/>
+                <a:ext cx="144016" cy="94508"/>
+              </a:xfrm>
+              <a:prstGeom prst="flowChartManualOperation">
+                <a:avLst/>
+              </a:prstGeom>
+              <a:grpFill/>
+              <a:ln>
+                <a:noFill/>
+              </a:ln>
+            </p:spPr>
+            <p:style>
+              <a:lnRef idx="2">
+                <a:schemeClr val="accent1">
+                  <a:shade val="50000"/>
+                </a:schemeClr>
+              </a:lnRef>
+              <a:fillRef idx="1">
+                <a:schemeClr val="accent1"/>
+              </a:fillRef>
+              <a:effectRef idx="0">
+                <a:schemeClr val="accent1"/>
+              </a:effectRef>
+              <a:fontRef idx="minor">
+                <a:schemeClr val="lt1"/>
+              </a:fontRef>
+            </p:style>
+            <p:txBody>
+              <a:bodyPr rtlCol="0" anchor="ctr"/>
+              <a:lstStyle/>
+              <a:p>
+                <a:pPr algn="ctr"/>
+                <a:endParaRPr lang="zh-TW" altLang="en-US"/>
+              </a:p>
+            </p:txBody>
+          </p:sp>
+        </p:grpSp>
+        <p:grpSp>
+          <p:nvGrpSpPr>
+            <p:cNvPr id="42" name="Group 41"/>
+            <p:cNvGrpSpPr/>
+            <p:nvPr/>
+          </p:nvGrpSpPr>
+          <p:grpSpPr>
+            <a:xfrm rot="8100000">
+              <a:off x="2158367" y="2914363"/>
+              <a:ext cx="108000" cy="570555"/>
+              <a:chOff x="3311860" y="3001723"/>
+              <a:chExt cx="144016" cy="499276"/>
+            </a:xfrm>
+            <a:grpFill/>
+          </p:grpSpPr>
+          <p:sp>
+            <p:nvSpPr>
+              <p:cNvPr id="43" name="Flowchart: Manual Operation 42"/>
+              <p:cNvSpPr/>
+              <p:nvPr/>
+            </p:nvSpPr>
+            <p:spPr>
+              <a:xfrm rot="10800000">
+                <a:off x="3311860" y="3001723"/>
+                <a:ext cx="144016" cy="94508"/>
+              </a:xfrm>
+              <a:prstGeom prst="flowChartManualOperation">
+                <a:avLst/>
+              </a:prstGeom>
+              <a:grpFill/>
+              <a:ln>
+                <a:noFill/>
+              </a:ln>
+            </p:spPr>
+            <p:style>
+              <a:lnRef idx="2">
+                <a:schemeClr val="accent1">
+                  <a:shade val="50000"/>
+                </a:schemeClr>
+              </a:lnRef>
+              <a:fillRef idx="1">
+                <a:schemeClr val="accent1"/>
+              </a:fillRef>
+              <a:effectRef idx="0">
+                <a:schemeClr val="accent1"/>
+              </a:effectRef>
+              <a:fontRef idx="minor">
+                <a:schemeClr val="lt1"/>
+              </a:fontRef>
+            </p:style>
+            <p:txBody>
+              <a:bodyPr rtlCol="0" anchor="ctr"/>
+              <a:lstStyle/>
+              <a:p>
+                <a:pPr algn="ctr"/>
+                <a:endParaRPr lang="zh-TW" altLang="en-US"/>
+              </a:p>
+            </p:txBody>
+          </p:sp>
+          <p:sp>
+            <p:nvSpPr>
+              <p:cNvPr id="44" name="Flowchart: Manual Operation 43"/>
+              <p:cNvSpPr/>
+              <p:nvPr/>
+            </p:nvSpPr>
+            <p:spPr>
+              <a:xfrm rot="10800000" flipV="1">
+                <a:off x="3311860" y="3406491"/>
+                <a:ext cx="144016" cy="94508"/>
+              </a:xfrm>
+              <a:prstGeom prst="flowChartManualOperation">
+                <a:avLst/>
+              </a:prstGeom>
+              <a:grpFill/>
+              <a:ln>
+                <a:noFill/>
+              </a:ln>
+            </p:spPr>
+            <p:style>
+              <a:lnRef idx="2">
+                <a:schemeClr val="accent1">
+                  <a:shade val="50000"/>
+                </a:schemeClr>
+              </a:lnRef>
+              <a:fillRef idx="1">
+                <a:schemeClr val="accent1"/>
+              </a:fillRef>
+              <a:effectRef idx="0">
+                <a:schemeClr val="accent1"/>
+              </a:effectRef>
+              <a:fontRef idx="minor">
+                <a:schemeClr val="lt1"/>
+              </a:fontRef>
+            </p:style>
+            <p:txBody>
+              <a:bodyPr rtlCol="0" anchor="ctr"/>
+              <a:lstStyle/>
+              <a:p>
+                <a:pPr algn="ctr"/>
+                <a:endParaRPr lang="zh-TW" altLang="en-US"/>
+              </a:p>
+            </p:txBody>
+          </p:sp>
+        </p:grpSp>
+      </p:grpSp>
+      <p:grpSp>
+        <p:nvGrpSpPr>
+          <p:cNvPr id="51" name="Group 50"/>
+          <p:cNvGrpSpPr/>
+          <p:nvPr/>
+        </p:nvGrpSpPr>
+        <p:grpSpPr>
+          <a:xfrm rot="20820000">
+            <a:off x="4244771" y="3125649"/>
+            <a:ext cx="432000" cy="432000"/>
+            <a:chOff x="1927089" y="2914363"/>
+            <a:chExt cx="570555" cy="570555"/>
+          </a:xfrm>
+          <a:solidFill>
+            <a:schemeClr val="tx2">
+              <a:lumMod val="60000"/>
+              <a:lumOff val="40000"/>
+            </a:schemeClr>
+          </a:solidFill>
+        </p:grpSpPr>
+        <p:grpSp>
+          <p:nvGrpSpPr>
+            <p:cNvPr id="52" name="Group 51"/>
+            <p:cNvGrpSpPr/>
+            <p:nvPr/>
+          </p:nvGrpSpPr>
+          <p:grpSpPr>
+            <a:xfrm>
+              <a:off x="2158367" y="2914363"/>
+              <a:ext cx="108000" cy="570555"/>
+              <a:chOff x="3311860" y="3001723"/>
+              <a:chExt cx="144016" cy="499276"/>
+            </a:xfrm>
+            <a:grpFill/>
+          </p:grpSpPr>
+          <p:sp>
+            <p:nvSpPr>
+              <p:cNvPr id="63" name="Flowchart: Manual Operation 62"/>
+              <p:cNvSpPr/>
+              <p:nvPr/>
+            </p:nvSpPr>
+            <p:spPr>
+              <a:xfrm rot="10800000">
+                <a:off x="3311860" y="3001723"/>
+                <a:ext cx="144016" cy="94508"/>
+              </a:xfrm>
+              <a:prstGeom prst="flowChartManualOperation">
+                <a:avLst/>
+              </a:prstGeom>
+              <a:solidFill>
+                <a:schemeClr val="tx2">
+                  <a:lumMod val="60000"/>
+                  <a:lumOff val="40000"/>
+                </a:schemeClr>
+              </a:solidFill>
+              <a:ln w="50800">
+                <a:noFill/>
+                <a:miter lim="800000"/>
+              </a:ln>
+            </p:spPr>
+            <p:style>
+              <a:lnRef idx="2">
+                <a:schemeClr val="accent1">
+                  <a:shade val="50000"/>
+                </a:schemeClr>
+              </a:lnRef>
+              <a:fillRef idx="1">
+                <a:schemeClr val="accent1"/>
+              </a:fillRef>
+              <a:effectRef idx="0">
+                <a:schemeClr val="accent1"/>
+              </a:effectRef>
+              <a:fontRef idx="minor">
+                <a:schemeClr val="lt1"/>
+              </a:fontRef>
+            </p:style>
+            <p:txBody>
+              <a:bodyPr lIns="0" tIns="0" rIns="0" bIns="0" rtlCol="0" anchor="ctr"/>
+              <a:lstStyle/>
+              <a:p>
+                <a:pPr algn="ctr"/>
+                <a:endParaRPr lang="zh-TW" altLang="en-US" b="1"/>
+              </a:p>
+            </p:txBody>
+          </p:sp>
+          <p:sp>
+            <p:nvSpPr>
+              <p:cNvPr id="64" name="Flowchart: Manual Operation 63"/>
+              <p:cNvSpPr/>
+              <p:nvPr/>
+            </p:nvSpPr>
+            <p:spPr>
+              <a:xfrm rot="10800000" flipV="1">
+                <a:off x="3311860" y="3406491"/>
+                <a:ext cx="144016" cy="94508"/>
+              </a:xfrm>
+              <a:prstGeom prst="flowChartManualOperation">
+                <a:avLst/>
+              </a:prstGeom>
+              <a:solidFill>
+                <a:schemeClr val="tx2">
+                  <a:lumMod val="60000"/>
+                  <a:lumOff val="40000"/>
+                </a:schemeClr>
+              </a:solidFill>
+              <a:ln w="50800">
+                <a:noFill/>
+                <a:miter lim="800000"/>
+              </a:ln>
+            </p:spPr>
+            <p:style>
+              <a:lnRef idx="2">
+                <a:schemeClr val="accent1">
+                  <a:shade val="50000"/>
+                </a:schemeClr>
+              </a:lnRef>
+              <a:fillRef idx="1">
+                <a:schemeClr val="accent1"/>
+              </a:fillRef>
+              <a:effectRef idx="0">
+                <a:schemeClr val="accent1"/>
+              </a:effectRef>
+              <a:fontRef idx="minor">
+                <a:schemeClr val="lt1"/>
+              </a:fontRef>
+            </p:style>
+            <p:txBody>
+              <a:bodyPr lIns="0" tIns="0" rIns="0" bIns="0" rtlCol="0" anchor="ctr"/>
+              <a:lstStyle/>
+              <a:p>
+                <a:pPr algn="ctr"/>
+                <a:endParaRPr lang="zh-TW" altLang="en-US" b="1"/>
+              </a:p>
+            </p:txBody>
+          </p:sp>
+        </p:grpSp>
+        <p:sp>
+          <p:nvSpPr>
+            <p:cNvPr id="53" name="Donut 52"/>
+            <p:cNvSpPr/>
+            <p:nvPr/>
+          </p:nvSpPr>
+          <p:spPr>
+            <a:xfrm>
+              <a:off x="1996367" y="2983640"/>
+              <a:ext cx="432000" cy="432000"/>
+            </a:xfrm>
+            <a:prstGeom prst="donut">
+              <a:avLst>
+                <a:gd name="adj" fmla="val 23420"/>
+              </a:avLst>
+            </a:prstGeom>
+            <a:solidFill>
+              <a:schemeClr val="tx2">
+                <a:lumMod val="60000"/>
+                <a:lumOff val="40000"/>
+              </a:schemeClr>
+            </a:solidFill>
+            <a:ln w="50800">
+              <a:noFill/>
+              <a:miter lim="800000"/>
+            </a:ln>
+          </p:spPr>
+          <p:style>
+            <a:lnRef idx="2">
+              <a:schemeClr val="accent1">
+                <a:shade val="50000"/>
+              </a:schemeClr>
+            </a:lnRef>
+            <a:fillRef idx="1">
+              <a:schemeClr val="accent1"/>
+            </a:fillRef>
+            <a:effectRef idx="0">
+              <a:schemeClr val="accent1"/>
+            </a:effectRef>
+            <a:fontRef idx="minor">
+              <a:schemeClr val="lt1"/>
+            </a:fontRef>
+          </p:style>
+          <p:txBody>
+            <a:bodyPr lIns="0" tIns="0" rIns="0" bIns="0" rtlCol="0" anchor="ctr"/>
+            <a:lstStyle/>
+            <a:p>
+              <a:pPr algn="ctr"/>
+              <a:endParaRPr lang="zh-TW" altLang="en-US" b="1"/>
+            </a:p>
+          </p:txBody>
+        </p:sp>
+        <p:grpSp>
+          <p:nvGrpSpPr>
+            <p:cNvPr id="54" name="Group 53"/>
+            <p:cNvGrpSpPr/>
+            <p:nvPr/>
+          </p:nvGrpSpPr>
+          <p:grpSpPr>
+            <a:xfrm rot="5400000">
+              <a:off x="2158367" y="2914363"/>
+              <a:ext cx="108000" cy="570555"/>
+              <a:chOff x="3311860" y="3001723"/>
+              <a:chExt cx="144016" cy="499276"/>
+            </a:xfrm>
+            <a:grpFill/>
+          </p:grpSpPr>
+          <p:sp>
+            <p:nvSpPr>
+              <p:cNvPr id="61" name="Flowchart: Manual Operation 60"/>
+              <p:cNvSpPr/>
+              <p:nvPr/>
+            </p:nvSpPr>
+            <p:spPr>
+              <a:xfrm rot="10800000">
+                <a:off x="3311860" y="3001723"/>
+                <a:ext cx="144016" cy="94508"/>
+              </a:xfrm>
+              <a:prstGeom prst="flowChartManualOperation">
+                <a:avLst/>
+              </a:prstGeom>
+              <a:solidFill>
+                <a:schemeClr val="tx2">
+                  <a:lumMod val="60000"/>
+                  <a:lumOff val="40000"/>
+                </a:schemeClr>
+              </a:solidFill>
+              <a:ln w="50800">
+                <a:noFill/>
+                <a:miter lim="800000"/>
+              </a:ln>
+            </p:spPr>
+            <p:style>
+              <a:lnRef idx="2">
+                <a:schemeClr val="accent1">
+                  <a:shade val="50000"/>
+                </a:schemeClr>
+              </a:lnRef>
+              <a:fillRef idx="1">
+                <a:schemeClr val="accent1"/>
+              </a:fillRef>
+              <a:effectRef idx="0">
+                <a:schemeClr val="accent1"/>
+              </a:effectRef>
+              <a:fontRef idx="minor">
+                <a:schemeClr val="lt1"/>
+              </a:fontRef>
+            </p:style>
+            <p:txBody>
+              <a:bodyPr lIns="0" tIns="0" rIns="0" bIns="0" rtlCol="0" anchor="ctr"/>
+              <a:lstStyle/>
+              <a:p>
+                <a:pPr algn="ctr"/>
+                <a:endParaRPr lang="zh-TW" altLang="en-US" b="1"/>
+              </a:p>
+            </p:txBody>
+          </p:sp>
+          <p:sp>
+            <p:nvSpPr>
+              <p:cNvPr id="62" name="Flowchart: Manual Operation 61"/>
+              <p:cNvSpPr/>
+              <p:nvPr/>
+            </p:nvSpPr>
+            <p:spPr>
+              <a:xfrm rot="10800000" flipV="1">
+                <a:off x="3311860" y="3406491"/>
+                <a:ext cx="144016" cy="94508"/>
+              </a:xfrm>
+              <a:prstGeom prst="flowChartManualOperation">
+                <a:avLst/>
+              </a:prstGeom>
+              <a:solidFill>
+                <a:schemeClr val="tx2">
+                  <a:lumMod val="60000"/>
+                  <a:lumOff val="40000"/>
+                </a:schemeClr>
+              </a:solidFill>
+              <a:ln w="50800">
+                <a:noFill/>
+                <a:miter lim="800000"/>
+              </a:ln>
+            </p:spPr>
+            <p:style>
+              <a:lnRef idx="2">
+                <a:schemeClr val="accent1">
+                  <a:shade val="50000"/>
+                </a:schemeClr>
+              </a:lnRef>
+              <a:fillRef idx="1">
+                <a:schemeClr val="accent1"/>
+              </a:fillRef>
+              <a:effectRef idx="0">
+                <a:schemeClr val="accent1"/>
+              </a:effectRef>
+              <a:fontRef idx="minor">
+                <a:schemeClr val="lt1"/>
+              </a:fontRef>
+            </p:style>
+            <p:txBody>
+              <a:bodyPr lIns="0" tIns="0" rIns="0" bIns="0" rtlCol="0" anchor="ctr"/>
+              <a:lstStyle/>
+              <a:p>
+                <a:pPr algn="ctr"/>
+                <a:endParaRPr lang="zh-TW" altLang="en-US" b="1"/>
+              </a:p>
+            </p:txBody>
+          </p:sp>
+        </p:grpSp>
+        <p:grpSp>
+          <p:nvGrpSpPr>
+            <p:cNvPr id="55" name="Group 54"/>
+            <p:cNvGrpSpPr/>
+            <p:nvPr/>
+          </p:nvGrpSpPr>
+          <p:grpSpPr>
+            <a:xfrm rot="2700000">
+              <a:off x="2158367" y="2914363"/>
+              <a:ext cx="108000" cy="570555"/>
+              <a:chOff x="3311860" y="3001723"/>
+              <a:chExt cx="144016" cy="499276"/>
+            </a:xfrm>
+            <a:grpFill/>
+          </p:grpSpPr>
+          <p:sp>
+            <p:nvSpPr>
+              <p:cNvPr id="59" name="Flowchart: Manual Operation 58"/>
+              <p:cNvSpPr/>
+              <p:nvPr/>
+            </p:nvSpPr>
+            <p:spPr>
+              <a:xfrm rot="10800000">
+                <a:off x="3311860" y="3001723"/>
+                <a:ext cx="144016" cy="94508"/>
+              </a:xfrm>
+              <a:prstGeom prst="flowChartManualOperation">
+                <a:avLst/>
+              </a:prstGeom>
+              <a:solidFill>
+                <a:schemeClr val="tx2">
+                  <a:lumMod val="60000"/>
+                  <a:lumOff val="40000"/>
+                </a:schemeClr>
+              </a:solidFill>
+              <a:ln w="50800">
+                <a:noFill/>
+                <a:miter lim="800000"/>
+              </a:ln>
+            </p:spPr>
+            <p:style>
+              <a:lnRef idx="2">
+                <a:schemeClr val="accent1">
+                  <a:shade val="50000"/>
+                </a:schemeClr>
+              </a:lnRef>
+              <a:fillRef idx="1">
+                <a:schemeClr val="accent1"/>
+              </a:fillRef>
+              <a:effectRef idx="0">
+                <a:schemeClr val="accent1"/>
+              </a:effectRef>
+              <a:fontRef idx="minor">
+                <a:schemeClr val="lt1"/>
+              </a:fontRef>
+            </p:style>
+            <p:txBody>
+              <a:bodyPr lIns="0" tIns="0" rIns="0" bIns="0" rtlCol="0" anchor="ctr"/>
+              <a:lstStyle/>
+              <a:p>
+                <a:pPr algn="ctr"/>
+                <a:endParaRPr lang="zh-TW" altLang="en-US" b="1"/>
+              </a:p>
+            </p:txBody>
+          </p:sp>
+          <p:sp>
+            <p:nvSpPr>
+              <p:cNvPr id="60" name="Flowchart: Manual Operation 59"/>
+              <p:cNvSpPr/>
+              <p:nvPr/>
+            </p:nvSpPr>
+            <p:spPr>
+              <a:xfrm rot="10800000" flipV="1">
+                <a:off x="3311860" y="3406491"/>
+                <a:ext cx="144016" cy="94508"/>
+              </a:xfrm>
+              <a:prstGeom prst="flowChartManualOperation">
+                <a:avLst/>
+              </a:prstGeom>
+              <a:solidFill>
+                <a:schemeClr val="tx2">
+                  <a:lumMod val="60000"/>
+                  <a:lumOff val="40000"/>
+                </a:schemeClr>
+              </a:solidFill>
+              <a:ln w="50800">
+                <a:noFill/>
+                <a:miter lim="800000"/>
+              </a:ln>
+            </p:spPr>
+            <p:style>
+              <a:lnRef idx="2">
+                <a:schemeClr val="accent1">
+                  <a:shade val="50000"/>
+                </a:schemeClr>
+              </a:lnRef>
+              <a:fillRef idx="1">
+                <a:schemeClr val="accent1"/>
+              </a:fillRef>
+              <a:effectRef idx="0">
+                <a:schemeClr val="accent1"/>
+              </a:effectRef>
+              <a:fontRef idx="minor">
+                <a:schemeClr val="lt1"/>
+              </a:fontRef>
+            </p:style>
+            <p:txBody>
+              <a:bodyPr lIns="0" tIns="0" rIns="0" bIns="0" rtlCol="0" anchor="ctr"/>
+              <a:lstStyle/>
+              <a:p>
+                <a:pPr algn="ctr"/>
+                <a:endParaRPr lang="zh-TW" altLang="en-US" b="1"/>
+              </a:p>
+            </p:txBody>
+          </p:sp>
+        </p:grpSp>
+        <p:grpSp>
+          <p:nvGrpSpPr>
+            <p:cNvPr id="56" name="Group 55"/>
+            <p:cNvGrpSpPr/>
+            <p:nvPr/>
+          </p:nvGrpSpPr>
+          <p:grpSpPr>
+            <a:xfrm rot="8100000">
+              <a:off x="2158367" y="2914363"/>
+              <a:ext cx="108000" cy="570555"/>
+              <a:chOff x="3311860" y="3001723"/>
+              <a:chExt cx="144016" cy="499276"/>
+            </a:xfrm>
+            <a:grpFill/>
+          </p:grpSpPr>
+          <p:sp>
+            <p:nvSpPr>
+              <p:cNvPr id="57" name="Flowchart: Manual Operation 56"/>
+              <p:cNvSpPr/>
+              <p:nvPr/>
+            </p:nvSpPr>
+            <p:spPr>
+              <a:xfrm rot="10800000">
+                <a:off x="3311860" y="3001723"/>
+                <a:ext cx="144016" cy="94508"/>
+              </a:xfrm>
+              <a:prstGeom prst="flowChartManualOperation">
+                <a:avLst/>
+              </a:prstGeom>
+              <a:solidFill>
+                <a:schemeClr val="tx2">
+                  <a:lumMod val="60000"/>
+                  <a:lumOff val="40000"/>
+                </a:schemeClr>
+              </a:solidFill>
+              <a:ln w="50800">
+                <a:noFill/>
+                <a:miter lim="800000"/>
+              </a:ln>
+            </p:spPr>
+            <p:style>
+              <a:lnRef idx="2">
+                <a:schemeClr val="accent1">
+                  <a:shade val="50000"/>
+                </a:schemeClr>
+              </a:lnRef>
+              <a:fillRef idx="1">
+                <a:schemeClr val="accent1"/>
+              </a:fillRef>
+              <a:effectRef idx="0">
+                <a:schemeClr val="accent1"/>
+              </a:effectRef>
+              <a:fontRef idx="minor">
+                <a:schemeClr val="lt1"/>
+              </a:fontRef>
+            </p:style>
+            <p:txBody>
+              <a:bodyPr lIns="0" tIns="0" rIns="0" bIns="0" rtlCol="0" anchor="ctr"/>
+              <a:lstStyle/>
+              <a:p>
+                <a:pPr algn="ctr"/>
+                <a:endParaRPr lang="zh-TW" altLang="en-US" b="1"/>
+              </a:p>
+            </p:txBody>
+          </p:sp>
+          <p:sp>
+            <p:nvSpPr>
+              <p:cNvPr id="58" name="Flowchart: Manual Operation 57"/>
+              <p:cNvSpPr/>
+              <p:nvPr/>
+            </p:nvSpPr>
+            <p:spPr>
+              <a:xfrm rot="10800000" flipV="1">
+                <a:off x="3311860" y="3406491"/>
+                <a:ext cx="144016" cy="94508"/>
+              </a:xfrm>
+              <a:prstGeom prst="flowChartManualOperation">
+                <a:avLst/>
+              </a:prstGeom>
+              <a:solidFill>
+                <a:schemeClr val="tx2">
+                  <a:lumMod val="60000"/>
+                  <a:lumOff val="40000"/>
+                </a:schemeClr>
+              </a:solidFill>
+              <a:ln w="50800">
+                <a:noFill/>
+                <a:miter lim="800000"/>
+              </a:ln>
+            </p:spPr>
+            <p:style>
+              <a:lnRef idx="2">
+                <a:schemeClr val="accent1">
+                  <a:shade val="50000"/>
+                </a:schemeClr>
+              </a:lnRef>
+              <a:fillRef idx="1">
+                <a:schemeClr val="accent1"/>
+              </a:fillRef>
+              <a:effectRef idx="0">
+                <a:schemeClr val="accent1"/>
+              </a:effectRef>
+              <a:fontRef idx="minor">
+                <a:schemeClr val="lt1"/>
+              </a:fontRef>
+            </p:style>
+            <p:txBody>
+              <a:bodyPr lIns="0" tIns="0" rIns="0" bIns="0" rtlCol="0" anchor="ctr"/>
+              <a:lstStyle/>
+              <a:p>
+                <a:pPr algn="ctr"/>
+                <a:endParaRPr lang="zh-TW" altLang="en-US" b="1"/>
+              </a:p>
+            </p:txBody>
+          </p:sp>
+        </p:grpSp>
+      </p:grpSp>
+    </p:spTree>
+    <p:extLst>
+      <p:ext uri="{BB962C8B-B14F-4D97-AF65-F5344CB8AC3E}">
+        <p14:creationId xmlns:p14="http://schemas.microsoft.com/office/powerpoint/2010/main" val="536597908"/>
+      </p:ext>
+    </p:extLst>
+  </p:cSld>
+  <p:clrMapOvr>
+    <a:masterClrMapping/>
+  </p:clrMapOvr>
+</p:sld>
+</file>
+
+<file path=ppt/slides/slide11.xml><?xml version="1.0" encoding="utf-8"?>
+<p:sld xmlns:a="http://schemas.openxmlformats.org/drawingml/2006/main" xmlns:r="http://schemas.openxmlformats.org/officeDocument/2006/relationships" xmlns:p="http://schemas.openxmlformats.org/presentationml/2006/main">
+  <p:cSld>
+    <p:spTree>
+      <p:nvGrpSpPr>
+        <p:cNvPr id="1" name=""/>
+        <p:cNvGrpSpPr/>
+        <p:nvPr/>
+      </p:nvGrpSpPr>
+      <p:grpSpPr>
+        <a:xfrm>
+          <a:off x="0" y="0"/>
+          <a:ext cx="0" cy="0"/>
+          <a:chOff x="0" y="0"/>
+          <a:chExt cx="0" cy="0"/>
+        </a:xfrm>
+      </p:grpSpPr>
+      <p:grpSp>
+        <p:nvGrpSpPr>
+          <p:cNvPr id="29" name="Group 28"/>
+          <p:cNvGrpSpPr/>
           <p:nvPr/>
         </p:nvGrpSpPr>
         <p:grpSpPr>
           <a:xfrm>
-            <a:off x="4090328" y="2947988"/>
-            <a:ext cx="804750" cy="468000"/>
-            <a:chOff x="4096678" y="2960688"/>
-            <a:chExt cx="949206" cy="552008"/>
+            <a:off x="4277534" y="3448050"/>
+            <a:ext cx="792000" cy="504000"/>
+            <a:chOff x="1187624" y="1844823"/>
+            <a:chExt cx="959511" cy="612001"/>
           </a:xfrm>
+          <a:solidFill>
+            <a:schemeClr val="tx1">
+              <a:lumMod val="50000"/>
+              <a:lumOff val="50000"/>
+            </a:schemeClr>
+          </a:solidFill>
         </p:grpSpPr>
         <p:sp>
           <p:nvSpPr>
-            <p:cNvPr id="7" name="Trapezoid 6"/>
+            <p:cNvPr id="30" name="Rounded Rectangle 29"/>
             <p:cNvSpPr/>
             <p:nvPr/>
           </p:nvSpPr>
           <p:spPr>
-            <a:xfrm rot="16200000">
-              <a:off x="4759785" y="3159472"/>
-              <a:ext cx="417758" cy="154440"/>
+            <a:xfrm>
+              <a:off x="1187624" y="1844824"/>
+              <a:ext cx="756000" cy="612000"/>
             </a:xfrm>
-            <a:prstGeom prst="trapezoid">
+            <a:prstGeom prst="roundRect">
               <a:avLst>
-                <a:gd name="adj" fmla="val 51211"/>
+                <a:gd name="adj" fmla="val 7326"/>
               </a:avLst>
             </a:prstGeom>
-            <a:solidFill>
-              <a:schemeClr val="bg1">
-                <a:lumMod val="75000"/>
-              </a:schemeClr>
-            </a:solidFill>
+            <a:grpFill/>
             <a:ln w="50800">
-              <a:solidFill>
-                <a:schemeClr val="bg1">
-                  <a:lumMod val="75000"/>
-                </a:schemeClr>
-              </a:solidFill>
-              <a:miter lim="800000"/>
+              <a:noFill/>
             </a:ln>
           </p:spPr>
           <p:style>
@@ -3962,31 +5108,24 @@
         </p:sp>
         <p:sp>
           <p:nvSpPr>
-            <p:cNvPr id="8" name="Rounded Rectangle 7"/>
+            <p:cNvPr id="31" name="Trapezoid 30"/>
             <p:cNvSpPr/>
             <p:nvPr/>
           </p:nvSpPr>
           <p:spPr>
-            <a:xfrm>
-              <a:off x="4096678" y="2960688"/>
-              <a:ext cx="763354" cy="552008"/>
+            <a:xfrm rot="16200000">
+              <a:off x="1733135" y="2042823"/>
+              <a:ext cx="612000" cy="216000"/>
             </a:xfrm>
-            <a:prstGeom prst="roundRect">
+            <a:prstGeom prst="trapezoid">
               <a:avLst>
-                <a:gd name="adj" fmla="val 13601"/>
+                <a:gd name="adj" fmla="val 112099"/>
               </a:avLst>
             </a:prstGeom>
-            <a:solidFill>
-              <a:schemeClr val="bg1">
-                <a:lumMod val="75000"/>
-              </a:schemeClr>
-            </a:solidFill>
+            <a:grpFill/>
             <a:ln w="50800">
-              <a:solidFill>
-                <a:schemeClr val="bg1">
-                  <a:lumMod val="75000"/>
-                </a:schemeClr>
-              </a:solidFill>
+              <a:noFill/>
+              <a:miter lim="800000"/>
             </a:ln>
           </p:spPr>
           <p:style>
@@ -4017,50 +5156,41 @@
       </p:grpSp>
       <p:grpSp>
         <p:nvGrpSpPr>
-          <p:cNvPr id="11" name="Group 10"/>
-          <p:cNvGrpSpPr>
-            <a:grpSpLocks noChangeAspect="1"/>
-          </p:cNvGrpSpPr>
+          <p:cNvPr id="3" name="Group 2"/>
+          <p:cNvGrpSpPr/>
           <p:nvPr/>
         </p:nvGrpSpPr>
         <p:grpSpPr>
           <a:xfrm>
-            <a:off x="4256410" y="3450332"/>
-            <a:ext cx="804750" cy="468000"/>
-            <a:chOff x="5045884" y="4221088"/>
-            <a:chExt cx="949206" cy="552008"/>
+            <a:off x="4076677" y="2916000"/>
+            <a:ext cx="792000" cy="504000"/>
+            <a:chOff x="1187624" y="1844823"/>
+            <a:chExt cx="959511" cy="612001"/>
           </a:xfrm>
         </p:grpSpPr>
         <p:sp>
           <p:nvSpPr>
-            <p:cNvPr id="9" name="Trapezoid 8"/>
+            <p:cNvPr id="27" name="Rounded Rectangle 26"/>
             <p:cNvSpPr/>
             <p:nvPr/>
           </p:nvSpPr>
           <p:spPr>
-            <a:xfrm rot="16200000">
-              <a:off x="5708991" y="4419872"/>
-              <a:ext cx="417758" cy="154440"/>
+            <a:xfrm>
+              <a:off x="1187624" y="1844824"/>
+              <a:ext cx="756000" cy="612000"/>
             </a:xfrm>
-            <a:prstGeom prst="trapezoid">
+            <a:prstGeom prst="roundRect">
               <a:avLst>
-                <a:gd name="adj" fmla="val 51211"/>
+                <a:gd name="adj" fmla="val 7326"/>
               </a:avLst>
             </a:prstGeom>
             <a:solidFill>
-              <a:schemeClr val="tx1">
-                <a:lumMod val="50000"/>
-                <a:lumOff val="50000"/>
+              <a:schemeClr val="bg1">
+                <a:lumMod val="75000"/>
               </a:schemeClr>
             </a:solidFill>
             <a:ln w="50800">
-              <a:solidFill>
-                <a:schemeClr val="tx1">
-                  <a:lumMod val="50000"/>
-                  <a:lumOff val="50000"/>
-                </a:schemeClr>
-              </a:solidFill>
-              <a:miter lim="800000"/>
+              <a:noFill/>
             </a:ln>
           </p:spPr>
           <p:style>
@@ -4090,33 +5220,28 @@
         </p:sp>
         <p:sp>
           <p:nvSpPr>
-            <p:cNvPr id="10" name="Rounded Rectangle 9"/>
+            <p:cNvPr id="28" name="Trapezoid 27"/>
             <p:cNvSpPr/>
             <p:nvPr/>
           </p:nvSpPr>
           <p:spPr>
-            <a:xfrm>
-              <a:off x="5045884" y="4221088"/>
-              <a:ext cx="763354" cy="552008"/>
+            <a:xfrm rot="16200000">
+              <a:off x="1733135" y="2042823"/>
+              <a:ext cx="612000" cy="216000"/>
             </a:xfrm>
-            <a:prstGeom prst="roundRect">
+            <a:prstGeom prst="trapezoid">
               <a:avLst>
-                <a:gd name="adj" fmla="val 13601"/>
+                <a:gd name="adj" fmla="val 112099"/>
               </a:avLst>
             </a:prstGeom>
             <a:solidFill>
-              <a:schemeClr val="tx1">
-                <a:lumMod val="50000"/>
-                <a:lumOff val="50000"/>
+              <a:schemeClr val="bg1">
+                <a:lumMod val="75000"/>
               </a:schemeClr>
             </a:solidFill>
             <a:ln w="50800">
-              <a:solidFill>
-                <a:schemeClr val="tx1">
-                  <a:lumMod val="50000"/>
-                  <a:lumOff val="50000"/>
-                </a:schemeClr>
-              </a:solidFill>
+              <a:noFill/>
+              <a:miter lim="800000"/>
             </a:ln>
           </p:spPr>
           <p:style>
@@ -4145,6 +5270,50 @@
           </p:txBody>
         </p:sp>
       </p:grpSp>
+      <p:sp>
+        <p:nvSpPr>
+          <p:cNvPr id="2" name="Rectangle 1"/>
+          <p:cNvSpPr/>
+          <p:nvPr/>
+        </p:nvSpPr>
+        <p:spPr>
+          <a:xfrm>
+            <a:off x="4032000" y="2889000"/>
+            <a:ext cx="1080000" cy="1080000"/>
+          </a:xfrm>
+          <a:prstGeom prst="rect">
+            <a:avLst/>
+          </a:prstGeom>
+          <a:noFill/>
+          <a:ln w="6350">
+            <a:noFill/>
+          </a:ln>
+        </p:spPr>
+        <p:style>
+          <a:lnRef idx="2">
+            <a:schemeClr val="accent1">
+              <a:shade val="50000"/>
+            </a:schemeClr>
+          </a:lnRef>
+          <a:fillRef idx="1">
+            <a:schemeClr val="accent1"/>
+          </a:fillRef>
+          <a:effectRef idx="0">
+            <a:schemeClr val="accent1"/>
+          </a:effectRef>
+          <a:fontRef idx="minor">
+            <a:schemeClr val="lt1"/>
+          </a:fontRef>
+        </p:style>
+        <p:txBody>
+          <a:bodyPr rtlCol="0" anchor="ctr"/>
+          <a:lstStyle/>
+          <a:p>
+            <a:pPr algn="ctr"/>
+            <a:endParaRPr lang="zh-TW" altLang="en-US"/>
+          </a:p>
+        </p:txBody>
+      </p:sp>
       <p:cxnSp>
         <p:nvCxnSpPr>
           <p:cNvPr id="13" name="Straight Arrow Connector 12"/>
@@ -4153,8 +5322,8 @@
         </p:nvCxnSpPr>
         <p:spPr>
           <a:xfrm>
-            <a:off x="4644008" y="3212976"/>
-            <a:ext cx="0" cy="432048"/>
+            <a:off x="4622579" y="3232024"/>
+            <a:ext cx="0" cy="468000"/>
           </a:xfrm>
           <a:prstGeom prst="straightConnector1">
             <a:avLst/>
@@ -4189,8 +5358,8 @@
         </p:nvCxnSpPr>
         <p:spPr>
           <a:xfrm flipV="1">
-            <a:off x="4385989" y="3201810"/>
-            <a:ext cx="0" cy="432000"/>
+            <a:off x="4364560" y="3157635"/>
+            <a:ext cx="0" cy="468000"/>
           </a:xfrm>
           <a:prstGeom prst="straightConnector1">
             <a:avLst/>
@@ -4230,7 +5399,7 @@
 </p:sld>
 </file>
 
-<file path=ppt/slides/slide11.xml><?xml version="1.0" encoding="utf-8"?>
+<file path=ppt/slides/slide12.xml><?xml version="1.0" encoding="utf-8"?>
 <p:sld xmlns:a="http://schemas.openxmlformats.org/drawingml/2006/main" xmlns:r="http://schemas.openxmlformats.org/officeDocument/2006/relationships" xmlns:p="http://schemas.openxmlformats.org/presentationml/2006/main">
   <p:cSld>
     <p:spTree>
@@ -4416,7 +5585,7 @@
 </p:sld>
 </file>
 
-<file path=ppt/slides/slide12.xml><?xml version="1.0" encoding="utf-8"?>
+<file path=ppt/slides/slide13.xml><?xml version="1.0" encoding="utf-8"?>
 <p:sld xmlns:a="http://schemas.openxmlformats.org/drawingml/2006/main" xmlns:r="http://schemas.openxmlformats.org/officeDocument/2006/relationships" xmlns:p="http://schemas.openxmlformats.org/presentationml/2006/main">
   <p:cSld>
     <p:spTree>
@@ -4590,7 +5759,7 @@
 </p:sld>
 </file>
 
-<file path=ppt/slides/slide13.xml><?xml version="1.0" encoding="utf-8"?>
+<file path=ppt/slides/slide14.xml><?xml version="1.0" encoding="utf-8"?>
 <p:sld xmlns:a="http://schemas.openxmlformats.org/drawingml/2006/main" xmlns:r="http://schemas.openxmlformats.org/officeDocument/2006/relationships" xmlns:p="http://schemas.openxmlformats.org/presentationml/2006/main">
   <p:cSld>
     <p:spTree>
@@ -4854,7 +6023,7 @@
 </p:sld>
 </file>
 
-<file path=ppt/slides/slide14.xml><?xml version="1.0" encoding="utf-8"?>
+<file path=ppt/slides/slide15.xml><?xml version="1.0" encoding="utf-8"?>
 <p:sld xmlns:a="http://schemas.openxmlformats.org/drawingml/2006/main" xmlns:r="http://schemas.openxmlformats.org/officeDocument/2006/relationships" xmlns:p="http://schemas.openxmlformats.org/presentationml/2006/main">
   <p:cSld>
     <p:spTree>
@@ -4952,7 +6121,7 @@
 </p:sld>
 </file>
 
-<file path=ppt/slides/slide15.xml><?xml version="1.0" encoding="utf-8"?>
+<file path=ppt/slides/slide16.xml><?xml version="1.0" encoding="utf-8"?>
 <p:sld xmlns:a="http://schemas.openxmlformats.org/drawingml/2006/main" xmlns:r="http://schemas.openxmlformats.org/officeDocument/2006/relationships" xmlns:p="http://schemas.openxmlformats.org/presentationml/2006/main">
   <p:cSld>
     <p:spTree>
@@ -5435,7 +6604,7 @@
 </p:sld>
 </file>
 
-<file path=ppt/slides/slide16.xml><?xml version="1.0" encoding="utf-8"?>
+<file path=ppt/slides/slide17.xml><?xml version="1.0" encoding="utf-8"?>
 <p:sld xmlns:a="http://schemas.openxmlformats.org/drawingml/2006/main" xmlns:r="http://schemas.openxmlformats.org/officeDocument/2006/relationships" xmlns:p="http://schemas.openxmlformats.org/presentationml/2006/main">
   <p:cSld>
     <p:spTree>
@@ -5472,7 +6641,7 @@
 </p:sld>
 </file>
 
-<file path=ppt/slides/slide17.xml><?xml version="1.0" encoding="utf-8"?>
+<file path=ppt/slides/slide18.xml><?xml version="1.0" encoding="utf-8"?>
 <p:sld xmlns:a="http://schemas.openxmlformats.org/drawingml/2006/main" xmlns:r="http://schemas.openxmlformats.org/officeDocument/2006/relationships" xmlns:p="http://schemas.openxmlformats.org/presentationml/2006/main">
   <p:cSld>
     <p:spTree>
@@ -5509,7 +6678,7 @@
 </p:sld>
 </file>
 
-<file path=ppt/slides/slide18.xml><?xml version="1.0" encoding="utf-8"?>
+<file path=ppt/slides/slide19.xml><?xml version="1.0" encoding="utf-8"?>
 <p:sld xmlns:a="http://schemas.openxmlformats.org/drawingml/2006/main" xmlns:r="http://schemas.openxmlformats.org/officeDocument/2006/relationships" xmlns:p="http://schemas.openxmlformats.org/presentationml/2006/main">
   <p:cSld>
     <p:spTree>
@@ -5640,7 +6809,127 @@
 </p:sld>
 </file>
 
-<file path=ppt/slides/slide19.xml><?xml version="1.0" encoding="utf-8"?>
+<file path=ppt/slides/slide2.xml><?xml version="1.0" encoding="utf-8"?>
+<p:sld xmlns:a="http://schemas.openxmlformats.org/drawingml/2006/main" xmlns:r="http://schemas.openxmlformats.org/officeDocument/2006/relationships" xmlns:p="http://schemas.openxmlformats.org/presentationml/2006/main">
+  <p:cSld>
+    <p:spTree>
+      <p:nvGrpSpPr>
+        <p:cNvPr id="1" name=""/>
+        <p:cNvGrpSpPr/>
+        <p:nvPr/>
+      </p:nvGrpSpPr>
+      <p:grpSpPr>
+        <a:xfrm>
+          <a:off x="0" y="0"/>
+          <a:ext cx="0" cy="0"/>
+          <a:chOff x="0" y="0"/>
+          <a:chExt cx="0" cy="0"/>
+        </a:xfrm>
+      </p:grpSpPr>
+      <p:sp>
+        <p:nvSpPr>
+          <p:cNvPr id="3" name="Rectangle 2"/>
+          <p:cNvSpPr/>
+          <p:nvPr/>
+        </p:nvSpPr>
+        <p:spPr>
+          <a:xfrm>
+            <a:off x="4032000" y="2889000"/>
+            <a:ext cx="1080000" cy="1080000"/>
+          </a:xfrm>
+          <a:prstGeom prst="rect">
+            <a:avLst/>
+          </a:prstGeom>
+          <a:noFill/>
+          <a:ln w="6350">
+            <a:noFill/>
+          </a:ln>
+        </p:spPr>
+        <p:style>
+          <a:lnRef idx="2">
+            <a:schemeClr val="accent1">
+              <a:shade val="50000"/>
+            </a:schemeClr>
+          </a:lnRef>
+          <a:fillRef idx="1">
+            <a:schemeClr val="accent1"/>
+          </a:fillRef>
+          <a:effectRef idx="0">
+            <a:schemeClr val="accent1"/>
+          </a:effectRef>
+          <a:fontRef idx="minor">
+            <a:schemeClr val="lt1"/>
+          </a:fontRef>
+        </p:style>
+        <p:txBody>
+          <a:bodyPr rtlCol="0" anchor="ctr"/>
+          <a:lstStyle/>
+          <a:p>
+            <a:pPr algn="ctr"/>
+            <a:endParaRPr lang="zh-TW" altLang="en-US"/>
+          </a:p>
+        </p:txBody>
+      </p:sp>
+      <p:sp>
+        <p:nvSpPr>
+          <p:cNvPr id="4" name="Oval 3"/>
+          <p:cNvSpPr/>
+          <p:nvPr/>
+        </p:nvSpPr>
+        <p:spPr>
+          <a:xfrm>
+            <a:off x="4114800" y="2971800"/>
+            <a:ext cx="914400" cy="914400"/>
+          </a:xfrm>
+          <a:prstGeom prst="ellipse">
+            <a:avLst/>
+          </a:prstGeom>
+          <a:solidFill>
+            <a:srgbClr val="FF0000"/>
+          </a:solidFill>
+          <a:ln>
+            <a:noFill/>
+          </a:ln>
+        </p:spPr>
+        <p:style>
+          <a:lnRef idx="2">
+            <a:schemeClr val="accent1">
+              <a:shade val="50000"/>
+            </a:schemeClr>
+          </a:lnRef>
+          <a:fillRef idx="1">
+            <a:schemeClr val="accent1"/>
+          </a:fillRef>
+          <a:effectRef idx="0">
+            <a:schemeClr val="accent1"/>
+          </a:effectRef>
+          <a:fontRef idx="minor">
+            <a:schemeClr val="lt1"/>
+          </a:fontRef>
+        </p:style>
+        <p:txBody>
+          <a:bodyPr rtlCol="0" anchor="ctr"/>
+          <a:lstStyle/>
+          <a:p>
+            <a:pPr algn="ctr"/>
+            <a:endParaRPr lang="en-US"/>
+          </a:p>
+        </p:txBody>
+      </p:sp>
+    </p:spTree>
+    <p:extLst>
+      <p:ext uri="{BB962C8B-B14F-4D97-AF65-F5344CB8AC3E}">
+        <p14:creationId xmlns:p14="http://schemas.microsoft.com/office/powerpoint/2010/main" val="3834815093"/>
+      </p:ext>
+    </p:extLst>
+  </p:cSld>
+  <p:clrMapOvr>
+    <a:masterClrMapping/>
+  </p:clrMapOvr>
+</p:sld>
+</file>
+
+<file path=ppt/slides/slide20.xml><?xml version="1.0" encoding="utf-8"?>
 <p:sld xmlns:a="http://schemas.openxmlformats.org/drawingml/2006/main" xmlns:r="http://schemas.openxmlformats.org/officeDocument/2006/relationships" xmlns:p="http://schemas.openxmlformats.org/presentationml/2006/main">
   <p:cSld>
     <p:spTree>
@@ -5711,127 +7000,7 @@
 </p:sld>
 </file>
 
-<file path=ppt/slides/slide2.xml><?xml version="1.0" encoding="utf-8"?>
-<p:sld xmlns:a="http://schemas.openxmlformats.org/drawingml/2006/main" xmlns:r="http://schemas.openxmlformats.org/officeDocument/2006/relationships" xmlns:p="http://schemas.openxmlformats.org/presentationml/2006/main">
-  <p:cSld>
-    <p:spTree>
-      <p:nvGrpSpPr>
-        <p:cNvPr id="1" name=""/>
-        <p:cNvGrpSpPr/>
-        <p:nvPr/>
-      </p:nvGrpSpPr>
-      <p:grpSpPr>
-        <a:xfrm>
-          <a:off x="0" y="0"/>
-          <a:ext cx="0" cy="0"/>
-          <a:chOff x="0" y="0"/>
-          <a:chExt cx="0" cy="0"/>
-        </a:xfrm>
-      </p:grpSpPr>
-      <p:sp>
-        <p:nvSpPr>
-          <p:cNvPr id="3" name="Rectangle 2"/>
-          <p:cNvSpPr/>
-          <p:nvPr/>
-        </p:nvSpPr>
-        <p:spPr>
-          <a:xfrm>
-            <a:off x="4032000" y="2889000"/>
-            <a:ext cx="1080000" cy="1080000"/>
-          </a:xfrm>
-          <a:prstGeom prst="rect">
-            <a:avLst/>
-          </a:prstGeom>
-          <a:noFill/>
-          <a:ln w="6350">
-            <a:noFill/>
-          </a:ln>
-        </p:spPr>
-        <p:style>
-          <a:lnRef idx="2">
-            <a:schemeClr val="accent1">
-              <a:shade val="50000"/>
-            </a:schemeClr>
-          </a:lnRef>
-          <a:fillRef idx="1">
-            <a:schemeClr val="accent1"/>
-          </a:fillRef>
-          <a:effectRef idx="0">
-            <a:schemeClr val="accent1"/>
-          </a:effectRef>
-          <a:fontRef idx="minor">
-            <a:schemeClr val="lt1"/>
-          </a:fontRef>
-        </p:style>
-        <p:txBody>
-          <a:bodyPr rtlCol="0" anchor="ctr"/>
-          <a:lstStyle/>
-          <a:p>
-            <a:pPr algn="ctr"/>
-            <a:endParaRPr lang="zh-TW" altLang="en-US"/>
-          </a:p>
-        </p:txBody>
-      </p:sp>
-      <p:sp>
-        <p:nvSpPr>
-          <p:cNvPr id="4" name="Oval 3"/>
-          <p:cNvSpPr/>
-          <p:nvPr/>
-        </p:nvSpPr>
-        <p:spPr>
-          <a:xfrm>
-            <a:off x="4114800" y="2971800"/>
-            <a:ext cx="914400" cy="914400"/>
-          </a:xfrm>
-          <a:prstGeom prst="ellipse">
-            <a:avLst/>
-          </a:prstGeom>
-          <a:solidFill>
-            <a:srgbClr val="FF0000"/>
-          </a:solidFill>
-          <a:ln>
-            <a:noFill/>
-          </a:ln>
-        </p:spPr>
-        <p:style>
-          <a:lnRef idx="2">
-            <a:schemeClr val="accent1">
-              <a:shade val="50000"/>
-            </a:schemeClr>
-          </a:lnRef>
-          <a:fillRef idx="1">
-            <a:schemeClr val="accent1"/>
-          </a:fillRef>
-          <a:effectRef idx="0">
-            <a:schemeClr val="accent1"/>
-          </a:effectRef>
-          <a:fontRef idx="minor">
-            <a:schemeClr val="lt1"/>
-          </a:fontRef>
-        </p:style>
-        <p:txBody>
-          <a:bodyPr rtlCol="0" anchor="ctr"/>
-          <a:lstStyle/>
-          <a:p>
-            <a:pPr algn="ctr"/>
-            <a:endParaRPr lang="en-US"/>
-          </a:p>
-        </p:txBody>
-      </p:sp>
-    </p:spTree>
-    <p:extLst>
-      <p:ext uri="{BB962C8B-B14F-4D97-AF65-F5344CB8AC3E}">
-        <p14:creationId xmlns:p14="http://schemas.microsoft.com/office/powerpoint/2010/main" val="3834815093"/>
-      </p:ext>
-    </p:extLst>
-  </p:cSld>
-  <p:clrMapOvr>
-    <a:masterClrMapping/>
-  </p:clrMapOvr>
-</p:sld>
-</file>
-
-<file path=ppt/slides/slide20.xml><?xml version="1.0" encoding="utf-8"?>
+<file path=ppt/slides/slide21.xml><?xml version="1.0" encoding="utf-8"?>
 <p:sld xmlns:a="http://schemas.openxmlformats.org/drawingml/2006/main" xmlns:r="http://schemas.openxmlformats.org/officeDocument/2006/relationships" xmlns:p="http://schemas.openxmlformats.org/presentationml/2006/main">
   <p:cSld>
     <p:spTree>
@@ -6015,7 +7184,7 @@
 </p:sld>
 </file>
 
-<file path=ppt/slides/slide21.xml><?xml version="1.0" encoding="utf-8"?>
+<file path=ppt/slides/slide22.xml><?xml version="1.0" encoding="utf-8"?>
 <p:sld xmlns:a="http://schemas.openxmlformats.org/drawingml/2006/main" xmlns:r="http://schemas.openxmlformats.org/officeDocument/2006/relationships" xmlns:p="http://schemas.openxmlformats.org/presentationml/2006/main">
   <p:cSld>
     <p:spTree>
@@ -6360,7 +7529,7 @@
 </p:sld>
 </file>
 
-<file path=ppt/slides/slide22.xml><?xml version="1.0" encoding="utf-8"?>
+<file path=ppt/slides/slide23.xml><?xml version="1.0" encoding="utf-8"?>
 <p:sld xmlns:a="http://schemas.openxmlformats.org/drawingml/2006/main" xmlns:r="http://schemas.openxmlformats.org/officeDocument/2006/relationships" xmlns:p="http://schemas.openxmlformats.org/presentationml/2006/main">
   <p:cSld>
     <p:spTree>
@@ -6835,7 +8004,7 @@
 </p:sld>
 </file>
 
-<file path=ppt/slides/slide23.xml><?xml version="1.0" encoding="utf-8"?>
+<file path=ppt/slides/slide24.xml><?xml version="1.0" encoding="utf-8"?>
 <p:sld xmlns:a="http://schemas.openxmlformats.org/drawingml/2006/main" xmlns:r="http://schemas.openxmlformats.org/officeDocument/2006/relationships" xmlns:p="http://schemas.openxmlformats.org/presentationml/2006/main">
   <p:cSld>
     <p:spTree>
@@ -7011,7 +8180,7 @@
 </p:sld>
 </file>
 
-<file path=ppt/slides/slide24.xml><?xml version="1.0" encoding="utf-8"?>
+<file path=ppt/slides/slide25.xml><?xml version="1.0" encoding="utf-8"?>
 <p:sld xmlns:a="http://schemas.openxmlformats.org/drawingml/2006/main" xmlns:r="http://schemas.openxmlformats.org/officeDocument/2006/relationships" xmlns:p="http://schemas.openxmlformats.org/presentationml/2006/main">
   <p:cSld>
     <p:spTree>
@@ -7087,7 +8256,7 @@
 </p:sld>
 </file>
 
-<file path=ppt/slides/slide25.xml><?xml version="1.0" encoding="utf-8"?>
+<file path=ppt/slides/slide26.xml><?xml version="1.0" encoding="utf-8"?>
 <p:sld xmlns:a="http://schemas.openxmlformats.org/drawingml/2006/main" xmlns:r="http://schemas.openxmlformats.org/officeDocument/2006/relationships" xmlns:p="http://schemas.openxmlformats.org/presentationml/2006/main">
   <p:cSld>
     <p:spTree>
@@ -7313,7 +8482,7 @@
 </p:sld>
 </file>
 
-<file path=ppt/slides/slide26.xml><?xml version="1.0" encoding="utf-8"?>
+<file path=ppt/slides/slide27.xml><?xml version="1.0" encoding="utf-8"?>
 <p:sld xmlns:a="http://schemas.openxmlformats.org/drawingml/2006/main" xmlns:r="http://schemas.openxmlformats.org/officeDocument/2006/relationships" xmlns:p="http://schemas.openxmlformats.org/presentationml/2006/main">
   <p:cSld>
     <p:spTree>
@@ -7661,7 +8830,7 @@
 </p:sld>
 </file>
 
-<file path=ppt/slides/slide27.xml><?xml version="1.0" encoding="utf-8"?>
+<file path=ppt/slides/slide28.xml><?xml version="1.0" encoding="utf-8"?>
 <p:sld xmlns:a="http://schemas.openxmlformats.org/drawingml/2006/main" xmlns:r="http://schemas.openxmlformats.org/officeDocument/2006/relationships" xmlns:p="http://schemas.openxmlformats.org/presentationml/2006/main">
   <p:cSld>
     <p:spTree>
@@ -7979,7 +9148,7 @@
 </p:sld>
 </file>
 
-<file path=ppt/slides/slide28.xml><?xml version="1.0" encoding="utf-8"?>
+<file path=ppt/slides/slide29.xml><?xml version="1.0" encoding="utf-8"?>
 <p:sld xmlns:a="http://schemas.openxmlformats.org/drawingml/2006/main" xmlns:r="http://schemas.openxmlformats.org/officeDocument/2006/relationships" xmlns:p="http://schemas.openxmlformats.org/presentationml/2006/main">
   <p:cSld>
     <p:spTree>
@@ -8819,7 +9988,129 @@
 </p:sld>
 </file>
 
-<file path=ppt/slides/slide29.xml><?xml version="1.0" encoding="utf-8"?>
+<file path=ppt/slides/slide3.xml><?xml version="1.0" encoding="utf-8"?>
+<p:sld xmlns:a="http://schemas.openxmlformats.org/drawingml/2006/main" xmlns:r="http://schemas.openxmlformats.org/officeDocument/2006/relationships" xmlns:p="http://schemas.openxmlformats.org/presentationml/2006/main">
+  <p:cSld>
+    <p:spTree>
+      <p:nvGrpSpPr>
+        <p:cNvPr id="1" name=""/>
+        <p:cNvGrpSpPr/>
+        <p:nvPr/>
+      </p:nvGrpSpPr>
+      <p:grpSpPr>
+        <a:xfrm>
+          <a:off x="0" y="0"/>
+          <a:ext cx="0" cy="0"/>
+          <a:chOff x="0" y="0"/>
+          <a:chExt cx="0" cy="0"/>
+        </a:xfrm>
+      </p:grpSpPr>
+      <p:sp>
+        <p:nvSpPr>
+          <p:cNvPr id="5" name="Rounded Rectangle 4"/>
+          <p:cNvSpPr/>
+          <p:nvPr/>
+        </p:nvSpPr>
+        <p:spPr>
+          <a:xfrm>
+            <a:off x="4281016" y="3140968"/>
+            <a:ext cx="576064" cy="576064"/>
+          </a:xfrm>
+          <a:prstGeom prst="roundRect">
+            <a:avLst>
+              <a:gd name="adj" fmla="val 11111"/>
+            </a:avLst>
+          </a:prstGeom>
+          <a:solidFill>
+            <a:srgbClr val="FF0000"/>
+          </a:solidFill>
+          <a:ln>
+            <a:noFill/>
+          </a:ln>
+        </p:spPr>
+        <p:style>
+          <a:lnRef idx="2">
+            <a:schemeClr val="accent1">
+              <a:shade val="50000"/>
+            </a:schemeClr>
+          </a:lnRef>
+          <a:fillRef idx="1">
+            <a:schemeClr val="accent1"/>
+          </a:fillRef>
+          <a:effectRef idx="0">
+            <a:schemeClr val="accent1"/>
+          </a:effectRef>
+          <a:fontRef idx="minor">
+            <a:schemeClr val="lt1"/>
+          </a:fontRef>
+        </p:style>
+        <p:txBody>
+          <a:bodyPr rtlCol="0" anchor="ctr"/>
+          <a:lstStyle/>
+          <a:p>
+            <a:pPr algn="ctr"/>
+            <a:endParaRPr lang="en-US"/>
+          </a:p>
+        </p:txBody>
+      </p:sp>
+      <p:sp>
+        <p:nvSpPr>
+          <p:cNvPr id="3" name="Rectangle 2"/>
+          <p:cNvSpPr/>
+          <p:nvPr/>
+        </p:nvSpPr>
+        <p:spPr>
+          <a:xfrm>
+            <a:off x="4032000" y="2889000"/>
+            <a:ext cx="1080000" cy="1080000"/>
+          </a:xfrm>
+          <a:prstGeom prst="rect">
+            <a:avLst/>
+          </a:prstGeom>
+          <a:noFill/>
+          <a:ln w="6350">
+            <a:noFill/>
+          </a:ln>
+        </p:spPr>
+        <p:style>
+          <a:lnRef idx="2">
+            <a:schemeClr val="accent1">
+              <a:shade val="50000"/>
+            </a:schemeClr>
+          </a:lnRef>
+          <a:fillRef idx="1">
+            <a:schemeClr val="accent1"/>
+          </a:fillRef>
+          <a:effectRef idx="0">
+            <a:schemeClr val="accent1"/>
+          </a:effectRef>
+          <a:fontRef idx="minor">
+            <a:schemeClr val="lt1"/>
+          </a:fontRef>
+        </p:style>
+        <p:txBody>
+          <a:bodyPr rtlCol="0" anchor="ctr"/>
+          <a:lstStyle/>
+          <a:p>
+            <a:pPr algn="ctr"/>
+            <a:endParaRPr lang="zh-TW" altLang="en-US"/>
+          </a:p>
+        </p:txBody>
+      </p:sp>
+    </p:spTree>
+    <p:extLst>
+      <p:ext uri="{BB962C8B-B14F-4D97-AF65-F5344CB8AC3E}">
+        <p14:creationId xmlns:p14="http://schemas.microsoft.com/office/powerpoint/2010/main" val="2760861898"/>
+      </p:ext>
+    </p:extLst>
+  </p:cSld>
+  <p:clrMapOvr>
+    <a:masterClrMapping/>
+  </p:clrMapOvr>
+</p:sld>
+</file>
+
+<file path=ppt/slides/slide30.xml><?xml version="1.0" encoding="utf-8"?>
 <p:sld xmlns:a="http://schemas.openxmlformats.org/drawingml/2006/main" xmlns:r="http://schemas.openxmlformats.org/officeDocument/2006/relationships" xmlns:p="http://schemas.openxmlformats.org/presentationml/2006/main">
   <p:cSld>
     <p:spTree>
@@ -10498,129 +11789,7 @@
 </p:sld>
 </file>
 
-<file path=ppt/slides/slide3.xml><?xml version="1.0" encoding="utf-8"?>
-<p:sld xmlns:a="http://schemas.openxmlformats.org/drawingml/2006/main" xmlns:r="http://schemas.openxmlformats.org/officeDocument/2006/relationships" xmlns:p="http://schemas.openxmlformats.org/presentationml/2006/main">
-  <p:cSld>
-    <p:spTree>
-      <p:nvGrpSpPr>
-        <p:cNvPr id="1" name=""/>
-        <p:cNvGrpSpPr/>
-        <p:nvPr/>
-      </p:nvGrpSpPr>
-      <p:grpSpPr>
-        <a:xfrm>
-          <a:off x="0" y="0"/>
-          <a:ext cx="0" cy="0"/>
-          <a:chOff x="0" y="0"/>
-          <a:chExt cx="0" cy="0"/>
-        </a:xfrm>
-      </p:grpSpPr>
-      <p:sp>
-        <p:nvSpPr>
-          <p:cNvPr id="5" name="Rounded Rectangle 4"/>
-          <p:cNvSpPr/>
-          <p:nvPr/>
-        </p:nvSpPr>
-        <p:spPr>
-          <a:xfrm>
-            <a:off x="4281016" y="3140968"/>
-            <a:ext cx="576064" cy="576064"/>
-          </a:xfrm>
-          <a:prstGeom prst="roundRect">
-            <a:avLst>
-              <a:gd name="adj" fmla="val 11111"/>
-            </a:avLst>
-          </a:prstGeom>
-          <a:solidFill>
-            <a:srgbClr val="FF0000"/>
-          </a:solidFill>
-          <a:ln>
-            <a:noFill/>
-          </a:ln>
-        </p:spPr>
-        <p:style>
-          <a:lnRef idx="2">
-            <a:schemeClr val="accent1">
-              <a:shade val="50000"/>
-            </a:schemeClr>
-          </a:lnRef>
-          <a:fillRef idx="1">
-            <a:schemeClr val="accent1"/>
-          </a:fillRef>
-          <a:effectRef idx="0">
-            <a:schemeClr val="accent1"/>
-          </a:effectRef>
-          <a:fontRef idx="minor">
-            <a:schemeClr val="lt1"/>
-          </a:fontRef>
-        </p:style>
-        <p:txBody>
-          <a:bodyPr rtlCol="0" anchor="ctr"/>
-          <a:lstStyle/>
-          <a:p>
-            <a:pPr algn="ctr"/>
-            <a:endParaRPr lang="en-US"/>
-          </a:p>
-        </p:txBody>
-      </p:sp>
-      <p:sp>
-        <p:nvSpPr>
-          <p:cNvPr id="3" name="Rectangle 2"/>
-          <p:cNvSpPr/>
-          <p:nvPr/>
-        </p:nvSpPr>
-        <p:spPr>
-          <a:xfrm>
-            <a:off x="4032000" y="2889000"/>
-            <a:ext cx="1080000" cy="1080000"/>
-          </a:xfrm>
-          <a:prstGeom prst="rect">
-            <a:avLst/>
-          </a:prstGeom>
-          <a:noFill/>
-          <a:ln w="6350">
-            <a:noFill/>
-          </a:ln>
-        </p:spPr>
-        <p:style>
-          <a:lnRef idx="2">
-            <a:schemeClr val="accent1">
-              <a:shade val="50000"/>
-            </a:schemeClr>
-          </a:lnRef>
-          <a:fillRef idx="1">
-            <a:schemeClr val="accent1"/>
-          </a:fillRef>
-          <a:effectRef idx="0">
-            <a:schemeClr val="accent1"/>
-          </a:effectRef>
-          <a:fontRef idx="minor">
-            <a:schemeClr val="lt1"/>
-          </a:fontRef>
-        </p:style>
-        <p:txBody>
-          <a:bodyPr rtlCol="0" anchor="ctr"/>
-          <a:lstStyle/>
-          <a:p>
-            <a:pPr algn="ctr"/>
-            <a:endParaRPr lang="zh-TW" altLang="en-US"/>
-          </a:p>
-        </p:txBody>
-      </p:sp>
-    </p:spTree>
-    <p:extLst>
-      <p:ext uri="{BB962C8B-B14F-4D97-AF65-F5344CB8AC3E}">
-        <p14:creationId xmlns:p14="http://schemas.microsoft.com/office/powerpoint/2010/main" val="2760861898"/>
-      </p:ext>
-    </p:extLst>
-  </p:cSld>
-  <p:clrMapOvr>
-    <a:masterClrMapping/>
-  </p:clrMapOvr>
-</p:sld>
-</file>
-
-<file path=ppt/slides/slide30.xml><?xml version="1.0" encoding="utf-8"?>
+<file path=ppt/slides/slide31.xml><?xml version="1.0" encoding="utf-8"?>
 <p:sld xmlns:a="http://schemas.openxmlformats.org/drawingml/2006/main" xmlns:r="http://schemas.openxmlformats.org/officeDocument/2006/relationships" xmlns:p="http://schemas.openxmlformats.org/presentationml/2006/main">
   <p:cSld>
     <p:spTree>
@@ -10863,7 +12032,7 @@
 </p:sld>
 </file>
 
-<file path=ppt/slides/slide31.xml><?xml version="1.0" encoding="utf-8"?>
+<file path=ppt/slides/slide32.xml><?xml version="1.0" encoding="utf-8"?>
 <p:sld xmlns:a="http://schemas.openxmlformats.org/drawingml/2006/main" xmlns:r="http://schemas.openxmlformats.org/officeDocument/2006/relationships" xmlns:p="http://schemas.openxmlformats.org/presentationml/2006/main">
   <p:cSld>
     <p:spTree>
@@ -11729,7 +12898,7 @@
 </p:sld>
 </file>
 
-<file path=ppt/slides/slide32.xml><?xml version="1.0" encoding="utf-8"?>
+<file path=ppt/slides/slide33.xml><?xml version="1.0" encoding="utf-8"?>
 <p:sld xmlns:a="http://schemas.openxmlformats.org/drawingml/2006/main" xmlns:r="http://schemas.openxmlformats.org/officeDocument/2006/relationships" xmlns:p="http://schemas.openxmlformats.org/presentationml/2006/main">
   <p:cSld>
     <p:spTree>
@@ -12657,7 +13826,7 @@
 </p:sld>
 </file>
 
-<file path=ppt/slides/slide33.xml><?xml version="1.0" encoding="utf-8"?>
+<file path=ppt/slides/slide34.xml><?xml version="1.0" encoding="utf-8"?>
 <p:sld xmlns:a="http://schemas.openxmlformats.org/drawingml/2006/main" xmlns:r="http://schemas.openxmlformats.org/officeDocument/2006/relationships" xmlns:p="http://schemas.openxmlformats.org/presentationml/2006/main">
   <p:cSld>
     <p:spTree>
@@ -13591,7 +14760,7 @@
 </p:sld>
 </file>
 
-<file path=ppt/slides/slide34.xml><?xml version="1.0" encoding="utf-8"?>
+<file path=ppt/slides/slide35.xml><?xml version="1.0" encoding="utf-8"?>
 <p:sld xmlns:a="http://schemas.openxmlformats.org/drawingml/2006/main" xmlns:r="http://schemas.openxmlformats.org/officeDocument/2006/relationships" xmlns:p="http://schemas.openxmlformats.org/presentationml/2006/main">
   <p:cSld>
     <p:spTree>
@@ -13671,7 +14840,7 @@
 </p:sld>
 </file>
 
-<file path=ppt/slides/slide35.xml><?xml version="1.0" encoding="utf-8"?>
+<file path=ppt/slides/slide36.xml><?xml version="1.0" encoding="utf-8"?>
 <p:sld xmlns:a="http://schemas.openxmlformats.org/drawingml/2006/main" xmlns:r="http://schemas.openxmlformats.org/officeDocument/2006/relationships" xmlns:p="http://schemas.openxmlformats.org/presentationml/2006/main">
   <p:cSld>
     <p:spTree>
@@ -13805,171 +14974,6 @@
     <p:extLst>
       <p:ext uri="{BB962C8B-B14F-4D97-AF65-F5344CB8AC3E}">
         <p14:creationId xmlns:p14="http://schemas.microsoft.com/office/powerpoint/2010/main" val="1337791561"/>
-      </p:ext>
-    </p:extLst>
-  </p:cSld>
-  <p:clrMapOvr>
-    <a:masterClrMapping/>
-  </p:clrMapOvr>
-</p:sld>
-</file>
-
-<file path=ppt/slides/slide36.xml><?xml version="1.0" encoding="utf-8"?>
-<p:sld xmlns:a="http://schemas.openxmlformats.org/drawingml/2006/main" xmlns:r="http://schemas.openxmlformats.org/officeDocument/2006/relationships" xmlns:p="http://schemas.openxmlformats.org/presentationml/2006/main">
-  <p:cSld>
-    <p:spTree>
-      <p:nvGrpSpPr>
-        <p:cNvPr id="1" name=""/>
-        <p:cNvGrpSpPr/>
-        <p:nvPr/>
-      </p:nvGrpSpPr>
-      <p:grpSpPr>
-        <a:xfrm>
-          <a:off x="0" y="0"/>
-          <a:ext cx="0" cy="0"/>
-          <a:chOff x="0" y="0"/>
-          <a:chExt cx="0" cy="0"/>
-        </a:xfrm>
-      </p:grpSpPr>
-      <p:sp>
-        <p:nvSpPr>
-          <p:cNvPr id="2" name="Snip Single Corner Rectangle 1"/>
-          <p:cNvSpPr/>
-          <p:nvPr/>
-        </p:nvSpPr>
-        <p:spPr>
-          <a:xfrm>
-            <a:off x="3776216" y="2710272"/>
-            <a:ext cx="1080000" cy="1080000"/>
-          </a:xfrm>
-          <a:prstGeom prst="snip1Rect">
-            <a:avLst/>
-          </a:prstGeom>
-          <a:noFill/>
-          <a:ln w="50800">
-            <a:solidFill>
-              <a:schemeClr val="tx1">
-                <a:lumMod val="75000"/>
-                <a:lumOff val="25000"/>
-              </a:schemeClr>
-            </a:solidFill>
-          </a:ln>
-        </p:spPr>
-        <p:style>
-          <a:lnRef idx="2">
-            <a:schemeClr val="accent1">
-              <a:shade val="50000"/>
-            </a:schemeClr>
-          </a:lnRef>
-          <a:fillRef idx="1">
-            <a:schemeClr val="accent1"/>
-          </a:fillRef>
-          <a:effectRef idx="0">
-            <a:schemeClr val="accent1"/>
-          </a:effectRef>
-          <a:fontRef idx="minor">
-            <a:schemeClr val="lt1"/>
-          </a:fontRef>
-        </p:style>
-        <p:txBody>
-          <a:bodyPr lIns="0" tIns="36000" rIns="0" bIns="36000" rtlCol="0" anchor="b"/>
-          <a:lstStyle/>
-          <a:p>
-            <a:pPr algn="r"/>
-            <a:r>
-              <a:rPr lang="en-US" altLang="zh-TW" sz="2800" dirty="0">
-                <a:solidFill>
-                  <a:schemeClr val="tx1">
-                    <a:lumMod val="75000"/>
-                    <a:lumOff val="25000"/>
-                  </a:schemeClr>
-                </a:solidFill>
-                <a:latin typeface="Kozuka Gothic Pro H" pitchFamily="34" charset="-128"/>
-                <a:ea typeface="Kozuka Gothic Pro H" pitchFamily="34" charset="-128"/>
-              </a:rPr>
-              <a:t>NPY</a:t>
-            </a:r>
-            <a:endParaRPr lang="zh-TW" altLang="en-US" sz="2800" dirty="0">
-              <a:solidFill>
-                <a:schemeClr val="tx1">
-                  <a:lumMod val="75000"/>
-                  <a:lumOff val="25000"/>
-                </a:schemeClr>
-              </a:solidFill>
-              <a:latin typeface="Kozuka Gothic Pro H" pitchFamily="34" charset="-128"/>
-              <a:ea typeface="Kozuka Gothic Pro H" pitchFamily="34" charset="-128"/>
-            </a:endParaRPr>
-          </a:p>
-        </p:txBody>
-      </p:sp>
-      <p:sp>
-        <p:nvSpPr>
-          <p:cNvPr id="10" name="Rectangle 9"/>
-          <p:cNvSpPr/>
-          <p:nvPr/>
-        </p:nvSpPr>
-        <p:spPr>
-          <a:xfrm>
-            <a:off x="3956216" y="2710272"/>
-            <a:ext cx="540000" cy="358688"/>
-          </a:xfrm>
-          <a:prstGeom prst="rect">
-            <a:avLst/>
-          </a:prstGeom>
-          <a:gradFill flip="none" rotWithShape="1">
-            <a:gsLst>
-              <a:gs pos="50000">
-                <a:srgbClr val="606060"/>
-              </a:gs>
-              <a:gs pos="0">
-                <a:schemeClr val="tx1">
-                  <a:lumMod val="75000"/>
-                  <a:lumOff val="25000"/>
-                </a:schemeClr>
-              </a:gs>
-              <a:gs pos="100000">
-                <a:schemeClr val="tx1">
-                  <a:lumMod val="50000"/>
-                  <a:lumOff val="50000"/>
-                </a:schemeClr>
-              </a:gs>
-            </a:gsLst>
-            <a:lin ang="5400000" scaled="1"/>
-            <a:tileRect/>
-          </a:gradFill>
-          <a:ln w="50800">
-            <a:noFill/>
-          </a:ln>
-        </p:spPr>
-        <p:style>
-          <a:lnRef idx="2">
-            <a:schemeClr val="accent1">
-              <a:shade val="50000"/>
-            </a:schemeClr>
-          </a:lnRef>
-          <a:fillRef idx="1">
-            <a:schemeClr val="accent1"/>
-          </a:fillRef>
-          <a:effectRef idx="0">
-            <a:schemeClr val="accent1"/>
-          </a:effectRef>
-          <a:fontRef idx="minor">
-            <a:schemeClr val="lt1"/>
-          </a:fontRef>
-        </p:style>
-        <p:txBody>
-          <a:bodyPr rtlCol="0" anchor="ctr"/>
-          <a:lstStyle/>
-          <a:p>
-            <a:pPr algn="ctr"/>
-            <a:endParaRPr lang="zh-TW" altLang="en-US"/>
-          </a:p>
-        </p:txBody>
-      </p:sp>
-    </p:spTree>
-    <p:extLst>
-      <p:ext uri="{BB962C8B-B14F-4D97-AF65-F5344CB8AC3E}">
-        <p14:creationId xmlns:p14="http://schemas.microsoft.com/office/powerpoint/2010/main" val="1440644481"/>
       </p:ext>
     </p:extLst>
   </p:cSld>
@@ -14041,6 +15045,171 @@
           <a:lstStyle/>
           <a:p>
             <a:pPr algn="r"/>
+            <a:r>
+              <a:rPr lang="en-US" altLang="zh-TW" sz="2800" dirty="0">
+                <a:solidFill>
+                  <a:schemeClr val="tx1">
+                    <a:lumMod val="75000"/>
+                    <a:lumOff val="25000"/>
+                  </a:schemeClr>
+                </a:solidFill>
+                <a:latin typeface="Kozuka Gothic Pro H" pitchFamily="34" charset="-128"/>
+                <a:ea typeface="Kozuka Gothic Pro H" pitchFamily="34" charset="-128"/>
+              </a:rPr>
+              <a:t>NPY</a:t>
+            </a:r>
+            <a:endParaRPr lang="zh-TW" altLang="en-US" sz="2800" dirty="0">
+              <a:solidFill>
+                <a:schemeClr val="tx1">
+                  <a:lumMod val="75000"/>
+                  <a:lumOff val="25000"/>
+                </a:schemeClr>
+              </a:solidFill>
+              <a:latin typeface="Kozuka Gothic Pro H" pitchFamily="34" charset="-128"/>
+              <a:ea typeface="Kozuka Gothic Pro H" pitchFamily="34" charset="-128"/>
+            </a:endParaRPr>
+          </a:p>
+        </p:txBody>
+      </p:sp>
+      <p:sp>
+        <p:nvSpPr>
+          <p:cNvPr id="10" name="Rectangle 9"/>
+          <p:cNvSpPr/>
+          <p:nvPr/>
+        </p:nvSpPr>
+        <p:spPr>
+          <a:xfrm>
+            <a:off x="3956216" y="2710272"/>
+            <a:ext cx="540000" cy="358688"/>
+          </a:xfrm>
+          <a:prstGeom prst="rect">
+            <a:avLst/>
+          </a:prstGeom>
+          <a:gradFill flip="none" rotWithShape="1">
+            <a:gsLst>
+              <a:gs pos="50000">
+                <a:srgbClr val="606060"/>
+              </a:gs>
+              <a:gs pos="0">
+                <a:schemeClr val="tx1">
+                  <a:lumMod val="75000"/>
+                  <a:lumOff val="25000"/>
+                </a:schemeClr>
+              </a:gs>
+              <a:gs pos="100000">
+                <a:schemeClr val="tx1">
+                  <a:lumMod val="50000"/>
+                  <a:lumOff val="50000"/>
+                </a:schemeClr>
+              </a:gs>
+            </a:gsLst>
+            <a:lin ang="5400000" scaled="1"/>
+            <a:tileRect/>
+          </a:gradFill>
+          <a:ln w="50800">
+            <a:noFill/>
+          </a:ln>
+        </p:spPr>
+        <p:style>
+          <a:lnRef idx="2">
+            <a:schemeClr val="accent1">
+              <a:shade val="50000"/>
+            </a:schemeClr>
+          </a:lnRef>
+          <a:fillRef idx="1">
+            <a:schemeClr val="accent1"/>
+          </a:fillRef>
+          <a:effectRef idx="0">
+            <a:schemeClr val="accent1"/>
+          </a:effectRef>
+          <a:fontRef idx="minor">
+            <a:schemeClr val="lt1"/>
+          </a:fontRef>
+        </p:style>
+        <p:txBody>
+          <a:bodyPr rtlCol="0" anchor="ctr"/>
+          <a:lstStyle/>
+          <a:p>
+            <a:pPr algn="ctr"/>
+            <a:endParaRPr lang="zh-TW" altLang="en-US"/>
+          </a:p>
+        </p:txBody>
+      </p:sp>
+    </p:spTree>
+    <p:extLst>
+      <p:ext uri="{BB962C8B-B14F-4D97-AF65-F5344CB8AC3E}">
+        <p14:creationId xmlns:p14="http://schemas.microsoft.com/office/powerpoint/2010/main" val="1440644481"/>
+      </p:ext>
+    </p:extLst>
+  </p:cSld>
+  <p:clrMapOvr>
+    <a:masterClrMapping/>
+  </p:clrMapOvr>
+</p:sld>
+</file>
+
+<file path=ppt/slides/slide38.xml><?xml version="1.0" encoding="utf-8"?>
+<p:sld xmlns:a="http://schemas.openxmlformats.org/drawingml/2006/main" xmlns:r="http://schemas.openxmlformats.org/officeDocument/2006/relationships" xmlns:p="http://schemas.openxmlformats.org/presentationml/2006/main">
+  <p:cSld>
+    <p:spTree>
+      <p:nvGrpSpPr>
+        <p:cNvPr id="1" name=""/>
+        <p:cNvGrpSpPr/>
+        <p:nvPr/>
+      </p:nvGrpSpPr>
+      <p:grpSpPr>
+        <a:xfrm>
+          <a:off x="0" y="0"/>
+          <a:ext cx="0" cy="0"/>
+          <a:chOff x="0" y="0"/>
+          <a:chExt cx="0" cy="0"/>
+        </a:xfrm>
+      </p:grpSpPr>
+      <p:sp>
+        <p:nvSpPr>
+          <p:cNvPr id="2" name="Snip Single Corner Rectangle 1"/>
+          <p:cNvSpPr/>
+          <p:nvPr/>
+        </p:nvSpPr>
+        <p:spPr>
+          <a:xfrm>
+            <a:off x="3776216" y="2710272"/>
+            <a:ext cx="1080000" cy="1080000"/>
+          </a:xfrm>
+          <a:prstGeom prst="snip1Rect">
+            <a:avLst/>
+          </a:prstGeom>
+          <a:noFill/>
+          <a:ln w="50800">
+            <a:solidFill>
+              <a:schemeClr val="tx1">
+                <a:lumMod val="75000"/>
+                <a:lumOff val="25000"/>
+              </a:schemeClr>
+            </a:solidFill>
+          </a:ln>
+        </p:spPr>
+        <p:style>
+          <a:lnRef idx="2">
+            <a:schemeClr val="accent1">
+              <a:shade val="50000"/>
+            </a:schemeClr>
+          </a:lnRef>
+          <a:fillRef idx="1">
+            <a:schemeClr val="accent1"/>
+          </a:fillRef>
+          <a:effectRef idx="0">
+            <a:schemeClr val="accent1"/>
+          </a:effectRef>
+          <a:fontRef idx="minor">
+            <a:schemeClr val="lt1"/>
+          </a:fontRef>
+        </p:style>
+        <p:txBody>
+          <a:bodyPr lIns="0" tIns="36000" rIns="0" bIns="36000" rtlCol="0" anchor="b"/>
+          <a:lstStyle/>
+          <a:p>
+            <a:pPr algn="r"/>
             <a:endParaRPr lang="zh-TW" altLang="en-US" sz="2800" dirty="0">
               <a:solidFill>
                 <a:schemeClr val="tx1">
@@ -14179,7 +15348,7 @@
 </p:sld>
 </file>
 
-<file path=ppt/slides/slide38.xml><?xml version="1.0" encoding="utf-8"?>
+<file path=ppt/slides/slide39.xml><?xml version="1.0" encoding="utf-8"?>
 <p:sld xmlns:a="http://schemas.openxmlformats.org/drawingml/2006/main" xmlns:r="http://schemas.openxmlformats.org/officeDocument/2006/relationships" xmlns:p="http://schemas.openxmlformats.org/presentationml/2006/main">
   <p:cSld>
     <p:spTree>
@@ -14536,74 +15705,6 @@
 </p:sld>
 </file>
 
-<file path=ppt/slides/slide39.xml><?xml version="1.0" encoding="utf-8"?>
-<p:sld xmlns:a="http://schemas.openxmlformats.org/drawingml/2006/main" xmlns:r="http://schemas.openxmlformats.org/officeDocument/2006/relationships" xmlns:p="http://schemas.openxmlformats.org/presentationml/2006/main">
-  <p:cSld>
-    <p:spTree>
-      <p:nvGrpSpPr>
-        <p:cNvPr id="1" name=""/>
-        <p:cNvGrpSpPr/>
-        <p:nvPr/>
-      </p:nvGrpSpPr>
-      <p:grpSpPr>
-        <a:xfrm>
-          <a:off x="0" y="0"/>
-          <a:ext cx="0" cy="0"/>
-          <a:chOff x="0" y="0"/>
-          <a:chExt cx="0" cy="0"/>
-        </a:xfrm>
-      </p:grpSpPr>
-      <p:sp>
-        <p:nvSpPr>
-          <p:cNvPr id="2" name="Rectangle 1"/>
-          <p:cNvSpPr/>
-          <p:nvPr/>
-        </p:nvSpPr>
-        <p:spPr>
-          <a:xfrm>
-            <a:off x="4032000" y="2889000"/>
-            <a:ext cx="1080000" cy="1080000"/>
-          </a:xfrm>
-          <a:prstGeom prst="rect">
-            <a:avLst/>
-          </a:prstGeom>
-        </p:spPr>
-        <p:txBody>
-          <a:bodyPr wrap="none" lIns="0" tIns="0" rIns="0" bIns="0" anchor="ctr">
-            <a:noAutofit/>
-          </a:bodyPr>
-          <a:lstStyle/>
-          <a:p>
-            <a:pPr algn="ctr"/>
-            <a:r>
-              <a:rPr lang="en-US" sz="4800" dirty="0">
-                <a:solidFill>
-                  <a:prstClr val="black">
-                    <a:lumMod val="75000"/>
-                    <a:lumOff val="25000"/>
-                  </a:prstClr>
-                </a:solidFill>
-                <a:latin typeface="Kozuka Gothic Pro H" pitchFamily="34" charset="-128"/>
-                <a:ea typeface="Kozuka Gothic Pro H" pitchFamily="34" charset="-128"/>
-              </a:rPr>
-              <a:t>LED</a:t>
-            </a:r>
-          </a:p>
-        </p:txBody>
-      </p:sp>
-    </p:spTree>
-    <p:extLst>
-      <p:ext uri="{BB962C8B-B14F-4D97-AF65-F5344CB8AC3E}">
-        <p14:creationId xmlns:p14="http://schemas.microsoft.com/office/powerpoint/2010/main" val="2971748381"/>
-      </p:ext>
-    </p:extLst>
-  </p:cSld>
-  <p:clrMapOvr>
-    <a:masterClrMapping/>
-  </p:clrMapOvr>
-</p:sld>
-</file>
-
 <file path=ppt/slides/slide4.xml><?xml version="1.0" encoding="utf-8"?>
 <p:sld xmlns:a="http://schemas.openxmlformats.org/drawingml/2006/main" xmlns:r="http://schemas.openxmlformats.org/officeDocument/2006/relationships" xmlns:p="http://schemas.openxmlformats.org/presentationml/2006/main">
   <p:cSld>
@@ -14818,6 +15919,74 @@
     <p:extLst>
       <p:ext uri="{BB962C8B-B14F-4D97-AF65-F5344CB8AC3E}">
         <p14:creationId xmlns:p14="http://schemas.microsoft.com/office/powerpoint/2010/main" val="920945367"/>
+      </p:ext>
+    </p:extLst>
+  </p:cSld>
+  <p:clrMapOvr>
+    <a:masterClrMapping/>
+  </p:clrMapOvr>
+</p:sld>
+</file>
+
+<file path=ppt/slides/slide40.xml><?xml version="1.0" encoding="utf-8"?>
+<p:sld xmlns:a="http://schemas.openxmlformats.org/drawingml/2006/main" xmlns:r="http://schemas.openxmlformats.org/officeDocument/2006/relationships" xmlns:p="http://schemas.openxmlformats.org/presentationml/2006/main">
+  <p:cSld>
+    <p:spTree>
+      <p:nvGrpSpPr>
+        <p:cNvPr id="1" name=""/>
+        <p:cNvGrpSpPr/>
+        <p:nvPr/>
+      </p:nvGrpSpPr>
+      <p:grpSpPr>
+        <a:xfrm>
+          <a:off x="0" y="0"/>
+          <a:ext cx="0" cy="0"/>
+          <a:chOff x="0" y="0"/>
+          <a:chExt cx="0" cy="0"/>
+        </a:xfrm>
+      </p:grpSpPr>
+      <p:sp>
+        <p:nvSpPr>
+          <p:cNvPr id="2" name="Rectangle 1"/>
+          <p:cNvSpPr/>
+          <p:nvPr/>
+        </p:nvSpPr>
+        <p:spPr>
+          <a:xfrm>
+            <a:off x="4032000" y="2889000"/>
+            <a:ext cx="1080000" cy="1080000"/>
+          </a:xfrm>
+          <a:prstGeom prst="rect">
+            <a:avLst/>
+          </a:prstGeom>
+        </p:spPr>
+        <p:txBody>
+          <a:bodyPr wrap="none" lIns="0" tIns="0" rIns="0" bIns="0" anchor="ctr">
+            <a:noAutofit/>
+          </a:bodyPr>
+          <a:lstStyle/>
+          <a:p>
+            <a:pPr algn="ctr"/>
+            <a:r>
+              <a:rPr lang="en-US" sz="4800" dirty="0">
+                <a:solidFill>
+                  <a:prstClr val="black">
+                    <a:lumMod val="75000"/>
+                    <a:lumOff val="25000"/>
+                  </a:prstClr>
+                </a:solidFill>
+                <a:latin typeface="Kozuka Gothic Pro H" pitchFamily="34" charset="-128"/>
+                <a:ea typeface="Kozuka Gothic Pro H" pitchFamily="34" charset="-128"/>
+              </a:rPr>
+              <a:t>LED</a:t>
+            </a:r>
+          </a:p>
+        </p:txBody>
+      </p:sp>
+    </p:spTree>
+    <p:extLst>
+      <p:ext uri="{BB962C8B-B14F-4D97-AF65-F5344CB8AC3E}">
+        <p14:creationId xmlns:p14="http://schemas.microsoft.com/office/powerpoint/2010/main" val="2971748381"/>
       </p:ext>
     </p:extLst>
   </p:cSld>
@@ -15164,18 +16333,18 @@
       </p:sp>
       <p:sp>
         <p:nvSpPr>
-          <p:cNvPr id="5" name="Trapezoid 4"/>
+          <p:cNvPr id="11" name="Rounded Rectangle 10"/>
           <p:cNvSpPr/>
           <p:nvPr/>
         </p:nvSpPr>
         <p:spPr>
-          <a:xfrm rot="16200000">
-            <a:off x="4759785" y="3159472"/>
-            <a:ext cx="417758" cy="154440"/>
+          <a:xfrm>
+            <a:off x="4096678" y="2960687"/>
+            <a:ext cx="756000" cy="612000"/>
           </a:xfrm>
-          <a:prstGeom prst="trapezoid">
+          <a:prstGeom prst="roundRect">
             <a:avLst>
-              <a:gd name="adj" fmla="val 51211"/>
+              <a:gd name="adj" fmla="val 7326"/>
             </a:avLst>
           </a:prstGeom>
           <a:solidFill>
@@ -15184,66 +16353,7 @@
             </a:schemeClr>
           </a:solidFill>
           <a:ln w="50800">
-            <a:solidFill>
-              <a:schemeClr val="bg1">
-                <a:lumMod val="65000"/>
-              </a:schemeClr>
-            </a:solidFill>
-            <a:miter lim="800000"/>
-          </a:ln>
-        </p:spPr>
-        <p:style>
-          <a:lnRef idx="2">
-            <a:schemeClr val="accent1">
-              <a:shade val="50000"/>
-            </a:schemeClr>
-          </a:lnRef>
-          <a:fillRef idx="1">
-            <a:schemeClr val="accent1"/>
-          </a:fillRef>
-          <a:effectRef idx="0">
-            <a:schemeClr val="accent1"/>
-          </a:effectRef>
-          <a:fontRef idx="minor">
-            <a:schemeClr val="lt1"/>
-          </a:fontRef>
-        </p:style>
-        <p:txBody>
-          <a:bodyPr rtlCol="0" anchor="ctr"/>
-          <a:lstStyle/>
-          <a:p>
-            <a:pPr algn="ctr"/>
-            <a:endParaRPr lang="zh-TW" altLang="en-US"/>
-          </a:p>
-        </p:txBody>
-      </p:sp>
-      <p:sp>
-        <p:nvSpPr>
-          <p:cNvPr id="11" name="Rounded Rectangle 10"/>
-          <p:cNvSpPr/>
-          <p:nvPr/>
-        </p:nvSpPr>
-        <p:spPr>
-          <a:xfrm>
-            <a:off x="4096678" y="2960688"/>
-            <a:ext cx="763354" cy="552008"/>
-          </a:xfrm>
-          <a:prstGeom prst="roundRect">
-            <a:avLst>
-              <a:gd name="adj" fmla="val 13601"/>
-            </a:avLst>
-          </a:prstGeom>
-          <a:solidFill>
-            <a:schemeClr val="bg1">
-              <a:lumMod val="65000"/>
-            </a:schemeClr>
-          </a:solidFill>
-          <a:ln w="50800">
-            <a:solidFill>
-              <a:schemeClr val="bg1">
-                <a:lumMod val="65000"/>
-              </a:schemeClr>
-            </a:solidFill>
+            <a:noFill/>
           </a:ln>
         </p:spPr>
         <p:style>
@@ -15313,6 +16423,57 @@
           </a:extLst>
         </p:spPr>
       </p:pic>
+      <p:sp>
+        <p:nvSpPr>
+          <p:cNvPr id="7" name="Trapezoid 6"/>
+          <p:cNvSpPr/>
+          <p:nvPr/>
+        </p:nvSpPr>
+        <p:spPr>
+          <a:xfrm rot="16200000">
+            <a:off x="4642189" y="3158686"/>
+            <a:ext cx="612000" cy="216000"/>
+          </a:xfrm>
+          <a:prstGeom prst="trapezoid">
+            <a:avLst>
+              <a:gd name="adj" fmla="val 112099"/>
+            </a:avLst>
+          </a:prstGeom>
+          <a:solidFill>
+            <a:schemeClr val="bg1">
+              <a:lumMod val="65000"/>
+            </a:schemeClr>
+          </a:solidFill>
+          <a:ln w="50800">
+            <a:noFill/>
+            <a:miter lim="800000"/>
+          </a:ln>
+        </p:spPr>
+        <p:style>
+          <a:lnRef idx="2">
+            <a:schemeClr val="accent1">
+              <a:shade val="50000"/>
+            </a:schemeClr>
+          </a:lnRef>
+          <a:fillRef idx="1">
+            <a:schemeClr val="accent1"/>
+          </a:fillRef>
+          <a:effectRef idx="0">
+            <a:schemeClr val="accent1"/>
+          </a:effectRef>
+          <a:fontRef idx="minor">
+            <a:schemeClr val="lt1"/>
+          </a:fontRef>
+        </p:style>
+        <p:txBody>
+          <a:bodyPr rtlCol="0" anchor="ctr"/>
+          <a:lstStyle/>
+          <a:p>
+            <a:pPr algn="ctr"/>
+            <a:endParaRPr lang="zh-TW" altLang="en-US"/>
+          </a:p>
+        </p:txBody>
+      </p:sp>
     </p:spTree>
     <p:extLst>
       <p:ext uri="{BB962C8B-B14F-4D97-AF65-F5344CB8AC3E}">
@@ -15350,222 +16511,6 @@
           <a:chExt cx="0" cy="0"/>
         </a:xfrm>
       </p:grpSpPr>
-      <p:grpSp>
-        <p:nvGrpSpPr>
-          <p:cNvPr id="8" name="Group 7"/>
-          <p:cNvGrpSpPr/>
-          <p:nvPr/>
-        </p:nvGrpSpPr>
-        <p:grpSpPr>
-          <a:xfrm>
-            <a:off x="4557205" y="3615680"/>
-            <a:ext cx="393414" cy="295125"/>
-            <a:chOff x="4573892" y="3615680"/>
-            <a:chExt cx="360040" cy="295125"/>
-          </a:xfrm>
-        </p:grpSpPr>
-        <p:sp>
-          <p:nvSpPr>
-            <p:cNvPr id="14" name="Rounded Rectangle 13"/>
-            <p:cNvSpPr/>
-            <p:nvPr/>
-          </p:nvSpPr>
-          <p:spPr>
-            <a:xfrm>
-              <a:off x="4573892" y="3663470"/>
-              <a:ext cx="360040" cy="247335"/>
-            </a:xfrm>
-            <a:prstGeom prst="roundRect">
-              <a:avLst>
-                <a:gd name="adj" fmla="val 9683"/>
-              </a:avLst>
-            </a:prstGeom>
-            <a:solidFill>
-              <a:schemeClr val="bg1">
-                <a:lumMod val="65000"/>
-              </a:schemeClr>
-            </a:solidFill>
-            <a:ln w="50800">
-              <a:solidFill>
-                <a:schemeClr val="bg1">
-                  <a:lumMod val="65000"/>
-                </a:schemeClr>
-              </a:solidFill>
-            </a:ln>
-          </p:spPr>
-          <p:style>
-            <a:lnRef idx="2">
-              <a:schemeClr val="accent1">
-                <a:shade val="50000"/>
-              </a:schemeClr>
-            </a:lnRef>
-            <a:fillRef idx="1">
-              <a:schemeClr val="accent1"/>
-            </a:fillRef>
-            <a:effectRef idx="0">
-              <a:schemeClr val="accent1"/>
-            </a:effectRef>
-            <a:fontRef idx="minor">
-              <a:schemeClr val="lt1"/>
-            </a:fontRef>
-          </p:style>
-          <p:txBody>
-            <a:bodyPr rtlCol="0" anchor="ctr"/>
-            <a:lstStyle/>
-            <a:p>
-              <a:pPr algn="ctr"/>
-              <a:endParaRPr lang="zh-TW" altLang="en-US"/>
-            </a:p>
-          </p:txBody>
-        </p:sp>
-        <p:sp>
-          <p:nvSpPr>
-            <p:cNvPr id="18" name="Trapezoid 17"/>
-            <p:cNvSpPr/>
-            <p:nvPr/>
-          </p:nvSpPr>
-          <p:spPr>
-            <a:xfrm>
-              <a:off x="4669205" y="3615680"/>
-              <a:ext cx="169413" cy="60559"/>
-            </a:xfrm>
-            <a:prstGeom prst="trapezoid">
-              <a:avLst>
-                <a:gd name="adj" fmla="val 51211"/>
-              </a:avLst>
-            </a:prstGeom>
-            <a:solidFill>
-              <a:schemeClr val="bg1">
-                <a:lumMod val="65000"/>
-              </a:schemeClr>
-            </a:solidFill>
-            <a:ln w="50800">
-              <a:solidFill>
-                <a:schemeClr val="bg1">
-                  <a:lumMod val="65000"/>
-                </a:schemeClr>
-              </a:solidFill>
-              <a:miter lim="800000"/>
-            </a:ln>
-          </p:spPr>
-          <p:style>
-            <a:lnRef idx="2">
-              <a:schemeClr val="accent1">
-                <a:shade val="50000"/>
-              </a:schemeClr>
-            </a:lnRef>
-            <a:fillRef idx="1">
-              <a:schemeClr val="accent1"/>
-            </a:fillRef>
-            <a:effectRef idx="0">
-              <a:schemeClr val="accent1"/>
-            </a:effectRef>
-            <a:fontRef idx="minor">
-              <a:schemeClr val="lt1"/>
-            </a:fontRef>
-          </p:style>
-          <p:txBody>
-            <a:bodyPr rtlCol="0" anchor="ctr"/>
-            <a:lstStyle/>
-            <a:p>
-              <a:pPr algn="ctr"/>
-              <a:endParaRPr lang="zh-TW" altLang="en-US"/>
-            </a:p>
-          </p:txBody>
-        </p:sp>
-      </p:grpSp>
-      <p:sp>
-        <p:nvSpPr>
-          <p:cNvPr id="19" name="Oval 18"/>
-          <p:cNvSpPr/>
-          <p:nvPr/>
-        </p:nvSpPr>
-        <p:spPr>
-          <a:xfrm>
-            <a:off x="4683331" y="3716556"/>
-            <a:ext cx="141162" cy="141162"/>
-          </a:xfrm>
-          <a:prstGeom prst="ellipse">
-            <a:avLst/>
-          </a:prstGeom>
-          <a:solidFill>
-            <a:schemeClr val="bg1"/>
-          </a:solidFill>
-          <a:ln w="50800">
-            <a:noFill/>
-          </a:ln>
-        </p:spPr>
-        <p:style>
-          <a:lnRef idx="2">
-            <a:schemeClr val="accent1">
-              <a:shade val="50000"/>
-            </a:schemeClr>
-          </a:lnRef>
-          <a:fillRef idx="1">
-            <a:schemeClr val="accent1"/>
-          </a:fillRef>
-          <a:effectRef idx="0">
-            <a:schemeClr val="accent1"/>
-          </a:effectRef>
-          <a:fontRef idx="minor">
-            <a:schemeClr val="lt1"/>
-          </a:fontRef>
-        </p:style>
-        <p:txBody>
-          <a:bodyPr rtlCol="0" anchor="ctr"/>
-          <a:lstStyle/>
-          <a:p>
-            <a:pPr algn="ctr"/>
-            <a:endParaRPr lang="zh-TW" altLang="en-US"/>
-          </a:p>
-        </p:txBody>
-      </p:sp>
-      <p:sp>
-        <p:nvSpPr>
-          <p:cNvPr id="20" name="Oval 19"/>
-          <p:cNvSpPr/>
-          <p:nvPr/>
-        </p:nvSpPr>
-        <p:spPr>
-          <a:xfrm>
-            <a:off x="4897889" y="3671183"/>
-            <a:ext cx="28232" cy="28232"/>
-          </a:xfrm>
-          <a:prstGeom prst="ellipse">
-            <a:avLst/>
-          </a:prstGeom>
-          <a:solidFill>
-            <a:schemeClr val="bg1"/>
-          </a:solidFill>
-          <a:ln>
-            <a:noFill/>
-          </a:ln>
-        </p:spPr>
-        <p:style>
-          <a:lnRef idx="2">
-            <a:schemeClr val="accent1">
-              <a:shade val="50000"/>
-            </a:schemeClr>
-          </a:lnRef>
-          <a:fillRef idx="1">
-            <a:schemeClr val="accent1"/>
-          </a:fillRef>
-          <a:effectRef idx="0">
-            <a:schemeClr val="accent1"/>
-          </a:effectRef>
-          <a:fontRef idx="minor">
-            <a:schemeClr val="lt1"/>
-          </a:fontRef>
-        </p:style>
-        <p:txBody>
-          <a:bodyPr rtlCol="0" anchor="ctr"/>
-          <a:lstStyle/>
-          <a:p>
-            <a:pPr algn="ctr"/>
-            <a:endParaRPr lang="en-US"/>
-          </a:p>
-        </p:txBody>
-      </p:sp>
       <p:sp>
         <p:nvSpPr>
           <p:cNvPr id="4" name="Rounded Rectangle 3"/>
@@ -15575,7 +16520,7 @@
         <p:spPr>
           <a:xfrm>
             <a:off x="4491682" y="2925000"/>
-            <a:ext cx="154286" cy="612000"/>
+            <a:ext cx="154286" cy="540000"/>
           </a:xfrm>
           <a:prstGeom prst="roundRect">
             <a:avLst>
@@ -15724,7 +16669,7 @@
         </p:nvSpPr>
         <p:spPr>
           <a:xfrm>
-            <a:off x="4478825" y="3123000"/>
+            <a:off x="4478825" y="3162035"/>
             <a:ext cx="180000" cy="180000"/>
           </a:xfrm>
           <a:prstGeom prst="ellipse">
@@ -15863,7 +16808,7 @@
         <p:spPr>
           <a:xfrm flipV="1">
             <a:off x="4861521" y="2925000"/>
-            <a:ext cx="154286" cy="612000"/>
+            <a:ext cx="154286" cy="540000"/>
           </a:xfrm>
           <a:prstGeom prst="roundRect">
             <a:avLst>
@@ -15912,8 +16857,8 @@
         </p:nvSpPr>
         <p:spPr>
           <a:xfrm flipV="1">
-            <a:off x="4848755" y="3123000"/>
-            <a:ext cx="180000" cy="180000"/>
+            <a:off x="4848755" y="3054407"/>
+            <a:ext cx="179261" cy="180000"/>
           </a:xfrm>
           <a:prstGeom prst="ellipse">
             <a:avLst/>
@@ -15954,6 +16899,119 @@
           </a:p>
         </p:txBody>
       </p:sp>
+      <p:grpSp>
+        <p:nvGrpSpPr>
+          <p:cNvPr id="5" name="Group 4"/>
+          <p:cNvGrpSpPr/>
+          <p:nvPr/>
+        </p:nvGrpSpPr>
+        <p:grpSpPr>
+          <a:xfrm>
+            <a:off x="4439807" y="3538333"/>
+            <a:ext cx="576000" cy="396000"/>
+            <a:chOff x="2195736" y="2279934"/>
+            <a:chExt cx="959511" cy="612001"/>
+          </a:xfrm>
+          <a:solidFill>
+            <a:schemeClr val="bg1">
+              <a:lumMod val="65000"/>
+            </a:schemeClr>
+          </a:solidFill>
+        </p:grpSpPr>
+        <p:sp>
+          <p:nvSpPr>
+            <p:cNvPr id="19" name="Rounded Rectangle 18"/>
+            <p:cNvSpPr/>
+            <p:nvPr/>
+          </p:nvSpPr>
+          <p:spPr>
+            <a:xfrm>
+              <a:off x="2195736" y="2279935"/>
+              <a:ext cx="756000" cy="612000"/>
+            </a:xfrm>
+            <a:prstGeom prst="roundRect">
+              <a:avLst>
+                <a:gd name="adj" fmla="val 7326"/>
+              </a:avLst>
+            </a:prstGeom>
+            <a:grpFill/>
+            <a:ln w="50800">
+              <a:noFill/>
+            </a:ln>
+          </p:spPr>
+          <p:style>
+            <a:lnRef idx="2">
+              <a:schemeClr val="accent1">
+                <a:shade val="50000"/>
+              </a:schemeClr>
+            </a:lnRef>
+            <a:fillRef idx="1">
+              <a:schemeClr val="accent1"/>
+            </a:fillRef>
+            <a:effectRef idx="0">
+              <a:schemeClr val="accent1"/>
+            </a:effectRef>
+            <a:fontRef idx="minor">
+              <a:schemeClr val="lt1"/>
+            </a:fontRef>
+          </p:style>
+          <p:txBody>
+            <a:bodyPr rtlCol="0" anchor="ctr"/>
+            <a:lstStyle/>
+            <a:p>
+              <a:pPr algn="ctr"/>
+              <a:endParaRPr lang="zh-TW" altLang="en-US"/>
+            </a:p>
+          </p:txBody>
+        </p:sp>
+        <p:sp>
+          <p:nvSpPr>
+            <p:cNvPr id="20" name="Trapezoid 19"/>
+            <p:cNvSpPr/>
+            <p:nvPr/>
+          </p:nvSpPr>
+          <p:spPr>
+            <a:xfrm rot="16200000">
+              <a:off x="2741247" y="2477934"/>
+              <a:ext cx="612000" cy="216000"/>
+            </a:xfrm>
+            <a:prstGeom prst="trapezoid">
+              <a:avLst>
+                <a:gd name="adj" fmla="val 112099"/>
+              </a:avLst>
+            </a:prstGeom>
+            <a:grpFill/>
+            <a:ln w="50800">
+              <a:noFill/>
+              <a:miter lim="800000"/>
+            </a:ln>
+          </p:spPr>
+          <p:style>
+            <a:lnRef idx="2">
+              <a:schemeClr val="accent1">
+                <a:shade val="50000"/>
+              </a:schemeClr>
+            </a:lnRef>
+            <a:fillRef idx="1">
+              <a:schemeClr val="accent1"/>
+            </a:fillRef>
+            <a:effectRef idx="0">
+              <a:schemeClr val="accent1"/>
+            </a:effectRef>
+            <a:fontRef idx="minor">
+              <a:schemeClr val="lt1"/>
+            </a:fontRef>
+          </p:style>
+          <p:txBody>
+            <a:bodyPr rtlCol="0" anchor="ctr"/>
+            <a:lstStyle/>
+            <a:p>
+              <a:pPr algn="ctr"/>
+              <a:endParaRPr lang="zh-TW" altLang="en-US"/>
+            </a:p>
+          </p:txBody>
+        </p:sp>
+      </p:grpSp>
     </p:spTree>
     <p:extLst>
       <p:ext uri="{BB962C8B-B14F-4D97-AF65-F5344CB8AC3E}">
@@ -16543,6 +17601,107 @@
       </p:grpSpPr>
       <p:sp>
         <p:nvSpPr>
+          <p:cNvPr id="74" name="Rounded Rectangle 73"/>
+          <p:cNvSpPr/>
+          <p:nvPr/>
+        </p:nvSpPr>
+        <p:spPr>
+          <a:xfrm>
+            <a:off x="4096678" y="2960687"/>
+            <a:ext cx="756000" cy="612000"/>
+          </a:xfrm>
+          <a:prstGeom prst="roundRect">
+            <a:avLst>
+              <a:gd name="adj" fmla="val 7326"/>
+            </a:avLst>
+          </a:prstGeom>
+          <a:solidFill>
+            <a:schemeClr val="bg1">
+              <a:lumMod val="65000"/>
+            </a:schemeClr>
+          </a:solidFill>
+          <a:ln w="50800">
+            <a:noFill/>
+          </a:ln>
+        </p:spPr>
+        <p:style>
+          <a:lnRef idx="2">
+            <a:schemeClr val="accent1">
+              <a:shade val="50000"/>
+            </a:schemeClr>
+          </a:lnRef>
+          <a:fillRef idx="1">
+            <a:schemeClr val="accent1"/>
+          </a:fillRef>
+          <a:effectRef idx="0">
+            <a:schemeClr val="accent1"/>
+          </a:effectRef>
+          <a:fontRef idx="minor">
+            <a:schemeClr val="lt1"/>
+          </a:fontRef>
+        </p:style>
+        <p:txBody>
+          <a:bodyPr rtlCol="0" anchor="ctr"/>
+          <a:lstStyle/>
+          <a:p>
+            <a:pPr algn="ctr"/>
+            <a:endParaRPr lang="zh-TW" altLang="en-US"/>
+          </a:p>
+        </p:txBody>
+      </p:sp>
+      <p:sp>
+        <p:nvSpPr>
+          <p:cNvPr id="75" name="Trapezoid 74"/>
+          <p:cNvSpPr/>
+          <p:nvPr/>
+        </p:nvSpPr>
+        <p:spPr>
+          <a:xfrm rot="16200000">
+            <a:off x="4642189" y="3158686"/>
+            <a:ext cx="612000" cy="216000"/>
+          </a:xfrm>
+          <a:prstGeom prst="trapezoid">
+            <a:avLst>
+              <a:gd name="adj" fmla="val 112099"/>
+            </a:avLst>
+          </a:prstGeom>
+          <a:solidFill>
+            <a:schemeClr val="bg1">
+              <a:lumMod val="65000"/>
+            </a:schemeClr>
+          </a:solidFill>
+          <a:ln w="50800">
+            <a:noFill/>
+            <a:miter lim="800000"/>
+          </a:ln>
+        </p:spPr>
+        <p:style>
+          <a:lnRef idx="2">
+            <a:schemeClr val="accent1">
+              <a:shade val="50000"/>
+            </a:schemeClr>
+          </a:lnRef>
+          <a:fillRef idx="1">
+            <a:schemeClr val="accent1"/>
+          </a:fillRef>
+          <a:effectRef idx="0">
+            <a:schemeClr val="accent1"/>
+          </a:effectRef>
+          <a:fontRef idx="minor">
+            <a:schemeClr val="lt1"/>
+          </a:fontRef>
+        </p:style>
+        <p:txBody>
+          <a:bodyPr rtlCol="0" anchor="ctr"/>
+          <a:lstStyle/>
+          <a:p>
+            <a:pPr algn="ctr"/>
+            <a:endParaRPr lang="zh-TW" altLang="en-US"/>
+          </a:p>
+        </p:txBody>
+      </p:sp>
+      <p:sp>
+        <p:nvSpPr>
           <p:cNvPr id="12" name="Rectangle 11"/>
           <p:cNvSpPr/>
           <p:nvPr/>
@@ -16587,176 +17746,55 @@
       </p:sp>
       <p:grpSp>
         <p:nvGrpSpPr>
-          <p:cNvPr id="2" name="Group 1"/>
+          <p:cNvPr id="35" name="Group 34"/>
           <p:cNvGrpSpPr/>
           <p:nvPr/>
         </p:nvGrpSpPr>
         <p:grpSpPr>
-          <a:xfrm>
-            <a:off x="4070326" y="2926454"/>
-            <a:ext cx="1003348" cy="1005093"/>
-            <a:chOff x="4069125" y="2924944"/>
-            <a:chExt cx="1003348" cy="1005093"/>
+          <a:xfrm rot="20274002">
+            <a:off x="4518832" y="3381570"/>
+            <a:ext cx="540000" cy="540000"/>
+            <a:chOff x="1927089" y="2914363"/>
+            <a:chExt cx="570555" cy="570555"/>
           </a:xfrm>
+          <a:solidFill>
+            <a:schemeClr val="tx1">
+              <a:lumMod val="65000"/>
+              <a:lumOff val="35000"/>
+            </a:schemeClr>
+          </a:solidFill>
         </p:grpSpPr>
         <p:grpSp>
           <p:nvGrpSpPr>
-            <p:cNvPr id="15" name="Group 14"/>
-            <p:cNvGrpSpPr>
-              <a:grpSpLocks noChangeAspect="1"/>
-            </p:cNvGrpSpPr>
+            <p:cNvPr id="36" name="Group 35"/>
+            <p:cNvGrpSpPr/>
             <p:nvPr/>
           </p:nvGrpSpPr>
           <p:grpSpPr>
             <a:xfrm>
-              <a:off x="4604473" y="3578960"/>
-              <a:ext cx="468000" cy="351077"/>
-              <a:chOff x="4557205" y="3615680"/>
-              <a:chExt cx="393414" cy="295125"/>
+              <a:off x="2158367" y="2914363"/>
+              <a:ext cx="108000" cy="570555"/>
+              <a:chOff x="3311860" y="3001723"/>
+              <a:chExt cx="144016" cy="499276"/>
             </a:xfrm>
+            <a:grpFill/>
           </p:grpSpPr>
-          <p:grpSp>
-            <p:nvGrpSpPr>
-              <p:cNvPr id="9" name="Group 8"/>
-              <p:cNvGrpSpPr/>
-              <p:nvPr/>
-            </p:nvGrpSpPr>
-            <p:grpSpPr>
-              <a:xfrm>
-                <a:off x="4557205" y="3615680"/>
-                <a:ext cx="393414" cy="295125"/>
-                <a:chOff x="4573892" y="3615680"/>
-                <a:chExt cx="360040" cy="295125"/>
-              </a:xfrm>
-            </p:grpSpPr>
-            <p:sp>
-              <p:nvSpPr>
-                <p:cNvPr id="10" name="Rounded Rectangle 9"/>
-                <p:cNvSpPr/>
-                <p:nvPr/>
-              </p:nvSpPr>
-              <p:spPr>
-                <a:xfrm>
-                  <a:off x="4573892" y="3663470"/>
-                  <a:ext cx="360040" cy="247335"/>
-                </a:xfrm>
-                <a:prstGeom prst="roundRect">
-                  <a:avLst>
-                    <a:gd name="adj" fmla="val 9683"/>
-                  </a:avLst>
-                </a:prstGeom>
-                <a:solidFill>
-                  <a:schemeClr val="bg1">
-                    <a:lumMod val="65000"/>
-                  </a:schemeClr>
-                </a:solidFill>
-                <a:ln w="50800">
-                  <a:solidFill>
-                    <a:schemeClr val="bg1">
-                      <a:lumMod val="65000"/>
-                    </a:schemeClr>
-                  </a:solidFill>
-                </a:ln>
-              </p:spPr>
-              <p:style>
-                <a:lnRef idx="2">
-                  <a:schemeClr val="accent1">
-                    <a:shade val="50000"/>
-                  </a:schemeClr>
-                </a:lnRef>
-                <a:fillRef idx="1">
-                  <a:schemeClr val="accent1"/>
-                </a:fillRef>
-                <a:effectRef idx="0">
-                  <a:schemeClr val="accent1"/>
-                </a:effectRef>
-                <a:fontRef idx="minor">
-                  <a:schemeClr val="lt1"/>
-                </a:fontRef>
-              </p:style>
-              <p:txBody>
-                <a:bodyPr rtlCol="0" anchor="ctr"/>
-                <a:lstStyle/>
-                <a:p>
-                  <a:pPr algn="ctr"/>
-                  <a:endParaRPr lang="zh-TW" altLang="en-US"/>
-                </a:p>
-              </p:txBody>
-            </p:sp>
-            <p:sp>
-              <p:nvSpPr>
-                <p:cNvPr id="11" name="Trapezoid 10"/>
-                <p:cNvSpPr/>
-                <p:nvPr/>
-              </p:nvSpPr>
-              <p:spPr>
-                <a:xfrm>
-                  <a:off x="4669205" y="3615680"/>
-                  <a:ext cx="169413" cy="60559"/>
-                </a:xfrm>
-                <a:prstGeom prst="trapezoid">
-                  <a:avLst>
-                    <a:gd name="adj" fmla="val 51211"/>
-                  </a:avLst>
-                </a:prstGeom>
-                <a:solidFill>
-                  <a:schemeClr val="bg1">
-                    <a:lumMod val="65000"/>
-                  </a:schemeClr>
-                </a:solidFill>
-                <a:ln w="50800">
-                  <a:solidFill>
-                    <a:schemeClr val="bg1">
-                      <a:lumMod val="65000"/>
-                    </a:schemeClr>
-                  </a:solidFill>
-                  <a:miter lim="800000"/>
-                </a:ln>
-              </p:spPr>
-              <p:style>
-                <a:lnRef idx="2">
-                  <a:schemeClr val="accent1">
-                    <a:shade val="50000"/>
-                  </a:schemeClr>
-                </a:lnRef>
-                <a:fillRef idx="1">
-                  <a:schemeClr val="accent1"/>
-                </a:fillRef>
-                <a:effectRef idx="0">
-                  <a:schemeClr val="accent1"/>
-                </a:effectRef>
-                <a:fontRef idx="minor">
-                  <a:schemeClr val="lt1"/>
-                </a:fontRef>
-              </p:style>
-              <p:txBody>
-                <a:bodyPr rtlCol="0" anchor="ctr"/>
-                <a:lstStyle/>
-                <a:p>
-                  <a:pPr algn="ctr"/>
-                  <a:endParaRPr lang="zh-TW" altLang="en-US"/>
-                </a:p>
-              </p:txBody>
-            </p:sp>
-          </p:grpSp>
           <p:sp>
             <p:nvSpPr>
-              <p:cNvPr id="13" name="Oval 12"/>
+              <p:cNvPr id="49" name="Flowchart: Manual Operation 48"/>
               <p:cNvSpPr/>
               <p:nvPr/>
             </p:nvSpPr>
             <p:spPr>
-              <a:xfrm>
-                <a:off x="4683331" y="3716556"/>
-                <a:ext cx="141162" cy="141162"/>
+              <a:xfrm rot="10800000">
+                <a:off x="3311860" y="3001723"/>
+                <a:ext cx="144016" cy="94508"/>
               </a:xfrm>
-              <a:prstGeom prst="ellipse">
+              <a:prstGeom prst="flowChartManualOperation">
                 <a:avLst/>
               </a:prstGeom>
-              <a:solidFill>
-                <a:schemeClr val="bg1"/>
-              </a:solidFill>
-              <a:ln w="50800">
+              <a:grpFill/>
+              <a:ln>
                 <a:noFill/>
               </a:ln>
             </p:spPr>
@@ -16787,21 +17825,19 @@
           </p:sp>
           <p:sp>
             <p:nvSpPr>
-              <p:cNvPr id="14" name="Oval 13"/>
+              <p:cNvPr id="50" name="Flowchart: Manual Operation 49"/>
               <p:cNvSpPr/>
               <p:nvPr/>
             </p:nvSpPr>
             <p:spPr>
-              <a:xfrm>
-                <a:off x="4897889" y="3671183"/>
-                <a:ext cx="28232" cy="28232"/>
+              <a:xfrm rot="10800000" flipV="1">
+                <a:off x="3311860" y="3406491"/>
+                <a:ext cx="144016" cy="94508"/>
               </a:xfrm>
-              <a:prstGeom prst="ellipse">
+              <a:prstGeom prst="flowChartManualOperation">
                 <a:avLst/>
               </a:prstGeom>
-              <a:solidFill>
-                <a:schemeClr val="bg1"/>
-              </a:solidFill>
+              <a:grpFill/>
               <a:ln>
                 <a:noFill/>
               </a:ln>
@@ -16827,169 +17863,88 @@
               <a:lstStyle/>
               <a:p>
                 <a:pPr algn="ctr"/>
-                <a:endParaRPr lang="en-US"/>
+                <a:endParaRPr lang="zh-TW" altLang="en-US"/>
               </a:p>
             </p:txBody>
           </p:sp>
         </p:grpSp>
+        <p:sp>
+          <p:nvSpPr>
+            <p:cNvPr id="39" name="Donut 38"/>
+            <p:cNvSpPr/>
+            <p:nvPr/>
+          </p:nvSpPr>
+          <p:spPr>
+            <a:xfrm>
+              <a:off x="1996367" y="2983640"/>
+              <a:ext cx="432000" cy="432000"/>
+            </a:xfrm>
+            <a:prstGeom prst="donut">
+              <a:avLst>
+                <a:gd name="adj" fmla="val 23420"/>
+              </a:avLst>
+            </a:prstGeom>
+            <a:grpFill/>
+            <a:ln>
+              <a:noFill/>
+            </a:ln>
+          </p:spPr>
+          <p:style>
+            <a:lnRef idx="2">
+              <a:schemeClr val="accent1">
+                <a:shade val="50000"/>
+              </a:schemeClr>
+            </a:lnRef>
+            <a:fillRef idx="1">
+              <a:schemeClr val="accent1"/>
+            </a:fillRef>
+            <a:effectRef idx="0">
+              <a:schemeClr val="accent1"/>
+            </a:effectRef>
+            <a:fontRef idx="minor">
+              <a:schemeClr val="lt1"/>
+            </a:fontRef>
+          </p:style>
+          <p:txBody>
+            <a:bodyPr rtlCol="0" anchor="ctr"/>
+            <a:lstStyle/>
+            <a:p>
+              <a:pPr algn="ctr"/>
+              <a:endParaRPr lang="zh-TW" altLang="en-US"/>
+            </a:p>
+          </p:txBody>
+        </p:sp>
         <p:grpSp>
           <p:nvGrpSpPr>
-            <p:cNvPr id="16" name="Group 15"/>
-            <p:cNvGrpSpPr>
-              <a:grpSpLocks noChangeAspect="1"/>
-            </p:cNvGrpSpPr>
+            <p:cNvPr id="40" name="Group 39"/>
+            <p:cNvGrpSpPr/>
             <p:nvPr/>
           </p:nvGrpSpPr>
           <p:grpSpPr>
-            <a:xfrm>
-              <a:off x="4069125" y="2924944"/>
-              <a:ext cx="468000" cy="351077"/>
-              <a:chOff x="4557205" y="3615680"/>
-              <a:chExt cx="393414" cy="295125"/>
+            <a:xfrm rot="5400000">
+              <a:off x="2158367" y="2914363"/>
+              <a:ext cx="108000" cy="570555"/>
+              <a:chOff x="3311860" y="3001723"/>
+              <a:chExt cx="144016" cy="499276"/>
             </a:xfrm>
+            <a:grpFill/>
           </p:grpSpPr>
-          <p:grpSp>
-            <p:nvGrpSpPr>
-              <p:cNvPr id="17" name="Group 16"/>
-              <p:cNvGrpSpPr/>
-              <p:nvPr/>
-            </p:nvGrpSpPr>
-            <p:grpSpPr>
-              <a:xfrm>
-                <a:off x="4557205" y="3615680"/>
-                <a:ext cx="393414" cy="295125"/>
-                <a:chOff x="4573892" y="3615680"/>
-                <a:chExt cx="360040" cy="295125"/>
-              </a:xfrm>
-            </p:grpSpPr>
-            <p:sp>
-              <p:nvSpPr>
-                <p:cNvPr id="20" name="Rounded Rectangle 19"/>
-                <p:cNvSpPr/>
-                <p:nvPr/>
-              </p:nvSpPr>
-              <p:spPr>
-                <a:xfrm>
-                  <a:off x="4573892" y="3663470"/>
-                  <a:ext cx="360040" cy="247335"/>
-                </a:xfrm>
-                <a:prstGeom prst="roundRect">
-                  <a:avLst>
-                    <a:gd name="adj" fmla="val 9683"/>
-                  </a:avLst>
-                </a:prstGeom>
-                <a:solidFill>
-                  <a:schemeClr val="bg1">
-                    <a:lumMod val="65000"/>
-                  </a:schemeClr>
-                </a:solidFill>
-                <a:ln w="50800">
-                  <a:solidFill>
-                    <a:schemeClr val="bg1">
-                      <a:lumMod val="65000"/>
-                    </a:schemeClr>
-                  </a:solidFill>
-                </a:ln>
-              </p:spPr>
-              <p:style>
-                <a:lnRef idx="2">
-                  <a:schemeClr val="accent1">
-                    <a:shade val="50000"/>
-                  </a:schemeClr>
-                </a:lnRef>
-                <a:fillRef idx="1">
-                  <a:schemeClr val="accent1"/>
-                </a:fillRef>
-                <a:effectRef idx="0">
-                  <a:schemeClr val="accent1"/>
-                </a:effectRef>
-                <a:fontRef idx="minor">
-                  <a:schemeClr val="lt1"/>
-                </a:fontRef>
-              </p:style>
-              <p:txBody>
-                <a:bodyPr rtlCol="0" anchor="ctr"/>
-                <a:lstStyle/>
-                <a:p>
-                  <a:pPr algn="ctr"/>
-                  <a:endParaRPr lang="zh-TW" altLang="en-US"/>
-                </a:p>
-              </p:txBody>
-            </p:sp>
-            <p:sp>
-              <p:nvSpPr>
-                <p:cNvPr id="21" name="Trapezoid 20"/>
-                <p:cNvSpPr/>
-                <p:nvPr/>
-              </p:nvSpPr>
-              <p:spPr>
-                <a:xfrm>
-                  <a:off x="4669205" y="3615680"/>
-                  <a:ext cx="169413" cy="60559"/>
-                </a:xfrm>
-                <a:prstGeom prst="trapezoid">
-                  <a:avLst>
-                    <a:gd name="adj" fmla="val 51211"/>
-                  </a:avLst>
-                </a:prstGeom>
-                <a:solidFill>
-                  <a:schemeClr val="bg1">
-                    <a:lumMod val="65000"/>
-                  </a:schemeClr>
-                </a:solidFill>
-                <a:ln w="50800">
-                  <a:solidFill>
-                    <a:schemeClr val="bg1">
-                      <a:lumMod val="65000"/>
-                    </a:schemeClr>
-                  </a:solidFill>
-                  <a:miter lim="800000"/>
-                </a:ln>
-              </p:spPr>
-              <p:style>
-                <a:lnRef idx="2">
-                  <a:schemeClr val="accent1">
-                    <a:shade val="50000"/>
-                  </a:schemeClr>
-                </a:lnRef>
-                <a:fillRef idx="1">
-                  <a:schemeClr val="accent1"/>
-                </a:fillRef>
-                <a:effectRef idx="0">
-                  <a:schemeClr val="accent1"/>
-                </a:effectRef>
-                <a:fontRef idx="minor">
-                  <a:schemeClr val="lt1"/>
-                </a:fontRef>
-              </p:style>
-              <p:txBody>
-                <a:bodyPr rtlCol="0" anchor="ctr"/>
-                <a:lstStyle/>
-                <a:p>
-                  <a:pPr algn="ctr"/>
-                  <a:endParaRPr lang="zh-TW" altLang="en-US"/>
-                </a:p>
-              </p:txBody>
-            </p:sp>
-          </p:grpSp>
           <p:sp>
             <p:nvSpPr>
-              <p:cNvPr id="18" name="Oval 17"/>
+              <p:cNvPr id="47" name="Flowchart: Manual Operation 46"/>
               <p:cNvSpPr/>
               <p:nvPr/>
             </p:nvSpPr>
             <p:spPr>
-              <a:xfrm>
-                <a:off x="4683331" y="3716556"/>
-                <a:ext cx="141162" cy="141162"/>
+              <a:xfrm rot="10800000">
+                <a:off x="3311860" y="3001723"/>
+                <a:ext cx="144016" cy="94508"/>
               </a:xfrm>
-              <a:prstGeom prst="ellipse">
+              <a:prstGeom prst="flowChartManualOperation">
                 <a:avLst/>
               </a:prstGeom>
-              <a:solidFill>
-                <a:schemeClr val="bg1"/>
-              </a:solidFill>
-              <a:ln w="50800">
+              <a:grpFill/>
+              <a:ln>
                 <a:noFill/>
               </a:ln>
             </p:spPr>
@@ -17020,21 +17975,19 @@
           </p:sp>
           <p:sp>
             <p:nvSpPr>
-              <p:cNvPr id="19" name="Oval 18"/>
+              <p:cNvPr id="48" name="Flowchart: Manual Operation 47"/>
               <p:cNvSpPr/>
               <p:nvPr/>
             </p:nvSpPr>
             <p:spPr>
-              <a:xfrm>
-                <a:off x="4897889" y="3671183"/>
-                <a:ext cx="28232" cy="28232"/>
+              <a:xfrm rot="10800000" flipV="1">
+                <a:off x="3311860" y="3406491"/>
+                <a:ext cx="144016" cy="94508"/>
               </a:xfrm>
-              <a:prstGeom prst="ellipse">
+              <a:prstGeom prst="flowChartManualOperation">
                 <a:avLst/>
               </a:prstGeom>
-              <a:solidFill>
-                <a:schemeClr val="bg1"/>
-              </a:solidFill>
+              <a:grpFill/>
               <a:ln>
                 <a:noFill/>
               </a:ln>
@@ -17060,7 +18013,215 @@
               <a:lstStyle/>
               <a:p>
                 <a:pPr algn="ctr"/>
-                <a:endParaRPr lang="en-US"/>
+                <a:endParaRPr lang="zh-TW" altLang="en-US"/>
+              </a:p>
+            </p:txBody>
+          </p:sp>
+        </p:grpSp>
+        <p:grpSp>
+          <p:nvGrpSpPr>
+            <p:cNvPr id="41" name="Group 40"/>
+            <p:cNvGrpSpPr/>
+            <p:nvPr/>
+          </p:nvGrpSpPr>
+          <p:grpSpPr>
+            <a:xfrm rot="2700000">
+              <a:off x="2158367" y="2914363"/>
+              <a:ext cx="108000" cy="570555"/>
+              <a:chOff x="3311860" y="3001723"/>
+              <a:chExt cx="144016" cy="499276"/>
+            </a:xfrm>
+            <a:grpFill/>
+          </p:grpSpPr>
+          <p:sp>
+            <p:nvSpPr>
+              <p:cNvPr id="45" name="Flowchart: Manual Operation 44"/>
+              <p:cNvSpPr/>
+              <p:nvPr/>
+            </p:nvSpPr>
+            <p:spPr>
+              <a:xfrm rot="10800000">
+                <a:off x="3311860" y="3001723"/>
+                <a:ext cx="144016" cy="94508"/>
+              </a:xfrm>
+              <a:prstGeom prst="flowChartManualOperation">
+                <a:avLst/>
+              </a:prstGeom>
+              <a:grpFill/>
+              <a:ln>
+                <a:noFill/>
+              </a:ln>
+            </p:spPr>
+            <p:style>
+              <a:lnRef idx="2">
+                <a:schemeClr val="accent1">
+                  <a:shade val="50000"/>
+                </a:schemeClr>
+              </a:lnRef>
+              <a:fillRef idx="1">
+                <a:schemeClr val="accent1"/>
+              </a:fillRef>
+              <a:effectRef idx="0">
+                <a:schemeClr val="accent1"/>
+              </a:effectRef>
+              <a:fontRef idx="minor">
+                <a:schemeClr val="lt1"/>
+              </a:fontRef>
+            </p:style>
+            <p:txBody>
+              <a:bodyPr rtlCol="0" anchor="ctr"/>
+              <a:lstStyle/>
+              <a:p>
+                <a:pPr algn="ctr"/>
+                <a:endParaRPr lang="zh-TW" altLang="en-US"/>
+              </a:p>
+            </p:txBody>
+          </p:sp>
+          <p:sp>
+            <p:nvSpPr>
+              <p:cNvPr id="46" name="Flowchart: Manual Operation 45"/>
+              <p:cNvSpPr/>
+              <p:nvPr/>
+            </p:nvSpPr>
+            <p:spPr>
+              <a:xfrm rot="10800000" flipV="1">
+                <a:off x="3311860" y="3406491"/>
+                <a:ext cx="144016" cy="94508"/>
+              </a:xfrm>
+              <a:prstGeom prst="flowChartManualOperation">
+                <a:avLst/>
+              </a:prstGeom>
+              <a:grpFill/>
+              <a:ln>
+                <a:noFill/>
+              </a:ln>
+            </p:spPr>
+            <p:style>
+              <a:lnRef idx="2">
+                <a:schemeClr val="accent1">
+                  <a:shade val="50000"/>
+                </a:schemeClr>
+              </a:lnRef>
+              <a:fillRef idx="1">
+                <a:schemeClr val="accent1"/>
+              </a:fillRef>
+              <a:effectRef idx="0">
+                <a:schemeClr val="accent1"/>
+              </a:effectRef>
+              <a:fontRef idx="minor">
+                <a:schemeClr val="lt1"/>
+              </a:fontRef>
+            </p:style>
+            <p:txBody>
+              <a:bodyPr rtlCol="0" anchor="ctr"/>
+              <a:lstStyle/>
+              <a:p>
+                <a:pPr algn="ctr"/>
+                <a:endParaRPr lang="zh-TW" altLang="en-US"/>
+              </a:p>
+            </p:txBody>
+          </p:sp>
+        </p:grpSp>
+        <p:grpSp>
+          <p:nvGrpSpPr>
+            <p:cNvPr id="42" name="Group 41"/>
+            <p:cNvGrpSpPr/>
+            <p:nvPr/>
+          </p:nvGrpSpPr>
+          <p:grpSpPr>
+            <a:xfrm rot="8100000">
+              <a:off x="2158367" y="2914363"/>
+              <a:ext cx="108000" cy="570555"/>
+              <a:chOff x="3311860" y="3001723"/>
+              <a:chExt cx="144016" cy="499276"/>
+            </a:xfrm>
+            <a:grpFill/>
+          </p:grpSpPr>
+          <p:sp>
+            <p:nvSpPr>
+              <p:cNvPr id="43" name="Flowchart: Manual Operation 42"/>
+              <p:cNvSpPr/>
+              <p:nvPr/>
+            </p:nvSpPr>
+            <p:spPr>
+              <a:xfrm rot="10800000">
+                <a:off x="3311860" y="3001723"/>
+                <a:ext cx="144016" cy="94508"/>
+              </a:xfrm>
+              <a:prstGeom prst="flowChartManualOperation">
+                <a:avLst/>
+              </a:prstGeom>
+              <a:grpFill/>
+              <a:ln>
+                <a:noFill/>
+              </a:ln>
+            </p:spPr>
+            <p:style>
+              <a:lnRef idx="2">
+                <a:schemeClr val="accent1">
+                  <a:shade val="50000"/>
+                </a:schemeClr>
+              </a:lnRef>
+              <a:fillRef idx="1">
+                <a:schemeClr val="accent1"/>
+              </a:fillRef>
+              <a:effectRef idx="0">
+                <a:schemeClr val="accent1"/>
+              </a:effectRef>
+              <a:fontRef idx="minor">
+                <a:schemeClr val="lt1"/>
+              </a:fontRef>
+            </p:style>
+            <p:txBody>
+              <a:bodyPr rtlCol="0" anchor="ctr"/>
+              <a:lstStyle/>
+              <a:p>
+                <a:pPr algn="ctr"/>
+                <a:endParaRPr lang="zh-TW" altLang="en-US"/>
+              </a:p>
+            </p:txBody>
+          </p:sp>
+          <p:sp>
+            <p:nvSpPr>
+              <p:cNvPr id="44" name="Flowchart: Manual Operation 43"/>
+              <p:cNvSpPr/>
+              <p:nvPr/>
+            </p:nvSpPr>
+            <p:spPr>
+              <a:xfrm rot="10800000" flipV="1">
+                <a:off x="3311860" y="3406491"/>
+                <a:ext cx="144016" cy="94508"/>
+              </a:xfrm>
+              <a:prstGeom prst="flowChartManualOperation">
+                <a:avLst/>
+              </a:prstGeom>
+              <a:grpFill/>
+              <a:ln>
+                <a:noFill/>
+              </a:ln>
+            </p:spPr>
+            <p:style>
+              <a:lnRef idx="2">
+                <a:schemeClr val="accent1">
+                  <a:shade val="50000"/>
+                </a:schemeClr>
+              </a:lnRef>
+              <a:fillRef idx="1">
+                <a:schemeClr val="accent1"/>
+              </a:fillRef>
+              <a:effectRef idx="0">
+                <a:schemeClr val="accent1"/>
+              </a:effectRef>
+              <a:fontRef idx="minor">
+                <a:schemeClr val="lt1"/>
+              </a:fontRef>
+            </p:style>
+            <p:txBody>
+              <a:bodyPr rtlCol="0" anchor="ctr"/>
+              <a:lstStyle/>
+              <a:p>
+                <a:pPr algn="ctr"/>
+                <a:endParaRPr lang="zh-TW" altLang="en-US"/>
               </a:p>
             </p:txBody>
           </p:sp>
@@ -17068,88 +18229,486 @@
       </p:grpSp>
       <p:grpSp>
         <p:nvGrpSpPr>
-          <p:cNvPr id="25" name="Group 24"/>
+          <p:cNvPr id="51" name="Group 50"/>
           <p:cNvGrpSpPr/>
           <p:nvPr/>
         </p:nvGrpSpPr>
         <p:grpSpPr>
-          <a:xfrm>
-            <a:off x="4446000" y="3397770"/>
-            <a:ext cx="252000" cy="108000"/>
-            <a:chOff x="4494752" y="3368675"/>
-            <a:chExt cx="108000" cy="60325"/>
+          <a:xfrm rot="21301497">
+            <a:off x="4244771" y="3125649"/>
+            <a:ext cx="432000" cy="432000"/>
+            <a:chOff x="1927089" y="2914363"/>
+            <a:chExt cx="570555" cy="570555"/>
           </a:xfrm>
+          <a:solidFill>
+            <a:schemeClr val="tx1">
+              <a:lumMod val="50000"/>
+              <a:lumOff val="50000"/>
+            </a:schemeClr>
+          </a:solidFill>
         </p:grpSpPr>
-        <p:cxnSp>
-          <p:nvCxnSpPr>
-            <p:cNvPr id="23" name="Straight Connector 22"/>
-            <p:cNvCxnSpPr/>
+        <p:grpSp>
+          <p:nvGrpSpPr>
+            <p:cNvPr id="52" name="Group 51"/>
+            <p:cNvGrpSpPr/>
             <p:nvPr/>
-          </p:nvCxnSpPr>
+          </p:nvGrpSpPr>
+          <p:grpSpPr>
+            <a:xfrm>
+              <a:off x="2158367" y="2914363"/>
+              <a:ext cx="108000" cy="570555"/>
+              <a:chOff x="3311860" y="3001723"/>
+              <a:chExt cx="144016" cy="499276"/>
+            </a:xfrm>
+            <a:grpFill/>
+          </p:grpSpPr>
+          <p:sp>
+            <p:nvSpPr>
+              <p:cNvPr id="63" name="Flowchart: Manual Operation 62"/>
+              <p:cNvSpPr/>
+              <p:nvPr/>
+            </p:nvSpPr>
+            <p:spPr>
+              <a:xfrm rot="10800000">
+                <a:off x="3311860" y="3001723"/>
+                <a:ext cx="144016" cy="94508"/>
+              </a:xfrm>
+              <a:prstGeom prst="flowChartManualOperation">
+                <a:avLst/>
+              </a:prstGeom>
+              <a:grpFill/>
+              <a:ln>
+                <a:noFill/>
+              </a:ln>
+            </p:spPr>
+            <p:style>
+              <a:lnRef idx="2">
+                <a:schemeClr val="accent1">
+                  <a:shade val="50000"/>
+                </a:schemeClr>
+              </a:lnRef>
+              <a:fillRef idx="1">
+                <a:schemeClr val="accent1"/>
+              </a:fillRef>
+              <a:effectRef idx="0">
+                <a:schemeClr val="accent1"/>
+              </a:effectRef>
+              <a:fontRef idx="minor">
+                <a:schemeClr val="lt1"/>
+              </a:fontRef>
+            </p:style>
+            <p:txBody>
+              <a:bodyPr rtlCol="0" anchor="ctr"/>
+              <a:lstStyle/>
+              <a:p>
+                <a:pPr algn="ctr"/>
+                <a:endParaRPr lang="zh-TW" altLang="en-US"/>
+              </a:p>
+            </p:txBody>
+          </p:sp>
+          <p:sp>
+            <p:nvSpPr>
+              <p:cNvPr id="64" name="Flowchart: Manual Operation 63"/>
+              <p:cNvSpPr/>
+              <p:nvPr/>
+            </p:nvSpPr>
+            <p:spPr>
+              <a:xfrm rot="10800000" flipV="1">
+                <a:off x="3311860" y="3406491"/>
+                <a:ext cx="144016" cy="94508"/>
+              </a:xfrm>
+              <a:prstGeom prst="flowChartManualOperation">
+                <a:avLst/>
+              </a:prstGeom>
+              <a:grpFill/>
+              <a:ln>
+                <a:noFill/>
+              </a:ln>
+            </p:spPr>
+            <p:style>
+              <a:lnRef idx="2">
+                <a:schemeClr val="accent1">
+                  <a:shade val="50000"/>
+                </a:schemeClr>
+              </a:lnRef>
+              <a:fillRef idx="1">
+                <a:schemeClr val="accent1"/>
+              </a:fillRef>
+              <a:effectRef idx="0">
+                <a:schemeClr val="accent1"/>
+              </a:effectRef>
+              <a:fontRef idx="minor">
+                <a:schemeClr val="lt1"/>
+              </a:fontRef>
+            </p:style>
+            <p:txBody>
+              <a:bodyPr rtlCol="0" anchor="ctr"/>
+              <a:lstStyle/>
+              <a:p>
+                <a:pPr algn="ctr"/>
+                <a:endParaRPr lang="zh-TW" altLang="en-US"/>
+              </a:p>
+            </p:txBody>
+          </p:sp>
+        </p:grpSp>
+        <p:sp>
+          <p:nvSpPr>
+            <p:cNvPr id="53" name="Donut 52"/>
+            <p:cNvSpPr/>
+            <p:nvPr/>
+          </p:nvSpPr>
           <p:spPr>
             <a:xfrm>
-              <a:off x="4494752" y="3368675"/>
-              <a:ext cx="108000" cy="0"/>
+              <a:off x="1996367" y="2983640"/>
+              <a:ext cx="432000" cy="432000"/>
             </a:xfrm>
-            <a:prstGeom prst="line">
-              <a:avLst/>
+            <a:prstGeom prst="donut">
+              <a:avLst>
+                <a:gd name="adj" fmla="val 23420"/>
+              </a:avLst>
             </a:prstGeom>
-            <a:ln w="50800">
-              <a:solidFill>
-                <a:schemeClr val="tx1"/>
-              </a:solidFill>
+            <a:grpFill/>
+            <a:ln>
+              <a:noFill/>
             </a:ln>
           </p:spPr>
           <p:style>
-            <a:lnRef idx="1">
-              <a:schemeClr val="accent1"/>
+            <a:lnRef idx="2">
+              <a:schemeClr val="accent1">
+                <a:shade val="50000"/>
+              </a:schemeClr>
             </a:lnRef>
-            <a:fillRef idx="0">
+            <a:fillRef idx="1">
               <a:schemeClr val="accent1"/>
             </a:fillRef>
             <a:effectRef idx="0">
               <a:schemeClr val="accent1"/>
             </a:effectRef>
             <a:fontRef idx="minor">
-              <a:schemeClr val="tx1"/>
+              <a:schemeClr val="lt1"/>
             </a:fontRef>
           </p:style>
-        </p:cxnSp>
-        <p:cxnSp>
-          <p:nvCxnSpPr>
-            <p:cNvPr id="24" name="Straight Connector 23"/>
-            <p:cNvCxnSpPr/>
+          <p:txBody>
+            <a:bodyPr rtlCol="0" anchor="ctr"/>
+            <a:lstStyle/>
+            <a:p>
+              <a:pPr algn="ctr"/>
+              <a:endParaRPr lang="zh-TW" altLang="en-US"/>
+            </a:p>
+          </p:txBody>
+        </p:sp>
+        <p:grpSp>
+          <p:nvGrpSpPr>
+            <p:cNvPr id="54" name="Group 53"/>
+            <p:cNvGrpSpPr/>
             <p:nvPr/>
-          </p:nvCxnSpPr>
-          <p:spPr>
-            <a:xfrm>
-              <a:off x="4494752" y="3429000"/>
-              <a:ext cx="108000" cy="0"/>
+          </p:nvGrpSpPr>
+          <p:grpSpPr>
+            <a:xfrm rot="5400000">
+              <a:off x="2158367" y="2914363"/>
+              <a:ext cx="108000" cy="570555"/>
+              <a:chOff x="3311860" y="3001723"/>
+              <a:chExt cx="144016" cy="499276"/>
             </a:xfrm>
-            <a:prstGeom prst="line">
-              <a:avLst/>
-            </a:prstGeom>
-            <a:ln w="50800">
-              <a:solidFill>
-                <a:schemeClr val="tx1"/>
-              </a:solidFill>
-            </a:ln>
-          </p:spPr>
-          <p:style>
-            <a:lnRef idx="1">
-              <a:schemeClr val="accent1"/>
-            </a:lnRef>
-            <a:fillRef idx="0">
-              <a:schemeClr val="accent1"/>
-            </a:fillRef>
-            <a:effectRef idx="0">
-              <a:schemeClr val="accent1"/>
-            </a:effectRef>
-            <a:fontRef idx="minor">
-              <a:schemeClr val="tx1"/>
-            </a:fontRef>
-          </p:style>
-        </p:cxnSp>
+            <a:grpFill/>
+          </p:grpSpPr>
+          <p:sp>
+            <p:nvSpPr>
+              <p:cNvPr id="61" name="Flowchart: Manual Operation 60"/>
+              <p:cNvSpPr/>
+              <p:nvPr/>
+            </p:nvSpPr>
+            <p:spPr>
+              <a:xfrm rot="10800000">
+                <a:off x="3311860" y="3001723"/>
+                <a:ext cx="144016" cy="94508"/>
+              </a:xfrm>
+              <a:prstGeom prst="flowChartManualOperation">
+                <a:avLst/>
+              </a:prstGeom>
+              <a:grpFill/>
+              <a:ln>
+                <a:noFill/>
+              </a:ln>
+            </p:spPr>
+            <p:style>
+              <a:lnRef idx="2">
+                <a:schemeClr val="accent1">
+                  <a:shade val="50000"/>
+                </a:schemeClr>
+              </a:lnRef>
+              <a:fillRef idx="1">
+                <a:schemeClr val="accent1"/>
+              </a:fillRef>
+              <a:effectRef idx="0">
+                <a:schemeClr val="accent1"/>
+              </a:effectRef>
+              <a:fontRef idx="minor">
+                <a:schemeClr val="lt1"/>
+              </a:fontRef>
+            </p:style>
+            <p:txBody>
+              <a:bodyPr rtlCol="0" anchor="ctr"/>
+              <a:lstStyle/>
+              <a:p>
+                <a:pPr algn="ctr"/>
+                <a:endParaRPr lang="zh-TW" altLang="en-US"/>
+              </a:p>
+            </p:txBody>
+          </p:sp>
+          <p:sp>
+            <p:nvSpPr>
+              <p:cNvPr id="62" name="Flowchart: Manual Operation 61"/>
+              <p:cNvSpPr/>
+              <p:nvPr/>
+            </p:nvSpPr>
+            <p:spPr>
+              <a:xfrm rot="10800000" flipV="1">
+                <a:off x="3311860" y="3406491"/>
+                <a:ext cx="144016" cy="94508"/>
+              </a:xfrm>
+              <a:prstGeom prst="flowChartManualOperation">
+                <a:avLst/>
+              </a:prstGeom>
+              <a:grpFill/>
+              <a:ln>
+                <a:noFill/>
+              </a:ln>
+            </p:spPr>
+            <p:style>
+              <a:lnRef idx="2">
+                <a:schemeClr val="accent1">
+                  <a:shade val="50000"/>
+                </a:schemeClr>
+              </a:lnRef>
+              <a:fillRef idx="1">
+                <a:schemeClr val="accent1"/>
+              </a:fillRef>
+              <a:effectRef idx="0">
+                <a:schemeClr val="accent1"/>
+              </a:effectRef>
+              <a:fontRef idx="minor">
+                <a:schemeClr val="lt1"/>
+              </a:fontRef>
+            </p:style>
+            <p:txBody>
+              <a:bodyPr rtlCol="0" anchor="ctr"/>
+              <a:lstStyle/>
+              <a:p>
+                <a:pPr algn="ctr"/>
+                <a:endParaRPr lang="zh-TW" altLang="en-US"/>
+              </a:p>
+            </p:txBody>
+          </p:sp>
+        </p:grpSp>
+        <p:grpSp>
+          <p:nvGrpSpPr>
+            <p:cNvPr id="55" name="Group 54"/>
+            <p:cNvGrpSpPr/>
+            <p:nvPr/>
+          </p:nvGrpSpPr>
+          <p:grpSpPr>
+            <a:xfrm rot="2700000">
+              <a:off x="2158367" y="2914363"/>
+              <a:ext cx="108000" cy="570555"/>
+              <a:chOff x="3311860" y="3001723"/>
+              <a:chExt cx="144016" cy="499276"/>
+            </a:xfrm>
+            <a:grpFill/>
+          </p:grpSpPr>
+          <p:sp>
+            <p:nvSpPr>
+              <p:cNvPr id="59" name="Flowchart: Manual Operation 58"/>
+              <p:cNvSpPr/>
+              <p:nvPr/>
+            </p:nvSpPr>
+            <p:spPr>
+              <a:xfrm rot="10800000">
+                <a:off x="3311860" y="3001723"/>
+                <a:ext cx="144016" cy="94508"/>
+              </a:xfrm>
+              <a:prstGeom prst="flowChartManualOperation">
+                <a:avLst/>
+              </a:prstGeom>
+              <a:grpFill/>
+              <a:ln>
+                <a:noFill/>
+              </a:ln>
+            </p:spPr>
+            <p:style>
+              <a:lnRef idx="2">
+                <a:schemeClr val="accent1">
+                  <a:shade val="50000"/>
+                </a:schemeClr>
+              </a:lnRef>
+              <a:fillRef idx="1">
+                <a:schemeClr val="accent1"/>
+              </a:fillRef>
+              <a:effectRef idx="0">
+                <a:schemeClr val="accent1"/>
+              </a:effectRef>
+              <a:fontRef idx="minor">
+                <a:schemeClr val="lt1"/>
+              </a:fontRef>
+            </p:style>
+            <p:txBody>
+              <a:bodyPr rtlCol="0" anchor="ctr"/>
+              <a:lstStyle/>
+              <a:p>
+                <a:pPr algn="ctr"/>
+                <a:endParaRPr lang="zh-TW" altLang="en-US"/>
+              </a:p>
+            </p:txBody>
+          </p:sp>
+          <p:sp>
+            <p:nvSpPr>
+              <p:cNvPr id="60" name="Flowchart: Manual Operation 59"/>
+              <p:cNvSpPr/>
+              <p:nvPr/>
+            </p:nvSpPr>
+            <p:spPr>
+              <a:xfrm rot="10800000" flipV="1">
+                <a:off x="3311860" y="3406491"/>
+                <a:ext cx="144016" cy="94508"/>
+              </a:xfrm>
+              <a:prstGeom prst="flowChartManualOperation">
+                <a:avLst/>
+              </a:prstGeom>
+              <a:grpFill/>
+              <a:ln>
+                <a:noFill/>
+              </a:ln>
+            </p:spPr>
+            <p:style>
+              <a:lnRef idx="2">
+                <a:schemeClr val="accent1">
+                  <a:shade val="50000"/>
+                </a:schemeClr>
+              </a:lnRef>
+              <a:fillRef idx="1">
+                <a:schemeClr val="accent1"/>
+              </a:fillRef>
+              <a:effectRef idx="0">
+                <a:schemeClr val="accent1"/>
+              </a:effectRef>
+              <a:fontRef idx="minor">
+                <a:schemeClr val="lt1"/>
+              </a:fontRef>
+            </p:style>
+            <p:txBody>
+              <a:bodyPr rtlCol="0" anchor="ctr"/>
+              <a:lstStyle/>
+              <a:p>
+                <a:pPr algn="ctr"/>
+                <a:endParaRPr lang="zh-TW" altLang="en-US"/>
+              </a:p>
+            </p:txBody>
+          </p:sp>
+        </p:grpSp>
+        <p:grpSp>
+          <p:nvGrpSpPr>
+            <p:cNvPr id="56" name="Group 55"/>
+            <p:cNvGrpSpPr/>
+            <p:nvPr/>
+          </p:nvGrpSpPr>
+          <p:grpSpPr>
+            <a:xfrm rot="8100000">
+              <a:off x="2158367" y="2914363"/>
+              <a:ext cx="108000" cy="570555"/>
+              <a:chOff x="3311860" y="3001723"/>
+              <a:chExt cx="144016" cy="499276"/>
+            </a:xfrm>
+            <a:grpFill/>
+          </p:grpSpPr>
+          <p:sp>
+            <p:nvSpPr>
+              <p:cNvPr id="57" name="Flowchart: Manual Operation 56"/>
+              <p:cNvSpPr/>
+              <p:nvPr/>
+            </p:nvSpPr>
+            <p:spPr>
+              <a:xfrm rot="10800000">
+                <a:off x="3311860" y="3001723"/>
+                <a:ext cx="144016" cy="94508"/>
+              </a:xfrm>
+              <a:prstGeom prst="flowChartManualOperation">
+                <a:avLst/>
+              </a:prstGeom>
+              <a:grpFill/>
+              <a:ln>
+                <a:noFill/>
+              </a:ln>
+            </p:spPr>
+            <p:style>
+              <a:lnRef idx="2">
+                <a:schemeClr val="accent1">
+                  <a:shade val="50000"/>
+                </a:schemeClr>
+              </a:lnRef>
+              <a:fillRef idx="1">
+                <a:schemeClr val="accent1"/>
+              </a:fillRef>
+              <a:effectRef idx="0">
+                <a:schemeClr val="accent1"/>
+              </a:effectRef>
+              <a:fontRef idx="minor">
+                <a:schemeClr val="lt1"/>
+              </a:fontRef>
+            </p:style>
+            <p:txBody>
+              <a:bodyPr rtlCol="0" anchor="ctr"/>
+              <a:lstStyle/>
+              <a:p>
+                <a:pPr algn="ctr"/>
+                <a:endParaRPr lang="zh-TW" altLang="en-US"/>
+              </a:p>
+            </p:txBody>
+          </p:sp>
+          <p:sp>
+            <p:nvSpPr>
+              <p:cNvPr id="58" name="Flowchart: Manual Operation 57"/>
+              <p:cNvSpPr/>
+              <p:nvPr/>
+            </p:nvSpPr>
+            <p:spPr>
+              <a:xfrm rot="10800000" flipV="1">
+                <a:off x="3311860" y="3406491"/>
+                <a:ext cx="144016" cy="94508"/>
+              </a:xfrm>
+              <a:prstGeom prst="flowChartManualOperation">
+                <a:avLst/>
+              </a:prstGeom>
+              <a:grpFill/>
+              <a:ln>
+                <a:noFill/>
+              </a:ln>
+            </p:spPr>
+            <p:style>
+              <a:lnRef idx="2">
+                <a:schemeClr val="accent1">
+                  <a:shade val="50000"/>
+                </a:schemeClr>
+              </a:lnRef>
+              <a:fillRef idx="1">
+                <a:schemeClr val="accent1"/>
+              </a:fillRef>
+              <a:effectRef idx="0">
+                <a:schemeClr val="accent1"/>
+              </a:effectRef>
+              <a:fontRef idx="minor">
+                <a:schemeClr val="lt1"/>
+              </a:fontRef>
+            </p:style>
+            <p:txBody>
+              <a:bodyPr rtlCol="0" anchor="ctr"/>
+              <a:lstStyle/>
+              <a:p>
+                <a:pPr algn="ctr"/>
+                <a:endParaRPr lang="zh-TW" altLang="en-US"/>
+              </a:p>
+            </p:txBody>
+          </p:sp>
+        </p:grpSp>
       </p:grpSp>
     </p:spTree>
     <p:extLst>

--- a/icons/icons.pptx
+++ b/icons/icons.pptx
@@ -14,9 +14,9 @@
     <p:sldId id="311" r:id="rId5"/>
     <p:sldId id="326" r:id="rId6"/>
     <p:sldId id="324" r:id="rId7"/>
-    <p:sldId id="323" r:id="rId8"/>
-    <p:sldId id="325" r:id="rId9"/>
-    <p:sldId id="327" r:id="rId10"/>
+    <p:sldId id="325" r:id="rId8"/>
+    <p:sldId id="327" r:id="rId9"/>
+    <p:sldId id="330" r:id="rId10"/>
     <p:sldId id="329" r:id="rId11"/>
     <p:sldId id="328" r:id="rId12"/>
     <p:sldId id="313" r:id="rId13"/>
@@ -231,7 +231,7 @@
           <a:p>
             <a:fld id="{409A854A-4542-4C46-92B4-B1933D0339ED}" type="datetimeFigureOut">
               <a:rPr lang="en-US" smtClean="0"/>
-              <a:t>3/31/2017</a:t>
+              <a:t>4/1/2017</a:t>
             </a:fld>
             <a:endParaRPr lang="en-US"/>
           </a:p>
@@ -764,7 +764,7 @@
           <a:p>
             <a:fld id="{B6192DF9-7B65-41DB-B5A4-F73A2B2D849B}" type="datetimeFigureOut">
               <a:rPr lang="zh-TW" altLang="en-US" smtClean="0"/>
-              <a:t>2017/3/31</a:t>
+              <a:t>2017/4/1</a:t>
             </a:fld>
             <a:endParaRPr lang="zh-TW" altLang="en-US"/>
           </a:p>
@@ -934,7 +934,7 @@
           <a:p>
             <a:fld id="{B6192DF9-7B65-41DB-B5A4-F73A2B2D849B}" type="datetimeFigureOut">
               <a:rPr lang="zh-TW" altLang="en-US" smtClean="0"/>
-              <a:t>2017/3/31</a:t>
+              <a:t>2017/4/1</a:t>
             </a:fld>
             <a:endParaRPr lang="zh-TW" altLang="en-US"/>
           </a:p>
@@ -1114,7 +1114,7 @@
           <a:p>
             <a:fld id="{B6192DF9-7B65-41DB-B5A4-F73A2B2D849B}" type="datetimeFigureOut">
               <a:rPr lang="zh-TW" altLang="en-US" smtClean="0"/>
-              <a:t>2017/3/31</a:t>
+              <a:t>2017/4/1</a:t>
             </a:fld>
             <a:endParaRPr lang="zh-TW" altLang="en-US"/>
           </a:p>
@@ -1284,7 +1284,7 @@
           <a:p>
             <a:fld id="{B6192DF9-7B65-41DB-B5A4-F73A2B2D849B}" type="datetimeFigureOut">
               <a:rPr lang="zh-TW" altLang="en-US" smtClean="0"/>
-              <a:t>2017/3/31</a:t>
+              <a:t>2017/4/1</a:t>
             </a:fld>
             <a:endParaRPr lang="zh-TW" altLang="en-US"/>
           </a:p>
@@ -1530,7 +1530,7 @@
           <a:p>
             <a:fld id="{B6192DF9-7B65-41DB-B5A4-F73A2B2D849B}" type="datetimeFigureOut">
               <a:rPr lang="zh-TW" altLang="en-US" smtClean="0"/>
-              <a:t>2017/3/31</a:t>
+              <a:t>2017/4/1</a:t>
             </a:fld>
             <a:endParaRPr lang="zh-TW" altLang="en-US"/>
           </a:p>
@@ -1818,7 +1818,7 @@
           <a:p>
             <a:fld id="{B6192DF9-7B65-41DB-B5A4-F73A2B2D849B}" type="datetimeFigureOut">
               <a:rPr lang="zh-TW" altLang="en-US" smtClean="0"/>
-              <a:t>2017/3/31</a:t>
+              <a:t>2017/4/1</a:t>
             </a:fld>
             <a:endParaRPr lang="zh-TW" altLang="en-US"/>
           </a:p>
@@ -2240,7 +2240,7 @@
           <a:p>
             <a:fld id="{B6192DF9-7B65-41DB-B5A4-F73A2B2D849B}" type="datetimeFigureOut">
               <a:rPr lang="zh-TW" altLang="en-US" smtClean="0"/>
-              <a:t>2017/3/31</a:t>
+              <a:t>2017/4/1</a:t>
             </a:fld>
             <a:endParaRPr lang="zh-TW" altLang="en-US"/>
           </a:p>
@@ -2358,7 +2358,7 @@
           <a:p>
             <a:fld id="{B6192DF9-7B65-41DB-B5A4-F73A2B2D849B}" type="datetimeFigureOut">
               <a:rPr lang="zh-TW" altLang="en-US" smtClean="0"/>
-              <a:t>2017/3/31</a:t>
+              <a:t>2017/4/1</a:t>
             </a:fld>
             <a:endParaRPr lang="zh-TW" altLang="en-US"/>
           </a:p>
@@ -2453,7 +2453,7 @@
           <a:p>
             <a:fld id="{B6192DF9-7B65-41DB-B5A4-F73A2B2D849B}" type="datetimeFigureOut">
               <a:rPr lang="zh-TW" altLang="en-US" smtClean="0"/>
-              <a:t>2017/3/31</a:t>
+              <a:t>2017/4/1</a:t>
             </a:fld>
             <a:endParaRPr lang="zh-TW" altLang="en-US"/>
           </a:p>
@@ -2730,7 +2730,7 @@
           <a:p>
             <a:fld id="{B6192DF9-7B65-41DB-B5A4-F73A2B2D849B}" type="datetimeFigureOut">
               <a:rPr lang="zh-TW" altLang="en-US" smtClean="0"/>
-              <a:t>2017/3/31</a:t>
+              <a:t>2017/4/1</a:t>
             </a:fld>
             <a:endParaRPr lang="zh-TW" altLang="en-US"/>
           </a:p>
@@ -2983,7 +2983,7 @@
           <a:p>
             <a:fld id="{B6192DF9-7B65-41DB-B5A4-F73A2B2D849B}" type="datetimeFigureOut">
               <a:rPr lang="zh-TW" altLang="en-US" smtClean="0"/>
-              <a:t>2017/3/31</a:t>
+              <a:t>2017/4/1</a:t>
             </a:fld>
             <a:endParaRPr lang="zh-TW" altLang="en-US"/>
           </a:p>
@@ -3196,7 +3196,7 @@
           <a:p>
             <a:fld id="{B6192DF9-7B65-41DB-B5A4-F73A2B2D849B}" type="datetimeFigureOut">
               <a:rPr lang="zh-TW" altLang="en-US" smtClean="0"/>
-              <a:t>2017/3/31</a:t>
+              <a:t>2017/4/1</a:t>
             </a:fld>
             <a:endParaRPr lang="zh-TW" altLang="en-US"/>
           </a:p>
@@ -3995,16 +3995,16 @@
       </p:sp>
       <p:grpSp>
         <p:nvGrpSpPr>
-          <p:cNvPr id="35" name="Group 34"/>
+          <p:cNvPr id="8" name="Group 7"/>
           <p:cNvGrpSpPr/>
           <p:nvPr/>
         </p:nvGrpSpPr>
         <p:grpSpPr>
-          <a:xfrm rot="20940000">
-            <a:off x="4518832" y="3381570"/>
-            <a:ext cx="540000" cy="540000"/>
-            <a:chOff x="1927089" y="2914363"/>
-            <a:chExt cx="570555" cy="570555"/>
+          <a:xfrm>
+            <a:off x="4203082" y="3194498"/>
+            <a:ext cx="756001" cy="756000"/>
+            <a:chOff x="4270601" y="3180564"/>
+            <a:chExt cx="756001" cy="756000"/>
           </a:xfrm>
           <a:solidFill>
             <a:srgbClr val="0070C0"/>
@@ -4012,32 +4012,38 @@
         </p:grpSpPr>
         <p:grpSp>
           <p:nvGrpSpPr>
-            <p:cNvPr id="36" name="Group 35"/>
+            <p:cNvPr id="9" name="Group 8"/>
             <p:cNvGrpSpPr/>
             <p:nvPr/>
           </p:nvGrpSpPr>
           <p:grpSpPr>
-            <a:xfrm>
-              <a:off x="2158367" y="2914363"/>
-              <a:ext cx="108000" cy="570555"/>
-              <a:chOff x="3311860" y="3001723"/>
-              <a:chExt cx="144016" cy="499276"/>
+            <a:xfrm rot="10800000">
+              <a:off x="4270602" y="3180564"/>
+              <a:ext cx="756000" cy="756000"/>
+              <a:chOff x="5520661" y="3180564"/>
+              <a:chExt cx="756000" cy="756000"/>
             </a:xfrm>
             <a:grpFill/>
           </p:grpSpPr>
           <p:sp>
             <p:nvSpPr>
-              <p:cNvPr id="49" name="Flowchart: Manual Operation 48"/>
+              <p:cNvPr id="14" name="Circular Arrow 13"/>
               <p:cNvSpPr/>
               <p:nvPr/>
             </p:nvSpPr>
             <p:spPr>
-              <a:xfrm rot="10800000">
-                <a:off x="3311860" y="3001723"/>
-                <a:ext cx="144016" cy="94508"/>
+              <a:xfrm rot="2700000">
+                <a:off x="5520661" y="3180564"/>
+                <a:ext cx="756000" cy="756000"/>
               </a:xfrm>
-              <a:prstGeom prst="flowChartManualOperation">
-                <a:avLst/>
+              <a:prstGeom prst="circularArrow">
+                <a:avLst>
+                  <a:gd name="adj1" fmla="val 14736"/>
+                  <a:gd name="adj2" fmla="val 691748"/>
+                  <a:gd name="adj3" fmla="val 20923103"/>
+                  <a:gd name="adj4" fmla="val 12245544"/>
+                  <a:gd name="adj5" fmla="val 13414"/>
+                </a:avLst>
               </a:prstGeom>
               <a:grpFill/>
               <a:ln>
@@ -4065,172 +4071,26 @@
               <a:lstStyle/>
               <a:p>
                 <a:pPr algn="ctr"/>
-                <a:endParaRPr lang="zh-TW" altLang="en-US"/>
+                <a:endParaRPr lang="zh-TW" altLang="en-US">
+                  <a:solidFill>
+                    <a:schemeClr val="tx1"/>
+                  </a:solidFill>
+                </a:endParaRPr>
               </a:p>
             </p:txBody>
           </p:sp>
           <p:sp>
             <p:nvSpPr>
-              <p:cNvPr id="50" name="Flowchart: Manual Operation 49"/>
+              <p:cNvPr id="15" name="Isosceles Triangle 14"/>
               <p:cNvSpPr/>
               <p:nvPr/>
             </p:nvSpPr>
             <p:spPr>
-              <a:xfrm rot="10800000" flipV="1">
-                <a:off x="3311860" y="3406491"/>
-                <a:ext cx="144016" cy="94508"/>
+              <a:xfrm rot="13315778">
+                <a:off x="5942199" y="3664108"/>
+                <a:ext cx="288000" cy="180000"/>
               </a:xfrm>
-              <a:prstGeom prst="flowChartManualOperation">
-                <a:avLst/>
-              </a:prstGeom>
-              <a:grpFill/>
-              <a:ln>
-                <a:noFill/>
-              </a:ln>
-            </p:spPr>
-            <p:style>
-              <a:lnRef idx="2">
-                <a:schemeClr val="accent1">
-                  <a:shade val="50000"/>
-                </a:schemeClr>
-              </a:lnRef>
-              <a:fillRef idx="1">
-                <a:schemeClr val="accent1"/>
-              </a:fillRef>
-              <a:effectRef idx="0">
-                <a:schemeClr val="accent1"/>
-              </a:effectRef>
-              <a:fontRef idx="minor">
-                <a:schemeClr val="lt1"/>
-              </a:fontRef>
-            </p:style>
-            <p:txBody>
-              <a:bodyPr rtlCol="0" anchor="ctr"/>
-              <a:lstStyle/>
-              <a:p>
-                <a:pPr algn="ctr"/>
-                <a:endParaRPr lang="zh-TW" altLang="en-US"/>
-              </a:p>
-            </p:txBody>
-          </p:sp>
-        </p:grpSp>
-        <p:sp>
-          <p:nvSpPr>
-            <p:cNvPr id="39" name="Donut 38"/>
-            <p:cNvSpPr/>
-            <p:nvPr/>
-          </p:nvSpPr>
-          <p:spPr>
-            <a:xfrm>
-              <a:off x="1996367" y="2983640"/>
-              <a:ext cx="432000" cy="432000"/>
-            </a:xfrm>
-            <a:prstGeom prst="donut">
-              <a:avLst>
-                <a:gd name="adj" fmla="val 23420"/>
-              </a:avLst>
-            </a:prstGeom>
-            <a:grpFill/>
-            <a:ln>
-              <a:noFill/>
-            </a:ln>
-          </p:spPr>
-          <p:style>
-            <a:lnRef idx="2">
-              <a:schemeClr val="accent1">
-                <a:shade val="50000"/>
-              </a:schemeClr>
-            </a:lnRef>
-            <a:fillRef idx="1">
-              <a:schemeClr val="accent1"/>
-            </a:fillRef>
-            <a:effectRef idx="0">
-              <a:schemeClr val="accent1"/>
-            </a:effectRef>
-            <a:fontRef idx="minor">
-              <a:schemeClr val="lt1"/>
-            </a:fontRef>
-          </p:style>
-          <p:txBody>
-            <a:bodyPr rtlCol="0" anchor="ctr"/>
-            <a:lstStyle/>
-            <a:p>
-              <a:pPr algn="ctr"/>
-              <a:endParaRPr lang="zh-TW" altLang="en-US"/>
-            </a:p>
-          </p:txBody>
-        </p:sp>
-        <p:grpSp>
-          <p:nvGrpSpPr>
-            <p:cNvPr id="40" name="Group 39"/>
-            <p:cNvGrpSpPr/>
-            <p:nvPr/>
-          </p:nvGrpSpPr>
-          <p:grpSpPr>
-            <a:xfrm rot="5400000">
-              <a:off x="2158367" y="2914363"/>
-              <a:ext cx="108000" cy="570555"/>
-              <a:chOff x="3311860" y="3001723"/>
-              <a:chExt cx="144016" cy="499276"/>
-            </a:xfrm>
-            <a:grpFill/>
-          </p:grpSpPr>
-          <p:sp>
-            <p:nvSpPr>
-              <p:cNvPr id="47" name="Flowchart: Manual Operation 46"/>
-              <p:cNvSpPr/>
-              <p:nvPr/>
-            </p:nvSpPr>
-            <p:spPr>
-              <a:xfrm rot="10800000">
-                <a:off x="3311860" y="3001723"/>
-                <a:ext cx="144016" cy="94508"/>
-              </a:xfrm>
-              <a:prstGeom prst="flowChartManualOperation">
-                <a:avLst/>
-              </a:prstGeom>
-              <a:grpFill/>
-              <a:ln>
-                <a:noFill/>
-              </a:ln>
-            </p:spPr>
-            <p:style>
-              <a:lnRef idx="2">
-                <a:schemeClr val="accent1">
-                  <a:shade val="50000"/>
-                </a:schemeClr>
-              </a:lnRef>
-              <a:fillRef idx="1">
-                <a:schemeClr val="accent1"/>
-              </a:fillRef>
-              <a:effectRef idx="0">
-                <a:schemeClr val="accent1"/>
-              </a:effectRef>
-              <a:fontRef idx="minor">
-                <a:schemeClr val="lt1"/>
-              </a:fontRef>
-            </p:style>
-            <p:txBody>
-              <a:bodyPr rtlCol="0" anchor="ctr"/>
-              <a:lstStyle/>
-              <a:p>
-                <a:pPr algn="ctr"/>
-                <a:endParaRPr lang="zh-TW" altLang="en-US"/>
-              </a:p>
-            </p:txBody>
-          </p:sp>
-          <p:sp>
-            <p:nvSpPr>
-              <p:cNvPr id="48" name="Flowchart: Manual Operation 47"/>
-              <p:cNvSpPr/>
-              <p:nvPr/>
-            </p:nvSpPr>
-            <p:spPr>
-              <a:xfrm rot="10800000" flipV="1">
-                <a:off x="3311860" y="3406491"/>
-                <a:ext cx="144016" cy="94508"/>
-              </a:xfrm>
-              <a:prstGeom prst="flowChartManualOperation">
+              <a:prstGeom prst="triangle">
                 <a:avLst/>
               </a:prstGeom>
               <a:grpFill/>
@@ -4266,31 +4126,85 @@
         </p:grpSp>
         <p:grpSp>
           <p:nvGrpSpPr>
-            <p:cNvPr id="41" name="Group 40"/>
+            <p:cNvPr id="10" name="Group 9"/>
             <p:cNvGrpSpPr/>
             <p:nvPr/>
           </p:nvGrpSpPr>
           <p:grpSpPr>
-            <a:xfrm rot="2700000">
-              <a:off x="2158367" y="2914363"/>
-              <a:ext cx="108000" cy="570555"/>
-              <a:chOff x="3311860" y="3001723"/>
-              <a:chExt cx="144016" cy="499276"/>
+            <a:xfrm>
+              <a:off x="4270601" y="3180564"/>
+              <a:ext cx="756000" cy="756000"/>
+              <a:chOff x="5520661" y="3180564"/>
+              <a:chExt cx="756000" cy="756000"/>
             </a:xfrm>
             <a:grpFill/>
           </p:grpSpPr>
           <p:sp>
             <p:nvSpPr>
-              <p:cNvPr id="45" name="Flowchart: Manual Operation 44"/>
+              <p:cNvPr id="11" name="Circular Arrow 10"/>
               <p:cNvSpPr/>
               <p:nvPr/>
             </p:nvSpPr>
             <p:spPr>
-              <a:xfrm rot="10800000">
-                <a:off x="3311860" y="3001723"/>
-                <a:ext cx="144016" cy="94508"/>
+              <a:xfrm rot="2700000">
+                <a:off x="5520661" y="3180564"/>
+                <a:ext cx="756000" cy="756000"/>
               </a:xfrm>
-              <a:prstGeom prst="flowChartManualOperation">
+              <a:prstGeom prst="circularArrow">
+                <a:avLst>
+                  <a:gd name="adj1" fmla="val 14736"/>
+                  <a:gd name="adj2" fmla="val 691748"/>
+                  <a:gd name="adj3" fmla="val 20923103"/>
+                  <a:gd name="adj4" fmla="val 12245544"/>
+                  <a:gd name="adj5" fmla="val 13414"/>
+                </a:avLst>
+              </a:prstGeom>
+              <a:grpFill/>
+              <a:ln>
+                <a:noFill/>
+              </a:ln>
+            </p:spPr>
+            <p:style>
+              <a:lnRef idx="2">
+                <a:schemeClr val="accent1">
+                  <a:shade val="50000"/>
+                </a:schemeClr>
+              </a:lnRef>
+              <a:fillRef idx="1">
+                <a:schemeClr val="accent1"/>
+              </a:fillRef>
+              <a:effectRef idx="0">
+                <a:schemeClr val="accent1"/>
+              </a:effectRef>
+              <a:fontRef idx="minor">
+                <a:schemeClr val="lt1"/>
+              </a:fontRef>
+            </p:style>
+            <p:txBody>
+              <a:bodyPr rtlCol="0" anchor="ctr"/>
+              <a:lstStyle/>
+              <a:p>
+                <a:pPr algn="ctr"/>
+                <a:endParaRPr lang="zh-TW" altLang="en-US">
+                  <a:solidFill>
+                    <a:schemeClr val="tx1"/>
+                  </a:solidFill>
+                </a:endParaRPr>
+              </a:p>
+            </p:txBody>
+          </p:sp>
+          <p:sp>
+            <p:nvSpPr>
+              <p:cNvPr id="13" name="Isosceles Triangle 12"/>
+              <p:cNvSpPr/>
+              <p:nvPr/>
+            </p:nvSpPr>
+            <p:spPr>
+              <a:xfrm rot="13315778">
+                <a:off x="5942199" y="3664108"/>
+                <a:ext cx="288000" cy="180000"/>
+              </a:xfrm>
+              <a:prstGeom prst="triangle">
                 <a:avLst/>
               </a:prstGeom>
               <a:grpFill/>
@@ -4320,691 +4234,6 @@
               <a:p>
                 <a:pPr algn="ctr"/>
                 <a:endParaRPr lang="zh-TW" altLang="en-US"/>
-              </a:p>
-            </p:txBody>
-          </p:sp>
-          <p:sp>
-            <p:nvSpPr>
-              <p:cNvPr id="46" name="Flowchart: Manual Operation 45"/>
-              <p:cNvSpPr/>
-              <p:nvPr/>
-            </p:nvSpPr>
-            <p:spPr>
-              <a:xfrm rot="10800000" flipV="1">
-                <a:off x="3311860" y="3406491"/>
-                <a:ext cx="144016" cy="94508"/>
-              </a:xfrm>
-              <a:prstGeom prst="flowChartManualOperation">
-                <a:avLst/>
-              </a:prstGeom>
-              <a:grpFill/>
-              <a:ln>
-                <a:noFill/>
-              </a:ln>
-            </p:spPr>
-            <p:style>
-              <a:lnRef idx="2">
-                <a:schemeClr val="accent1">
-                  <a:shade val="50000"/>
-                </a:schemeClr>
-              </a:lnRef>
-              <a:fillRef idx="1">
-                <a:schemeClr val="accent1"/>
-              </a:fillRef>
-              <a:effectRef idx="0">
-                <a:schemeClr val="accent1"/>
-              </a:effectRef>
-              <a:fontRef idx="minor">
-                <a:schemeClr val="lt1"/>
-              </a:fontRef>
-            </p:style>
-            <p:txBody>
-              <a:bodyPr rtlCol="0" anchor="ctr"/>
-              <a:lstStyle/>
-              <a:p>
-                <a:pPr algn="ctr"/>
-                <a:endParaRPr lang="zh-TW" altLang="en-US"/>
-              </a:p>
-            </p:txBody>
-          </p:sp>
-        </p:grpSp>
-        <p:grpSp>
-          <p:nvGrpSpPr>
-            <p:cNvPr id="42" name="Group 41"/>
-            <p:cNvGrpSpPr/>
-            <p:nvPr/>
-          </p:nvGrpSpPr>
-          <p:grpSpPr>
-            <a:xfrm rot="8100000">
-              <a:off x="2158367" y="2914363"/>
-              <a:ext cx="108000" cy="570555"/>
-              <a:chOff x="3311860" y="3001723"/>
-              <a:chExt cx="144016" cy="499276"/>
-            </a:xfrm>
-            <a:grpFill/>
-          </p:grpSpPr>
-          <p:sp>
-            <p:nvSpPr>
-              <p:cNvPr id="43" name="Flowchart: Manual Operation 42"/>
-              <p:cNvSpPr/>
-              <p:nvPr/>
-            </p:nvSpPr>
-            <p:spPr>
-              <a:xfrm rot="10800000">
-                <a:off x="3311860" y="3001723"/>
-                <a:ext cx="144016" cy="94508"/>
-              </a:xfrm>
-              <a:prstGeom prst="flowChartManualOperation">
-                <a:avLst/>
-              </a:prstGeom>
-              <a:grpFill/>
-              <a:ln>
-                <a:noFill/>
-              </a:ln>
-            </p:spPr>
-            <p:style>
-              <a:lnRef idx="2">
-                <a:schemeClr val="accent1">
-                  <a:shade val="50000"/>
-                </a:schemeClr>
-              </a:lnRef>
-              <a:fillRef idx="1">
-                <a:schemeClr val="accent1"/>
-              </a:fillRef>
-              <a:effectRef idx="0">
-                <a:schemeClr val="accent1"/>
-              </a:effectRef>
-              <a:fontRef idx="minor">
-                <a:schemeClr val="lt1"/>
-              </a:fontRef>
-            </p:style>
-            <p:txBody>
-              <a:bodyPr rtlCol="0" anchor="ctr"/>
-              <a:lstStyle/>
-              <a:p>
-                <a:pPr algn="ctr"/>
-                <a:endParaRPr lang="zh-TW" altLang="en-US"/>
-              </a:p>
-            </p:txBody>
-          </p:sp>
-          <p:sp>
-            <p:nvSpPr>
-              <p:cNvPr id="44" name="Flowchart: Manual Operation 43"/>
-              <p:cNvSpPr/>
-              <p:nvPr/>
-            </p:nvSpPr>
-            <p:spPr>
-              <a:xfrm rot="10800000" flipV="1">
-                <a:off x="3311860" y="3406491"/>
-                <a:ext cx="144016" cy="94508"/>
-              </a:xfrm>
-              <a:prstGeom prst="flowChartManualOperation">
-                <a:avLst/>
-              </a:prstGeom>
-              <a:grpFill/>
-              <a:ln>
-                <a:noFill/>
-              </a:ln>
-            </p:spPr>
-            <p:style>
-              <a:lnRef idx="2">
-                <a:schemeClr val="accent1">
-                  <a:shade val="50000"/>
-                </a:schemeClr>
-              </a:lnRef>
-              <a:fillRef idx="1">
-                <a:schemeClr val="accent1"/>
-              </a:fillRef>
-              <a:effectRef idx="0">
-                <a:schemeClr val="accent1"/>
-              </a:effectRef>
-              <a:fontRef idx="minor">
-                <a:schemeClr val="lt1"/>
-              </a:fontRef>
-            </p:style>
-            <p:txBody>
-              <a:bodyPr rtlCol="0" anchor="ctr"/>
-              <a:lstStyle/>
-              <a:p>
-                <a:pPr algn="ctr"/>
-                <a:endParaRPr lang="zh-TW" altLang="en-US"/>
-              </a:p>
-            </p:txBody>
-          </p:sp>
-        </p:grpSp>
-      </p:grpSp>
-      <p:grpSp>
-        <p:nvGrpSpPr>
-          <p:cNvPr id="51" name="Group 50"/>
-          <p:cNvGrpSpPr/>
-          <p:nvPr/>
-        </p:nvGrpSpPr>
-        <p:grpSpPr>
-          <a:xfrm rot="20820000">
-            <a:off x="4244771" y="3125649"/>
-            <a:ext cx="432000" cy="432000"/>
-            <a:chOff x="1927089" y="2914363"/>
-            <a:chExt cx="570555" cy="570555"/>
-          </a:xfrm>
-          <a:solidFill>
-            <a:schemeClr val="tx2">
-              <a:lumMod val="60000"/>
-              <a:lumOff val="40000"/>
-            </a:schemeClr>
-          </a:solidFill>
-        </p:grpSpPr>
-        <p:grpSp>
-          <p:nvGrpSpPr>
-            <p:cNvPr id="52" name="Group 51"/>
-            <p:cNvGrpSpPr/>
-            <p:nvPr/>
-          </p:nvGrpSpPr>
-          <p:grpSpPr>
-            <a:xfrm>
-              <a:off x="2158367" y="2914363"/>
-              <a:ext cx="108000" cy="570555"/>
-              <a:chOff x="3311860" y="3001723"/>
-              <a:chExt cx="144016" cy="499276"/>
-            </a:xfrm>
-            <a:grpFill/>
-          </p:grpSpPr>
-          <p:sp>
-            <p:nvSpPr>
-              <p:cNvPr id="63" name="Flowchart: Manual Operation 62"/>
-              <p:cNvSpPr/>
-              <p:nvPr/>
-            </p:nvSpPr>
-            <p:spPr>
-              <a:xfrm rot="10800000">
-                <a:off x="3311860" y="3001723"/>
-                <a:ext cx="144016" cy="94508"/>
-              </a:xfrm>
-              <a:prstGeom prst="flowChartManualOperation">
-                <a:avLst/>
-              </a:prstGeom>
-              <a:solidFill>
-                <a:schemeClr val="tx2">
-                  <a:lumMod val="60000"/>
-                  <a:lumOff val="40000"/>
-                </a:schemeClr>
-              </a:solidFill>
-              <a:ln w="50800">
-                <a:noFill/>
-                <a:miter lim="800000"/>
-              </a:ln>
-            </p:spPr>
-            <p:style>
-              <a:lnRef idx="2">
-                <a:schemeClr val="accent1">
-                  <a:shade val="50000"/>
-                </a:schemeClr>
-              </a:lnRef>
-              <a:fillRef idx="1">
-                <a:schemeClr val="accent1"/>
-              </a:fillRef>
-              <a:effectRef idx="0">
-                <a:schemeClr val="accent1"/>
-              </a:effectRef>
-              <a:fontRef idx="minor">
-                <a:schemeClr val="lt1"/>
-              </a:fontRef>
-            </p:style>
-            <p:txBody>
-              <a:bodyPr lIns="0" tIns="0" rIns="0" bIns="0" rtlCol="0" anchor="ctr"/>
-              <a:lstStyle/>
-              <a:p>
-                <a:pPr algn="ctr"/>
-                <a:endParaRPr lang="zh-TW" altLang="en-US" b="1"/>
-              </a:p>
-            </p:txBody>
-          </p:sp>
-          <p:sp>
-            <p:nvSpPr>
-              <p:cNvPr id="64" name="Flowchart: Manual Operation 63"/>
-              <p:cNvSpPr/>
-              <p:nvPr/>
-            </p:nvSpPr>
-            <p:spPr>
-              <a:xfrm rot="10800000" flipV="1">
-                <a:off x="3311860" y="3406491"/>
-                <a:ext cx="144016" cy="94508"/>
-              </a:xfrm>
-              <a:prstGeom prst="flowChartManualOperation">
-                <a:avLst/>
-              </a:prstGeom>
-              <a:solidFill>
-                <a:schemeClr val="tx2">
-                  <a:lumMod val="60000"/>
-                  <a:lumOff val="40000"/>
-                </a:schemeClr>
-              </a:solidFill>
-              <a:ln w="50800">
-                <a:noFill/>
-                <a:miter lim="800000"/>
-              </a:ln>
-            </p:spPr>
-            <p:style>
-              <a:lnRef idx="2">
-                <a:schemeClr val="accent1">
-                  <a:shade val="50000"/>
-                </a:schemeClr>
-              </a:lnRef>
-              <a:fillRef idx="1">
-                <a:schemeClr val="accent1"/>
-              </a:fillRef>
-              <a:effectRef idx="0">
-                <a:schemeClr val="accent1"/>
-              </a:effectRef>
-              <a:fontRef idx="minor">
-                <a:schemeClr val="lt1"/>
-              </a:fontRef>
-            </p:style>
-            <p:txBody>
-              <a:bodyPr lIns="0" tIns="0" rIns="0" bIns="0" rtlCol="0" anchor="ctr"/>
-              <a:lstStyle/>
-              <a:p>
-                <a:pPr algn="ctr"/>
-                <a:endParaRPr lang="zh-TW" altLang="en-US" b="1"/>
-              </a:p>
-            </p:txBody>
-          </p:sp>
-        </p:grpSp>
-        <p:sp>
-          <p:nvSpPr>
-            <p:cNvPr id="53" name="Donut 52"/>
-            <p:cNvSpPr/>
-            <p:nvPr/>
-          </p:nvSpPr>
-          <p:spPr>
-            <a:xfrm>
-              <a:off x="1996367" y="2983640"/>
-              <a:ext cx="432000" cy="432000"/>
-            </a:xfrm>
-            <a:prstGeom prst="donut">
-              <a:avLst>
-                <a:gd name="adj" fmla="val 23420"/>
-              </a:avLst>
-            </a:prstGeom>
-            <a:solidFill>
-              <a:schemeClr val="tx2">
-                <a:lumMod val="60000"/>
-                <a:lumOff val="40000"/>
-              </a:schemeClr>
-            </a:solidFill>
-            <a:ln w="50800">
-              <a:noFill/>
-              <a:miter lim="800000"/>
-            </a:ln>
-          </p:spPr>
-          <p:style>
-            <a:lnRef idx="2">
-              <a:schemeClr val="accent1">
-                <a:shade val="50000"/>
-              </a:schemeClr>
-            </a:lnRef>
-            <a:fillRef idx="1">
-              <a:schemeClr val="accent1"/>
-            </a:fillRef>
-            <a:effectRef idx="0">
-              <a:schemeClr val="accent1"/>
-            </a:effectRef>
-            <a:fontRef idx="minor">
-              <a:schemeClr val="lt1"/>
-            </a:fontRef>
-          </p:style>
-          <p:txBody>
-            <a:bodyPr lIns="0" tIns="0" rIns="0" bIns="0" rtlCol="0" anchor="ctr"/>
-            <a:lstStyle/>
-            <a:p>
-              <a:pPr algn="ctr"/>
-              <a:endParaRPr lang="zh-TW" altLang="en-US" b="1"/>
-            </a:p>
-          </p:txBody>
-        </p:sp>
-        <p:grpSp>
-          <p:nvGrpSpPr>
-            <p:cNvPr id="54" name="Group 53"/>
-            <p:cNvGrpSpPr/>
-            <p:nvPr/>
-          </p:nvGrpSpPr>
-          <p:grpSpPr>
-            <a:xfrm rot="5400000">
-              <a:off x="2158367" y="2914363"/>
-              <a:ext cx="108000" cy="570555"/>
-              <a:chOff x="3311860" y="3001723"/>
-              <a:chExt cx="144016" cy="499276"/>
-            </a:xfrm>
-            <a:grpFill/>
-          </p:grpSpPr>
-          <p:sp>
-            <p:nvSpPr>
-              <p:cNvPr id="61" name="Flowchart: Manual Operation 60"/>
-              <p:cNvSpPr/>
-              <p:nvPr/>
-            </p:nvSpPr>
-            <p:spPr>
-              <a:xfrm rot="10800000">
-                <a:off x="3311860" y="3001723"/>
-                <a:ext cx="144016" cy="94508"/>
-              </a:xfrm>
-              <a:prstGeom prst="flowChartManualOperation">
-                <a:avLst/>
-              </a:prstGeom>
-              <a:solidFill>
-                <a:schemeClr val="tx2">
-                  <a:lumMod val="60000"/>
-                  <a:lumOff val="40000"/>
-                </a:schemeClr>
-              </a:solidFill>
-              <a:ln w="50800">
-                <a:noFill/>
-                <a:miter lim="800000"/>
-              </a:ln>
-            </p:spPr>
-            <p:style>
-              <a:lnRef idx="2">
-                <a:schemeClr val="accent1">
-                  <a:shade val="50000"/>
-                </a:schemeClr>
-              </a:lnRef>
-              <a:fillRef idx="1">
-                <a:schemeClr val="accent1"/>
-              </a:fillRef>
-              <a:effectRef idx="0">
-                <a:schemeClr val="accent1"/>
-              </a:effectRef>
-              <a:fontRef idx="minor">
-                <a:schemeClr val="lt1"/>
-              </a:fontRef>
-            </p:style>
-            <p:txBody>
-              <a:bodyPr lIns="0" tIns="0" rIns="0" bIns="0" rtlCol="0" anchor="ctr"/>
-              <a:lstStyle/>
-              <a:p>
-                <a:pPr algn="ctr"/>
-                <a:endParaRPr lang="zh-TW" altLang="en-US" b="1"/>
-              </a:p>
-            </p:txBody>
-          </p:sp>
-          <p:sp>
-            <p:nvSpPr>
-              <p:cNvPr id="62" name="Flowchart: Manual Operation 61"/>
-              <p:cNvSpPr/>
-              <p:nvPr/>
-            </p:nvSpPr>
-            <p:spPr>
-              <a:xfrm rot="10800000" flipV="1">
-                <a:off x="3311860" y="3406491"/>
-                <a:ext cx="144016" cy="94508"/>
-              </a:xfrm>
-              <a:prstGeom prst="flowChartManualOperation">
-                <a:avLst/>
-              </a:prstGeom>
-              <a:solidFill>
-                <a:schemeClr val="tx2">
-                  <a:lumMod val="60000"/>
-                  <a:lumOff val="40000"/>
-                </a:schemeClr>
-              </a:solidFill>
-              <a:ln w="50800">
-                <a:noFill/>
-                <a:miter lim="800000"/>
-              </a:ln>
-            </p:spPr>
-            <p:style>
-              <a:lnRef idx="2">
-                <a:schemeClr val="accent1">
-                  <a:shade val="50000"/>
-                </a:schemeClr>
-              </a:lnRef>
-              <a:fillRef idx="1">
-                <a:schemeClr val="accent1"/>
-              </a:fillRef>
-              <a:effectRef idx="0">
-                <a:schemeClr val="accent1"/>
-              </a:effectRef>
-              <a:fontRef idx="minor">
-                <a:schemeClr val="lt1"/>
-              </a:fontRef>
-            </p:style>
-            <p:txBody>
-              <a:bodyPr lIns="0" tIns="0" rIns="0" bIns="0" rtlCol="0" anchor="ctr"/>
-              <a:lstStyle/>
-              <a:p>
-                <a:pPr algn="ctr"/>
-                <a:endParaRPr lang="zh-TW" altLang="en-US" b="1"/>
-              </a:p>
-            </p:txBody>
-          </p:sp>
-        </p:grpSp>
-        <p:grpSp>
-          <p:nvGrpSpPr>
-            <p:cNvPr id="55" name="Group 54"/>
-            <p:cNvGrpSpPr/>
-            <p:nvPr/>
-          </p:nvGrpSpPr>
-          <p:grpSpPr>
-            <a:xfrm rot="2700000">
-              <a:off x="2158367" y="2914363"/>
-              <a:ext cx="108000" cy="570555"/>
-              <a:chOff x="3311860" y="3001723"/>
-              <a:chExt cx="144016" cy="499276"/>
-            </a:xfrm>
-            <a:grpFill/>
-          </p:grpSpPr>
-          <p:sp>
-            <p:nvSpPr>
-              <p:cNvPr id="59" name="Flowchart: Manual Operation 58"/>
-              <p:cNvSpPr/>
-              <p:nvPr/>
-            </p:nvSpPr>
-            <p:spPr>
-              <a:xfrm rot="10800000">
-                <a:off x="3311860" y="3001723"/>
-                <a:ext cx="144016" cy="94508"/>
-              </a:xfrm>
-              <a:prstGeom prst="flowChartManualOperation">
-                <a:avLst/>
-              </a:prstGeom>
-              <a:solidFill>
-                <a:schemeClr val="tx2">
-                  <a:lumMod val="60000"/>
-                  <a:lumOff val="40000"/>
-                </a:schemeClr>
-              </a:solidFill>
-              <a:ln w="50800">
-                <a:noFill/>
-                <a:miter lim="800000"/>
-              </a:ln>
-            </p:spPr>
-            <p:style>
-              <a:lnRef idx="2">
-                <a:schemeClr val="accent1">
-                  <a:shade val="50000"/>
-                </a:schemeClr>
-              </a:lnRef>
-              <a:fillRef idx="1">
-                <a:schemeClr val="accent1"/>
-              </a:fillRef>
-              <a:effectRef idx="0">
-                <a:schemeClr val="accent1"/>
-              </a:effectRef>
-              <a:fontRef idx="minor">
-                <a:schemeClr val="lt1"/>
-              </a:fontRef>
-            </p:style>
-            <p:txBody>
-              <a:bodyPr lIns="0" tIns="0" rIns="0" bIns="0" rtlCol="0" anchor="ctr"/>
-              <a:lstStyle/>
-              <a:p>
-                <a:pPr algn="ctr"/>
-                <a:endParaRPr lang="zh-TW" altLang="en-US" b="1"/>
-              </a:p>
-            </p:txBody>
-          </p:sp>
-          <p:sp>
-            <p:nvSpPr>
-              <p:cNvPr id="60" name="Flowchart: Manual Operation 59"/>
-              <p:cNvSpPr/>
-              <p:nvPr/>
-            </p:nvSpPr>
-            <p:spPr>
-              <a:xfrm rot="10800000" flipV="1">
-                <a:off x="3311860" y="3406491"/>
-                <a:ext cx="144016" cy="94508"/>
-              </a:xfrm>
-              <a:prstGeom prst="flowChartManualOperation">
-                <a:avLst/>
-              </a:prstGeom>
-              <a:solidFill>
-                <a:schemeClr val="tx2">
-                  <a:lumMod val="60000"/>
-                  <a:lumOff val="40000"/>
-                </a:schemeClr>
-              </a:solidFill>
-              <a:ln w="50800">
-                <a:noFill/>
-                <a:miter lim="800000"/>
-              </a:ln>
-            </p:spPr>
-            <p:style>
-              <a:lnRef idx="2">
-                <a:schemeClr val="accent1">
-                  <a:shade val="50000"/>
-                </a:schemeClr>
-              </a:lnRef>
-              <a:fillRef idx="1">
-                <a:schemeClr val="accent1"/>
-              </a:fillRef>
-              <a:effectRef idx="0">
-                <a:schemeClr val="accent1"/>
-              </a:effectRef>
-              <a:fontRef idx="minor">
-                <a:schemeClr val="lt1"/>
-              </a:fontRef>
-            </p:style>
-            <p:txBody>
-              <a:bodyPr lIns="0" tIns="0" rIns="0" bIns="0" rtlCol="0" anchor="ctr"/>
-              <a:lstStyle/>
-              <a:p>
-                <a:pPr algn="ctr"/>
-                <a:endParaRPr lang="zh-TW" altLang="en-US" b="1"/>
-              </a:p>
-            </p:txBody>
-          </p:sp>
-        </p:grpSp>
-        <p:grpSp>
-          <p:nvGrpSpPr>
-            <p:cNvPr id="56" name="Group 55"/>
-            <p:cNvGrpSpPr/>
-            <p:nvPr/>
-          </p:nvGrpSpPr>
-          <p:grpSpPr>
-            <a:xfrm rot="8100000">
-              <a:off x="2158367" y="2914363"/>
-              <a:ext cx="108000" cy="570555"/>
-              <a:chOff x="3311860" y="3001723"/>
-              <a:chExt cx="144016" cy="499276"/>
-            </a:xfrm>
-            <a:grpFill/>
-          </p:grpSpPr>
-          <p:sp>
-            <p:nvSpPr>
-              <p:cNvPr id="57" name="Flowchart: Manual Operation 56"/>
-              <p:cNvSpPr/>
-              <p:nvPr/>
-            </p:nvSpPr>
-            <p:spPr>
-              <a:xfrm rot="10800000">
-                <a:off x="3311860" y="3001723"/>
-                <a:ext cx="144016" cy="94508"/>
-              </a:xfrm>
-              <a:prstGeom prst="flowChartManualOperation">
-                <a:avLst/>
-              </a:prstGeom>
-              <a:solidFill>
-                <a:schemeClr val="tx2">
-                  <a:lumMod val="60000"/>
-                  <a:lumOff val="40000"/>
-                </a:schemeClr>
-              </a:solidFill>
-              <a:ln w="50800">
-                <a:noFill/>
-                <a:miter lim="800000"/>
-              </a:ln>
-            </p:spPr>
-            <p:style>
-              <a:lnRef idx="2">
-                <a:schemeClr val="accent1">
-                  <a:shade val="50000"/>
-                </a:schemeClr>
-              </a:lnRef>
-              <a:fillRef idx="1">
-                <a:schemeClr val="accent1"/>
-              </a:fillRef>
-              <a:effectRef idx="0">
-                <a:schemeClr val="accent1"/>
-              </a:effectRef>
-              <a:fontRef idx="minor">
-                <a:schemeClr val="lt1"/>
-              </a:fontRef>
-            </p:style>
-            <p:txBody>
-              <a:bodyPr lIns="0" tIns="0" rIns="0" bIns="0" rtlCol="0" anchor="ctr"/>
-              <a:lstStyle/>
-              <a:p>
-                <a:pPr algn="ctr"/>
-                <a:endParaRPr lang="zh-TW" altLang="en-US" b="1"/>
-              </a:p>
-            </p:txBody>
-          </p:sp>
-          <p:sp>
-            <p:nvSpPr>
-              <p:cNvPr id="58" name="Flowchart: Manual Operation 57"/>
-              <p:cNvSpPr/>
-              <p:nvPr/>
-            </p:nvSpPr>
-            <p:spPr>
-              <a:xfrm rot="10800000" flipV="1">
-                <a:off x="3311860" y="3406491"/>
-                <a:ext cx="144016" cy="94508"/>
-              </a:xfrm>
-              <a:prstGeom prst="flowChartManualOperation">
-                <a:avLst/>
-              </a:prstGeom>
-              <a:solidFill>
-                <a:schemeClr val="tx2">
-                  <a:lumMod val="60000"/>
-                  <a:lumOff val="40000"/>
-                </a:schemeClr>
-              </a:solidFill>
-              <a:ln w="50800">
-                <a:noFill/>
-                <a:miter lim="800000"/>
-              </a:ln>
-            </p:spPr>
-            <p:style>
-              <a:lnRef idx="2">
-                <a:schemeClr val="accent1">
-                  <a:shade val="50000"/>
-                </a:schemeClr>
-              </a:lnRef>
-              <a:fillRef idx="1">
-                <a:schemeClr val="accent1"/>
-              </a:fillRef>
-              <a:effectRef idx="0">
-                <a:schemeClr val="accent1"/>
-              </a:effectRef>
-              <a:fontRef idx="minor">
-                <a:schemeClr val="lt1"/>
-              </a:fontRef>
-            </p:style>
-            <p:txBody>
-              <a:bodyPr lIns="0" tIns="0" rIns="0" bIns="0" rtlCol="0" anchor="ctr"/>
-              <a:lstStyle/>
-              <a:p>
-                <a:pPr algn="ctr"/>
-                <a:endParaRPr lang="zh-TW" altLang="en-US" b="1"/>
               </a:p>
             </p:txBody>
           </p:sp>
@@ -16511,537 +15740,6 @@
           <a:chExt cx="0" cy="0"/>
         </a:xfrm>
       </p:grpSpPr>
-      <p:sp>
-        <p:nvSpPr>
-          <p:cNvPr id="4" name="Rounded Rectangle 3"/>
-          <p:cNvSpPr/>
-          <p:nvPr/>
-        </p:nvSpPr>
-        <p:spPr>
-          <a:xfrm>
-            <a:off x="4491682" y="2925000"/>
-            <a:ext cx="154286" cy="540000"/>
-          </a:xfrm>
-          <a:prstGeom prst="roundRect">
-            <a:avLst>
-              <a:gd name="adj" fmla="val 50000"/>
-            </a:avLst>
-          </a:prstGeom>
-          <a:solidFill>
-            <a:schemeClr val="bg1">
-              <a:lumMod val="65000"/>
-            </a:schemeClr>
-          </a:solidFill>
-          <a:ln w="50800">
-            <a:noFill/>
-          </a:ln>
-        </p:spPr>
-        <p:style>
-          <a:lnRef idx="2">
-            <a:schemeClr val="accent1">
-              <a:shade val="50000"/>
-            </a:schemeClr>
-          </a:lnRef>
-          <a:fillRef idx="1">
-            <a:schemeClr val="accent1"/>
-          </a:fillRef>
-          <a:effectRef idx="0">
-            <a:schemeClr val="accent1"/>
-          </a:effectRef>
-          <a:fontRef idx="minor">
-            <a:schemeClr val="lt1"/>
-          </a:fontRef>
-        </p:style>
-        <p:txBody>
-          <a:bodyPr rtlCol="0" anchor="ctr"/>
-          <a:lstStyle/>
-          <a:p>
-            <a:pPr algn="ctr"/>
-            <a:endParaRPr lang="zh-TW" altLang="en-US"/>
-          </a:p>
-        </p:txBody>
-      </p:sp>
-      <p:sp>
-        <p:nvSpPr>
-          <p:cNvPr id="3" name="Rounded Rectangle 2"/>
-          <p:cNvSpPr/>
-          <p:nvPr/>
-        </p:nvSpPr>
-        <p:spPr>
-          <a:xfrm>
-            <a:off x="4128193" y="2924998"/>
-            <a:ext cx="154286" cy="1002857"/>
-          </a:xfrm>
-          <a:prstGeom prst="roundRect">
-            <a:avLst>
-              <a:gd name="adj" fmla="val 50000"/>
-            </a:avLst>
-          </a:prstGeom>
-          <a:solidFill>
-            <a:schemeClr val="bg1">
-              <a:lumMod val="65000"/>
-            </a:schemeClr>
-          </a:solidFill>
-          <a:ln w="50800">
-            <a:noFill/>
-          </a:ln>
-        </p:spPr>
-        <p:style>
-          <a:lnRef idx="2">
-            <a:schemeClr val="accent1">
-              <a:shade val="50000"/>
-            </a:schemeClr>
-          </a:lnRef>
-          <a:fillRef idx="1">
-            <a:schemeClr val="accent1"/>
-          </a:fillRef>
-          <a:effectRef idx="0">
-            <a:schemeClr val="accent1"/>
-          </a:effectRef>
-          <a:fontRef idx="minor">
-            <a:schemeClr val="lt1"/>
-          </a:fontRef>
-        </p:style>
-        <p:txBody>
-          <a:bodyPr rtlCol="0" anchor="ctr"/>
-          <a:lstStyle/>
-          <a:p>
-            <a:pPr algn="ctr"/>
-            <a:endParaRPr lang="zh-TW" altLang="en-US"/>
-          </a:p>
-        </p:txBody>
-      </p:sp>
-      <p:sp>
-        <p:nvSpPr>
-          <p:cNvPr id="6" name="Oval 5"/>
-          <p:cNvSpPr/>
-          <p:nvPr/>
-        </p:nvSpPr>
-        <p:spPr>
-          <a:xfrm>
-            <a:off x="4115336" y="3318426"/>
-            <a:ext cx="180000" cy="180000"/>
-          </a:xfrm>
-          <a:prstGeom prst="ellipse">
-            <a:avLst/>
-          </a:prstGeom>
-          <a:solidFill>
-            <a:schemeClr val="bg1"/>
-          </a:solidFill>
-          <a:ln w="50800">
-            <a:solidFill>
-              <a:schemeClr val="bg1">
-                <a:lumMod val="65000"/>
-              </a:schemeClr>
-            </a:solidFill>
-          </a:ln>
-        </p:spPr>
-        <p:style>
-          <a:lnRef idx="2">
-            <a:schemeClr val="accent1">
-              <a:shade val="50000"/>
-            </a:schemeClr>
-          </a:lnRef>
-          <a:fillRef idx="1">
-            <a:schemeClr val="accent1"/>
-          </a:fillRef>
-          <a:effectRef idx="0">
-            <a:schemeClr val="accent1"/>
-          </a:effectRef>
-          <a:fontRef idx="minor">
-            <a:schemeClr val="lt1"/>
-          </a:fontRef>
-        </p:style>
-        <p:txBody>
-          <a:bodyPr rtlCol="0" anchor="ctr"/>
-          <a:lstStyle/>
-          <a:p>
-            <a:pPr algn="ctr"/>
-            <a:endParaRPr lang="zh-TW" altLang="en-US"/>
-          </a:p>
-        </p:txBody>
-      </p:sp>
-      <p:sp>
-        <p:nvSpPr>
-          <p:cNvPr id="7" name="Oval 6"/>
-          <p:cNvSpPr/>
-          <p:nvPr/>
-        </p:nvSpPr>
-        <p:spPr>
-          <a:xfrm>
-            <a:off x="4478825" y="3162035"/>
-            <a:ext cx="180000" cy="180000"/>
-          </a:xfrm>
-          <a:prstGeom prst="ellipse">
-            <a:avLst/>
-          </a:prstGeom>
-          <a:solidFill>
-            <a:schemeClr val="bg1"/>
-          </a:solidFill>
-          <a:ln w="50800">
-            <a:solidFill>
-              <a:schemeClr val="bg1">
-                <a:lumMod val="65000"/>
-              </a:schemeClr>
-            </a:solidFill>
-          </a:ln>
-        </p:spPr>
-        <p:style>
-          <a:lnRef idx="2">
-            <a:schemeClr val="accent1">
-              <a:shade val="50000"/>
-            </a:schemeClr>
-          </a:lnRef>
-          <a:fillRef idx="1">
-            <a:schemeClr val="accent1"/>
-          </a:fillRef>
-          <a:effectRef idx="0">
-            <a:schemeClr val="accent1"/>
-          </a:effectRef>
-          <a:fontRef idx="minor">
-            <a:schemeClr val="lt1"/>
-          </a:fontRef>
-        </p:style>
-        <p:txBody>
-          <a:bodyPr rtlCol="0" anchor="ctr"/>
-          <a:lstStyle/>
-          <a:p>
-            <a:pPr algn="ctr"/>
-            <a:endParaRPr lang="zh-TW" altLang="en-US"/>
-          </a:p>
-        </p:txBody>
-      </p:sp>
-      <p:sp>
-        <p:nvSpPr>
-          <p:cNvPr id="11" name="Rectangle 10"/>
-          <p:cNvSpPr/>
-          <p:nvPr/>
-        </p:nvSpPr>
-        <p:spPr>
-          <a:xfrm>
-            <a:off x="4032000" y="2889000"/>
-            <a:ext cx="1080000" cy="1080000"/>
-          </a:xfrm>
-          <a:prstGeom prst="rect">
-            <a:avLst/>
-          </a:prstGeom>
-          <a:noFill/>
-          <a:ln w="6350">
-            <a:noFill/>
-          </a:ln>
-        </p:spPr>
-        <p:style>
-          <a:lnRef idx="2">
-            <a:schemeClr val="accent1">
-              <a:shade val="50000"/>
-            </a:schemeClr>
-          </a:lnRef>
-          <a:fillRef idx="1">
-            <a:schemeClr val="accent1"/>
-          </a:fillRef>
-          <a:effectRef idx="0">
-            <a:schemeClr val="accent1"/>
-          </a:effectRef>
-          <a:fontRef idx="minor">
-            <a:schemeClr val="lt1"/>
-          </a:fontRef>
-        </p:style>
-        <p:txBody>
-          <a:bodyPr rtlCol="0" anchor="ctr"/>
-          <a:lstStyle/>
-          <a:p>
-            <a:pPr algn="ctr"/>
-            <a:endParaRPr lang="zh-TW" altLang="en-US"/>
-          </a:p>
-        </p:txBody>
-      </p:sp>
-      <p:sp>
-        <p:nvSpPr>
-          <p:cNvPr id="10" name="Rectangle 9"/>
-          <p:cNvSpPr/>
-          <p:nvPr/>
-        </p:nvSpPr>
-        <p:spPr>
-          <a:xfrm>
-            <a:off x="4392000" y="3537000"/>
-            <a:ext cx="720000" cy="432000"/>
-          </a:xfrm>
-          <a:prstGeom prst="rect">
-            <a:avLst/>
-          </a:prstGeom>
-          <a:noFill/>
-          <a:ln w="6350">
-            <a:noFill/>
-          </a:ln>
-        </p:spPr>
-        <p:style>
-          <a:lnRef idx="2">
-            <a:schemeClr val="accent1">
-              <a:shade val="50000"/>
-            </a:schemeClr>
-          </a:lnRef>
-          <a:fillRef idx="1">
-            <a:schemeClr val="accent1"/>
-          </a:fillRef>
-          <a:effectRef idx="0">
-            <a:schemeClr val="accent1"/>
-          </a:effectRef>
-          <a:fontRef idx="minor">
-            <a:schemeClr val="lt1"/>
-          </a:fontRef>
-        </p:style>
-        <p:txBody>
-          <a:bodyPr rtlCol="0" anchor="ctr"/>
-          <a:lstStyle/>
-          <a:p>
-            <a:pPr algn="ctr"/>
-            <a:endParaRPr lang="zh-TW" altLang="en-US"/>
-          </a:p>
-        </p:txBody>
-      </p:sp>
-      <p:sp>
-        <p:nvSpPr>
-          <p:cNvPr id="12" name="Rounded Rectangle 11"/>
-          <p:cNvSpPr/>
-          <p:nvPr/>
-        </p:nvSpPr>
-        <p:spPr>
-          <a:xfrm flipV="1">
-            <a:off x="4861521" y="2925000"/>
-            <a:ext cx="154286" cy="540000"/>
-          </a:xfrm>
-          <a:prstGeom prst="roundRect">
-            <a:avLst>
-              <a:gd name="adj" fmla="val 50000"/>
-            </a:avLst>
-          </a:prstGeom>
-          <a:solidFill>
-            <a:schemeClr val="bg1">
-              <a:lumMod val="65000"/>
-            </a:schemeClr>
-          </a:solidFill>
-          <a:ln w="50800">
-            <a:noFill/>
-          </a:ln>
-        </p:spPr>
-        <p:style>
-          <a:lnRef idx="2">
-            <a:schemeClr val="accent1">
-              <a:shade val="50000"/>
-            </a:schemeClr>
-          </a:lnRef>
-          <a:fillRef idx="1">
-            <a:schemeClr val="accent1"/>
-          </a:fillRef>
-          <a:effectRef idx="0">
-            <a:schemeClr val="accent1"/>
-          </a:effectRef>
-          <a:fontRef idx="minor">
-            <a:schemeClr val="lt1"/>
-          </a:fontRef>
-        </p:style>
-        <p:txBody>
-          <a:bodyPr rtlCol="0" anchor="ctr"/>
-          <a:lstStyle/>
-          <a:p>
-            <a:pPr algn="ctr"/>
-            <a:endParaRPr lang="zh-TW" altLang="en-US"/>
-          </a:p>
-        </p:txBody>
-      </p:sp>
-      <p:sp>
-        <p:nvSpPr>
-          <p:cNvPr id="13" name="Oval 12"/>
-          <p:cNvSpPr/>
-          <p:nvPr/>
-        </p:nvSpPr>
-        <p:spPr>
-          <a:xfrm flipV="1">
-            <a:off x="4848755" y="3054407"/>
-            <a:ext cx="179261" cy="180000"/>
-          </a:xfrm>
-          <a:prstGeom prst="ellipse">
-            <a:avLst/>
-          </a:prstGeom>
-          <a:solidFill>
-            <a:schemeClr val="bg1"/>
-          </a:solidFill>
-          <a:ln w="50800">
-            <a:solidFill>
-              <a:schemeClr val="bg1">
-                <a:lumMod val="65000"/>
-              </a:schemeClr>
-            </a:solidFill>
-          </a:ln>
-        </p:spPr>
-        <p:style>
-          <a:lnRef idx="2">
-            <a:schemeClr val="accent1">
-              <a:shade val="50000"/>
-            </a:schemeClr>
-          </a:lnRef>
-          <a:fillRef idx="1">
-            <a:schemeClr val="accent1"/>
-          </a:fillRef>
-          <a:effectRef idx="0">
-            <a:schemeClr val="accent1"/>
-          </a:effectRef>
-          <a:fontRef idx="minor">
-            <a:schemeClr val="lt1"/>
-          </a:fontRef>
-        </p:style>
-        <p:txBody>
-          <a:bodyPr rtlCol="0" anchor="ctr"/>
-          <a:lstStyle/>
-          <a:p>
-            <a:pPr algn="ctr"/>
-            <a:endParaRPr lang="zh-TW" altLang="en-US"/>
-          </a:p>
-        </p:txBody>
-      </p:sp>
-      <p:grpSp>
-        <p:nvGrpSpPr>
-          <p:cNvPr id="5" name="Group 4"/>
-          <p:cNvGrpSpPr/>
-          <p:nvPr/>
-        </p:nvGrpSpPr>
-        <p:grpSpPr>
-          <a:xfrm>
-            <a:off x="4439807" y="3538333"/>
-            <a:ext cx="576000" cy="396000"/>
-            <a:chOff x="2195736" y="2279934"/>
-            <a:chExt cx="959511" cy="612001"/>
-          </a:xfrm>
-          <a:solidFill>
-            <a:schemeClr val="bg1">
-              <a:lumMod val="65000"/>
-            </a:schemeClr>
-          </a:solidFill>
-        </p:grpSpPr>
-        <p:sp>
-          <p:nvSpPr>
-            <p:cNvPr id="19" name="Rounded Rectangle 18"/>
-            <p:cNvSpPr/>
-            <p:nvPr/>
-          </p:nvSpPr>
-          <p:spPr>
-            <a:xfrm>
-              <a:off x="2195736" y="2279935"/>
-              <a:ext cx="756000" cy="612000"/>
-            </a:xfrm>
-            <a:prstGeom prst="roundRect">
-              <a:avLst>
-                <a:gd name="adj" fmla="val 7326"/>
-              </a:avLst>
-            </a:prstGeom>
-            <a:grpFill/>
-            <a:ln w="50800">
-              <a:noFill/>
-            </a:ln>
-          </p:spPr>
-          <p:style>
-            <a:lnRef idx="2">
-              <a:schemeClr val="accent1">
-                <a:shade val="50000"/>
-              </a:schemeClr>
-            </a:lnRef>
-            <a:fillRef idx="1">
-              <a:schemeClr val="accent1"/>
-            </a:fillRef>
-            <a:effectRef idx="0">
-              <a:schemeClr val="accent1"/>
-            </a:effectRef>
-            <a:fontRef idx="minor">
-              <a:schemeClr val="lt1"/>
-            </a:fontRef>
-          </p:style>
-          <p:txBody>
-            <a:bodyPr rtlCol="0" anchor="ctr"/>
-            <a:lstStyle/>
-            <a:p>
-              <a:pPr algn="ctr"/>
-              <a:endParaRPr lang="zh-TW" altLang="en-US"/>
-            </a:p>
-          </p:txBody>
-        </p:sp>
-        <p:sp>
-          <p:nvSpPr>
-            <p:cNvPr id="20" name="Trapezoid 19"/>
-            <p:cNvSpPr/>
-            <p:nvPr/>
-          </p:nvSpPr>
-          <p:spPr>
-            <a:xfrm rot="16200000">
-              <a:off x="2741247" y="2477934"/>
-              <a:ext cx="612000" cy="216000"/>
-            </a:xfrm>
-            <a:prstGeom prst="trapezoid">
-              <a:avLst>
-                <a:gd name="adj" fmla="val 112099"/>
-              </a:avLst>
-            </a:prstGeom>
-            <a:grpFill/>
-            <a:ln w="50800">
-              <a:noFill/>
-              <a:miter lim="800000"/>
-            </a:ln>
-          </p:spPr>
-          <p:style>
-            <a:lnRef idx="2">
-              <a:schemeClr val="accent1">
-                <a:shade val="50000"/>
-              </a:schemeClr>
-            </a:lnRef>
-            <a:fillRef idx="1">
-              <a:schemeClr val="accent1"/>
-            </a:fillRef>
-            <a:effectRef idx="0">
-              <a:schemeClr val="accent1"/>
-            </a:effectRef>
-            <a:fontRef idx="minor">
-              <a:schemeClr val="lt1"/>
-            </a:fontRef>
-          </p:style>
-          <p:txBody>
-            <a:bodyPr rtlCol="0" anchor="ctr"/>
-            <a:lstStyle/>
-            <a:p>
-              <a:pPr algn="ctr"/>
-              <a:endParaRPr lang="zh-TW" altLang="en-US"/>
-            </a:p>
-          </p:txBody>
-        </p:sp>
-      </p:grpSp>
-    </p:spTree>
-    <p:extLst>
-      <p:ext uri="{BB962C8B-B14F-4D97-AF65-F5344CB8AC3E}">
-        <p14:creationId xmlns:p14="http://schemas.microsoft.com/office/powerpoint/2010/main" val="3686103758"/>
-      </p:ext>
-    </p:extLst>
-  </p:cSld>
-  <p:clrMapOvr>
-    <a:masterClrMapping/>
-  </p:clrMapOvr>
-</p:sld>
-</file>
-
-<file path=ppt/slides/slide8.xml><?xml version="1.0" encoding="utf-8"?>
-<p:sld xmlns:a="http://schemas.openxmlformats.org/drawingml/2006/main" xmlns:r="http://schemas.openxmlformats.org/officeDocument/2006/relationships" xmlns:p="http://schemas.openxmlformats.org/presentationml/2006/main">
-  <p:cSld>
-    <p:spTree>
-      <p:nvGrpSpPr>
-        <p:cNvPr id="1" name=""/>
-        <p:cNvGrpSpPr/>
-        <p:nvPr/>
-      </p:nvGrpSpPr>
-      <p:grpSpPr>
-        <a:xfrm>
-          <a:off x="0" y="0"/>
-          <a:ext cx="0" cy="0"/>
-          <a:chOff x="0" y="0"/>
-          <a:chExt cx="0" cy="0"/>
-        </a:xfrm>
-      </p:grpSpPr>
       <p:grpSp>
         <p:nvGrpSpPr>
           <p:cNvPr id="19" name="Group 18"/>
@@ -17582,7 +16280,7 @@
 </p:sld>
 </file>
 
-<file path=ppt/slides/slide9.xml><?xml version="1.0" encoding="utf-8"?>
+<file path=ppt/slides/slide8.xml><?xml version="1.0" encoding="utf-8"?>
 <p:sld xmlns:a="http://schemas.openxmlformats.org/drawingml/2006/main" xmlns:r="http://schemas.openxmlformats.org/officeDocument/2006/relationships" xmlns:p="http://schemas.openxmlformats.org/presentationml/2006/main">
   <p:cSld>
     <p:spTree>
@@ -18723,6 +17421,457 @@
 </p:sld>
 </file>
 
+<file path=ppt/slides/slide9.xml><?xml version="1.0" encoding="utf-8"?>
+<p:sld xmlns:a="http://schemas.openxmlformats.org/drawingml/2006/main" xmlns:r="http://schemas.openxmlformats.org/officeDocument/2006/relationships" xmlns:p="http://schemas.openxmlformats.org/presentationml/2006/main">
+  <p:cSld>
+    <p:spTree>
+      <p:nvGrpSpPr>
+        <p:cNvPr id="1" name=""/>
+        <p:cNvGrpSpPr/>
+        <p:nvPr/>
+      </p:nvGrpSpPr>
+      <p:grpSpPr>
+        <a:xfrm>
+          <a:off x="0" y="0"/>
+          <a:ext cx="0" cy="0"/>
+          <a:chOff x="0" y="0"/>
+          <a:chExt cx="0" cy="0"/>
+        </a:xfrm>
+      </p:grpSpPr>
+      <p:grpSp>
+        <p:nvGrpSpPr>
+          <p:cNvPr id="7" name="Group 6"/>
+          <p:cNvGrpSpPr/>
+          <p:nvPr/>
+        </p:nvGrpSpPr>
+        <p:grpSpPr>
+          <a:xfrm>
+            <a:off x="4032000" y="2889000"/>
+            <a:ext cx="1080000" cy="1080000"/>
+            <a:chOff x="4032000" y="2889000"/>
+            <a:chExt cx="1080000" cy="1080000"/>
+          </a:xfrm>
+        </p:grpSpPr>
+        <p:sp>
+          <p:nvSpPr>
+            <p:cNvPr id="74" name="Rounded Rectangle 73"/>
+            <p:cNvSpPr/>
+            <p:nvPr/>
+          </p:nvSpPr>
+          <p:spPr>
+            <a:xfrm>
+              <a:off x="4096678" y="2960687"/>
+              <a:ext cx="756000" cy="612000"/>
+            </a:xfrm>
+            <a:prstGeom prst="roundRect">
+              <a:avLst>
+                <a:gd name="adj" fmla="val 7326"/>
+              </a:avLst>
+            </a:prstGeom>
+            <a:solidFill>
+              <a:schemeClr val="bg1">
+                <a:lumMod val="65000"/>
+              </a:schemeClr>
+            </a:solidFill>
+            <a:ln w="50800">
+              <a:noFill/>
+            </a:ln>
+          </p:spPr>
+          <p:style>
+            <a:lnRef idx="2">
+              <a:schemeClr val="accent1">
+                <a:shade val="50000"/>
+              </a:schemeClr>
+            </a:lnRef>
+            <a:fillRef idx="1">
+              <a:schemeClr val="accent1"/>
+            </a:fillRef>
+            <a:effectRef idx="0">
+              <a:schemeClr val="accent1"/>
+            </a:effectRef>
+            <a:fontRef idx="minor">
+              <a:schemeClr val="lt1"/>
+            </a:fontRef>
+          </p:style>
+          <p:txBody>
+            <a:bodyPr rtlCol="0" anchor="ctr"/>
+            <a:lstStyle/>
+            <a:p>
+              <a:pPr algn="ctr"/>
+              <a:endParaRPr lang="zh-TW" altLang="en-US"/>
+            </a:p>
+          </p:txBody>
+        </p:sp>
+        <p:sp>
+          <p:nvSpPr>
+            <p:cNvPr id="75" name="Trapezoid 74"/>
+            <p:cNvSpPr/>
+            <p:nvPr/>
+          </p:nvSpPr>
+          <p:spPr>
+            <a:xfrm rot="16200000">
+              <a:off x="4642189" y="3158686"/>
+              <a:ext cx="612000" cy="216000"/>
+            </a:xfrm>
+            <a:prstGeom prst="trapezoid">
+              <a:avLst>
+                <a:gd name="adj" fmla="val 112099"/>
+              </a:avLst>
+            </a:prstGeom>
+            <a:solidFill>
+              <a:schemeClr val="bg1">
+                <a:lumMod val="65000"/>
+              </a:schemeClr>
+            </a:solidFill>
+            <a:ln w="50800">
+              <a:noFill/>
+              <a:miter lim="800000"/>
+            </a:ln>
+          </p:spPr>
+          <p:style>
+            <a:lnRef idx="2">
+              <a:schemeClr val="accent1">
+                <a:shade val="50000"/>
+              </a:schemeClr>
+            </a:lnRef>
+            <a:fillRef idx="1">
+              <a:schemeClr val="accent1"/>
+            </a:fillRef>
+            <a:effectRef idx="0">
+              <a:schemeClr val="accent1"/>
+            </a:effectRef>
+            <a:fontRef idx="minor">
+              <a:schemeClr val="lt1"/>
+            </a:fontRef>
+          </p:style>
+          <p:txBody>
+            <a:bodyPr rtlCol="0" anchor="ctr"/>
+            <a:lstStyle/>
+            <a:p>
+              <a:pPr algn="ctr"/>
+              <a:endParaRPr lang="zh-TW" altLang="en-US"/>
+            </a:p>
+          </p:txBody>
+        </p:sp>
+        <p:sp>
+          <p:nvSpPr>
+            <p:cNvPr id="12" name="Rectangle 11"/>
+            <p:cNvSpPr/>
+            <p:nvPr/>
+          </p:nvSpPr>
+          <p:spPr>
+            <a:xfrm>
+              <a:off x="4032000" y="2889000"/>
+              <a:ext cx="1080000" cy="1080000"/>
+            </a:xfrm>
+            <a:prstGeom prst="rect">
+              <a:avLst/>
+            </a:prstGeom>
+            <a:noFill/>
+            <a:ln w="6350">
+              <a:noFill/>
+            </a:ln>
+          </p:spPr>
+          <p:style>
+            <a:lnRef idx="2">
+              <a:schemeClr val="accent1">
+                <a:shade val="50000"/>
+              </a:schemeClr>
+            </a:lnRef>
+            <a:fillRef idx="1">
+              <a:schemeClr val="accent1"/>
+            </a:fillRef>
+            <a:effectRef idx="0">
+              <a:schemeClr val="accent1"/>
+            </a:effectRef>
+            <a:fontRef idx="minor">
+              <a:schemeClr val="lt1"/>
+            </a:fontRef>
+          </p:style>
+          <p:txBody>
+            <a:bodyPr rtlCol="0" anchor="ctr"/>
+            <a:lstStyle/>
+            <a:p>
+              <a:pPr algn="ctr"/>
+              <a:endParaRPr lang="zh-TW" altLang="en-US"/>
+            </a:p>
+          </p:txBody>
+        </p:sp>
+        <p:grpSp>
+          <p:nvGrpSpPr>
+            <p:cNvPr id="5" name="Group 4"/>
+            <p:cNvGrpSpPr/>
+            <p:nvPr/>
+          </p:nvGrpSpPr>
+          <p:grpSpPr>
+            <a:xfrm>
+              <a:off x="4203082" y="3194498"/>
+              <a:ext cx="756001" cy="756000"/>
+              <a:chOff x="4270601" y="3180564"/>
+              <a:chExt cx="756001" cy="756000"/>
+            </a:xfrm>
+          </p:grpSpPr>
+          <p:grpSp>
+            <p:nvGrpSpPr>
+              <p:cNvPr id="3" name="Group 2"/>
+              <p:cNvGrpSpPr/>
+              <p:nvPr/>
+            </p:nvGrpSpPr>
+            <p:grpSpPr>
+              <a:xfrm rot="10800000">
+                <a:off x="4270602" y="3180564"/>
+                <a:ext cx="756000" cy="756000"/>
+                <a:chOff x="5520661" y="3180564"/>
+                <a:chExt cx="756000" cy="756000"/>
+              </a:xfrm>
+            </p:grpSpPr>
+            <p:sp>
+              <p:nvSpPr>
+                <p:cNvPr id="10" name="Circular Arrow 9"/>
+                <p:cNvSpPr/>
+                <p:nvPr/>
+              </p:nvSpPr>
+              <p:spPr>
+                <a:xfrm rot="2700000">
+                  <a:off x="5520661" y="3180564"/>
+                  <a:ext cx="756000" cy="756000"/>
+                </a:xfrm>
+                <a:prstGeom prst="circularArrow">
+                  <a:avLst>
+                    <a:gd name="adj1" fmla="val 14736"/>
+                    <a:gd name="adj2" fmla="val 691748"/>
+                    <a:gd name="adj3" fmla="val 20923103"/>
+                    <a:gd name="adj4" fmla="val 12245544"/>
+                    <a:gd name="adj5" fmla="val 13414"/>
+                  </a:avLst>
+                </a:prstGeom>
+                <a:solidFill>
+                  <a:schemeClr val="tx1">
+                    <a:lumMod val="65000"/>
+                    <a:lumOff val="35000"/>
+                  </a:schemeClr>
+                </a:solidFill>
+                <a:ln>
+                  <a:noFill/>
+                </a:ln>
+              </p:spPr>
+              <p:style>
+                <a:lnRef idx="2">
+                  <a:schemeClr val="accent1">
+                    <a:shade val="50000"/>
+                  </a:schemeClr>
+                </a:lnRef>
+                <a:fillRef idx="1">
+                  <a:schemeClr val="accent1"/>
+                </a:fillRef>
+                <a:effectRef idx="0">
+                  <a:schemeClr val="accent1"/>
+                </a:effectRef>
+                <a:fontRef idx="minor">
+                  <a:schemeClr val="lt1"/>
+                </a:fontRef>
+              </p:style>
+              <p:txBody>
+                <a:bodyPr rtlCol="0" anchor="ctr"/>
+                <a:lstStyle/>
+                <a:p>
+                  <a:pPr algn="ctr"/>
+                  <a:endParaRPr lang="zh-TW" altLang="en-US">
+                    <a:solidFill>
+                      <a:schemeClr val="tx1"/>
+                    </a:solidFill>
+                  </a:endParaRPr>
+                </a:p>
+              </p:txBody>
+            </p:sp>
+            <p:sp>
+              <p:nvSpPr>
+                <p:cNvPr id="11" name="Isosceles Triangle 10"/>
+                <p:cNvSpPr/>
+                <p:nvPr/>
+              </p:nvSpPr>
+              <p:spPr>
+                <a:xfrm rot="13315778">
+                  <a:off x="5942199" y="3664108"/>
+                  <a:ext cx="288000" cy="180000"/>
+                </a:xfrm>
+                <a:prstGeom prst="triangle">
+                  <a:avLst/>
+                </a:prstGeom>
+                <a:solidFill>
+                  <a:schemeClr val="tx1">
+                    <a:lumMod val="65000"/>
+                    <a:lumOff val="35000"/>
+                  </a:schemeClr>
+                </a:solidFill>
+                <a:ln>
+                  <a:noFill/>
+                </a:ln>
+              </p:spPr>
+              <p:style>
+                <a:lnRef idx="2">
+                  <a:schemeClr val="accent1">
+                    <a:shade val="50000"/>
+                  </a:schemeClr>
+                </a:lnRef>
+                <a:fillRef idx="1">
+                  <a:schemeClr val="accent1"/>
+                </a:fillRef>
+                <a:effectRef idx="0">
+                  <a:schemeClr val="accent1"/>
+                </a:effectRef>
+                <a:fontRef idx="minor">
+                  <a:schemeClr val="lt1"/>
+                </a:fontRef>
+              </p:style>
+              <p:txBody>
+                <a:bodyPr rtlCol="0" anchor="ctr"/>
+                <a:lstStyle/>
+                <a:p>
+                  <a:pPr algn="ctr"/>
+                  <a:endParaRPr lang="zh-TW" altLang="en-US"/>
+                </a:p>
+              </p:txBody>
+            </p:sp>
+          </p:grpSp>
+          <p:grpSp>
+            <p:nvGrpSpPr>
+              <p:cNvPr id="16" name="Group 15"/>
+              <p:cNvGrpSpPr/>
+              <p:nvPr/>
+            </p:nvGrpSpPr>
+            <p:grpSpPr>
+              <a:xfrm>
+                <a:off x="4270601" y="3180564"/>
+                <a:ext cx="756000" cy="756000"/>
+                <a:chOff x="5520661" y="3180564"/>
+                <a:chExt cx="756000" cy="756000"/>
+              </a:xfrm>
+            </p:grpSpPr>
+            <p:sp>
+              <p:nvSpPr>
+                <p:cNvPr id="17" name="Circular Arrow 16"/>
+                <p:cNvSpPr/>
+                <p:nvPr/>
+              </p:nvSpPr>
+              <p:spPr>
+                <a:xfrm rot="2700000">
+                  <a:off x="5520661" y="3180564"/>
+                  <a:ext cx="756000" cy="756000"/>
+                </a:xfrm>
+                <a:prstGeom prst="circularArrow">
+                  <a:avLst>
+                    <a:gd name="adj1" fmla="val 14736"/>
+                    <a:gd name="adj2" fmla="val 691748"/>
+                    <a:gd name="adj3" fmla="val 20923103"/>
+                    <a:gd name="adj4" fmla="val 12245544"/>
+                    <a:gd name="adj5" fmla="val 13414"/>
+                  </a:avLst>
+                </a:prstGeom>
+                <a:solidFill>
+                  <a:schemeClr val="tx1">
+                    <a:lumMod val="65000"/>
+                    <a:lumOff val="35000"/>
+                  </a:schemeClr>
+                </a:solidFill>
+                <a:ln>
+                  <a:noFill/>
+                </a:ln>
+              </p:spPr>
+              <p:style>
+                <a:lnRef idx="2">
+                  <a:schemeClr val="accent1">
+                    <a:shade val="50000"/>
+                  </a:schemeClr>
+                </a:lnRef>
+                <a:fillRef idx="1">
+                  <a:schemeClr val="accent1"/>
+                </a:fillRef>
+                <a:effectRef idx="0">
+                  <a:schemeClr val="accent1"/>
+                </a:effectRef>
+                <a:fontRef idx="minor">
+                  <a:schemeClr val="lt1"/>
+                </a:fontRef>
+              </p:style>
+              <p:txBody>
+                <a:bodyPr rtlCol="0" anchor="ctr"/>
+                <a:lstStyle/>
+                <a:p>
+                  <a:pPr algn="ctr"/>
+                  <a:endParaRPr lang="zh-TW" altLang="en-US">
+                    <a:solidFill>
+                      <a:schemeClr val="tx1"/>
+                    </a:solidFill>
+                  </a:endParaRPr>
+                </a:p>
+              </p:txBody>
+            </p:sp>
+            <p:sp>
+              <p:nvSpPr>
+                <p:cNvPr id="18" name="Isosceles Triangle 17"/>
+                <p:cNvSpPr/>
+                <p:nvPr/>
+              </p:nvSpPr>
+              <p:spPr>
+                <a:xfrm rot="13315778">
+                  <a:off x="5942199" y="3664108"/>
+                  <a:ext cx="288000" cy="180000"/>
+                </a:xfrm>
+                <a:prstGeom prst="triangle">
+                  <a:avLst/>
+                </a:prstGeom>
+                <a:solidFill>
+                  <a:schemeClr val="tx1">
+                    <a:lumMod val="65000"/>
+                    <a:lumOff val="35000"/>
+                  </a:schemeClr>
+                </a:solidFill>
+                <a:ln>
+                  <a:noFill/>
+                </a:ln>
+              </p:spPr>
+              <p:style>
+                <a:lnRef idx="2">
+                  <a:schemeClr val="accent1">
+                    <a:shade val="50000"/>
+                  </a:schemeClr>
+                </a:lnRef>
+                <a:fillRef idx="1">
+                  <a:schemeClr val="accent1"/>
+                </a:fillRef>
+                <a:effectRef idx="0">
+                  <a:schemeClr val="accent1"/>
+                </a:effectRef>
+                <a:fontRef idx="minor">
+                  <a:schemeClr val="lt1"/>
+                </a:fontRef>
+              </p:style>
+              <p:txBody>
+                <a:bodyPr rtlCol="0" anchor="ctr"/>
+                <a:lstStyle/>
+                <a:p>
+                  <a:pPr algn="ctr"/>
+                  <a:endParaRPr lang="zh-TW" altLang="en-US"/>
+                </a:p>
+              </p:txBody>
+            </p:sp>
+          </p:grpSp>
+        </p:grpSp>
+      </p:grpSp>
+    </p:spTree>
+    <p:extLst>
+      <p:ext uri="{BB962C8B-B14F-4D97-AF65-F5344CB8AC3E}">
+        <p14:creationId xmlns:p14="http://schemas.microsoft.com/office/powerpoint/2010/main" val="1400702260"/>
+      </p:ext>
+    </p:extLst>
+  </p:cSld>
+  <p:clrMapOvr>
+    <a:masterClrMapping/>
+  </p:clrMapOvr>
+</p:sld>
+</file>
+
 <file path=ppt/theme/theme1.xml><?xml version="1.0" encoding="utf-8"?>
 <a:theme xmlns:a="http://schemas.openxmlformats.org/drawingml/2006/main" name="Office Theme">
   <a:themeElements>

--- a/icons/icons.pptx
+++ b/icons/icons.pptx
@@ -5,7 +5,7 @@
     <p:sldMasterId id="2147483648" r:id="rId1"/>
   </p:sldMasterIdLst>
   <p:notesMasterIdLst>
-    <p:notesMasterId r:id="rId42"/>
+    <p:notesMasterId r:id="rId45"/>
   </p:notesMasterIdLst>
   <p:sldIdLst>
     <p:sldId id="286" r:id="rId2"/>
@@ -17,37 +17,40 @@
     <p:sldId id="325" r:id="rId8"/>
     <p:sldId id="327" r:id="rId9"/>
     <p:sldId id="330" r:id="rId10"/>
-    <p:sldId id="329" r:id="rId11"/>
-    <p:sldId id="328" r:id="rId12"/>
-    <p:sldId id="313" r:id="rId13"/>
-    <p:sldId id="314" r:id="rId14"/>
-    <p:sldId id="315" r:id="rId15"/>
-    <p:sldId id="317" r:id="rId16"/>
-    <p:sldId id="316" r:id="rId17"/>
-    <p:sldId id="320" r:id="rId18"/>
-    <p:sldId id="321" r:id="rId19"/>
-    <p:sldId id="322" r:id="rId20"/>
-    <p:sldId id="287" r:id="rId21"/>
-    <p:sldId id="288" r:id="rId22"/>
-    <p:sldId id="289" r:id="rId23"/>
-    <p:sldId id="290" r:id="rId24"/>
-    <p:sldId id="291" r:id="rId25"/>
-    <p:sldId id="292" r:id="rId26"/>
-    <p:sldId id="293" r:id="rId27"/>
-    <p:sldId id="294" r:id="rId28"/>
-    <p:sldId id="295" r:id="rId29"/>
-    <p:sldId id="296" r:id="rId30"/>
-    <p:sldId id="297" r:id="rId31"/>
-    <p:sldId id="298" r:id="rId32"/>
-    <p:sldId id="299" r:id="rId33"/>
-    <p:sldId id="300" r:id="rId34"/>
-    <p:sldId id="301" r:id="rId35"/>
-    <p:sldId id="302" r:id="rId36"/>
-    <p:sldId id="303" r:id="rId37"/>
-    <p:sldId id="304" r:id="rId38"/>
-    <p:sldId id="305" r:id="rId39"/>
-    <p:sldId id="306" r:id="rId40"/>
-    <p:sldId id="307" r:id="rId41"/>
+    <p:sldId id="334" r:id="rId11"/>
+    <p:sldId id="331" r:id="rId12"/>
+    <p:sldId id="332" r:id="rId13"/>
+    <p:sldId id="333" r:id="rId14"/>
+    <p:sldId id="328" r:id="rId15"/>
+    <p:sldId id="313" r:id="rId16"/>
+    <p:sldId id="314" r:id="rId17"/>
+    <p:sldId id="315" r:id="rId18"/>
+    <p:sldId id="317" r:id="rId19"/>
+    <p:sldId id="316" r:id="rId20"/>
+    <p:sldId id="320" r:id="rId21"/>
+    <p:sldId id="321" r:id="rId22"/>
+    <p:sldId id="322" r:id="rId23"/>
+    <p:sldId id="287" r:id="rId24"/>
+    <p:sldId id="288" r:id="rId25"/>
+    <p:sldId id="289" r:id="rId26"/>
+    <p:sldId id="290" r:id="rId27"/>
+    <p:sldId id="291" r:id="rId28"/>
+    <p:sldId id="292" r:id="rId29"/>
+    <p:sldId id="293" r:id="rId30"/>
+    <p:sldId id="294" r:id="rId31"/>
+    <p:sldId id="295" r:id="rId32"/>
+    <p:sldId id="296" r:id="rId33"/>
+    <p:sldId id="297" r:id="rId34"/>
+    <p:sldId id="298" r:id="rId35"/>
+    <p:sldId id="299" r:id="rId36"/>
+    <p:sldId id="300" r:id="rId37"/>
+    <p:sldId id="301" r:id="rId38"/>
+    <p:sldId id="302" r:id="rId39"/>
+    <p:sldId id="303" r:id="rId40"/>
+    <p:sldId id="304" r:id="rId41"/>
+    <p:sldId id="305" r:id="rId42"/>
+    <p:sldId id="306" r:id="rId43"/>
+    <p:sldId id="307" r:id="rId44"/>
   </p:sldIdLst>
   <p:sldSz cx="9144000" cy="6858000" type="screen4x3"/>
   <p:notesSz cx="6858000" cy="9144000"/>
@@ -231,7 +234,7 @@
           <a:p>
             <a:fld id="{409A854A-4542-4C46-92B4-B1933D0339ED}" type="datetimeFigureOut">
               <a:rPr lang="en-US" smtClean="0"/>
-              <a:t>4/1/2017</a:t>
+              <a:t>4/3/2017</a:t>
             </a:fld>
             <a:endParaRPr lang="en-US"/>
           </a:p>
@@ -764,7 +767,7 @@
           <a:p>
             <a:fld id="{B6192DF9-7B65-41DB-B5A4-F73A2B2D849B}" type="datetimeFigureOut">
               <a:rPr lang="zh-TW" altLang="en-US" smtClean="0"/>
-              <a:t>2017/4/1</a:t>
+              <a:t>2017/4/3</a:t>
             </a:fld>
             <a:endParaRPr lang="zh-TW" altLang="en-US"/>
           </a:p>
@@ -934,7 +937,7 @@
           <a:p>
             <a:fld id="{B6192DF9-7B65-41DB-B5A4-F73A2B2D849B}" type="datetimeFigureOut">
               <a:rPr lang="zh-TW" altLang="en-US" smtClean="0"/>
-              <a:t>2017/4/1</a:t>
+              <a:t>2017/4/3</a:t>
             </a:fld>
             <a:endParaRPr lang="zh-TW" altLang="en-US"/>
           </a:p>
@@ -1114,7 +1117,7 @@
           <a:p>
             <a:fld id="{B6192DF9-7B65-41DB-B5A4-F73A2B2D849B}" type="datetimeFigureOut">
               <a:rPr lang="zh-TW" altLang="en-US" smtClean="0"/>
-              <a:t>2017/4/1</a:t>
+              <a:t>2017/4/3</a:t>
             </a:fld>
             <a:endParaRPr lang="zh-TW" altLang="en-US"/>
           </a:p>
@@ -1284,7 +1287,7 @@
           <a:p>
             <a:fld id="{B6192DF9-7B65-41DB-B5A4-F73A2B2D849B}" type="datetimeFigureOut">
               <a:rPr lang="zh-TW" altLang="en-US" smtClean="0"/>
-              <a:t>2017/4/1</a:t>
+              <a:t>2017/4/3</a:t>
             </a:fld>
             <a:endParaRPr lang="zh-TW" altLang="en-US"/>
           </a:p>
@@ -1530,7 +1533,7 @@
           <a:p>
             <a:fld id="{B6192DF9-7B65-41DB-B5A4-F73A2B2D849B}" type="datetimeFigureOut">
               <a:rPr lang="zh-TW" altLang="en-US" smtClean="0"/>
-              <a:t>2017/4/1</a:t>
+              <a:t>2017/4/3</a:t>
             </a:fld>
             <a:endParaRPr lang="zh-TW" altLang="en-US"/>
           </a:p>
@@ -1818,7 +1821,7 @@
           <a:p>
             <a:fld id="{B6192DF9-7B65-41DB-B5A4-F73A2B2D849B}" type="datetimeFigureOut">
               <a:rPr lang="zh-TW" altLang="en-US" smtClean="0"/>
-              <a:t>2017/4/1</a:t>
+              <a:t>2017/4/3</a:t>
             </a:fld>
             <a:endParaRPr lang="zh-TW" altLang="en-US"/>
           </a:p>
@@ -2240,7 +2243,7 @@
           <a:p>
             <a:fld id="{B6192DF9-7B65-41DB-B5A4-F73A2B2D849B}" type="datetimeFigureOut">
               <a:rPr lang="zh-TW" altLang="en-US" smtClean="0"/>
-              <a:t>2017/4/1</a:t>
+              <a:t>2017/4/3</a:t>
             </a:fld>
             <a:endParaRPr lang="zh-TW" altLang="en-US"/>
           </a:p>
@@ -2358,7 +2361,7 @@
           <a:p>
             <a:fld id="{B6192DF9-7B65-41DB-B5A4-F73A2B2D849B}" type="datetimeFigureOut">
               <a:rPr lang="zh-TW" altLang="en-US" smtClean="0"/>
-              <a:t>2017/4/1</a:t>
+              <a:t>2017/4/3</a:t>
             </a:fld>
             <a:endParaRPr lang="zh-TW" altLang="en-US"/>
           </a:p>
@@ -2453,7 +2456,7 @@
           <a:p>
             <a:fld id="{B6192DF9-7B65-41DB-B5A4-F73A2B2D849B}" type="datetimeFigureOut">
               <a:rPr lang="zh-TW" altLang="en-US" smtClean="0"/>
-              <a:t>2017/4/1</a:t>
+              <a:t>2017/4/3</a:t>
             </a:fld>
             <a:endParaRPr lang="zh-TW" altLang="en-US"/>
           </a:p>
@@ -2730,7 +2733,7 @@
           <a:p>
             <a:fld id="{B6192DF9-7B65-41DB-B5A4-F73A2B2D849B}" type="datetimeFigureOut">
               <a:rPr lang="zh-TW" altLang="en-US" smtClean="0"/>
-              <a:t>2017/4/1</a:t>
+              <a:t>2017/4/3</a:t>
             </a:fld>
             <a:endParaRPr lang="zh-TW" altLang="en-US"/>
           </a:p>
@@ -2983,7 +2986,7 @@
           <a:p>
             <a:fld id="{B6192DF9-7B65-41DB-B5A4-F73A2B2D849B}" type="datetimeFigureOut">
               <a:rPr lang="zh-TW" altLang="en-US" smtClean="0"/>
-              <a:t>2017/4/1</a:t>
+              <a:t>2017/4/3</a:t>
             </a:fld>
             <a:endParaRPr lang="zh-TW" altLang="en-US"/>
           </a:p>
@@ -3196,7 +3199,7 @@
           <a:p>
             <a:fld id="{B6192DF9-7B65-41DB-B5A4-F73A2B2D849B}" type="datetimeFigureOut">
               <a:rPr lang="zh-TW" altLang="en-US" smtClean="0"/>
-              <a:t>2017/4/1</a:t>
+              <a:t>2017/4/3</a:t>
             </a:fld>
             <a:endParaRPr lang="zh-TW" altLang="en-US"/>
           </a:p>
@@ -3628,7 +3631,7 @@
           </a:xfrm>
           <a:prstGeom prst="roundRect">
             <a:avLst>
-              <a:gd name="adj" fmla="val 9683"/>
+              <a:gd name="adj" fmla="val 5153"/>
             </a:avLst>
           </a:prstGeom>
           <a:solidFill>
@@ -3778,7 +3781,7 @@
         </p:nvSpPr>
         <p:spPr>
           <a:xfrm>
-            <a:off x="4862414" y="3245974"/>
+            <a:off x="4833839" y="3255499"/>
             <a:ext cx="108000" cy="108000"/>
           </a:xfrm>
           <a:prstGeom prst="ellipse">
@@ -3848,7 +3851,7 @@
       </p:grpSpPr>
       <p:sp>
         <p:nvSpPr>
-          <p:cNvPr id="72" name="Rounded Rectangle 71"/>
+          <p:cNvPr id="74" name="Rounded Rectangle 73"/>
           <p:cNvSpPr/>
           <p:nvPr/>
         </p:nvSpPr>
@@ -3863,9 +3866,8 @@
             </a:avLst>
           </a:prstGeom>
           <a:solidFill>
-            <a:schemeClr val="tx2">
-              <a:lumMod val="40000"/>
-              <a:lumOff val="60000"/>
+            <a:schemeClr val="bg1">
+              <a:lumMod val="65000"/>
             </a:schemeClr>
           </a:solidFill>
           <a:ln w="50800">
@@ -3899,7 +3901,7 @@
       </p:sp>
       <p:sp>
         <p:nvSpPr>
-          <p:cNvPr id="73" name="Trapezoid 72"/>
+          <p:cNvPr id="75" name="Trapezoid 74"/>
           <p:cNvSpPr/>
           <p:nvPr/>
         </p:nvSpPr>
@@ -3914,9 +3916,8 @@
             </a:avLst>
           </a:prstGeom>
           <a:solidFill>
-            <a:schemeClr val="tx2">
-              <a:lumMod val="40000"/>
-              <a:lumOff val="60000"/>
+            <a:schemeClr val="bg1">
+              <a:lumMod val="65000"/>
             </a:schemeClr>
           </a:solidFill>
           <a:ln w="50800">
@@ -3995,24 +3996,24 @@
       </p:sp>
       <p:grpSp>
         <p:nvGrpSpPr>
-          <p:cNvPr id="8" name="Group 7"/>
+          <p:cNvPr id="13" name="Group 12"/>
           <p:cNvGrpSpPr/>
           <p:nvPr/>
         </p:nvGrpSpPr>
         <p:grpSpPr>
           <a:xfrm>
-            <a:off x="4203082" y="3194498"/>
+            <a:off x="4203082" y="3153526"/>
             <a:ext cx="756001" cy="756000"/>
             <a:chOff x="4270601" y="3180564"/>
             <a:chExt cx="756001" cy="756000"/>
           </a:xfrm>
           <a:solidFill>
-            <a:srgbClr val="0070C0"/>
+            <a:schemeClr val="tx1"/>
           </a:solidFill>
         </p:grpSpPr>
         <p:grpSp>
           <p:nvGrpSpPr>
-            <p:cNvPr id="9" name="Group 8"/>
+            <p:cNvPr id="14" name="Group 13"/>
             <p:cNvGrpSpPr/>
             <p:nvPr/>
           </p:nvGrpSpPr>
@@ -4027,7 +4028,7 @@
           </p:grpSpPr>
           <p:sp>
             <p:nvSpPr>
-              <p:cNvPr id="14" name="Circular Arrow 13"/>
+              <p:cNvPr id="21" name="Circular Arrow 20"/>
               <p:cNvSpPr/>
               <p:nvPr/>
             </p:nvSpPr>
@@ -4081,7 +4082,7 @@
           </p:sp>
           <p:sp>
             <p:nvSpPr>
-              <p:cNvPr id="15" name="Isosceles Triangle 14"/>
+              <p:cNvPr id="22" name="Isosceles Triangle 21"/>
               <p:cNvSpPr/>
               <p:nvPr/>
             </p:nvSpPr>
@@ -4126,7 +4127,7 @@
         </p:grpSp>
         <p:grpSp>
           <p:nvGrpSpPr>
-            <p:cNvPr id="10" name="Group 9"/>
+            <p:cNvPr id="15" name="Group 14"/>
             <p:cNvGrpSpPr/>
             <p:nvPr/>
           </p:nvGrpSpPr>
@@ -4141,7 +4142,7 @@
           </p:grpSpPr>
           <p:sp>
             <p:nvSpPr>
-              <p:cNvPr id="11" name="Circular Arrow 10"/>
+              <p:cNvPr id="19" name="Circular Arrow 18"/>
               <p:cNvSpPr/>
               <p:nvPr/>
             </p:nvSpPr>
@@ -4195,7 +4196,7 @@
           </p:sp>
           <p:sp>
             <p:nvSpPr>
-              <p:cNvPr id="13" name="Isosceles Triangle 12"/>
+              <p:cNvPr id="20" name="Isosceles Triangle 19"/>
               <p:cNvSpPr/>
               <p:nvPr/>
             </p:nvSpPr>
@@ -4242,7 +4243,7 @@
     </p:spTree>
     <p:extLst>
       <p:ext uri="{BB962C8B-B14F-4D97-AF65-F5344CB8AC3E}">
-        <p14:creationId xmlns:p14="http://schemas.microsoft.com/office/powerpoint/2010/main" val="536597908"/>
+        <p14:creationId xmlns:p14="http://schemas.microsoft.com/office/powerpoint/2010/main" val="3642855689"/>
       </p:ext>
     </p:extLst>
   </p:cSld>
@@ -4253,6 +4254,1269 @@
 </file>
 
 <file path=ppt/slides/slide11.xml><?xml version="1.0" encoding="utf-8"?>
+<p:sld xmlns:a="http://schemas.openxmlformats.org/drawingml/2006/main" xmlns:r="http://schemas.openxmlformats.org/officeDocument/2006/relationships" xmlns:p="http://schemas.openxmlformats.org/presentationml/2006/main">
+  <p:cSld>
+    <p:spTree>
+      <p:nvGrpSpPr>
+        <p:cNvPr id="1" name=""/>
+        <p:cNvGrpSpPr/>
+        <p:nvPr/>
+      </p:nvGrpSpPr>
+      <p:grpSpPr>
+        <a:xfrm>
+          <a:off x="0" y="0"/>
+          <a:ext cx="0" cy="0"/>
+          <a:chOff x="0" y="0"/>
+          <a:chExt cx="0" cy="0"/>
+        </a:xfrm>
+      </p:grpSpPr>
+      <p:sp>
+        <p:nvSpPr>
+          <p:cNvPr id="74" name="Rounded Rectangle 73"/>
+          <p:cNvSpPr/>
+          <p:nvPr/>
+        </p:nvSpPr>
+        <p:spPr>
+          <a:xfrm>
+            <a:off x="4096678" y="2960687"/>
+            <a:ext cx="756000" cy="612000"/>
+          </a:xfrm>
+          <a:prstGeom prst="roundRect">
+            <a:avLst>
+              <a:gd name="adj" fmla="val 7326"/>
+            </a:avLst>
+          </a:prstGeom>
+          <a:solidFill>
+            <a:schemeClr val="bg1">
+              <a:lumMod val="65000"/>
+            </a:schemeClr>
+          </a:solidFill>
+          <a:ln w="50800">
+            <a:noFill/>
+          </a:ln>
+        </p:spPr>
+        <p:style>
+          <a:lnRef idx="2">
+            <a:schemeClr val="accent1">
+              <a:shade val="50000"/>
+            </a:schemeClr>
+          </a:lnRef>
+          <a:fillRef idx="1">
+            <a:schemeClr val="accent1"/>
+          </a:fillRef>
+          <a:effectRef idx="0">
+            <a:schemeClr val="accent1"/>
+          </a:effectRef>
+          <a:fontRef idx="minor">
+            <a:schemeClr val="lt1"/>
+          </a:fontRef>
+        </p:style>
+        <p:txBody>
+          <a:bodyPr rtlCol="0" anchor="ctr"/>
+          <a:lstStyle/>
+          <a:p>
+            <a:pPr algn="ctr"/>
+            <a:endParaRPr lang="zh-TW" altLang="en-US"/>
+          </a:p>
+        </p:txBody>
+      </p:sp>
+      <p:sp>
+        <p:nvSpPr>
+          <p:cNvPr id="75" name="Trapezoid 74"/>
+          <p:cNvSpPr/>
+          <p:nvPr/>
+        </p:nvSpPr>
+        <p:spPr>
+          <a:xfrm rot="16200000">
+            <a:off x="4642189" y="3158686"/>
+            <a:ext cx="612000" cy="216000"/>
+          </a:xfrm>
+          <a:prstGeom prst="trapezoid">
+            <a:avLst>
+              <a:gd name="adj" fmla="val 112099"/>
+            </a:avLst>
+          </a:prstGeom>
+          <a:solidFill>
+            <a:schemeClr val="bg1">
+              <a:lumMod val="65000"/>
+            </a:schemeClr>
+          </a:solidFill>
+          <a:ln w="50800">
+            <a:noFill/>
+            <a:miter lim="800000"/>
+          </a:ln>
+        </p:spPr>
+        <p:style>
+          <a:lnRef idx="2">
+            <a:schemeClr val="accent1">
+              <a:shade val="50000"/>
+            </a:schemeClr>
+          </a:lnRef>
+          <a:fillRef idx="1">
+            <a:schemeClr val="accent1"/>
+          </a:fillRef>
+          <a:effectRef idx="0">
+            <a:schemeClr val="accent1"/>
+          </a:effectRef>
+          <a:fontRef idx="minor">
+            <a:schemeClr val="lt1"/>
+          </a:fontRef>
+        </p:style>
+        <p:txBody>
+          <a:bodyPr rtlCol="0" anchor="ctr"/>
+          <a:lstStyle/>
+          <a:p>
+            <a:pPr algn="ctr"/>
+            <a:endParaRPr lang="zh-TW" altLang="en-US"/>
+          </a:p>
+        </p:txBody>
+      </p:sp>
+      <p:sp>
+        <p:nvSpPr>
+          <p:cNvPr id="12" name="Rectangle 11"/>
+          <p:cNvSpPr/>
+          <p:nvPr/>
+        </p:nvSpPr>
+        <p:spPr>
+          <a:xfrm>
+            <a:off x="4032000" y="2889000"/>
+            <a:ext cx="1080000" cy="1080000"/>
+          </a:xfrm>
+          <a:prstGeom prst="rect">
+            <a:avLst/>
+          </a:prstGeom>
+          <a:noFill/>
+          <a:ln w="6350">
+            <a:noFill/>
+          </a:ln>
+        </p:spPr>
+        <p:style>
+          <a:lnRef idx="2">
+            <a:schemeClr val="accent1">
+              <a:shade val="50000"/>
+            </a:schemeClr>
+          </a:lnRef>
+          <a:fillRef idx="1">
+            <a:schemeClr val="accent1"/>
+          </a:fillRef>
+          <a:effectRef idx="0">
+            <a:schemeClr val="accent1"/>
+          </a:effectRef>
+          <a:fontRef idx="minor">
+            <a:schemeClr val="lt1"/>
+          </a:fontRef>
+        </p:style>
+        <p:txBody>
+          <a:bodyPr rtlCol="0" anchor="ctr"/>
+          <a:lstStyle/>
+          <a:p>
+            <a:pPr algn="ctr"/>
+            <a:endParaRPr lang="zh-TW" altLang="en-US"/>
+          </a:p>
+        </p:txBody>
+      </p:sp>
+      <p:grpSp>
+        <p:nvGrpSpPr>
+          <p:cNvPr id="5" name="Group 4"/>
+          <p:cNvGrpSpPr/>
+          <p:nvPr/>
+        </p:nvGrpSpPr>
+        <p:grpSpPr>
+          <a:xfrm rot="2700000">
+            <a:off x="4203082" y="3153526"/>
+            <a:ext cx="756001" cy="756000"/>
+            <a:chOff x="4270601" y="3180564"/>
+            <a:chExt cx="756001" cy="756000"/>
+          </a:xfrm>
+          <a:solidFill>
+            <a:schemeClr val="tx1"/>
+          </a:solidFill>
+        </p:grpSpPr>
+        <p:grpSp>
+          <p:nvGrpSpPr>
+            <p:cNvPr id="3" name="Group 2"/>
+            <p:cNvGrpSpPr/>
+            <p:nvPr/>
+          </p:nvGrpSpPr>
+          <p:grpSpPr>
+            <a:xfrm rot="10800000">
+              <a:off x="4270602" y="3180564"/>
+              <a:ext cx="756000" cy="756000"/>
+              <a:chOff x="5520661" y="3180564"/>
+              <a:chExt cx="756000" cy="756000"/>
+            </a:xfrm>
+            <a:grpFill/>
+          </p:grpSpPr>
+          <p:sp>
+            <p:nvSpPr>
+              <p:cNvPr id="10" name="Circular Arrow 9"/>
+              <p:cNvSpPr/>
+              <p:nvPr/>
+            </p:nvSpPr>
+            <p:spPr>
+              <a:xfrm rot="2700000">
+                <a:off x="5520661" y="3180564"/>
+                <a:ext cx="756000" cy="756000"/>
+              </a:xfrm>
+              <a:prstGeom prst="circularArrow">
+                <a:avLst>
+                  <a:gd name="adj1" fmla="val 14736"/>
+                  <a:gd name="adj2" fmla="val 691748"/>
+                  <a:gd name="adj3" fmla="val 20923103"/>
+                  <a:gd name="adj4" fmla="val 12245544"/>
+                  <a:gd name="adj5" fmla="val 13414"/>
+                </a:avLst>
+              </a:prstGeom>
+              <a:grpFill/>
+              <a:ln>
+                <a:noFill/>
+              </a:ln>
+            </p:spPr>
+            <p:style>
+              <a:lnRef idx="2">
+                <a:schemeClr val="accent1">
+                  <a:shade val="50000"/>
+                </a:schemeClr>
+              </a:lnRef>
+              <a:fillRef idx="1">
+                <a:schemeClr val="accent1"/>
+              </a:fillRef>
+              <a:effectRef idx="0">
+                <a:schemeClr val="accent1"/>
+              </a:effectRef>
+              <a:fontRef idx="minor">
+                <a:schemeClr val="lt1"/>
+              </a:fontRef>
+            </p:style>
+            <p:txBody>
+              <a:bodyPr rtlCol="0" anchor="ctr"/>
+              <a:lstStyle/>
+              <a:p>
+                <a:pPr algn="ctr"/>
+                <a:endParaRPr lang="zh-TW" altLang="en-US">
+                  <a:solidFill>
+                    <a:schemeClr val="tx1"/>
+                  </a:solidFill>
+                </a:endParaRPr>
+              </a:p>
+            </p:txBody>
+          </p:sp>
+          <p:sp>
+            <p:nvSpPr>
+              <p:cNvPr id="11" name="Isosceles Triangle 10"/>
+              <p:cNvSpPr/>
+              <p:nvPr/>
+            </p:nvSpPr>
+            <p:spPr>
+              <a:xfrm rot="13315778">
+                <a:off x="5942199" y="3664108"/>
+                <a:ext cx="288000" cy="180000"/>
+              </a:xfrm>
+              <a:prstGeom prst="triangle">
+                <a:avLst/>
+              </a:prstGeom>
+              <a:grpFill/>
+              <a:ln>
+                <a:noFill/>
+              </a:ln>
+            </p:spPr>
+            <p:style>
+              <a:lnRef idx="2">
+                <a:schemeClr val="accent1">
+                  <a:shade val="50000"/>
+                </a:schemeClr>
+              </a:lnRef>
+              <a:fillRef idx="1">
+                <a:schemeClr val="accent1"/>
+              </a:fillRef>
+              <a:effectRef idx="0">
+                <a:schemeClr val="accent1"/>
+              </a:effectRef>
+              <a:fontRef idx="minor">
+                <a:schemeClr val="lt1"/>
+              </a:fontRef>
+            </p:style>
+            <p:txBody>
+              <a:bodyPr rtlCol="0" anchor="ctr"/>
+              <a:lstStyle/>
+              <a:p>
+                <a:pPr algn="ctr"/>
+                <a:endParaRPr lang="zh-TW" altLang="en-US"/>
+              </a:p>
+            </p:txBody>
+          </p:sp>
+        </p:grpSp>
+        <p:grpSp>
+          <p:nvGrpSpPr>
+            <p:cNvPr id="16" name="Group 15"/>
+            <p:cNvGrpSpPr/>
+            <p:nvPr/>
+          </p:nvGrpSpPr>
+          <p:grpSpPr>
+            <a:xfrm>
+              <a:off x="4270601" y="3180564"/>
+              <a:ext cx="756000" cy="756000"/>
+              <a:chOff x="5520661" y="3180564"/>
+              <a:chExt cx="756000" cy="756000"/>
+            </a:xfrm>
+            <a:grpFill/>
+          </p:grpSpPr>
+          <p:sp>
+            <p:nvSpPr>
+              <p:cNvPr id="17" name="Circular Arrow 16"/>
+              <p:cNvSpPr/>
+              <p:nvPr/>
+            </p:nvSpPr>
+            <p:spPr>
+              <a:xfrm rot="2700000">
+                <a:off x="5520661" y="3180564"/>
+                <a:ext cx="756000" cy="756000"/>
+              </a:xfrm>
+              <a:prstGeom prst="circularArrow">
+                <a:avLst>
+                  <a:gd name="adj1" fmla="val 14736"/>
+                  <a:gd name="adj2" fmla="val 691748"/>
+                  <a:gd name="adj3" fmla="val 20923103"/>
+                  <a:gd name="adj4" fmla="val 12245544"/>
+                  <a:gd name="adj5" fmla="val 13414"/>
+                </a:avLst>
+              </a:prstGeom>
+              <a:grpFill/>
+              <a:ln>
+                <a:noFill/>
+              </a:ln>
+            </p:spPr>
+            <p:style>
+              <a:lnRef idx="2">
+                <a:schemeClr val="accent1">
+                  <a:shade val="50000"/>
+                </a:schemeClr>
+              </a:lnRef>
+              <a:fillRef idx="1">
+                <a:schemeClr val="accent1"/>
+              </a:fillRef>
+              <a:effectRef idx="0">
+                <a:schemeClr val="accent1"/>
+              </a:effectRef>
+              <a:fontRef idx="minor">
+                <a:schemeClr val="lt1"/>
+              </a:fontRef>
+            </p:style>
+            <p:txBody>
+              <a:bodyPr rtlCol="0" anchor="ctr"/>
+              <a:lstStyle/>
+              <a:p>
+                <a:pPr algn="ctr"/>
+                <a:endParaRPr lang="zh-TW" altLang="en-US">
+                  <a:solidFill>
+                    <a:schemeClr val="tx1"/>
+                  </a:solidFill>
+                </a:endParaRPr>
+              </a:p>
+            </p:txBody>
+          </p:sp>
+          <p:sp>
+            <p:nvSpPr>
+              <p:cNvPr id="18" name="Isosceles Triangle 17"/>
+              <p:cNvSpPr/>
+              <p:nvPr/>
+            </p:nvSpPr>
+            <p:spPr>
+              <a:xfrm rot="13315778">
+                <a:off x="5942199" y="3664108"/>
+                <a:ext cx="288000" cy="180000"/>
+              </a:xfrm>
+              <a:prstGeom prst="triangle">
+                <a:avLst/>
+              </a:prstGeom>
+              <a:grpFill/>
+              <a:ln>
+                <a:noFill/>
+              </a:ln>
+            </p:spPr>
+            <p:style>
+              <a:lnRef idx="2">
+                <a:schemeClr val="accent1">
+                  <a:shade val="50000"/>
+                </a:schemeClr>
+              </a:lnRef>
+              <a:fillRef idx="1">
+                <a:schemeClr val="accent1"/>
+              </a:fillRef>
+              <a:effectRef idx="0">
+                <a:schemeClr val="accent1"/>
+              </a:effectRef>
+              <a:fontRef idx="minor">
+                <a:schemeClr val="lt1"/>
+              </a:fontRef>
+            </p:style>
+            <p:txBody>
+              <a:bodyPr rtlCol="0" anchor="ctr"/>
+              <a:lstStyle/>
+              <a:p>
+                <a:pPr algn="ctr"/>
+                <a:endParaRPr lang="zh-TW" altLang="en-US"/>
+              </a:p>
+            </p:txBody>
+          </p:sp>
+        </p:grpSp>
+      </p:grpSp>
+    </p:spTree>
+    <p:extLst>
+      <p:ext uri="{BB962C8B-B14F-4D97-AF65-F5344CB8AC3E}">
+        <p14:creationId xmlns:p14="http://schemas.microsoft.com/office/powerpoint/2010/main" val="1131577619"/>
+      </p:ext>
+    </p:extLst>
+  </p:cSld>
+  <p:clrMapOvr>
+    <a:masterClrMapping/>
+  </p:clrMapOvr>
+</p:sld>
+</file>
+
+<file path=ppt/slides/slide12.xml><?xml version="1.0" encoding="utf-8"?>
+<p:sld xmlns:a="http://schemas.openxmlformats.org/drawingml/2006/main" xmlns:r="http://schemas.openxmlformats.org/officeDocument/2006/relationships" xmlns:p="http://schemas.openxmlformats.org/presentationml/2006/main">
+  <p:cSld>
+    <p:spTree>
+      <p:nvGrpSpPr>
+        <p:cNvPr id="1" name=""/>
+        <p:cNvGrpSpPr/>
+        <p:nvPr/>
+      </p:nvGrpSpPr>
+      <p:grpSpPr>
+        <a:xfrm>
+          <a:off x="0" y="0"/>
+          <a:ext cx="0" cy="0"/>
+          <a:chOff x="0" y="0"/>
+          <a:chExt cx="0" cy="0"/>
+        </a:xfrm>
+      </p:grpSpPr>
+      <p:sp>
+        <p:nvSpPr>
+          <p:cNvPr id="74" name="Rounded Rectangle 73"/>
+          <p:cNvSpPr/>
+          <p:nvPr/>
+        </p:nvSpPr>
+        <p:spPr>
+          <a:xfrm>
+            <a:off x="4096678" y="2960687"/>
+            <a:ext cx="756000" cy="612000"/>
+          </a:xfrm>
+          <a:prstGeom prst="roundRect">
+            <a:avLst>
+              <a:gd name="adj" fmla="val 7326"/>
+            </a:avLst>
+          </a:prstGeom>
+          <a:solidFill>
+            <a:schemeClr val="bg1">
+              <a:lumMod val="65000"/>
+            </a:schemeClr>
+          </a:solidFill>
+          <a:ln w="50800">
+            <a:noFill/>
+          </a:ln>
+        </p:spPr>
+        <p:style>
+          <a:lnRef idx="2">
+            <a:schemeClr val="accent1">
+              <a:shade val="50000"/>
+            </a:schemeClr>
+          </a:lnRef>
+          <a:fillRef idx="1">
+            <a:schemeClr val="accent1"/>
+          </a:fillRef>
+          <a:effectRef idx="0">
+            <a:schemeClr val="accent1"/>
+          </a:effectRef>
+          <a:fontRef idx="minor">
+            <a:schemeClr val="lt1"/>
+          </a:fontRef>
+        </p:style>
+        <p:txBody>
+          <a:bodyPr rtlCol="0" anchor="ctr"/>
+          <a:lstStyle/>
+          <a:p>
+            <a:pPr algn="ctr"/>
+            <a:endParaRPr lang="zh-TW" altLang="en-US"/>
+          </a:p>
+        </p:txBody>
+      </p:sp>
+      <p:sp>
+        <p:nvSpPr>
+          <p:cNvPr id="75" name="Trapezoid 74"/>
+          <p:cNvSpPr/>
+          <p:nvPr/>
+        </p:nvSpPr>
+        <p:spPr>
+          <a:xfrm rot="16200000">
+            <a:off x="4642189" y="3158686"/>
+            <a:ext cx="612000" cy="216000"/>
+          </a:xfrm>
+          <a:prstGeom prst="trapezoid">
+            <a:avLst>
+              <a:gd name="adj" fmla="val 112099"/>
+            </a:avLst>
+          </a:prstGeom>
+          <a:solidFill>
+            <a:schemeClr val="bg1">
+              <a:lumMod val="65000"/>
+            </a:schemeClr>
+          </a:solidFill>
+          <a:ln w="50800">
+            <a:noFill/>
+            <a:miter lim="800000"/>
+          </a:ln>
+        </p:spPr>
+        <p:style>
+          <a:lnRef idx="2">
+            <a:schemeClr val="accent1">
+              <a:shade val="50000"/>
+            </a:schemeClr>
+          </a:lnRef>
+          <a:fillRef idx="1">
+            <a:schemeClr val="accent1"/>
+          </a:fillRef>
+          <a:effectRef idx="0">
+            <a:schemeClr val="accent1"/>
+          </a:effectRef>
+          <a:fontRef idx="minor">
+            <a:schemeClr val="lt1"/>
+          </a:fontRef>
+        </p:style>
+        <p:txBody>
+          <a:bodyPr rtlCol="0" anchor="ctr"/>
+          <a:lstStyle/>
+          <a:p>
+            <a:pPr algn="ctr"/>
+            <a:endParaRPr lang="zh-TW" altLang="en-US"/>
+          </a:p>
+        </p:txBody>
+      </p:sp>
+      <p:sp>
+        <p:nvSpPr>
+          <p:cNvPr id="12" name="Rectangle 11"/>
+          <p:cNvSpPr/>
+          <p:nvPr/>
+        </p:nvSpPr>
+        <p:spPr>
+          <a:xfrm>
+            <a:off x="4032000" y="2889000"/>
+            <a:ext cx="1080000" cy="1080000"/>
+          </a:xfrm>
+          <a:prstGeom prst="rect">
+            <a:avLst/>
+          </a:prstGeom>
+          <a:noFill/>
+          <a:ln w="6350">
+            <a:noFill/>
+          </a:ln>
+        </p:spPr>
+        <p:style>
+          <a:lnRef idx="2">
+            <a:schemeClr val="accent1">
+              <a:shade val="50000"/>
+            </a:schemeClr>
+          </a:lnRef>
+          <a:fillRef idx="1">
+            <a:schemeClr val="accent1"/>
+          </a:fillRef>
+          <a:effectRef idx="0">
+            <a:schemeClr val="accent1"/>
+          </a:effectRef>
+          <a:fontRef idx="minor">
+            <a:schemeClr val="lt1"/>
+          </a:fontRef>
+        </p:style>
+        <p:txBody>
+          <a:bodyPr rtlCol="0" anchor="ctr"/>
+          <a:lstStyle/>
+          <a:p>
+            <a:pPr algn="ctr"/>
+            <a:endParaRPr lang="zh-TW" altLang="en-US"/>
+          </a:p>
+        </p:txBody>
+      </p:sp>
+      <p:grpSp>
+        <p:nvGrpSpPr>
+          <p:cNvPr id="13" name="Group 12"/>
+          <p:cNvGrpSpPr/>
+          <p:nvPr/>
+        </p:nvGrpSpPr>
+        <p:grpSpPr>
+          <a:xfrm rot="5400000">
+            <a:off x="4203082" y="3153526"/>
+            <a:ext cx="756001" cy="756000"/>
+            <a:chOff x="4270601" y="3180564"/>
+            <a:chExt cx="756001" cy="756000"/>
+          </a:xfrm>
+          <a:solidFill>
+            <a:schemeClr val="tx1"/>
+          </a:solidFill>
+        </p:grpSpPr>
+        <p:grpSp>
+          <p:nvGrpSpPr>
+            <p:cNvPr id="14" name="Group 13"/>
+            <p:cNvGrpSpPr/>
+            <p:nvPr/>
+          </p:nvGrpSpPr>
+          <p:grpSpPr>
+            <a:xfrm rot="10800000">
+              <a:off x="4270602" y="3180564"/>
+              <a:ext cx="756000" cy="756000"/>
+              <a:chOff x="5520661" y="3180564"/>
+              <a:chExt cx="756000" cy="756000"/>
+            </a:xfrm>
+            <a:grpFill/>
+          </p:grpSpPr>
+          <p:sp>
+            <p:nvSpPr>
+              <p:cNvPr id="21" name="Circular Arrow 20"/>
+              <p:cNvSpPr/>
+              <p:nvPr/>
+            </p:nvSpPr>
+            <p:spPr>
+              <a:xfrm rot="2700000">
+                <a:off x="5520661" y="3180564"/>
+                <a:ext cx="756000" cy="756000"/>
+              </a:xfrm>
+              <a:prstGeom prst="circularArrow">
+                <a:avLst>
+                  <a:gd name="adj1" fmla="val 14736"/>
+                  <a:gd name="adj2" fmla="val 691748"/>
+                  <a:gd name="adj3" fmla="val 20923103"/>
+                  <a:gd name="adj4" fmla="val 12245544"/>
+                  <a:gd name="adj5" fmla="val 13414"/>
+                </a:avLst>
+              </a:prstGeom>
+              <a:grpFill/>
+              <a:ln>
+                <a:noFill/>
+              </a:ln>
+            </p:spPr>
+            <p:style>
+              <a:lnRef idx="2">
+                <a:schemeClr val="accent1">
+                  <a:shade val="50000"/>
+                </a:schemeClr>
+              </a:lnRef>
+              <a:fillRef idx="1">
+                <a:schemeClr val="accent1"/>
+              </a:fillRef>
+              <a:effectRef idx="0">
+                <a:schemeClr val="accent1"/>
+              </a:effectRef>
+              <a:fontRef idx="minor">
+                <a:schemeClr val="lt1"/>
+              </a:fontRef>
+            </p:style>
+            <p:txBody>
+              <a:bodyPr rtlCol="0" anchor="ctr"/>
+              <a:lstStyle/>
+              <a:p>
+                <a:pPr algn="ctr"/>
+                <a:endParaRPr lang="zh-TW" altLang="en-US">
+                  <a:solidFill>
+                    <a:schemeClr val="tx1"/>
+                  </a:solidFill>
+                </a:endParaRPr>
+              </a:p>
+            </p:txBody>
+          </p:sp>
+          <p:sp>
+            <p:nvSpPr>
+              <p:cNvPr id="22" name="Isosceles Triangle 21"/>
+              <p:cNvSpPr/>
+              <p:nvPr/>
+            </p:nvSpPr>
+            <p:spPr>
+              <a:xfrm rot="13315778">
+                <a:off x="5942199" y="3664108"/>
+                <a:ext cx="288000" cy="180000"/>
+              </a:xfrm>
+              <a:prstGeom prst="triangle">
+                <a:avLst/>
+              </a:prstGeom>
+              <a:grpFill/>
+              <a:ln>
+                <a:noFill/>
+              </a:ln>
+            </p:spPr>
+            <p:style>
+              <a:lnRef idx="2">
+                <a:schemeClr val="accent1">
+                  <a:shade val="50000"/>
+                </a:schemeClr>
+              </a:lnRef>
+              <a:fillRef idx="1">
+                <a:schemeClr val="accent1"/>
+              </a:fillRef>
+              <a:effectRef idx="0">
+                <a:schemeClr val="accent1"/>
+              </a:effectRef>
+              <a:fontRef idx="minor">
+                <a:schemeClr val="lt1"/>
+              </a:fontRef>
+            </p:style>
+            <p:txBody>
+              <a:bodyPr rtlCol="0" anchor="ctr"/>
+              <a:lstStyle/>
+              <a:p>
+                <a:pPr algn="ctr"/>
+                <a:endParaRPr lang="zh-TW" altLang="en-US"/>
+              </a:p>
+            </p:txBody>
+          </p:sp>
+        </p:grpSp>
+        <p:grpSp>
+          <p:nvGrpSpPr>
+            <p:cNvPr id="15" name="Group 14"/>
+            <p:cNvGrpSpPr/>
+            <p:nvPr/>
+          </p:nvGrpSpPr>
+          <p:grpSpPr>
+            <a:xfrm>
+              <a:off x="4270601" y="3180564"/>
+              <a:ext cx="756000" cy="756000"/>
+              <a:chOff x="5520661" y="3180564"/>
+              <a:chExt cx="756000" cy="756000"/>
+            </a:xfrm>
+            <a:grpFill/>
+          </p:grpSpPr>
+          <p:sp>
+            <p:nvSpPr>
+              <p:cNvPr id="19" name="Circular Arrow 18"/>
+              <p:cNvSpPr/>
+              <p:nvPr/>
+            </p:nvSpPr>
+            <p:spPr>
+              <a:xfrm rot="2700000">
+                <a:off x="5520661" y="3180564"/>
+                <a:ext cx="756000" cy="756000"/>
+              </a:xfrm>
+              <a:prstGeom prst="circularArrow">
+                <a:avLst>
+                  <a:gd name="adj1" fmla="val 14736"/>
+                  <a:gd name="adj2" fmla="val 691748"/>
+                  <a:gd name="adj3" fmla="val 20923103"/>
+                  <a:gd name="adj4" fmla="val 12245544"/>
+                  <a:gd name="adj5" fmla="val 13414"/>
+                </a:avLst>
+              </a:prstGeom>
+              <a:grpFill/>
+              <a:ln>
+                <a:noFill/>
+              </a:ln>
+            </p:spPr>
+            <p:style>
+              <a:lnRef idx="2">
+                <a:schemeClr val="accent1">
+                  <a:shade val="50000"/>
+                </a:schemeClr>
+              </a:lnRef>
+              <a:fillRef idx="1">
+                <a:schemeClr val="accent1"/>
+              </a:fillRef>
+              <a:effectRef idx="0">
+                <a:schemeClr val="accent1"/>
+              </a:effectRef>
+              <a:fontRef idx="minor">
+                <a:schemeClr val="lt1"/>
+              </a:fontRef>
+            </p:style>
+            <p:txBody>
+              <a:bodyPr rtlCol="0" anchor="ctr"/>
+              <a:lstStyle/>
+              <a:p>
+                <a:pPr algn="ctr"/>
+                <a:endParaRPr lang="zh-TW" altLang="en-US">
+                  <a:solidFill>
+                    <a:schemeClr val="tx1"/>
+                  </a:solidFill>
+                </a:endParaRPr>
+              </a:p>
+            </p:txBody>
+          </p:sp>
+          <p:sp>
+            <p:nvSpPr>
+              <p:cNvPr id="20" name="Isosceles Triangle 19"/>
+              <p:cNvSpPr/>
+              <p:nvPr/>
+            </p:nvSpPr>
+            <p:spPr>
+              <a:xfrm rot="13315778">
+                <a:off x="5942199" y="3664108"/>
+                <a:ext cx="288000" cy="180000"/>
+              </a:xfrm>
+              <a:prstGeom prst="triangle">
+                <a:avLst/>
+              </a:prstGeom>
+              <a:grpFill/>
+              <a:ln>
+                <a:noFill/>
+              </a:ln>
+            </p:spPr>
+            <p:style>
+              <a:lnRef idx="2">
+                <a:schemeClr val="accent1">
+                  <a:shade val="50000"/>
+                </a:schemeClr>
+              </a:lnRef>
+              <a:fillRef idx="1">
+                <a:schemeClr val="accent1"/>
+              </a:fillRef>
+              <a:effectRef idx="0">
+                <a:schemeClr val="accent1"/>
+              </a:effectRef>
+              <a:fontRef idx="minor">
+                <a:schemeClr val="lt1"/>
+              </a:fontRef>
+            </p:style>
+            <p:txBody>
+              <a:bodyPr rtlCol="0" anchor="ctr"/>
+              <a:lstStyle/>
+              <a:p>
+                <a:pPr algn="ctr"/>
+                <a:endParaRPr lang="zh-TW" altLang="en-US"/>
+              </a:p>
+            </p:txBody>
+          </p:sp>
+        </p:grpSp>
+      </p:grpSp>
+    </p:spTree>
+    <p:extLst>
+      <p:ext uri="{BB962C8B-B14F-4D97-AF65-F5344CB8AC3E}">
+        <p14:creationId xmlns:p14="http://schemas.microsoft.com/office/powerpoint/2010/main" val="348737068"/>
+      </p:ext>
+    </p:extLst>
+  </p:cSld>
+  <p:clrMapOvr>
+    <a:masterClrMapping/>
+  </p:clrMapOvr>
+</p:sld>
+</file>
+
+<file path=ppt/slides/slide13.xml><?xml version="1.0" encoding="utf-8"?>
+<p:sld xmlns:a="http://schemas.openxmlformats.org/drawingml/2006/main" xmlns:r="http://schemas.openxmlformats.org/officeDocument/2006/relationships" xmlns:p="http://schemas.openxmlformats.org/presentationml/2006/main">
+  <p:cSld>
+    <p:spTree>
+      <p:nvGrpSpPr>
+        <p:cNvPr id="1" name=""/>
+        <p:cNvGrpSpPr/>
+        <p:nvPr/>
+      </p:nvGrpSpPr>
+      <p:grpSpPr>
+        <a:xfrm>
+          <a:off x="0" y="0"/>
+          <a:ext cx="0" cy="0"/>
+          <a:chOff x="0" y="0"/>
+          <a:chExt cx="0" cy="0"/>
+        </a:xfrm>
+      </p:grpSpPr>
+      <p:sp>
+        <p:nvSpPr>
+          <p:cNvPr id="74" name="Rounded Rectangle 73"/>
+          <p:cNvSpPr/>
+          <p:nvPr/>
+        </p:nvSpPr>
+        <p:spPr>
+          <a:xfrm>
+            <a:off x="4096678" y="2960687"/>
+            <a:ext cx="756000" cy="612000"/>
+          </a:xfrm>
+          <a:prstGeom prst="roundRect">
+            <a:avLst>
+              <a:gd name="adj" fmla="val 7326"/>
+            </a:avLst>
+          </a:prstGeom>
+          <a:solidFill>
+            <a:schemeClr val="bg1">
+              <a:lumMod val="65000"/>
+            </a:schemeClr>
+          </a:solidFill>
+          <a:ln w="50800">
+            <a:noFill/>
+          </a:ln>
+        </p:spPr>
+        <p:style>
+          <a:lnRef idx="2">
+            <a:schemeClr val="accent1">
+              <a:shade val="50000"/>
+            </a:schemeClr>
+          </a:lnRef>
+          <a:fillRef idx="1">
+            <a:schemeClr val="accent1"/>
+          </a:fillRef>
+          <a:effectRef idx="0">
+            <a:schemeClr val="accent1"/>
+          </a:effectRef>
+          <a:fontRef idx="minor">
+            <a:schemeClr val="lt1"/>
+          </a:fontRef>
+        </p:style>
+        <p:txBody>
+          <a:bodyPr rtlCol="0" anchor="ctr"/>
+          <a:lstStyle/>
+          <a:p>
+            <a:pPr algn="ctr"/>
+            <a:endParaRPr lang="zh-TW" altLang="en-US"/>
+          </a:p>
+        </p:txBody>
+      </p:sp>
+      <p:sp>
+        <p:nvSpPr>
+          <p:cNvPr id="75" name="Trapezoid 74"/>
+          <p:cNvSpPr/>
+          <p:nvPr/>
+        </p:nvSpPr>
+        <p:spPr>
+          <a:xfrm rot="16200000">
+            <a:off x="4642189" y="3158686"/>
+            <a:ext cx="612000" cy="216000"/>
+          </a:xfrm>
+          <a:prstGeom prst="trapezoid">
+            <a:avLst>
+              <a:gd name="adj" fmla="val 112099"/>
+            </a:avLst>
+          </a:prstGeom>
+          <a:solidFill>
+            <a:schemeClr val="bg1">
+              <a:lumMod val="65000"/>
+            </a:schemeClr>
+          </a:solidFill>
+          <a:ln w="50800">
+            <a:noFill/>
+            <a:miter lim="800000"/>
+          </a:ln>
+        </p:spPr>
+        <p:style>
+          <a:lnRef idx="2">
+            <a:schemeClr val="accent1">
+              <a:shade val="50000"/>
+            </a:schemeClr>
+          </a:lnRef>
+          <a:fillRef idx="1">
+            <a:schemeClr val="accent1"/>
+          </a:fillRef>
+          <a:effectRef idx="0">
+            <a:schemeClr val="accent1"/>
+          </a:effectRef>
+          <a:fontRef idx="minor">
+            <a:schemeClr val="lt1"/>
+          </a:fontRef>
+        </p:style>
+        <p:txBody>
+          <a:bodyPr rtlCol="0" anchor="ctr"/>
+          <a:lstStyle/>
+          <a:p>
+            <a:pPr algn="ctr"/>
+            <a:endParaRPr lang="zh-TW" altLang="en-US"/>
+          </a:p>
+        </p:txBody>
+      </p:sp>
+      <p:sp>
+        <p:nvSpPr>
+          <p:cNvPr id="12" name="Rectangle 11"/>
+          <p:cNvSpPr/>
+          <p:nvPr/>
+        </p:nvSpPr>
+        <p:spPr>
+          <a:xfrm>
+            <a:off x="4032000" y="2889000"/>
+            <a:ext cx="1080000" cy="1080000"/>
+          </a:xfrm>
+          <a:prstGeom prst="rect">
+            <a:avLst/>
+          </a:prstGeom>
+          <a:noFill/>
+          <a:ln w="6350">
+            <a:noFill/>
+          </a:ln>
+        </p:spPr>
+        <p:style>
+          <a:lnRef idx="2">
+            <a:schemeClr val="accent1">
+              <a:shade val="50000"/>
+            </a:schemeClr>
+          </a:lnRef>
+          <a:fillRef idx="1">
+            <a:schemeClr val="accent1"/>
+          </a:fillRef>
+          <a:effectRef idx="0">
+            <a:schemeClr val="accent1"/>
+          </a:effectRef>
+          <a:fontRef idx="minor">
+            <a:schemeClr val="lt1"/>
+          </a:fontRef>
+        </p:style>
+        <p:txBody>
+          <a:bodyPr rtlCol="0" anchor="ctr"/>
+          <a:lstStyle/>
+          <a:p>
+            <a:pPr algn="ctr"/>
+            <a:endParaRPr lang="zh-TW" altLang="en-US"/>
+          </a:p>
+        </p:txBody>
+      </p:sp>
+      <p:grpSp>
+        <p:nvGrpSpPr>
+          <p:cNvPr id="5" name="Group 4"/>
+          <p:cNvGrpSpPr/>
+          <p:nvPr/>
+        </p:nvGrpSpPr>
+        <p:grpSpPr>
+          <a:xfrm rot="8100000">
+            <a:off x="4203082" y="3153526"/>
+            <a:ext cx="756001" cy="756000"/>
+            <a:chOff x="4270601" y="3180564"/>
+            <a:chExt cx="756001" cy="756000"/>
+          </a:xfrm>
+          <a:solidFill>
+            <a:schemeClr val="tx1"/>
+          </a:solidFill>
+        </p:grpSpPr>
+        <p:grpSp>
+          <p:nvGrpSpPr>
+            <p:cNvPr id="3" name="Group 2"/>
+            <p:cNvGrpSpPr/>
+            <p:nvPr/>
+          </p:nvGrpSpPr>
+          <p:grpSpPr>
+            <a:xfrm rot="10800000">
+              <a:off x="4270602" y="3180564"/>
+              <a:ext cx="756000" cy="756000"/>
+              <a:chOff x="5520661" y="3180564"/>
+              <a:chExt cx="756000" cy="756000"/>
+            </a:xfrm>
+            <a:grpFill/>
+          </p:grpSpPr>
+          <p:sp>
+            <p:nvSpPr>
+              <p:cNvPr id="10" name="Circular Arrow 9"/>
+              <p:cNvSpPr/>
+              <p:nvPr/>
+            </p:nvSpPr>
+            <p:spPr>
+              <a:xfrm rot="2700000">
+                <a:off x="5520661" y="3180564"/>
+                <a:ext cx="756000" cy="756000"/>
+              </a:xfrm>
+              <a:prstGeom prst="circularArrow">
+                <a:avLst>
+                  <a:gd name="adj1" fmla="val 14736"/>
+                  <a:gd name="adj2" fmla="val 691748"/>
+                  <a:gd name="adj3" fmla="val 20923103"/>
+                  <a:gd name="adj4" fmla="val 12245544"/>
+                  <a:gd name="adj5" fmla="val 13414"/>
+                </a:avLst>
+              </a:prstGeom>
+              <a:grpFill/>
+              <a:ln>
+                <a:noFill/>
+              </a:ln>
+            </p:spPr>
+            <p:style>
+              <a:lnRef idx="2">
+                <a:schemeClr val="accent1">
+                  <a:shade val="50000"/>
+                </a:schemeClr>
+              </a:lnRef>
+              <a:fillRef idx="1">
+                <a:schemeClr val="accent1"/>
+              </a:fillRef>
+              <a:effectRef idx="0">
+                <a:schemeClr val="accent1"/>
+              </a:effectRef>
+              <a:fontRef idx="minor">
+                <a:schemeClr val="lt1"/>
+              </a:fontRef>
+            </p:style>
+            <p:txBody>
+              <a:bodyPr rtlCol="0" anchor="ctr"/>
+              <a:lstStyle/>
+              <a:p>
+                <a:pPr algn="ctr"/>
+                <a:endParaRPr lang="zh-TW" altLang="en-US">
+                  <a:solidFill>
+                    <a:schemeClr val="tx1"/>
+                  </a:solidFill>
+                </a:endParaRPr>
+              </a:p>
+            </p:txBody>
+          </p:sp>
+          <p:sp>
+            <p:nvSpPr>
+              <p:cNvPr id="11" name="Isosceles Triangle 10"/>
+              <p:cNvSpPr/>
+              <p:nvPr/>
+            </p:nvSpPr>
+            <p:spPr>
+              <a:xfrm rot="13315778">
+                <a:off x="5942199" y="3664108"/>
+                <a:ext cx="288000" cy="180000"/>
+              </a:xfrm>
+              <a:prstGeom prst="triangle">
+                <a:avLst/>
+              </a:prstGeom>
+              <a:grpFill/>
+              <a:ln>
+                <a:noFill/>
+              </a:ln>
+            </p:spPr>
+            <p:style>
+              <a:lnRef idx="2">
+                <a:schemeClr val="accent1">
+                  <a:shade val="50000"/>
+                </a:schemeClr>
+              </a:lnRef>
+              <a:fillRef idx="1">
+                <a:schemeClr val="accent1"/>
+              </a:fillRef>
+              <a:effectRef idx="0">
+                <a:schemeClr val="accent1"/>
+              </a:effectRef>
+              <a:fontRef idx="minor">
+                <a:schemeClr val="lt1"/>
+              </a:fontRef>
+            </p:style>
+            <p:txBody>
+              <a:bodyPr rtlCol="0" anchor="ctr"/>
+              <a:lstStyle/>
+              <a:p>
+                <a:pPr algn="ctr"/>
+                <a:endParaRPr lang="zh-TW" altLang="en-US"/>
+              </a:p>
+            </p:txBody>
+          </p:sp>
+        </p:grpSp>
+        <p:grpSp>
+          <p:nvGrpSpPr>
+            <p:cNvPr id="16" name="Group 15"/>
+            <p:cNvGrpSpPr/>
+            <p:nvPr/>
+          </p:nvGrpSpPr>
+          <p:grpSpPr>
+            <a:xfrm>
+              <a:off x="4270601" y="3180564"/>
+              <a:ext cx="756000" cy="756000"/>
+              <a:chOff x="5520661" y="3180564"/>
+              <a:chExt cx="756000" cy="756000"/>
+            </a:xfrm>
+            <a:grpFill/>
+          </p:grpSpPr>
+          <p:sp>
+            <p:nvSpPr>
+              <p:cNvPr id="17" name="Circular Arrow 16"/>
+              <p:cNvSpPr/>
+              <p:nvPr/>
+            </p:nvSpPr>
+            <p:spPr>
+              <a:xfrm rot="2700000">
+                <a:off x="5520661" y="3180564"/>
+                <a:ext cx="756000" cy="756000"/>
+              </a:xfrm>
+              <a:prstGeom prst="circularArrow">
+                <a:avLst>
+                  <a:gd name="adj1" fmla="val 14736"/>
+                  <a:gd name="adj2" fmla="val 691748"/>
+                  <a:gd name="adj3" fmla="val 20923103"/>
+                  <a:gd name="adj4" fmla="val 12245544"/>
+                  <a:gd name="adj5" fmla="val 13414"/>
+                </a:avLst>
+              </a:prstGeom>
+              <a:grpFill/>
+              <a:ln>
+                <a:noFill/>
+              </a:ln>
+            </p:spPr>
+            <p:style>
+              <a:lnRef idx="2">
+                <a:schemeClr val="accent1">
+                  <a:shade val="50000"/>
+                </a:schemeClr>
+              </a:lnRef>
+              <a:fillRef idx="1">
+                <a:schemeClr val="accent1"/>
+              </a:fillRef>
+              <a:effectRef idx="0">
+                <a:schemeClr val="accent1"/>
+              </a:effectRef>
+              <a:fontRef idx="minor">
+                <a:schemeClr val="lt1"/>
+              </a:fontRef>
+            </p:style>
+            <p:txBody>
+              <a:bodyPr rtlCol="0" anchor="ctr"/>
+              <a:lstStyle/>
+              <a:p>
+                <a:pPr algn="ctr"/>
+                <a:endParaRPr lang="zh-TW" altLang="en-US">
+                  <a:solidFill>
+                    <a:schemeClr val="tx1"/>
+                  </a:solidFill>
+                </a:endParaRPr>
+              </a:p>
+            </p:txBody>
+          </p:sp>
+          <p:sp>
+            <p:nvSpPr>
+              <p:cNvPr id="18" name="Isosceles Triangle 17"/>
+              <p:cNvSpPr/>
+              <p:nvPr/>
+            </p:nvSpPr>
+            <p:spPr>
+              <a:xfrm rot="13315778">
+                <a:off x="5942199" y="3664108"/>
+                <a:ext cx="288000" cy="180000"/>
+              </a:xfrm>
+              <a:prstGeom prst="triangle">
+                <a:avLst/>
+              </a:prstGeom>
+              <a:grpFill/>
+              <a:ln>
+                <a:noFill/>
+              </a:ln>
+            </p:spPr>
+            <p:style>
+              <a:lnRef idx="2">
+                <a:schemeClr val="accent1">
+                  <a:shade val="50000"/>
+                </a:schemeClr>
+              </a:lnRef>
+              <a:fillRef idx="1">
+                <a:schemeClr val="accent1"/>
+              </a:fillRef>
+              <a:effectRef idx="0">
+                <a:schemeClr val="accent1"/>
+              </a:effectRef>
+              <a:fontRef idx="minor">
+                <a:schemeClr val="lt1"/>
+              </a:fontRef>
+            </p:style>
+            <p:txBody>
+              <a:bodyPr rtlCol="0" anchor="ctr"/>
+              <a:lstStyle/>
+              <a:p>
+                <a:pPr algn="ctr"/>
+                <a:endParaRPr lang="zh-TW" altLang="en-US"/>
+              </a:p>
+            </p:txBody>
+          </p:sp>
+        </p:grpSp>
+      </p:grpSp>
+    </p:spTree>
+    <p:extLst>
+      <p:ext uri="{BB962C8B-B14F-4D97-AF65-F5344CB8AC3E}">
+        <p14:creationId xmlns:p14="http://schemas.microsoft.com/office/powerpoint/2010/main" val="2180658020"/>
+      </p:ext>
+    </p:extLst>
+  </p:cSld>
+  <p:clrMapOvr>
+    <a:masterClrMapping/>
+  </p:clrMapOvr>
+</p:sld>
+</file>
+
+<file path=ppt/slides/slide14.xml><?xml version="1.0" encoding="utf-8"?>
 <p:sld xmlns:a="http://schemas.openxmlformats.org/drawingml/2006/main" xmlns:r="http://schemas.openxmlformats.org/officeDocument/2006/relationships" xmlns:p="http://schemas.openxmlformats.org/presentationml/2006/main">
   <p:cSld>
     <p:spTree>
@@ -4628,7 +5892,7 @@
 </p:sld>
 </file>
 
-<file path=ppt/slides/slide12.xml><?xml version="1.0" encoding="utf-8"?>
+<file path=ppt/slides/slide15.xml><?xml version="1.0" encoding="utf-8"?>
 <p:sld xmlns:a="http://schemas.openxmlformats.org/drawingml/2006/main" xmlns:r="http://schemas.openxmlformats.org/officeDocument/2006/relationships" xmlns:p="http://schemas.openxmlformats.org/presentationml/2006/main">
   <p:cSld>
     <p:spTree>
@@ -4814,7 +6078,7 @@
 </p:sld>
 </file>
 
-<file path=ppt/slides/slide13.xml><?xml version="1.0" encoding="utf-8"?>
+<file path=ppt/slides/slide16.xml><?xml version="1.0" encoding="utf-8"?>
 <p:sld xmlns:a="http://schemas.openxmlformats.org/drawingml/2006/main" xmlns:r="http://schemas.openxmlformats.org/officeDocument/2006/relationships" xmlns:p="http://schemas.openxmlformats.org/presentationml/2006/main">
   <p:cSld>
     <p:spTree>
@@ -4988,7 +6252,7 @@
 </p:sld>
 </file>
 
-<file path=ppt/slides/slide14.xml><?xml version="1.0" encoding="utf-8"?>
+<file path=ppt/slides/slide17.xml><?xml version="1.0" encoding="utf-8"?>
 <p:sld xmlns:a="http://schemas.openxmlformats.org/drawingml/2006/main" xmlns:r="http://schemas.openxmlformats.org/officeDocument/2006/relationships" xmlns:p="http://schemas.openxmlformats.org/presentationml/2006/main">
   <p:cSld>
     <p:spTree>
@@ -5252,7 +6516,7 @@
 </p:sld>
 </file>
 
-<file path=ppt/slides/slide15.xml><?xml version="1.0" encoding="utf-8"?>
+<file path=ppt/slides/slide18.xml><?xml version="1.0" encoding="utf-8"?>
 <p:sld xmlns:a="http://schemas.openxmlformats.org/drawingml/2006/main" xmlns:r="http://schemas.openxmlformats.org/officeDocument/2006/relationships" xmlns:p="http://schemas.openxmlformats.org/presentationml/2006/main">
   <p:cSld>
     <p:spTree>
@@ -5350,7 +6614,7 @@
 </p:sld>
 </file>
 
-<file path=ppt/slides/slide16.xml><?xml version="1.0" encoding="utf-8"?>
+<file path=ppt/slides/slide19.xml><?xml version="1.0" encoding="utf-8"?>
 <p:sld xmlns:a="http://schemas.openxmlformats.org/drawingml/2006/main" xmlns:r="http://schemas.openxmlformats.org/officeDocument/2006/relationships" xmlns:p="http://schemas.openxmlformats.org/presentationml/2006/main">
   <p:cSld>
     <p:spTree>
@@ -5833,7 +7097,127 @@
 </p:sld>
 </file>
 
-<file path=ppt/slides/slide17.xml><?xml version="1.0" encoding="utf-8"?>
+<file path=ppt/slides/slide2.xml><?xml version="1.0" encoding="utf-8"?>
+<p:sld xmlns:a="http://schemas.openxmlformats.org/drawingml/2006/main" xmlns:r="http://schemas.openxmlformats.org/officeDocument/2006/relationships" xmlns:p="http://schemas.openxmlformats.org/presentationml/2006/main">
+  <p:cSld>
+    <p:spTree>
+      <p:nvGrpSpPr>
+        <p:cNvPr id="1" name=""/>
+        <p:cNvGrpSpPr/>
+        <p:nvPr/>
+      </p:nvGrpSpPr>
+      <p:grpSpPr>
+        <a:xfrm>
+          <a:off x="0" y="0"/>
+          <a:ext cx="0" cy="0"/>
+          <a:chOff x="0" y="0"/>
+          <a:chExt cx="0" cy="0"/>
+        </a:xfrm>
+      </p:grpSpPr>
+      <p:sp>
+        <p:nvSpPr>
+          <p:cNvPr id="3" name="Rectangle 2"/>
+          <p:cNvSpPr/>
+          <p:nvPr/>
+        </p:nvSpPr>
+        <p:spPr>
+          <a:xfrm>
+            <a:off x="4032000" y="2889000"/>
+            <a:ext cx="1080000" cy="1080000"/>
+          </a:xfrm>
+          <a:prstGeom prst="rect">
+            <a:avLst/>
+          </a:prstGeom>
+          <a:noFill/>
+          <a:ln w="6350">
+            <a:noFill/>
+          </a:ln>
+        </p:spPr>
+        <p:style>
+          <a:lnRef idx="2">
+            <a:schemeClr val="accent1">
+              <a:shade val="50000"/>
+            </a:schemeClr>
+          </a:lnRef>
+          <a:fillRef idx="1">
+            <a:schemeClr val="accent1"/>
+          </a:fillRef>
+          <a:effectRef idx="0">
+            <a:schemeClr val="accent1"/>
+          </a:effectRef>
+          <a:fontRef idx="minor">
+            <a:schemeClr val="lt1"/>
+          </a:fontRef>
+        </p:style>
+        <p:txBody>
+          <a:bodyPr rtlCol="0" anchor="ctr"/>
+          <a:lstStyle/>
+          <a:p>
+            <a:pPr algn="ctr"/>
+            <a:endParaRPr lang="zh-TW" altLang="en-US"/>
+          </a:p>
+        </p:txBody>
+      </p:sp>
+      <p:sp>
+        <p:nvSpPr>
+          <p:cNvPr id="4" name="Oval 3"/>
+          <p:cNvSpPr/>
+          <p:nvPr/>
+        </p:nvSpPr>
+        <p:spPr>
+          <a:xfrm>
+            <a:off x="4114800" y="2971800"/>
+            <a:ext cx="914400" cy="914400"/>
+          </a:xfrm>
+          <a:prstGeom prst="ellipse">
+            <a:avLst/>
+          </a:prstGeom>
+          <a:solidFill>
+            <a:srgbClr val="FF0000"/>
+          </a:solidFill>
+          <a:ln>
+            <a:noFill/>
+          </a:ln>
+        </p:spPr>
+        <p:style>
+          <a:lnRef idx="2">
+            <a:schemeClr val="accent1">
+              <a:shade val="50000"/>
+            </a:schemeClr>
+          </a:lnRef>
+          <a:fillRef idx="1">
+            <a:schemeClr val="accent1"/>
+          </a:fillRef>
+          <a:effectRef idx="0">
+            <a:schemeClr val="accent1"/>
+          </a:effectRef>
+          <a:fontRef idx="minor">
+            <a:schemeClr val="lt1"/>
+          </a:fontRef>
+        </p:style>
+        <p:txBody>
+          <a:bodyPr rtlCol="0" anchor="ctr"/>
+          <a:lstStyle/>
+          <a:p>
+            <a:pPr algn="ctr"/>
+            <a:endParaRPr lang="en-US"/>
+          </a:p>
+        </p:txBody>
+      </p:sp>
+    </p:spTree>
+    <p:extLst>
+      <p:ext uri="{BB962C8B-B14F-4D97-AF65-F5344CB8AC3E}">
+        <p14:creationId xmlns:p14="http://schemas.microsoft.com/office/powerpoint/2010/main" val="3834815093"/>
+      </p:ext>
+    </p:extLst>
+  </p:cSld>
+  <p:clrMapOvr>
+    <a:masterClrMapping/>
+  </p:clrMapOvr>
+</p:sld>
+</file>
+
+<file path=ppt/slides/slide20.xml><?xml version="1.0" encoding="utf-8"?>
 <p:sld xmlns:a="http://schemas.openxmlformats.org/drawingml/2006/main" xmlns:r="http://schemas.openxmlformats.org/officeDocument/2006/relationships" xmlns:p="http://schemas.openxmlformats.org/presentationml/2006/main">
   <p:cSld>
     <p:spTree>
@@ -5870,7 +7254,7 @@
 </p:sld>
 </file>
 
-<file path=ppt/slides/slide18.xml><?xml version="1.0" encoding="utf-8"?>
+<file path=ppt/slides/slide21.xml><?xml version="1.0" encoding="utf-8"?>
 <p:sld xmlns:a="http://schemas.openxmlformats.org/drawingml/2006/main" xmlns:r="http://schemas.openxmlformats.org/officeDocument/2006/relationships" xmlns:p="http://schemas.openxmlformats.org/presentationml/2006/main">
   <p:cSld>
     <p:spTree>
@@ -5907,7 +7291,7 @@
 </p:sld>
 </file>
 
-<file path=ppt/slides/slide19.xml><?xml version="1.0" encoding="utf-8"?>
+<file path=ppt/slides/slide22.xml><?xml version="1.0" encoding="utf-8"?>
 <p:sld xmlns:a="http://schemas.openxmlformats.org/drawingml/2006/main" xmlns:r="http://schemas.openxmlformats.org/officeDocument/2006/relationships" xmlns:p="http://schemas.openxmlformats.org/presentationml/2006/main">
   <p:cSld>
     <p:spTree>
@@ -6038,127 +7422,7 @@
 </p:sld>
 </file>
 
-<file path=ppt/slides/slide2.xml><?xml version="1.0" encoding="utf-8"?>
-<p:sld xmlns:a="http://schemas.openxmlformats.org/drawingml/2006/main" xmlns:r="http://schemas.openxmlformats.org/officeDocument/2006/relationships" xmlns:p="http://schemas.openxmlformats.org/presentationml/2006/main">
-  <p:cSld>
-    <p:spTree>
-      <p:nvGrpSpPr>
-        <p:cNvPr id="1" name=""/>
-        <p:cNvGrpSpPr/>
-        <p:nvPr/>
-      </p:nvGrpSpPr>
-      <p:grpSpPr>
-        <a:xfrm>
-          <a:off x="0" y="0"/>
-          <a:ext cx="0" cy="0"/>
-          <a:chOff x="0" y="0"/>
-          <a:chExt cx="0" cy="0"/>
-        </a:xfrm>
-      </p:grpSpPr>
-      <p:sp>
-        <p:nvSpPr>
-          <p:cNvPr id="3" name="Rectangle 2"/>
-          <p:cNvSpPr/>
-          <p:nvPr/>
-        </p:nvSpPr>
-        <p:spPr>
-          <a:xfrm>
-            <a:off x="4032000" y="2889000"/>
-            <a:ext cx="1080000" cy="1080000"/>
-          </a:xfrm>
-          <a:prstGeom prst="rect">
-            <a:avLst/>
-          </a:prstGeom>
-          <a:noFill/>
-          <a:ln w="6350">
-            <a:noFill/>
-          </a:ln>
-        </p:spPr>
-        <p:style>
-          <a:lnRef idx="2">
-            <a:schemeClr val="accent1">
-              <a:shade val="50000"/>
-            </a:schemeClr>
-          </a:lnRef>
-          <a:fillRef idx="1">
-            <a:schemeClr val="accent1"/>
-          </a:fillRef>
-          <a:effectRef idx="0">
-            <a:schemeClr val="accent1"/>
-          </a:effectRef>
-          <a:fontRef idx="minor">
-            <a:schemeClr val="lt1"/>
-          </a:fontRef>
-        </p:style>
-        <p:txBody>
-          <a:bodyPr rtlCol="0" anchor="ctr"/>
-          <a:lstStyle/>
-          <a:p>
-            <a:pPr algn="ctr"/>
-            <a:endParaRPr lang="zh-TW" altLang="en-US"/>
-          </a:p>
-        </p:txBody>
-      </p:sp>
-      <p:sp>
-        <p:nvSpPr>
-          <p:cNvPr id="4" name="Oval 3"/>
-          <p:cNvSpPr/>
-          <p:nvPr/>
-        </p:nvSpPr>
-        <p:spPr>
-          <a:xfrm>
-            <a:off x="4114800" y="2971800"/>
-            <a:ext cx="914400" cy="914400"/>
-          </a:xfrm>
-          <a:prstGeom prst="ellipse">
-            <a:avLst/>
-          </a:prstGeom>
-          <a:solidFill>
-            <a:srgbClr val="FF0000"/>
-          </a:solidFill>
-          <a:ln>
-            <a:noFill/>
-          </a:ln>
-        </p:spPr>
-        <p:style>
-          <a:lnRef idx="2">
-            <a:schemeClr val="accent1">
-              <a:shade val="50000"/>
-            </a:schemeClr>
-          </a:lnRef>
-          <a:fillRef idx="1">
-            <a:schemeClr val="accent1"/>
-          </a:fillRef>
-          <a:effectRef idx="0">
-            <a:schemeClr val="accent1"/>
-          </a:effectRef>
-          <a:fontRef idx="minor">
-            <a:schemeClr val="lt1"/>
-          </a:fontRef>
-        </p:style>
-        <p:txBody>
-          <a:bodyPr rtlCol="0" anchor="ctr"/>
-          <a:lstStyle/>
-          <a:p>
-            <a:pPr algn="ctr"/>
-            <a:endParaRPr lang="en-US"/>
-          </a:p>
-        </p:txBody>
-      </p:sp>
-    </p:spTree>
-    <p:extLst>
-      <p:ext uri="{BB962C8B-B14F-4D97-AF65-F5344CB8AC3E}">
-        <p14:creationId xmlns:p14="http://schemas.microsoft.com/office/powerpoint/2010/main" val="3834815093"/>
-      </p:ext>
-    </p:extLst>
-  </p:cSld>
-  <p:clrMapOvr>
-    <a:masterClrMapping/>
-  </p:clrMapOvr>
-</p:sld>
-</file>
-
-<file path=ppt/slides/slide20.xml><?xml version="1.0" encoding="utf-8"?>
+<file path=ppt/slides/slide23.xml><?xml version="1.0" encoding="utf-8"?>
 <p:sld xmlns:a="http://schemas.openxmlformats.org/drawingml/2006/main" xmlns:r="http://schemas.openxmlformats.org/officeDocument/2006/relationships" xmlns:p="http://schemas.openxmlformats.org/presentationml/2006/main">
   <p:cSld>
     <p:spTree>
@@ -6229,7 +7493,7 @@
 </p:sld>
 </file>
 
-<file path=ppt/slides/slide21.xml><?xml version="1.0" encoding="utf-8"?>
+<file path=ppt/slides/slide24.xml><?xml version="1.0" encoding="utf-8"?>
 <p:sld xmlns:a="http://schemas.openxmlformats.org/drawingml/2006/main" xmlns:r="http://schemas.openxmlformats.org/officeDocument/2006/relationships" xmlns:p="http://schemas.openxmlformats.org/presentationml/2006/main">
   <p:cSld>
     <p:spTree>
@@ -6413,7 +7677,7 @@
 </p:sld>
 </file>
 
-<file path=ppt/slides/slide22.xml><?xml version="1.0" encoding="utf-8"?>
+<file path=ppt/slides/slide25.xml><?xml version="1.0" encoding="utf-8"?>
 <p:sld xmlns:a="http://schemas.openxmlformats.org/drawingml/2006/main" xmlns:r="http://schemas.openxmlformats.org/officeDocument/2006/relationships" xmlns:p="http://schemas.openxmlformats.org/presentationml/2006/main">
   <p:cSld>
     <p:spTree>
@@ -6758,7 +8022,7 @@
 </p:sld>
 </file>
 
-<file path=ppt/slides/slide23.xml><?xml version="1.0" encoding="utf-8"?>
+<file path=ppt/slides/slide26.xml><?xml version="1.0" encoding="utf-8"?>
 <p:sld xmlns:a="http://schemas.openxmlformats.org/drawingml/2006/main" xmlns:r="http://schemas.openxmlformats.org/officeDocument/2006/relationships" xmlns:p="http://schemas.openxmlformats.org/presentationml/2006/main">
   <p:cSld>
     <p:spTree>
@@ -7233,7 +8497,7 @@
 </p:sld>
 </file>
 
-<file path=ppt/slides/slide24.xml><?xml version="1.0" encoding="utf-8"?>
+<file path=ppt/slides/slide27.xml><?xml version="1.0" encoding="utf-8"?>
 <p:sld xmlns:a="http://schemas.openxmlformats.org/drawingml/2006/main" xmlns:r="http://schemas.openxmlformats.org/officeDocument/2006/relationships" xmlns:p="http://schemas.openxmlformats.org/presentationml/2006/main">
   <p:cSld>
     <p:spTree>
@@ -7409,7 +8673,7 @@
 </p:sld>
 </file>
 
-<file path=ppt/slides/slide25.xml><?xml version="1.0" encoding="utf-8"?>
+<file path=ppt/slides/slide28.xml><?xml version="1.0" encoding="utf-8"?>
 <p:sld xmlns:a="http://schemas.openxmlformats.org/drawingml/2006/main" xmlns:r="http://schemas.openxmlformats.org/officeDocument/2006/relationships" xmlns:p="http://schemas.openxmlformats.org/presentationml/2006/main">
   <p:cSld>
     <p:spTree>
@@ -7485,7 +8749,7 @@
 </p:sld>
 </file>
 
-<file path=ppt/slides/slide26.xml><?xml version="1.0" encoding="utf-8"?>
+<file path=ppt/slides/slide29.xml><?xml version="1.0" encoding="utf-8"?>
 <p:sld xmlns:a="http://schemas.openxmlformats.org/drawingml/2006/main" xmlns:r="http://schemas.openxmlformats.org/officeDocument/2006/relationships" xmlns:p="http://schemas.openxmlformats.org/presentationml/2006/main">
   <p:cSld>
     <p:spTree>
@@ -7711,7 +8975,129 @@
 </p:sld>
 </file>
 
-<file path=ppt/slides/slide27.xml><?xml version="1.0" encoding="utf-8"?>
+<file path=ppt/slides/slide3.xml><?xml version="1.0" encoding="utf-8"?>
+<p:sld xmlns:a="http://schemas.openxmlformats.org/drawingml/2006/main" xmlns:r="http://schemas.openxmlformats.org/officeDocument/2006/relationships" xmlns:p="http://schemas.openxmlformats.org/presentationml/2006/main">
+  <p:cSld>
+    <p:spTree>
+      <p:nvGrpSpPr>
+        <p:cNvPr id="1" name=""/>
+        <p:cNvGrpSpPr/>
+        <p:nvPr/>
+      </p:nvGrpSpPr>
+      <p:grpSpPr>
+        <a:xfrm>
+          <a:off x="0" y="0"/>
+          <a:ext cx="0" cy="0"/>
+          <a:chOff x="0" y="0"/>
+          <a:chExt cx="0" cy="0"/>
+        </a:xfrm>
+      </p:grpSpPr>
+      <p:sp>
+        <p:nvSpPr>
+          <p:cNvPr id="5" name="Rounded Rectangle 4"/>
+          <p:cNvSpPr/>
+          <p:nvPr/>
+        </p:nvSpPr>
+        <p:spPr>
+          <a:xfrm>
+            <a:off x="4281016" y="3140968"/>
+            <a:ext cx="576064" cy="576064"/>
+          </a:xfrm>
+          <a:prstGeom prst="roundRect">
+            <a:avLst>
+              <a:gd name="adj" fmla="val 5737"/>
+            </a:avLst>
+          </a:prstGeom>
+          <a:solidFill>
+            <a:srgbClr val="FF0000"/>
+          </a:solidFill>
+          <a:ln>
+            <a:noFill/>
+          </a:ln>
+        </p:spPr>
+        <p:style>
+          <a:lnRef idx="2">
+            <a:schemeClr val="accent1">
+              <a:shade val="50000"/>
+            </a:schemeClr>
+          </a:lnRef>
+          <a:fillRef idx="1">
+            <a:schemeClr val="accent1"/>
+          </a:fillRef>
+          <a:effectRef idx="0">
+            <a:schemeClr val="accent1"/>
+          </a:effectRef>
+          <a:fontRef idx="minor">
+            <a:schemeClr val="lt1"/>
+          </a:fontRef>
+        </p:style>
+        <p:txBody>
+          <a:bodyPr rtlCol="0" anchor="ctr"/>
+          <a:lstStyle/>
+          <a:p>
+            <a:pPr algn="ctr"/>
+            <a:endParaRPr lang="en-US"/>
+          </a:p>
+        </p:txBody>
+      </p:sp>
+      <p:sp>
+        <p:nvSpPr>
+          <p:cNvPr id="3" name="Rectangle 2"/>
+          <p:cNvSpPr/>
+          <p:nvPr/>
+        </p:nvSpPr>
+        <p:spPr>
+          <a:xfrm>
+            <a:off x="4032000" y="2889000"/>
+            <a:ext cx="1080000" cy="1080000"/>
+          </a:xfrm>
+          <a:prstGeom prst="rect">
+            <a:avLst/>
+          </a:prstGeom>
+          <a:noFill/>
+          <a:ln w="6350">
+            <a:noFill/>
+          </a:ln>
+        </p:spPr>
+        <p:style>
+          <a:lnRef idx="2">
+            <a:schemeClr val="accent1">
+              <a:shade val="50000"/>
+            </a:schemeClr>
+          </a:lnRef>
+          <a:fillRef idx="1">
+            <a:schemeClr val="accent1"/>
+          </a:fillRef>
+          <a:effectRef idx="0">
+            <a:schemeClr val="accent1"/>
+          </a:effectRef>
+          <a:fontRef idx="minor">
+            <a:schemeClr val="lt1"/>
+          </a:fontRef>
+        </p:style>
+        <p:txBody>
+          <a:bodyPr rtlCol="0" anchor="ctr"/>
+          <a:lstStyle/>
+          <a:p>
+            <a:pPr algn="ctr"/>
+            <a:endParaRPr lang="zh-TW" altLang="en-US"/>
+          </a:p>
+        </p:txBody>
+      </p:sp>
+    </p:spTree>
+    <p:extLst>
+      <p:ext uri="{BB962C8B-B14F-4D97-AF65-F5344CB8AC3E}">
+        <p14:creationId xmlns:p14="http://schemas.microsoft.com/office/powerpoint/2010/main" val="2760861898"/>
+      </p:ext>
+    </p:extLst>
+  </p:cSld>
+  <p:clrMapOvr>
+    <a:masterClrMapping/>
+  </p:clrMapOvr>
+</p:sld>
+</file>
+
+<file path=ppt/slides/slide30.xml><?xml version="1.0" encoding="utf-8"?>
 <p:sld xmlns:a="http://schemas.openxmlformats.org/drawingml/2006/main" xmlns:r="http://schemas.openxmlformats.org/officeDocument/2006/relationships" xmlns:p="http://schemas.openxmlformats.org/presentationml/2006/main">
   <p:cSld>
     <p:spTree>
@@ -8059,7 +9445,7 @@
 </p:sld>
 </file>
 
-<file path=ppt/slides/slide28.xml><?xml version="1.0" encoding="utf-8"?>
+<file path=ppt/slides/slide31.xml><?xml version="1.0" encoding="utf-8"?>
 <p:sld xmlns:a="http://schemas.openxmlformats.org/drawingml/2006/main" xmlns:r="http://schemas.openxmlformats.org/officeDocument/2006/relationships" xmlns:p="http://schemas.openxmlformats.org/presentationml/2006/main">
   <p:cSld>
     <p:spTree>
@@ -8377,7 +9763,7 @@
 </p:sld>
 </file>
 
-<file path=ppt/slides/slide29.xml><?xml version="1.0" encoding="utf-8"?>
+<file path=ppt/slides/slide32.xml><?xml version="1.0" encoding="utf-8"?>
 <p:sld xmlns:a="http://schemas.openxmlformats.org/drawingml/2006/main" xmlns:r="http://schemas.openxmlformats.org/officeDocument/2006/relationships" xmlns:p="http://schemas.openxmlformats.org/presentationml/2006/main">
   <p:cSld>
     <p:spTree>
@@ -9217,129 +10603,7 @@
 </p:sld>
 </file>
 
-<file path=ppt/slides/slide3.xml><?xml version="1.0" encoding="utf-8"?>
-<p:sld xmlns:a="http://schemas.openxmlformats.org/drawingml/2006/main" xmlns:r="http://schemas.openxmlformats.org/officeDocument/2006/relationships" xmlns:p="http://schemas.openxmlformats.org/presentationml/2006/main">
-  <p:cSld>
-    <p:spTree>
-      <p:nvGrpSpPr>
-        <p:cNvPr id="1" name=""/>
-        <p:cNvGrpSpPr/>
-        <p:nvPr/>
-      </p:nvGrpSpPr>
-      <p:grpSpPr>
-        <a:xfrm>
-          <a:off x="0" y="0"/>
-          <a:ext cx="0" cy="0"/>
-          <a:chOff x="0" y="0"/>
-          <a:chExt cx="0" cy="0"/>
-        </a:xfrm>
-      </p:grpSpPr>
-      <p:sp>
-        <p:nvSpPr>
-          <p:cNvPr id="5" name="Rounded Rectangle 4"/>
-          <p:cNvSpPr/>
-          <p:nvPr/>
-        </p:nvSpPr>
-        <p:spPr>
-          <a:xfrm>
-            <a:off x="4281016" y="3140968"/>
-            <a:ext cx="576064" cy="576064"/>
-          </a:xfrm>
-          <a:prstGeom prst="roundRect">
-            <a:avLst>
-              <a:gd name="adj" fmla="val 11111"/>
-            </a:avLst>
-          </a:prstGeom>
-          <a:solidFill>
-            <a:srgbClr val="FF0000"/>
-          </a:solidFill>
-          <a:ln>
-            <a:noFill/>
-          </a:ln>
-        </p:spPr>
-        <p:style>
-          <a:lnRef idx="2">
-            <a:schemeClr val="accent1">
-              <a:shade val="50000"/>
-            </a:schemeClr>
-          </a:lnRef>
-          <a:fillRef idx="1">
-            <a:schemeClr val="accent1"/>
-          </a:fillRef>
-          <a:effectRef idx="0">
-            <a:schemeClr val="accent1"/>
-          </a:effectRef>
-          <a:fontRef idx="minor">
-            <a:schemeClr val="lt1"/>
-          </a:fontRef>
-        </p:style>
-        <p:txBody>
-          <a:bodyPr rtlCol="0" anchor="ctr"/>
-          <a:lstStyle/>
-          <a:p>
-            <a:pPr algn="ctr"/>
-            <a:endParaRPr lang="en-US"/>
-          </a:p>
-        </p:txBody>
-      </p:sp>
-      <p:sp>
-        <p:nvSpPr>
-          <p:cNvPr id="3" name="Rectangle 2"/>
-          <p:cNvSpPr/>
-          <p:nvPr/>
-        </p:nvSpPr>
-        <p:spPr>
-          <a:xfrm>
-            <a:off x="4032000" y="2889000"/>
-            <a:ext cx="1080000" cy="1080000"/>
-          </a:xfrm>
-          <a:prstGeom prst="rect">
-            <a:avLst/>
-          </a:prstGeom>
-          <a:noFill/>
-          <a:ln w="6350">
-            <a:noFill/>
-          </a:ln>
-        </p:spPr>
-        <p:style>
-          <a:lnRef idx="2">
-            <a:schemeClr val="accent1">
-              <a:shade val="50000"/>
-            </a:schemeClr>
-          </a:lnRef>
-          <a:fillRef idx="1">
-            <a:schemeClr val="accent1"/>
-          </a:fillRef>
-          <a:effectRef idx="0">
-            <a:schemeClr val="accent1"/>
-          </a:effectRef>
-          <a:fontRef idx="minor">
-            <a:schemeClr val="lt1"/>
-          </a:fontRef>
-        </p:style>
-        <p:txBody>
-          <a:bodyPr rtlCol="0" anchor="ctr"/>
-          <a:lstStyle/>
-          <a:p>
-            <a:pPr algn="ctr"/>
-            <a:endParaRPr lang="zh-TW" altLang="en-US"/>
-          </a:p>
-        </p:txBody>
-      </p:sp>
-    </p:spTree>
-    <p:extLst>
-      <p:ext uri="{BB962C8B-B14F-4D97-AF65-F5344CB8AC3E}">
-        <p14:creationId xmlns:p14="http://schemas.microsoft.com/office/powerpoint/2010/main" val="2760861898"/>
-      </p:ext>
-    </p:extLst>
-  </p:cSld>
-  <p:clrMapOvr>
-    <a:masterClrMapping/>
-  </p:clrMapOvr>
-</p:sld>
-</file>
-
-<file path=ppt/slides/slide30.xml><?xml version="1.0" encoding="utf-8"?>
+<file path=ppt/slides/slide33.xml><?xml version="1.0" encoding="utf-8"?>
 <p:sld xmlns:a="http://schemas.openxmlformats.org/drawingml/2006/main" xmlns:r="http://schemas.openxmlformats.org/officeDocument/2006/relationships" xmlns:p="http://schemas.openxmlformats.org/presentationml/2006/main">
   <p:cSld>
     <p:spTree>
@@ -11018,7 +12282,7 @@
 </p:sld>
 </file>
 
-<file path=ppt/slides/slide31.xml><?xml version="1.0" encoding="utf-8"?>
+<file path=ppt/slides/slide34.xml><?xml version="1.0" encoding="utf-8"?>
 <p:sld xmlns:a="http://schemas.openxmlformats.org/drawingml/2006/main" xmlns:r="http://schemas.openxmlformats.org/officeDocument/2006/relationships" xmlns:p="http://schemas.openxmlformats.org/presentationml/2006/main">
   <p:cSld>
     <p:spTree>
@@ -11261,7 +12525,7 @@
 </p:sld>
 </file>
 
-<file path=ppt/slides/slide32.xml><?xml version="1.0" encoding="utf-8"?>
+<file path=ppt/slides/slide35.xml><?xml version="1.0" encoding="utf-8"?>
 <p:sld xmlns:a="http://schemas.openxmlformats.org/drawingml/2006/main" xmlns:r="http://schemas.openxmlformats.org/officeDocument/2006/relationships" xmlns:p="http://schemas.openxmlformats.org/presentationml/2006/main">
   <p:cSld>
     <p:spTree>
@@ -12127,7 +13391,7 @@
 </p:sld>
 </file>
 
-<file path=ppt/slides/slide33.xml><?xml version="1.0" encoding="utf-8"?>
+<file path=ppt/slides/slide36.xml><?xml version="1.0" encoding="utf-8"?>
 <p:sld xmlns:a="http://schemas.openxmlformats.org/drawingml/2006/main" xmlns:r="http://schemas.openxmlformats.org/officeDocument/2006/relationships" xmlns:p="http://schemas.openxmlformats.org/presentationml/2006/main">
   <p:cSld>
     <p:spTree>
@@ -13055,7 +14319,7 @@
 </p:sld>
 </file>
 
-<file path=ppt/slides/slide34.xml><?xml version="1.0" encoding="utf-8"?>
+<file path=ppt/slides/slide37.xml><?xml version="1.0" encoding="utf-8"?>
 <p:sld xmlns:a="http://schemas.openxmlformats.org/drawingml/2006/main" xmlns:r="http://schemas.openxmlformats.org/officeDocument/2006/relationships" xmlns:p="http://schemas.openxmlformats.org/presentationml/2006/main">
   <p:cSld>
     <p:spTree>
@@ -13989,7 +15253,7 @@
 </p:sld>
 </file>
 
-<file path=ppt/slides/slide35.xml><?xml version="1.0" encoding="utf-8"?>
+<file path=ppt/slides/slide38.xml><?xml version="1.0" encoding="utf-8"?>
 <p:sld xmlns:a="http://schemas.openxmlformats.org/drawingml/2006/main" xmlns:r="http://schemas.openxmlformats.org/officeDocument/2006/relationships" xmlns:p="http://schemas.openxmlformats.org/presentationml/2006/main">
   <p:cSld>
     <p:spTree>
@@ -14069,7 +15333,7 @@
 </p:sld>
 </file>
 
-<file path=ppt/slides/slide36.xml><?xml version="1.0" encoding="utf-8"?>
+<file path=ppt/slides/slide39.xml><?xml version="1.0" encoding="utf-8"?>
 <p:sld xmlns:a="http://schemas.openxmlformats.org/drawingml/2006/main" xmlns:r="http://schemas.openxmlformats.org/officeDocument/2006/relationships" xmlns:p="http://schemas.openxmlformats.org/presentationml/2006/main">
   <p:cSld>
     <p:spTree>
@@ -14212,7 +15476,230 @@
 </p:sld>
 </file>
 
-<file path=ppt/slides/slide37.xml><?xml version="1.0" encoding="utf-8"?>
+<file path=ppt/slides/slide4.xml><?xml version="1.0" encoding="utf-8"?>
+<p:sld xmlns:a="http://schemas.openxmlformats.org/drawingml/2006/main" xmlns:r="http://schemas.openxmlformats.org/officeDocument/2006/relationships" xmlns:p="http://schemas.openxmlformats.org/presentationml/2006/main">
+  <p:cSld>
+    <p:spTree>
+      <p:nvGrpSpPr>
+        <p:cNvPr id="1" name=""/>
+        <p:cNvGrpSpPr/>
+        <p:nvPr/>
+      </p:nvGrpSpPr>
+      <p:grpSpPr>
+        <a:xfrm>
+          <a:off x="0" y="0"/>
+          <a:ext cx="0" cy="0"/>
+          <a:chOff x="0" y="0"/>
+          <a:chExt cx="0" cy="0"/>
+        </a:xfrm>
+      </p:grpSpPr>
+      <p:sp>
+        <p:nvSpPr>
+          <p:cNvPr id="2" name="Rectangle 1"/>
+          <p:cNvSpPr/>
+          <p:nvPr/>
+        </p:nvSpPr>
+        <p:spPr>
+          <a:xfrm>
+            <a:off x="4077598" y="2933742"/>
+            <a:ext cx="576064" cy="576000"/>
+          </a:xfrm>
+          <a:prstGeom prst="rect">
+            <a:avLst/>
+          </a:prstGeom>
+          <a:solidFill>
+            <a:schemeClr val="bg1">
+              <a:lumMod val="75000"/>
+            </a:schemeClr>
+          </a:solidFill>
+          <a:ln w="50800">
+            <a:solidFill>
+              <a:schemeClr val="bg1">
+                <a:lumMod val="75000"/>
+              </a:schemeClr>
+            </a:solidFill>
+            <a:miter lim="800000"/>
+          </a:ln>
+        </p:spPr>
+        <p:style>
+          <a:lnRef idx="2">
+            <a:schemeClr val="accent1">
+              <a:shade val="50000"/>
+            </a:schemeClr>
+          </a:lnRef>
+          <a:fillRef idx="1">
+            <a:schemeClr val="accent1"/>
+          </a:fillRef>
+          <a:effectRef idx="0">
+            <a:schemeClr val="accent1"/>
+          </a:effectRef>
+          <a:fontRef idx="minor">
+            <a:schemeClr val="lt1"/>
+          </a:fontRef>
+        </p:style>
+        <p:txBody>
+          <a:bodyPr rtlCol="0" anchor="ctr"/>
+          <a:lstStyle/>
+          <a:p>
+            <a:pPr algn="ctr"/>
+            <a:endParaRPr lang="en-US"/>
+          </a:p>
+        </p:txBody>
+      </p:sp>
+      <p:sp>
+        <p:nvSpPr>
+          <p:cNvPr id="3" name="Rectangle 2"/>
+          <p:cNvSpPr/>
+          <p:nvPr/>
+        </p:nvSpPr>
+        <p:spPr>
+          <a:xfrm>
+            <a:off x="4032000" y="2889000"/>
+            <a:ext cx="1080000" cy="1080000"/>
+          </a:xfrm>
+          <a:prstGeom prst="rect">
+            <a:avLst/>
+          </a:prstGeom>
+          <a:noFill/>
+          <a:ln w="6350">
+            <a:noFill/>
+          </a:ln>
+        </p:spPr>
+        <p:style>
+          <a:lnRef idx="2">
+            <a:schemeClr val="accent1">
+              <a:shade val="50000"/>
+            </a:schemeClr>
+          </a:lnRef>
+          <a:fillRef idx="1">
+            <a:schemeClr val="accent1"/>
+          </a:fillRef>
+          <a:effectRef idx="0">
+            <a:schemeClr val="accent1"/>
+          </a:effectRef>
+          <a:fontRef idx="minor">
+            <a:schemeClr val="lt1"/>
+          </a:fontRef>
+        </p:style>
+        <p:txBody>
+          <a:bodyPr rtlCol="0" anchor="ctr"/>
+          <a:lstStyle/>
+          <a:p>
+            <a:pPr algn="ctr"/>
+            <a:endParaRPr lang="zh-TW" altLang="en-US"/>
+          </a:p>
+        </p:txBody>
+      </p:sp>
+      <p:sp>
+        <p:nvSpPr>
+          <p:cNvPr id="6" name="Rectangle 5"/>
+          <p:cNvSpPr/>
+          <p:nvPr/>
+        </p:nvSpPr>
+        <p:spPr>
+          <a:xfrm>
+            <a:off x="4494912" y="3351912"/>
+            <a:ext cx="576064" cy="576000"/>
+          </a:xfrm>
+          <a:prstGeom prst="rect">
+            <a:avLst/>
+          </a:prstGeom>
+          <a:solidFill>
+            <a:schemeClr val="tx1">
+              <a:lumMod val="50000"/>
+              <a:lumOff val="50000"/>
+            </a:schemeClr>
+          </a:solidFill>
+          <a:ln w="50800">
+            <a:solidFill>
+              <a:schemeClr val="tx1">
+                <a:lumMod val="50000"/>
+                <a:lumOff val="50000"/>
+              </a:schemeClr>
+            </a:solidFill>
+            <a:miter lim="800000"/>
+          </a:ln>
+        </p:spPr>
+        <p:style>
+          <a:lnRef idx="2">
+            <a:schemeClr val="accent1">
+              <a:shade val="50000"/>
+            </a:schemeClr>
+          </a:lnRef>
+          <a:fillRef idx="1">
+            <a:schemeClr val="accent1"/>
+          </a:fillRef>
+          <a:effectRef idx="0">
+            <a:schemeClr val="accent1"/>
+          </a:effectRef>
+          <a:fontRef idx="minor">
+            <a:schemeClr val="lt1"/>
+          </a:fontRef>
+        </p:style>
+        <p:txBody>
+          <a:bodyPr rtlCol="0" anchor="ctr"/>
+          <a:lstStyle/>
+          <a:p>
+            <a:pPr algn="ctr"/>
+            <a:endParaRPr lang="en-US"/>
+          </a:p>
+        </p:txBody>
+      </p:sp>
+      <p:cxnSp>
+        <p:nvCxnSpPr>
+          <p:cNvPr id="10" name="Straight Arrow Connector 9"/>
+          <p:cNvCxnSpPr/>
+          <p:nvPr/>
+        </p:nvCxnSpPr>
+        <p:spPr>
+          <a:xfrm flipH="1" flipV="1">
+            <a:off x="4077598" y="2934598"/>
+            <a:ext cx="417314" cy="417314"/>
+          </a:xfrm>
+          <a:prstGeom prst="straightConnector1">
+            <a:avLst/>
+          </a:prstGeom>
+          <a:solidFill>
+            <a:schemeClr val="bg1"/>
+          </a:solidFill>
+          <a:ln w="63500" cap="rnd">
+            <a:solidFill>
+              <a:schemeClr val="tx1"/>
+            </a:solidFill>
+            <a:tailEnd type="triangle" w="lg" len="med"/>
+          </a:ln>
+        </p:spPr>
+        <p:style>
+          <a:lnRef idx="2">
+            <a:schemeClr val="accent1">
+              <a:shade val="50000"/>
+            </a:schemeClr>
+          </a:lnRef>
+          <a:fillRef idx="1">
+            <a:schemeClr val="accent1"/>
+          </a:fillRef>
+          <a:effectRef idx="0">
+            <a:schemeClr val="accent1"/>
+          </a:effectRef>
+          <a:fontRef idx="minor">
+            <a:schemeClr val="lt1"/>
+          </a:fontRef>
+        </p:style>
+      </p:cxnSp>
+    </p:spTree>
+    <p:extLst>
+      <p:ext uri="{BB962C8B-B14F-4D97-AF65-F5344CB8AC3E}">
+        <p14:creationId xmlns:p14="http://schemas.microsoft.com/office/powerpoint/2010/main" val="920945367"/>
+      </p:ext>
+    </p:extLst>
+  </p:cSld>
+  <p:clrMapOvr>
+    <a:masterClrMapping/>
+  </p:clrMapOvr>
+</p:sld>
+</file>
+
+<file path=ppt/slides/slide40.xml><?xml version="1.0" encoding="utf-8"?>
 <p:sld xmlns:a="http://schemas.openxmlformats.org/drawingml/2006/main" xmlns:r="http://schemas.openxmlformats.org/officeDocument/2006/relationships" xmlns:p="http://schemas.openxmlformats.org/presentationml/2006/main">
   <p:cSld>
     <p:spTree>
@@ -14377,7 +15864,7 @@
 </p:sld>
 </file>
 
-<file path=ppt/slides/slide38.xml><?xml version="1.0" encoding="utf-8"?>
+<file path=ppt/slides/slide41.xml><?xml version="1.0" encoding="utf-8"?>
 <p:sld xmlns:a="http://schemas.openxmlformats.org/drawingml/2006/main" xmlns:r="http://schemas.openxmlformats.org/officeDocument/2006/relationships" xmlns:p="http://schemas.openxmlformats.org/presentationml/2006/main">
   <p:cSld>
     <p:spTree>
@@ -14577,7 +16064,7 @@
 </p:sld>
 </file>
 
-<file path=ppt/slides/slide39.xml><?xml version="1.0" encoding="utf-8"?>
+<file path=ppt/slides/slide42.xml><?xml version="1.0" encoding="utf-8"?>
 <p:sld xmlns:a="http://schemas.openxmlformats.org/drawingml/2006/main" xmlns:r="http://schemas.openxmlformats.org/officeDocument/2006/relationships" xmlns:p="http://schemas.openxmlformats.org/presentationml/2006/main">
   <p:cSld>
     <p:spTree>
@@ -14934,230 +16421,7 @@
 </p:sld>
 </file>
 
-<file path=ppt/slides/slide4.xml><?xml version="1.0" encoding="utf-8"?>
-<p:sld xmlns:a="http://schemas.openxmlformats.org/drawingml/2006/main" xmlns:r="http://schemas.openxmlformats.org/officeDocument/2006/relationships" xmlns:p="http://schemas.openxmlformats.org/presentationml/2006/main">
-  <p:cSld>
-    <p:spTree>
-      <p:nvGrpSpPr>
-        <p:cNvPr id="1" name=""/>
-        <p:cNvGrpSpPr/>
-        <p:nvPr/>
-      </p:nvGrpSpPr>
-      <p:grpSpPr>
-        <a:xfrm>
-          <a:off x="0" y="0"/>
-          <a:ext cx="0" cy="0"/>
-          <a:chOff x="0" y="0"/>
-          <a:chExt cx="0" cy="0"/>
-        </a:xfrm>
-      </p:grpSpPr>
-      <p:sp>
-        <p:nvSpPr>
-          <p:cNvPr id="2" name="Rectangle 1"/>
-          <p:cNvSpPr/>
-          <p:nvPr/>
-        </p:nvSpPr>
-        <p:spPr>
-          <a:xfrm>
-            <a:off x="4077598" y="2933742"/>
-            <a:ext cx="576064" cy="576000"/>
-          </a:xfrm>
-          <a:prstGeom prst="rect">
-            <a:avLst/>
-          </a:prstGeom>
-          <a:solidFill>
-            <a:schemeClr val="bg1">
-              <a:lumMod val="75000"/>
-            </a:schemeClr>
-          </a:solidFill>
-          <a:ln w="50800">
-            <a:solidFill>
-              <a:schemeClr val="bg1">
-                <a:lumMod val="75000"/>
-              </a:schemeClr>
-            </a:solidFill>
-            <a:miter lim="800000"/>
-          </a:ln>
-        </p:spPr>
-        <p:style>
-          <a:lnRef idx="2">
-            <a:schemeClr val="accent1">
-              <a:shade val="50000"/>
-            </a:schemeClr>
-          </a:lnRef>
-          <a:fillRef idx="1">
-            <a:schemeClr val="accent1"/>
-          </a:fillRef>
-          <a:effectRef idx="0">
-            <a:schemeClr val="accent1"/>
-          </a:effectRef>
-          <a:fontRef idx="minor">
-            <a:schemeClr val="lt1"/>
-          </a:fontRef>
-        </p:style>
-        <p:txBody>
-          <a:bodyPr rtlCol="0" anchor="ctr"/>
-          <a:lstStyle/>
-          <a:p>
-            <a:pPr algn="ctr"/>
-            <a:endParaRPr lang="en-US"/>
-          </a:p>
-        </p:txBody>
-      </p:sp>
-      <p:sp>
-        <p:nvSpPr>
-          <p:cNvPr id="3" name="Rectangle 2"/>
-          <p:cNvSpPr/>
-          <p:nvPr/>
-        </p:nvSpPr>
-        <p:spPr>
-          <a:xfrm>
-            <a:off x="4032000" y="2889000"/>
-            <a:ext cx="1080000" cy="1080000"/>
-          </a:xfrm>
-          <a:prstGeom prst="rect">
-            <a:avLst/>
-          </a:prstGeom>
-          <a:noFill/>
-          <a:ln w="6350">
-            <a:noFill/>
-          </a:ln>
-        </p:spPr>
-        <p:style>
-          <a:lnRef idx="2">
-            <a:schemeClr val="accent1">
-              <a:shade val="50000"/>
-            </a:schemeClr>
-          </a:lnRef>
-          <a:fillRef idx="1">
-            <a:schemeClr val="accent1"/>
-          </a:fillRef>
-          <a:effectRef idx="0">
-            <a:schemeClr val="accent1"/>
-          </a:effectRef>
-          <a:fontRef idx="minor">
-            <a:schemeClr val="lt1"/>
-          </a:fontRef>
-        </p:style>
-        <p:txBody>
-          <a:bodyPr rtlCol="0" anchor="ctr"/>
-          <a:lstStyle/>
-          <a:p>
-            <a:pPr algn="ctr"/>
-            <a:endParaRPr lang="zh-TW" altLang="en-US"/>
-          </a:p>
-        </p:txBody>
-      </p:sp>
-      <p:sp>
-        <p:nvSpPr>
-          <p:cNvPr id="6" name="Rectangle 5"/>
-          <p:cNvSpPr/>
-          <p:nvPr/>
-        </p:nvSpPr>
-        <p:spPr>
-          <a:xfrm>
-            <a:off x="4494912" y="3351912"/>
-            <a:ext cx="576064" cy="576000"/>
-          </a:xfrm>
-          <a:prstGeom prst="rect">
-            <a:avLst/>
-          </a:prstGeom>
-          <a:solidFill>
-            <a:schemeClr val="tx1">
-              <a:lumMod val="50000"/>
-              <a:lumOff val="50000"/>
-            </a:schemeClr>
-          </a:solidFill>
-          <a:ln w="50800">
-            <a:solidFill>
-              <a:schemeClr val="tx1">
-                <a:lumMod val="50000"/>
-                <a:lumOff val="50000"/>
-              </a:schemeClr>
-            </a:solidFill>
-            <a:miter lim="800000"/>
-          </a:ln>
-        </p:spPr>
-        <p:style>
-          <a:lnRef idx="2">
-            <a:schemeClr val="accent1">
-              <a:shade val="50000"/>
-            </a:schemeClr>
-          </a:lnRef>
-          <a:fillRef idx="1">
-            <a:schemeClr val="accent1"/>
-          </a:fillRef>
-          <a:effectRef idx="0">
-            <a:schemeClr val="accent1"/>
-          </a:effectRef>
-          <a:fontRef idx="minor">
-            <a:schemeClr val="lt1"/>
-          </a:fontRef>
-        </p:style>
-        <p:txBody>
-          <a:bodyPr rtlCol="0" anchor="ctr"/>
-          <a:lstStyle/>
-          <a:p>
-            <a:pPr algn="ctr"/>
-            <a:endParaRPr lang="en-US"/>
-          </a:p>
-        </p:txBody>
-      </p:sp>
-      <p:cxnSp>
-        <p:nvCxnSpPr>
-          <p:cNvPr id="10" name="Straight Arrow Connector 9"/>
-          <p:cNvCxnSpPr/>
-          <p:nvPr/>
-        </p:nvCxnSpPr>
-        <p:spPr>
-          <a:xfrm flipH="1" flipV="1">
-            <a:off x="4077598" y="2934598"/>
-            <a:ext cx="417314" cy="417314"/>
-          </a:xfrm>
-          <a:prstGeom prst="straightConnector1">
-            <a:avLst/>
-          </a:prstGeom>
-          <a:solidFill>
-            <a:schemeClr val="bg1"/>
-          </a:solidFill>
-          <a:ln w="63500" cap="rnd">
-            <a:solidFill>
-              <a:schemeClr val="tx1"/>
-            </a:solidFill>
-            <a:tailEnd type="triangle" w="lg" len="med"/>
-          </a:ln>
-        </p:spPr>
-        <p:style>
-          <a:lnRef idx="2">
-            <a:schemeClr val="accent1">
-              <a:shade val="50000"/>
-            </a:schemeClr>
-          </a:lnRef>
-          <a:fillRef idx="1">
-            <a:schemeClr val="accent1"/>
-          </a:fillRef>
-          <a:effectRef idx="0">
-            <a:schemeClr val="accent1"/>
-          </a:effectRef>
-          <a:fontRef idx="minor">
-            <a:schemeClr val="lt1"/>
-          </a:fontRef>
-        </p:style>
-      </p:cxnSp>
-    </p:spTree>
-    <p:extLst>
-      <p:ext uri="{BB962C8B-B14F-4D97-AF65-F5344CB8AC3E}">
-        <p14:creationId xmlns:p14="http://schemas.microsoft.com/office/powerpoint/2010/main" val="920945367"/>
-      </p:ext>
-    </p:extLst>
-  </p:cSld>
-  <p:clrMapOvr>
-    <a:masterClrMapping/>
-  </p:clrMapOvr>
-</p:sld>
-</file>
-
-<file path=ppt/slides/slide40.xml><?xml version="1.0" encoding="utf-8"?>
+<file path=ppt/slides/slide43.xml><?xml version="1.0" encoding="utf-8"?>
 <p:sld xmlns:a="http://schemas.openxmlformats.org/drawingml/2006/main" xmlns:r="http://schemas.openxmlformats.org/officeDocument/2006/relationships" xmlns:p="http://schemas.openxmlformats.org/presentationml/2006/main">
   <p:cSld>
     <p:spTree>
@@ -17438,425 +18702,410 @@
           <a:chExt cx="0" cy="0"/>
         </a:xfrm>
       </p:grpSpPr>
+      <p:sp>
+        <p:nvSpPr>
+          <p:cNvPr id="74" name="Rounded Rectangle 73"/>
+          <p:cNvSpPr/>
+          <p:nvPr/>
+        </p:nvSpPr>
+        <p:spPr>
+          <a:xfrm>
+            <a:off x="4096678" y="2960687"/>
+            <a:ext cx="756000" cy="612000"/>
+          </a:xfrm>
+          <a:prstGeom prst="roundRect">
+            <a:avLst>
+              <a:gd name="adj" fmla="val 7326"/>
+            </a:avLst>
+          </a:prstGeom>
+          <a:solidFill>
+            <a:schemeClr val="bg1">
+              <a:lumMod val="65000"/>
+            </a:schemeClr>
+          </a:solidFill>
+          <a:ln w="50800">
+            <a:noFill/>
+          </a:ln>
+        </p:spPr>
+        <p:style>
+          <a:lnRef idx="2">
+            <a:schemeClr val="accent1">
+              <a:shade val="50000"/>
+            </a:schemeClr>
+          </a:lnRef>
+          <a:fillRef idx="1">
+            <a:schemeClr val="accent1"/>
+          </a:fillRef>
+          <a:effectRef idx="0">
+            <a:schemeClr val="accent1"/>
+          </a:effectRef>
+          <a:fontRef idx="minor">
+            <a:schemeClr val="lt1"/>
+          </a:fontRef>
+        </p:style>
+        <p:txBody>
+          <a:bodyPr rtlCol="0" anchor="ctr"/>
+          <a:lstStyle/>
+          <a:p>
+            <a:pPr algn="ctr"/>
+            <a:endParaRPr lang="zh-TW" altLang="en-US"/>
+          </a:p>
+        </p:txBody>
+      </p:sp>
+      <p:sp>
+        <p:nvSpPr>
+          <p:cNvPr id="75" name="Trapezoid 74"/>
+          <p:cNvSpPr/>
+          <p:nvPr/>
+        </p:nvSpPr>
+        <p:spPr>
+          <a:xfrm rot="16200000">
+            <a:off x="4642189" y="3158686"/>
+            <a:ext cx="612000" cy="216000"/>
+          </a:xfrm>
+          <a:prstGeom prst="trapezoid">
+            <a:avLst>
+              <a:gd name="adj" fmla="val 112099"/>
+            </a:avLst>
+          </a:prstGeom>
+          <a:solidFill>
+            <a:schemeClr val="bg1">
+              <a:lumMod val="65000"/>
+            </a:schemeClr>
+          </a:solidFill>
+          <a:ln w="50800">
+            <a:noFill/>
+            <a:miter lim="800000"/>
+          </a:ln>
+        </p:spPr>
+        <p:style>
+          <a:lnRef idx="2">
+            <a:schemeClr val="accent1">
+              <a:shade val="50000"/>
+            </a:schemeClr>
+          </a:lnRef>
+          <a:fillRef idx="1">
+            <a:schemeClr val="accent1"/>
+          </a:fillRef>
+          <a:effectRef idx="0">
+            <a:schemeClr val="accent1"/>
+          </a:effectRef>
+          <a:fontRef idx="minor">
+            <a:schemeClr val="lt1"/>
+          </a:fontRef>
+        </p:style>
+        <p:txBody>
+          <a:bodyPr rtlCol="0" anchor="ctr"/>
+          <a:lstStyle/>
+          <a:p>
+            <a:pPr algn="ctr"/>
+            <a:endParaRPr lang="zh-TW" altLang="en-US"/>
+          </a:p>
+        </p:txBody>
+      </p:sp>
+      <p:sp>
+        <p:nvSpPr>
+          <p:cNvPr id="12" name="Rectangle 11"/>
+          <p:cNvSpPr/>
+          <p:nvPr/>
+        </p:nvSpPr>
+        <p:spPr>
+          <a:xfrm>
+            <a:off x="4032000" y="2889000"/>
+            <a:ext cx="1080000" cy="1080000"/>
+          </a:xfrm>
+          <a:prstGeom prst="rect">
+            <a:avLst/>
+          </a:prstGeom>
+          <a:noFill/>
+          <a:ln w="6350">
+            <a:noFill/>
+          </a:ln>
+        </p:spPr>
+        <p:style>
+          <a:lnRef idx="2">
+            <a:schemeClr val="accent1">
+              <a:shade val="50000"/>
+            </a:schemeClr>
+          </a:lnRef>
+          <a:fillRef idx="1">
+            <a:schemeClr val="accent1"/>
+          </a:fillRef>
+          <a:effectRef idx="0">
+            <a:schemeClr val="accent1"/>
+          </a:effectRef>
+          <a:fontRef idx="minor">
+            <a:schemeClr val="lt1"/>
+          </a:fontRef>
+        </p:style>
+        <p:txBody>
+          <a:bodyPr rtlCol="0" anchor="ctr"/>
+          <a:lstStyle/>
+          <a:p>
+            <a:pPr algn="ctr"/>
+            <a:endParaRPr lang="zh-TW" altLang="en-US"/>
+          </a:p>
+        </p:txBody>
+      </p:sp>
       <p:grpSp>
         <p:nvGrpSpPr>
-          <p:cNvPr id="7" name="Group 6"/>
+          <p:cNvPr id="13" name="Group 12"/>
           <p:cNvGrpSpPr/>
           <p:nvPr/>
         </p:nvGrpSpPr>
         <p:grpSpPr>
           <a:xfrm>
-            <a:off x="4032000" y="2889000"/>
-            <a:ext cx="1080000" cy="1080000"/>
-            <a:chOff x="4032000" y="2889000"/>
-            <a:chExt cx="1080000" cy="1080000"/>
+            <a:off x="4203082" y="3153526"/>
+            <a:ext cx="756001" cy="756000"/>
+            <a:chOff x="4270601" y="3180564"/>
+            <a:chExt cx="756001" cy="756000"/>
           </a:xfrm>
         </p:grpSpPr>
-        <p:sp>
-          <p:nvSpPr>
-            <p:cNvPr id="74" name="Rounded Rectangle 73"/>
-            <p:cNvSpPr/>
-            <p:nvPr/>
-          </p:nvSpPr>
-          <p:spPr>
-            <a:xfrm>
-              <a:off x="4096678" y="2960687"/>
-              <a:ext cx="756000" cy="612000"/>
-            </a:xfrm>
-            <a:prstGeom prst="roundRect">
-              <a:avLst>
-                <a:gd name="adj" fmla="val 7326"/>
-              </a:avLst>
-            </a:prstGeom>
-            <a:solidFill>
-              <a:schemeClr val="bg1">
-                <a:lumMod val="65000"/>
-              </a:schemeClr>
-            </a:solidFill>
-            <a:ln w="50800">
-              <a:noFill/>
-            </a:ln>
-          </p:spPr>
-          <p:style>
-            <a:lnRef idx="2">
-              <a:schemeClr val="accent1">
-                <a:shade val="50000"/>
-              </a:schemeClr>
-            </a:lnRef>
-            <a:fillRef idx="1">
-              <a:schemeClr val="accent1"/>
-            </a:fillRef>
-            <a:effectRef idx="0">
-              <a:schemeClr val="accent1"/>
-            </a:effectRef>
-            <a:fontRef idx="minor">
-              <a:schemeClr val="lt1"/>
-            </a:fontRef>
-          </p:style>
-          <p:txBody>
-            <a:bodyPr rtlCol="0" anchor="ctr"/>
-            <a:lstStyle/>
-            <a:p>
-              <a:pPr algn="ctr"/>
-              <a:endParaRPr lang="zh-TW" altLang="en-US"/>
-            </a:p>
-          </p:txBody>
-        </p:sp>
-        <p:sp>
-          <p:nvSpPr>
-            <p:cNvPr id="75" name="Trapezoid 74"/>
-            <p:cNvSpPr/>
-            <p:nvPr/>
-          </p:nvSpPr>
-          <p:spPr>
-            <a:xfrm rot="16200000">
-              <a:off x="4642189" y="3158686"/>
-              <a:ext cx="612000" cy="216000"/>
-            </a:xfrm>
-            <a:prstGeom prst="trapezoid">
-              <a:avLst>
-                <a:gd name="adj" fmla="val 112099"/>
-              </a:avLst>
-            </a:prstGeom>
-            <a:solidFill>
-              <a:schemeClr val="bg1">
-                <a:lumMod val="65000"/>
-              </a:schemeClr>
-            </a:solidFill>
-            <a:ln w="50800">
-              <a:noFill/>
-              <a:miter lim="800000"/>
-            </a:ln>
-          </p:spPr>
-          <p:style>
-            <a:lnRef idx="2">
-              <a:schemeClr val="accent1">
-                <a:shade val="50000"/>
-              </a:schemeClr>
-            </a:lnRef>
-            <a:fillRef idx="1">
-              <a:schemeClr val="accent1"/>
-            </a:fillRef>
-            <a:effectRef idx="0">
-              <a:schemeClr val="accent1"/>
-            </a:effectRef>
-            <a:fontRef idx="minor">
-              <a:schemeClr val="lt1"/>
-            </a:fontRef>
-          </p:style>
-          <p:txBody>
-            <a:bodyPr rtlCol="0" anchor="ctr"/>
-            <a:lstStyle/>
-            <a:p>
-              <a:pPr algn="ctr"/>
-              <a:endParaRPr lang="zh-TW" altLang="en-US"/>
-            </a:p>
-          </p:txBody>
-        </p:sp>
-        <p:sp>
-          <p:nvSpPr>
-            <p:cNvPr id="12" name="Rectangle 11"/>
-            <p:cNvSpPr/>
-            <p:nvPr/>
-          </p:nvSpPr>
-          <p:spPr>
-            <a:xfrm>
-              <a:off x="4032000" y="2889000"/>
-              <a:ext cx="1080000" cy="1080000"/>
-            </a:xfrm>
-            <a:prstGeom prst="rect">
-              <a:avLst/>
-            </a:prstGeom>
-            <a:noFill/>
-            <a:ln w="6350">
-              <a:noFill/>
-            </a:ln>
-          </p:spPr>
-          <p:style>
-            <a:lnRef idx="2">
-              <a:schemeClr val="accent1">
-                <a:shade val="50000"/>
-              </a:schemeClr>
-            </a:lnRef>
-            <a:fillRef idx="1">
-              <a:schemeClr val="accent1"/>
-            </a:fillRef>
-            <a:effectRef idx="0">
-              <a:schemeClr val="accent1"/>
-            </a:effectRef>
-            <a:fontRef idx="minor">
-              <a:schemeClr val="lt1"/>
-            </a:fontRef>
-          </p:style>
-          <p:txBody>
-            <a:bodyPr rtlCol="0" anchor="ctr"/>
-            <a:lstStyle/>
-            <a:p>
-              <a:pPr algn="ctr"/>
-              <a:endParaRPr lang="zh-TW" altLang="en-US"/>
-            </a:p>
-          </p:txBody>
-        </p:sp>
         <p:grpSp>
           <p:nvGrpSpPr>
-            <p:cNvPr id="5" name="Group 4"/>
+            <p:cNvPr id="14" name="Group 13"/>
+            <p:cNvGrpSpPr/>
+            <p:nvPr/>
+          </p:nvGrpSpPr>
+          <p:grpSpPr>
+            <a:xfrm rot="10800000">
+              <a:off x="4270602" y="3180564"/>
+              <a:ext cx="756000" cy="756000"/>
+              <a:chOff x="5520661" y="3180564"/>
+              <a:chExt cx="756000" cy="756000"/>
+            </a:xfrm>
+          </p:grpSpPr>
+          <p:sp>
+            <p:nvSpPr>
+              <p:cNvPr id="21" name="Circular Arrow 20"/>
+              <p:cNvSpPr/>
+              <p:nvPr/>
+            </p:nvSpPr>
+            <p:spPr>
+              <a:xfrm rot="2700000">
+                <a:off x="5520661" y="3180564"/>
+                <a:ext cx="756000" cy="756000"/>
+              </a:xfrm>
+              <a:prstGeom prst="circularArrow">
+                <a:avLst>
+                  <a:gd name="adj1" fmla="val 14736"/>
+                  <a:gd name="adj2" fmla="val 691748"/>
+                  <a:gd name="adj3" fmla="val 20923103"/>
+                  <a:gd name="adj4" fmla="val 12245544"/>
+                  <a:gd name="adj5" fmla="val 13414"/>
+                </a:avLst>
+              </a:prstGeom>
+              <a:solidFill>
+                <a:schemeClr val="tx1">
+                  <a:lumMod val="65000"/>
+                  <a:lumOff val="35000"/>
+                </a:schemeClr>
+              </a:solidFill>
+              <a:ln>
+                <a:noFill/>
+              </a:ln>
+            </p:spPr>
+            <p:style>
+              <a:lnRef idx="2">
+                <a:schemeClr val="accent1">
+                  <a:shade val="50000"/>
+                </a:schemeClr>
+              </a:lnRef>
+              <a:fillRef idx="1">
+                <a:schemeClr val="accent1"/>
+              </a:fillRef>
+              <a:effectRef idx="0">
+                <a:schemeClr val="accent1"/>
+              </a:effectRef>
+              <a:fontRef idx="minor">
+                <a:schemeClr val="lt1"/>
+              </a:fontRef>
+            </p:style>
+            <p:txBody>
+              <a:bodyPr rtlCol="0" anchor="ctr"/>
+              <a:lstStyle/>
+              <a:p>
+                <a:pPr algn="ctr"/>
+                <a:endParaRPr lang="zh-TW" altLang="en-US">
+                  <a:solidFill>
+                    <a:schemeClr val="tx1"/>
+                  </a:solidFill>
+                </a:endParaRPr>
+              </a:p>
+            </p:txBody>
+          </p:sp>
+          <p:sp>
+            <p:nvSpPr>
+              <p:cNvPr id="22" name="Isosceles Triangle 21"/>
+              <p:cNvSpPr/>
+              <p:nvPr/>
+            </p:nvSpPr>
+            <p:spPr>
+              <a:xfrm rot="13315778">
+                <a:off x="5942199" y="3664108"/>
+                <a:ext cx="288000" cy="180000"/>
+              </a:xfrm>
+              <a:prstGeom prst="triangle">
+                <a:avLst/>
+              </a:prstGeom>
+              <a:solidFill>
+                <a:schemeClr val="tx1">
+                  <a:lumMod val="65000"/>
+                  <a:lumOff val="35000"/>
+                </a:schemeClr>
+              </a:solidFill>
+              <a:ln>
+                <a:noFill/>
+              </a:ln>
+            </p:spPr>
+            <p:style>
+              <a:lnRef idx="2">
+                <a:schemeClr val="accent1">
+                  <a:shade val="50000"/>
+                </a:schemeClr>
+              </a:lnRef>
+              <a:fillRef idx="1">
+                <a:schemeClr val="accent1"/>
+              </a:fillRef>
+              <a:effectRef idx="0">
+                <a:schemeClr val="accent1"/>
+              </a:effectRef>
+              <a:fontRef idx="minor">
+                <a:schemeClr val="lt1"/>
+              </a:fontRef>
+            </p:style>
+            <p:txBody>
+              <a:bodyPr rtlCol="0" anchor="ctr"/>
+              <a:lstStyle/>
+              <a:p>
+                <a:pPr algn="ctr"/>
+                <a:endParaRPr lang="zh-TW" altLang="en-US"/>
+              </a:p>
+            </p:txBody>
+          </p:sp>
+        </p:grpSp>
+        <p:grpSp>
+          <p:nvGrpSpPr>
+            <p:cNvPr id="15" name="Group 14"/>
             <p:cNvGrpSpPr/>
             <p:nvPr/>
           </p:nvGrpSpPr>
           <p:grpSpPr>
             <a:xfrm>
-              <a:off x="4203082" y="3194498"/>
-              <a:ext cx="756001" cy="756000"/>
-              <a:chOff x="4270601" y="3180564"/>
-              <a:chExt cx="756001" cy="756000"/>
+              <a:off x="4270601" y="3180564"/>
+              <a:ext cx="756000" cy="756000"/>
+              <a:chOff x="5520661" y="3180564"/>
+              <a:chExt cx="756000" cy="756000"/>
             </a:xfrm>
           </p:grpSpPr>
-          <p:grpSp>
-            <p:nvGrpSpPr>
-              <p:cNvPr id="3" name="Group 2"/>
-              <p:cNvGrpSpPr/>
+          <p:sp>
+            <p:nvSpPr>
+              <p:cNvPr id="19" name="Circular Arrow 18"/>
+              <p:cNvSpPr/>
               <p:nvPr/>
-            </p:nvGrpSpPr>
-            <p:grpSpPr>
-              <a:xfrm rot="10800000">
-                <a:off x="4270602" y="3180564"/>
+            </p:nvSpPr>
+            <p:spPr>
+              <a:xfrm rot="2700000">
+                <a:off x="5520661" y="3180564"/>
                 <a:ext cx="756000" cy="756000"/>
-                <a:chOff x="5520661" y="3180564"/>
-                <a:chExt cx="756000" cy="756000"/>
               </a:xfrm>
-            </p:grpSpPr>
-            <p:sp>
-              <p:nvSpPr>
-                <p:cNvPr id="10" name="Circular Arrow 9"/>
-                <p:cNvSpPr/>
-                <p:nvPr/>
-              </p:nvSpPr>
-              <p:spPr>
-                <a:xfrm rot="2700000">
-                  <a:off x="5520661" y="3180564"/>
-                  <a:ext cx="756000" cy="756000"/>
-                </a:xfrm>
-                <a:prstGeom prst="circularArrow">
-                  <a:avLst>
-                    <a:gd name="adj1" fmla="val 14736"/>
-                    <a:gd name="adj2" fmla="val 691748"/>
-                    <a:gd name="adj3" fmla="val 20923103"/>
-                    <a:gd name="adj4" fmla="val 12245544"/>
-                    <a:gd name="adj5" fmla="val 13414"/>
-                  </a:avLst>
-                </a:prstGeom>
-                <a:solidFill>
-                  <a:schemeClr val="tx1">
-                    <a:lumMod val="65000"/>
-                    <a:lumOff val="35000"/>
-                  </a:schemeClr>
-                </a:solidFill>
-                <a:ln>
-                  <a:noFill/>
-                </a:ln>
-              </p:spPr>
-              <p:style>
-                <a:lnRef idx="2">
-                  <a:schemeClr val="accent1">
-                    <a:shade val="50000"/>
-                  </a:schemeClr>
-                </a:lnRef>
-                <a:fillRef idx="1">
-                  <a:schemeClr val="accent1"/>
-                </a:fillRef>
-                <a:effectRef idx="0">
-                  <a:schemeClr val="accent1"/>
-                </a:effectRef>
-                <a:fontRef idx="minor">
-                  <a:schemeClr val="lt1"/>
-                </a:fontRef>
-              </p:style>
-              <p:txBody>
-                <a:bodyPr rtlCol="0" anchor="ctr"/>
-                <a:lstStyle/>
-                <a:p>
-                  <a:pPr algn="ctr"/>
-                  <a:endParaRPr lang="zh-TW" altLang="en-US">
-                    <a:solidFill>
-                      <a:schemeClr val="tx1"/>
-                    </a:solidFill>
-                  </a:endParaRPr>
-                </a:p>
-              </p:txBody>
-            </p:sp>
-            <p:sp>
-              <p:nvSpPr>
-                <p:cNvPr id="11" name="Isosceles Triangle 10"/>
-                <p:cNvSpPr/>
-                <p:nvPr/>
-              </p:nvSpPr>
-              <p:spPr>
-                <a:xfrm rot="13315778">
-                  <a:off x="5942199" y="3664108"/>
-                  <a:ext cx="288000" cy="180000"/>
-                </a:xfrm>
-                <a:prstGeom prst="triangle">
-                  <a:avLst/>
-                </a:prstGeom>
-                <a:solidFill>
-                  <a:schemeClr val="tx1">
-                    <a:lumMod val="65000"/>
-                    <a:lumOff val="35000"/>
-                  </a:schemeClr>
-                </a:solidFill>
-                <a:ln>
-                  <a:noFill/>
-                </a:ln>
-              </p:spPr>
-              <p:style>
-                <a:lnRef idx="2">
-                  <a:schemeClr val="accent1">
-                    <a:shade val="50000"/>
-                  </a:schemeClr>
-                </a:lnRef>
-                <a:fillRef idx="1">
-                  <a:schemeClr val="accent1"/>
-                </a:fillRef>
-                <a:effectRef idx="0">
-                  <a:schemeClr val="accent1"/>
-                </a:effectRef>
-                <a:fontRef idx="minor">
-                  <a:schemeClr val="lt1"/>
-                </a:fontRef>
-              </p:style>
-              <p:txBody>
-                <a:bodyPr rtlCol="0" anchor="ctr"/>
-                <a:lstStyle/>
-                <a:p>
-                  <a:pPr algn="ctr"/>
-                  <a:endParaRPr lang="zh-TW" altLang="en-US"/>
-                </a:p>
-              </p:txBody>
-            </p:sp>
-          </p:grpSp>
-          <p:grpSp>
-            <p:nvGrpSpPr>
-              <p:cNvPr id="16" name="Group 15"/>
-              <p:cNvGrpSpPr/>
+              <a:prstGeom prst="circularArrow">
+                <a:avLst>
+                  <a:gd name="adj1" fmla="val 14736"/>
+                  <a:gd name="adj2" fmla="val 691748"/>
+                  <a:gd name="adj3" fmla="val 20923103"/>
+                  <a:gd name="adj4" fmla="val 12245544"/>
+                  <a:gd name="adj5" fmla="val 13414"/>
+                </a:avLst>
+              </a:prstGeom>
+              <a:solidFill>
+                <a:schemeClr val="tx1">
+                  <a:lumMod val="65000"/>
+                  <a:lumOff val="35000"/>
+                </a:schemeClr>
+              </a:solidFill>
+              <a:ln>
+                <a:noFill/>
+              </a:ln>
+            </p:spPr>
+            <p:style>
+              <a:lnRef idx="2">
+                <a:schemeClr val="accent1">
+                  <a:shade val="50000"/>
+                </a:schemeClr>
+              </a:lnRef>
+              <a:fillRef idx="1">
+                <a:schemeClr val="accent1"/>
+              </a:fillRef>
+              <a:effectRef idx="0">
+                <a:schemeClr val="accent1"/>
+              </a:effectRef>
+              <a:fontRef idx="minor">
+                <a:schemeClr val="lt1"/>
+              </a:fontRef>
+            </p:style>
+            <p:txBody>
+              <a:bodyPr rtlCol="0" anchor="ctr"/>
+              <a:lstStyle/>
+              <a:p>
+                <a:pPr algn="ctr"/>
+                <a:endParaRPr lang="zh-TW" altLang="en-US">
+                  <a:solidFill>
+                    <a:schemeClr val="tx1"/>
+                  </a:solidFill>
+                </a:endParaRPr>
+              </a:p>
+            </p:txBody>
+          </p:sp>
+          <p:sp>
+            <p:nvSpPr>
+              <p:cNvPr id="20" name="Isosceles Triangle 19"/>
+              <p:cNvSpPr/>
               <p:nvPr/>
-            </p:nvGrpSpPr>
-            <p:grpSpPr>
-              <a:xfrm>
-                <a:off x="4270601" y="3180564"/>
-                <a:ext cx="756000" cy="756000"/>
-                <a:chOff x="5520661" y="3180564"/>
-                <a:chExt cx="756000" cy="756000"/>
+            </p:nvSpPr>
+            <p:spPr>
+              <a:xfrm rot="13315778">
+                <a:off x="5942199" y="3664108"/>
+                <a:ext cx="288000" cy="180000"/>
               </a:xfrm>
-            </p:grpSpPr>
-            <p:sp>
-              <p:nvSpPr>
-                <p:cNvPr id="17" name="Circular Arrow 16"/>
-                <p:cNvSpPr/>
-                <p:nvPr/>
-              </p:nvSpPr>
-              <p:spPr>
-                <a:xfrm rot="2700000">
-                  <a:off x="5520661" y="3180564"/>
-                  <a:ext cx="756000" cy="756000"/>
-                </a:xfrm>
-                <a:prstGeom prst="circularArrow">
-                  <a:avLst>
-                    <a:gd name="adj1" fmla="val 14736"/>
-                    <a:gd name="adj2" fmla="val 691748"/>
-                    <a:gd name="adj3" fmla="val 20923103"/>
-                    <a:gd name="adj4" fmla="val 12245544"/>
-                    <a:gd name="adj5" fmla="val 13414"/>
-                  </a:avLst>
-                </a:prstGeom>
-                <a:solidFill>
-                  <a:schemeClr val="tx1">
-                    <a:lumMod val="65000"/>
-                    <a:lumOff val="35000"/>
-                  </a:schemeClr>
-                </a:solidFill>
-                <a:ln>
-                  <a:noFill/>
-                </a:ln>
-              </p:spPr>
-              <p:style>
-                <a:lnRef idx="2">
-                  <a:schemeClr val="accent1">
-                    <a:shade val="50000"/>
-                  </a:schemeClr>
-                </a:lnRef>
-                <a:fillRef idx="1">
-                  <a:schemeClr val="accent1"/>
-                </a:fillRef>
-                <a:effectRef idx="0">
-                  <a:schemeClr val="accent1"/>
-                </a:effectRef>
-                <a:fontRef idx="minor">
-                  <a:schemeClr val="lt1"/>
-                </a:fontRef>
-              </p:style>
-              <p:txBody>
-                <a:bodyPr rtlCol="0" anchor="ctr"/>
-                <a:lstStyle/>
-                <a:p>
-                  <a:pPr algn="ctr"/>
-                  <a:endParaRPr lang="zh-TW" altLang="en-US">
-                    <a:solidFill>
-                      <a:schemeClr val="tx1"/>
-                    </a:solidFill>
-                  </a:endParaRPr>
-                </a:p>
-              </p:txBody>
-            </p:sp>
-            <p:sp>
-              <p:nvSpPr>
-                <p:cNvPr id="18" name="Isosceles Triangle 17"/>
-                <p:cNvSpPr/>
-                <p:nvPr/>
-              </p:nvSpPr>
-              <p:spPr>
-                <a:xfrm rot="13315778">
-                  <a:off x="5942199" y="3664108"/>
-                  <a:ext cx="288000" cy="180000"/>
-                </a:xfrm>
-                <a:prstGeom prst="triangle">
-                  <a:avLst/>
-                </a:prstGeom>
-                <a:solidFill>
-                  <a:schemeClr val="tx1">
-                    <a:lumMod val="65000"/>
-                    <a:lumOff val="35000"/>
-                  </a:schemeClr>
-                </a:solidFill>
-                <a:ln>
-                  <a:noFill/>
-                </a:ln>
-              </p:spPr>
-              <p:style>
-                <a:lnRef idx="2">
-                  <a:schemeClr val="accent1">
-                    <a:shade val="50000"/>
-                  </a:schemeClr>
-                </a:lnRef>
-                <a:fillRef idx="1">
-                  <a:schemeClr val="accent1"/>
-                </a:fillRef>
-                <a:effectRef idx="0">
-                  <a:schemeClr val="accent1"/>
-                </a:effectRef>
-                <a:fontRef idx="minor">
-                  <a:schemeClr val="lt1"/>
-                </a:fontRef>
-              </p:style>
-              <p:txBody>
-                <a:bodyPr rtlCol="0" anchor="ctr"/>
-                <a:lstStyle/>
-                <a:p>
-                  <a:pPr algn="ctr"/>
-                  <a:endParaRPr lang="zh-TW" altLang="en-US"/>
-                </a:p>
-              </p:txBody>
-            </p:sp>
-          </p:grpSp>
+              <a:prstGeom prst="triangle">
+                <a:avLst/>
+              </a:prstGeom>
+              <a:solidFill>
+                <a:schemeClr val="tx1">
+                  <a:lumMod val="65000"/>
+                  <a:lumOff val="35000"/>
+                </a:schemeClr>
+              </a:solidFill>
+              <a:ln>
+                <a:noFill/>
+              </a:ln>
+            </p:spPr>
+            <p:style>
+              <a:lnRef idx="2">
+                <a:schemeClr val="accent1">
+                  <a:shade val="50000"/>
+                </a:schemeClr>
+              </a:lnRef>
+              <a:fillRef idx="1">
+                <a:schemeClr val="accent1"/>
+              </a:fillRef>
+              <a:effectRef idx="0">
+                <a:schemeClr val="accent1"/>
+              </a:effectRef>
+              <a:fontRef idx="minor">
+                <a:schemeClr val="lt1"/>
+              </a:fontRef>
+            </p:style>
+            <p:txBody>
+              <a:bodyPr rtlCol="0" anchor="ctr"/>
+              <a:lstStyle/>
+              <a:p>
+                <a:pPr algn="ctr"/>
+                <a:endParaRPr lang="zh-TW" altLang="en-US"/>
+              </a:p>
+            </p:txBody>
+          </p:sp>
         </p:grpSp>
       </p:grpSp>
     </p:spTree>

--- a/icons/icons.pptx
+++ b/icons/icons.pptx
@@ -5,7 +5,7 @@
     <p:sldMasterId id="2147483648" r:id="rId1"/>
   </p:sldMasterIdLst>
   <p:notesMasterIdLst>
-    <p:notesMasterId r:id="rId22"/>
+    <p:notesMasterId r:id="rId23"/>
   </p:notesMasterIdLst>
   <p:sldIdLst>
     <p:sldId id="286" r:id="rId2"/>
@@ -24,10 +24,11 @@
     <p:sldId id="328" r:id="rId15"/>
     <p:sldId id="313" r:id="rId16"/>
     <p:sldId id="314" r:id="rId17"/>
-    <p:sldId id="315" r:id="rId18"/>
-    <p:sldId id="317" r:id="rId19"/>
-    <p:sldId id="316" r:id="rId20"/>
-    <p:sldId id="320" r:id="rId21"/>
+    <p:sldId id="335" r:id="rId18"/>
+    <p:sldId id="315" r:id="rId19"/>
+    <p:sldId id="317" r:id="rId20"/>
+    <p:sldId id="316" r:id="rId21"/>
+    <p:sldId id="320" r:id="rId22"/>
   </p:sldIdLst>
   <p:sldSz cx="9144000" cy="6858000" type="screen4x3"/>
   <p:notesSz cx="6858000" cy="9144000"/>
@@ -211,7 +212,7 @@
           <a:p>
             <a:fld id="{409A854A-4542-4C46-92B4-B1933D0339ED}" type="datetimeFigureOut">
               <a:rPr lang="en-US" smtClean="0"/>
-              <a:t>4/7/2017</a:t>
+              <a:t>4/20/2017</a:t>
             </a:fld>
             <a:endParaRPr lang="en-US"/>
           </a:p>
@@ -744,7 +745,7 @@
           <a:p>
             <a:fld id="{B6192DF9-7B65-41DB-B5A4-F73A2B2D849B}" type="datetimeFigureOut">
               <a:rPr lang="zh-TW" altLang="en-US" smtClean="0"/>
-              <a:t>2017/4/7</a:t>
+              <a:t>2017/4/20</a:t>
             </a:fld>
             <a:endParaRPr lang="zh-TW" altLang="en-US"/>
           </a:p>
@@ -914,7 +915,7 @@
           <a:p>
             <a:fld id="{B6192DF9-7B65-41DB-B5A4-F73A2B2D849B}" type="datetimeFigureOut">
               <a:rPr lang="zh-TW" altLang="en-US" smtClean="0"/>
-              <a:t>2017/4/7</a:t>
+              <a:t>2017/4/20</a:t>
             </a:fld>
             <a:endParaRPr lang="zh-TW" altLang="en-US"/>
           </a:p>
@@ -1094,7 +1095,7 @@
           <a:p>
             <a:fld id="{B6192DF9-7B65-41DB-B5A4-F73A2B2D849B}" type="datetimeFigureOut">
               <a:rPr lang="zh-TW" altLang="en-US" smtClean="0"/>
-              <a:t>2017/4/7</a:t>
+              <a:t>2017/4/20</a:t>
             </a:fld>
             <a:endParaRPr lang="zh-TW" altLang="en-US"/>
           </a:p>
@@ -1264,7 +1265,7 @@
           <a:p>
             <a:fld id="{B6192DF9-7B65-41DB-B5A4-F73A2B2D849B}" type="datetimeFigureOut">
               <a:rPr lang="zh-TW" altLang="en-US" smtClean="0"/>
-              <a:t>2017/4/7</a:t>
+              <a:t>2017/4/20</a:t>
             </a:fld>
             <a:endParaRPr lang="zh-TW" altLang="en-US"/>
           </a:p>
@@ -1510,7 +1511,7 @@
           <a:p>
             <a:fld id="{B6192DF9-7B65-41DB-B5A4-F73A2B2D849B}" type="datetimeFigureOut">
               <a:rPr lang="zh-TW" altLang="en-US" smtClean="0"/>
-              <a:t>2017/4/7</a:t>
+              <a:t>2017/4/20</a:t>
             </a:fld>
             <a:endParaRPr lang="zh-TW" altLang="en-US"/>
           </a:p>
@@ -1798,7 +1799,7 @@
           <a:p>
             <a:fld id="{B6192DF9-7B65-41DB-B5A4-F73A2B2D849B}" type="datetimeFigureOut">
               <a:rPr lang="zh-TW" altLang="en-US" smtClean="0"/>
-              <a:t>2017/4/7</a:t>
+              <a:t>2017/4/20</a:t>
             </a:fld>
             <a:endParaRPr lang="zh-TW" altLang="en-US"/>
           </a:p>
@@ -2220,7 +2221,7 @@
           <a:p>
             <a:fld id="{B6192DF9-7B65-41DB-B5A4-F73A2B2D849B}" type="datetimeFigureOut">
               <a:rPr lang="zh-TW" altLang="en-US" smtClean="0"/>
-              <a:t>2017/4/7</a:t>
+              <a:t>2017/4/20</a:t>
             </a:fld>
             <a:endParaRPr lang="zh-TW" altLang="en-US"/>
           </a:p>
@@ -2338,7 +2339,7 @@
           <a:p>
             <a:fld id="{B6192DF9-7B65-41DB-B5A4-F73A2B2D849B}" type="datetimeFigureOut">
               <a:rPr lang="zh-TW" altLang="en-US" smtClean="0"/>
-              <a:t>2017/4/7</a:t>
+              <a:t>2017/4/20</a:t>
             </a:fld>
             <a:endParaRPr lang="zh-TW" altLang="en-US"/>
           </a:p>
@@ -2433,7 +2434,7 @@
           <a:p>
             <a:fld id="{B6192DF9-7B65-41DB-B5A4-F73A2B2D849B}" type="datetimeFigureOut">
               <a:rPr lang="zh-TW" altLang="en-US" smtClean="0"/>
-              <a:t>2017/4/7</a:t>
+              <a:t>2017/4/20</a:t>
             </a:fld>
             <a:endParaRPr lang="zh-TW" altLang="en-US"/>
           </a:p>
@@ -2710,7 +2711,7 @@
           <a:p>
             <a:fld id="{B6192DF9-7B65-41DB-B5A4-F73A2B2D849B}" type="datetimeFigureOut">
               <a:rPr lang="zh-TW" altLang="en-US" smtClean="0"/>
-              <a:t>2017/4/7</a:t>
+              <a:t>2017/4/20</a:t>
             </a:fld>
             <a:endParaRPr lang="zh-TW" altLang="en-US"/>
           </a:p>
@@ -2963,7 +2964,7 @@
           <a:p>
             <a:fld id="{B6192DF9-7B65-41DB-B5A4-F73A2B2D849B}" type="datetimeFigureOut">
               <a:rPr lang="zh-TW" altLang="en-US" smtClean="0"/>
-              <a:t>2017/4/7</a:t>
+              <a:t>2017/4/20</a:t>
             </a:fld>
             <a:endParaRPr lang="zh-TW" altLang="en-US"/>
           </a:p>
@@ -3176,7 +3177,7 @@
           <a:p>
             <a:fld id="{B6192DF9-7B65-41DB-B5A4-F73A2B2D849B}" type="datetimeFigureOut">
               <a:rPr lang="zh-TW" altLang="en-US" smtClean="0"/>
-              <a:t>2017/4/7</a:t>
+              <a:t>2017/4/20</a:t>
             </a:fld>
             <a:endParaRPr lang="zh-TW" altLang="en-US"/>
           </a:p>
@@ -3828,64 +3829,14 @@
       </p:grpSpPr>
       <p:sp>
         <p:nvSpPr>
-          <p:cNvPr id="74" name="Rounded Rectangle 73"/>
+          <p:cNvPr id="17" name="Trapezoid 16"/>
           <p:cNvSpPr/>
           <p:nvPr/>
         </p:nvSpPr>
         <p:spPr>
-          <a:xfrm>
-            <a:off x="4096678" y="2960687"/>
-            <a:ext cx="756000" cy="612000"/>
-          </a:xfrm>
-          <a:prstGeom prst="roundRect">
-            <a:avLst>
-              <a:gd name="adj" fmla="val 7326"/>
-            </a:avLst>
-          </a:prstGeom>
-          <a:solidFill>
-            <a:schemeClr val="bg1">
-              <a:lumMod val="65000"/>
-            </a:schemeClr>
-          </a:solidFill>
-          <a:ln w="50800">
-            <a:noFill/>
-          </a:ln>
-        </p:spPr>
-        <p:style>
-          <a:lnRef idx="2">
-            <a:schemeClr val="accent1">
-              <a:shade val="50000"/>
-            </a:schemeClr>
-          </a:lnRef>
-          <a:fillRef idx="1">
-            <a:schemeClr val="accent1"/>
-          </a:fillRef>
-          <a:effectRef idx="0">
-            <a:schemeClr val="accent1"/>
-          </a:effectRef>
-          <a:fontRef idx="minor">
-            <a:schemeClr val="lt1"/>
-          </a:fontRef>
-        </p:style>
-        <p:txBody>
-          <a:bodyPr rtlCol="0" anchor="ctr"/>
-          <a:lstStyle/>
-          <a:p>
-            <a:pPr algn="ctr"/>
-            <a:endParaRPr lang="zh-TW" altLang="en-US"/>
-          </a:p>
-        </p:txBody>
-      </p:sp>
-      <p:sp>
-        <p:nvSpPr>
-          <p:cNvPr id="75" name="Trapezoid 74"/>
-          <p:cNvSpPr/>
-          <p:nvPr/>
-        </p:nvSpPr>
-        <p:spPr>
           <a:xfrm rot="16200000">
-            <a:off x="4642189" y="3158686"/>
-            <a:ext cx="612000" cy="216000"/>
+            <a:off x="4594434" y="3146931"/>
+            <a:ext cx="684000" cy="239511"/>
           </a:xfrm>
           <a:prstGeom prst="trapezoid">
             <a:avLst>
@@ -3900,6 +3851,56 @@
           <a:ln w="50800">
             <a:noFill/>
             <a:miter lim="800000"/>
+          </a:ln>
+        </p:spPr>
+        <p:style>
+          <a:lnRef idx="2">
+            <a:schemeClr val="accent1">
+              <a:shade val="50000"/>
+            </a:schemeClr>
+          </a:lnRef>
+          <a:fillRef idx="1">
+            <a:schemeClr val="accent1"/>
+          </a:fillRef>
+          <a:effectRef idx="0">
+            <a:schemeClr val="accent1"/>
+          </a:effectRef>
+          <a:fontRef idx="minor">
+            <a:schemeClr val="lt1"/>
+          </a:fontRef>
+        </p:style>
+        <p:txBody>
+          <a:bodyPr rtlCol="0" anchor="ctr"/>
+          <a:lstStyle/>
+          <a:p>
+            <a:pPr algn="ctr"/>
+            <a:endParaRPr lang="zh-TW" altLang="en-US"/>
+          </a:p>
+        </p:txBody>
+      </p:sp>
+      <p:sp>
+        <p:nvSpPr>
+          <p:cNvPr id="18" name="Rounded Rectangle 17"/>
+          <p:cNvSpPr/>
+          <p:nvPr/>
+        </p:nvSpPr>
+        <p:spPr>
+          <a:xfrm>
+            <a:off x="4096678" y="2978687"/>
+            <a:ext cx="720000" cy="576000"/>
+          </a:xfrm>
+          <a:prstGeom prst="roundRect">
+            <a:avLst>
+              <a:gd name="adj" fmla="val 7326"/>
+            </a:avLst>
+          </a:prstGeom>
+          <a:solidFill>
+            <a:schemeClr val="bg1">
+              <a:lumMod val="65000"/>
+            </a:schemeClr>
+          </a:solidFill>
+          <a:ln w="50800">
+            <a:noFill/>
           </a:ln>
         </p:spPr>
         <p:style>
@@ -4249,64 +4250,14 @@
       </p:grpSpPr>
       <p:sp>
         <p:nvSpPr>
-          <p:cNvPr id="74" name="Rounded Rectangle 73"/>
+          <p:cNvPr id="14" name="Trapezoid 13"/>
           <p:cNvSpPr/>
           <p:nvPr/>
         </p:nvSpPr>
         <p:spPr>
-          <a:xfrm>
-            <a:off x="4096678" y="2960687"/>
-            <a:ext cx="756000" cy="612000"/>
-          </a:xfrm>
-          <a:prstGeom prst="roundRect">
-            <a:avLst>
-              <a:gd name="adj" fmla="val 7326"/>
-            </a:avLst>
-          </a:prstGeom>
-          <a:solidFill>
-            <a:schemeClr val="bg1">
-              <a:lumMod val="65000"/>
-            </a:schemeClr>
-          </a:solidFill>
-          <a:ln w="50800">
-            <a:noFill/>
-          </a:ln>
-        </p:spPr>
-        <p:style>
-          <a:lnRef idx="2">
-            <a:schemeClr val="accent1">
-              <a:shade val="50000"/>
-            </a:schemeClr>
-          </a:lnRef>
-          <a:fillRef idx="1">
-            <a:schemeClr val="accent1"/>
-          </a:fillRef>
-          <a:effectRef idx="0">
-            <a:schemeClr val="accent1"/>
-          </a:effectRef>
-          <a:fontRef idx="minor">
-            <a:schemeClr val="lt1"/>
-          </a:fontRef>
-        </p:style>
-        <p:txBody>
-          <a:bodyPr rtlCol="0" anchor="ctr"/>
-          <a:lstStyle/>
-          <a:p>
-            <a:pPr algn="ctr"/>
-            <a:endParaRPr lang="zh-TW" altLang="en-US"/>
-          </a:p>
-        </p:txBody>
-      </p:sp>
-      <p:sp>
-        <p:nvSpPr>
-          <p:cNvPr id="75" name="Trapezoid 74"/>
-          <p:cNvSpPr/>
-          <p:nvPr/>
-        </p:nvSpPr>
-        <p:spPr>
           <a:xfrm rot="16200000">
-            <a:off x="4642189" y="3158686"/>
-            <a:ext cx="612000" cy="216000"/>
+            <a:off x="4594434" y="3146931"/>
+            <a:ext cx="684000" cy="239511"/>
           </a:xfrm>
           <a:prstGeom prst="trapezoid">
             <a:avLst>
@@ -4321,6 +4272,56 @@
           <a:ln w="50800">
             <a:noFill/>
             <a:miter lim="800000"/>
+          </a:ln>
+        </p:spPr>
+        <p:style>
+          <a:lnRef idx="2">
+            <a:schemeClr val="accent1">
+              <a:shade val="50000"/>
+            </a:schemeClr>
+          </a:lnRef>
+          <a:fillRef idx="1">
+            <a:schemeClr val="accent1"/>
+          </a:fillRef>
+          <a:effectRef idx="0">
+            <a:schemeClr val="accent1"/>
+          </a:effectRef>
+          <a:fontRef idx="minor">
+            <a:schemeClr val="lt1"/>
+          </a:fontRef>
+        </p:style>
+        <p:txBody>
+          <a:bodyPr rtlCol="0" anchor="ctr"/>
+          <a:lstStyle/>
+          <a:p>
+            <a:pPr algn="ctr"/>
+            <a:endParaRPr lang="zh-TW" altLang="en-US"/>
+          </a:p>
+        </p:txBody>
+      </p:sp>
+      <p:sp>
+        <p:nvSpPr>
+          <p:cNvPr id="15" name="Rounded Rectangle 14"/>
+          <p:cNvSpPr/>
+          <p:nvPr/>
+        </p:nvSpPr>
+        <p:spPr>
+          <a:xfrm>
+            <a:off x="4096678" y="2978687"/>
+            <a:ext cx="720000" cy="576000"/>
+          </a:xfrm>
+          <a:prstGeom prst="roundRect">
+            <a:avLst>
+              <a:gd name="adj" fmla="val 7326"/>
+            </a:avLst>
+          </a:prstGeom>
+          <a:solidFill>
+            <a:schemeClr val="bg1">
+              <a:lumMod val="65000"/>
+            </a:schemeClr>
+          </a:solidFill>
+          <a:ln w="50800">
+            <a:noFill/>
           </a:ln>
         </p:spPr>
         <p:style>
@@ -4670,64 +4671,14 @@
       </p:grpSpPr>
       <p:sp>
         <p:nvSpPr>
-          <p:cNvPr id="74" name="Rounded Rectangle 73"/>
+          <p:cNvPr id="17" name="Trapezoid 16"/>
           <p:cNvSpPr/>
           <p:nvPr/>
         </p:nvSpPr>
         <p:spPr>
-          <a:xfrm>
-            <a:off x="4096678" y="2960687"/>
-            <a:ext cx="756000" cy="612000"/>
-          </a:xfrm>
-          <a:prstGeom prst="roundRect">
-            <a:avLst>
-              <a:gd name="adj" fmla="val 7326"/>
-            </a:avLst>
-          </a:prstGeom>
-          <a:solidFill>
-            <a:schemeClr val="bg1">
-              <a:lumMod val="65000"/>
-            </a:schemeClr>
-          </a:solidFill>
-          <a:ln w="50800">
-            <a:noFill/>
-          </a:ln>
-        </p:spPr>
-        <p:style>
-          <a:lnRef idx="2">
-            <a:schemeClr val="accent1">
-              <a:shade val="50000"/>
-            </a:schemeClr>
-          </a:lnRef>
-          <a:fillRef idx="1">
-            <a:schemeClr val="accent1"/>
-          </a:fillRef>
-          <a:effectRef idx="0">
-            <a:schemeClr val="accent1"/>
-          </a:effectRef>
-          <a:fontRef idx="minor">
-            <a:schemeClr val="lt1"/>
-          </a:fontRef>
-        </p:style>
-        <p:txBody>
-          <a:bodyPr rtlCol="0" anchor="ctr"/>
-          <a:lstStyle/>
-          <a:p>
-            <a:pPr algn="ctr"/>
-            <a:endParaRPr lang="zh-TW" altLang="en-US"/>
-          </a:p>
-        </p:txBody>
-      </p:sp>
-      <p:sp>
-        <p:nvSpPr>
-          <p:cNvPr id="75" name="Trapezoid 74"/>
-          <p:cNvSpPr/>
-          <p:nvPr/>
-        </p:nvSpPr>
-        <p:spPr>
           <a:xfrm rot="16200000">
-            <a:off x="4642189" y="3158686"/>
-            <a:ext cx="612000" cy="216000"/>
+            <a:off x="4594434" y="3146931"/>
+            <a:ext cx="684000" cy="239511"/>
           </a:xfrm>
           <a:prstGeom prst="trapezoid">
             <a:avLst>
@@ -4742,6 +4693,56 @@
           <a:ln w="50800">
             <a:noFill/>
             <a:miter lim="800000"/>
+          </a:ln>
+        </p:spPr>
+        <p:style>
+          <a:lnRef idx="2">
+            <a:schemeClr val="accent1">
+              <a:shade val="50000"/>
+            </a:schemeClr>
+          </a:lnRef>
+          <a:fillRef idx="1">
+            <a:schemeClr val="accent1"/>
+          </a:fillRef>
+          <a:effectRef idx="0">
+            <a:schemeClr val="accent1"/>
+          </a:effectRef>
+          <a:fontRef idx="minor">
+            <a:schemeClr val="lt1"/>
+          </a:fontRef>
+        </p:style>
+        <p:txBody>
+          <a:bodyPr rtlCol="0" anchor="ctr"/>
+          <a:lstStyle/>
+          <a:p>
+            <a:pPr algn="ctr"/>
+            <a:endParaRPr lang="zh-TW" altLang="en-US"/>
+          </a:p>
+        </p:txBody>
+      </p:sp>
+      <p:sp>
+        <p:nvSpPr>
+          <p:cNvPr id="18" name="Rounded Rectangle 17"/>
+          <p:cNvSpPr/>
+          <p:nvPr/>
+        </p:nvSpPr>
+        <p:spPr>
+          <a:xfrm>
+            <a:off x="4096678" y="2978687"/>
+            <a:ext cx="720000" cy="576000"/>
+          </a:xfrm>
+          <a:prstGeom prst="roundRect">
+            <a:avLst>
+              <a:gd name="adj" fmla="val 7326"/>
+            </a:avLst>
+          </a:prstGeom>
+          <a:solidFill>
+            <a:schemeClr val="bg1">
+              <a:lumMod val="65000"/>
+            </a:schemeClr>
+          </a:solidFill>
+          <a:ln w="50800">
+            <a:noFill/>
           </a:ln>
         </p:spPr>
         <p:style>
@@ -5091,64 +5092,14 @@
       </p:grpSpPr>
       <p:sp>
         <p:nvSpPr>
-          <p:cNvPr id="74" name="Rounded Rectangle 73"/>
+          <p:cNvPr id="14" name="Trapezoid 13"/>
           <p:cNvSpPr/>
           <p:nvPr/>
         </p:nvSpPr>
         <p:spPr>
-          <a:xfrm>
-            <a:off x="4096678" y="2960687"/>
-            <a:ext cx="756000" cy="612000"/>
-          </a:xfrm>
-          <a:prstGeom prst="roundRect">
-            <a:avLst>
-              <a:gd name="adj" fmla="val 7326"/>
-            </a:avLst>
-          </a:prstGeom>
-          <a:solidFill>
-            <a:schemeClr val="bg1">
-              <a:lumMod val="65000"/>
-            </a:schemeClr>
-          </a:solidFill>
-          <a:ln w="50800">
-            <a:noFill/>
-          </a:ln>
-        </p:spPr>
-        <p:style>
-          <a:lnRef idx="2">
-            <a:schemeClr val="accent1">
-              <a:shade val="50000"/>
-            </a:schemeClr>
-          </a:lnRef>
-          <a:fillRef idx="1">
-            <a:schemeClr val="accent1"/>
-          </a:fillRef>
-          <a:effectRef idx="0">
-            <a:schemeClr val="accent1"/>
-          </a:effectRef>
-          <a:fontRef idx="minor">
-            <a:schemeClr val="lt1"/>
-          </a:fontRef>
-        </p:style>
-        <p:txBody>
-          <a:bodyPr rtlCol="0" anchor="ctr"/>
-          <a:lstStyle/>
-          <a:p>
-            <a:pPr algn="ctr"/>
-            <a:endParaRPr lang="zh-TW" altLang="en-US"/>
-          </a:p>
-        </p:txBody>
-      </p:sp>
-      <p:sp>
-        <p:nvSpPr>
-          <p:cNvPr id="75" name="Trapezoid 74"/>
-          <p:cNvSpPr/>
-          <p:nvPr/>
-        </p:nvSpPr>
-        <p:spPr>
           <a:xfrm rot="16200000">
-            <a:off x="4642189" y="3158686"/>
-            <a:ext cx="612000" cy="216000"/>
+            <a:off x="4594434" y="3146931"/>
+            <a:ext cx="684000" cy="239511"/>
           </a:xfrm>
           <a:prstGeom prst="trapezoid">
             <a:avLst>
@@ -5163,6 +5114,56 @@
           <a:ln w="50800">
             <a:noFill/>
             <a:miter lim="800000"/>
+          </a:ln>
+        </p:spPr>
+        <p:style>
+          <a:lnRef idx="2">
+            <a:schemeClr val="accent1">
+              <a:shade val="50000"/>
+            </a:schemeClr>
+          </a:lnRef>
+          <a:fillRef idx="1">
+            <a:schemeClr val="accent1"/>
+          </a:fillRef>
+          <a:effectRef idx="0">
+            <a:schemeClr val="accent1"/>
+          </a:effectRef>
+          <a:fontRef idx="minor">
+            <a:schemeClr val="lt1"/>
+          </a:fontRef>
+        </p:style>
+        <p:txBody>
+          <a:bodyPr rtlCol="0" anchor="ctr"/>
+          <a:lstStyle/>
+          <a:p>
+            <a:pPr algn="ctr"/>
+            <a:endParaRPr lang="zh-TW" altLang="en-US"/>
+          </a:p>
+        </p:txBody>
+      </p:sp>
+      <p:sp>
+        <p:nvSpPr>
+          <p:cNvPr id="15" name="Rounded Rectangle 14"/>
+          <p:cNvSpPr/>
+          <p:nvPr/>
+        </p:nvSpPr>
+        <p:spPr>
+          <a:xfrm>
+            <a:off x="4096678" y="2978687"/>
+            <a:ext cx="720000" cy="576000"/>
+          </a:xfrm>
+          <a:prstGeom prst="roundRect">
+            <a:avLst>
+              <a:gd name="adj" fmla="val 7326"/>
+            </a:avLst>
+          </a:prstGeom>
+          <a:solidFill>
+            <a:schemeClr val="bg1">
+              <a:lumMod val="65000"/>
+            </a:schemeClr>
+          </a:solidFill>
+          <a:ln w="50800">
+            <a:noFill/>
           </a:ln>
         </p:spPr>
         <p:style>
@@ -6341,6 +6342,586 @@
           </a:p>
         </p:txBody>
       </p:sp>
+      <p:sp>
+        <p:nvSpPr>
+          <p:cNvPr id="3" name="Rectangle 2"/>
+          <p:cNvSpPr/>
+          <p:nvPr/>
+        </p:nvSpPr>
+        <p:spPr>
+          <a:xfrm>
+            <a:off x="4086000" y="2925000"/>
+            <a:ext cx="972000" cy="1008000"/>
+          </a:xfrm>
+          <a:prstGeom prst="rect">
+            <a:avLst/>
+          </a:prstGeom>
+          <a:noFill/>
+          <a:ln w="50800">
+            <a:solidFill>
+              <a:schemeClr val="tx1">
+                <a:lumMod val="50000"/>
+                <a:lumOff val="50000"/>
+              </a:schemeClr>
+            </a:solidFill>
+            <a:miter lim="800000"/>
+          </a:ln>
+        </p:spPr>
+        <p:style>
+          <a:lnRef idx="2">
+            <a:schemeClr val="accent1">
+              <a:shade val="50000"/>
+            </a:schemeClr>
+          </a:lnRef>
+          <a:fillRef idx="1">
+            <a:schemeClr val="accent1"/>
+          </a:fillRef>
+          <a:effectRef idx="0">
+            <a:schemeClr val="accent1"/>
+          </a:effectRef>
+          <a:fontRef idx="minor">
+            <a:schemeClr val="lt1"/>
+          </a:fontRef>
+        </p:style>
+        <p:txBody>
+          <a:bodyPr rtlCol="0" anchor="ctr"/>
+          <a:lstStyle/>
+          <a:p>
+            <a:pPr algn="ctr"/>
+            <a:endParaRPr lang="zh-TW" altLang="en-US"/>
+          </a:p>
+        </p:txBody>
+      </p:sp>
+      <p:cxnSp>
+        <p:nvCxnSpPr>
+          <p:cNvPr id="4" name="Straight Connector 3"/>
+          <p:cNvCxnSpPr/>
+          <p:nvPr/>
+        </p:nvCxnSpPr>
+        <p:spPr>
+          <a:xfrm flipV="1">
+            <a:off x="4098132" y="3126581"/>
+            <a:ext cx="264318" cy="91728"/>
+          </a:xfrm>
+          <a:prstGeom prst="line">
+            <a:avLst/>
+          </a:prstGeom>
+          <a:ln w="50800" cap="rnd">
+            <a:solidFill>
+              <a:schemeClr val="tx1">
+                <a:lumMod val="50000"/>
+                <a:lumOff val="50000"/>
+              </a:schemeClr>
+            </a:solidFill>
+          </a:ln>
+        </p:spPr>
+        <p:style>
+          <a:lnRef idx="1">
+            <a:schemeClr val="accent1"/>
+          </a:lnRef>
+          <a:fillRef idx="0">
+            <a:schemeClr val="accent1"/>
+          </a:fillRef>
+          <a:effectRef idx="0">
+            <a:schemeClr val="accent1"/>
+          </a:effectRef>
+          <a:fontRef idx="minor">
+            <a:schemeClr val="tx1"/>
+          </a:fontRef>
+        </p:style>
+      </p:cxnSp>
+      <p:cxnSp>
+        <p:nvCxnSpPr>
+          <p:cNvPr id="8" name="Straight Connector 7"/>
+          <p:cNvCxnSpPr/>
+          <p:nvPr/>
+        </p:nvCxnSpPr>
+        <p:spPr>
+          <a:xfrm flipV="1">
+            <a:off x="4379119" y="2921795"/>
+            <a:ext cx="45244" cy="197643"/>
+          </a:xfrm>
+          <a:prstGeom prst="line">
+            <a:avLst/>
+          </a:prstGeom>
+          <a:ln w="50800" cap="rnd">
+            <a:solidFill>
+              <a:schemeClr val="tx1">
+                <a:lumMod val="50000"/>
+                <a:lumOff val="50000"/>
+              </a:schemeClr>
+            </a:solidFill>
+          </a:ln>
+        </p:spPr>
+        <p:style>
+          <a:lnRef idx="1">
+            <a:schemeClr val="accent1"/>
+          </a:lnRef>
+          <a:fillRef idx="0">
+            <a:schemeClr val="accent1"/>
+          </a:fillRef>
+          <a:effectRef idx="0">
+            <a:schemeClr val="accent1"/>
+          </a:effectRef>
+          <a:fontRef idx="minor">
+            <a:schemeClr val="tx1"/>
+          </a:fontRef>
+        </p:style>
+      </p:cxnSp>
+      <p:cxnSp>
+        <p:nvCxnSpPr>
+          <p:cNvPr id="10" name="Straight Connector 9"/>
+          <p:cNvCxnSpPr/>
+          <p:nvPr/>
+        </p:nvCxnSpPr>
+        <p:spPr>
+          <a:xfrm>
+            <a:off x="4364831" y="3126581"/>
+            <a:ext cx="388144" cy="76200"/>
+          </a:xfrm>
+          <a:prstGeom prst="line">
+            <a:avLst/>
+          </a:prstGeom>
+          <a:ln w="50800" cap="rnd">
+            <a:solidFill>
+              <a:schemeClr val="tx1">
+                <a:lumMod val="50000"/>
+                <a:lumOff val="50000"/>
+              </a:schemeClr>
+            </a:solidFill>
+          </a:ln>
+        </p:spPr>
+        <p:style>
+          <a:lnRef idx="1">
+            <a:schemeClr val="accent1"/>
+          </a:lnRef>
+          <a:fillRef idx="0">
+            <a:schemeClr val="accent1"/>
+          </a:fillRef>
+          <a:effectRef idx="0">
+            <a:schemeClr val="accent1"/>
+          </a:effectRef>
+          <a:fontRef idx="minor">
+            <a:schemeClr val="tx1"/>
+          </a:fontRef>
+        </p:style>
+      </p:cxnSp>
+      <p:cxnSp>
+        <p:nvCxnSpPr>
+          <p:cNvPr id="13" name="Straight Connector 12"/>
+          <p:cNvCxnSpPr/>
+          <p:nvPr/>
+        </p:nvCxnSpPr>
+        <p:spPr>
+          <a:xfrm>
+            <a:off x="4743450" y="3202781"/>
+            <a:ext cx="307181" cy="2383"/>
+          </a:xfrm>
+          <a:prstGeom prst="line">
+            <a:avLst/>
+          </a:prstGeom>
+          <a:ln w="50800" cap="rnd">
+            <a:solidFill>
+              <a:schemeClr val="tx1">
+                <a:lumMod val="50000"/>
+                <a:lumOff val="50000"/>
+              </a:schemeClr>
+            </a:solidFill>
+          </a:ln>
+        </p:spPr>
+        <p:style>
+          <a:lnRef idx="1">
+            <a:schemeClr val="accent1"/>
+          </a:lnRef>
+          <a:fillRef idx="0">
+            <a:schemeClr val="accent1"/>
+          </a:fillRef>
+          <a:effectRef idx="0">
+            <a:schemeClr val="accent1"/>
+          </a:effectRef>
+          <a:fontRef idx="minor">
+            <a:schemeClr val="tx1"/>
+          </a:fontRef>
+        </p:style>
+      </p:cxnSp>
+      <p:cxnSp>
+        <p:nvCxnSpPr>
+          <p:cNvPr id="18" name="Straight Connector 17"/>
+          <p:cNvCxnSpPr/>
+          <p:nvPr/>
+        </p:nvCxnSpPr>
+        <p:spPr>
+          <a:xfrm>
+            <a:off x="4789549" y="3522911"/>
+            <a:ext cx="249176" cy="53727"/>
+          </a:xfrm>
+          <a:prstGeom prst="line">
+            <a:avLst/>
+          </a:prstGeom>
+          <a:ln w="50800" cap="rnd">
+            <a:solidFill>
+              <a:schemeClr val="tx1">
+                <a:lumMod val="50000"/>
+                <a:lumOff val="50000"/>
+              </a:schemeClr>
+            </a:solidFill>
+          </a:ln>
+        </p:spPr>
+        <p:style>
+          <a:lnRef idx="1">
+            <a:schemeClr val="accent1"/>
+          </a:lnRef>
+          <a:fillRef idx="0">
+            <a:schemeClr val="accent1"/>
+          </a:fillRef>
+          <a:effectRef idx="0">
+            <a:schemeClr val="accent1"/>
+          </a:effectRef>
+          <a:fontRef idx="minor">
+            <a:schemeClr val="tx1"/>
+          </a:fontRef>
+        </p:style>
+      </p:cxnSp>
+      <p:cxnSp>
+        <p:nvCxnSpPr>
+          <p:cNvPr id="21" name="Straight Connector 20"/>
+          <p:cNvCxnSpPr/>
+          <p:nvPr/>
+        </p:nvCxnSpPr>
+        <p:spPr>
+          <a:xfrm flipV="1">
+            <a:off x="4733925" y="2926557"/>
+            <a:ext cx="48815" cy="269081"/>
+          </a:xfrm>
+          <a:prstGeom prst="line">
+            <a:avLst/>
+          </a:prstGeom>
+          <a:ln w="50800" cap="rnd">
+            <a:solidFill>
+              <a:schemeClr val="tx1">
+                <a:lumMod val="50000"/>
+                <a:lumOff val="50000"/>
+              </a:schemeClr>
+            </a:solidFill>
+          </a:ln>
+        </p:spPr>
+        <p:style>
+          <a:lnRef idx="1">
+            <a:schemeClr val="accent1"/>
+          </a:lnRef>
+          <a:fillRef idx="0">
+            <a:schemeClr val="accent1"/>
+          </a:fillRef>
+          <a:effectRef idx="0">
+            <a:schemeClr val="accent1"/>
+          </a:effectRef>
+          <a:fontRef idx="minor">
+            <a:schemeClr val="tx1"/>
+          </a:fontRef>
+        </p:style>
+      </p:cxnSp>
+      <p:cxnSp>
+        <p:nvCxnSpPr>
+          <p:cNvPr id="24" name="Straight Connector 23"/>
+          <p:cNvCxnSpPr/>
+          <p:nvPr/>
+        </p:nvCxnSpPr>
+        <p:spPr>
+          <a:xfrm flipH="1" flipV="1">
+            <a:off x="4740213" y="3208015"/>
+            <a:ext cx="55625" cy="311473"/>
+          </a:xfrm>
+          <a:prstGeom prst="line">
+            <a:avLst/>
+          </a:prstGeom>
+          <a:ln w="50800" cap="rnd">
+            <a:solidFill>
+              <a:schemeClr val="tx1">
+                <a:lumMod val="50000"/>
+                <a:lumOff val="50000"/>
+              </a:schemeClr>
+            </a:solidFill>
+          </a:ln>
+        </p:spPr>
+        <p:style>
+          <a:lnRef idx="1">
+            <a:schemeClr val="accent1"/>
+          </a:lnRef>
+          <a:fillRef idx="0">
+            <a:schemeClr val="accent1"/>
+          </a:fillRef>
+          <a:effectRef idx="0">
+            <a:schemeClr val="accent1"/>
+          </a:effectRef>
+          <a:fontRef idx="minor">
+            <a:schemeClr val="tx1"/>
+          </a:fontRef>
+        </p:style>
+      </p:cxnSp>
+      <p:cxnSp>
+        <p:nvCxnSpPr>
+          <p:cNvPr id="26" name="Straight Connector 25"/>
+          <p:cNvCxnSpPr/>
+          <p:nvPr/>
+        </p:nvCxnSpPr>
+        <p:spPr>
+          <a:xfrm flipH="1" flipV="1">
+            <a:off x="4794982" y="3522340"/>
+            <a:ext cx="15143" cy="387673"/>
+          </a:xfrm>
+          <a:prstGeom prst="line">
+            <a:avLst/>
+          </a:prstGeom>
+          <a:ln w="50800" cap="rnd">
+            <a:solidFill>
+              <a:schemeClr val="tx1">
+                <a:lumMod val="50000"/>
+                <a:lumOff val="50000"/>
+              </a:schemeClr>
+            </a:solidFill>
+          </a:ln>
+        </p:spPr>
+        <p:style>
+          <a:lnRef idx="1">
+            <a:schemeClr val="accent1"/>
+          </a:lnRef>
+          <a:fillRef idx="0">
+            <a:schemeClr val="accent1"/>
+          </a:fillRef>
+          <a:effectRef idx="0">
+            <a:schemeClr val="accent1"/>
+          </a:effectRef>
+          <a:fontRef idx="minor">
+            <a:schemeClr val="tx1"/>
+          </a:fontRef>
+        </p:style>
+      </p:cxnSp>
+      <p:cxnSp>
+        <p:nvCxnSpPr>
+          <p:cNvPr id="30" name="Straight Connector 29"/>
+          <p:cNvCxnSpPr/>
+          <p:nvPr/>
+        </p:nvCxnSpPr>
+        <p:spPr>
+          <a:xfrm flipH="1" flipV="1">
+            <a:off x="4381500" y="3145631"/>
+            <a:ext cx="64294" cy="466725"/>
+          </a:xfrm>
+          <a:prstGeom prst="line">
+            <a:avLst/>
+          </a:prstGeom>
+          <a:ln w="50800" cap="rnd">
+            <a:solidFill>
+              <a:schemeClr val="tx1">
+                <a:lumMod val="50000"/>
+                <a:lumOff val="50000"/>
+              </a:schemeClr>
+            </a:solidFill>
+          </a:ln>
+        </p:spPr>
+        <p:style>
+          <a:lnRef idx="1">
+            <a:schemeClr val="accent1"/>
+          </a:lnRef>
+          <a:fillRef idx="0">
+            <a:schemeClr val="accent1"/>
+          </a:fillRef>
+          <a:effectRef idx="0">
+            <a:schemeClr val="accent1"/>
+          </a:effectRef>
+          <a:fontRef idx="minor">
+            <a:schemeClr val="tx1"/>
+          </a:fontRef>
+        </p:style>
+      </p:cxnSp>
+      <p:cxnSp>
+        <p:nvCxnSpPr>
+          <p:cNvPr id="33" name="Straight Connector 32"/>
+          <p:cNvCxnSpPr/>
+          <p:nvPr/>
+        </p:nvCxnSpPr>
+        <p:spPr>
+          <a:xfrm flipV="1">
+            <a:off x="4448175" y="3534247"/>
+            <a:ext cx="334900" cy="85253"/>
+          </a:xfrm>
+          <a:prstGeom prst="line">
+            <a:avLst/>
+          </a:prstGeom>
+          <a:ln w="50800" cap="rnd">
+            <a:solidFill>
+              <a:schemeClr val="tx1">
+                <a:lumMod val="50000"/>
+                <a:lumOff val="50000"/>
+              </a:schemeClr>
+            </a:solidFill>
+          </a:ln>
+        </p:spPr>
+        <p:style>
+          <a:lnRef idx="1">
+            <a:schemeClr val="accent1"/>
+          </a:lnRef>
+          <a:fillRef idx="0">
+            <a:schemeClr val="accent1"/>
+          </a:fillRef>
+          <a:effectRef idx="0">
+            <a:schemeClr val="accent1"/>
+          </a:effectRef>
+          <a:fontRef idx="minor">
+            <a:schemeClr val="tx1"/>
+          </a:fontRef>
+        </p:style>
+      </p:cxnSp>
+      <p:cxnSp>
+        <p:nvCxnSpPr>
+          <p:cNvPr id="35" name="Straight Connector 34"/>
+          <p:cNvCxnSpPr/>
+          <p:nvPr/>
+        </p:nvCxnSpPr>
+        <p:spPr>
+          <a:xfrm>
+            <a:off x="4090988" y="3564731"/>
+            <a:ext cx="359568" cy="52389"/>
+          </a:xfrm>
+          <a:prstGeom prst="line">
+            <a:avLst/>
+          </a:prstGeom>
+          <a:ln w="50800" cap="rnd">
+            <a:solidFill>
+              <a:schemeClr val="tx1">
+                <a:lumMod val="50000"/>
+                <a:lumOff val="50000"/>
+              </a:schemeClr>
+            </a:solidFill>
+          </a:ln>
+        </p:spPr>
+        <p:style>
+          <a:lnRef idx="1">
+            <a:schemeClr val="accent1"/>
+          </a:lnRef>
+          <a:fillRef idx="0">
+            <a:schemeClr val="accent1"/>
+          </a:fillRef>
+          <a:effectRef idx="0">
+            <a:schemeClr val="accent1"/>
+          </a:effectRef>
+          <a:fontRef idx="minor">
+            <a:schemeClr val="tx1"/>
+          </a:fontRef>
+        </p:style>
+      </p:cxnSp>
+      <p:cxnSp>
+        <p:nvCxnSpPr>
+          <p:cNvPr id="38" name="Straight Connector 37"/>
+          <p:cNvCxnSpPr/>
+          <p:nvPr/>
+        </p:nvCxnSpPr>
+        <p:spPr>
+          <a:xfrm flipV="1">
+            <a:off x="4400550" y="3612357"/>
+            <a:ext cx="54769" cy="311943"/>
+          </a:xfrm>
+          <a:prstGeom prst="line">
+            <a:avLst/>
+          </a:prstGeom>
+          <a:ln w="50800" cap="rnd">
+            <a:solidFill>
+              <a:schemeClr val="tx1">
+                <a:lumMod val="50000"/>
+                <a:lumOff val="50000"/>
+              </a:schemeClr>
+            </a:solidFill>
+          </a:ln>
+        </p:spPr>
+        <p:style>
+          <a:lnRef idx="1">
+            <a:schemeClr val="accent1"/>
+          </a:lnRef>
+          <a:fillRef idx="0">
+            <a:schemeClr val="accent1"/>
+          </a:fillRef>
+          <a:effectRef idx="0">
+            <a:schemeClr val="accent1"/>
+          </a:effectRef>
+          <a:fontRef idx="minor">
+            <a:schemeClr val="tx1"/>
+          </a:fontRef>
+        </p:style>
+      </p:cxnSp>
+    </p:spTree>
+    <p:extLst>
+      <p:ext uri="{BB962C8B-B14F-4D97-AF65-F5344CB8AC3E}">
+        <p14:creationId xmlns:p14="http://schemas.microsoft.com/office/powerpoint/2010/main" val="634124469"/>
+      </p:ext>
+    </p:extLst>
+  </p:cSld>
+  <p:clrMapOvr>
+    <a:masterClrMapping/>
+  </p:clrMapOvr>
+</p:sld>
+</file>
+
+<file path=ppt/slides/slide18.xml><?xml version="1.0" encoding="utf-8"?>
+<p:sld xmlns:a="http://schemas.openxmlformats.org/drawingml/2006/main" xmlns:r="http://schemas.openxmlformats.org/officeDocument/2006/relationships" xmlns:p="http://schemas.openxmlformats.org/presentationml/2006/main">
+  <p:cSld>
+    <p:spTree>
+      <p:nvGrpSpPr>
+        <p:cNvPr id="1" name=""/>
+        <p:cNvGrpSpPr/>
+        <p:nvPr/>
+      </p:nvGrpSpPr>
+      <p:grpSpPr>
+        <a:xfrm>
+          <a:off x="0" y="0"/>
+          <a:ext cx="0" cy="0"/>
+          <a:chOff x="0" y="0"/>
+          <a:chExt cx="0" cy="0"/>
+        </a:xfrm>
+      </p:grpSpPr>
+      <p:sp>
+        <p:nvSpPr>
+          <p:cNvPr id="2" name="Rectangle 1"/>
+          <p:cNvSpPr/>
+          <p:nvPr/>
+        </p:nvSpPr>
+        <p:spPr>
+          <a:xfrm>
+            <a:off x="4032000" y="2889000"/>
+            <a:ext cx="1080000" cy="1080000"/>
+          </a:xfrm>
+          <a:prstGeom prst="rect">
+            <a:avLst/>
+          </a:prstGeom>
+          <a:noFill/>
+          <a:ln w="6350">
+            <a:noFill/>
+          </a:ln>
+        </p:spPr>
+        <p:style>
+          <a:lnRef idx="2">
+            <a:schemeClr val="accent1">
+              <a:shade val="50000"/>
+            </a:schemeClr>
+          </a:lnRef>
+          <a:fillRef idx="1">
+            <a:schemeClr val="accent1"/>
+          </a:fillRef>
+          <a:effectRef idx="0">
+            <a:schemeClr val="accent1"/>
+          </a:effectRef>
+          <a:fontRef idx="minor">
+            <a:schemeClr val="lt1"/>
+          </a:fontRef>
+        </p:style>
+        <p:txBody>
+          <a:bodyPr rtlCol="0" anchor="ctr"/>
+          <a:lstStyle/>
+          <a:p>
+            <a:pPr algn="ctr"/>
+            <a:endParaRPr lang="zh-TW" altLang="en-US"/>
+          </a:p>
+        </p:txBody>
+      </p:sp>
       <p:cxnSp>
         <p:nvCxnSpPr>
           <p:cNvPr id="4" name="Straight Connector 3"/>
@@ -6553,7 +7134,7 @@
 </p:sld>
 </file>
 
-<file path=ppt/slides/slide18.xml><?xml version="1.0" encoding="utf-8"?>
+<file path=ppt/slides/slide19.xml><?xml version="1.0" encoding="utf-8"?>
 <p:sld xmlns:a="http://schemas.openxmlformats.org/drawingml/2006/main" xmlns:r="http://schemas.openxmlformats.org/officeDocument/2006/relationships" xmlns:p="http://schemas.openxmlformats.org/presentationml/2006/main">
   <p:cSld>
     <p:spTree>
@@ -6651,7 +7232,127 @@
 </p:sld>
 </file>
 
-<file path=ppt/slides/slide19.xml><?xml version="1.0" encoding="utf-8"?>
+<file path=ppt/slides/slide2.xml><?xml version="1.0" encoding="utf-8"?>
+<p:sld xmlns:a="http://schemas.openxmlformats.org/drawingml/2006/main" xmlns:r="http://schemas.openxmlformats.org/officeDocument/2006/relationships" xmlns:p="http://schemas.openxmlformats.org/presentationml/2006/main">
+  <p:cSld>
+    <p:spTree>
+      <p:nvGrpSpPr>
+        <p:cNvPr id="1" name=""/>
+        <p:cNvGrpSpPr/>
+        <p:nvPr/>
+      </p:nvGrpSpPr>
+      <p:grpSpPr>
+        <a:xfrm>
+          <a:off x="0" y="0"/>
+          <a:ext cx="0" cy="0"/>
+          <a:chOff x="0" y="0"/>
+          <a:chExt cx="0" cy="0"/>
+        </a:xfrm>
+      </p:grpSpPr>
+      <p:sp>
+        <p:nvSpPr>
+          <p:cNvPr id="3" name="Rectangle 2"/>
+          <p:cNvSpPr/>
+          <p:nvPr/>
+        </p:nvSpPr>
+        <p:spPr>
+          <a:xfrm>
+            <a:off x="4032000" y="2889000"/>
+            <a:ext cx="1080000" cy="1080000"/>
+          </a:xfrm>
+          <a:prstGeom prst="rect">
+            <a:avLst/>
+          </a:prstGeom>
+          <a:noFill/>
+          <a:ln w="6350">
+            <a:noFill/>
+          </a:ln>
+        </p:spPr>
+        <p:style>
+          <a:lnRef idx="2">
+            <a:schemeClr val="accent1">
+              <a:shade val="50000"/>
+            </a:schemeClr>
+          </a:lnRef>
+          <a:fillRef idx="1">
+            <a:schemeClr val="accent1"/>
+          </a:fillRef>
+          <a:effectRef idx="0">
+            <a:schemeClr val="accent1"/>
+          </a:effectRef>
+          <a:fontRef idx="minor">
+            <a:schemeClr val="lt1"/>
+          </a:fontRef>
+        </p:style>
+        <p:txBody>
+          <a:bodyPr rtlCol="0" anchor="ctr"/>
+          <a:lstStyle/>
+          <a:p>
+            <a:pPr algn="ctr"/>
+            <a:endParaRPr lang="zh-TW" altLang="en-US"/>
+          </a:p>
+        </p:txBody>
+      </p:sp>
+      <p:sp>
+        <p:nvSpPr>
+          <p:cNvPr id="4" name="Oval 3"/>
+          <p:cNvSpPr/>
+          <p:nvPr/>
+        </p:nvSpPr>
+        <p:spPr>
+          <a:xfrm>
+            <a:off x="4114800" y="2971800"/>
+            <a:ext cx="914400" cy="914400"/>
+          </a:xfrm>
+          <a:prstGeom prst="ellipse">
+            <a:avLst/>
+          </a:prstGeom>
+          <a:solidFill>
+            <a:srgbClr val="FF0000"/>
+          </a:solidFill>
+          <a:ln>
+            <a:noFill/>
+          </a:ln>
+        </p:spPr>
+        <p:style>
+          <a:lnRef idx="2">
+            <a:schemeClr val="accent1">
+              <a:shade val="50000"/>
+            </a:schemeClr>
+          </a:lnRef>
+          <a:fillRef idx="1">
+            <a:schemeClr val="accent1"/>
+          </a:fillRef>
+          <a:effectRef idx="0">
+            <a:schemeClr val="accent1"/>
+          </a:effectRef>
+          <a:fontRef idx="minor">
+            <a:schemeClr val="lt1"/>
+          </a:fontRef>
+        </p:style>
+        <p:txBody>
+          <a:bodyPr rtlCol="0" anchor="ctr"/>
+          <a:lstStyle/>
+          <a:p>
+            <a:pPr algn="ctr"/>
+            <a:endParaRPr lang="en-US"/>
+          </a:p>
+        </p:txBody>
+      </p:sp>
+    </p:spTree>
+    <p:extLst>
+      <p:ext uri="{BB962C8B-B14F-4D97-AF65-F5344CB8AC3E}">
+        <p14:creationId xmlns:p14="http://schemas.microsoft.com/office/powerpoint/2010/main" val="3834815093"/>
+      </p:ext>
+    </p:extLst>
+  </p:cSld>
+  <p:clrMapOvr>
+    <a:masterClrMapping/>
+  </p:clrMapOvr>
+</p:sld>
+</file>
+
+<file path=ppt/slides/slide20.xml><?xml version="1.0" encoding="utf-8"?>
 <p:sld xmlns:a="http://schemas.openxmlformats.org/drawingml/2006/main" xmlns:r="http://schemas.openxmlformats.org/officeDocument/2006/relationships" xmlns:p="http://schemas.openxmlformats.org/presentationml/2006/main">
   <p:cSld>
     <p:spTree>
@@ -7846,127 +8547,7 @@
 </p:sld>
 </file>
 
-<file path=ppt/slides/slide2.xml><?xml version="1.0" encoding="utf-8"?>
-<p:sld xmlns:a="http://schemas.openxmlformats.org/drawingml/2006/main" xmlns:r="http://schemas.openxmlformats.org/officeDocument/2006/relationships" xmlns:p="http://schemas.openxmlformats.org/presentationml/2006/main">
-  <p:cSld>
-    <p:spTree>
-      <p:nvGrpSpPr>
-        <p:cNvPr id="1" name=""/>
-        <p:cNvGrpSpPr/>
-        <p:nvPr/>
-      </p:nvGrpSpPr>
-      <p:grpSpPr>
-        <a:xfrm>
-          <a:off x="0" y="0"/>
-          <a:ext cx="0" cy="0"/>
-          <a:chOff x="0" y="0"/>
-          <a:chExt cx="0" cy="0"/>
-        </a:xfrm>
-      </p:grpSpPr>
-      <p:sp>
-        <p:nvSpPr>
-          <p:cNvPr id="3" name="Rectangle 2"/>
-          <p:cNvSpPr/>
-          <p:nvPr/>
-        </p:nvSpPr>
-        <p:spPr>
-          <a:xfrm>
-            <a:off x="4032000" y="2889000"/>
-            <a:ext cx="1080000" cy="1080000"/>
-          </a:xfrm>
-          <a:prstGeom prst="rect">
-            <a:avLst/>
-          </a:prstGeom>
-          <a:noFill/>
-          <a:ln w="6350">
-            <a:noFill/>
-          </a:ln>
-        </p:spPr>
-        <p:style>
-          <a:lnRef idx="2">
-            <a:schemeClr val="accent1">
-              <a:shade val="50000"/>
-            </a:schemeClr>
-          </a:lnRef>
-          <a:fillRef idx="1">
-            <a:schemeClr val="accent1"/>
-          </a:fillRef>
-          <a:effectRef idx="0">
-            <a:schemeClr val="accent1"/>
-          </a:effectRef>
-          <a:fontRef idx="minor">
-            <a:schemeClr val="lt1"/>
-          </a:fontRef>
-        </p:style>
-        <p:txBody>
-          <a:bodyPr rtlCol="0" anchor="ctr"/>
-          <a:lstStyle/>
-          <a:p>
-            <a:pPr algn="ctr"/>
-            <a:endParaRPr lang="zh-TW" altLang="en-US"/>
-          </a:p>
-        </p:txBody>
-      </p:sp>
-      <p:sp>
-        <p:nvSpPr>
-          <p:cNvPr id="4" name="Oval 3"/>
-          <p:cNvSpPr/>
-          <p:nvPr/>
-        </p:nvSpPr>
-        <p:spPr>
-          <a:xfrm>
-            <a:off x="4114800" y="2971800"/>
-            <a:ext cx="914400" cy="914400"/>
-          </a:xfrm>
-          <a:prstGeom prst="ellipse">
-            <a:avLst/>
-          </a:prstGeom>
-          <a:solidFill>
-            <a:srgbClr val="FF0000"/>
-          </a:solidFill>
-          <a:ln>
-            <a:noFill/>
-          </a:ln>
-        </p:spPr>
-        <p:style>
-          <a:lnRef idx="2">
-            <a:schemeClr val="accent1">
-              <a:shade val="50000"/>
-            </a:schemeClr>
-          </a:lnRef>
-          <a:fillRef idx="1">
-            <a:schemeClr val="accent1"/>
-          </a:fillRef>
-          <a:effectRef idx="0">
-            <a:schemeClr val="accent1"/>
-          </a:effectRef>
-          <a:fontRef idx="minor">
-            <a:schemeClr val="lt1"/>
-          </a:fontRef>
-        </p:style>
-        <p:txBody>
-          <a:bodyPr rtlCol="0" anchor="ctr"/>
-          <a:lstStyle/>
-          <a:p>
-            <a:pPr algn="ctr"/>
-            <a:endParaRPr lang="en-US"/>
-          </a:p>
-        </p:txBody>
-      </p:sp>
-    </p:spTree>
-    <p:extLst>
-      <p:ext uri="{BB962C8B-B14F-4D97-AF65-F5344CB8AC3E}">
-        <p14:creationId xmlns:p14="http://schemas.microsoft.com/office/powerpoint/2010/main" val="3834815093"/>
-      </p:ext>
-    </p:extLst>
-  </p:cSld>
-  <p:clrMapOvr>
-    <a:masterClrMapping/>
-  </p:clrMapOvr>
-</p:sld>
-</file>
-
-<file path=ppt/slides/slide20.xml><?xml version="1.0" encoding="utf-8"?>
+<file path=ppt/slides/slide21.xml><?xml version="1.0" encoding="utf-8"?>
 <p:sld xmlns:a="http://schemas.openxmlformats.org/drawingml/2006/main" xmlns:r="http://schemas.openxmlformats.org/officeDocument/2006/relationships" xmlns:p="http://schemas.openxmlformats.org/presentationml/2006/main">
   <p:cSld>
     <p:spTree>
@@ -8641,6 +9222,57 @@
       </p:grpSpPr>
       <p:sp>
         <p:nvSpPr>
+          <p:cNvPr id="7" name="Trapezoid 6"/>
+          <p:cNvSpPr/>
+          <p:nvPr/>
+        </p:nvSpPr>
+        <p:spPr>
+          <a:xfrm rot="16200000">
+            <a:off x="4594434" y="3146931"/>
+            <a:ext cx="684000" cy="239511"/>
+          </a:xfrm>
+          <a:prstGeom prst="trapezoid">
+            <a:avLst>
+              <a:gd name="adj" fmla="val 112099"/>
+            </a:avLst>
+          </a:prstGeom>
+          <a:solidFill>
+            <a:schemeClr val="bg1">
+              <a:lumMod val="65000"/>
+            </a:schemeClr>
+          </a:solidFill>
+          <a:ln w="50800">
+            <a:noFill/>
+            <a:miter lim="800000"/>
+          </a:ln>
+        </p:spPr>
+        <p:style>
+          <a:lnRef idx="2">
+            <a:schemeClr val="accent1">
+              <a:shade val="50000"/>
+            </a:schemeClr>
+          </a:lnRef>
+          <a:fillRef idx="1">
+            <a:schemeClr val="accent1"/>
+          </a:fillRef>
+          <a:effectRef idx="0">
+            <a:schemeClr val="accent1"/>
+          </a:effectRef>
+          <a:fontRef idx="minor">
+            <a:schemeClr val="lt1"/>
+          </a:fontRef>
+        </p:style>
+        <p:txBody>
+          <a:bodyPr rtlCol="0" anchor="ctr"/>
+          <a:lstStyle/>
+          <a:p>
+            <a:pPr algn="ctr"/>
+            <a:endParaRPr lang="zh-TW" altLang="en-US"/>
+          </a:p>
+        </p:txBody>
+      </p:sp>
+      <p:sp>
+        <p:nvSpPr>
           <p:cNvPr id="3" name="Rectangle 2"/>
           <p:cNvSpPr/>
           <p:nvPr/>
@@ -8691,8 +9323,8 @@
         </p:nvSpPr>
         <p:spPr>
           <a:xfrm>
-            <a:off x="4096678" y="2960687"/>
-            <a:ext cx="756000" cy="612000"/>
+            <a:off x="4096678" y="2978687"/>
+            <a:ext cx="720000" cy="576000"/>
           </a:xfrm>
           <a:prstGeom prst="roundRect">
             <a:avLst>
@@ -8775,57 +9407,6 @@
           </a:extLst>
         </p:spPr>
       </p:pic>
-      <p:sp>
-        <p:nvSpPr>
-          <p:cNvPr id="7" name="Trapezoid 6"/>
-          <p:cNvSpPr/>
-          <p:nvPr/>
-        </p:nvSpPr>
-        <p:spPr>
-          <a:xfrm rot="16200000">
-            <a:off x="4642189" y="3158686"/>
-            <a:ext cx="612000" cy="216000"/>
-          </a:xfrm>
-          <a:prstGeom prst="trapezoid">
-            <a:avLst>
-              <a:gd name="adj" fmla="val 112099"/>
-            </a:avLst>
-          </a:prstGeom>
-          <a:solidFill>
-            <a:schemeClr val="bg1">
-              <a:lumMod val="65000"/>
-            </a:schemeClr>
-          </a:solidFill>
-          <a:ln w="50800">
-            <a:noFill/>
-            <a:miter lim="800000"/>
-          </a:ln>
-        </p:spPr>
-        <p:style>
-          <a:lnRef idx="2">
-            <a:schemeClr val="accent1">
-              <a:shade val="50000"/>
-            </a:schemeClr>
-          </a:lnRef>
-          <a:fillRef idx="1">
-            <a:schemeClr val="accent1"/>
-          </a:fillRef>
-          <a:effectRef idx="0">
-            <a:schemeClr val="accent1"/>
-          </a:effectRef>
-          <a:fontRef idx="minor">
-            <a:schemeClr val="lt1"/>
-          </a:fontRef>
-        </p:style>
-        <p:txBody>
-          <a:bodyPr rtlCol="0" anchor="ctr"/>
-          <a:lstStyle/>
-          <a:p>
-            <a:pPr algn="ctr"/>
-            <a:endParaRPr lang="zh-TW" altLang="en-US"/>
-          </a:p>
-        </p:txBody>
-      </p:sp>
     </p:spTree>
     <p:extLst>
       <p:ext uri="{BB962C8B-B14F-4D97-AF65-F5344CB8AC3E}">
@@ -9422,64 +10003,14 @@
       </p:grpSpPr>
       <p:sp>
         <p:nvSpPr>
-          <p:cNvPr id="74" name="Rounded Rectangle 73"/>
+          <p:cNvPr id="65" name="Trapezoid 64"/>
           <p:cNvSpPr/>
           <p:nvPr/>
         </p:nvSpPr>
         <p:spPr>
-          <a:xfrm>
-            <a:off x="4096678" y="2960687"/>
-            <a:ext cx="756000" cy="612000"/>
-          </a:xfrm>
-          <a:prstGeom prst="roundRect">
-            <a:avLst>
-              <a:gd name="adj" fmla="val 7326"/>
-            </a:avLst>
-          </a:prstGeom>
-          <a:solidFill>
-            <a:schemeClr val="bg1">
-              <a:lumMod val="65000"/>
-            </a:schemeClr>
-          </a:solidFill>
-          <a:ln w="50800">
-            <a:noFill/>
-          </a:ln>
-        </p:spPr>
-        <p:style>
-          <a:lnRef idx="2">
-            <a:schemeClr val="accent1">
-              <a:shade val="50000"/>
-            </a:schemeClr>
-          </a:lnRef>
-          <a:fillRef idx="1">
-            <a:schemeClr val="accent1"/>
-          </a:fillRef>
-          <a:effectRef idx="0">
-            <a:schemeClr val="accent1"/>
-          </a:effectRef>
-          <a:fontRef idx="minor">
-            <a:schemeClr val="lt1"/>
-          </a:fontRef>
-        </p:style>
-        <p:txBody>
-          <a:bodyPr rtlCol="0" anchor="ctr"/>
-          <a:lstStyle/>
-          <a:p>
-            <a:pPr algn="ctr"/>
-            <a:endParaRPr lang="zh-TW" altLang="en-US"/>
-          </a:p>
-        </p:txBody>
-      </p:sp>
-      <p:sp>
-        <p:nvSpPr>
-          <p:cNvPr id="75" name="Trapezoid 74"/>
-          <p:cNvSpPr/>
-          <p:nvPr/>
-        </p:nvSpPr>
-        <p:spPr>
           <a:xfrm rot="16200000">
-            <a:off x="4642189" y="3158686"/>
-            <a:ext cx="612000" cy="216000"/>
+            <a:off x="4594434" y="3146931"/>
+            <a:ext cx="684000" cy="239511"/>
           </a:xfrm>
           <a:prstGeom prst="trapezoid">
             <a:avLst>
@@ -9523,20 +10054,26 @@
       </p:sp>
       <p:sp>
         <p:nvSpPr>
-          <p:cNvPr id="12" name="Rectangle 11"/>
+          <p:cNvPr id="66" name="Rounded Rectangle 65"/>
           <p:cNvSpPr/>
           <p:nvPr/>
         </p:nvSpPr>
         <p:spPr>
           <a:xfrm>
-            <a:off x="4032000" y="2889000"/>
-            <a:ext cx="1080000" cy="1080000"/>
-          </a:xfrm>
-          <a:prstGeom prst="rect">
-            <a:avLst/>
+            <a:off x="4096678" y="2978687"/>
+            <a:ext cx="720000" cy="576000"/>
+          </a:xfrm>
+          <a:prstGeom prst="roundRect">
+            <a:avLst>
+              <a:gd name="adj" fmla="val 7326"/>
+            </a:avLst>
           </a:prstGeom>
-          <a:noFill/>
-          <a:ln w="6350">
+          <a:solidFill>
+            <a:schemeClr val="bg1">
+              <a:lumMod val="65000"/>
+            </a:schemeClr>
+          </a:solidFill>
+          <a:ln w="50800">
             <a:noFill/>
           </a:ln>
         </p:spPr>
@@ -10531,6 +11068,50 @@
           </p:sp>
         </p:grpSp>
       </p:grpSp>
+      <p:sp>
+        <p:nvSpPr>
+          <p:cNvPr id="38" name="Rectangle 37"/>
+          <p:cNvSpPr/>
+          <p:nvPr/>
+        </p:nvSpPr>
+        <p:spPr>
+          <a:xfrm>
+            <a:off x="4032000" y="2889000"/>
+            <a:ext cx="1080000" cy="1080000"/>
+          </a:xfrm>
+          <a:prstGeom prst="rect">
+            <a:avLst/>
+          </a:prstGeom>
+          <a:noFill/>
+          <a:ln w="6350">
+            <a:noFill/>
+          </a:ln>
+        </p:spPr>
+        <p:style>
+          <a:lnRef idx="2">
+            <a:schemeClr val="accent1">
+              <a:shade val="50000"/>
+            </a:schemeClr>
+          </a:lnRef>
+          <a:fillRef idx="1">
+            <a:schemeClr val="accent1"/>
+          </a:fillRef>
+          <a:effectRef idx="0">
+            <a:schemeClr val="accent1"/>
+          </a:effectRef>
+          <a:fontRef idx="minor">
+            <a:schemeClr val="lt1"/>
+          </a:fontRef>
+        </p:style>
+        <p:txBody>
+          <a:bodyPr rtlCol="0" anchor="ctr"/>
+          <a:lstStyle/>
+          <a:p>
+            <a:pPr algn="ctr"/>
+            <a:endParaRPr lang="zh-TW" altLang="en-US"/>
+          </a:p>
+        </p:txBody>
+      </p:sp>
     </p:spTree>
     <p:extLst>
       <p:ext uri="{BB962C8B-B14F-4D97-AF65-F5344CB8AC3E}">
@@ -10563,64 +11144,14 @@
       </p:grpSpPr>
       <p:sp>
         <p:nvSpPr>
-          <p:cNvPr id="74" name="Rounded Rectangle 73"/>
+          <p:cNvPr id="17" name="Trapezoid 16"/>
           <p:cNvSpPr/>
           <p:nvPr/>
         </p:nvSpPr>
         <p:spPr>
-          <a:xfrm>
-            <a:off x="4096678" y="2960687"/>
-            <a:ext cx="756000" cy="612000"/>
-          </a:xfrm>
-          <a:prstGeom prst="roundRect">
-            <a:avLst>
-              <a:gd name="adj" fmla="val 7326"/>
-            </a:avLst>
-          </a:prstGeom>
-          <a:solidFill>
-            <a:schemeClr val="bg1">
-              <a:lumMod val="65000"/>
-            </a:schemeClr>
-          </a:solidFill>
-          <a:ln w="50800">
-            <a:noFill/>
-          </a:ln>
-        </p:spPr>
-        <p:style>
-          <a:lnRef idx="2">
-            <a:schemeClr val="accent1">
-              <a:shade val="50000"/>
-            </a:schemeClr>
-          </a:lnRef>
-          <a:fillRef idx="1">
-            <a:schemeClr val="accent1"/>
-          </a:fillRef>
-          <a:effectRef idx="0">
-            <a:schemeClr val="accent1"/>
-          </a:effectRef>
-          <a:fontRef idx="minor">
-            <a:schemeClr val="lt1"/>
-          </a:fontRef>
-        </p:style>
-        <p:txBody>
-          <a:bodyPr rtlCol="0" anchor="ctr"/>
-          <a:lstStyle/>
-          <a:p>
-            <a:pPr algn="ctr"/>
-            <a:endParaRPr lang="zh-TW" altLang="en-US"/>
-          </a:p>
-        </p:txBody>
-      </p:sp>
-      <p:sp>
-        <p:nvSpPr>
-          <p:cNvPr id="75" name="Trapezoid 74"/>
-          <p:cNvSpPr/>
-          <p:nvPr/>
-        </p:nvSpPr>
-        <p:spPr>
           <a:xfrm rot="16200000">
-            <a:off x="4642189" y="3158686"/>
-            <a:ext cx="612000" cy="216000"/>
+            <a:off x="4594434" y="3146931"/>
+            <a:ext cx="684000" cy="239511"/>
           </a:xfrm>
           <a:prstGeom prst="trapezoid">
             <a:avLst>
@@ -10635,6 +11166,56 @@
           <a:ln w="50800">
             <a:noFill/>
             <a:miter lim="800000"/>
+          </a:ln>
+        </p:spPr>
+        <p:style>
+          <a:lnRef idx="2">
+            <a:schemeClr val="accent1">
+              <a:shade val="50000"/>
+            </a:schemeClr>
+          </a:lnRef>
+          <a:fillRef idx="1">
+            <a:schemeClr val="accent1"/>
+          </a:fillRef>
+          <a:effectRef idx="0">
+            <a:schemeClr val="accent1"/>
+          </a:effectRef>
+          <a:fontRef idx="minor">
+            <a:schemeClr val="lt1"/>
+          </a:fontRef>
+        </p:style>
+        <p:txBody>
+          <a:bodyPr rtlCol="0" anchor="ctr"/>
+          <a:lstStyle/>
+          <a:p>
+            <a:pPr algn="ctr"/>
+            <a:endParaRPr lang="zh-TW" altLang="en-US"/>
+          </a:p>
+        </p:txBody>
+      </p:sp>
+      <p:sp>
+        <p:nvSpPr>
+          <p:cNvPr id="18" name="Rounded Rectangle 17"/>
+          <p:cNvSpPr/>
+          <p:nvPr/>
+        </p:nvSpPr>
+        <p:spPr>
+          <a:xfrm>
+            <a:off x="4096678" y="2978687"/>
+            <a:ext cx="720000" cy="576000"/>
+          </a:xfrm>
+          <a:prstGeom prst="roundRect">
+            <a:avLst>
+              <a:gd name="adj" fmla="val 7326"/>
+            </a:avLst>
+          </a:prstGeom>
+          <a:solidFill>
+            <a:schemeClr val="bg1">
+              <a:lumMod val="65000"/>
+            </a:schemeClr>
+          </a:solidFill>
+          <a:ln w="50800">
+            <a:noFill/>
           </a:ln>
         </p:spPr>
         <p:style>
